--- a/BigDataProject presentation.pptx
+++ b/BigDataProject presentation.pptx
@@ -6,6 +6,9 @@
   </p:sldMasterIdLst>
   <p:sldIdLst>
     <p:sldId id="256" r:id="rId2"/>
+    <p:sldId id="257" r:id="rId3"/>
+    <p:sldId id="258" r:id="rId4"/>
+    <p:sldId id="259" r:id="rId5"/>
   </p:sldIdLst>
   <p:sldSz cx="12192000" cy="6858000"/>
   <p:notesSz cx="6858000" cy="9144000"/>
@@ -104,13 +107,18 @@
       </a:defRPr>
     </a:lvl9pPr>
   </p:defaultTextStyle>
+  <p:extLst>
+    <p:ext uri="{EFAFB233-063F-42B5-8137-9DF3F51BA10A}">
+      <p15:sldGuideLst xmlns:p15="http://schemas.microsoft.com/office/powerpoint/2012/main"/>
+    </p:ext>
+  </p:extLst>
 </p:presentation>
 </file>
 
 <file path=ppt/revisionInfo.xml><?xml version="1.0" encoding="utf-8"?>
 <p1510:revInfo xmlns:a="http://schemas.openxmlformats.org/drawingml/2006/main" xmlns:r="http://schemas.openxmlformats.org/officeDocument/2006/relationships" xmlns:p1510="http://schemas.microsoft.com/office/powerpoint/2015/10/main">
   <p1510:revLst>
-    <p1510:client id="{26A4DA2E-3B26-4A19-981B-FA4B6FD33F58}" v="5" dt="2023-09-20T11:40:20.233"/>
+    <p1510:client id="{26A4DA2E-3B26-4A19-981B-FA4B6FD33F58}" v="17" dt="2023-09-26T09:44:08.598"/>
   </p1510:revLst>
 </p1510:revInfo>
 </file>
@@ -120,18 +128,18 @@
   <pc:docChgLst>
     <pc:chgData name="Roy Liu" userId="755465ea-a681-4840-afaf-3106d4ded39d" providerId="ADAL" clId="{26A4DA2E-3B26-4A19-981B-FA4B6FD33F58}"/>
     <pc:docChg chg="undo custSel addSld modSld addMainMaster delMainMaster">
-      <pc:chgData name="Roy Liu" userId="755465ea-a681-4840-afaf-3106d4ded39d" providerId="ADAL" clId="{26A4DA2E-3B26-4A19-981B-FA4B6FD33F58}" dt="2023-09-20T11:40:20.233" v="154"/>
+      <pc:chgData name="Roy Liu" userId="755465ea-a681-4840-afaf-3106d4ded39d" providerId="ADAL" clId="{26A4DA2E-3B26-4A19-981B-FA4B6FD33F58}" dt="2023-09-26T09:44:02.538" v="257" actId="20577"/>
       <pc:docMkLst>
         <pc:docMk/>
       </pc:docMkLst>
       <pc:sldChg chg="addSp delSp modSp new mod modTransition modMedia setBg modClrScheme addAnim delAnim modAnim chgLayout">
-        <pc:chgData name="Roy Liu" userId="755465ea-a681-4840-afaf-3106d4ded39d" providerId="ADAL" clId="{26A4DA2E-3B26-4A19-981B-FA4B6FD33F58}" dt="2023-09-20T11:40:20.233" v="154"/>
+        <pc:chgData name="Roy Liu" userId="755465ea-a681-4840-afaf-3106d4ded39d" providerId="ADAL" clId="{26A4DA2E-3B26-4A19-981B-FA4B6FD33F58}" dt="2023-09-26T09:44:02.538" v="257" actId="20577"/>
         <pc:sldMkLst>
           <pc:docMk/>
           <pc:sldMk cId="4059361716" sldId="256"/>
         </pc:sldMkLst>
         <pc:spChg chg="mod">
-          <ac:chgData name="Roy Liu" userId="755465ea-a681-4840-afaf-3106d4ded39d" providerId="ADAL" clId="{26A4DA2E-3B26-4A19-981B-FA4B6FD33F58}" dt="2023-09-20T11:39:52.354" v="148" actId="26606"/>
+          <ac:chgData name="Roy Liu" userId="755465ea-a681-4840-afaf-3106d4ded39d" providerId="ADAL" clId="{26A4DA2E-3B26-4A19-981B-FA4B6FD33F58}" dt="2023-09-20T11:44:14.964" v="163"/>
           <ac:spMkLst>
             <pc:docMk/>
             <pc:sldMk cId="4059361716" sldId="256"/>
@@ -139,7 +147,7 @@
           </ac:spMkLst>
         </pc:spChg>
         <pc:spChg chg="mod">
-          <ac:chgData name="Roy Liu" userId="755465ea-a681-4840-afaf-3106d4ded39d" providerId="ADAL" clId="{26A4DA2E-3B26-4A19-981B-FA4B6FD33F58}" dt="2023-09-20T11:39:52.354" v="148" actId="26606"/>
+          <ac:chgData name="Roy Liu" userId="755465ea-a681-4840-afaf-3106d4ded39d" providerId="ADAL" clId="{26A4DA2E-3B26-4A19-981B-FA4B6FD33F58}" dt="2023-09-26T09:44:02.538" v="257" actId="20577"/>
           <ac:spMkLst>
             <pc:docMk/>
             <pc:sldMk cId="4059361716" sldId="256"/>
@@ -306,6 +314,51 @@
             <ac:picMk id="39" creationId="{B80152C7-DADA-79AF-671F-ED9DFFAEEDA7}"/>
           </ac:picMkLst>
         </pc:picChg>
+      </pc:sldChg>
+      <pc:sldChg chg="modSp new mod">
+        <pc:chgData name="Roy Liu" userId="755465ea-a681-4840-afaf-3106d4ded39d" providerId="ADAL" clId="{26A4DA2E-3B26-4A19-981B-FA4B6FD33F58}" dt="2023-09-26T09:42:09.074" v="190" actId="20577"/>
+        <pc:sldMkLst>
+          <pc:docMk/>
+          <pc:sldMk cId="1499829321" sldId="257"/>
+        </pc:sldMkLst>
+        <pc:spChg chg="mod">
+          <ac:chgData name="Roy Liu" userId="755465ea-a681-4840-afaf-3106d4ded39d" providerId="ADAL" clId="{26A4DA2E-3B26-4A19-981B-FA4B6FD33F58}" dt="2023-09-26T09:42:09.074" v="190" actId="20577"/>
+          <ac:spMkLst>
+            <pc:docMk/>
+            <pc:sldMk cId="1499829321" sldId="257"/>
+            <ac:spMk id="2" creationId="{6E7FAB23-3BBF-1A08-4ADC-40F67AE0A9F3}"/>
+          </ac:spMkLst>
+        </pc:spChg>
+      </pc:sldChg>
+      <pc:sldChg chg="modSp new mod">
+        <pc:chgData name="Roy Liu" userId="755465ea-a681-4840-afaf-3106d4ded39d" providerId="ADAL" clId="{26A4DA2E-3B26-4A19-981B-FA4B6FD33F58}" dt="2023-09-26T09:42:21.876" v="214" actId="20577"/>
+        <pc:sldMkLst>
+          <pc:docMk/>
+          <pc:sldMk cId="3596416156" sldId="258"/>
+        </pc:sldMkLst>
+        <pc:spChg chg="mod">
+          <ac:chgData name="Roy Liu" userId="755465ea-a681-4840-afaf-3106d4ded39d" providerId="ADAL" clId="{26A4DA2E-3B26-4A19-981B-FA4B6FD33F58}" dt="2023-09-26T09:42:21.876" v="214" actId="20577"/>
+          <ac:spMkLst>
+            <pc:docMk/>
+            <pc:sldMk cId="3596416156" sldId="258"/>
+            <ac:spMk id="2" creationId="{027F2EE5-1AEC-892A-0F33-1DAF05804E15}"/>
+          </ac:spMkLst>
+        </pc:spChg>
+      </pc:sldChg>
+      <pc:sldChg chg="modSp new mod">
+        <pc:chgData name="Roy Liu" userId="755465ea-a681-4840-afaf-3106d4ded39d" providerId="ADAL" clId="{26A4DA2E-3B26-4A19-981B-FA4B6FD33F58}" dt="2023-09-26T09:42:57.288" v="247" actId="20577"/>
+        <pc:sldMkLst>
+          <pc:docMk/>
+          <pc:sldMk cId="2063800821" sldId="259"/>
+        </pc:sldMkLst>
+        <pc:spChg chg="mod">
+          <ac:chgData name="Roy Liu" userId="755465ea-a681-4840-afaf-3106d4ded39d" providerId="ADAL" clId="{26A4DA2E-3B26-4A19-981B-FA4B6FD33F58}" dt="2023-09-26T09:42:57.288" v="247" actId="20577"/>
+          <ac:spMkLst>
+            <pc:docMk/>
+            <pc:sldMk cId="2063800821" sldId="259"/>
+            <ac:spMk id="2" creationId="{9DA16EE9-A1C6-5746-186A-A83C444481EE}"/>
+          </ac:spMkLst>
+        </pc:spChg>
       </pc:sldChg>
       <pc:sldMasterChg chg="add del addSldLayout delSldLayout">
         <pc:chgData name="Roy Liu" userId="755465ea-a681-4840-afaf-3106d4ded39d" providerId="ADAL" clId="{26A4DA2E-3B26-4A19-981B-FA4B6FD33F58}" dt="2023-09-20T11:39:52.354" v="148" actId="26606"/>
@@ -950,7 +1003,7 @@
             <a:fld id="{11A6662E-FAF4-44BC-88B5-85A7CBFB6D30}" type="datetime1">
               <a:rPr lang="en-US" smtClean="0"/>
               <a:pPr/>
-              <a:t>9/20/2023</a:t>
+              <a:t>9/26/2023</a:t>
             </a:fld>
             <a:endParaRPr lang="en-US" dirty="0"/>
           </a:p>
@@ -1177,7 +1230,7 @@
           <a:p>
             <a:fld id="{4C559632-1575-4E14-B53B-3DC3D5ED3947}" type="datetime1">
               <a:rPr lang="en-US" smtClean="0"/>
-              <a:t>9/20/2023</a:t>
+              <a:t>9/26/2023</a:t>
             </a:fld>
             <a:endParaRPr lang="en-US"/>
           </a:p>
@@ -1385,7 +1438,7 @@
           <a:p>
             <a:fld id="{CC4A6868-2568-4CC9-B302-F37117B01A6E}" type="datetime1">
               <a:rPr lang="en-US" smtClean="0"/>
-              <a:t>9/20/2023</a:t>
+              <a:t>9/26/2023</a:t>
             </a:fld>
             <a:endParaRPr lang="en-US"/>
           </a:p>
@@ -1590,7 +1643,7 @@
           <a:p>
             <a:fld id="{0055F08A-1E71-4B2B-BB49-E743F2903911}" type="datetime1">
               <a:rPr lang="en-US" smtClean="0"/>
-              <a:t>9/20/2023</a:t>
+              <a:t>9/26/2023</a:t>
             </a:fld>
             <a:endParaRPr lang="en-US" dirty="0"/>
           </a:p>
@@ -1864,7 +1917,7 @@
           <a:p>
             <a:fld id="{15417D9E-721A-44BB-8863-9873FE64DA75}" type="datetime1">
               <a:rPr lang="en-US" smtClean="0"/>
-              <a:t>9/20/2023</a:t>
+              <a:t>9/26/2023</a:t>
             </a:fld>
             <a:endParaRPr lang="en-US"/>
           </a:p>
@@ -2137,7 +2190,7 @@
           <a:p>
             <a:fld id="{5F31DA2F-80B8-49CF-99FB-5ABCA53A607A}" type="datetime1">
               <a:rPr lang="en-US" smtClean="0"/>
-              <a:t>9/20/2023</a:t>
+              <a:t>9/26/2023</a:t>
             </a:fld>
             <a:endParaRPr lang="en-US"/>
           </a:p>
@@ -2552,7 +2605,7 @@
           <a:p>
             <a:fld id="{28852172-E6C9-4B6C-929A-A9DE3837BBF1}" type="datetime1">
               <a:rPr lang="en-US" smtClean="0"/>
-              <a:t>9/20/2023</a:t>
+              <a:t>9/26/2023</a:t>
             </a:fld>
             <a:endParaRPr lang="en-US"/>
           </a:p>
@@ -2704,7 +2757,7 @@
           <a:p>
             <a:fld id="{3AB41CFF-90C9-47B3-9DA1-F2BF8D839F7E}" type="datetime1">
               <a:rPr lang="en-US" smtClean="0"/>
-              <a:t>9/20/2023</a:t>
+              <a:t>9/26/2023</a:t>
             </a:fld>
             <a:endParaRPr lang="en-US"/>
           </a:p>
@@ -2817,7 +2870,7 @@
           <a:p>
             <a:fld id="{F06048FA-06AB-4884-A69B-986B96E68A24}" type="datetime1">
               <a:rPr lang="en-US" smtClean="0"/>
-              <a:t>9/20/2023</a:t>
+              <a:t>9/26/2023</a:t>
             </a:fld>
             <a:endParaRPr lang="en-US"/>
           </a:p>
@@ -3128,7 +3181,7 @@
           <a:p>
             <a:fld id="{50DB7ABA-0172-4F9C-889D-567164F66BCD}" type="datetime1">
               <a:rPr lang="en-US" smtClean="0"/>
-              <a:t>9/20/2023</a:t>
+              <a:t>9/26/2023</a:t>
             </a:fld>
             <a:endParaRPr lang="en-US"/>
           </a:p>
@@ -3419,7 +3472,7 @@
           <a:p>
             <a:fld id="{78AC6A5B-8AE7-4A41-B5A7-9ADC6686DC18}" type="datetime1">
               <a:rPr lang="en-US" smtClean="0"/>
-              <a:t>9/20/2023</a:t>
+              <a:t>9/26/2023</a:t>
             </a:fld>
             <a:endParaRPr lang="en-US"/>
           </a:p>
@@ -3728,7 +3781,7 @@
             <a:fld id="{57E0CF6C-748E-4B7A-BC8B-3011EF78ED13}" type="datetime1">
               <a:rPr lang="en-US" smtClean="0"/>
               <a:pPr/>
-              <a:t>9/20/2023</a:t>
+              <a:t>9/26/2023</a:t>
             </a:fld>
             <a:endParaRPr lang="en-US" dirty="0"/>
           </a:p>
@@ -4415,33 +4468,61 @@
           <a:p>
             <a:pPr algn="l"/>
             <a:r>
-              <a:rPr lang="fi-FI" sz="5200" dirty="0">
+              <a:rPr lang="fi-FI" sz="5200" b="1" dirty="0">
                 <a:solidFill>
                   <a:srgbClr val="FFFFFF"/>
                 </a:solidFill>
+                <a:effectLst>
+                  <a:outerShdw blurRad="38100" dist="38100" dir="2700000" algn="tl">
+                    <a:srgbClr val="000000">
+                      <a:alpha val="43137"/>
+                    </a:srgbClr>
+                  </a:outerShdw>
+                </a:effectLst>
               </a:rPr>
               <a:t>Analysis </a:t>
             </a:r>
             <a:r>
-              <a:rPr lang="en-US" sz="5200" dirty="0">
+              <a:rPr lang="en-US" sz="5200" b="1" dirty="0">
                 <a:solidFill>
                   <a:srgbClr val="FFFFFF"/>
                 </a:solidFill>
+                <a:effectLst>
+                  <a:outerShdw blurRad="38100" dist="38100" dir="2700000" algn="tl">
+                    <a:srgbClr val="000000">
+                      <a:alpha val="43137"/>
+                    </a:srgbClr>
+                  </a:outerShdw>
+                </a:effectLst>
               </a:rPr>
               <a:t>reports</a:t>
             </a:r>
             <a:r>
-              <a:rPr lang="fi-FI" sz="5200" dirty="0">
+              <a:rPr lang="fi-FI" sz="5200" b="1" dirty="0">
                 <a:solidFill>
                   <a:srgbClr val="FFFFFF"/>
                 </a:solidFill>
+                <a:effectLst>
+                  <a:outerShdw blurRad="38100" dist="38100" dir="2700000" algn="tl">
+                    <a:srgbClr val="000000">
+                      <a:alpha val="43137"/>
+                    </a:srgbClr>
+                  </a:outerShdw>
+                </a:effectLst>
               </a:rPr>
               <a:t> for</a:t>
             </a:r>
-            <a:endParaRPr lang="LID4096" sz="5200" dirty="0">
+            <a:endParaRPr lang="LID4096" sz="5200" b="1" dirty="0">
               <a:solidFill>
                 <a:srgbClr val="FFFFFF"/>
               </a:solidFill>
+              <a:effectLst>
+                <a:outerShdw blurRad="38100" dist="38100" dir="2700000" algn="tl">
+                  <a:srgbClr val="000000">
+                    <a:alpha val="43137"/>
+                  </a:srgbClr>
+                </a:outerShdw>
+              </a:effectLst>
             </a:endParaRPr>
           </a:p>
         </p:txBody>
@@ -4470,7 +4551,7 @@
         </p:spPr>
         <p:txBody>
           <a:bodyPr>
-            <a:normAutofit/>
+            <a:normAutofit lnSpcReduction="10000"/>
           </a:bodyPr>
           <a:lstStyle/>
           <a:p>
@@ -4480,12 +4561,19 @@
               </a:lnSpc>
             </a:pPr>
             <a:r>
-              <a:rPr lang="en-US" dirty="0">
+              <a:rPr lang="en-US" sz="2400" dirty="0">
                 <a:solidFill>
                   <a:srgbClr val="FFFFFF"/>
                 </a:solidFill>
+                <a:effectLst>
+                  <a:outerShdw blurRad="38100" dist="38100" dir="2700000" algn="tl">
+                    <a:srgbClr val="000000">
+                      <a:alpha val="43137"/>
+                    </a:srgbClr>
+                  </a:outerShdw>
+                </a:effectLst>
               </a:rPr>
-              <a:t>Shop satisfaction survey dataset</a:t>
+              <a:t>Workplace satisfaction survey</a:t>
             </a:r>
           </a:p>
           <a:p>
@@ -4498,6 +4586,13 @@
               <a:solidFill>
                 <a:srgbClr val="FFFFFF"/>
               </a:solidFill>
+              <a:effectLst>
+                <a:outerShdw blurRad="38100" dist="38100" dir="2700000" algn="tl">
+                  <a:srgbClr val="000000">
+                    <a:alpha val="43137"/>
+                  </a:srgbClr>
+                </a:outerShdw>
+              </a:effectLst>
             </a:endParaRPr>
           </a:p>
           <a:p>
@@ -4511,40 +4606,15 @@
                 <a:solidFill>
                   <a:srgbClr val="FFFFFF"/>
                 </a:solidFill>
+                <a:effectLst>
+                  <a:outerShdw blurRad="38100" dist="38100" dir="2700000" algn="tl">
+                    <a:srgbClr val="000000">
+                      <a:alpha val="43137"/>
+                    </a:srgbClr>
+                  </a:outerShdw>
+                </a:effectLst>
               </a:rPr>
-              <a:t>Keita </a:t>
-            </a:r>
-            <a:r>
-              <a:rPr lang="en-US" dirty="0" err="1">
-                <a:solidFill>
-                  <a:srgbClr val="FFFFFF"/>
-                </a:solidFill>
-              </a:rPr>
-              <a:t>Brudere</a:t>
-            </a:r>
-            <a:r>
-              <a:rPr lang="en-US" dirty="0">
-                <a:solidFill>
-                  <a:srgbClr val="FFFFFF"/>
-                </a:solidFill>
-              </a:rPr>
-              <a:t>, </a:t>
-            </a:r>
-            <a:r>
-              <a:rPr lang="en-US" dirty="0" err="1">
-                <a:solidFill>
-                  <a:srgbClr val="FFFFFF"/>
-                </a:solidFill>
-              </a:rPr>
-              <a:t>Viktória</a:t>
-            </a:r>
-            <a:r>
-              <a:rPr lang="en-US" dirty="0">
-                <a:solidFill>
-                  <a:srgbClr val="FFFFFF"/>
-                </a:solidFill>
-              </a:rPr>
-              <a:t> Szabó, Roy Liu</a:t>
+              <a:t>Keita Brudere, Viktória Szabó, Roy Liu</a:t>
             </a:r>
           </a:p>
         </p:txBody>
@@ -4553,6 +4623,310 @@
     <p:extLst>
       <p:ext uri="{BB962C8B-B14F-4D97-AF65-F5344CB8AC3E}">
         <p14:creationId xmlns:p14="http://schemas.microsoft.com/office/powerpoint/2010/main" val="4059361716"/>
+      </p:ext>
+    </p:extLst>
+  </p:cSld>
+  <p:clrMapOvr>
+    <a:masterClrMapping/>
+  </p:clrMapOvr>
+</p:sld>
+</file>
+
+<file path=ppt/slides/slide2.xml><?xml version="1.0" encoding="utf-8"?>
+<p:sld xmlns:a="http://schemas.openxmlformats.org/drawingml/2006/main" xmlns:r="http://schemas.openxmlformats.org/officeDocument/2006/relationships" xmlns:p="http://schemas.openxmlformats.org/presentationml/2006/main">
+  <p:cSld>
+    <p:spTree>
+      <p:nvGrpSpPr>
+        <p:cNvPr id="1" name=""/>
+        <p:cNvGrpSpPr/>
+        <p:nvPr/>
+      </p:nvGrpSpPr>
+      <p:grpSpPr>
+        <a:xfrm>
+          <a:off x="0" y="0"/>
+          <a:ext cx="0" cy="0"/>
+          <a:chOff x="0" y="0"/>
+          <a:chExt cx="0" cy="0"/>
+        </a:xfrm>
+      </p:grpSpPr>
+      <p:sp>
+        <p:nvSpPr>
+          <p:cNvPr id="2" name="Title 1">
+            <a:extLst>
+              <a:ext uri="{FF2B5EF4-FFF2-40B4-BE49-F238E27FC236}">
+                <a16:creationId xmlns:a16="http://schemas.microsoft.com/office/drawing/2014/main" id="{6E7FAB23-3BBF-1A08-4ADC-40F67AE0A9F3}"/>
+              </a:ext>
+            </a:extLst>
+          </p:cNvPr>
+          <p:cNvSpPr>
+            <a:spLocks noGrp="1"/>
+          </p:cNvSpPr>
+          <p:nvPr>
+            <p:ph type="title"/>
+          </p:nvPr>
+        </p:nvSpPr>
+        <p:spPr/>
+        <p:txBody>
+          <a:bodyPr/>
+          <a:lstStyle/>
+          <a:p>
+            <a:r>
+              <a:rPr lang="fi-FI" dirty="0" err="1"/>
+              <a:t>Background</a:t>
+            </a:r>
+            <a:r>
+              <a:rPr lang="fi-FI" dirty="0"/>
+              <a:t> of </a:t>
+            </a:r>
+            <a:r>
+              <a:rPr lang="fi-FI" dirty="0" err="1"/>
+              <a:t>the</a:t>
+            </a:r>
+            <a:r>
+              <a:rPr lang="fi-FI" dirty="0"/>
+              <a:t> </a:t>
+            </a:r>
+            <a:r>
+              <a:rPr lang="fi-FI" dirty="0" err="1"/>
+              <a:t>survey</a:t>
+            </a:r>
+            <a:endParaRPr lang="LID4096" dirty="0"/>
+          </a:p>
+        </p:txBody>
+      </p:sp>
+      <p:sp>
+        <p:nvSpPr>
+          <p:cNvPr id="3" name="Content Placeholder 2">
+            <a:extLst>
+              <a:ext uri="{FF2B5EF4-FFF2-40B4-BE49-F238E27FC236}">
+                <a16:creationId xmlns:a16="http://schemas.microsoft.com/office/drawing/2014/main" id="{27880FD4-D46A-B9D5-23AC-6C0D8D9629D2}"/>
+              </a:ext>
+            </a:extLst>
+          </p:cNvPr>
+          <p:cNvSpPr>
+            <a:spLocks noGrp="1"/>
+          </p:cNvSpPr>
+          <p:nvPr>
+            <p:ph idx="1"/>
+          </p:nvPr>
+        </p:nvSpPr>
+        <p:spPr/>
+        <p:txBody>
+          <a:bodyPr/>
+          <a:lstStyle/>
+          <a:p>
+            <a:endParaRPr lang="LID4096"/>
+          </a:p>
+        </p:txBody>
+      </p:sp>
+    </p:spTree>
+    <p:extLst>
+      <p:ext uri="{BB962C8B-B14F-4D97-AF65-F5344CB8AC3E}">
+        <p14:creationId xmlns:p14="http://schemas.microsoft.com/office/powerpoint/2010/main" val="1499829321"/>
+      </p:ext>
+    </p:extLst>
+  </p:cSld>
+  <p:clrMapOvr>
+    <a:masterClrMapping/>
+  </p:clrMapOvr>
+</p:sld>
+</file>
+
+<file path=ppt/slides/slide3.xml><?xml version="1.0" encoding="utf-8"?>
+<p:sld xmlns:a="http://schemas.openxmlformats.org/drawingml/2006/main" xmlns:r="http://schemas.openxmlformats.org/officeDocument/2006/relationships" xmlns:p="http://schemas.openxmlformats.org/presentationml/2006/main">
+  <p:cSld>
+    <p:spTree>
+      <p:nvGrpSpPr>
+        <p:cNvPr id="1" name=""/>
+        <p:cNvGrpSpPr/>
+        <p:nvPr/>
+      </p:nvGrpSpPr>
+      <p:grpSpPr>
+        <a:xfrm>
+          <a:off x="0" y="0"/>
+          <a:ext cx="0" cy="0"/>
+          <a:chOff x="0" y="0"/>
+          <a:chExt cx="0" cy="0"/>
+        </a:xfrm>
+      </p:grpSpPr>
+      <p:sp>
+        <p:nvSpPr>
+          <p:cNvPr id="2" name="Title 1">
+            <a:extLst>
+              <a:ext uri="{FF2B5EF4-FFF2-40B4-BE49-F238E27FC236}">
+                <a16:creationId xmlns:a16="http://schemas.microsoft.com/office/drawing/2014/main" id="{027F2EE5-1AEC-892A-0F33-1DAF05804E15}"/>
+              </a:ext>
+            </a:extLst>
+          </p:cNvPr>
+          <p:cNvSpPr>
+            <a:spLocks noGrp="1"/>
+          </p:cNvSpPr>
+          <p:nvPr>
+            <p:ph type="title"/>
+          </p:nvPr>
+        </p:nvSpPr>
+        <p:spPr/>
+        <p:txBody>
+          <a:bodyPr/>
+          <a:lstStyle/>
+          <a:p>
+            <a:r>
+              <a:rPr lang="fi-FI" dirty="0" err="1"/>
+              <a:t>Variables</a:t>
+            </a:r>
+            <a:r>
+              <a:rPr lang="fi-FI" dirty="0"/>
+              <a:t> of </a:t>
+            </a:r>
+            <a:r>
+              <a:rPr lang="fi-FI" dirty="0" err="1"/>
+              <a:t>the</a:t>
+            </a:r>
+            <a:r>
+              <a:rPr lang="fi-FI" dirty="0"/>
+              <a:t> </a:t>
+            </a:r>
+            <a:r>
+              <a:rPr lang="fi-FI" dirty="0" err="1"/>
+              <a:t>survey</a:t>
+            </a:r>
+            <a:endParaRPr lang="LID4096" dirty="0"/>
+          </a:p>
+        </p:txBody>
+      </p:sp>
+      <p:sp>
+        <p:nvSpPr>
+          <p:cNvPr id="3" name="Content Placeholder 2">
+            <a:extLst>
+              <a:ext uri="{FF2B5EF4-FFF2-40B4-BE49-F238E27FC236}">
+                <a16:creationId xmlns:a16="http://schemas.microsoft.com/office/drawing/2014/main" id="{C5FBD0D9-1F3E-B448-0B80-6863AE3ECA96}"/>
+              </a:ext>
+            </a:extLst>
+          </p:cNvPr>
+          <p:cNvSpPr>
+            <a:spLocks noGrp="1"/>
+          </p:cNvSpPr>
+          <p:nvPr>
+            <p:ph idx="1"/>
+          </p:nvPr>
+        </p:nvSpPr>
+        <p:spPr/>
+        <p:txBody>
+          <a:bodyPr/>
+          <a:lstStyle/>
+          <a:p>
+            <a:endParaRPr lang="LID4096"/>
+          </a:p>
+        </p:txBody>
+      </p:sp>
+    </p:spTree>
+    <p:extLst>
+      <p:ext uri="{BB962C8B-B14F-4D97-AF65-F5344CB8AC3E}">
+        <p14:creationId xmlns:p14="http://schemas.microsoft.com/office/powerpoint/2010/main" val="3596416156"/>
+      </p:ext>
+    </p:extLst>
+  </p:cSld>
+  <p:clrMapOvr>
+    <a:masterClrMapping/>
+  </p:clrMapOvr>
+</p:sld>
+</file>
+
+<file path=ppt/slides/slide4.xml><?xml version="1.0" encoding="utf-8"?>
+<p:sld xmlns:a="http://schemas.openxmlformats.org/drawingml/2006/main" xmlns:r="http://schemas.openxmlformats.org/officeDocument/2006/relationships" xmlns:p="http://schemas.openxmlformats.org/presentationml/2006/main">
+  <p:cSld>
+    <p:spTree>
+      <p:nvGrpSpPr>
+        <p:cNvPr id="1" name=""/>
+        <p:cNvGrpSpPr/>
+        <p:nvPr/>
+      </p:nvGrpSpPr>
+      <p:grpSpPr>
+        <a:xfrm>
+          <a:off x="0" y="0"/>
+          <a:ext cx="0" cy="0"/>
+          <a:chOff x="0" y="0"/>
+          <a:chExt cx="0" cy="0"/>
+        </a:xfrm>
+      </p:grpSpPr>
+      <p:sp>
+        <p:nvSpPr>
+          <p:cNvPr id="2" name="Title 1">
+            <a:extLst>
+              <a:ext uri="{FF2B5EF4-FFF2-40B4-BE49-F238E27FC236}">
+                <a16:creationId xmlns:a16="http://schemas.microsoft.com/office/drawing/2014/main" id="{9DA16EE9-A1C6-5746-186A-A83C444481EE}"/>
+              </a:ext>
+            </a:extLst>
+          </p:cNvPr>
+          <p:cNvSpPr>
+            <a:spLocks noGrp="1"/>
+          </p:cNvSpPr>
+          <p:nvPr>
+            <p:ph type="title"/>
+          </p:nvPr>
+        </p:nvSpPr>
+        <p:spPr/>
+        <p:txBody>
+          <a:bodyPr/>
+          <a:lstStyle/>
+          <a:p>
+            <a:r>
+              <a:rPr lang="fi-FI" dirty="0" err="1"/>
+              <a:t>Background</a:t>
+            </a:r>
+            <a:r>
+              <a:rPr lang="fi-FI" dirty="0"/>
+              <a:t> </a:t>
+            </a:r>
+            <a:r>
+              <a:rPr lang="fi-FI" dirty="0" err="1"/>
+              <a:t>analysis</a:t>
+            </a:r>
+            <a:r>
+              <a:rPr lang="fi-FI" dirty="0"/>
+              <a:t> (</a:t>
+            </a:r>
+            <a:r>
+              <a:rPr lang="fi-FI" dirty="0" err="1"/>
+              <a:t>Education</a:t>
+            </a:r>
+            <a:r>
+              <a:rPr lang="fi-FI" dirty="0"/>
+              <a:t>) </a:t>
+            </a:r>
+            <a:endParaRPr lang="LID4096" dirty="0"/>
+          </a:p>
+        </p:txBody>
+      </p:sp>
+      <p:sp>
+        <p:nvSpPr>
+          <p:cNvPr id="3" name="Content Placeholder 2">
+            <a:extLst>
+              <a:ext uri="{FF2B5EF4-FFF2-40B4-BE49-F238E27FC236}">
+                <a16:creationId xmlns:a16="http://schemas.microsoft.com/office/drawing/2014/main" id="{A7DC99B2-0AA5-82F2-5810-A5951B38BAB4}"/>
+              </a:ext>
+            </a:extLst>
+          </p:cNvPr>
+          <p:cNvSpPr>
+            <a:spLocks noGrp="1"/>
+          </p:cNvSpPr>
+          <p:nvPr>
+            <p:ph idx="1"/>
+          </p:nvPr>
+        </p:nvSpPr>
+        <p:spPr/>
+        <p:txBody>
+          <a:bodyPr/>
+          <a:lstStyle/>
+          <a:p>
+            <a:endParaRPr lang="LID4096"/>
+          </a:p>
+        </p:txBody>
+      </p:sp>
+    </p:spTree>
+    <p:extLst>
+      <p:ext uri="{BB962C8B-B14F-4D97-AF65-F5344CB8AC3E}">
+        <p14:creationId xmlns:p14="http://schemas.microsoft.com/office/powerpoint/2010/main" val="2063800821"/>
       </p:ext>
     </p:extLst>
   </p:cSld>

--- a/BigDataProject presentation.pptx
+++ b/BigDataProject presentation.pptx
@@ -7,8 +7,18 @@
   <p:sldIdLst>
     <p:sldId id="256" r:id="rId2"/>
     <p:sldId id="257" r:id="rId3"/>
-    <p:sldId id="258" r:id="rId4"/>
-    <p:sldId id="259" r:id="rId5"/>
+    <p:sldId id="266" r:id="rId4"/>
+    <p:sldId id="267" r:id="rId5"/>
+    <p:sldId id="260" r:id="rId6"/>
+    <p:sldId id="261" r:id="rId7"/>
+    <p:sldId id="262" r:id="rId8"/>
+    <p:sldId id="263" r:id="rId9"/>
+    <p:sldId id="268" r:id="rId10"/>
+    <p:sldId id="258" r:id="rId11"/>
+    <p:sldId id="264" r:id="rId12"/>
+    <p:sldId id="269" r:id="rId13"/>
+    <p:sldId id="265" r:id="rId14"/>
+    <p:sldId id="270" r:id="rId15"/>
   </p:sldIdLst>
   <p:sldSz cx="12192000" cy="6858000"/>
   <p:notesSz cx="6858000" cy="9144000"/>
@@ -118,7 +128,13 @@
 <file path=ppt/revisionInfo.xml><?xml version="1.0" encoding="utf-8"?>
 <p1510:revInfo xmlns:a="http://schemas.openxmlformats.org/drawingml/2006/main" xmlns:r="http://schemas.openxmlformats.org/officeDocument/2006/relationships" xmlns:p1510="http://schemas.microsoft.com/office/powerpoint/2015/10/main">
   <p1510:revLst>
-    <p1510:client id="{26A4DA2E-3B26-4A19-981B-FA4B6FD33F58}" v="17" dt="2023-09-26T09:44:08.598"/>
+    <p1510:client id="{26A4DA2E-3B26-4A19-981B-FA4B6FD33F58}" v="1605" dt="2023-09-27T10:06:48.402"/>
+    <p1510:client id="{2FDE26DA-918B-C5FD-BEDC-B05DF466947D}" v="235" dt="2023-09-27T10:08:34.225"/>
+    <p1510:client id="{6E52E18D-70C0-C0CD-E9D5-B6670395D0A7}" v="31" dt="2023-09-27T10:30:17.758"/>
+    <p1510:client id="{8FE56CCC-2F3F-47D6-8213-205A330088DA}" v="1845" dt="2023-09-27T09:58:19.167"/>
+    <p1510:client id="{99DD3772-D7DA-ACAF-C41D-2125D048CA4C}" v="732" dt="2023-09-26T10:46:13.237"/>
+    <p1510:client id="{C4D42948-8866-3437-1BA9-3871038CE292}" v="55" dt="2023-09-27T10:25:38.896"/>
+    <p1510:client id="{F5E7641A-2F92-30B9-302F-3094BD75C4AE}" v="1" dt="2023-09-26T10:06:33.241"/>
   </p1510:revLst>
 </p1510:revInfo>
 </file>
@@ -126,9 +142,111 @@
 <file path=ppt/changesInfos/changesInfo1.xml><?xml version="1.0" encoding="utf-8"?>
 <pc:chgInfo xmlns:a="http://schemas.openxmlformats.org/drawingml/2006/main" xmlns:r="http://schemas.openxmlformats.org/officeDocument/2006/relationships" xmlns:ac="http://schemas.microsoft.com/office/drawing/2013/main/command" xmlns:pc="http://schemas.microsoft.com/office/powerpoint/2013/main/command">
   <pc:docChgLst>
+    <pc:chgData name="Viktória Szabó" userId="S::viktoria22000@student.hamk.fi::55ff7ae3-70d3-4f82-942e-28ce8109f0e2" providerId="AD" clId="Web-{2FDE26DA-918B-C5FD-BEDC-B05DF466947D}"/>
+    <pc:docChg chg="modSld">
+      <pc:chgData name="Viktória Szabó" userId="S::viktoria22000@student.hamk.fi::55ff7ae3-70d3-4f82-942e-28ce8109f0e2" providerId="AD" clId="Web-{2FDE26DA-918B-C5FD-BEDC-B05DF466947D}" dt="2023-09-27T10:08:32.022" v="232" actId="20577"/>
+      <pc:docMkLst>
+        <pc:docMk/>
+      </pc:docMkLst>
+      <pc:sldChg chg="modSp">
+        <pc:chgData name="Viktória Szabó" userId="S::viktoria22000@student.hamk.fi::55ff7ae3-70d3-4f82-942e-28ce8109f0e2" providerId="AD" clId="Web-{2FDE26DA-918B-C5FD-BEDC-B05DF466947D}" dt="2023-09-27T10:08:32.022" v="232" actId="20577"/>
+        <pc:sldMkLst>
+          <pc:docMk/>
+          <pc:sldMk cId="3751505815" sldId="269"/>
+        </pc:sldMkLst>
+        <pc:spChg chg="mod">
+          <ac:chgData name="Viktória Szabó" userId="S::viktoria22000@student.hamk.fi::55ff7ae3-70d3-4f82-942e-28ce8109f0e2" providerId="AD" clId="Web-{2FDE26DA-918B-C5FD-BEDC-B05DF466947D}" dt="2023-09-27T10:08:32.022" v="232" actId="20577"/>
+          <ac:spMkLst>
+            <pc:docMk/>
+            <pc:sldMk cId="3751505815" sldId="269"/>
+            <ac:spMk id="3" creationId="{284301AF-09D3-6BEB-2BC6-2BDF6F9CBC62}"/>
+          </ac:spMkLst>
+        </pc:spChg>
+      </pc:sldChg>
+    </pc:docChg>
+  </pc:docChgLst>
+  <pc:docChgLst>
+    <pc:chgData name="Viktória Szabó" userId="S::viktoria22000@student.hamk.fi::55ff7ae3-70d3-4f82-942e-28ce8109f0e2" providerId="AD" clId="Web-{C4D42948-8866-3437-1BA9-3871038CE292}"/>
+    <pc:docChg chg="addSld modSld">
+      <pc:chgData name="Viktória Szabó" userId="S::viktoria22000@student.hamk.fi::55ff7ae3-70d3-4f82-942e-28ce8109f0e2" providerId="AD" clId="Web-{C4D42948-8866-3437-1BA9-3871038CE292}" dt="2023-09-27T10:25:38.896" v="53" actId="20577"/>
+      <pc:docMkLst>
+        <pc:docMk/>
+      </pc:docMkLst>
+      <pc:sldChg chg="modSp">
+        <pc:chgData name="Viktória Szabó" userId="S::viktoria22000@student.hamk.fi::55ff7ae3-70d3-4f82-942e-28ce8109f0e2" providerId="AD" clId="Web-{C4D42948-8866-3437-1BA9-3871038CE292}" dt="2023-09-27T10:25:04.770" v="5" actId="20577"/>
+        <pc:sldMkLst>
+          <pc:docMk/>
+          <pc:sldMk cId="723807988" sldId="262"/>
+        </pc:sldMkLst>
+        <pc:spChg chg="mod">
+          <ac:chgData name="Viktória Szabó" userId="S::viktoria22000@student.hamk.fi::55ff7ae3-70d3-4f82-942e-28ce8109f0e2" providerId="AD" clId="Web-{C4D42948-8866-3437-1BA9-3871038CE292}" dt="2023-09-27T10:25:04.770" v="5" actId="20577"/>
+          <ac:spMkLst>
+            <pc:docMk/>
+            <pc:sldMk cId="723807988" sldId="262"/>
+            <ac:spMk id="2" creationId="{E9FCD3FF-F45B-8D90-0C9A-8B9444056B35}"/>
+          </ac:spMkLst>
+        </pc:spChg>
+      </pc:sldChg>
+      <pc:sldChg chg="modSp">
+        <pc:chgData name="Viktória Szabó" userId="S::viktoria22000@student.hamk.fi::55ff7ae3-70d3-4f82-942e-28ce8109f0e2" providerId="AD" clId="Web-{C4D42948-8866-3437-1BA9-3871038CE292}" dt="2023-09-27T10:25:11.723" v="8" actId="20577"/>
+        <pc:sldMkLst>
+          <pc:docMk/>
+          <pc:sldMk cId="435654270" sldId="265"/>
+        </pc:sldMkLst>
+        <pc:spChg chg="mod">
+          <ac:chgData name="Viktória Szabó" userId="S::viktoria22000@student.hamk.fi::55ff7ae3-70d3-4f82-942e-28ce8109f0e2" providerId="AD" clId="Web-{C4D42948-8866-3437-1BA9-3871038CE292}" dt="2023-09-27T10:25:11.723" v="8" actId="20577"/>
+          <ac:spMkLst>
+            <pc:docMk/>
+            <pc:sldMk cId="435654270" sldId="265"/>
+            <ac:spMk id="2" creationId="{C467D37A-286A-5967-A2D3-A3CB3B01E5C0}"/>
+          </ac:spMkLst>
+        </pc:spChg>
+      </pc:sldChg>
+      <pc:sldChg chg="modSp new">
+        <pc:chgData name="Viktória Szabó" userId="S::viktoria22000@student.hamk.fi::55ff7ae3-70d3-4f82-942e-28ce8109f0e2" providerId="AD" clId="Web-{C4D42948-8866-3437-1BA9-3871038CE292}" dt="2023-09-27T10:25:38.896" v="53" actId="20577"/>
+        <pc:sldMkLst>
+          <pc:docMk/>
+          <pc:sldMk cId="2351471326" sldId="270"/>
+        </pc:sldMkLst>
+        <pc:spChg chg="mod">
+          <ac:chgData name="Viktória Szabó" userId="S::viktoria22000@student.hamk.fi::55ff7ae3-70d3-4f82-942e-28ce8109f0e2" providerId="AD" clId="Web-{C4D42948-8866-3437-1BA9-3871038CE292}" dt="2023-09-27T10:25:38.896" v="53" actId="20577"/>
+          <ac:spMkLst>
+            <pc:docMk/>
+            <pc:sldMk cId="2351471326" sldId="270"/>
+            <ac:spMk id="2" creationId="{25EBB419-52F1-F773-5B78-04CD3918F1CA}"/>
+          </ac:spMkLst>
+        </pc:spChg>
+      </pc:sldChg>
+    </pc:docChg>
+  </pc:docChgLst>
+  <pc:docChgLst>
+    <pc:chgData clId="Web-{99DD3772-D7DA-ACAF-C41D-2125D048CA4C}"/>
+    <pc:docChg chg="modSld">
+      <pc:chgData name="" userId="" providerId="" clId="Web-{99DD3772-D7DA-ACAF-C41D-2125D048CA4C}" dt="2023-09-26T10:29:14.955" v="0" actId="20577"/>
+      <pc:docMkLst>
+        <pc:docMk/>
+      </pc:docMkLst>
+      <pc:sldChg chg="modSp">
+        <pc:chgData name="" userId="" providerId="" clId="Web-{99DD3772-D7DA-ACAF-C41D-2125D048CA4C}" dt="2023-09-26T10:29:14.955" v="0" actId="20577"/>
+        <pc:sldMkLst>
+          <pc:docMk/>
+          <pc:sldMk cId="435654270" sldId="265"/>
+        </pc:sldMkLst>
+        <pc:spChg chg="mod">
+          <ac:chgData name="" userId="" providerId="" clId="Web-{99DD3772-D7DA-ACAF-C41D-2125D048CA4C}" dt="2023-09-26T10:29:14.955" v="0" actId="20577"/>
+          <ac:spMkLst>
+            <pc:docMk/>
+            <pc:sldMk cId="435654270" sldId="265"/>
+            <ac:spMk id="2" creationId="{C467D37A-286A-5967-A2D3-A3CB3B01E5C0}"/>
+          </ac:spMkLst>
+        </pc:spChg>
+      </pc:sldChg>
+    </pc:docChg>
+  </pc:docChgLst>
+  <pc:docChgLst>
     <pc:chgData name="Roy Liu" userId="755465ea-a681-4840-afaf-3106d4ded39d" providerId="ADAL" clId="{26A4DA2E-3B26-4A19-981B-FA4B6FD33F58}"/>
-    <pc:docChg chg="undo custSel addSld modSld addMainMaster delMainMaster">
-      <pc:chgData name="Roy Liu" userId="755465ea-a681-4840-afaf-3106d4ded39d" providerId="ADAL" clId="{26A4DA2E-3B26-4A19-981B-FA4B6FD33F58}" dt="2023-09-26T09:44:02.538" v="257" actId="20577"/>
+    <pc:docChg chg="undo custSel addSld delSld modSld sldOrd addMainMaster delMainMaster">
+      <pc:chgData name="Roy Liu" userId="755465ea-a681-4840-afaf-3106d4ded39d" providerId="ADAL" clId="{26A4DA2E-3B26-4A19-981B-FA4B6FD33F58}" dt="2023-09-27T10:06:48.402" v="1860" actId="20577"/>
       <pc:docMkLst>
         <pc:docMk/>
       </pc:docMkLst>
@@ -316,47 +434,799 @@
         </pc:picChg>
       </pc:sldChg>
       <pc:sldChg chg="modSp new mod">
-        <pc:chgData name="Roy Liu" userId="755465ea-a681-4840-afaf-3106d4ded39d" providerId="ADAL" clId="{26A4DA2E-3B26-4A19-981B-FA4B6FD33F58}" dt="2023-09-26T09:42:09.074" v="190" actId="20577"/>
+        <pc:chgData name="Roy Liu" userId="755465ea-a681-4840-afaf-3106d4ded39d" providerId="ADAL" clId="{26A4DA2E-3B26-4A19-981B-FA4B6FD33F58}" dt="2023-09-26T10:08:46.662" v="652" actId="20577"/>
         <pc:sldMkLst>
           <pc:docMk/>
           <pc:sldMk cId="1499829321" sldId="257"/>
         </pc:sldMkLst>
         <pc:spChg chg="mod">
-          <ac:chgData name="Roy Liu" userId="755465ea-a681-4840-afaf-3106d4ded39d" providerId="ADAL" clId="{26A4DA2E-3B26-4A19-981B-FA4B6FD33F58}" dt="2023-09-26T09:42:09.074" v="190" actId="20577"/>
+          <ac:chgData name="Roy Liu" userId="755465ea-a681-4840-afaf-3106d4ded39d" providerId="ADAL" clId="{26A4DA2E-3B26-4A19-981B-FA4B6FD33F58}" dt="2023-09-26T09:49:19.300" v="258" actId="790"/>
           <ac:spMkLst>
             <pc:docMk/>
             <pc:sldMk cId="1499829321" sldId="257"/>
             <ac:spMk id="2" creationId="{6E7FAB23-3BBF-1A08-4ADC-40F67AE0A9F3}"/>
           </ac:spMkLst>
         </pc:spChg>
+        <pc:spChg chg="mod">
+          <ac:chgData name="Roy Liu" userId="755465ea-a681-4840-afaf-3106d4ded39d" providerId="ADAL" clId="{26A4DA2E-3B26-4A19-981B-FA4B6FD33F58}" dt="2023-09-26T10:08:46.662" v="652" actId="20577"/>
+          <ac:spMkLst>
+            <pc:docMk/>
+            <pc:sldMk cId="1499829321" sldId="257"/>
+            <ac:spMk id="3" creationId="{27880FD4-D46A-B9D5-23AC-6C0D8D9629D2}"/>
+          </ac:spMkLst>
+        </pc:spChg>
       </pc:sldChg>
       <pc:sldChg chg="modSp new mod">
-        <pc:chgData name="Roy Liu" userId="755465ea-a681-4840-afaf-3106d4ded39d" providerId="ADAL" clId="{26A4DA2E-3B26-4A19-981B-FA4B6FD33F58}" dt="2023-09-26T09:42:21.876" v="214" actId="20577"/>
+        <pc:chgData name="Roy Liu" userId="755465ea-a681-4840-afaf-3106d4ded39d" providerId="ADAL" clId="{26A4DA2E-3B26-4A19-981B-FA4B6FD33F58}" dt="2023-09-27T09:57:53.830" v="1536" actId="20577"/>
         <pc:sldMkLst>
           <pc:docMk/>
           <pc:sldMk cId="3596416156" sldId="258"/>
         </pc:sldMkLst>
         <pc:spChg chg="mod">
-          <ac:chgData name="Roy Liu" userId="755465ea-a681-4840-afaf-3106d4ded39d" providerId="ADAL" clId="{26A4DA2E-3B26-4A19-981B-FA4B6FD33F58}" dt="2023-09-26T09:42:21.876" v="214" actId="20577"/>
+          <ac:chgData name="Roy Liu" userId="755465ea-a681-4840-afaf-3106d4ded39d" providerId="ADAL" clId="{26A4DA2E-3B26-4A19-981B-FA4B6FD33F58}" dt="2023-09-26T09:58:33.208" v="368" actId="20577"/>
           <ac:spMkLst>
             <pc:docMk/>
             <pc:sldMk cId="3596416156" sldId="258"/>
             <ac:spMk id="2" creationId="{027F2EE5-1AEC-892A-0F33-1DAF05804E15}"/>
           </ac:spMkLst>
         </pc:spChg>
+        <pc:spChg chg="mod">
+          <ac:chgData name="Roy Liu" userId="755465ea-a681-4840-afaf-3106d4ded39d" providerId="ADAL" clId="{26A4DA2E-3B26-4A19-981B-FA4B6FD33F58}" dt="2023-09-27T09:57:53.830" v="1536" actId="20577"/>
+          <ac:spMkLst>
+            <pc:docMk/>
+            <pc:sldMk cId="3596416156" sldId="258"/>
+            <ac:spMk id="3" creationId="{C5FBD0D9-1F3E-B448-0B80-6863AE3ECA96}"/>
+          </ac:spMkLst>
+        </pc:spChg>
       </pc:sldChg>
-      <pc:sldChg chg="modSp new mod">
-        <pc:chgData name="Roy Liu" userId="755465ea-a681-4840-afaf-3106d4ded39d" providerId="ADAL" clId="{26A4DA2E-3B26-4A19-981B-FA4B6FD33F58}" dt="2023-09-26T09:42:57.288" v="247" actId="20577"/>
+      <pc:sldChg chg="modSp new del mod">
+        <pc:chgData name="Roy Liu" userId="755465ea-a681-4840-afaf-3106d4ded39d" providerId="ADAL" clId="{26A4DA2E-3B26-4A19-981B-FA4B6FD33F58}" dt="2023-09-26T09:59:07.693" v="466" actId="2696"/>
         <pc:sldMkLst>
           <pc:docMk/>
           <pc:sldMk cId="2063800821" sldId="259"/>
         </pc:sldMkLst>
         <pc:spChg chg="mod">
-          <ac:chgData name="Roy Liu" userId="755465ea-a681-4840-afaf-3106d4ded39d" providerId="ADAL" clId="{26A4DA2E-3B26-4A19-981B-FA4B6FD33F58}" dt="2023-09-26T09:42:57.288" v="247" actId="20577"/>
+          <ac:chgData name="Roy Liu" userId="755465ea-a681-4840-afaf-3106d4ded39d" providerId="ADAL" clId="{26A4DA2E-3B26-4A19-981B-FA4B6FD33F58}" dt="2023-09-26T09:50:11.128" v="264" actId="20577"/>
           <ac:spMkLst>
             <pc:docMk/>
             <pc:sldMk cId="2063800821" sldId="259"/>
             <ac:spMk id="2" creationId="{9DA16EE9-A1C6-5746-186A-A83C444481EE}"/>
+          </ac:spMkLst>
+        </pc:spChg>
+      </pc:sldChg>
+      <pc:sldChg chg="modSp new mod ord">
+        <pc:chgData name="Roy Liu" userId="755465ea-a681-4840-afaf-3106d4ded39d" providerId="ADAL" clId="{26A4DA2E-3B26-4A19-981B-FA4B6FD33F58}" dt="2023-09-26T09:57:06.572" v="289" actId="20577"/>
+        <pc:sldMkLst>
+          <pc:docMk/>
+          <pc:sldMk cId="1627402840" sldId="260"/>
+        </pc:sldMkLst>
+        <pc:spChg chg="mod">
+          <ac:chgData name="Roy Liu" userId="755465ea-a681-4840-afaf-3106d4ded39d" providerId="ADAL" clId="{26A4DA2E-3B26-4A19-981B-FA4B6FD33F58}" dt="2023-09-26T09:57:06.572" v="289" actId="20577"/>
+          <ac:spMkLst>
+            <pc:docMk/>
+            <pc:sldMk cId="1627402840" sldId="260"/>
+            <ac:spMk id="2" creationId="{FC60A86F-C9EB-93AE-9163-0F2723C7C1CE}"/>
+          </ac:spMkLst>
+        </pc:spChg>
+      </pc:sldChg>
+      <pc:sldChg chg="addSp delSp modSp new mod setBg">
+        <pc:chgData name="Roy Liu" userId="755465ea-a681-4840-afaf-3106d4ded39d" providerId="ADAL" clId="{26A4DA2E-3B26-4A19-981B-FA4B6FD33F58}" dt="2023-09-27T09:56:06.861" v="1454" actId="20577"/>
+        <pc:sldMkLst>
+          <pc:docMk/>
+          <pc:sldMk cId="833342778" sldId="261"/>
+        </pc:sldMkLst>
+        <pc:spChg chg="mod">
+          <ac:chgData name="Roy Liu" userId="755465ea-a681-4840-afaf-3106d4ded39d" providerId="ADAL" clId="{26A4DA2E-3B26-4A19-981B-FA4B6FD33F58}" dt="2023-09-27T09:56:06.861" v="1454" actId="20577"/>
+          <ac:spMkLst>
+            <pc:docMk/>
+            <pc:sldMk cId="833342778" sldId="261"/>
+            <ac:spMk id="2" creationId="{5FD84A74-3A6C-F4D8-BE30-E95E481604FC}"/>
+          </ac:spMkLst>
+        </pc:spChg>
+        <pc:spChg chg="del">
+          <ac:chgData name="Roy Liu" userId="755465ea-a681-4840-afaf-3106d4ded39d" providerId="ADAL" clId="{26A4DA2E-3B26-4A19-981B-FA4B6FD33F58}" dt="2023-09-26T10:13:52.571" v="653"/>
+          <ac:spMkLst>
+            <pc:docMk/>
+            <pc:sldMk cId="833342778" sldId="261"/>
+            <ac:spMk id="3" creationId="{9033DF0E-4884-3629-37B2-76BF7229470C}"/>
+          </ac:spMkLst>
+        </pc:spChg>
+        <pc:spChg chg="add del">
+          <ac:chgData name="Roy Liu" userId="755465ea-a681-4840-afaf-3106d4ded39d" providerId="ADAL" clId="{26A4DA2E-3B26-4A19-981B-FA4B6FD33F58}" dt="2023-09-26T10:14:13.489" v="656" actId="26606"/>
+          <ac:spMkLst>
+            <pc:docMk/>
+            <pc:sldMk cId="833342778" sldId="261"/>
+            <ac:spMk id="9" creationId="{52814DCF-62D4-3000-30DB-D3CAC0CB7C66}"/>
+          </ac:spMkLst>
+        </pc:spChg>
+        <pc:spChg chg="add del">
+          <ac:chgData name="Roy Liu" userId="755465ea-a681-4840-afaf-3106d4ded39d" providerId="ADAL" clId="{26A4DA2E-3B26-4A19-981B-FA4B6FD33F58}" dt="2023-09-26T10:14:13.489" v="656" actId="26606"/>
+          <ac:spMkLst>
+            <pc:docMk/>
+            <pc:sldMk cId="833342778" sldId="261"/>
+            <ac:spMk id="12" creationId="{8651CFA9-6065-4243-AC48-858E359780B1}"/>
+          </ac:spMkLst>
+        </pc:spChg>
+        <pc:spChg chg="add del">
+          <ac:chgData name="Roy Liu" userId="755465ea-a681-4840-afaf-3106d4ded39d" providerId="ADAL" clId="{26A4DA2E-3B26-4A19-981B-FA4B6FD33F58}" dt="2023-09-26T10:14:13.489" v="656" actId="26606"/>
+          <ac:spMkLst>
+            <pc:docMk/>
+            <pc:sldMk cId="833342778" sldId="261"/>
+            <ac:spMk id="14" creationId="{FBC8BBE5-981E-4B0B-9654-32B5668BFF31}"/>
+          </ac:spMkLst>
+        </pc:spChg>
+        <pc:spChg chg="add del">
+          <ac:chgData name="Roy Liu" userId="755465ea-a681-4840-afaf-3106d4ded39d" providerId="ADAL" clId="{26A4DA2E-3B26-4A19-981B-FA4B6FD33F58}" dt="2023-09-26T10:14:14.595" v="658" actId="26606"/>
+          <ac:spMkLst>
+            <pc:docMk/>
+            <pc:sldMk cId="833342778" sldId="261"/>
+            <ac:spMk id="20" creationId="{A3EF0E40-AEB8-4DF7-A67A-7317B3BF94CA}"/>
+          </ac:spMkLst>
+        </pc:spChg>
+        <pc:spChg chg="add del">
+          <ac:chgData name="Roy Liu" userId="755465ea-a681-4840-afaf-3106d4ded39d" providerId="ADAL" clId="{26A4DA2E-3B26-4A19-981B-FA4B6FD33F58}" dt="2023-09-26T10:14:14.595" v="658" actId="26606"/>
+          <ac:spMkLst>
+            <pc:docMk/>
+            <pc:sldMk cId="833342778" sldId="261"/>
+            <ac:spMk id="21" creationId="{8651CFA9-6065-4243-AC48-858E359780B1}"/>
+          </ac:spMkLst>
+        </pc:spChg>
+        <pc:spChg chg="add del">
+          <ac:chgData name="Roy Liu" userId="755465ea-a681-4840-afaf-3106d4ded39d" providerId="ADAL" clId="{26A4DA2E-3B26-4A19-981B-FA4B6FD33F58}" dt="2023-09-26T10:14:14.595" v="658" actId="26606"/>
+          <ac:spMkLst>
+            <pc:docMk/>
+            <pc:sldMk cId="833342778" sldId="261"/>
+            <ac:spMk id="22" creationId="{06B1FD15-9CBB-4259-931E-1EB6A87199E9}"/>
+          </ac:spMkLst>
+        </pc:spChg>
+        <pc:spChg chg="add del">
+          <ac:chgData name="Roy Liu" userId="755465ea-a681-4840-afaf-3106d4ded39d" providerId="ADAL" clId="{26A4DA2E-3B26-4A19-981B-FA4B6FD33F58}" dt="2023-09-26T10:14:14.595" v="658" actId="26606"/>
+          <ac:spMkLst>
+            <pc:docMk/>
+            <pc:sldMk cId="833342778" sldId="261"/>
+            <ac:spMk id="24" creationId="{F8C57F8C-07BA-E657-0190-A22217C53599}"/>
+          </ac:spMkLst>
+        </pc:spChg>
+        <pc:spChg chg="add del">
+          <ac:chgData name="Roy Liu" userId="755465ea-a681-4840-afaf-3106d4ded39d" providerId="ADAL" clId="{26A4DA2E-3B26-4A19-981B-FA4B6FD33F58}" dt="2023-09-26T10:14:19.660" v="660" actId="26606"/>
+          <ac:spMkLst>
+            <pc:docMk/>
+            <pc:sldMk cId="833342778" sldId="261"/>
+            <ac:spMk id="26" creationId="{A4FB2F27-3F7D-440E-A905-86607A926A29}"/>
+          </ac:spMkLst>
+        </pc:spChg>
+        <pc:spChg chg="add del">
+          <ac:chgData name="Roy Liu" userId="755465ea-a681-4840-afaf-3106d4ded39d" providerId="ADAL" clId="{26A4DA2E-3B26-4A19-981B-FA4B6FD33F58}" dt="2023-09-26T10:14:19.660" v="660" actId="26606"/>
+          <ac:spMkLst>
+            <pc:docMk/>
+            <pc:sldMk cId="833342778" sldId="261"/>
+            <ac:spMk id="27" creationId="{AF678C14-A033-4139-BCA9-8382B039648B}"/>
+          </ac:spMkLst>
+        </pc:spChg>
+        <pc:spChg chg="add del">
+          <ac:chgData name="Roy Liu" userId="755465ea-a681-4840-afaf-3106d4ded39d" providerId="ADAL" clId="{26A4DA2E-3B26-4A19-981B-FA4B6FD33F58}" dt="2023-09-26T10:14:19.660" v="660" actId="26606"/>
+          <ac:spMkLst>
+            <pc:docMk/>
+            <pc:sldMk cId="833342778" sldId="261"/>
+            <ac:spMk id="29" creationId="{90AA31C0-A74F-2F69-15E2-23D8EE580828}"/>
+          </ac:spMkLst>
+        </pc:spChg>
+        <pc:spChg chg="add del">
+          <ac:chgData name="Roy Liu" userId="755465ea-a681-4840-afaf-3106d4ded39d" providerId="ADAL" clId="{26A4DA2E-3B26-4A19-981B-FA4B6FD33F58}" dt="2023-09-26T10:14:22.504" v="662" actId="26606"/>
+          <ac:spMkLst>
+            <pc:docMk/>
+            <pc:sldMk cId="833342778" sldId="261"/>
+            <ac:spMk id="31" creationId="{A4FB2F27-3F7D-440E-A905-86607A926A29}"/>
+          </ac:spMkLst>
+        </pc:spChg>
+        <pc:spChg chg="add del">
+          <ac:chgData name="Roy Liu" userId="755465ea-a681-4840-afaf-3106d4ded39d" providerId="ADAL" clId="{26A4DA2E-3B26-4A19-981B-FA4B6FD33F58}" dt="2023-09-26T10:14:22.504" v="662" actId="26606"/>
+          <ac:spMkLst>
+            <pc:docMk/>
+            <pc:sldMk cId="833342778" sldId="261"/>
+            <ac:spMk id="32" creationId="{AF678C14-A033-4139-BCA9-8382B039648B}"/>
+          </ac:spMkLst>
+        </pc:spChg>
+        <pc:spChg chg="add del">
+          <ac:chgData name="Roy Liu" userId="755465ea-a681-4840-afaf-3106d4ded39d" providerId="ADAL" clId="{26A4DA2E-3B26-4A19-981B-FA4B6FD33F58}" dt="2023-09-26T10:14:22.504" v="662" actId="26606"/>
+          <ac:spMkLst>
+            <pc:docMk/>
+            <pc:sldMk cId="833342778" sldId="261"/>
+            <ac:spMk id="34" creationId="{9944F14A-33B5-02AA-5755-C19A9531AD01}"/>
+          </ac:spMkLst>
+        </pc:spChg>
+        <pc:spChg chg="add del">
+          <ac:chgData name="Roy Liu" userId="755465ea-a681-4840-afaf-3106d4ded39d" providerId="ADAL" clId="{26A4DA2E-3B26-4A19-981B-FA4B6FD33F58}" dt="2023-09-26T10:14:39.973" v="664" actId="26606"/>
+          <ac:spMkLst>
+            <pc:docMk/>
+            <pc:sldMk cId="833342778" sldId="261"/>
+            <ac:spMk id="36" creationId="{8651CFA9-6065-4243-AC48-858E359780B1}"/>
+          </ac:spMkLst>
+        </pc:spChg>
+        <pc:spChg chg="add del">
+          <ac:chgData name="Roy Liu" userId="755465ea-a681-4840-afaf-3106d4ded39d" providerId="ADAL" clId="{26A4DA2E-3B26-4A19-981B-FA4B6FD33F58}" dt="2023-09-26T10:14:39.973" v="664" actId="26606"/>
+          <ac:spMkLst>
+            <pc:docMk/>
+            <pc:sldMk cId="833342778" sldId="261"/>
+            <ac:spMk id="37" creationId="{FBC8BBE5-981E-4B0B-9654-32B5668BFF31}"/>
+          </ac:spMkLst>
+        </pc:spChg>
+        <pc:spChg chg="add del">
+          <ac:chgData name="Roy Liu" userId="755465ea-a681-4840-afaf-3106d4ded39d" providerId="ADAL" clId="{26A4DA2E-3B26-4A19-981B-FA4B6FD33F58}" dt="2023-09-26T10:14:39.973" v="664" actId="26606"/>
+          <ac:spMkLst>
+            <pc:docMk/>
+            <pc:sldMk cId="833342778" sldId="261"/>
+            <ac:spMk id="39" creationId="{52814DCF-62D4-3000-30DB-D3CAC0CB7C66}"/>
+          </ac:spMkLst>
+        </pc:spChg>
+        <pc:spChg chg="add del">
+          <ac:chgData name="Roy Liu" userId="755465ea-a681-4840-afaf-3106d4ded39d" providerId="ADAL" clId="{26A4DA2E-3B26-4A19-981B-FA4B6FD33F58}" dt="2023-09-26T10:14:41.077" v="666" actId="26606"/>
+          <ac:spMkLst>
+            <pc:docMk/>
+            <pc:sldMk cId="833342778" sldId="261"/>
+            <ac:spMk id="41" creationId="{8651CFA9-6065-4243-AC48-858E359780B1}"/>
+          </ac:spMkLst>
+        </pc:spChg>
+        <pc:spChg chg="add del">
+          <ac:chgData name="Roy Liu" userId="755465ea-a681-4840-afaf-3106d4ded39d" providerId="ADAL" clId="{26A4DA2E-3B26-4A19-981B-FA4B6FD33F58}" dt="2023-09-26T10:14:41.077" v="666" actId="26606"/>
+          <ac:spMkLst>
+            <pc:docMk/>
+            <pc:sldMk cId="833342778" sldId="261"/>
+            <ac:spMk id="42" creationId="{FBC8BBE5-981E-4B0B-9654-32B5668BFF31}"/>
+          </ac:spMkLst>
+        </pc:spChg>
+        <pc:spChg chg="add del">
+          <ac:chgData name="Roy Liu" userId="755465ea-a681-4840-afaf-3106d4ded39d" providerId="ADAL" clId="{26A4DA2E-3B26-4A19-981B-FA4B6FD33F58}" dt="2023-09-26T10:14:41.077" v="666" actId="26606"/>
+          <ac:spMkLst>
+            <pc:docMk/>
+            <pc:sldMk cId="833342778" sldId="261"/>
+            <ac:spMk id="44" creationId="{0DADC141-2CF4-4D22-BFEF-05FB358E4DFD}"/>
+          </ac:spMkLst>
+        </pc:spChg>
+        <pc:spChg chg="add del">
+          <ac:chgData name="Roy Liu" userId="755465ea-a681-4840-afaf-3106d4ded39d" providerId="ADAL" clId="{26A4DA2E-3B26-4A19-981B-FA4B6FD33F58}" dt="2023-09-26T10:14:41.077" v="666" actId="26606"/>
+          <ac:spMkLst>
+            <pc:docMk/>
+            <pc:sldMk cId="833342778" sldId="261"/>
+            <ac:spMk id="45" creationId="{F43A66C0-8F79-4D55-8A61-9E980D5FEE26}"/>
+          </ac:spMkLst>
+        </pc:spChg>
+        <pc:spChg chg="add del">
+          <ac:chgData name="Roy Liu" userId="755465ea-a681-4840-afaf-3106d4ded39d" providerId="ADAL" clId="{26A4DA2E-3B26-4A19-981B-FA4B6FD33F58}" dt="2023-09-26T10:14:41.077" v="666" actId="26606"/>
+          <ac:spMkLst>
+            <pc:docMk/>
+            <pc:sldMk cId="833342778" sldId="261"/>
+            <ac:spMk id="46" creationId="{05DEB5AD-912E-FADE-0E08-E5E5BAF3B460}"/>
+          </ac:spMkLst>
+        </pc:spChg>
+        <pc:spChg chg="add del">
+          <ac:chgData name="Roy Liu" userId="755465ea-a681-4840-afaf-3106d4ded39d" providerId="ADAL" clId="{26A4DA2E-3B26-4A19-981B-FA4B6FD33F58}" dt="2023-09-26T10:15:50.081" v="668" actId="26606"/>
+          <ac:spMkLst>
+            <pc:docMk/>
+            <pc:sldMk cId="833342778" sldId="261"/>
+            <ac:spMk id="48" creationId="{8651CFA9-6065-4243-AC48-858E359780B1}"/>
+          </ac:spMkLst>
+        </pc:spChg>
+        <pc:spChg chg="add del">
+          <ac:chgData name="Roy Liu" userId="755465ea-a681-4840-afaf-3106d4ded39d" providerId="ADAL" clId="{26A4DA2E-3B26-4A19-981B-FA4B6FD33F58}" dt="2023-09-26T10:15:50.081" v="668" actId="26606"/>
+          <ac:spMkLst>
+            <pc:docMk/>
+            <pc:sldMk cId="833342778" sldId="261"/>
+            <ac:spMk id="49" creationId="{FBC8BBE5-981E-4B0B-9654-32B5668BFF31}"/>
+          </ac:spMkLst>
+        </pc:spChg>
+        <pc:spChg chg="add del">
+          <ac:chgData name="Roy Liu" userId="755465ea-a681-4840-afaf-3106d4ded39d" providerId="ADAL" clId="{26A4DA2E-3B26-4A19-981B-FA4B6FD33F58}" dt="2023-09-26T10:15:50.081" v="668" actId="26606"/>
+          <ac:spMkLst>
+            <pc:docMk/>
+            <pc:sldMk cId="833342778" sldId="261"/>
+            <ac:spMk id="51" creationId="{0DADC141-2CF4-4D22-BFEF-05FB358E4DFD}"/>
+          </ac:spMkLst>
+        </pc:spChg>
+        <pc:spChg chg="add del">
+          <ac:chgData name="Roy Liu" userId="755465ea-a681-4840-afaf-3106d4ded39d" providerId="ADAL" clId="{26A4DA2E-3B26-4A19-981B-FA4B6FD33F58}" dt="2023-09-26T10:15:50.081" v="668" actId="26606"/>
+          <ac:spMkLst>
+            <pc:docMk/>
+            <pc:sldMk cId="833342778" sldId="261"/>
+            <ac:spMk id="52" creationId="{BFA7080D-E80E-D14C-12D8-498F7C6288E0}"/>
+          </ac:spMkLst>
+        </pc:spChg>
+        <pc:spChg chg="add del">
+          <ac:chgData name="Roy Liu" userId="755465ea-a681-4840-afaf-3106d4ded39d" providerId="ADAL" clId="{26A4DA2E-3B26-4A19-981B-FA4B6FD33F58}" dt="2023-09-26T11:21:44.938" v="747" actId="26606"/>
+          <ac:spMkLst>
+            <pc:docMk/>
+            <pc:sldMk cId="833342778" sldId="261"/>
+            <ac:spMk id="54" creationId="{A4FB2F27-3F7D-440E-A905-86607A926A29}"/>
+          </ac:spMkLst>
+        </pc:spChg>
+        <pc:spChg chg="add del">
+          <ac:chgData name="Roy Liu" userId="755465ea-a681-4840-afaf-3106d4ded39d" providerId="ADAL" clId="{26A4DA2E-3B26-4A19-981B-FA4B6FD33F58}" dt="2023-09-26T11:21:44.938" v="747" actId="26606"/>
+          <ac:spMkLst>
+            <pc:docMk/>
+            <pc:sldMk cId="833342778" sldId="261"/>
+            <ac:spMk id="55" creationId="{AF678C14-A033-4139-BCA9-8382B039648B}"/>
+          </ac:spMkLst>
+        </pc:spChg>
+        <pc:spChg chg="add mod">
+          <ac:chgData name="Roy Liu" userId="755465ea-a681-4840-afaf-3106d4ded39d" providerId="ADAL" clId="{26A4DA2E-3B26-4A19-981B-FA4B6FD33F58}" dt="2023-09-26T11:57:45.145" v="1110" actId="20577"/>
+          <ac:spMkLst>
+            <pc:docMk/>
+            <pc:sldMk cId="833342778" sldId="261"/>
+            <ac:spMk id="57" creationId="{90AA31C0-A74F-2F69-15E2-23D8EE580828}"/>
+          </ac:spMkLst>
+        </pc:spChg>
+        <pc:spChg chg="add del">
+          <ac:chgData name="Roy Liu" userId="755465ea-a681-4840-afaf-3106d4ded39d" providerId="ADAL" clId="{26A4DA2E-3B26-4A19-981B-FA4B6FD33F58}" dt="2023-09-26T11:21:41.812" v="742" actId="26606"/>
+          <ac:spMkLst>
+            <pc:docMk/>
+            <pc:sldMk cId="833342778" sldId="261"/>
+            <ac:spMk id="62" creationId="{8651CFA9-6065-4243-AC48-858E359780B1}"/>
+          </ac:spMkLst>
+        </pc:spChg>
+        <pc:spChg chg="add del">
+          <ac:chgData name="Roy Liu" userId="755465ea-a681-4840-afaf-3106d4ded39d" providerId="ADAL" clId="{26A4DA2E-3B26-4A19-981B-FA4B6FD33F58}" dt="2023-09-26T11:21:41.812" v="742" actId="26606"/>
+          <ac:spMkLst>
+            <pc:docMk/>
+            <pc:sldMk cId="833342778" sldId="261"/>
+            <ac:spMk id="64" creationId="{FBC8BBE5-981E-4B0B-9654-32B5668BFF31}"/>
+          </ac:spMkLst>
+        </pc:spChg>
+        <pc:spChg chg="add del">
+          <ac:chgData name="Roy Liu" userId="755465ea-a681-4840-afaf-3106d4ded39d" providerId="ADAL" clId="{26A4DA2E-3B26-4A19-981B-FA4B6FD33F58}" dt="2023-09-26T11:21:43.627" v="744" actId="26606"/>
+          <ac:spMkLst>
+            <pc:docMk/>
+            <pc:sldMk cId="833342778" sldId="261"/>
+            <ac:spMk id="70" creationId="{8651CFA9-6065-4243-AC48-858E359780B1}"/>
+          </ac:spMkLst>
+        </pc:spChg>
+        <pc:spChg chg="add del">
+          <ac:chgData name="Roy Liu" userId="755465ea-a681-4840-afaf-3106d4ded39d" providerId="ADAL" clId="{26A4DA2E-3B26-4A19-981B-FA4B6FD33F58}" dt="2023-09-26T11:21:43.627" v="744" actId="26606"/>
+          <ac:spMkLst>
+            <pc:docMk/>
+            <pc:sldMk cId="833342778" sldId="261"/>
+            <ac:spMk id="71" creationId="{5A8C81AE-8F0D-49F3-9FB4-334B0DCDF195}"/>
+          </ac:spMkLst>
+        </pc:spChg>
+        <pc:spChg chg="add del">
+          <ac:chgData name="Roy Liu" userId="755465ea-a681-4840-afaf-3106d4ded39d" providerId="ADAL" clId="{26A4DA2E-3B26-4A19-981B-FA4B6FD33F58}" dt="2023-09-26T11:21:44.923" v="746" actId="26606"/>
+          <ac:spMkLst>
+            <pc:docMk/>
+            <pc:sldMk cId="833342778" sldId="261"/>
+            <ac:spMk id="73" creationId="{4AB8125F-0FD8-48CD-9F43-73E5494EA774}"/>
+          </ac:spMkLst>
+        </pc:spChg>
+        <pc:spChg chg="add del">
+          <ac:chgData name="Roy Liu" userId="755465ea-a681-4840-afaf-3106d4ded39d" providerId="ADAL" clId="{26A4DA2E-3B26-4A19-981B-FA4B6FD33F58}" dt="2023-09-26T11:21:44.923" v="746" actId="26606"/>
+          <ac:spMkLst>
+            <pc:docMk/>
+            <pc:sldMk cId="833342778" sldId="261"/>
+            <ac:spMk id="74" creationId="{0019DD6C-5899-4C07-864B-EB0A7D104ACF}"/>
+          </ac:spMkLst>
+        </pc:spChg>
+        <pc:spChg chg="add del">
+          <ac:chgData name="Roy Liu" userId="755465ea-a681-4840-afaf-3106d4ded39d" providerId="ADAL" clId="{26A4DA2E-3B26-4A19-981B-FA4B6FD33F58}" dt="2023-09-26T11:36:42.340" v="831" actId="26606"/>
+          <ac:spMkLst>
+            <pc:docMk/>
+            <pc:sldMk cId="833342778" sldId="261"/>
+            <ac:spMk id="77" creationId="{8651CFA9-6065-4243-AC48-858E359780B1}"/>
+          </ac:spMkLst>
+        </pc:spChg>
+        <pc:spChg chg="add del">
+          <ac:chgData name="Roy Liu" userId="755465ea-a681-4840-afaf-3106d4ded39d" providerId="ADAL" clId="{26A4DA2E-3B26-4A19-981B-FA4B6FD33F58}" dt="2023-09-26T11:36:42.340" v="831" actId="26606"/>
+          <ac:spMkLst>
+            <pc:docMk/>
+            <pc:sldMk cId="833342778" sldId="261"/>
+            <ac:spMk id="78" creationId="{1B6E9D4E-1863-458E-8166-A6E64C865F07}"/>
+          </ac:spMkLst>
+        </pc:spChg>
+        <pc:spChg chg="add del">
+          <ac:chgData name="Roy Liu" userId="755465ea-a681-4840-afaf-3106d4ded39d" providerId="ADAL" clId="{26A4DA2E-3B26-4A19-981B-FA4B6FD33F58}" dt="2023-09-26T11:36:42.340" v="831" actId="26606"/>
+          <ac:spMkLst>
+            <pc:docMk/>
+            <pc:sldMk cId="833342778" sldId="261"/>
+            <ac:spMk id="80" creationId="{F6B9E73A-7DA5-4C84-B395-757FF1941041}"/>
+          </ac:spMkLst>
+        </pc:spChg>
+        <pc:spChg chg="add del">
+          <ac:chgData name="Roy Liu" userId="755465ea-a681-4840-afaf-3106d4ded39d" providerId="ADAL" clId="{26A4DA2E-3B26-4A19-981B-FA4B6FD33F58}" dt="2023-09-26T11:36:54.709" v="834" actId="26606"/>
+          <ac:spMkLst>
+            <pc:docMk/>
+            <pc:sldMk cId="833342778" sldId="261"/>
+            <ac:spMk id="85" creationId="{8651CFA9-6065-4243-AC48-858E359780B1}"/>
+          </ac:spMkLst>
+        </pc:spChg>
+        <pc:spChg chg="add del">
+          <ac:chgData name="Roy Liu" userId="755465ea-a681-4840-afaf-3106d4ded39d" providerId="ADAL" clId="{26A4DA2E-3B26-4A19-981B-FA4B6FD33F58}" dt="2023-09-26T11:36:54.709" v="834" actId="26606"/>
+          <ac:spMkLst>
+            <pc:docMk/>
+            <pc:sldMk cId="833342778" sldId="261"/>
+            <ac:spMk id="87" creationId="{5A8C81AE-8F0D-49F3-9FB4-334B0DCDF195}"/>
+          </ac:spMkLst>
+        </pc:spChg>
+        <pc:spChg chg="add del">
+          <ac:chgData name="Roy Liu" userId="755465ea-a681-4840-afaf-3106d4ded39d" providerId="ADAL" clId="{26A4DA2E-3B26-4A19-981B-FA4B6FD33F58}" dt="2023-09-26T11:36:54.691" v="833" actId="26606"/>
+          <ac:spMkLst>
+            <pc:docMk/>
+            <pc:sldMk cId="833342778" sldId="261"/>
+            <ac:spMk id="96" creationId="{4AB8125F-0FD8-48CD-9F43-73E5494EA774}"/>
+          </ac:spMkLst>
+        </pc:spChg>
+        <pc:spChg chg="add del">
+          <ac:chgData name="Roy Liu" userId="755465ea-a681-4840-afaf-3106d4ded39d" providerId="ADAL" clId="{26A4DA2E-3B26-4A19-981B-FA4B6FD33F58}" dt="2023-09-26T11:36:54.691" v="833" actId="26606"/>
+          <ac:spMkLst>
+            <pc:docMk/>
+            <pc:sldMk cId="833342778" sldId="261"/>
+            <ac:spMk id="98" creationId="{0019DD6C-5899-4C07-864B-EB0A7D104ACF}"/>
+          </ac:spMkLst>
+        </pc:spChg>
+        <pc:spChg chg="add">
+          <ac:chgData name="Roy Liu" userId="755465ea-a681-4840-afaf-3106d4ded39d" providerId="ADAL" clId="{26A4DA2E-3B26-4A19-981B-FA4B6FD33F58}" dt="2023-09-26T11:36:54.709" v="834" actId="26606"/>
+          <ac:spMkLst>
+            <pc:docMk/>
+            <pc:sldMk cId="833342778" sldId="261"/>
+            <ac:spMk id="104" creationId="{8651CFA9-6065-4243-AC48-858E359780B1}"/>
+          </ac:spMkLst>
+        </pc:spChg>
+        <pc:spChg chg="add">
+          <ac:chgData name="Roy Liu" userId="755465ea-a681-4840-afaf-3106d4ded39d" providerId="ADAL" clId="{26A4DA2E-3B26-4A19-981B-FA4B6FD33F58}" dt="2023-09-26T11:36:54.709" v="834" actId="26606"/>
+          <ac:spMkLst>
+            <pc:docMk/>
+            <pc:sldMk cId="833342778" sldId="261"/>
+            <ac:spMk id="105" creationId="{FBC8BBE5-981E-4B0B-9654-32B5668BFF31}"/>
+          </ac:spMkLst>
+        </pc:spChg>
+        <pc:grpChg chg="add del">
+          <ac:chgData name="Roy Liu" userId="755465ea-a681-4840-afaf-3106d4ded39d" providerId="ADAL" clId="{26A4DA2E-3B26-4A19-981B-FA4B6FD33F58}" dt="2023-09-26T10:14:13.489" v="656" actId="26606"/>
+          <ac:grpSpMkLst>
+            <pc:docMk/>
+            <pc:sldMk cId="833342778" sldId="261"/>
+            <ac:grpSpMk id="16" creationId="{8D6FD602-3113-4FC4-982F-15099614D2A6}"/>
+          </ac:grpSpMkLst>
+        </pc:grpChg>
+        <pc:grpChg chg="add del">
+          <ac:chgData name="Roy Liu" userId="755465ea-a681-4840-afaf-3106d4ded39d" providerId="ADAL" clId="{26A4DA2E-3B26-4A19-981B-FA4B6FD33F58}" dt="2023-09-26T10:14:14.595" v="658" actId="26606"/>
+          <ac:grpSpMkLst>
+            <pc:docMk/>
+            <pc:sldMk cId="833342778" sldId="261"/>
+            <ac:grpSpMk id="23" creationId="{9D739765-2266-4358-BC9F-0DC2A6B7CD17}"/>
+          </ac:grpSpMkLst>
+        </pc:grpChg>
+        <pc:grpChg chg="add del">
+          <ac:chgData name="Roy Liu" userId="755465ea-a681-4840-afaf-3106d4ded39d" providerId="ADAL" clId="{26A4DA2E-3B26-4A19-981B-FA4B6FD33F58}" dt="2023-09-26T10:14:19.660" v="660" actId="26606"/>
+          <ac:grpSpMkLst>
+            <pc:docMk/>
+            <pc:sldMk cId="833342778" sldId="261"/>
+            <ac:grpSpMk id="28" creationId="{14763DA8-CE3A-4B30-B2F5-0D128777F742}"/>
+          </ac:grpSpMkLst>
+        </pc:grpChg>
+        <pc:grpChg chg="add del">
+          <ac:chgData name="Roy Liu" userId="755465ea-a681-4840-afaf-3106d4ded39d" providerId="ADAL" clId="{26A4DA2E-3B26-4A19-981B-FA4B6FD33F58}" dt="2023-09-26T10:14:22.504" v="662" actId="26606"/>
+          <ac:grpSpMkLst>
+            <pc:docMk/>
+            <pc:sldMk cId="833342778" sldId="261"/>
+            <ac:grpSpMk id="33" creationId="{3489A2D2-B3AA-488C-B20E-15DBB97548C6}"/>
+          </ac:grpSpMkLst>
+        </pc:grpChg>
+        <pc:grpChg chg="add del">
+          <ac:chgData name="Roy Liu" userId="755465ea-a681-4840-afaf-3106d4ded39d" providerId="ADAL" clId="{26A4DA2E-3B26-4A19-981B-FA4B6FD33F58}" dt="2023-09-26T10:14:39.973" v="664" actId="26606"/>
+          <ac:grpSpMkLst>
+            <pc:docMk/>
+            <pc:sldMk cId="833342778" sldId="261"/>
+            <ac:grpSpMk id="38" creationId="{8D6FD602-3113-4FC4-982F-15099614D2A6}"/>
+          </ac:grpSpMkLst>
+        </pc:grpChg>
+        <pc:grpChg chg="add del">
+          <ac:chgData name="Roy Liu" userId="755465ea-a681-4840-afaf-3106d4ded39d" providerId="ADAL" clId="{26A4DA2E-3B26-4A19-981B-FA4B6FD33F58}" dt="2023-09-26T10:14:41.077" v="666" actId="26606"/>
+          <ac:grpSpMkLst>
+            <pc:docMk/>
+            <pc:sldMk cId="833342778" sldId="261"/>
+            <ac:grpSpMk id="43" creationId="{545001F7-3F8F-4035-8348-1B9798C77D29}"/>
+          </ac:grpSpMkLst>
+        </pc:grpChg>
+        <pc:grpChg chg="add del">
+          <ac:chgData name="Roy Liu" userId="755465ea-a681-4840-afaf-3106d4ded39d" providerId="ADAL" clId="{26A4DA2E-3B26-4A19-981B-FA4B6FD33F58}" dt="2023-09-26T10:15:50.081" v="668" actId="26606"/>
+          <ac:grpSpMkLst>
+            <pc:docMk/>
+            <pc:sldMk cId="833342778" sldId="261"/>
+            <ac:grpSpMk id="50" creationId="{8B308828-4749-4D6D-9CEA-433D2BD27EC0}"/>
+          </ac:grpSpMkLst>
+        </pc:grpChg>
+        <pc:grpChg chg="add del">
+          <ac:chgData name="Roy Liu" userId="755465ea-a681-4840-afaf-3106d4ded39d" providerId="ADAL" clId="{26A4DA2E-3B26-4A19-981B-FA4B6FD33F58}" dt="2023-09-26T11:21:44.938" v="747" actId="26606"/>
+          <ac:grpSpMkLst>
+            <pc:docMk/>
+            <pc:sldMk cId="833342778" sldId="261"/>
+            <ac:grpSpMk id="56" creationId="{14763DA8-CE3A-4B30-B2F5-0D128777F742}"/>
+          </ac:grpSpMkLst>
+        </pc:grpChg>
+        <pc:grpChg chg="add del">
+          <ac:chgData name="Roy Liu" userId="755465ea-a681-4840-afaf-3106d4ded39d" providerId="ADAL" clId="{26A4DA2E-3B26-4A19-981B-FA4B6FD33F58}" dt="2023-09-26T11:21:41.812" v="742" actId="26606"/>
+          <ac:grpSpMkLst>
+            <pc:docMk/>
+            <pc:sldMk cId="833342778" sldId="261"/>
+            <ac:grpSpMk id="66" creationId="{E54EDBA2-E203-497D-AB28-73A06B2DFDEE}"/>
+          </ac:grpSpMkLst>
+        </pc:grpChg>
+        <pc:grpChg chg="add del">
+          <ac:chgData name="Roy Liu" userId="755465ea-a681-4840-afaf-3106d4ded39d" providerId="ADAL" clId="{26A4DA2E-3B26-4A19-981B-FA4B6FD33F58}" dt="2023-09-26T11:21:44.923" v="746" actId="26606"/>
+          <ac:grpSpMkLst>
+            <pc:docMk/>
+            <pc:sldMk cId="833342778" sldId="261"/>
+            <ac:grpSpMk id="75" creationId="{EB40C5D5-6C8D-4E52-A87F-94BF781A0814}"/>
+          </ac:grpSpMkLst>
+        </pc:grpChg>
+        <pc:grpChg chg="add del">
+          <ac:chgData name="Roy Liu" userId="755465ea-a681-4840-afaf-3106d4ded39d" providerId="ADAL" clId="{26A4DA2E-3B26-4A19-981B-FA4B6FD33F58}" dt="2023-09-26T11:36:42.340" v="831" actId="26606"/>
+          <ac:grpSpMkLst>
+            <pc:docMk/>
+            <pc:sldMk cId="833342778" sldId="261"/>
+            <ac:grpSpMk id="79" creationId="{DDC08824-D5AF-47B4-A084-327F6A050FE5}"/>
+          </ac:grpSpMkLst>
+        </pc:grpChg>
+        <pc:grpChg chg="add del">
+          <ac:chgData name="Roy Liu" userId="755465ea-a681-4840-afaf-3106d4ded39d" providerId="ADAL" clId="{26A4DA2E-3B26-4A19-981B-FA4B6FD33F58}" dt="2023-09-26T11:36:54.709" v="834" actId="26606"/>
+          <ac:grpSpMkLst>
+            <pc:docMk/>
+            <pc:sldMk cId="833342778" sldId="261"/>
+            <ac:grpSpMk id="89" creationId="{A9EF8060-0D63-402B-8B09-4993D1FE8EFD}"/>
+          </ac:grpSpMkLst>
+        </pc:grpChg>
+        <pc:grpChg chg="add del">
+          <ac:chgData name="Roy Liu" userId="755465ea-a681-4840-afaf-3106d4ded39d" providerId="ADAL" clId="{26A4DA2E-3B26-4A19-981B-FA4B6FD33F58}" dt="2023-09-26T11:36:54.691" v="833" actId="26606"/>
+          <ac:grpSpMkLst>
+            <pc:docMk/>
+            <pc:sldMk cId="833342778" sldId="261"/>
+            <ac:grpSpMk id="100" creationId="{EB40C5D5-6C8D-4E52-A87F-94BF781A0814}"/>
+          </ac:grpSpMkLst>
+        </pc:grpChg>
+        <pc:grpChg chg="add">
+          <ac:chgData name="Roy Liu" userId="755465ea-a681-4840-afaf-3106d4ded39d" providerId="ADAL" clId="{26A4DA2E-3B26-4A19-981B-FA4B6FD33F58}" dt="2023-09-26T11:36:54.709" v="834" actId="26606"/>
+          <ac:grpSpMkLst>
+            <pc:docMk/>
+            <pc:sldMk cId="833342778" sldId="261"/>
+            <ac:grpSpMk id="106" creationId="{E54EDBA2-E203-497D-AB28-73A06B2DFDEE}"/>
+          </ac:grpSpMkLst>
+        </pc:grpChg>
+        <pc:picChg chg="add mod ord">
+          <ac:chgData name="Roy Liu" userId="755465ea-a681-4840-afaf-3106d4ded39d" providerId="ADAL" clId="{26A4DA2E-3B26-4A19-981B-FA4B6FD33F58}" dt="2023-09-26T11:37:16.616" v="839" actId="1076"/>
+          <ac:picMkLst>
+            <pc:docMk/>
+            <pc:sldMk cId="833342778" sldId="261"/>
+            <ac:picMk id="5" creationId="{FB218DE2-FC3D-8E76-7BFA-E86621CD02E0}"/>
+          </ac:picMkLst>
+        </pc:picChg>
+        <pc:picChg chg="add mod">
+          <ac:chgData name="Roy Liu" userId="755465ea-a681-4840-afaf-3106d4ded39d" providerId="ADAL" clId="{26A4DA2E-3B26-4A19-981B-FA4B6FD33F58}" dt="2023-09-26T11:38:54.265" v="841" actId="14826"/>
+          <ac:picMkLst>
+            <pc:docMk/>
+            <pc:sldMk cId="833342778" sldId="261"/>
+            <ac:picMk id="7" creationId="{EE3EA166-3E3C-09C5-0F51-348817C4A378}"/>
+          </ac:picMkLst>
+        </pc:picChg>
+      </pc:sldChg>
+      <pc:sldChg chg="modSp new mod">
+        <pc:chgData name="Roy Liu" userId="755465ea-a681-4840-afaf-3106d4ded39d" providerId="ADAL" clId="{26A4DA2E-3B26-4A19-981B-FA4B6FD33F58}" dt="2023-09-26T09:58:03.596" v="327" actId="20577"/>
+        <pc:sldMkLst>
+          <pc:docMk/>
+          <pc:sldMk cId="723807988" sldId="262"/>
+        </pc:sldMkLst>
+        <pc:spChg chg="mod">
+          <ac:chgData name="Roy Liu" userId="755465ea-a681-4840-afaf-3106d4ded39d" providerId="ADAL" clId="{26A4DA2E-3B26-4A19-981B-FA4B6FD33F58}" dt="2023-09-26T09:58:03.596" v="327" actId="20577"/>
+          <ac:spMkLst>
+            <pc:docMk/>
+            <pc:sldMk cId="723807988" sldId="262"/>
+            <ac:spMk id="2" creationId="{E9FCD3FF-F45B-8D90-0C9A-8B9444056B35}"/>
+          </ac:spMkLst>
+        </pc:spChg>
+      </pc:sldChg>
+      <pc:sldChg chg="new">
+        <pc:chgData name="Roy Liu" userId="755465ea-a681-4840-afaf-3106d4ded39d" providerId="ADAL" clId="{26A4DA2E-3B26-4A19-981B-FA4B6FD33F58}" dt="2023-09-26T09:58:07.628" v="328" actId="680"/>
+        <pc:sldMkLst>
+          <pc:docMk/>
+          <pc:sldMk cId="2129731390" sldId="263"/>
+        </pc:sldMkLst>
+      </pc:sldChg>
+      <pc:sldChg chg="addSp delSp modSp new mod setBg">
+        <pc:chgData name="Roy Liu" userId="755465ea-a681-4840-afaf-3106d4ded39d" providerId="ADAL" clId="{26A4DA2E-3B26-4A19-981B-FA4B6FD33F58}" dt="2023-09-27T10:06:48.402" v="1860" actId="20577"/>
+        <pc:sldMkLst>
+          <pc:docMk/>
+          <pc:sldMk cId="3854421792" sldId="264"/>
+        </pc:sldMkLst>
+        <pc:spChg chg="mod">
+          <ac:chgData name="Roy Liu" userId="755465ea-a681-4840-afaf-3106d4ded39d" providerId="ADAL" clId="{26A4DA2E-3B26-4A19-981B-FA4B6FD33F58}" dt="2023-09-27T09:56:02.713" v="1448" actId="20577"/>
+          <ac:spMkLst>
+            <pc:docMk/>
+            <pc:sldMk cId="3854421792" sldId="264"/>
+            <ac:spMk id="2" creationId="{30D33BD3-68A6-1A97-FA68-72D48555FE31}"/>
+          </ac:spMkLst>
+        </pc:spChg>
+        <pc:spChg chg="del">
+          <ac:chgData name="Roy Liu" userId="755465ea-a681-4840-afaf-3106d4ded39d" providerId="ADAL" clId="{26A4DA2E-3B26-4A19-981B-FA4B6FD33F58}" dt="2023-09-26T11:22:59.352" v="755" actId="26606"/>
+          <ac:spMkLst>
+            <pc:docMk/>
+            <pc:sldMk cId="3854421792" sldId="264"/>
+            <ac:spMk id="3" creationId="{9158AA1D-1B39-5503-1C8B-D93C5231A925}"/>
+          </ac:spMkLst>
+        </pc:spChg>
+        <pc:spChg chg="add del">
+          <ac:chgData name="Roy Liu" userId="755465ea-a681-4840-afaf-3106d4ded39d" providerId="ADAL" clId="{26A4DA2E-3B26-4A19-981B-FA4B6FD33F58}" dt="2023-09-26T11:23:20.471" v="757" actId="26606"/>
+          <ac:spMkLst>
+            <pc:docMk/>
+            <pc:sldMk cId="3854421792" sldId="264"/>
+            <ac:spMk id="10" creationId="{0BABF38A-8A0D-492E-BD20-6CF4D46B50BD}"/>
+          </ac:spMkLst>
+        </pc:spChg>
+        <pc:spChg chg="add del">
+          <ac:chgData name="Roy Liu" userId="755465ea-a681-4840-afaf-3106d4ded39d" providerId="ADAL" clId="{26A4DA2E-3B26-4A19-981B-FA4B6FD33F58}" dt="2023-09-26T11:23:20.471" v="757" actId="26606"/>
+          <ac:spMkLst>
+            <pc:docMk/>
+            <pc:sldMk cId="3854421792" sldId="264"/>
+            <ac:spMk id="14" creationId="{F1174801-1395-44C5-9B00-CCAC45C056E7}"/>
+          </ac:spMkLst>
+        </pc:spChg>
+        <pc:spChg chg="add del mod">
+          <ac:chgData name="Roy Liu" userId="755465ea-a681-4840-afaf-3106d4ded39d" providerId="ADAL" clId="{26A4DA2E-3B26-4A19-981B-FA4B6FD33F58}" dt="2023-09-26T11:33:38.416" v="807" actId="767"/>
+          <ac:spMkLst>
+            <pc:docMk/>
+            <pc:sldMk cId="3854421792" sldId="264"/>
+            <ac:spMk id="15" creationId="{612FC7FC-603D-33F5-0070-7BB01D7EC5D4}"/>
+          </ac:spMkLst>
+        </pc:spChg>
+        <pc:spChg chg="add del">
+          <ac:chgData name="Roy Liu" userId="755465ea-a681-4840-afaf-3106d4ded39d" providerId="ADAL" clId="{26A4DA2E-3B26-4A19-981B-FA4B6FD33F58}" dt="2023-09-26T11:23:20.471" v="757" actId="26606"/>
+          <ac:spMkLst>
+            <pc:docMk/>
+            <pc:sldMk cId="3854421792" sldId="264"/>
+            <ac:spMk id="16" creationId="{8BADB362-9771-4A3C-B9E5-6777F34C5041}"/>
+          </ac:spMkLst>
+        </pc:spChg>
+        <pc:spChg chg="add del mod">
+          <ac:chgData name="Roy Liu" userId="755465ea-a681-4840-afaf-3106d4ded39d" providerId="ADAL" clId="{26A4DA2E-3B26-4A19-981B-FA4B6FD33F58}" dt="2023-09-26T11:33:37.952" v="804" actId="767"/>
+          <ac:spMkLst>
+            <pc:docMk/>
+            <pc:sldMk cId="3854421792" sldId="264"/>
+            <ac:spMk id="17" creationId="{93479DC7-4C8A-F89F-3E4B-5881C91FD939}"/>
+          </ac:spMkLst>
+        </pc:spChg>
+        <pc:spChg chg="add del mod">
+          <ac:chgData name="Roy Liu" userId="755465ea-a681-4840-afaf-3106d4ded39d" providerId="ADAL" clId="{26A4DA2E-3B26-4A19-981B-FA4B6FD33F58}" dt="2023-09-27T10:06:48.402" v="1860" actId="20577"/>
+          <ac:spMkLst>
+            <pc:docMk/>
+            <pc:sldMk cId="3854421792" sldId="264"/>
+            <ac:spMk id="24" creationId="{FB105505-04CA-DC86-994C-17415E16A816}"/>
+          </ac:spMkLst>
+        </pc:spChg>
+        <pc:spChg chg="add">
+          <ac:chgData name="Roy Liu" userId="755465ea-a681-4840-afaf-3106d4ded39d" providerId="ADAL" clId="{26A4DA2E-3B26-4A19-981B-FA4B6FD33F58}" dt="2023-09-26T11:23:20.471" v="757" actId="26606"/>
+          <ac:spMkLst>
+            <pc:docMk/>
+            <pc:sldMk cId="3854421792" sldId="264"/>
+            <ac:spMk id="27" creationId="{8651CFA9-6065-4243-AC48-858E359780B1}"/>
+          </ac:spMkLst>
+        </pc:spChg>
+        <pc:spChg chg="add">
+          <ac:chgData name="Roy Liu" userId="755465ea-a681-4840-afaf-3106d4ded39d" providerId="ADAL" clId="{26A4DA2E-3B26-4A19-981B-FA4B6FD33F58}" dt="2023-09-26T11:23:20.471" v="757" actId="26606"/>
+          <ac:spMkLst>
+            <pc:docMk/>
+            <pc:sldMk cId="3854421792" sldId="264"/>
+            <ac:spMk id="29" creationId="{FBC8BBE5-981E-4B0B-9654-32B5668BFF31}"/>
+          </ac:spMkLst>
+        </pc:spChg>
+        <pc:grpChg chg="add del">
+          <ac:chgData name="Roy Liu" userId="755465ea-a681-4840-afaf-3106d4ded39d" providerId="ADAL" clId="{26A4DA2E-3B26-4A19-981B-FA4B6FD33F58}" dt="2023-09-26T11:23:20.471" v="757" actId="26606"/>
+          <ac:grpSpMkLst>
+            <pc:docMk/>
+            <pc:sldMk cId="3854421792" sldId="264"/>
+            <ac:grpSpMk id="18" creationId="{6C5D976F-50BF-4FEC-B797-AACEB2C35144}"/>
+          </ac:grpSpMkLst>
+        </pc:grpChg>
+        <pc:grpChg chg="add">
+          <ac:chgData name="Roy Liu" userId="755465ea-a681-4840-afaf-3106d4ded39d" providerId="ADAL" clId="{26A4DA2E-3B26-4A19-981B-FA4B6FD33F58}" dt="2023-09-26T11:23:20.471" v="757" actId="26606"/>
+          <ac:grpSpMkLst>
+            <pc:docMk/>
+            <pc:sldMk cId="3854421792" sldId="264"/>
+            <ac:grpSpMk id="31" creationId="{E54EDBA2-E203-497D-AB28-73A06B2DFDEE}"/>
+          </ac:grpSpMkLst>
+        </pc:grpChg>
+        <pc:picChg chg="add mod ord">
+          <ac:chgData name="Roy Liu" userId="755465ea-a681-4840-afaf-3106d4ded39d" providerId="ADAL" clId="{26A4DA2E-3B26-4A19-981B-FA4B6FD33F58}" dt="2023-09-26T11:29:05.643" v="773" actId="14100"/>
+          <ac:picMkLst>
+            <pc:docMk/>
+            <pc:sldMk cId="3854421792" sldId="264"/>
+            <ac:picMk id="5" creationId="{96936FE3-5CFA-7757-F1DE-FF4B00A109A8}"/>
+          </ac:picMkLst>
+        </pc:picChg>
+        <pc:picChg chg="add mod">
+          <ac:chgData name="Roy Liu" userId="755465ea-a681-4840-afaf-3106d4ded39d" providerId="ADAL" clId="{26A4DA2E-3B26-4A19-981B-FA4B6FD33F58}" dt="2023-09-26T11:28:28.063" v="770" actId="14826"/>
+          <ac:picMkLst>
+            <pc:docMk/>
+            <pc:sldMk cId="3854421792" sldId="264"/>
+            <ac:picMk id="7" creationId="{0FC2301A-6357-11A5-E913-C23B70C642F4}"/>
+          </ac:picMkLst>
+        </pc:picChg>
+        <pc:picChg chg="add del mod">
+          <ac:chgData name="Roy Liu" userId="755465ea-a681-4840-afaf-3106d4ded39d" providerId="ADAL" clId="{26A4DA2E-3B26-4A19-981B-FA4B6FD33F58}" dt="2023-09-26T11:32:24.825" v="783"/>
+          <ac:picMkLst>
+            <pc:docMk/>
+            <pc:sldMk cId="3854421792" sldId="264"/>
+            <ac:picMk id="9" creationId="{D50240B4-13E5-3BCA-F31F-13DA3D67DC41}"/>
+          </ac:picMkLst>
+        </pc:picChg>
+        <pc:picChg chg="add del">
+          <ac:chgData name="Roy Liu" userId="755465ea-a681-4840-afaf-3106d4ded39d" providerId="ADAL" clId="{26A4DA2E-3B26-4A19-981B-FA4B6FD33F58}" dt="2023-09-26T11:23:20.471" v="757" actId="26606"/>
+          <ac:picMkLst>
+            <pc:docMk/>
+            <pc:sldMk cId="3854421792" sldId="264"/>
+            <ac:picMk id="12" creationId="{BC526B7A-4801-4FD1-95C8-03AF22629E87}"/>
+          </ac:picMkLst>
+        </pc:picChg>
+        <pc:picChg chg="add del mod">
+          <ac:chgData name="Roy Liu" userId="755465ea-a681-4840-afaf-3106d4ded39d" providerId="ADAL" clId="{26A4DA2E-3B26-4A19-981B-FA4B6FD33F58}" dt="2023-09-26T11:33:39.635" v="809"/>
+          <ac:picMkLst>
+            <pc:docMk/>
+            <pc:sldMk cId="3854421792" sldId="264"/>
+            <ac:picMk id="13" creationId="{491E01A8-1008-15E9-3262-5AC90B860C51}"/>
+          </ac:picMkLst>
+        </pc:picChg>
+        <pc:picChg chg="add mod">
+          <ac:chgData name="Roy Liu" userId="755465ea-a681-4840-afaf-3106d4ded39d" providerId="ADAL" clId="{26A4DA2E-3B26-4A19-981B-FA4B6FD33F58}" dt="2023-09-26T11:33:54.593" v="821" actId="1076"/>
+          <ac:picMkLst>
+            <pc:docMk/>
+            <pc:sldMk cId="3854421792" sldId="264"/>
+            <ac:picMk id="22" creationId="{CF92AAA3-742D-F5AA-75F3-56814F81F59A}"/>
+          </ac:picMkLst>
+        </pc:picChg>
+      </pc:sldChg>
+      <pc:sldChg chg="modSp new mod">
+        <pc:chgData name="Roy Liu" userId="755465ea-a681-4840-afaf-3106d4ded39d" providerId="ADAL" clId="{26A4DA2E-3B26-4A19-981B-FA4B6FD33F58}" dt="2023-09-26T10:47:06.837" v="674" actId="20577"/>
+        <pc:sldMkLst>
+          <pc:docMk/>
+          <pc:sldMk cId="435654270" sldId="265"/>
+        </pc:sldMkLst>
+        <pc:spChg chg="mod">
+          <ac:chgData name="Roy Liu" userId="755465ea-a681-4840-afaf-3106d4ded39d" providerId="ADAL" clId="{26A4DA2E-3B26-4A19-981B-FA4B6FD33F58}" dt="2023-09-26T09:59:01.724" v="465" actId="20577"/>
+          <ac:spMkLst>
+            <pc:docMk/>
+            <pc:sldMk cId="435654270" sldId="265"/>
+            <ac:spMk id="2" creationId="{C467D37A-286A-5967-A2D3-A3CB3B01E5C0}"/>
+          </ac:spMkLst>
+        </pc:spChg>
+        <pc:spChg chg="mod">
+          <ac:chgData name="Roy Liu" userId="755465ea-a681-4840-afaf-3106d4ded39d" providerId="ADAL" clId="{26A4DA2E-3B26-4A19-981B-FA4B6FD33F58}" dt="2023-09-26T10:47:06.837" v="674" actId="20577"/>
+          <ac:spMkLst>
+            <pc:docMk/>
+            <pc:sldMk cId="435654270" sldId="265"/>
+            <ac:spMk id="3" creationId="{7F2E4967-6631-E036-3C10-AB476F921C5F}"/>
+          </ac:spMkLst>
+        </pc:spChg>
+      </pc:sldChg>
+      <pc:sldChg chg="modSp mod">
+        <pc:chgData name="Roy Liu" userId="755465ea-a681-4840-afaf-3106d4ded39d" providerId="ADAL" clId="{26A4DA2E-3B26-4A19-981B-FA4B6FD33F58}" dt="2023-09-26T11:30:56.916" v="775" actId="313"/>
+        <pc:sldMkLst>
+          <pc:docMk/>
+          <pc:sldMk cId="3257955536" sldId="268"/>
+        </pc:sldMkLst>
+        <pc:spChg chg="mod">
+          <ac:chgData name="Roy Liu" userId="755465ea-a681-4840-afaf-3106d4ded39d" providerId="ADAL" clId="{26A4DA2E-3B26-4A19-981B-FA4B6FD33F58}" dt="2023-09-26T11:30:56.916" v="775" actId="313"/>
+          <ac:spMkLst>
+            <pc:docMk/>
+            <pc:sldMk cId="3257955536" sldId="268"/>
+            <ac:spMk id="3" creationId="{40D137FA-18A4-4E72-3B1A-E45AE21D012B}"/>
+          </ac:spMkLst>
+        </pc:spChg>
+      </pc:sldChg>
+      <pc:sldChg chg="modSp new mod">
+        <pc:chgData name="Roy Liu" userId="755465ea-a681-4840-afaf-3106d4ded39d" providerId="ADAL" clId="{26A4DA2E-3B26-4A19-981B-FA4B6FD33F58}" dt="2023-09-27T09:56:54.619" v="1491" actId="20577"/>
+        <pc:sldMkLst>
+          <pc:docMk/>
+          <pc:sldMk cId="3751505815" sldId="269"/>
+        </pc:sldMkLst>
+        <pc:spChg chg="mod">
+          <ac:chgData name="Roy Liu" userId="755465ea-a681-4840-afaf-3106d4ded39d" providerId="ADAL" clId="{26A4DA2E-3B26-4A19-981B-FA4B6FD33F58}" dt="2023-09-27T09:56:54.619" v="1491" actId="20577"/>
+          <ac:spMkLst>
+            <pc:docMk/>
+            <pc:sldMk cId="3751505815" sldId="269"/>
+            <ac:spMk id="2" creationId="{88013891-86EF-454E-0A39-BC7185B11C4F}"/>
           </ac:spMkLst>
         </pc:spChg>
       </pc:sldChg>
@@ -835,6 +1705,789 @@
           </pc:sldLayoutMkLst>
         </pc:sldLayoutChg>
       </pc:sldMasterChg>
+    </pc:docChg>
+  </pc:docChgLst>
+  <pc:docChgLst>
+    <pc:chgData name="Viktória Szabó" userId="S::viktoria22000@student.hamk.fi::55ff7ae3-70d3-4f82-942e-28ce8109f0e2" providerId="AD" clId="Web-{6E52E18D-70C0-C0CD-E9D5-B6670395D0A7}"/>
+    <pc:docChg chg="modSld">
+      <pc:chgData name="Viktória Szabó" userId="S::viktoria22000@student.hamk.fi::55ff7ae3-70d3-4f82-942e-28ce8109f0e2" providerId="AD" clId="Web-{6E52E18D-70C0-C0CD-E9D5-B6670395D0A7}" dt="2023-09-27T10:30:17.758" v="30" actId="20577"/>
+      <pc:docMkLst>
+        <pc:docMk/>
+      </pc:docMkLst>
+      <pc:sldChg chg="modSp">
+        <pc:chgData name="Viktória Szabó" userId="S::viktoria22000@student.hamk.fi::55ff7ae3-70d3-4f82-942e-28ce8109f0e2" providerId="AD" clId="Web-{6E52E18D-70C0-C0CD-E9D5-B6670395D0A7}" dt="2023-09-27T10:30:17.758" v="30" actId="20577"/>
+        <pc:sldMkLst>
+          <pc:docMk/>
+          <pc:sldMk cId="2351471326" sldId="270"/>
+        </pc:sldMkLst>
+        <pc:spChg chg="mod">
+          <ac:chgData name="Viktória Szabó" userId="S::viktoria22000@student.hamk.fi::55ff7ae3-70d3-4f82-942e-28ce8109f0e2" providerId="AD" clId="Web-{6E52E18D-70C0-C0CD-E9D5-B6670395D0A7}" dt="2023-09-27T10:30:17.758" v="30" actId="20577"/>
+          <ac:spMkLst>
+            <pc:docMk/>
+            <pc:sldMk cId="2351471326" sldId="270"/>
+            <ac:spMk id="3" creationId="{9A2FD7DE-30B6-CD30-B786-0E97D6FCF335}"/>
+          </ac:spMkLst>
+        </pc:spChg>
+      </pc:sldChg>
+    </pc:docChg>
+  </pc:docChgLst>
+  <pc:docChgLst>
+    <pc:chgData name="Viktória Szabó" userId="S::viktoria22000@student.hamk.fi::55ff7ae3-70d3-4f82-942e-28ce8109f0e2" providerId="AD" clId="Web-{99DD3772-D7DA-ACAF-C41D-2125D048CA4C}"/>
+    <pc:docChg chg="addSld modSld">
+      <pc:chgData name="Viktória Szabó" userId="S::viktoria22000@student.hamk.fi::55ff7ae3-70d3-4f82-942e-28ce8109f0e2" providerId="AD" clId="Web-{99DD3772-D7DA-ACAF-C41D-2125D048CA4C}" dt="2023-09-26T10:46:12.597" v="684" actId="20577"/>
+      <pc:docMkLst>
+        <pc:docMk/>
+      </pc:docMkLst>
+      <pc:sldChg chg="modSp">
+        <pc:chgData name="Viktória Szabó" userId="S::viktoria22000@student.hamk.fi::55ff7ae3-70d3-4f82-942e-28ce8109f0e2" providerId="AD" clId="Web-{99DD3772-D7DA-ACAF-C41D-2125D048CA4C}" dt="2023-09-26T10:41:09.971" v="450" actId="1076"/>
+        <pc:sldMkLst>
+          <pc:docMk/>
+          <pc:sldMk cId="4059361716" sldId="256"/>
+        </pc:sldMkLst>
+        <pc:spChg chg="mod">
+          <ac:chgData name="Viktória Szabó" userId="S::viktoria22000@student.hamk.fi::55ff7ae3-70d3-4f82-942e-28ce8109f0e2" providerId="AD" clId="Web-{99DD3772-D7DA-ACAF-C41D-2125D048CA4C}" dt="2023-09-26T10:40:47.721" v="446" actId="20577"/>
+          <ac:spMkLst>
+            <pc:docMk/>
+            <pc:sldMk cId="4059361716" sldId="256"/>
+            <ac:spMk id="2" creationId="{FB1621ED-E470-38C9-3C00-E64A512B7968}"/>
+          </ac:spMkLst>
+        </pc:spChg>
+        <pc:spChg chg="mod">
+          <ac:chgData name="Viktória Szabó" userId="S::viktoria22000@student.hamk.fi::55ff7ae3-70d3-4f82-942e-28ce8109f0e2" providerId="AD" clId="Web-{99DD3772-D7DA-ACAF-C41D-2125D048CA4C}" dt="2023-09-26T10:41:09.971" v="450" actId="1076"/>
+          <ac:spMkLst>
+            <pc:docMk/>
+            <pc:sldMk cId="4059361716" sldId="256"/>
+            <ac:spMk id="3" creationId="{A1373B98-8ED3-37B9-5EB5-687324157D0A}"/>
+          </ac:spMkLst>
+        </pc:spChg>
+      </pc:sldChg>
+      <pc:sldChg chg="addSp modSp mod setBg">
+        <pc:chgData name="Viktória Szabó" userId="S::viktoria22000@student.hamk.fi::55ff7ae3-70d3-4f82-942e-28ce8109f0e2" providerId="AD" clId="Web-{99DD3772-D7DA-ACAF-C41D-2125D048CA4C}" dt="2023-09-26T10:46:12.597" v="684" actId="20577"/>
+        <pc:sldMkLst>
+          <pc:docMk/>
+          <pc:sldMk cId="1499829321" sldId="257"/>
+        </pc:sldMkLst>
+        <pc:spChg chg="mod">
+          <ac:chgData name="Viktória Szabó" userId="S::viktoria22000@student.hamk.fi::55ff7ae3-70d3-4f82-942e-28ce8109f0e2" providerId="AD" clId="Web-{99DD3772-D7DA-ACAF-C41D-2125D048CA4C}" dt="2023-09-26T10:44:18.987" v="658"/>
+          <ac:spMkLst>
+            <pc:docMk/>
+            <pc:sldMk cId="1499829321" sldId="257"/>
+            <ac:spMk id="2" creationId="{6E7FAB23-3BBF-1A08-4ADC-40F67AE0A9F3}"/>
+          </ac:spMkLst>
+        </pc:spChg>
+        <pc:spChg chg="mod">
+          <ac:chgData name="Viktória Szabó" userId="S::viktoria22000@student.hamk.fi::55ff7ae3-70d3-4f82-942e-28ce8109f0e2" providerId="AD" clId="Web-{99DD3772-D7DA-ACAF-C41D-2125D048CA4C}" dt="2023-09-26T10:46:12.597" v="684" actId="20577"/>
+          <ac:spMkLst>
+            <pc:docMk/>
+            <pc:sldMk cId="1499829321" sldId="257"/>
+            <ac:spMk id="3" creationId="{27880FD4-D46A-B9D5-23AC-6C0D8D9629D2}"/>
+          </ac:spMkLst>
+        </pc:spChg>
+        <pc:spChg chg="add">
+          <ac:chgData name="Viktória Szabó" userId="S::viktoria22000@student.hamk.fi::55ff7ae3-70d3-4f82-942e-28ce8109f0e2" providerId="AD" clId="Web-{99DD3772-D7DA-ACAF-C41D-2125D048CA4C}" dt="2023-09-26T10:44:18.987" v="658"/>
+          <ac:spMkLst>
+            <pc:docMk/>
+            <pc:sldMk cId="1499829321" sldId="257"/>
+            <ac:spMk id="8" creationId="{8651CFA9-6065-4243-AC48-858E359780B1}"/>
+          </ac:spMkLst>
+        </pc:spChg>
+        <pc:spChg chg="add">
+          <ac:chgData name="Viktória Szabó" userId="S::viktoria22000@student.hamk.fi::55ff7ae3-70d3-4f82-942e-28ce8109f0e2" providerId="AD" clId="Web-{99DD3772-D7DA-ACAF-C41D-2125D048CA4C}" dt="2023-09-26T10:44:18.987" v="658"/>
+          <ac:spMkLst>
+            <pc:docMk/>
+            <pc:sldMk cId="1499829321" sldId="257"/>
+            <ac:spMk id="10" creationId="{7462BFBC-0E19-4E6F-B0C7-CD5C519BC311}"/>
+          </ac:spMkLst>
+        </pc:spChg>
+        <pc:spChg chg="add">
+          <ac:chgData name="Viktória Szabó" userId="S::viktoria22000@student.hamk.fi::55ff7ae3-70d3-4f82-942e-28ce8109f0e2" providerId="AD" clId="Web-{99DD3772-D7DA-ACAF-C41D-2125D048CA4C}" dt="2023-09-26T10:44:18.987" v="658"/>
+          <ac:spMkLst>
+            <pc:docMk/>
+            <pc:sldMk cId="1499829321" sldId="257"/>
+            <ac:spMk id="16" creationId="{D813CD98-5EBE-426D-A4AC-FA5518B099DE}"/>
+          </ac:spMkLst>
+        </pc:spChg>
+        <pc:spChg chg="add">
+          <ac:chgData name="Viktória Szabó" userId="S::viktoria22000@student.hamk.fi::55ff7ae3-70d3-4f82-942e-28ce8109f0e2" providerId="AD" clId="Web-{99DD3772-D7DA-ACAF-C41D-2125D048CA4C}" dt="2023-09-26T10:44:18.987" v="658"/>
+          <ac:spMkLst>
+            <pc:docMk/>
+            <pc:sldMk cId="1499829321" sldId="257"/>
+            <ac:spMk id="18" creationId="{B453545A-B2D3-41EE-A91C-DBF43402DD43}"/>
+          </ac:spMkLst>
+        </pc:spChg>
+        <pc:grpChg chg="add">
+          <ac:chgData name="Viktória Szabó" userId="S::viktoria22000@student.hamk.fi::55ff7ae3-70d3-4f82-942e-28ce8109f0e2" providerId="AD" clId="Web-{99DD3772-D7DA-ACAF-C41D-2125D048CA4C}" dt="2023-09-26T10:44:18.987" v="658"/>
+          <ac:grpSpMkLst>
+            <pc:docMk/>
+            <pc:sldMk cId="1499829321" sldId="257"/>
+            <ac:grpSpMk id="12" creationId="{F2C2A007-4AE9-49C4-B364-5FDF34596224}"/>
+          </ac:grpSpMkLst>
+        </pc:grpChg>
+      </pc:sldChg>
+      <pc:sldChg chg="addSp modSp">
+        <pc:chgData name="Viktória Szabó" userId="S::viktoria22000@student.hamk.fi::55ff7ae3-70d3-4f82-942e-28ce8109f0e2" providerId="AD" clId="Web-{99DD3772-D7DA-ACAF-C41D-2125D048CA4C}" dt="2023-09-26T10:46:04.019" v="682" actId="20577"/>
+        <pc:sldMkLst>
+          <pc:docMk/>
+          <pc:sldMk cId="723807988" sldId="262"/>
+        </pc:sldMkLst>
+        <pc:spChg chg="mod">
+          <ac:chgData name="Viktória Szabó" userId="S::viktoria22000@student.hamk.fi::55ff7ae3-70d3-4f82-942e-28ce8109f0e2" providerId="AD" clId="Web-{99DD3772-D7DA-ACAF-C41D-2125D048CA4C}" dt="2023-09-26T10:46:04.019" v="682" actId="20577"/>
+          <ac:spMkLst>
+            <pc:docMk/>
+            <pc:sldMk cId="723807988" sldId="262"/>
+            <ac:spMk id="2" creationId="{E9FCD3FF-F45B-8D90-0C9A-8B9444056B35}"/>
+          </ac:spMkLst>
+        </pc:spChg>
+        <pc:spChg chg="mod">
+          <ac:chgData name="Viktória Szabó" userId="S::viktoria22000@student.hamk.fi::55ff7ae3-70d3-4f82-942e-28ce8109f0e2" providerId="AD" clId="Web-{99DD3772-D7DA-ACAF-C41D-2125D048CA4C}" dt="2023-09-26T10:45:39.847" v="675" actId="20577"/>
+          <ac:spMkLst>
+            <pc:docMk/>
+            <pc:sldMk cId="723807988" sldId="262"/>
+            <ac:spMk id="3" creationId="{F7903209-7B69-F2CF-7AFD-F8DAB8DE1B72}"/>
+          </ac:spMkLst>
+        </pc:spChg>
+        <pc:picChg chg="add mod">
+          <ac:chgData name="Viktória Szabó" userId="S::viktoria22000@student.hamk.fi::55ff7ae3-70d3-4f82-942e-28ce8109f0e2" providerId="AD" clId="Web-{99DD3772-D7DA-ACAF-C41D-2125D048CA4C}" dt="2023-09-26T10:30:49.923" v="42" actId="1076"/>
+          <ac:picMkLst>
+            <pc:docMk/>
+            <pc:sldMk cId="723807988" sldId="262"/>
+            <ac:picMk id="4" creationId="{93560767-ED00-007D-38F6-FA4111FC431C}"/>
+          </ac:picMkLst>
+        </pc:picChg>
+        <pc:picChg chg="add mod">
+          <ac:chgData name="Viktória Szabó" userId="S::viktoria22000@student.hamk.fi::55ff7ae3-70d3-4f82-942e-28ce8109f0e2" providerId="AD" clId="Web-{99DD3772-D7DA-ACAF-C41D-2125D048CA4C}" dt="2023-09-26T10:30:47.330" v="39" actId="1076"/>
+          <ac:picMkLst>
+            <pc:docMk/>
+            <pc:sldMk cId="723807988" sldId="262"/>
+            <ac:picMk id="5" creationId="{6147C8E2-A9FF-BF4C-8D74-AB061E226477}"/>
+          </ac:picMkLst>
+        </pc:picChg>
+      </pc:sldChg>
+      <pc:sldChg chg="addSp delSp modSp mod setBg modClrScheme addAnim delAnim chgLayout">
+        <pc:chgData name="Viktória Szabó" userId="S::viktoria22000@student.hamk.fi::55ff7ae3-70d3-4f82-942e-28ce8109f0e2" providerId="AD" clId="Web-{99DD3772-D7DA-ACAF-C41D-2125D048CA4C}" dt="2023-09-26T10:40:38.549" v="440" actId="20577"/>
+        <pc:sldMkLst>
+          <pc:docMk/>
+          <pc:sldMk cId="2129731390" sldId="263"/>
+        </pc:sldMkLst>
+        <pc:spChg chg="mod ord">
+          <ac:chgData name="Viktória Szabó" userId="S::viktoria22000@student.hamk.fi::55ff7ae3-70d3-4f82-942e-28ce8109f0e2" providerId="AD" clId="Web-{99DD3772-D7DA-ACAF-C41D-2125D048CA4C}" dt="2023-09-26T10:40:38.549" v="440" actId="20577"/>
+          <ac:spMkLst>
+            <pc:docMk/>
+            <pc:sldMk cId="2129731390" sldId="263"/>
+            <ac:spMk id="2" creationId="{D35C279A-F607-F2FC-CE91-DEE49601EC63}"/>
+          </ac:spMkLst>
+        </pc:spChg>
+        <pc:spChg chg="mod ord">
+          <ac:chgData name="Viktória Szabó" userId="S::viktoria22000@student.hamk.fi::55ff7ae3-70d3-4f82-942e-28ce8109f0e2" providerId="AD" clId="Web-{99DD3772-D7DA-ACAF-C41D-2125D048CA4C}" dt="2023-09-26T10:40:35.331" v="437"/>
+          <ac:spMkLst>
+            <pc:docMk/>
+            <pc:sldMk cId="2129731390" sldId="263"/>
+            <ac:spMk id="3" creationId="{1FBB4542-7416-E7B0-5988-8C7D2AFB8EA8}"/>
+          </ac:spMkLst>
+        </pc:spChg>
+        <pc:spChg chg="add del">
+          <ac:chgData name="Viktória Szabó" userId="S::viktoria22000@student.hamk.fi::55ff7ae3-70d3-4f82-942e-28ce8109f0e2" providerId="AD" clId="Web-{99DD3772-D7DA-ACAF-C41D-2125D048CA4C}" dt="2023-09-26T10:40:35.331" v="437"/>
+          <ac:spMkLst>
+            <pc:docMk/>
+            <pc:sldMk cId="2129731390" sldId="263"/>
+            <ac:spMk id="8" creationId="{DE61FBD7-E37C-4B38-BE44-A6D4978D7486}"/>
+          </ac:spMkLst>
+        </pc:spChg>
+        <pc:spChg chg="add del">
+          <ac:chgData name="Viktória Szabó" userId="S::viktoria22000@student.hamk.fi::55ff7ae3-70d3-4f82-942e-28ce8109f0e2" providerId="AD" clId="Web-{99DD3772-D7DA-ACAF-C41D-2125D048CA4C}" dt="2023-09-26T10:40:35.331" v="437"/>
+          <ac:spMkLst>
+            <pc:docMk/>
+            <pc:sldMk cId="2129731390" sldId="263"/>
+            <ac:spMk id="10" creationId="{823772C2-0911-45A0-B7B6-D811380C75AC}"/>
+          </ac:spMkLst>
+        </pc:spChg>
+        <pc:grpChg chg="add del">
+          <ac:chgData name="Viktória Szabó" userId="S::viktoria22000@student.hamk.fi::55ff7ae3-70d3-4f82-942e-28ce8109f0e2" providerId="AD" clId="Web-{99DD3772-D7DA-ACAF-C41D-2125D048CA4C}" dt="2023-09-26T10:40:35.331" v="437"/>
+          <ac:grpSpMkLst>
+            <pc:docMk/>
+            <pc:sldMk cId="2129731390" sldId="263"/>
+            <ac:grpSpMk id="12" creationId="{53A6A32E-D196-4536-A9E8-56D5BB884FCA}"/>
+          </ac:grpSpMkLst>
+        </pc:grpChg>
+      </pc:sldChg>
+      <pc:sldChg chg="addSp delSp modSp">
+        <pc:chgData name="Viktória Szabó" userId="S::viktoria22000@student.hamk.fi::55ff7ae3-70d3-4f82-942e-28ce8109f0e2" providerId="AD" clId="Web-{99DD3772-D7DA-ACAF-C41D-2125D048CA4C}" dt="2023-09-26T10:45:55.987" v="679" actId="20577"/>
+        <pc:sldMkLst>
+          <pc:docMk/>
+          <pc:sldMk cId="435654270" sldId="265"/>
+        </pc:sldMkLst>
+        <pc:spChg chg="mod">
+          <ac:chgData name="Viktória Szabó" userId="S::viktoria22000@student.hamk.fi::55ff7ae3-70d3-4f82-942e-28ce8109f0e2" providerId="AD" clId="Web-{99DD3772-D7DA-ACAF-C41D-2125D048CA4C}" dt="2023-09-26T10:45:55.987" v="679" actId="20577"/>
+          <ac:spMkLst>
+            <pc:docMk/>
+            <pc:sldMk cId="435654270" sldId="265"/>
+            <ac:spMk id="2" creationId="{C467D37A-286A-5967-A2D3-A3CB3B01E5C0}"/>
+          </ac:spMkLst>
+        </pc:spChg>
+        <pc:spChg chg="mod">
+          <ac:chgData name="Viktória Szabó" userId="S::viktoria22000@student.hamk.fi::55ff7ae3-70d3-4f82-942e-28ce8109f0e2" providerId="AD" clId="Web-{99DD3772-D7DA-ACAF-C41D-2125D048CA4C}" dt="2023-09-26T10:45:44.784" v="677" actId="20577"/>
+          <ac:spMkLst>
+            <pc:docMk/>
+            <pc:sldMk cId="435654270" sldId="265"/>
+            <ac:spMk id="3" creationId="{7F2E4967-6631-E036-3C10-AB476F921C5F}"/>
+          </ac:spMkLst>
+        </pc:spChg>
+        <pc:picChg chg="add del mod">
+          <ac:chgData name="Viktória Szabó" userId="S::viktoria22000@student.hamk.fi::55ff7ae3-70d3-4f82-942e-28ce8109f0e2" providerId="AD" clId="Web-{99DD3772-D7DA-ACAF-C41D-2125D048CA4C}" dt="2023-09-26T10:29:48.470" v="14"/>
+          <ac:picMkLst>
+            <pc:docMk/>
+            <pc:sldMk cId="435654270" sldId="265"/>
+            <ac:picMk id="4" creationId="{8BE72F5C-83A2-3231-A9E6-18AE4085838E}"/>
+          </ac:picMkLst>
+        </pc:picChg>
+        <pc:picChg chg="add mod">
+          <ac:chgData name="Viktória Szabó" userId="S::viktoria22000@student.hamk.fi::55ff7ae3-70d3-4f82-942e-28ce8109f0e2" providerId="AD" clId="Web-{99DD3772-D7DA-ACAF-C41D-2125D048CA4C}" dt="2023-09-26T10:30:08.236" v="24" actId="1076"/>
+          <ac:picMkLst>
+            <pc:docMk/>
+            <pc:sldMk cId="435654270" sldId="265"/>
+            <ac:picMk id="5" creationId="{3746FFB8-CB00-DA0E-CC83-3F8B80704B55}"/>
+          </ac:picMkLst>
+        </pc:picChg>
+        <pc:picChg chg="add mod">
+          <ac:chgData name="Viktória Szabó" userId="S::viktoria22000@student.hamk.fi::55ff7ae3-70d3-4f82-942e-28ce8109f0e2" providerId="AD" clId="Web-{99DD3772-D7DA-ACAF-C41D-2125D048CA4C}" dt="2023-09-26T10:30:08.986" v="25" actId="1076"/>
+          <ac:picMkLst>
+            <pc:docMk/>
+            <pc:sldMk cId="435654270" sldId="265"/>
+            <ac:picMk id="6" creationId="{F2B7F44B-D5B4-17C7-5D2E-B87E3E17631B}"/>
+          </ac:picMkLst>
+        </pc:picChg>
+      </pc:sldChg>
+      <pc:sldChg chg="addSp delSp modSp new mod setBg">
+        <pc:chgData name="Viktória Szabó" userId="S::viktoria22000@student.hamk.fi::55ff7ae3-70d3-4f82-942e-28ce8109f0e2" providerId="AD" clId="Web-{99DD3772-D7DA-ACAF-C41D-2125D048CA4C}" dt="2023-09-26T10:38:53.596" v="342" actId="20577"/>
+        <pc:sldMkLst>
+          <pc:docMk/>
+          <pc:sldMk cId="3124489379" sldId="266"/>
+        </pc:sldMkLst>
+        <pc:spChg chg="mod">
+          <ac:chgData name="Viktória Szabó" userId="S::viktoria22000@student.hamk.fi::55ff7ae3-70d3-4f82-942e-28ce8109f0e2" providerId="AD" clId="Web-{99DD3772-D7DA-ACAF-C41D-2125D048CA4C}" dt="2023-09-26T10:38:27.143" v="331" actId="14100"/>
+          <ac:spMkLst>
+            <pc:docMk/>
+            <pc:sldMk cId="3124489379" sldId="266"/>
+            <ac:spMk id="2" creationId="{5A78A3DA-970E-9077-A1C4-CA9DCFC7D8B1}"/>
+          </ac:spMkLst>
+        </pc:spChg>
+        <pc:spChg chg="del mod">
+          <ac:chgData name="Viktória Szabó" userId="S::viktoria22000@student.hamk.fi::55ff7ae3-70d3-4f82-942e-28ce8109f0e2" providerId="AD" clId="Web-{99DD3772-D7DA-ACAF-C41D-2125D048CA4C}" dt="2023-09-26T10:33:59.189" v="157"/>
+          <ac:spMkLst>
+            <pc:docMk/>
+            <pc:sldMk cId="3124489379" sldId="266"/>
+            <ac:spMk id="3" creationId="{4281A879-1BFE-2B9D-DCF9-C30DD0B20DA9}"/>
+          </ac:spMkLst>
+        </pc:spChg>
+        <pc:spChg chg="add del mod">
+          <ac:chgData name="Viktória Szabó" userId="S::viktoria22000@student.hamk.fi::55ff7ae3-70d3-4f82-942e-28ce8109f0e2" providerId="AD" clId="Web-{99DD3772-D7DA-ACAF-C41D-2125D048CA4C}" dt="2023-09-26T10:34:25.580" v="164"/>
+          <ac:spMkLst>
+            <pc:docMk/>
+            <pc:sldMk cId="3124489379" sldId="266"/>
+            <ac:spMk id="6" creationId="{D1BA41D9-85B3-2BCE-7BAD-563E9B67B612}"/>
+          </ac:spMkLst>
+        </pc:spChg>
+        <pc:spChg chg="add mod">
+          <ac:chgData name="Viktória Szabó" userId="S::viktoria22000@student.hamk.fi::55ff7ae3-70d3-4f82-942e-28ce8109f0e2" providerId="AD" clId="Web-{99DD3772-D7DA-ACAF-C41D-2125D048CA4C}" dt="2023-09-26T10:38:53.596" v="342" actId="20577"/>
+          <ac:spMkLst>
+            <pc:docMk/>
+            <pc:sldMk cId="3124489379" sldId="266"/>
+            <ac:spMk id="8" creationId="{8A5A1EB3-A69E-9C30-F146-0A35F818E211}"/>
+          </ac:spMkLst>
+        </pc:spChg>
+        <pc:spChg chg="add del mod">
+          <ac:chgData name="Viktória Szabó" userId="S::viktoria22000@student.hamk.fi::55ff7ae3-70d3-4f82-942e-28ce8109f0e2" providerId="AD" clId="Web-{99DD3772-D7DA-ACAF-C41D-2125D048CA4C}" dt="2023-09-26T10:36:06.049" v="197"/>
+          <ac:spMkLst>
+            <pc:docMk/>
+            <pc:sldMk cId="3124489379" sldId="266"/>
+            <ac:spMk id="10" creationId="{4B3DFF6C-0CD4-14E2-1AF2-08FBD165385D}"/>
+          </ac:spMkLst>
+        </pc:spChg>
+        <pc:spChg chg="add del mod">
+          <ac:chgData name="Viktória Szabó" userId="S::viktoria22000@student.hamk.fi::55ff7ae3-70d3-4f82-942e-28ce8109f0e2" providerId="AD" clId="Web-{99DD3772-D7DA-ACAF-C41D-2125D048CA4C}" dt="2023-09-26T10:37:03.987" v="251"/>
+          <ac:spMkLst>
+            <pc:docMk/>
+            <pc:sldMk cId="3124489379" sldId="266"/>
+            <ac:spMk id="13" creationId="{1612404F-C7EC-5F64-DBD7-1B4C037A66D6}"/>
+          </ac:spMkLst>
+        </pc:spChg>
+        <pc:spChg chg="add del">
+          <ac:chgData name="Viktória Szabó" userId="S::viktoria22000@student.hamk.fi::55ff7ae3-70d3-4f82-942e-28ce8109f0e2" providerId="AD" clId="Web-{99DD3772-D7DA-ACAF-C41D-2125D048CA4C}" dt="2023-09-26T10:37:07.955" v="252"/>
+          <ac:spMkLst>
+            <pc:docMk/>
+            <pc:sldMk cId="3124489379" sldId="266"/>
+            <ac:spMk id="16" creationId="{A4FB2F27-3F7D-440E-A905-86607A926A29}"/>
+          </ac:spMkLst>
+        </pc:spChg>
+        <pc:spChg chg="add del">
+          <ac:chgData name="Viktória Szabó" userId="S::viktoria22000@student.hamk.fi::55ff7ae3-70d3-4f82-942e-28ce8109f0e2" providerId="AD" clId="Web-{99DD3772-D7DA-ACAF-C41D-2125D048CA4C}" dt="2023-09-26T10:37:07.955" v="252"/>
+          <ac:spMkLst>
+            <pc:docMk/>
+            <pc:sldMk cId="3124489379" sldId="266"/>
+            <ac:spMk id="18" creationId="{AF678C14-A033-4139-BCA9-8382B039648B}"/>
+          </ac:spMkLst>
+        </pc:spChg>
+        <pc:spChg chg="add">
+          <ac:chgData name="Viktória Szabó" userId="S::viktoria22000@student.hamk.fi::55ff7ae3-70d3-4f82-942e-28ce8109f0e2" providerId="AD" clId="Web-{99DD3772-D7DA-ACAF-C41D-2125D048CA4C}" dt="2023-09-26T10:37:07.955" v="252"/>
+          <ac:spMkLst>
+            <pc:docMk/>
+            <pc:sldMk cId="3124489379" sldId="266"/>
+            <ac:spMk id="27" creationId="{A4FB2F27-3F7D-440E-A905-86607A926A29}"/>
+          </ac:spMkLst>
+        </pc:spChg>
+        <pc:spChg chg="add">
+          <ac:chgData name="Viktória Szabó" userId="S::viktoria22000@student.hamk.fi::55ff7ae3-70d3-4f82-942e-28ce8109f0e2" providerId="AD" clId="Web-{99DD3772-D7DA-ACAF-C41D-2125D048CA4C}" dt="2023-09-26T10:37:07.955" v="252"/>
+          <ac:spMkLst>
+            <pc:docMk/>
+            <pc:sldMk cId="3124489379" sldId="266"/>
+            <ac:spMk id="29" creationId="{AF678C14-A033-4139-BCA9-8382B039648B}"/>
+          </ac:spMkLst>
+        </pc:spChg>
+        <pc:grpChg chg="add del">
+          <ac:chgData name="Viktória Szabó" userId="S::viktoria22000@student.hamk.fi::55ff7ae3-70d3-4f82-942e-28ce8109f0e2" providerId="AD" clId="Web-{99DD3772-D7DA-ACAF-C41D-2125D048CA4C}" dt="2023-09-26T10:37:07.955" v="252"/>
+          <ac:grpSpMkLst>
+            <pc:docMk/>
+            <pc:sldMk cId="3124489379" sldId="266"/>
+            <ac:grpSpMk id="20" creationId="{14763DA8-CE3A-4B30-B2F5-0D128777F742}"/>
+          </ac:grpSpMkLst>
+        </pc:grpChg>
+        <pc:grpChg chg="add">
+          <ac:chgData name="Viktória Szabó" userId="S::viktoria22000@student.hamk.fi::55ff7ae3-70d3-4f82-942e-28ce8109f0e2" providerId="AD" clId="Web-{99DD3772-D7DA-ACAF-C41D-2125D048CA4C}" dt="2023-09-26T10:37:07.955" v="252"/>
+          <ac:grpSpMkLst>
+            <pc:docMk/>
+            <pc:sldMk cId="3124489379" sldId="266"/>
+            <ac:grpSpMk id="31" creationId="{14763DA8-CE3A-4B30-B2F5-0D128777F742}"/>
+          </ac:grpSpMkLst>
+        </pc:grpChg>
+        <pc:picChg chg="add del mod ord">
+          <ac:chgData name="Viktória Szabó" userId="S::viktoria22000@student.hamk.fi::55ff7ae3-70d3-4f82-942e-28ce8109f0e2" providerId="AD" clId="Web-{99DD3772-D7DA-ACAF-C41D-2125D048CA4C}" dt="2023-09-26T10:34:08.814" v="163"/>
+          <ac:picMkLst>
+            <pc:docMk/>
+            <pc:sldMk cId="3124489379" sldId="266"/>
+            <ac:picMk id="4" creationId="{B593B090-7674-1DB8-1F95-BAD21059DCD5}"/>
+          </ac:picMkLst>
+        </pc:picChg>
+        <pc:picChg chg="add del mod ord">
+          <ac:chgData name="Viktória Szabó" userId="S::viktoria22000@student.hamk.fi::55ff7ae3-70d3-4f82-942e-28ce8109f0e2" providerId="AD" clId="Web-{99DD3772-D7DA-ACAF-C41D-2125D048CA4C}" dt="2023-09-26T10:35:57.752" v="196"/>
+          <ac:picMkLst>
+            <pc:docMk/>
+            <pc:sldMk cId="3124489379" sldId="266"/>
+            <ac:picMk id="7" creationId="{8433EB4E-D398-DB6F-DA21-84FBD156D770}"/>
+          </ac:picMkLst>
+        </pc:picChg>
+        <pc:picChg chg="add del mod ord">
+          <ac:chgData name="Viktória Szabó" userId="S::viktoria22000@student.hamk.fi::55ff7ae3-70d3-4f82-942e-28ce8109f0e2" providerId="AD" clId="Web-{99DD3772-D7DA-ACAF-C41D-2125D048CA4C}" dt="2023-09-26T10:36:58.737" v="250"/>
+          <ac:picMkLst>
+            <pc:docMk/>
+            <pc:sldMk cId="3124489379" sldId="266"/>
+            <ac:picMk id="11" creationId="{AFDD4BE1-2151-DB20-AAD9-711A905EE7CF}"/>
+          </ac:picMkLst>
+        </pc:picChg>
+        <pc:picChg chg="add mod ord">
+          <ac:chgData name="Viktória Szabó" userId="S::viktoria22000@student.hamk.fi::55ff7ae3-70d3-4f82-942e-28ce8109f0e2" providerId="AD" clId="Web-{99DD3772-D7DA-ACAF-C41D-2125D048CA4C}" dt="2023-09-26T10:38:34.143" v="335" actId="1076"/>
+          <ac:picMkLst>
+            <pc:docMk/>
+            <pc:sldMk cId="3124489379" sldId="266"/>
+            <ac:picMk id="14" creationId="{A1D47B57-A6BA-7DE0-5AB6-9C7DD840B542}"/>
+          </ac:picMkLst>
+        </pc:picChg>
+      </pc:sldChg>
+      <pc:sldChg chg="addSp modSp new mod setBg modClrScheme chgLayout">
+        <pc:chgData name="Viktória Szabó" userId="S::viktoria22000@student.hamk.fi::55ff7ae3-70d3-4f82-942e-28ce8109f0e2" providerId="AD" clId="Web-{99DD3772-D7DA-ACAF-C41D-2125D048CA4C}" dt="2023-09-26T10:40:43.440" v="442" actId="20577"/>
+        <pc:sldMkLst>
+          <pc:docMk/>
+          <pc:sldMk cId="1072539886" sldId="267"/>
+        </pc:sldMkLst>
+        <pc:spChg chg="mod ord">
+          <ac:chgData name="Viktória Szabó" userId="S::viktoria22000@student.hamk.fi::55ff7ae3-70d3-4f82-942e-28ce8109f0e2" providerId="AD" clId="Web-{99DD3772-D7DA-ACAF-C41D-2125D048CA4C}" dt="2023-09-26T10:40:43.440" v="442" actId="20577"/>
+          <ac:spMkLst>
+            <pc:docMk/>
+            <pc:sldMk cId="1072539886" sldId="267"/>
+            <ac:spMk id="2" creationId="{A378FD55-E9A7-E9D0-7B36-80A46C94A82A}"/>
+          </ac:spMkLst>
+        </pc:spChg>
+        <pc:spChg chg="mod ord">
+          <ac:chgData name="Viktória Szabó" userId="S::viktoria22000@student.hamk.fi::55ff7ae3-70d3-4f82-942e-28ce8109f0e2" providerId="AD" clId="Web-{99DD3772-D7DA-ACAF-C41D-2125D048CA4C}" dt="2023-09-26T10:39:26.221" v="376"/>
+          <ac:spMkLst>
+            <pc:docMk/>
+            <pc:sldMk cId="1072539886" sldId="267"/>
+            <ac:spMk id="3" creationId="{C167499C-17E5-A7E0-2485-CF328CAC9FE9}"/>
+          </ac:spMkLst>
+        </pc:spChg>
+        <pc:spChg chg="add">
+          <ac:chgData name="Viktória Szabó" userId="S::viktoria22000@student.hamk.fi::55ff7ae3-70d3-4f82-942e-28ce8109f0e2" providerId="AD" clId="Web-{99DD3772-D7DA-ACAF-C41D-2125D048CA4C}" dt="2023-09-26T10:39:26.221" v="376"/>
+          <ac:spMkLst>
+            <pc:docMk/>
+            <pc:sldMk cId="1072539886" sldId="267"/>
+            <ac:spMk id="8" creationId="{DE61FBD7-E37C-4B38-BE44-A6D4978D7486}"/>
+          </ac:spMkLst>
+        </pc:spChg>
+        <pc:spChg chg="add">
+          <ac:chgData name="Viktória Szabó" userId="S::viktoria22000@student.hamk.fi::55ff7ae3-70d3-4f82-942e-28ce8109f0e2" providerId="AD" clId="Web-{99DD3772-D7DA-ACAF-C41D-2125D048CA4C}" dt="2023-09-26T10:39:26.221" v="376"/>
+          <ac:spMkLst>
+            <pc:docMk/>
+            <pc:sldMk cId="1072539886" sldId="267"/>
+            <ac:spMk id="10" creationId="{823772C2-0911-45A0-B7B6-D811380C75AC}"/>
+          </ac:spMkLst>
+        </pc:spChg>
+        <pc:grpChg chg="add">
+          <ac:chgData name="Viktória Szabó" userId="S::viktoria22000@student.hamk.fi::55ff7ae3-70d3-4f82-942e-28ce8109f0e2" providerId="AD" clId="Web-{99DD3772-D7DA-ACAF-C41D-2125D048CA4C}" dt="2023-09-26T10:39:26.221" v="376"/>
+          <ac:grpSpMkLst>
+            <pc:docMk/>
+            <pc:sldMk cId="1072539886" sldId="267"/>
+            <ac:grpSpMk id="12" creationId="{53A6A32E-D196-4536-A9E8-56D5BB884FCA}"/>
+          </ac:grpSpMkLst>
+        </pc:grpChg>
+      </pc:sldChg>
+      <pc:sldChg chg="addSp modSp new mod setBg">
+        <pc:chgData name="Viktória Szabó" userId="S::viktoria22000@student.hamk.fi::55ff7ae3-70d3-4f82-942e-28ce8109f0e2" providerId="AD" clId="Web-{99DD3772-D7DA-ACAF-C41D-2125D048CA4C}" dt="2023-09-26T10:44:11.831" v="657"/>
+        <pc:sldMkLst>
+          <pc:docMk/>
+          <pc:sldMk cId="3257955536" sldId="268"/>
+        </pc:sldMkLst>
+        <pc:spChg chg="mod">
+          <ac:chgData name="Viktória Szabó" userId="S::viktoria22000@student.hamk.fi::55ff7ae3-70d3-4f82-942e-28ce8109f0e2" providerId="AD" clId="Web-{99DD3772-D7DA-ACAF-C41D-2125D048CA4C}" dt="2023-09-26T10:44:11.831" v="657"/>
+          <ac:spMkLst>
+            <pc:docMk/>
+            <pc:sldMk cId="3257955536" sldId="268"/>
+            <ac:spMk id="2" creationId="{280DD61B-22A7-3D58-A0ED-2C2AFB5E9234}"/>
+          </ac:spMkLst>
+        </pc:spChg>
+        <pc:spChg chg="mod">
+          <ac:chgData name="Viktória Szabó" userId="S::viktoria22000@student.hamk.fi::55ff7ae3-70d3-4f82-942e-28ce8109f0e2" providerId="AD" clId="Web-{99DD3772-D7DA-ACAF-C41D-2125D048CA4C}" dt="2023-09-26T10:44:11.831" v="657"/>
+          <ac:spMkLst>
+            <pc:docMk/>
+            <pc:sldMk cId="3257955536" sldId="268"/>
+            <ac:spMk id="3" creationId="{40D137FA-18A4-4E72-3B1A-E45AE21D012B}"/>
+          </ac:spMkLst>
+        </pc:spChg>
+        <pc:spChg chg="add">
+          <ac:chgData name="Viktória Szabó" userId="S::viktoria22000@student.hamk.fi::55ff7ae3-70d3-4f82-942e-28ce8109f0e2" providerId="AD" clId="Web-{99DD3772-D7DA-ACAF-C41D-2125D048CA4C}" dt="2023-09-26T10:44:11.831" v="657"/>
+          <ac:spMkLst>
+            <pc:docMk/>
+            <pc:sldMk cId="3257955536" sldId="268"/>
+            <ac:spMk id="8" creationId="{8651CFA9-6065-4243-AC48-858E359780B1}"/>
+          </ac:spMkLst>
+        </pc:spChg>
+        <pc:spChg chg="add">
+          <ac:chgData name="Viktória Szabó" userId="S::viktoria22000@student.hamk.fi::55ff7ae3-70d3-4f82-942e-28ce8109f0e2" providerId="AD" clId="Web-{99DD3772-D7DA-ACAF-C41D-2125D048CA4C}" dt="2023-09-26T10:44:11.831" v="657"/>
+          <ac:spMkLst>
+            <pc:docMk/>
+            <pc:sldMk cId="3257955536" sldId="268"/>
+            <ac:spMk id="10" creationId="{7462BFBC-0E19-4E6F-B0C7-CD5C519BC311}"/>
+          </ac:spMkLst>
+        </pc:spChg>
+        <pc:spChg chg="add">
+          <ac:chgData name="Viktória Szabó" userId="S::viktoria22000@student.hamk.fi::55ff7ae3-70d3-4f82-942e-28ce8109f0e2" providerId="AD" clId="Web-{99DD3772-D7DA-ACAF-C41D-2125D048CA4C}" dt="2023-09-26T10:44:11.831" v="657"/>
+          <ac:spMkLst>
+            <pc:docMk/>
+            <pc:sldMk cId="3257955536" sldId="268"/>
+            <ac:spMk id="16" creationId="{D813CD98-5EBE-426D-A4AC-FA5518B099DE}"/>
+          </ac:spMkLst>
+        </pc:spChg>
+        <pc:spChg chg="add">
+          <ac:chgData name="Viktória Szabó" userId="S::viktoria22000@student.hamk.fi::55ff7ae3-70d3-4f82-942e-28ce8109f0e2" providerId="AD" clId="Web-{99DD3772-D7DA-ACAF-C41D-2125D048CA4C}" dt="2023-09-26T10:44:11.831" v="657"/>
+          <ac:spMkLst>
+            <pc:docMk/>
+            <pc:sldMk cId="3257955536" sldId="268"/>
+            <ac:spMk id="18" creationId="{B453545A-B2D3-41EE-A91C-DBF43402DD43}"/>
+          </ac:spMkLst>
+        </pc:spChg>
+        <pc:grpChg chg="add">
+          <ac:chgData name="Viktória Szabó" userId="S::viktoria22000@student.hamk.fi::55ff7ae3-70d3-4f82-942e-28ce8109f0e2" providerId="AD" clId="Web-{99DD3772-D7DA-ACAF-C41D-2125D048CA4C}" dt="2023-09-26T10:44:11.831" v="657"/>
+          <ac:grpSpMkLst>
+            <pc:docMk/>
+            <pc:sldMk cId="3257955536" sldId="268"/>
+            <ac:grpSpMk id="12" creationId="{F2C2A007-4AE9-49C4-B364-5FDF34596224}"/>
+          </ac:grpSpMkLst>
+        </pc:grpChg>
+      </pc:sldChg>
+    </pc:docChg>
+  </pc:docChgLst>
+  <pc:docChgLst>
+    <pc:chgData clId="Web-{F5E7641A-2F92-30B9-302F-3094BD75C4AE}"/>
+    <pc:docChg chg="modSld">
+      <pc:chgData name="" userId="" providerId="" clId="Web-{F5E7641A-2F92-30B9-302F-3094BD75C4AE}" dt="2023-09-26T10:06:33.241" v="0" actId="1076"/>
+      <pc:docMkLst>
+        <pc:docMk/>
+      </pc:docMkLst>
+      <pc:sldChg chg="modSp">
+        <pc:chgData name="" userId="" providerId="" clId="Web-{F5E7641A-2F92-30B9-302F-3094BD75C4AE}" dt="2023-09-26T10:06:33.241" v="0" actId="1076"/>
+        <pc:sldMkLst>
+          <pc:docMk/>
+          <pc:sldMk cId="4059361716" sldId="256"/>
+        </pc:sldMkLst>
+        <pc:picChg chg="mod">
+          <ac:chgData name="" userId="" providerId="" clId="Web-{F5E7641A-2F92-30B9-302F-3094BD75C4AE}" dt="2023-09-26T10:06:33.241" v="0" actId="1076"/>
+          <ac:picMkLst>
+            <pc:docMk/>
+            <pc:sldMk cId="4059361716" sldId="256"/>
+            <ac:picMk id="39" creationId="{B80152C7-DADA-79AF-671F-ED9DFFAEEDA7}"/>
+          </ac:picMkLst>
+        </pc:picChg>
+      </pc:sldChg>
+    </pc:docChg>
+  </pc:docChgLst>
+  <pc:docChgLst>
+    <pc:chgData name="Keita Brudere" userId="77ea4fdc-1125-4032-83f0-fd8ca83279e3" providerId="ADAL" clId="{8FE56CCC-2F3F-47D6-8213-205A330088DA}"/>
+    <pc:docChg chg="undo custSel modSld">
+      <pc:chgData name="Keita Brudere" userId="77ea4fdc-1125-4032-83f0-fd8ca83279e3" providerId="ADAL" clId="{8FE56CCC-2F3F-47D6-8213-205A330088DA}" dt="2023-09-27T09:58:19.167" v="1844" actId="20577"/>
+      <pc:docMkLst>
+        <pc:docMk/>
+      </pc:docMkLst>
+      <pc:sldChg chg="addSp delSp modSp mod">
+        <pc:chgData name="Keita Brudere" userId="77ea4fdc-1125-4032-83f0-fd8ca83279e3" providerId="ADAL" clId="{8FE56CCC-2F3F-47D6-8213-205A330088DA}" dt="2023-09-26T12:00:21.678" v="1809" actId="20577"/>
+        <pc:sldMkLst>
+          <pc:docMk/>
+          <pc:sldMk cId="3596416156" sldId="258"/>
+        </pc:sldMkLst>
+        <pc:spChg chg="mod">
+          <ac:chgData name="Keita Brudere" userId="77ea4fdc-1125-4032-83f0-fd8ca83279e3" providerId="ADAL" clId="{8FE56CCC-2F3F-47D6-8213-205A330088DA}" dt="2023-09-26T12:00:21.678" v="1809" actId="20577"/>
+          <ac:spMkLst>
+            <pc:docMk/>
+            <pc:sldMk cId="3596416156" sldId="258"/>
+            <ac:spMk id="3" creationId="{C5FBD0D9-1F3E-B448-0B80-6863AE3ECA96}"/>
+          </ac:spMkLst>
+        </pc:spChg>
+        <pc:spChg chg="add mod">
+          <ac:chgData name="Keita Brudere" userId="77ea4fdc-1125-4032-83f0-fd8ca83279e3" providerId="ADAL" clId="{8FE56CCC-2F3F-47D6-8213-205A330088DA}" dt="2023-09-26T11:27:55.421" v="1446" actId="1076"/>
+          <ac:spMkLst>
+            <pc:docMk/>
+            <pc:sldMk cId="3596416156" sldId="258"/>
+            <ac:spMk id="12" creationId="{7A203E09-843B-06BA-D997-15CF7CBFF1B2}"/>
+          </ac:spMkLst>
+        </pc:spChg>
+        <pc:spChg chg="add mod">
+          <ac:chgData name="Keita Brudere" userId="77ea4fdc-1125-4032-83f0-fd8ca83279e3" providerId="ADAL" clId="{8FE56CCC-2F3F-47D6-8213-205A330088DA}" dt="2023-09-26T11:28:34.805" v="1458" actId="1076"/>
+          <ac:spMkLst>
+            <pc:docMk/>
+            <pc:sldMk cId="3596416156" sldId="258"/>
+            <ac:spMk id="13" creationId="{42A6FBB3-B8BD-D4FA-260B-B9923B161D8E}"/>
+          </ac:spMkLst>
+        </pc:spChg>
+        <pc:spChg chg="add del mod">
+          <ac:chgData name="Keita Brudere" userId="77ea4fdc-1125-4032-83f0-fd8ca83279e3" providerId="ADAL" clId="{8FE56CCC-2F3F-47D6-8213-205A330088DA}" dt="2023-09-26T11:29:14.788" v="1470" actId="478"/>
+          <ac:spMkLst>
+            <pc:docMk/>
+            <pc:sldMk cId="3596416156" sldId="258"/>
+            <ac:spMk id="16" creationId="{73E2597D-F3F9-6A5D-5033-9F139A932249}"/>
+          </ac:spMkLst>
+        </pc:spChg>
+        <pc:spChg chg="add mod">
+          <ac:chgData name="Keita Brudere" userId="77ea4fdc-1125-4032-83f0-fd8ca83279e3" providerId="ADAL" clId="{8FE56CCC-2F3F-47D6-8213-205A330088DA}" dt="2023-09-26T11:43:37.842" v="1487" actId="1076"/>
+          <ac:spMkLst>
+            <pc:docMk/>
+            <pc:sldMk cId="3596416156" sldId="258"/>
+            <ac:spMk id="17" creationId="{16DE2CBD-C237-BAB6-A52A-173665D3C4F1}"/>
+          </ac:spMkLst>
+        </pc:spChg>
+        <pc:picChg chg="add mod">
+          <ac:chgData name="Keita Brudere" userId="77ea4fdc-1125-4032-83f0-fd8ca83279e3" providerId="ADAL" clId="{8FE56CCC-2F3F-47D6-8213-205A330088DA}" dt="2023-09-26T11:23:19.555" v="1431" actId="1076"/>
+          <ac:picMkLst>
+            <pc:docMk/>
+            <pc:sldMk cId="3596416156" sldId="258"/>
+            <ac:picMk id="5" creationId="{498066E0-6DFB-6E61-475D-21A9416DC9D5}"/>
+          </ac:picMkLst>
+        </pc:picChg>
+        <pc:picChg chg="add mod">
+          <ac:chgData name="Keita Brudere" userId="77ea4fdc-1125-4032-83f0-fd8ca83279e3" providerId="ADAL" clId="{8FE56CCC-2F3F-47D6-8213-205A330088DA}" dt="2023-09-26T11:23:15.529" v="1430" actId="1076"/>
+          <ac:picMkLst>
+            <pc:docMk/>
+            <pc:sldMk cId="3596416156" sldId="258"/>
+            <ac:picMk id="7" creationId="{3E0E4609-F680-9BF4-5B53-2CCB6B4DC76F}"/>
+          </ac:picMkLst>
+        </pc:picChg>
+        <pc:picChg chg="add del mod">
+          <ac:chgData name="Keita Brudere" userId="77ea4fdc-1125-4032-83f0-fd8ca83279e3" providerId="ADAL" clId="{8FE56CCC-2F3F-47D6-8213-205A330088DA}" dt="2023-09-26T11:21:14.913" v="1414" actId="478"/>
+          <ac:picMkLst>
+            <pc:docMk/>
+            <pc:sldMk cId="3596416156" sldId="258"/>
+            <ac:picMk id="9" creationId="{4FAF1E97-FA4F-99E8-E041-C7CD9030F6F8}"/>
+          </ac:picMkLst>
+        </pc:picChg>
+        <pc:picChg chg="add del mod">
+          <ac:chgData name="Keita Brudere" userId="77ea4fdc-1125-4032-83f0-fd8ca83279e3" providerId="ADAL" clId="{8FE56CCC-2F3F-47D6-8213-205A330088DA}" dt="2023-09-26T11:43:21.573" v="1486" actId="14100"/>
+          <ac:picMkLst>
+            <pc:docMk/>
+            <pc:sldMk cId="3596416156" sldId="258"/>
+            <ac:picMk id="11" creationId="{B8333DE2-9D02-A714-8216-5DCA29678E99}"/>
+          </ac:picMkLst>
+        </pc:picChg>
+        <pc:picChg chg="add del mod">
+          <ac:chgData name="Keita Brudere" userId="77ea4fdc-1125-4032-83f0-fd8ca83279e3" providerId="ADAL" clId="{8FE56CCC-2F3F-47D6-8213-205A330088DA}" dt="2023-09-26T11:28:41.914" v="1460" actId="478"/>
+          <ac:picMkLst>
+            <pc:docMk/>
+            <pc:sldMk cId="3596416156" sldId="258"/>
+            <ac:picMk id="14" creationId="{7A335222-161D-0647-3E5C-A1223EB69012}"/>
+          </ac:picMkLst>
+        </pc:picChg>
+      </pc:sldChg>
+      <pc:sldChg chg="addSp delSp modSp mod setBg">
+        <pc:chgData name="Keita Brudere" userId="77ea4fdc-1125-4032-83f0-fd8ca83279e3" providerId="ADAL" clId="{8FE56CCC-2F3F-47D6-8213-205A330088DA}" dt="2023-09-26T10:47:40.611" v="1101" actId="1076"/>
+        <pc:sldMkLst>
+          <pc:docMk/>
+          <pc:sldMk cId="1627402840" sldId="260"/>
+        </pc:sldMkLst>
+        <pc:spChg chg="mod">
+          <ac:chgData name="Keita Brudere" userId="77ea4fdc-1125-4032-83f0-fd8ca83279e3" providerId="ADAL" clId="{8FE56CCC-2F3F-47D6-8213-205A330088DA}" dt="2023-09-26T10:25:19.291" v="9" actId="14100"/>
+          <ac:spMkLst>
+            <pc:docMk/>
+            <pc:sldMk cId="1627402840" sldId="260"/>
+            <ac:spMk id="2" creationId="{FC60A86F-C9EB-93AE-9163-0F2723C7C1CE}"/>
+          </ac:spMkLst>
+        </pc:spChg>
+        <pc:spChg chg="del mod">
+          <ac:chgData name="Keita Brudere" userId="77ea4fdc-1125-4032-83f0-fd8ca83279e3" providerId="ADAL" clId="{8FE56CCC-2F3F-47D6-8213-205A330088DA}" dt="2023-09-26T10:24:27.953" v="1" actId="22"/>
+          <ac:spMkLst>
+            <pc:docMk/>
+            <pc:sldMk cId="1627402840" sldId="260"/>
+            <ac:spMk id="3" creationId="{ABB0C777-2B53-6ABA-BD93-86C31D0E97B2}"/>
+          </ac:spMkLst>
+        </pc:spChg>
+        <pc:spChg chg="add del">
+          <ac:chgData name="Keita Brudere" userId="77ea4fdc-1125-4032-83f0-fd8ca83279e3" providerId="ADAL" clId="{8FE56CCC-2F3F-47D6-8213-205A330088DA}" dt="2023-09-26T10:25:03.128" v="3" actId="26606"/>
+          <ac:spMkLst>
+            <pc:docMk/>
+            <pc:sldMk cId="1627402840" sldId="260"/>
+            <ac:spMk id="9" creationId="{AD6D9181-2264-DA1F-E650-12B614A509FE}"/>
+          </ac:spMkLst>
+        </pc:spChg>
+        <pc:spChg chg="add del">
+          <ac:chgData name="Keita Brudere" userId="77ea4fdc-1125-4032-83f0-fd8ca83279e3" providerId="ADAL" clId="{8FE56CCC-2F3F-47D6-8213-205A330088DA}" dt="2023-09-26T10:25:03.128" v="3" actId="26606"/>
+          <ac:spMkLst>
+            <pc:docMk/>
+            <pc:sldMk cId="1627402840" sldId="260"/>
+            <ac:spMk id="12" creationId="{8651CFA9-6065-4243-AC48-858E359780B1}"/>
+          </ac:spMkLst>
+        </pc:spChg>
+        <pc:spChg chg="add del">
+          <ac:chgData name="Keita Brudere" userId="77ea4fdc-1125-4032-83f0-fd8ca83279e3" providerId="ADAL" clId="{8FE56CCC-2F3F-47D6-8213-205A330088DA}" dt="2023-09-26T10:25:03.128" v="3" actId="26606"/>
+          <ac:spMkLst>
+            <pc:docMk/>
+            <pc:sldMk cId="1627402840" sldId="260"/>
+            <ac:spMk id="14" creationId="{FBC8BBE5-981E-4B0B-9654-32B5668BFF31}"/>
+          </ac:spMkLst>
+        </pc:spChg>
+        <pc:spChg chg="add mod">
+          <ac:chgData name="Keita Brudere" userId="77ea4fdc-1125-4032-83f0-fd8ca83279e3" providerId="ADAL" clId="{8FE56CCC-2F3F-47D6-8213-205A330088DA}" dt="2023-09-26T10:47:00.115" v="1085" actId="1076"/>
+          <ac:spMkLst>
+            <pc:docMk/>
+            <pc:sldMk cId="1627402840" sldId="260"/>
+            <ac:spMk id="15" creationId="{3E3DC17C-FB6D-3559-F50B-FDEF5BBE9AD1}"/>
+          </ac:spMkLst>
+        </pc:spChg>
+        <pc:spChg chg="add mod">
+          <ac:chgData name="Keita Brudere" userId="77ea4fdc-1125-4032-83f0-fd8ca83279e3" providerId="ADAL" clId="{8FE56CCC-2F3F-47D6-8213-205A330088DA}" dt="2023-09-26T10:47:40.611" v="1101" actId="1076"/>
+          <ac:spMkLst>
+            <pc:docMk/>
+            <pc:sldMk cId="1627402840" sldId="260"/>
+            <ac:spMk id="19" creationId="{028F87B1-3A0C-1B88-0372-FE9FE772C3AA}"/>
+          </ac:spMkLst>
+        </pc:spChg>
+        <pc:spChg chg="add del">
+          <ac:chgData name="Keita Brudere" userId="77ea4fdc-1125-4032-83f0-fd8ca83279e3" providerId="ADAL" clId="{8FE56CCC-2F3F-47D6-8213-205A330088DA}" dt="2023-09-26T10:25:03.128" v="3" actId="26606"/>
+          <ac:spMkLst>
+            <pc:docMk/>
+            <pc:sldMk cId="1627402840" sldId="260"/>
+            <ac:spMk id="20" creationId="{0DADC141-2CF4-4D22-BFEF-05FB358E4DFD}"/>
+          </ac:spMkLst>
+        </pc:spChg>
+        <pc:spChg chg="add del">
+          <ac:chgData name="Keita Brudere" userId="77ea4fdc-1125-4032-83f0-fd8ca83279e3" providerId="ADAL" clId="{8FE56CCC-2F3F-47D6-8213-205A330088DA}" dt="2023-09-26T10:25:03.128" v="3" actId="26606"/>
+          <ac:spMkLst>
+            <pc:docMk/>
+            <pc:sldMk cId="1627402840" sldId="260"/>
+            <ac:spMk id="22" creationId="{F43A66C0-8F79-4D55-8A61-9E980D5FEE26}"/>
+          </ac:spMkLst>
+        </pc:spChg>
+        <pc:spChg chg="add">
+          <ac:chgData name="Keita Brudere" userId="77ea4fdc-1125-4032-83f0-fd8ca83279e3" providerId="ADAL" clId="{8FE56CCC-2F3F-47D6-8213-205A330088DA}" dt="2023-09-26T10:25:03.140" v="4" actId="26606"/>
+          <ac:spMkLst>
+            <pc:docMk/>
+            <pc:sldMk cId="1627402840" sldId="260"/>
+            <ac:spMk id="24" creationId="{A4FB2F27-3F7D-440E-A905-86607A926A29}"/>
+          </ac:spMkLst>
+        </pc:spChg>
+        <pc:spChg chg="add">
+          <ac:chgData name="Keita Brudere" userId="77ea4fdc-1125-4032-83f0-fd8ca83279e3" providerId="ADAL" clId="{8FE56CCC-2F3F-47D6-8213-205A330088DA}" dt="2023-09-26T10:25:03.140" v="4" actId="26606"/>
+          <ac:spMkLst>
+            <pc:docMk/>
+            <pc:sldMk cId="1627402840" sldId="260"/>
+            <ac:spMk id="25" creationId="{AF678C14-A033-4139-BCA9-8382B039648B}"/>
+          </ac:spMkLst>
+        </pc:spChg>
+        <pc:spChg chg="add mod">
+          <ac:chgData name="Keita Brudere" userId="77ea4fdc-1125-4032-83f0-fd8ca83279e3" providerId="ADAL" clId="{8FE56CCC-2F3F-47D6-8213-205A330088DA}" dt="2023-09-26T10:45:46.400" v="1069" actId="20577"/>
+          <ac:spMkLst>
+            <pc:docMk/>
+            <pc:sldMk cId="1627402840" sldId="260"/>
+            <ac:spMk id="27" creationId="{5B753930-5F61-301E-1E88-C0E385601FD6}"/>
+          </ac:spMkLst>
+        </pc:spChg>
+        <pc:grpChg chg="add del">
+          <ac:chgData name="Keita Brudere" userId="77ea4fdc-1125-4032-83f0-fd8ca83279e3" providerId="ADAL" clId="{8FE56CCC-2F3F-47D6-8213-205A330088DA}" dt="2023-09-26T10:25:03.128" v="3" actId="26606"/>
+          <ac:grpSpMkLst>
+            <pc:docMk/>
+            <pc:sldMk cId="1627402840" sldId="260"/>
+            <ac:grpSpMk id="16" creationId="{545001F7-3F8F-4035-8348-1B9798C77D29}"/>
+          </ac:grpSpMkLst>
+        </pc:grpChg>
+        <pc:grpChg chg="add">
+          <ac:chgData name="Keita Brudere" userId="77ea4fdc-1125-4032-83f0-fd8ca83279e3" providerId="ADAL" clId="{8FE56CCC-2F3F-47D6-8213-205A330088DA}" dt="2023-09-26T10:25:03.140" v="4" actId="26606"/>
+          <ac:grpSpMkLst>
+            <pc:docMk/>
+            <pc:sldMk cId="1627402840" sldId="260"/>
+            <ac:grpSpMk id="26" creationId="{14763DA8-CE3A-4B30-B2F5-0D128777F742}"/>
+          </ac:grpSpMkLst>
+        </pc:grpChg>
+        <pc:picChg chg="add mod ord">
+          <ac:chgData name="Keita Brudere" userId="77ea4fdc-1125-4032-83f0-fd8ca83279e3" providerId="ADAL" clId="{8FE56CCC-2F3F-47D6-8213-205A330088DA}" dt="2023-09-26T10:46:04.549" v="1070" actId="1076"/>
+          <ac:picMkLst>
+            <pc:docMk/>
+            <pc:sldMk cId="1627402840" sldId="260"/>
+            <ac:picMk id="5" creationId="{51AE419B-CCF8-BFA8-E20F-AE47BE12D6D3}"/>
+          </ac:picMkLst>
+        </pc:picChg>
+        <pc:picChg chg="add del mod">
+          <ac:chgData name="Keita Brudere" userId="77ea4fdc-1125-4032-83f0-fd8ca83279e3" providerId="ADAL" clId="{8FE56CCC-2F3F-47D6-8213-205A330088DA}" dt="2023-09-26T10:34:19.780" v="472" actId="478"/>
+          <ac:picMkLst>
+            <pc:docMk/>
+            <pc:sldMk cId="1627402840" sldId="260"/>
+            <ac:picMk id="7" creationId="{73D89997-AEFC-5E40-3F9A-E8A673FB5B08}"/>
+          </ac:picMkLst>
+        </pc:picChg>
+        <pc:picChg chg="add del mod">
+          <ac:chgData name="Keita Brudere" userId="77ea4fdc-1125-4032-83f0-fd8ca83279e3" providerId="ADAL" clId="{8FE56CCC-2F3F-47D6-8213-205A330088DA}" dt="2023-09-26T10:34:21.508" v="473" actId="478"/>
+          <ac:picMkLst>
+            <pc:docMk/>
+            <pc:sldMk cId="1627402840" sldId="260"/>
+            <ac:picMk id="10" creationId="{002CD6D2-D798-A032-5108-3DCB933C1AF8}"/>
+          </ac:picMkLst>
+        </pc:picChg>
+        <pc:picChg chg="add mod">
+          <ac:chgData name="Keita Brudere" userId="77ea4fdc-1125-4032-83f0-fd8ca83279e3" providerId="ADAL" clId="{8FE56CCC-2F3F-47D6-8213-205A330088DA}" dt="2023-09-26T10:34:32.136" v="476" actId="1076"/>
+          <ac:picMkLst>
+            <pc:docMk/>
+            <pc:sldMk cId="1627402840" sldId="260"/>
+            <ac:picMk id="13" creationId="{0C23A2E8-3107-7464-53B0-64AAAC4E8911}"/>
+          </ac:picMkLst>
+        </pc:picChg>
+      </pc:sldChg>
+      <pc:sldChg chg="modSp mod">
+        <pc:chgData name="Keita Brudere" userId="77ea4fdc-1125-4032-83f0-fd8ca83279e3" providerId="ADAL" clId="{8FE56CCC-2F3F-47D6-8213-205A330088DA}" dt="2023-09-27T09:58:19.167" v="1844" actId="20577"/>
+        <pc:sldMkLst>
+          <pc:docMk/>
+          <pc:sldMk cId="3751505815" sldId="269"/>
+        </pc:sldMkLst>
+        <pc:spChg chg="mod">
+          <ac:chgData name="Keita Brudere" userId="77ea4fdc-1125-4032-83f0-fd8ca83279e3" providerId="ADAL" clId="{8FE56CCC-2F3F-47D6-8213-205A330088DA}" dt="2023-09-27T09:58:19.167" v="1844" actId="20577"/>
+          <ac:spMkLst>
+            <pc:docMk/>
+            <pc:sldMk cId="3751505815" sldId="269"/>
+            <ac:spMk id="3" creationId="{284301AF-09D3-6BEB-2BC6-2BDF6F9CBC62}"/>
+          </ac:spMkLst>
+        </pc:spChg>
+      </pc:sldChg>
     </pc:docChg>
   </pc:docChgLst>
 </pc:chgInfo>
@@ -891,7 +2544,6 @@
               <a:rPr lang="en-US"/>
               <a:t>Click to edit Master title style</a:t>
             </a:r>
-            <a:endParaRPr lang="en-US" dirty="0"/>
           </a:p>
         </p:txBody>
       </p:sp>
@@ -964,7 +2616,6 @@
               <a:rPr lang="en-US"/>
               <a:t>Click to edit Master subtitle style</a:t>
             </a:r>
-            <a:endParaRPr lang="en-US" dirty="0"/>
           </a:p>
         </p:txBody>
       </p:sp>
@@ -1003,9 +2654,9 @@
             <a:fld id="{11A6662E-FAF4-44BC-88B5-85A7CBFB6D30}" type="datetime1">
               <a:rPr lang="en-US" smtClean="0"/>
               <a:pPr/>
-              <a:t>9/26/2023</a:t>
+              <a:t>9/27/2023</a:t>
             </a:fld>
-            <a:endParaRPr lang="en-US" dirty="0"/>
+            <a:endParaRPr lang="en-US"/>
           </a:p>
         </p:txBody>
       </p:sp>
@@ -1230,7 +2881,7 @@
           <a:p>
             <a:fld id="{4C559632-1575-4E14-B53B-3DC3D5ED3947}" type="datetime1">
               <a:rPr lang="en-US" smtClean="0"/>
-              <a:t>9/26/2023</a:t>
+              <a:t>9/27/2023</a:t>
             </a:fld>
             <a:endParaRPr lang="en-US"/>
           </a:p>
@@ -1438,7 +3089,7 @@
           <a:p>
             <a:fld id="{CC4A6868-2568-4CC9-B302-F37117B01A6E}" type="datetime1">
               <a:rPr lang="en-US" smtClean="0"/>
-              <a:t>9/26/2023</a:t>
+              <a:t>9/27/2023</a:t>
             </a:fld>
             <a:endParaRPr lang="en-US"/>
           </a:p>
@@ -1558,7 +3209,6 @@
               <a:rPr lang="en-US"/>
               <a:t>Click to edit Master title style</a:t>
             </a:r>
-            <a:endParaRPr lang="en-US" dirty="0"/>
           </a:p>
         </p:txBody>
       </p:sp>
@@ -1616,7 +3266,6 @@
               <a:rPr lang="en-US"/>
               <a:t>Fifth level</a:t>
             </a:r>
-            <a:endParaRPr lang="en-US" dirty="0"/>
           </a:p>
         </p:txBody>
       </p:sp>
@@ -1643,9 +3292,9 @@
           <a:p>
             <a:fld id="{0055F08A-1E71-4B2B-BB49-E743F2903911}" type="datetime1">
               <a:rPr lang="en-US" smtClean="0"/>
-              <a:t>9/26/2023</a:t>
+              <a:t>9/27/2023</a:t>
             </a:fld>
-            <a:endParaRPr lang="en-US" dirty="0"/>
+            <a:endParaRPr lang="en-US"/>
           </a:p>
         </p:txBody>
       </p:sp>
@@ -1767,7 +3416,6 @@
               <a:rPr lang="en-US"/>
               <a:t>Click to edit Master title style</a:t>
             </a:r>
-            <a:endParaRPr lang="en-US" dirty="0"/>
           </a:p>
         </p:txBody>
       </p:sp>
@@ -1917,7 +3565,7 @@
           <a:p>
             <a:fld id="{15417D9E-721A-44BB-8863-9873FE64DA75}" type="datetime1">
               <a:rPr lang="en-US" smtClean="0"/>
-              <a:t>9/26/2023</a:t>
+              <a:t>9/27/2023</a:t>
             </a:fld>
             <a:endParaRPr lang="en-US"/>
           </a:p>
@@ -2037,7 +3685,6 @@
               <a:rPr lang="en-US"/>
               <a:t>Click to edit Master title style</a:t>
             </a:r>
-            <a:endParaRPr lang="en-US" dirty="0"/>
           </a:p>
         </p:txBody>
       </p:sp>
@@ -2100,7 +3747,6 @@
               <a:rPr lang="en-US"/>
               <a:t>Fifth level</a:t>
             </a:r>
-            <a:endParaRPr lang="en-US" dirty="0"/>
           </a:p>
         </p:txBody>
       </p:sp>
@@ -2163,7 +3809,6 @@
               <a:rPr lang="en-US"/>
               <a:t>Fifth level</a:t>
             </a:r>
-            <a:endParaRPr lang="en-US" dirty="0"/>
           </a:p>
         </p:txBody>
       </p:sp>
@@ -2190,7 +3835,7 @@
           <a:p>
             <a:fld id="{5F31DA2F-80B8-49CF-99FB-5ABCA53A607A}" type="datetime1">
               <a:rPr lang="en-US" smtClean="0"/>
-              <a:t>9/26/2023</a:t>
+              <a:t>9/27/2023</a:t>
             </a:fld>
             <a:endParaRPr lang="en-US"/>
           </a:p>
@@ -2310,7 +3955,6 @@
               <a:rPr lang="en-US"/>
               <a:t>Click to edit Master title style</a:t>
             </a:r>
-            <a:endParaRPr lang="en-US" dirty="0"/>
           </a:p>
         </p:txBody>
       </p:sp>
@@ -2444,7 +4088,6 @@
               <a:rPr lang="en-US"/>
               <a:t>Fifth level</a:t>
             </a:r>
-            <a:endParaRPr lang="en-US" dirty="0"/>
           </a:p>
         </p:txBody>
       </p:sp>
@@ -2578,7 +4221,6 @@
               <a:rPr lang="en-US"/>
               <a:t>Fifth level</a:t>
             </a:r>
-            <a:endParaRPr lang="en-US" dirty="0"/>
           </a:p>
         </p:txBody>
       </p:sp>
@@ -2605,7 +4247,7 @@
           <a:p>
             <a:fld id="{28852172-E6C9-4B6C-929A-A9DE3837BBF1}" type="datetime1">
               <a:rPr lang="en-US" smtClean="0"/>
-              <a:t>9/26/2023</a:t>
+              <a:t>9/27/2023</a:t>
             </a:fld>
             <a:endParaRPr lang="en-US"/>
           </a:p>
@@ -2725,7 +4367,6 @@
               <a:rPr lang="en-US"/>
               <a:t>Click to edit Master title style</a:t>
             </a:r>
-            <a:endParaRPr lang="en-US" dirty="0"/>
           </a:p>
         </p:txBody>
       </p:sp>
@@ -2757,7 +4398,7 @@
           <a:p>
             <a:fld id="{3AB41CFF-90C9-47B3-9DA1-F2BF8D839F7E}" type="datetime1">
               <a:rPr lang="en-US" smtClean="0"/>
-              <a:t>9/26/2023</a:t>
+              <a:t>9/27/2023</a:t>
             </a:fld>
             <a:endParaRPr lang="en-US"/>
           </a:p>
@@ -2870,7 +4511,7 @@
           <a:p>
             <a:fld id="{F06048FA-06AB-4884-A69B-986B96E68A24}" type="datetime1">
               <a:rPr lang="en-US" smtClean="0"/>
-              <a:t>9/26/2023</a:t>
+              <a:t>9/27/2023</a:t>
             </a:fld>
             <a:endParaRPr lang="en-US"/>
           </a:p>
@@ -3181,7 +4822,7 @@
           <a:p>
             <a:fld id="{50DB7ABA-0172-4F9C-889D-567164F66BCD}" type="datetime1">
               <a:rPr lang="en-US" smtClean="0"/>
-              <a:t>9/26/2023</a:t>
+              <a:t>9/27/2023</a:t>
             </a:fld>
             <a:endParaRPr lang="en-US"/>
           </a:p>
@@ -3472,7 +5113,7 @@
           <a:p>
             <a:fld id="{78AC6A5B-8AE7-4A41-B5A7-9ADC6686DC18}" type="datetime1">
               <a:rPr lang="en-US" smtClean="0"/>
-              <a:t>9/26/2023</a:t>
+              <a:t>9/27/2023</a:t>
             </a:fld>
             <a:endParaRPr lang="en-US"/>
           </a:p>
@@ -3621,7 +5262,7 @@
           <a:lstStyle/>
           <a:p>
             <a:pPr algn="ctr"/>
-            <a:endParaRPr lang="en-US" dirty="0">
+            <a:endParaRPr lang="en-US">
               <a:solidFill>
                 <a:schemeClr val="tx1">
                   <a:lumMod val="65000"/>
@@ -3665,7 +5306,7 @@
           <a:lstStyle/>
           <a:p>
             <a:r>
-              <a:rPr lang="en-US" dirty="0"/>
+              <a:rPr lang="en-US"/>
               <a:t>Click to edit Master title style</a:t>
             </a:r>
           </a:p>
@@ -3704,35 +5345,35 @@
           <a:p>
             <a:pPr lvl="0"/>
             <a:r>
-              <a:rPr lang="en-US" dirty="0"/>
+              <a:rPr lang="en-US"/>
               <a:t>Click to edit Master text styles</a:t>
             </a:r>
           </a:p>
           <a:p>
             <a:pPr lvl="1"/>
             <a:r>
-              <a:rPr lang="en-US" dirty="0"/>
+              <a:rPr lang="en-US"/>
               <a:t>Second level</a:t>
             </a:r>
           </a:p>
           <a:p>
             <a:pPr lvl="2"/>
             <a:r>
-              <a:rPr lang="en-US" dirty="0"/>
+              <a:rPr lang="en-US"/>
               <a:t>Third level</a:t>
             </a:r>
           </a:p>
           <a:p>
             <a:pPr lvl="3"/>
             <a:r>
-              <a:rPr lang="en-US" dirty="0"/>
+              <a:rPr lang="en-US"/>
               <a:t>Fourth level</a:t>
             </a:r>
           </a:p>
           <a:p>
             <a:pPr lvl="4"/>
             <a:r>
-              <a:rPr lang="en-US" dirty="0"/>
+              <a:rPr lang="en-US"/>
               <a:t>Fifth level</a:t>
             </a:r>
           </a:p>
@@ -3781,9 +5422,9 @@
             <a:fld id="{57E0CF6C-748E-4B7A-BC8B-3011EF78ED13}" type="datetime1">
               <a:rPr lang="en-US" smtClean="0"/>
               <a:pPr/>
-              <a:t>9/26/2023</a:t>
+              <a:t>9/27/2023</a:t>
             </a:fld>
-            <a:endParaRPr lang="en-US" dirty="0"/>
+            <a:endParaRPr lang="en-US"/>
           </a:p>
         </p:txBody>
       </p:sp>
@@ -3827,7 +5468,7 @@
             </a:lvl1pPr>
           </a:lstStyle>
           <a:p>
-            <a:endParaRPr lang="en-US" dirty="0">
+            <a:endParaRPr lang="en-US">
               <a:solidFill>
                 <a:schemeClr val="tx1">
                   <a:alpha val="60000"/>
@@ -3882,7 +5523,7 @@
               <a:pPr/>
               <a:t>‹#›</a:t>
             </a:fld>
-            <a:endParaRPr lang="en-US" dirty="0"/>
+            <a:endParaRPr lang="en-US"/>
           </a:p>
         </p:txBody>
       </p:sp>
@@ -4324,7 +5965,7 @@
           <a:lstStyle/>
           <a:p>
             <a:pPr algn="ctr"/>
-            <a:endParaRPr lang="en-US" dirty="0">
+            <a:endParaRPr lang="en-US">
               <a:solidFill>
                 <a:schemeClr val="tx1">
                   <a:lumMod val="65000"/>
@@ -4395,7 +6036,7 @@
           <a:lstStyle/>
           <a:p>
             <a:pPr algn="ctr"/>
-            <a:endParaRPr lang="en-US" dirty="0">
+            <a:endParaRPr lang="en-US">
               <a:solidFill>
                 <a:schemeClr val="tx1">
                   <a:lumMod val="65000"/>
@@ -4430,7 +6071,7 @@
         </p:blipFill>
         <p:spPr>
           <a:xfrm>
-            <a:off x="20" y="10"/>
+            <a:off x="96612" y="53672"/>
             <a:ext cx="12191980" cy="6856614"/>
           </a:xfrm>
           <a:prstGeom prst="rect">
@@ -4468,7 +6109,7 @@
           <a:p>
             <a:pPr algn="l"/>
             <a:r>
-              <a:rPr lang="fi-FI" sz="5200" b="1" dirty="0">
+              <a:rPr lang="fi-FI" sz="5200" b="1">
                 <a:solidFill>
                   <a:srgbClr val="FFFFFF"/>
                 </a:solidFill>
@@ -4483,7 +6124,7 @@
               <a:t>Analysis </a:t>
             </a:r>
             <a:r>
-              <a:rPr lang="en-US" sz="5200" b="1" dirty="0">
+              <a:rPr lang="en-US" sz="5200" b="1">
                 <a:solidFill>
                   <a:srgbClr val="FFFFFF"/>
                 </a:solidFill>
@@ -4498,7 +6139,7 @@
               <a:t>reports</a:t>
             </a:r>
             <a:r>
-              <a:rPr lang="fi-FI" sz="5200" b="1" dirty="0">
+              <a:rPr lang="fi-FI" sz="5200" b="1">
                 <a:solidFill>
                   <a:srgbClr val="FFFFFF"/>
                 </a:solidFill>
@@ -4512,7 +6153,7 @@
               </a:rPr>
               <a:t> for</a:t>
             </a:r>
-            <a:endParaRPr lang="LID4096" sz="5200" b="1" dirty="0">
+            <a:endParaRPr lang="fi-FI" sz="5200" b="1">
               <a:solidFill>
                 <a:srgbClr val="FFFFFF"/>
               </a:solidFill>
@@ -4523,6 +6164,7 @@
                   </a:srgbClr>
                 </a:outerShdw>
               </a:effectLst>
+              <a:cs typeface="Sabon Next LT"/>
             </a:endParaRPr>
           </a:p>
         </p:txBody>
@@ -4545,12 +6187,12 @@
         </p:nvSpPr>
         <p:spPr>
           <a:xfrm>
-            <a:off x="838200" y="4074515"/>
+            <a:off x="838200" y="3902797"/>
             <a:ext cx="7583133" cy="1279124"/>
           </a:xfrm>
         </p:spPr>
         <p:txBody>
-          <a:bodyPr>
+          <a:bodyPr vert="horz" lIns="91440" tIns="45720" rIns="91440" bIns="45720" rtlCol="0" anchor="t">
             <a:normAutofit lnSpcReduction="10000"/>
           </a:bodyPr>
           <a:lstStyle/>
@@ -4561,7 +6203,7 @@
               </a:lnSpc>
             </a:pPr>
             <a:r>
-              <a:rPr lang="en-US" sz="2400" dirty="0">
+              <a:rPr lang="en-US" sz="2400">
                 <a:solidFill>
                   <a:srgbClr val="FFFFFF"/>
                 </a:solidFill>
@@ -4582,7 +6224,7 @@
                 <a:spcPct val="100000"/>
               </a:lnSpc>
             </a:pPr>
-            <a:endParaRPr lang="en-US" dirty="0">
+            <a:endParaRPr lang="en-US">
               <a:solidFill>
                 <a:srgbClr val="FFFFFF"/>
               </a:solidFill>
@@ -4602,7 +6244,7 @@
               </a:lnSpc>
             </a:pPr>
             <a:r>
-              <a:rPr lang="en-US" dirty="0">
+              <a:rPr lang="en-US" b="1">
                 <a:solidFill>
                   <a:srgbClr val="FFFFFF"/>
                 </a:solidFill>
@@ -4614,7 +6256,37 @@
                   </a:outerShdw>
                 </a:effectLst>
               </a:rPr>
-              <a:t>Keita Brudere, Viktória Szabó, Roy Liu</a:t>
+              <a:t>Keita </a:t>
+            </a:r>
+            <a:r>
+              <a:rPr lang="en-US" b="1" err="1">
+                <a:solidFill>
+                  <a:srgbClr val="FFFFFF"/>
+                </a:solidFill>
+                <a:effectLst>
+                  <a:outerShdw blurRad="38100" dist="38100" dir="2700000" algn="tl">
+                    <a:srgbClr val="000000">
+                      <a:alpha val="43137"/>
+                    </a:srgbClr>
+                  </a:outerShdw>
+                </a:effectLst>
+              </a:rPr>
+              <a:t>Brudere</a:t>
+            </a:r>
+            <a:r>
+              <a:rPr lang="en-US" b="1">
+                <a:solidFill>
+                  <a:srgbClr val="FFFFFF"/>
+                </a:solidFill>
+                <a:effectLst>
+                  <a:outerShdw blurRad="38100" dist="38100" dir="2700000" algn="tl">
+                    <a:srgbClr val="000000">
+                      <a:alpha val="43137"/>
+                    </a:srgbClr>
+                  </a:outerShdw>
+                </a:effectLst>
+              </a:rPr>
+              <a:t>, Viktória Szabó, Roy Liu</a:t>
             </a:r>
           </a:p>
         </p:txBody>
@@ -4632,7 +6304,7 @@
 </p:sld>
 </file>
 
-<file path=ppt/slides/slide2.xml><?xml version="1.0" encoding="utf-8"?>
+<file path=ppt/slides/slide10.xml><?xml version="1.0" encoding="utf-8"?>
 <p:sld xmlns:a="http://schemas.openxmlformats.org/drawingml/2006/main" xmlns:r="http://schemas.openxmlformats.org/officeDocument/2006/relationships" xmlns:p="http://schemas.openxmlformats.org/presentationml/2006/main">
   <p:cSld>
     <p:spTree>
@@ -4654,7 +6326,7 @@
           <p:cNvPr id="2" name="Title 1">
             <a:extLst>
               <a:ext uri="{FF2B5EF4-FFF2-40B4-BE49-F238E27FC236}">
-                <a16:creationId xmlns:a16="http://schemas.microsoft.com/office/drawing/2014/main" id="{6E7FAB23-3BBF-1A08-4ADC-40F67AE0A9F3}"/>
+                <a16:creationId xmlns:a16="http://schemas.microsoft.com/office/drawing/2014/main" id="{027F2EE5-1AEC-892A-0F33-1DAF05804E15}"/>
               </a:ext>
             </a:extLst>
           </p:cNvPr>
@@ -4671,26 +6343,9 @@
           <a:lstStyle/>
           <a:p>
             <a:r>
-              <a:rPr lang="fi-FI" dirty="0" err="1"/>
-              <a:t>Background</a:t>
-            </a:r>
-            <a:r>
-              <a:rPr lang="fi-FI" dirty="0"/>
-              <a:t> of </a:t>
-            </a:r>
-            <a:r>
-              <a:rPr lang="fi-FI" dirty="0" err="1"/>
-              <a:t>the</a:t>
-            </a:r>
-            <a:r>
-              <a:rPr lang="fi-FI" dirty="0"/>
-              <a:t> </a:t>
-            </a:r>
-            <a:r>
-              <a:rPr lang="fi-FI" dirty="0" err="1"/>
-              <a:t>survey</a:t>
-            </a:r>
-            <a:endParaRPr lang="LID4096" dirty="0"/>
+              <a:rPr lang="en-US"/>
+              <a:t>Comparisons Katie (Age / Gender)</a:t>
+            </a:r>
           </a:p>
         </p:txBody>
       </p:sp>
@@ -4699,7 +6354,7 @@
           <p:cNvPr id="3" name="Content Placeholder 2">
             <a:extLst>
               <a:ext uri="{FF2B5EF4-FFF2-40B4-BE49-F238E27FC236}">
-                <a16:creationId xmlns:a16="http://schemas.microsoft.com/office/drawing/2014/main" id="{27880FD4-D46A-B9D5-23AC-6C0D8D9629D2}"/>
+                <a16:creationId xmlns:a16="http://schemas.microsoft.com/office/drawing/2014/main" id="{C5FBD0D9-1F3E-B448-0B80-6863AE3ECA96}"/>
               </a:ext>
             </a:extLst>
           </p:cNvPr>
@@ -4710,19 +6365,253 @@
             <p:ph idx="1"/>
           </p:nvPr>
         </p:nvSpPr>
-        <p:spPr/>
+        <p:spPr>
+          <a:xfrm>
+            <a:off x="458694" y="1949450"/>
+            <a:ext cx="5091714" cy="4195763"/>
+          </a:xfrm>
+        </p:spPr>
         <p:txBody>
-          <a:bodyPr/>
+          <a:bodyPr>
+            <a:normAutofit/>
+          </a:bodyPr>
           <a:lstStyle/>
           <a:p>
-            <a:endParaRPr lang="LID4096"/>
+            <a:r>
+              <a:rPr lang="en-GB" sz="1600"/>
+              <a:t>Garph1 and Table1 represents the dependency between the age group and gender variables. It can be seen that male workers are mostly between the ages of 31 and 40. The same effect was found for female workers.</a:t>
+            </a:r>
+          </a:p>
+          <a:p>
+            <a:pPr marL="0" indent="0">
+              <a:buNone/>
+            </a:pPr>
+            <a:endParaRPr lang="en-GB" sz="1600"/>
+          </a:p>
+          <a:p>
+            <a:r>
+              <a:rPr lang="en-GB" sz="1600"/>
+              <a:t>The </a:t>
+            </a:r>
+            <a:r>
+              <a:rPr lang="en-GB" sz="1600" i="1"/>
+              <a:t>p</a:t>
+            </a:r>
+            <a:r>
+              <a:rPr lang="en-GB" sz="1600"/>
+              <a:t> value between the age and gender values were found be insignificant </a:t>
+            </a:r>
+            <a:r>
+              <a:rPr lang="en-GB" sz="1600" i="1"/>
+              <a:t>p = .55 (See table 2). </a:t>
+            </a:r>
+            <a:r>
+              <a:rPr lang="en-GB" sz="1600"/>
+              <a:t>Meaning there is no significant relationship between the age of the workers and their gender.</a:t>
+            </a:r>
+            <a:endParaRPr lang="LID4096" sz="1600"/>
+          </a:p>
+        </p:txBody>
+      </p:sp>
+      <p:pic>
+        <p:nvPicPr>
+          <p:cNvPr id="5" name="Picture 4">
+            <a:extLst>
+              <a:ext uri="{FF2B5EF4-FFF2-40B4-BE49-F238E27FC236}">
+                <a16:creationId xmlns:a16="http://schemas.microsoft.com/office/drawing/2014/main" id="{498066E0-6DFB-6E61-475D-21A9416DC9D5}"/>
+              </a:ext>
+            </a:extLst>
+          </p:cNvPr>
+          <p:cNvPicPr>
+            <a:picLocks noChangeAspect="1"/>
+          </p:cNvPicPr>
+          <p:nvPr/>
+        </p:nvPicPr>
+        <p:blipFill>
+          <a:blip r:embed="rId2"/>
+          <a:stretch>
+            <a:fillRect/>
+          </a:stretch>
+        </p:blipFill>
+        <p:spPr>
+          <a:xfrm>
+            <a:off x="9632404" y="1617848"/>
+            <a:ext cx="2036894" cy="2156127"/>
+          </a:xfrm>
+          <a:prstGeom prst="rect">
+            <a:avLst/>
+          </a:prstGeom>
+        </p:spPr>
+      </p:pic>
+      <p:pic>
+        <p:nvPicPr>
+          <p:cNvPr id="7" name="Picture 6">
+            <a:extLst>
+              <a:ext uri="{FF2B5EF4-FFF2-40B4-BE49-F238E27FC236}">
+                <a16:creationId xmlns:a16="http://schemas.microsoft.com/office/drawing/2014/main" id="{3E0E4609-F680-9BF4-5B53-2CCB6B4DC76F}"/>
+              </a:ext>
+            </a:extLst>
+          </p:cNvPr>
+          <p:cNvPicPr>
+            <a:picLocks noChangeAspect="1"/>
+          </p:cNvPicPr>
+          <p:nvPr/>
+        </p:nvPicPr>
+        <p:blipFill>
+          <a:blip r:embed="rId3"/>
+          <a:stretch>
+            <a:fillRect/>
+          </a:stretch>
+        </p:blipFill>
+        <p:spPr>
+          <a:xfrm>
+            <a:off x="5724144" y="1412958"/>
+            <a:ext cx="3576018" cy="2565909"/>
+          </a:xfrm>
+          <a:prstGeom prst="rect">
+            <a:avLst/>
+          </a:prstGeom>
+        </p:spPr>
+      </p:pic>
+      <p:pic>
+        <p:nvPicPr>
+          <p:cNvPr id="11" name="Picture 10">
+            <a:extLst>
+              <a:ext uri="{FF2B5EF4-FFF2-40B4-BE49-F238E27FC236}">
+                <a16:creationId xmlns:a16="http://schemas.microsoft.com/office/drawing/2014/main" id="{B8333DE2-9D02-A714-8216-5DCA29678E99}"/>
+              </a:ext>
+            </a:extLst>
+          </p:cNvPr>
+          <p:cNvPicPr>
+            <a:picLocks noChangeAspect="1"/>
+          </p:cNvPicPr>
+          <p:nvPr/>
+        </p:nvPicPr>
+        <p:blipFill>
+          <a:blip r:embed="rId4"/>
+          <a:stretch>
+            <a:fillRect/>
+          </a:stretch>
+        </p:blipFill>
+        <p:spPr>
+          <a:xfrm>
+            <a:off x="5724144" y="4346668"/>
+            <a:ext cx="6242040" cy="254378"/>
+          </a:xfrm>
+          <a:prstGeom prst="rect">
+            <a:avLst/>
+          </a:prstGeom>
+        </p:spPr>
+      </p:pic>
+      <p:sp>
+        <p:nvSpPr>
+          <p:cNvPr id="12" name="TextBox 11">
+            <a:extLst>
+              <a:ext uri="{FF2B5EF4-FFF2-40B4-BE49-F238E27FC236}">
+                <a16:creationId xmlns:a16="http://schemas.microsoft.com/office/drawing/2014/main" id="{7A203E09-843B-06BA-D997-15CF7CBFF1B2}"/>
+              </a:ext>
+            </a:extLst>
+          </p:cNvPr>
+          <p:cNvSpPr txBox="1"/>
+          <p:nvPr/>
+        </p:nvSpPr>
+        <p:spPr>
+          <a:xfrm>
+            <a:off x="5635392" y="3916546"/>
+            <a:ext cx="743714" cy="246221"/>
+          </a:xfrm>
+          <a:prstGeom prst="rect">
+            <a:avLst/>
+          </a:prstGeom>
+          <a:noFill/>
+        </p:spPr>
+        <p:txBody>
+          <a:bodyPr wrap="square" rtlCol="0">
+            <a:spAutoFit/>
+          </a:bodyPr>
+          <a:lstStyle/>
+          <a:p>
+            <a:r>
+              <a:rPr lang="en-GB" sz="1000" i="1"/>
+              <a:t>Graph1</a:t>
+            </a:r>
+          </a:p>
+        </p:txBody>
+      </p:sp>
+      <p:sp>
+        <p:nvSpPr>
+          <p:cNvPr id="13" name="TextBox 12">
+            <a:extLst>
+              <a:ext uri="{FF2B5EF4-FFF2-40B4-BE49-F238E27FC236}">
+                <a16:creationId xmlns:a16="http://schemas.microsoft.com/office/drawing/2014/main" id="{42A6FBB3-B8BD-D4FA-260B-B9923B161D8E}"/>
+              </a:ext>
+            </a:extLst>
+          </p:cNvPr>
+          <p:cNvSpPr txBox="1"/>
+          <p:nvPr/>
+        </p:nvSpPr>
+        <p:spPr>
+          <a:xfrm>
+            <a:off x="9550108" y="3756914"/>
+            <a:ext cx="636308" cy="246221"/>
+          </a:xfrm>
+          <a:prstGeom prst="rect">
+            <a:avLst/>
+          </a:prstGeom>
+          <a:noFill/>
+        </p:spPr>
+        <p:txBody>
+          <a:bodyPr wrap="square" rtlCol="0">
+            <a:spAutoFit/>
+          </a:bodyPr>
+          <a:lstStyle/>
+          <a:p>
+            <a:r>
+              <a:rPr lang="en-GB" sz="1000" i="1"/>
+              <a:t>Table 1</a:t>
+            </a:r>
+          </a:p>
+        </p:txBody>
+      </p:sp>
+      <p:sp>
+        <p:nvSpPr>
+          <p:cNvPr id="17" name="TextBox 16">
+            <a:extLst>
+              <a:ext uri="{FF2B5EF4-FFF2-40B4-BE49-F238E27FC236}">
+                <a16:creationId xmlns:a16="http://schemas.microsoft.com/office/drawing/2014/main" id="{16DE2CBD-C237-BAB6-A52A-173665D3C4F1}"/>
+              </a:ext>
+            </a:extLst>
+          </p:cNvPr>
+          <p:cNvSpPr txBox="1"/>
+          <p:nvPr/>
+        </p:nvSpPr>
+        <p:spPr>
+          <a:xfrm>
+            <a:off x="5635392" y="4560066"/>
+            <a:ext cx="617882" cy="246221"/>
+          </a:xfrm>
+          <a:prstGeom prst="rect">
+            <a:avLst/>
+          </a:prstGeom>
+          <a:noFill/>
+        </p:spPr>
+        <p:txBody>
+          <a:bodyPr wrap="square" rtlCol="0">
+            <a:spAutoFit/>
+          </a:bodyPr>
+          <a:lstStyle/>
+          <a:p>
+            <a:r>
+              <a:rPr lang="en-GB" sz="1000" i="1"/>
+              <a:t>Table 2</a:t>
+            </a:r>
           </a:p>
         </p:txBody>
       </p:sp>
     </p:spTree>
     <p:extLst>
       <p:ext uri="{BB962C8B-B14F-4D97-AF65-F5344CB8AC3E}">
-        <p14:creationId xmlns:p14="http://schemas.microsoft.com/office/powerpoint/2010/main" val="1499829321"/>
+        <p14:creationId xmlns:p14="http://schemas.microsoft.com/office/powerpoint/2010/main" val="3596416156"/>
       </p:ext>
     </p:extLst>
   </p:cSld>
@@ -4732,7 +6621,510 @@
 </p:sld>
 </file>
 
-<file path=ppt/slides/slide3.xml><?xml version="1.0" encoding="utf-8"?>
+<file path=ppt/slides/slide11.xml><?xml version="1.0" encoding="utf-8"?>
+<p:sld xmlns:a="http://schemas.openxmlformats.org/drawingml/2006/main" xmlns:r="http://schemas.openxmlformats.org/officeDocument/2006/relationships" xmlns:p="http://schemas.openxmlformats.org/presentationml/2006/main">
+  <p:cSld>
+    <p:bg>
+      <p:bgPr>
+        <a:solidFill>
+          <a:schemeClr val="bg1"/>
+        </a:solidFill>
+        <a:effectLst/>
+      </p:bgPr>
+    </p:bg>
+    <p:spTree>
+      <p:nvGrpSpPr>
+        <p:cNvPr id="1" name=""/>
+        <p:cNvGrpSpPr/>
+        <p:nvPr/>
+      </p:nvGrpSpPr>
+      <p:grpSpPr>
+        <a:xfrm>
+          <a:off x="0" y="0"/>
+          <a:ext cx="0" cy="0"/>
+          <a:chOff x="0" y="0"/>
+          <a:chExt cx="0" cy="0"/>
+        </a:xfrm>
+      </p:grpSpPr>
+      <p:sp useBgFill="1">
+        <p:nvSpPr>
+          <p:cNvPr id="27" name="Rectangle 26">
+            <a:extLst>
+              <a:ext uri="{FF2B5EF4-FFF2-40B4-BE49-F238E27FC236}">
+                <a16:creationId xmlns:a16="http://schemas.microsoft.com/office/drawing/2014/main" id="{8651CFA9-6065-4243-AC48-858E359780B1}"/>
+              </a:ext>
+              <a:ext uri="{C183D7F6-B498-43B3-948B-1728B52AA6E4}">
+                <adec:decorative xmlns:adec="http://schemas.microsoft.com/office/drawing/2017/decorative" val="1"/>
+              </a:ext>
+            </a:extLst>
+          </p:cNvPr>
+          <p:cNvSpPr>
+            <a:spLocks noGrp="1" noRot="1" noChangeAspect="1" noMove="1" noResize="1" noEditPoints="1" noAdjustHandles="1" noChangeArrowheads="1" noChangeShapeType="1" noTextEdit="1"/>
+          </p:cNvSpPr>
+          <p:nvPr>
+            <p:extLst>
+              <p:ext uri="{386F3935-93C4-4BCD-93E2-E3B085C9AB24}">
+                <p16:designElem xmlns:p16="http://schemas.microsoft.com/office/powerpoint/2015/main" val="1"/>
+              </p:ext>
+            </p:extLst>
+          </p:nvPr>
+        </p:nvSpPr>
+        <p:spPr>
+          <a:xfrm>
+            <a:off x="0" y="0"/>
+            <a:ext cx="12188952" cy="6858000"/>
+          </a:xfrm>
+          <a:prstGeom prst="rect">
+            <a:avLst/>
+          </a:prstGeom>
+          <a:ln>
+            <a:noFill/>
+          </a:ln>
+        </p:spPr>
+        <p:style>
+          <a:lnRef idx="2">
+            <a:schemeClr val="accent1">
+              <a:shade val="50000"/>
+            </a:schemeClr>
+          </a:lnRef>
+          <a:fillRef idx="1">
+            <a:schemeClr val="accent1"/>
+          </a:fillRef>
+          <a:effectRef idx="0">
+            <a:schemeClr val="accent1"/>
+          </a:effectRef>
+          <a:fontRef idx="minor">
+            <a:schemeClr val="lt1"/>
+          </a:fontRef>
+        </p:style>
+        <p:txBody>
+          <a:bodyPr rtlCol="0" anchor="ctr"/>
+          <a:lstStyle/>
+          <a:p>
+            <a:pPr algn="ctr"/>
+            <a:endParaRPr lang="en-US">
+              <a:solidFill>
+                <a:schemeClr val="tx1">
+                  <a:lumMod val="65000"/>
+                  <a:lumOff val="35000"/>
+                </a:schemeClr>
+              </a:solidFill>
+              <a:latin typeface="AvenirNext LT Pro Medium" panose="020B0504020202020204" pitchFamily="34" charset="0"/>
+            </a:endParaRPr>
+          </a:p>
+        </p:txBody>
+      </p:sp>
+      <p:sp>
+        <p:nvSpPr>
+          <p:cNvPr id="29" name="Rectangle 28">
+            <a:extLst>
+              <a:ext uri="{FF2B5EF4-FFF2-40B4-BE49-F238E27FC236}">
+                <a16:creationId xmlns:a16="http://schemas.microsoft.com/office/drawing/2014/main" id="{FBC8BBE5-981E-4B0B-9654-32B5668BFF31}"/>
+              </a:ext>
+              <a:ext uri="{C183D7F6-B498-43B3-948B-1728B52AA6E4}">
+                <adec:decorative xmlns:adec="http://schemas.microsoft.com/office/drawing/2017/decorative" val="1"/>
+              </a:ext>
+            </a:extLst>
+          </p:cNvPr>
+          <p:cNvSpPr>
+            <a:spLocks noGrp="1" noRot="1" noChangeAspect="1" noMove="1" noResize="1" noEditPoints="1" noAdjustHandles="1" noChangeArrowheads="1" noChangeShapeType="1" noTextEdit="1"/>
+          </p:cNvSpPr>
+          <p:nvPr>
+            <p:extLst>
+              <p:ext uri="{386F3935-93C4-4BCD-93E2-E3B085C9AB24}">
+                <p16:designElem xmlns:p16="http://schemas.microsoft.com/office/powerpoint/2015/main" val="1"/>
+              </p:ext>
+            </p:extLst>
+          </p:nvPr>
+        </p:nvSpPr>
+        <p:spPr>
+          <a:xfrm>
+            <a:off x="3048" y="0"/>
+            <a:ext cx="12188952" cy="6858000"/>
+          </a:xfrm>
+          <a:prstGeom prst="rect">
+            <a:avLst/>
+          </a:prstGeom>
+          <a:solidFill>
+            <a:schemeClr val="bg2">
+              <a:lumMod val="90000"/>
+              <a:alpha val="70000"/>
+            </a:schemeClr>
+          </a:solidFill>
+          <a:ln>
+            <a:noFill/>
+          </a:ln>
+        </p:spPr>
+        <p:style>
+          <a:lnRef idx="2">
+            <a:schemeClr val="accent1">
+              <a:shade val="50000"/>
+            </a:schemeClr>
+          </a:lnRef>
+          <a:fillRef idx="1">
+            <a:schemeClr val="accent1"/>
+          </a:fillRef>
+          <a:effectRef idx="0">
+            <a:schemeClr val="accent1"/>
+          </a:effectRef>
+          <a:fontRef idx="minor">
+            <a:schemeClr val="lt1"/>
+          </a:fontRef>
+        </p:style>
+        <p:txBody>
+          <a:bodyPr rtlCol="0" anchor="ctr"/>
+          <a:lstStyle/>
+          <a:p>
+            <a:pPr algn="ctr"/>
+            <a:endParaRPr lang="en-US">
+              <a:solidFill>
+                <a:schemeClr val="tx1">
+                  <a:lumMod val="65000"/>
+                  <a:lumOff val="35000"/>
+                </a:schemeClr>
+              </a:solidFill>
+              <a:latin typeface="AvenirNext LT Pro Medium" panose="020B0504020202020204" pitchFamily="34" charset="0"/>
+            </a:endParaRPr>
+          </a:p>
+        </p:txBody>
+      </p:sp>
+      <p:grpSp>
+        <p:nvGrpSpPr>
+          <p:cNvPr id="31" name="Group 30">
+            <a:extLst>
+              <a:ext uri="{FF2B5EF4-FFF2-40B4-BE49-F238E27FC236}">
+                <a16:creationId xmlns:a16="http://schemas.microsoft.com/office/drawing/2014/main" id="{E54EDBA2-E203-497D-AB28-73A06B2DFDEE}"/>
+              </a:ext>
+              <a:ext uri="{C183D7F6-B498-43B3-948B-1728B52AA6E4}">
+                <adec:decorative xmlns:adec="http://schemas.microsoft.com/office/drawing/2017/decorative" val="1"/>
+              </a:ext>
+            </a:extLst>
+          </p:cNvPr>
+          <p:cNvGrpSpPr>
+            <a:grpSpLocks noGrp="1" noUngrp="1" noRot="1" noChangeAspect="1" noMove="1" noResize="1"/>
+          </p:cNvGrpSpPr>
+          <p:nvPr>
+            <p:extLst>
+              <p:ext uri="{386F3935-93C4-4BCD-93E2-E3B085C9AB24}">
+                <p16:designElem xmlns:p16="http://schemas.microsoft.com/office/powerpoint/2015/main" val="1"/>
+              </p:ext>
+            </p:extLst>
+          </p:nvPr>
+        </p:nvGrpSpPr>
+        <p:grpSpPr>
+          <a:xfrm>
+            <a:off x="4464881" y="0"/>
+            <a:ext cx="7724071" cy="6858000"/>
+            <a:chOff x="4464881" y="0"/>
+            <a:chExt cx="7724071" cy="6858000"/>
+          </a:xfrm>
+        </p:grpSpPr>
+        <p:pic>
+          <p:nvPicPr>
+            <p:cNvPr id="32" name="Picture 31">
+              <a:extLst>
+                <a:ext uri="{FF2B5EF4-FFF2-40B4-BE49-F238E27FC236}">
+                  <a16:creationId xmlns:a16="http://schemas.microsoft.com/office/drawing/2014/main" id="{B0803BB8-5406-470B-B62A-E9655DE0961A}"/>
+                </a:ext>
+                <a:ext uri="{C183D7F6-B498-43B3-948B-1728B52AA6E4}">
+                  <adec:decorative xmlns:adec="http://schemas.microsoft.com/office/drawing/2017/decorative" val="1"/>
+                </a:ext>
+              </a:extLst>
+            </p:cNvPr>
+            <p:cNvPicPr>
+              <a:picLocks noChangeAspect="1"/>
+            </p:cNvPicPr>
+            <p:nvPr>
+              <p:extLst>
+                <p:ext uri="{386F3935-93C4-4BCD-93E2-E3B085C9AB24}">
+                  <p16:designElem xmlns:p16="http://schemas.microsoft.com/office/powerpoint/2015/main" val="1"/>
+                </p:ext>
+              </p:extLst>
+            </p:nvPr>
+          </p:nvPicPr>
+          <p:blipFill>
+            <a:blip r:embed="rId2">
+              <a:duotone>
+                <a:schemeClr val="accent6">
+                  <a:shade val="45000"/>
+                  <a:satMod val="135000"/>
+                </a:schemeClr>
+                <a:prstClr val="white"/>
+              </a:duotone>
+              <a:alphaModFix amt="15000"/>
+              <a:extLst>
+                <a:ext uri="{28A0092B-C50C-407E-A947-70E740481C1C}">
+                  <a14:useLocalDpi xmlns:a14="http://schemas.microsoft.com/office/drawing/2010/main" val="0"/>
+                </a:ext>
+              </a:extLst>
+            </a:blip>
+            <a:stretch>
+              <a:fillRect/>
+            </a:stretch>
+          </p:blipFill>
+          <p:spPr>
+            <a:xfrm>
+              <a:off x="7073255" y="0"/>
+              <a:ext cx="5115697" cy="6858000"/>
+            </a:xfrm>
+            <a:prstGeom prst="rect">
+              <a:avLst/>
+            </a:prstGeom>
+          </p:spPr>
+        </p:pic>
+        <p:pic>
+          <p:nvPicPr>
+            <p:cNvPr id="33" name="Picture 32">
+              <a:extLst>
+                <a:ext uri="{FF2B5EF4-FFF2-40B4-BE49-F238E27FC236}">
+                  <a16:creationId xmlns:a16="http://schemas.microsoft.com/office/drawing/2014/main" id="{E12C3203-0987-4CF5-AA8C-5FBB11C7063E}"/>
+                </a:ext>
+                <a:ext uri="{C183D7F6-B498-43B3-948B-1728B52AA6E4}">
+                  <adec:decorative xmlns:adec="http://schemas.microsoft.com/office/drawing/2017/decorative" val="1"/>
+                </a:ext>
+              </a:extLst>
+            </p:cNvPr>
+            <p:cNvPicPr>
+              <a:picLocks noChangeAspect="1"/>
+            </p:cNvPicPr>
+            <p:nvPr>
+              <p:extLst>
+                <p:ext uri="{386F3935-93C4-4BCD-93E2-E3B085C9AB24}">
+                  <p16:designElem xmlns:p16="http://schemas.microsoft.com/office/powerpoint/2015/main" val="1"/>
+                </p:ext>
+              </p:extLst>
+            </p:nvPr>
+          </p:nvPicPr>
+          <p:blipFill>
+            <a:blip r:embed="rId3">
+              <a:duotone>
+                <a:schemeClr val="accent6">
+                  <a:shade val="45000"/>
+                  <a:satMod val="135000"/>
+                </a:schemeClr>
+                <a:prstClr val="white"/>
+              </a:duotone>
+              <a:alphaModFix amt="7000"/>
+              <a:extLst>
+                <a:ext uri="{28A0092B-C50C-407E-A947-70E740481C1C}">
+                  <a14:useLocalDpi xmlns:a14="http://schemas.microsoft.com/office/drawing/2010/main" val="0"/>
+                </a:ext>
+              </a:extLst>
+            </a:blip>
+            <a:stretch>
+              <a:fillRect/>
+            </a:stretch>
+          </p:blipFill>
+          <p:spPr>
+            <a:xfrm rot="16200000">
+              <a:off x="5412135" y="-947254"/>
+              <a:ext cx="5562598" cy="7457106"/>
+            </a:xfrm>
+            <a:prstGeom prst="rect">
+              <a:avLst/>
+            </a:prstGeom>
+            <a:effectLst>
+              <a:softEdge rad="0"/>
+            </a:effectLst>
+          </p:spPr>
+        </p:pic>
+      </p:grpSp>
+      <p:sp>
+        <p:nvSpPr>
+          <p:cNvPr id="2" name="Title 1">
+            <a:extLst>
+              <a:ext uri="{FF2B5EF4-FFF2-40B4-BE49-F238E27FC236}">
+                <a16:creationId xmlns:a16="http://schemas.microsoft.com/office/drawing/2014/main" id="{30D33BD3-68A6-1A97-FA68-72D48555FE31}"/>
+              </a:ext>
+            </a:extLst>
+          </p:cNvPr>
+          <p:cNvSpPr>
+            <a:spLocks noGrp="1"/>
+          </p:cNvSpPr>
+          <p:nvPr>
+            <p:ph type="title"/>
+          </p:nvPr>
+        </p:nvSpPr>
+        <p:spPr>
+          <a:xfrm>
+            <a:off x="838200" y="586992"/>
+            <a:ext cx="5413250" cy="1664573"/>
+          </a:xfrm>
+        </p:spPr>
+        <p:txBody>
+          <a:bodyPr vert="horz" lIns="91440" tIns="45720" rIns="91440" bIns="45720" rtlCol="0">
+            <a:normAutofit fontScale="90000"/>
+          </a:bodyPr>
+          <a:lstStyle/>
+          <a:p>
+            <a:r>
+              <a:rPr lang="en-US" sz="4100"/>
+              <a:t>Analysis between family status and salary (Roy) </a:t>
+            </a:r>
+          </a:p>
+        </p:txBody>
+      </p:sp>
+      <p:sp>
+        <p:nvSpPr>
+          <p:cNvPr id="24" name="Content Placeholder 23">
+            <a:extLst>
+              <a:ext uri="{FF2B5EF4-FFF2-40B4-BE49-F238E27FC236}">
+                <a16:creationId xmlns:a16="http://schemas.microsoft.com/office/drawing/2014/main" id="{FB105505-04CA-DC86-994C-17415E16A816}"/>
+              </a:ext>
+            </a:extLst>
+          </p:cNvPr>
+          <p:cNvSpPr>
+            <a:spLocks noGrp="1"/>
+          </p:cNvSpPr>
+          <p:nvPr>
+            <p:ph idx="1"/>
+          </p:nvPr>
+        </p:nvSpPr>
+        <p:spPr>
+          <a:xfrm>
+            <a:off x="838200" y="2411653"/>
+            <a:ext cx="5412901" cy="3728613"/>
+          </a:xfrm>
+        </p:spPr>
+        <p:txBody>
+          <a:bodyPr>
+            <a:normAutofit/>
+          </a:bodyPr>
+          <a:lstStyle/>
+          <a:p>
+            <a:r>
+              <a:rPr lang="en-US" sz="1800"/>
+              <a:t>People who are single are making less salary compared to those who are not single according to the survey </a:t>
+            </a:r>
+          </a:p>
+          <a:p>
+            <a:r>
+              <a:rPr lang="en-US" sz="1800"/>
+              <a:t>Although, the P value is ~0.15, so it makes this comparison quite insignificant  </a:t>
+            </a:r>
+          </a:p>
+        </p:txBody>
+      </p:sp>
+      <p:pic>
+        <p:nvPicPr>
+          <p:cNvPr id="7" name="Picture 6">
+            <a:extLst>
+              <a:ext uri="{FF2B5EF4-FFF2-40B4-BE49-F238E27FC236}">
+                <a16:creationId xmlns:a16="http://schemas.microsoft.com/office/drawing/2014/main" id="{0FC2301A-6357-11A5-E913-C23B70C642F4}"/>
+              </a:ext>
+            </a:extLst>
+          </p:cNvPr>
+          <p:cNvPicPr>
+            <a:picLocks noChangeAspect="1"/>
+          </p:cNvPicPr>
+          <p:nvPr/>
+        </p:nvPicPr>
+        <p:blipFill>
+          <a:blip r:embed="rId4">
+            <a:extLst>
+              <a:ext uri="{28A0092B-C50C-407E-A947-70E740481C1C}">
+                <a14:useLocalDpi xmlns:a14="http://schemas.microsoft.com/office/drawing/2010/main" val="0"/>
+              </a:ext>
+            </a:extLst>
+          </a:blip>
+          <a:srcRect/>
+          <a:stretch/>
+        </p:blipFill>
+        <p:spPr>
+          <a:xfrm>
+            <a:off x="6859272" y="682823"/>
+            <a:ext cx="4730286" cy="3478630"/>
+          </a:xfrm>
+          <a:prstGeom prst="rect">
+            <a:avLst/>
+          </a:prstGeom>
+        </p:spPr>
+      </p:pic>
+      <p:pic>
+        <p:nvPicPr>
+          <p:cNvPr id="5" name="Content Placeholder 4">
+            <a:extLst>
+              <a:ext uri="{FF2B5EF4-FFF2-40B4-BE49-F238E27FC236}">
+                <a16:creationId xmlns:a16="http://schemas.microsoft.com/office/drawing/2014/main" id="{96936FE3-5CFA-7757-F1DE-FF4B00A109A8}"/>
+              </a:ext>
+            </a:extLst>
+          </p:cNvPr>
+          <p:cNvPicPr>
+            <a:picLocks noChangeAspect="1"/>
+          </p:cNvPicPr>
+          <p:nvPr/>
+        </p:nvPicPr>
+        <p:blipFill>
+          <a:blip r:embed="rId5">
+            <a:extLst>
+              <a:ext uri="{28A0092B-C50C-407E-A947-70E740481C1C}">
+                <a14:useLocalDpi xmlns:a14="http://schemas.microsoft.com/office/drawing/2010/main" val="0"/>
+              </a:ext>
+            </a:extLst>
+          </a:blip>
+          <a:srcRect/>
+          <a:stretch/>
+        </p:blipFill>
+        <p:spPr>
+          <a:xfrm>
+            <a:off x="6865611" y="4422710"/>
+            <a:ext cx="4732766" cy="709127"/>
+          </a:xfrm>
+          <a:prstGeom prst="rect">
+            <a:avLst/>
+          </a:prstGeom>
+        </p:spPr>
+      </p:pic>
+      <p:pic>
+        <p:nvPicPr>
+          <p:cNvPr id="22" name="Picture 21">
+            <a:extLst>
+              <a:ext uri="{FF2B5EF4-FFF2-40B4-BE49-F238E27FC236}">
+                <a16:creationId xmlns:a16="http://schemas.microsoft.com/office/drawing/2014/main" id="{CF92AAA3-742D-F5AA-75F3-56814F81F59A}"/>
+              </a:ext>
+            </a:extLst>
+          </p:cNvPr>
+          <p:cNvPicPr>
+            <a:picLocks noChangeAspect="1"/>
+          </p:cNvPicPr>
+          <p:nvPr/>
+        </p:nvPicPr>
+        <p:blipFill>
+          <a:blip r:embed="rId6">
+            <a:extLst>
+              <a:ext uri="{28A0092B-C50C-407E-A947-70E740481C1C}">
+                <a14:useLocalDpi xmlns:a14="http://schemas.microsoft.com/office/drawing/2010/main" val="0"/>
+              </a:ext>
+            </a:extLst>
+          </a:blip>
+          <a:stretch>
+            <a:fillRect/>
+          </a:stretch>
+        </p:blipFill>
+        <p:spPr>
+          <a:xfrm>
+            <a:off x="6393398" y="5325416"/>
+            <a:ext cx="5677192" cy="190510"/>
+          </a:xfrm>
+          <a:prstGeom prst="rect">
+            <a:avLst/>
+          </a:prstGeom>
+        </p:spPr>
+      </p:pic>
+    </p:spTree>
+    <p:extLst>
+      <p:ext uri="{BB962C8B-B14F-4D97-AF65-F5344CB8AC3E}">
+        <p14:creationId xmlns:p14="http://schemas.microsoft.com/office/powerpoint/2010/main" val="3854421792"/>
+      </p:ext>
+    </p:extLst>
+  </p:cSld>
+  <p:clrMapOvr>
+    <a:masterClrMapping/>
+  </p:clrMapOvr>
+</p:sld>
+</file>
+
+<file path=ppt/slides/slide12.xml><?xml version="1.0" encoding="utf-8"?>
 <p:sld xmlns:a="http://schemas.openxmlformats.org/drawingml/2006/main" xmlns:r="http://schemas.openxmlformats.org/officeDocument/2006/relationships" xmlns:p="http://schemas.openxmlformats.org/presentationml/2006/main">
   <p:cSld>
     <p:spTree>
@@ -4754,7 +7146,7 @@
           <p:cNvPr id="2" name="Title 1">
             <a:extLst>
               <a:ext uri="{FF2B5EF4-FFF2-40B4-BE49-F238E27FC236}">
-                <a16:creationId xmlns:a16="http://schemas.microsoft.com/office/drawing/2014/main" id="{027F2EE5-1AEC-892A-0F33-1DAF05804E15}"/>
+                <a16:creationId xmlns:a16="http://schemas.microsoft.com/office/drawing/2014/main" id="{88013891-86EF-454E-0A39-BC7185B11C4F}"/>
               </a:ext>
             </a:extLst>
           </p:cNvPr>
@@ -4771,26 +7163,30 @@
           <a:lstStyle/>
           <a:p>
             <a:r>
-              <a:rPr lang="fi-FI" dirty="0" err="1"/>
-              <a:t>Variables</a:t>
-            </a:r>
-            <a:r>
-              <a:rPr lang="fi-FI" dirty="0"/>
-              <a:t> of </a:t>
-            </a:r>
-            <a:r>
-              <a:rPr lang="fi-FI" dirty="0" err="1"/>
-              <a:t>the</a:t>
-            </a:r>
-            <a:r>
-              <a:rPr lang="fi-FI" dirty="0"/>
+              <a:rPr lang="fi-FI" err="1"/>
+              <a:t>Family</a:t>
+            </a:r>
+            <a:r>
+              <a:rPr lang="fi-FI"/>
+              <a:t> / </a:t>
+            </a:r>
+            <a:r>
+              <a:rPr lang="fi-FI" err="1"/>
+              <a:t>Salary</a:t>
+            </a:r>
+            <a:r>
+              <a:rPr lang="fi-FI"/>
               <a:t> </a:t>
             </a:r>
             <a:r>
-              <a:rPr lang="fi-FI" dirty="0" err="1"/>
-              <a:t>survey</a:t>
-            </a:r>
-            <a:endParaRPr lang="LID4096" dirty="0"/>
+              <a:rPr lang="fi-FI" err="1"/>
+              <a:t>Satisfaction</a:t>
+            </a:r>
+            <a:r>
+              <a:rPr lang="fi-FI"/>
+              <a:t> (Roy)</a:t>
+            </a:r>
+            <a:endParaRPr lang="LID4096"/>
           </a:p>
         </p:txBody>
       </p:sp>
@@ -4799,7 +7195,7 @@
           <p:cNvPr id="3" name="Content Placeholder 2">
             <a:extLst>
               <a:ext uri="{FF2B5EF4-FFF2-40B4-BE49-F238E27FC236}">
-                <a16:creationId xmlns:a16="http://schemas.microsoft.com/office/drawing/2014/main" id="{C5FBD0D9-1F3E-B448-0B80-6863AE3ECA96}"/>
+                <a16:creationId xmlns:a16="http://schemas.microsoft.com/office/drawing/2014/main" id="{284301AF-09D3-6BEB-2BC6-2BDF6F9CBC62}"/>
               </a:ext>
             </a:extLst>
           </p:cNvPr>
@@ -4812,17 +7208,106 @@
         </p:nvSpPr>
         <p:spPr/>
         <p:txBody>
-          <a:bodyPr/>
+          <a:bodyPr vert="horz" lIns="91440" tIns="45720" rIns="91440" bIns="45720" rtlCol="0" anchor="t">
+            <a:normAutofit/>
+          </a:bodyPr>
           <a:lstStyle/>
           <a:p>
-            <a:endParaRPr lang="LID4096"/>
+            <a:pPr marL="0" indent="0">
+              <a:buNone/>
+            </a:pPr>
+            <a:r>
+              <a:rPr lang="en-GB"/>
+              <a:t>Rory is an idiot </a:t>
+            </a:r>
+            <a:r>
+              <a:rPr lang="en-GB">
+                <a:sym typeface="Wingdings" panose="05000000000000000000" pitchFamily="2" charset="2"/>
+              </a:rPr>
+              <a:t></a:t>
+            </a:r>
+          </a:p>
+          <a:p>
+            <a:pPr marL="0" indent="0">
+              <a:buNone/>
+            </a:pPr>
+            <a:r>
+              <a:rPr lang="en-GB">
+                <a:sym typeface="Wingdings" panose="05000000000000000000" pitchFamily="2" charset="2"/>
+              </a:rPr>
+              <a:t>All of you are idiots :) </a:t>
+            </a:r>
+            <a:endParaRPr lang="en-GB"/>
+          </a:p>
+          <a:p>
+            <a:pPr marL="0" indent="0">
+              <a:buNone/>
+            </a:pPr>
+            <a:r>
+              <a:rPr lang="en-GB"/>
+              <a:t>TRASHING BILLBOARD: place your bullshit thoughts here so we can pull it down the drain (especially you, </a:t>
+            </a:r>
+            <a:r>
+              <a:rPr lang="en-GB" err="1"/>
+              <a:t>roy</a:t>
+            </a:r>
+            <a:r>
+              <a:rPr lang="en-GB"/>
+              <a:t>) </a:t>
+            </a:r>
+          </a:p>
+          <a:p>
+            <a:pPr marL="457200" indent="-457200">
+              <a:buFont typeface="Calibri" panose="020B0604020202020204" pitchFamily="34" charset="0"/>
+              <a:buChar char="-"/>
+            </a:pPr>
+            <a:r>
+              <a:rPr lang="en-GB" i="1" err="1"/>
+              <a:t>Im</a:t>
+            </a:r>
+            <a:r>
+              <a:rPr lang="en-GB" i="1"/>
+              <a:t> </a:t>
+            </a:r>
+            <a:r>
+              <a:rPr lang="en-GB" i="1" err="1"/>
+              <a:t>gonna</a:t>
+            </a:r>
+            <a:r>
+              <a:rPr lang="en-GB" i="1"/>
+              <a:t> push you around, well I will, well I will / </a:t>
+            </a:r>
+            <a:r>
+              <a:rPr lang="en-GB" i="1" err="1"/>
+              <a:t>Im</a:t>
+            </a:r>
+            <a:r>
+              <a:rPr lang="en-GB" i="1"/>
+              <a:t> </a:t>
+            </a:r>
+            <a:r>
+              <a:rPr lang="en-GB" i="1" err="1"/>
+              <a:t>gonna</a:t>
+            </a:r>
+            <a:r>
+              <a:rPr lang="en-GB" i="1"/>
+              <a:t> take you for </a:t>
+            </a:r>
+            <a:r>
+              <a:rPr lang="en-GB" i="1" err="1"/>
+              <a:t>grantererererererererered</a:t>
+            </a:r>
+            <a:r>
+              <a:rPr lang="en-GB" i="1"/>
+              <a:t> (Gregorian catholic music, cc 1504, Vatican City) </a:t>
+            </a:r>
           </a:p>
         </p:txBody>
       </p:sp>
     </p:spTree>
     <p:extLst>
       <p:ext uri="{BB962C8B-B14F-4D97-AF65-F5344CB8AC3E}">
-        <p14:creationId xmlns:p14="http://schemas.microsoft.com/office/powerpoint/2010/main" val="3596416156"/>
+        <p14:creationId xmlns:p14="http://schemas.microsoft.com/office/powerpoint/2010/main" val="3751505815"/>
       </p:ext>
     </p:extLst>
   </p:cSld>
@@ -4832,7 +7317,7 @@
 </p:sld>
 </file>
 
-<file path=ppt/slides/slide4.xml><?xml version="1.0" encoding="utf-8"?>
+<file path=ppt/slides/slide13.xml><?xml version="1.0" encoding="utf-8"?>
 <p:sld xmlns:a="http://schemas.openxmlformats.org/drawingml/2006/main" xmlns:r="http://schemas.openxmlformats.org/officeDocument/2006/relationships" xmlns:p="http://schemas.openxmlformats.org/presentationml/2006/main">
   <p:cSld>
     <p:spTree>
@@ -4854,7 +7339,2954 @@
           <p:cNvPr id="2" name="Title 1">
             <a:extLst>
               <a:ext uri="{FF2B5EF4-FFF2-40B4-BE49-F238E27FC236}">
-                <a16:creationId xmlns:a16="http://schemas.microsoft.com/office/drawing/2014/main" id="{9DA16EE9-A1C6-5746-186A-A83C444481EE}"/>
+                <a16:creationId xmlns:a16="http://schemas.microsoft.com/office/drawing/2014/main" id="{C467D37A-286A-5967-A2D3-A3CB3B01E5C0}"/>
+              </a:ext>
+            </a:extLst>
+          </p:cNvPr>
+          <p:cNvSpPr>
+            <a:spLocks noGrp="1"/>
+          </p:cNvSpPr>
+          <p:nvPr>
+            <p:ph type="title"/>
+          </p:nvPr>
+        </p:nvSpPr>
+        <p:spPr/>
+        <p:txBody>
+          <a:bodyPr>
+            <a:normAutofit fontScale="90000"/>
+          </a:bodyPr>
+          <a:lstStyle/>
+          <a:p>
+            <a:r>
+              <a:rPr lang="fi-FI" err="1">
+                <a:ea typeface="+mj-lt"/>
+                <a:cs typeface="+mj-lt"/>
+              </a:rPr>
+              <a:t>Analyzing</a:t>
+            </a:r>
+            <a:r>
+              <a:rPr lang="fi-FI">
+                <a:ea typeface="+mj-lt"/>
+                <a:cs typeface="+mj-lt"/>
+              </a:rPr>
+              <a:t> </a:t>
+            </a:r>
+            <a:r>
+              <a:rPr lang="fi-FI" err="1">
+                <a:ea typeface="+mj-lt"/>
+                <a:cs typeface="+mj-lt"/>
+              </a:rPr>
+              <a:t>dependency</a:t>
+            </a:r>
+            <a:r>
+              <a:rPr lang="fi-FI">
+                <a:ea typeface="+mj-lt"/>
+                <a:cs typeface="+mj-lt"/>
+              </a:rPr>
+              <a:t> </a:t>
+            </a:r>
+            <a:r>
+              <a:rPr lang="fi-FI" err="1">
+                <a:ea typeface="+mj-lt"/>
+                <a:cs typeface="+mj-lt"/>
+              </a:rPr>
+              <a:t>between</a:t>
+            </a:r>
+            <a:r>
+              <a:rPr lang="fi-FI">
+                <a:ea typeface="+mj-lt"/>
+                <a:cs typeface="+mj-lt"/>
+              </a:rPr>
+              <a:t> </a:t>
+            </a:r>
+            <a:r>
+              <a:rPr lang="fi-FI" err="1">
+                <a:ea typeface="+mj-lt"/>
+                <a:cs typeface="+mj-lt"/>
+              </a:rPr>
+              <a:t>variables</a:t>
+            </a:r>
+            <a:r>
+              <a:rPr lang="fi-FI">
+                <a:ea typeface="+mj-lt"/>
+                <a:cs typeface="+mj-lt"/>
+              </a:rPr>
+              <a:t> </a:t>
+            </a:r>
+            <a:r>
+              <a:rPr lang="fi-FI" err="1">
+                <a:ea typeface="+mj-lt"/>
+                <a:cs typeface="+mj-lt"/>
+              </a:rPr>
+              <a:t>education</a:t>
+            </a:r>
+            <a:r>
+              <a:rPr lang="fi-FI">
+                <a:ea typeface="+mj-lt"/>
+                <a:cs typeface="+mj-lt"/>
+              </a:rPr>
+              <a:t> and </a:t>
+            </a:r>
+            <a:r>
+              <a:rPr lang="fi-FI" err="1">
+                <a:ea typeface="+mj-lt"/>
+                <a:cs typeface="+mj-lt"/>
+              </a:rPr>
+              <a:t>years</a:t>
+            </a:r>
+            <a:r>
+              <a:rPr lang="fi-FI">
+                <a:ea typeface="+mj-lt"/>
+                <a:cs typeface="+mj-lt"/>
+              </a:rPr>
+              <a:t> of </a:t>
+            </a:r>
+            <a:r>
+              <a:rPr lang="fi-FI" err="1">
+                <a:ea typeface="+mj-lt"/>
+                <a:cs typeface="+mj-lt"/>
+              </a:rPr>
+              <a:t>service</a:t>
+            </a:r>
+            <a:r>
+              <a:rPr lang="fi-FI">
+                <a:ea typeface="+mj-lt"/>
+                <a:cs typeface="+mj-lt"/>
+              </a:rPr>
+              <a:t> (Viki) </a:t>
+            </a:r>
+            <a:endParaRPr lang="fi-FI"/>
+          </a:p>
+        </p:txBody>
+      </p:sp>
+      <p:sp>
+        <p:nvSpPr>
+          <p:cNvPr id="3" name="Content Placeholder 2">
+            <a:extLst>
+              <a:ext uri="{FF2B5EF4-FFF2-40B4-BE49-F238E27FC236}">
+                <a16:creationId xmlns:a16="http://schemas.microsoft.com/office/drawing/2014/main" id="{7F2E4967-6631-E036-3C10-AB476F921C5F}"/>
+              </a:ext>
+            </a:extLst>
+          </p:cNvPr>
+          <p:cNvSpPr>
+            <a:spLocks noGrp="1"/>
+          </p:cNvSpPr>
+          <p:nvPr>
+            <p:ph idx="1"/>
+          </p:nvPr>
+        </p:nvSpPr>
+        <p:spPr>
+          <a:xfrm>
+            <a:off x="458694" y="1949450"/>
+            <a:ext cx="5543514" cy="4195763"/>
+          </a:xfrm>
+        </p:spPr>
+        <p:txBody>
+          <a:bodyPr vert="horz" lIns="91440" tIns="45720" rIns="91440" bIns="45720" rtlCol="0" anchor="t">
+            <a:normAutofit/>
+          </a:bodyPr>
+          <a:lstStyle/>
+          <a:p>
+            <a:r>
+              <a:rPr lang="en-US" sz="1900">
+                <a:ea typeface="+mn-lt"/>
+                <a:cs typeface="+mn-lt"/>
+              </a:rPr>
+              <a:t>Here we analyze, whether there is dependency between variables education and years of service</a:t>
+            </a:r>
+            <a:endParaRPr lang="LID4096"/>
+          </a:p>
+          <a:p>
+            <a:r>
+              <a:rPr lang="en-US" sz="1900">
+                <a:ea typeface="+mn-lt"/>
+                <a:cs typeface="+mn-lt"/>
+              </a:rPr>
+              <a:t>As it is shown, the higher the education level, the lower the years of service is, which indicates that those participants, who quit education obtain more years of work experience </a:t>
+            </a:r>
+            <a:endParaRPr lang="LID4096"/>
+          </a:p>
+          <a:p>
+            <a:r>
+              <a:rPr lang="en-US" sz="1900">
+                <a:ea typeface="+mn-lt"/>
+                <a:cs typeface="+mn-lt"/>
+              </a:rPr>
+              <a:t>It seems that people who graduate secondary school are more likely to work then continue their path to higher education (17 people with fresh work experience) </a:t>
+            </a:r>
+            <a:endParaRPr lang="LID4096"/>
+          </a:p>
+          <a:p>
+            <a:endParaRPr lang="LID4096"/>
+          </a:p>
+        </p:txBody>
+      </p:sp>
+      <p:pic>
+        <p:nvPicPr>
+          <p:cNvPr id="5" name="Kuva 4" descr="Kuva, joka sisältää kohteen teksti, kuvakaappaus, diagrammi, viiva&#10;&#10;Kuvaus luotu automaattisesti">
+            <a:extLst>
+              <a:ext uri="{FF2B5EF4-FFF2-40B4-BE49-F238E27FC236}">
+                <a16:creationId xmlns:a16="http://schemas.microsoft.com/office/drawing/2014/main" id="{3746FFB8-CB00-DA0E-CC83-3F8B80704B55}"/>
+              </a:ext>
+            </a:extLst>
+          </p:cNvPr>
+          <p:cNvPicPr>
+            <a:picLocks noChangeAspect="1"/>
+          </p:cNvPicPr>
+          <p:nvPr/>
+        </p:nvPicPr>
+        <p:blipFill>
+          <a:blip r:embed="rId2"/>
+          <a:stretch>
+            <a:fillRect/>
+          </a:stretch>
+        </p:blipFill>
+        <p:spPr>
+          <a:xfrm>
+            <a:off x="6699161" y="3424096"/>
+            <a:ext cx="4707227" cy="2971950"/>
+          </a:xfrm>
+          <a:prstGeom prst="rect">
+            <a:avLst/>
+          </a:prstGeom>
+        </p:spPr>
+      </p:pic>
+      <p:pic>
+        <p:nvPicPr>
+          <p:cNvPr id="6" name="Kuva 5" descr="Kuva, joka sisältää kohteen teksti, kuvakaappaus, Fontti, numero&#10;&#10;Kuvaus luotu automaattisesti">
+            <a:extLst>
+              <a:ext uri="{FF2B5EF4-FFF2-40B4-BE49-F238E27FC236}">
+                <a16:creationId xmlns:a16="http://schemas.microsoft.com/office/drawing/2014/main" id="{F2B7F44B-D5B4-17C7-5D2E-B87E3E17631B}"/>
+              </a:ext>
+            </a:extLst>
+          </p:cNvPr>
+          <p:cNvPicPr>
+            <a:picLocks noChangeAspect="1"/>
+          </p:cNvPicPr>
+          <p:nvPr/>
+        </p:nvPicPr>
+        <p:blipFill>
+          <a:blip r:embed="rId3"/>
+          <a:stretch>
+            <a:fillRect/>
+          </a:stretch>
+        </p:blipFill>
+        <p:spPr>
+          <a:xfrm>
+            <a:off x="7021132" y="2042097"/>
+            <a:ext cx="4331594" cy="1324933"/>
+          </a:xfrm>
+          <a:prstGeom prst="rect">
+            <a:avLst/>
+          </a:prstGeom>
+        </p:spPr>
+      </p:pic>
+    </p:spTree>
+    <p:extLst>
+      <p:ext uri="{BB962C8B-B14F-4D97-AF65-F5344CB8AC3E}">
+        <p14:creationId xmlns:p14="http://schemas.microsoft.com/office/powerpoint/2010/main" val="435654270"/>
+      </p:ext>
+    </p:extLst>
+  </p:cSld>
+  <p:clrMapOvr>
+    <a:masterClrMapping/>
+  </p:clrMapOvr>
+</p:sld>
+</file>
+
+<file path=ppt/slides/slide14.xml><?xml version="1.0" encoding="utf-8"?>
+<p:sld xmlns:a="http://schemas.openxmlformats.org/drawingml/2006/main" xmlns:r="http://schemas.openxmlformats.org/officeDocument/2006/relationships" xmlns:p="http://schemas.openxmlformats.org/presentationml/2006/main">
+  <p:cSld>
+    <p:spTree>
+      <p:nvGrpSpPr>
+        <p:cNvPr id="1" name=""/>
+        <p:cNvGrpSpPr/>
+        <p:nvPr/>
+      </p:nvGrpSpPr>
+      <p:grpSpPr>
+        <a:xfrm>
+          <a:off x="0" y="0"/>
+          <a:ext cx="0" cy="0"/>
+          <a:chOff x="0" y="0"/>
+          <a:chExt cx="0" cy="0"/>
+        </a:xfrm>
+      </p:grpSpPr>
+      <p:sp>
+        <p:nvSpPr>
+          <p:cNvPr id="2" name="Otsikko 1">
+            <a:extLst>
+              <a:ext uri="{FF2B5EF4-FFF2-40B4-BE49-F238E27FC236}">
+                <a16:creationId xmlns:a16="http://schemas.microsoft.com/office/drawing/2014/main" id="{25EBB419-52F1-F773-5B78-04CD3918F1CA}"/>
+              </a:ext>
+            </a:extLst>
+          </p:cNvPr>
+          <p:cNvSpPr>
+            <a:spLocks noGrp="1"/>
+          </p:cNvSpPr>
+          <p:nvPr>
+            <p:ph type="title"/>
+          </p:nvPr>
+        </p:nvSpPr>
+        <p:spPr/>
+        <p:txBody>
+          <a:bodyPr>
+            <a:normAutofit fontScale="90000"/>
+          </a:bodyPr>
+          <a:lstStyle/>
+          <a:p>
+            <a:r>
+              <a:rPr lang="fi-FI" sz="4000" err="1">
+                <a:ea typeface="+mj-lt"/>
+                <a:cs typeface="+mj-lt"/>
+              </a:rPr>
+              <a:t>Analyzing</a:t>
+            </a:r>
+            <a:r>
+              <a:rPr lang="fi-FI" sz="4000">
+                <a:ea typeface="+mj-lt"/>
+                <a:cs typeface="+mj-lt"/>
+              </a:rPr>
+              <a:t> </a:t>
+            </a:r>
+            <a:r>
+              <a:rPr lang="fi-FI" sz="4000" err="1">
+                <a:ea typeface="+mj-lt"/>
+                <a:cs typeface="+mj-lt"/>
+              </a:rPr>
+              <a:t>dependency</a:t>
+            </a:r>
+            <a:r>
+              <a:rPr lang="fi-FI" sz="4000">
+                <a:ea typeface="+mj-lt"/>
+                <a:cs typeface="+mj-lt"/>
+              </a:rPr>
+              <a:t> </a:t>
+            </a:r>
+            <a:r>
+              <a:rPr lang="fi-FI" sz="4000" err="1">
+                <a:ea typeface="+mj-lt"/>
+                <a:cs typeface="+mj-lt"/>
+              </a:rPr>
+              <a:t>between</a:t>
+            </a:r>
+            <a:r>
+              <a:rPr lang="fi-FI" sz="4000">
+                <a:ea typeface="+mj-lt"/>
+                <a:cs typeface="+mj-lt"/>
+              </a:rPr>
+              <a:t> </a:t>
+            </a:r>
+            <a:r>
+              <a:rPr lang="fi-FI" sz="4000" err="1">
+                <a:ea typeface="+mj-lt"/>
+                <a:cs typeface="+mj-lt"/>
+              </a:rPr>
+              <a:t>variables</a:t>
+            </a:r>
+            <a:r>
+              <a:rPr lang="fi-FI" sz="4000">
+                <a:ea typeface="+mj-lt"/>
+                <a:cs typeface="+mj-lt"/>
+              </a:rPr>
+              <a:t> </a:t>
+            </a:r>
+            <a:r>
+              <a:rPr lang="fi-FI" sz="4000" err="1">
+                <a:ea typeface="+mj-lt"/>
+                <a:cs typeface="+mj-lt"/>
+              </a:rPr>
+              <a:t>years</a:t>
+            </a:r>
+            <a:r>
+              <a:rPr lang="fi-FI" sz="4000">
+                <a:ea typeface="+mj-lt"/>
+                <a:cs typeface="+mj-lt"/>
+              </a:rPr>
+              <a:t> of </a:t>
+            </a:r>
+            <a:r>
+              <a:rPr lang="fi-FI" sz="4000" err="1">
+                <a:ea typeface="+mj-lt"/>
+                <a:cs typeface="+mj-lt"/>
+              </a:rPr>
+              <a:t>service</a:t>
+            </a:r>
+            <a:r>
+              <a:rPr lang="fi-FI" sz="4000">
+                <a:ea typeface="+mj-lt"/>
+                <a:cs typeface="+mj-lt"/>
+              </a:rPr>
+              <a:t> and </a:t>
+            </a:r>
+            <a:r>
+              <a:rPr lang="fi-FI" sz="4000" err="1">
+                <a:ea typeface="+mj-lt"/>
+                <a:cs typeface="+mj-lt"/>
+              </a:rPr>
+              <a:t>working</a:t>
+            </a:r>
+            <a:r>
+              <a:rPr lang="fi-FI" sz="4000">
+                <a:ea typeface="+mj-lt"/>
+                <a:cs typeface="+mj-lt"/>
+              </a:rPr>
+              <a:t> </a:t>
+            </a:r>
+            <a:r>
+              <a:rPr lang="fi-FI" sz="4000" err="1">
+                <a:ea typeface="+mj-lt"/>
+                <a:cs typeface="+mj-lt"/>
+              </a:rPr>
+              <a:t>environment</a:t>
+            </a:r>
+            <a:r>
+              <a:rPr lang="fi-FI" sz="4000">
+                <a:ea typeface="+mj-lt"/>
+                <a:cs typeface="+mj-lt"/>
+              </a:rPr>
+              <a:t> satisfaction (Viki) </a:t>
+            </a:r>
+          </a:p>
+        </p:txBody>
+      </p:sp>
+      <p:sp>
+        <p:nvSpPr>
+          <p:cNvPr id="3" name="Sisällön paikkamerkki 2">
+            <a:extLst>
+              <a:ext uri="{FF2B5EF4-FFF2-40B4-BE49-F238E27FC236}">
+                <a16:creationId xmlns:a16="http://schemas.microsoft.com/office/drawing/2014/main" id="{9A2FD7DE-30B6-CD30-B786-0E97D6FCF335}"/>
+              </a:ext>
+            </a:extLst>
+          </p:cNvPr>
+          <p:cNvSpPr>
+            <a:spLocks noGrp="1"/>
+          </p:cNvSpPr>
+          <p:nvPr>
+            <p:ph idx="1"/>
+          </p:nvPr>
+        </p:nvSpPr>
+        <p:spPr/>
+        <p:txBody>
+          <a:bodyPr vert="horz" lIns="91440" tIns="45720" rIns="91440" bIns="45720" rtlCol="0" anchor="t">
+            <a:normAutofit/>
+          </a:bodyPr>
+          <a:lstStyle/>
+          <a:p>
+            <a:r>
+              <a:rPr lang="fi-FI" err="1"/>
+              <a:t>Working</a:t>
+            </a:r>
+            <a:r>
+              <a:rPr lang="fi-FI"/>
+              <a:t> </a:t>
+            </a:r>
+            <a:r>
+              <a:rPr lang="fi-FI" err="1"/>
+              <a:t>experience</a:t>
+            </a:r>
+            <a:r>
+              <a:rPr lang="fi-FI"/>
+              <a:t> </a:t>
+            </a:r>
+            <a:r>
+              <a:rPr lang="fi-FI" err="1"/>
+              <a:t>bins</a:t>
+            </a:r>
+            <a:r>
+              <a:rPr lang="fi-FI"/>
+              <a:t> – values between 1-5</a:t>
+            </a:r>
+          </a:p>
+        </p:txBody>
+      </p:sp>
+    </p:spTree>
+    <p:extLst>
+      <p:ext uri="{BB962C8B-B14F-4D97-AF65-F5344CB8AC3E}">
+        <p14:creationId xmlns:p14="http://schemas.microsoft.com/office/powerpoint/2010/main" val="2351471326"/>
+      </p:ext>
+    </p:extLst>
+  </p:cSld>
+  <p:clrMapOvr>
+    <a:masterClrMapping/>
+  </p:clrMapOvr>
+</p:sld>
+</file>
+
+<file path=ppt/slides/slide2.xml><?xml version="1.0" encoding="utf-8"?>
+<p:sld xmlns:a="http://schemas.openxmlformats.org/drawingml/2006/main" xmlns:r="http://schemas.openxmlformats.org/officeDocument/2006/relationships" xmlns:p="http://schemas.openxmlformats.org/presentationml/2006/main">
+  <p:cSld>
+    <p:bg>
+      <p:bgPr>
+        <a:solidFill>
+          <a:schemeClr val="bg1"/>
+        </a:solidFill>
+        <a:effectLst/>
+      </p:bgPr>
+    </p:bg>
+    <p:spTree>
+      <p:nvGrpSpPr>
+        <p:cNvPr id="1" name=""/>
+        <p:cNvGrpSpPr/>
+        <p:nvPr/>
+      </p:nvGrpSpPr>
+      <p:grpSpPr>
+        <a:xfrm>
+          <a:off x="0" y="0"/>
+          <a:ext cx="0" cy="0"/>
+          <a:chOff x="0" y="0"/>
+          <a:chExt cx="0" cy="0"/>
+        </a:xfrm>
+      </p:grpSpPr>
+      <p:sp useBgFill="1">
+        <p:nvSpPr>
+          <p:cNvPr id="8" name="Rectangle 7">
+            <a:extLst>
+              <a:ext uri="{FF2B5EF4-FFF2-40B4-BE49-F238E27FC236}">
+                <a16:creationId xmlns:a16="http://schemas.microsoft.com/office/drawing/2014/main" id="{8651CFA9-6065-4243-AC48-858E359780B1}"/>
+              </a:ext>
+              <a:ext uri="{C183D7F6-B498-43B3-948B-1728B52AA6E4}">
+                <adec:decorative xmlns:adec="http://schemas.microsoft.com/office/drawing/2017/decorative" val="1"/>
+              </a:ext>
+            </a:extLst>
+          </p:cNvPr>
+          <p:cNvSpPr>
+            <a:spLocks noGrp="1" noRot="1" noChangeAspect="1" noMove="1" noResize="1" noEditPoints="1" noAdjustHandles="1" noChangeArrowheads="1" noChangeShapeType="1" noTextEdit="1"/>
+          </p:cNvSpPr>
+          <p:nvPr>
+            <p:extLst>
+              <p:ext uri="{386F3935-93C4-4BCD-93E2-E3B085C9AB24}">
+                <p16:designElem xmlns:p16="http://schemas.microsoft.com/office/powerpoint/2015/main" val="1"/>
+              </p:ext>
+            </p:extLst>
+          </p:nvPr>
+        </p:nvSpPr>
+        <p:spPr>
+          <a:xfrm>
+            <a:off x="0" y="0"/>
+            <a:ext cx="12188952" cy="6858000"/>
+          </a:xfrm>
+          <a:prstGeom prst="rect">
+            <a:avLst/>
+          </a:prstGeom>
+          <a:ln>
+            <a:noFill/>
+          </a:ln>
+        </p:spPr>
+        <p:style>
+          <a:lnRef idx="2">
+            <a:schemeClr val="accent1">
+              <a:shade val="50000"/>
+            </a:schemeClr>
+          </a:lnRef>
+          <a:fillRef idx="1">
+            <a:schemeClr val="accent1"/>
+          </a:fillRef>
+          <a:effectRef idx="0">
+            <a:schemeClr val="accent1"/>
+          </a:effectRef>
+          <a:fontRef idx="minor">
+            <a:schemeClr val="lt1"/>
+          </a:fontRef>
+        </p:style>
+        <p:txBody>
+          <a:bodyPr rtlCol="0" anchor="ctr"/>
+          <a:lstStyle/>
+          <a:p>
+            <a:pPr algn="ctr"/>
+            <a:endParaRPr lang="en-US">
+              <a:solidFill>
+                <a:schemeClr val="tx1">
+                  <a:lumMod val="65000"/>
+                  <a:lumOff val="35000"/>
+                </a:schemeClr>
+              </a:solidFill>
+              <a:latin typeface="AvenirNext LT Pro Medium" panose="020B0504020202020204" pitchFamily="34" charset="0"/>
+            </a:endParaRPr>
+          </a:p>
+        </p:txBody>
+      </p:sp>
+      <p:sp>
+        <p:nvSpPr>
+          <p:cNvPr id="10" name="Rectangle 9">
+            <a:extLst>
+              <a:ext uri="{FF2B5EF4-FFF2-40B4-BE49-F238E27FC236}">
+                <a16:creationId xmlns:a16="http://schemas.microsoft.com/office/drawing/2014/main" id="{7462BFBC-0E19-4E6F-B0C7-CD5C519BC311}"/>
+              </a:ext>
+              <a:ext uri="{C183D7F6-B498-43B3-948B-1728B52AA6E4}">
+                <adec:decorative xmlns:adec="http://schemas.microsoft.com/office/drawing/2017/decorative" val="1"/>
+              </a:ext>
+            </a:extLst>
+          </p:cNvPr>
+          <p:cNvSpPr>
+            <a:spLocks noGrp="1" noRot="1" noChangeAspect="1" noMove="1" noResize="1" noEditPoints="1" noAdjustHandles="1" noChangeArrowheads="1" noChangeShapeType="1" noTextEdit="1"/>
+          </p:cNvSpPr>
+          <p:nvPr>
+            <p:extLst>
+              <p:ext uri="{386F3935-93C4-4BCD-93E2-E3B085C9AB24}">
+                <p16:designElem xmlns:p16="http://schemas.microsoft.com/office/powerpoint/2015/main" val="1"/>
+              </p:ext>
+            </p:extLst>
+          </p:nvPr>
+        </p:nvSpPr>
+        <p:spPr>
+          <a:xfrm>
+            <a:off x="0" y="0"/>
+            <a:ext cx="12188952" cy="6858000"/>
+          </a:xfrm>
+          <a:prstGeom prst="rect">
+            <a:avLst/>
+          </a:prstGeom>
+          <a:solidFill>
+            <a:schemeClr val="accent1"/>
+          </a:solidFill>
+          <a:ln>
+            <a:noFill/>
+          </a:ln>
+        </p:spPr>
+        <p:style>
+          <a:lnRef idx="2">
+            <a:schemeClr val="accent1">
+              <a:shade val="50000"/>
+            </a:schemeClr>
+          </a:lnRef>
+          <a:fillRef idx="1">
+            <a:schemeClr val="accent1"/>
+          </a:fillRef>
+          <a:effectRef idx="0">
+            <a:schemeClr val="accent1"/>
+          </a:effectRef>
+          <a:fontRef idx="minor">
+            <a:schemeClr val="lt1"/>
+          </a:fontRef>
+        </p:style>
+        <p:txBody>
+          <a:bodyPr rtlCol="0" anchor="ctr"/>
+          <a:lstStyle/>
+          <a:p>
+            <a:pPr algn="ctr"/>
+            <a:endParaRPr lang="en-US">
+              <a:solidFill>
+                <a:schemeClr val="tx1">
+                  <a:lumMod val="65000"/>
+                  <a:lumOff val="35000"/>
+                </a:schemeClr>
+              </a:solidFill>
+              <a:latin typeface="AvenirNext LT Pro Medium" panose="020B0504020202020204" pitchFamily="34" charset="0"/>
+            </a:endParaRPr>
+          </a:p>
+        </p:txBody>
+      </p:sp>
+      <p:grpSp>
+        <p:nvGrpSpPr>
+          <p:cNvPr id="12" name="Group 11">
+            <a:extLst>
+              <a:ext uri="{FF2B5EF4-FFF2-40B4-BE49-F238E27FC236}">
+                <a16:creationId xmlns:a16="http://schemas.microsoft.com/office/drawing/2014/main" id="{F2C2A007-4AE9-49C4-B364-5FDF34596224}"/>
+              </a:ext>
+              <a:ext uri="{C183D7F6-B498-43B3-948B-1728B52AA6E4}">
+                <adec:decorative xmlns:adec="http://schemas.microsoft.com/office/drawing/2017/decorative" val="1"/>
+              </a:ext>
+            </a:extLst>
+          </p:cNvPr>
+          <p:cNvGrpSpPr>
+            <a:grpSpLocks noGrp="1" noUngrp="1" noRot="1" noChangeAspect="1" noMove="1" noResize="1"/>
+          </p:cNvGrpSpPr>
+          <p:nvPr>
+            <p:extLst>
+              <p:ext uri="{386F3935-93C4-4BCD-93E2-E3B085C9AB24}">
+                <p16:designElem xmlns:p16="http://schemas.microsoft.com/office/powerpoint/2015/main" val="1"/>
+              </p:ext>
+            </p:extLst>
+          </p:nvPr>
+        </p:nvGrpSpPr>
+        <p:grpSpPr>
+          <a:xfrm flipV="1">
+            <a:off x="0" y="1"/>
+            <a:ext cx="5236971" cy="6858000"/>
+            <a:chOff x="20829" y="1"/>
+            <a:chExt cx="5236971" cy="6857999"/>
+          </a:xfrm>
+        </p:grpSpPr>
+        <p:pic>
+          <p:nvPicPr>
+            <p:cNvPr id="13" name="Picture 12">
+              <a:extLst>
+                <a:ext uri="{FF2B5EF4-FFF2-40B4-BE49-F238E27FC236}">
+                  <a16:creationId xmlns:a16="http://schemas.microsoft.com/office/drawing/2014/main" id="{7078F960-6916-4F42-8EF7-539F7BCF6E18}"/>
+                </a:ext>
+                <a:ext uri="{C183D7F6-B498-43B3-948B-1728B52AA6E4}">
+                  <adec:decorative xmlns:adec="http://schemas.microsoft.com/office/drawing/2017/decorative" val="1"/>
+                </a:ext>
+              </a:extLst>
+            </p:cNvPr>
+            <p:cNvPicPr>
+              <a:picLocks noChangeAspect="1"/>
+            </p:cNvPicPr>
+            <p:nvPr>
+              <p:extLst>
+                <p:ext uri="{386F3935-93C4-4BCD-93E2-E3B085C9AB24}">
+                  <p16:designElem xmlns:p16="http://schemas.microsoft.com/office/powerpoint/2015/main" val="1"/>
+                </p:ext>
+              </p:extLst>
+            </p:nvPr>
+          </p:nvPicPr>
+          <p:blipFill>
+            <a:blip r:embed="rId2">
+              <a:alphaModFix amt="15000"/>
+              <a:extLst>
+                <a:ext uri="{28A0092B-C50C-407E-A947-70E740481C1C}">
+                  <a14:useLocalDpi xmlns:a14="http://schemas.microsoft.com/office/drawing/2010/main" val="0"/>
+                </a:ext>
+              </a:extLst>
+            </a:blip>
+            <a:stretch>
+              <a:fillRect/>
+            </a:stretch>
+          </p:blipFill>
+          <p:spPr>
+            <a:xfrm>
+              <a:off x="20829" y="692703"/>
+              <a:ext cx="5236971" cy="6165297"/>
+            </a:xfrm>
+            <a:prstGeom prst="rect">
+              <a:avLst/>
+            </a:prstGeom>
+          </p:spPr>
+        </p:pic>
+        <p:pic>
+          <p:nvPicPr>
+            <p:cNvPr id="14" name="Picture 13">
+              <a:extLst>
+                <a:ext uri="{FF2B5EF4-FFF2-40B4-BE49-F238E27FC236}">
+                  <a16:creationId xmlns:a16="http://schemas.microsoft.com/office/drawing/2014/main" id="{5DDD393C-0974-429B-BE40-48457E19E488}"/>
+                </a:ext>
+                <a:ext uri="{C183D7F6-B498-43B3-948B-1728B52AA6E4}">
+                  <adec:decorative xmlns:adec="http://schemas.microsoft.com/office/drawing/2017/decorative" val="1"/>
+                </a:ext>
+              </a:extLst>
+            </p:cNvPr>
+            <p:cNvPicPr>
+              <a:picLocks noChangeAspect="1"/>
+            </p:cNvPicPr>
+            <p:nvPr>
+              <p:extLst>
+                <p:ext uri="{386F3935-93C4-4BCD-93E2-E3B085C9AB24}">
+                  <p16:designElem xmlns:p16="http://schemas.microsoft.com/office/powerpoint/2015/main" val="1"/>
+                </p:ext>
+              </p:extLst>
+            </p:nvPr>
+          </p:nvPicPr>
+          <p:blipFill rotWithShape="1">
+            <a:blip r:embed="rId2">
+              <a:alphaModFix amt="8000"/>
+              <a:extLst>
+                <a:ext uri="{28A0092B-C50C-407E-A947-70E740481C1C}">
+                  <a14:useLocalDpi xmlns:a14="http://schemas.microsoft.com/office/drawing/2010/main" val="0"/>
+                </a:ext>
+              </a:extLst>
+            </a:blip>
+            <a:srcRect l="19154" b="19117"/>
+            <a:stretch/>
+          </p:blipFill>
+          <p:spPr>
+            <a:xfrm rot="5400000">
+              <a:off x="393956" y="-373126"/>
+              <a:ext cx="4197222" cy="4943475"/>
+            </a:xfrm>
+            <a:prstGeom prst="rect">
+              <a:avLst/>
+            </a:prstGeom>
+          </p:spPr>
+        </p:pic>
+      </p:grpSp>
+      <p:sp>
+        <p:nvSpPr>
+          <p:cNvPr id="16" name="Rectangle 15">
+            <a:extLst>
+              <a:ext uri="{FF2B5EF4-FFF2-40B4-BE49-F238E27FC236}">
+                <a16:creationId xmlns:a16="http://schemas.microsoft.com/office/drawing/2014/main" id="{D813CD98-5EBE-426D-A4AC-FA5518B099DE}"/>
+              </a:ext>
+              <a:ext uri="{C183D7F6-B498-43B3-948B-1728B52AA6E4}">
+                <adec:decorative xmlns:adec="http://schemas.microsoft.com/office/drawing/2017/decorative" val="1"/>
+              </a:ext>
+            </a:extLst>
+          </p:cNvPr>
+          <p:cNvSpPr>
+            <a:spLocks noGrp="1" noRot="1" noChangeAspect="1" noMove="1" noResize="1" noEditPoints="1" noAdjustHandles="1" noChangeArrowheads="1" noChangeShapeType="1" noTextEdit="1"/>
+          </p:cNvSpPr>
+          <p:nvPr>
+            <p:extLst>
+              <p:ext uri="{386F3935-93C4-4BCD-93E2-E3B085C9AB24}">
+                <p16:designElem xmlns:p16="http://schemas.microsoft.com/office/powerpoint/2015/main" val="1"/>
+              </p:ext>
+            </p:extLst>
+          </p:nvPr>
+        </p:nvSpPr>
+        <p:spPr>
+          <a:xfrm>
+            <a:off x="684276" y="685800"/>
+            <a:ext cx="10820400" cy="5486400"/>
+          </a:xfrm>
+          <a:prstGeom prst="rect">
+            <a:avLst/>
+          </a:prstGeom>
+          <a:solidFill>
+            <a:schemeClr val="bg1"/>
+          </a:solidFill>
+          <a:ln>
+            <a:noFill/>
+          </a:ln>
+        </p:spPr>
+        <p:style>
+          <a:lnRef idx="2">
+            <a:schemeClr val="accent1">
+              <a:shade val="50000"/>
+            </a:schemeClr>
+          </a:lnRef>
+          <a:fillRef idx="1">
+            <a:schemeClr val="accent1"/>
+          </a:fillRef>
+          <a:effectRef idx="0">
+            <a:schemeClr val="accent1"/>
+          </a:effectRef>
+          <a:fontRef idx="minor">
+            <a:schemeClr val="lt1"/>
+          </a:fontRef>
+        </p:style>
+        <p:txBody>
+          <a:bodyPr rtlCol="0" anchor="ctr"/>
+          <a:lstStyle/>
+          <a:p>
+            <a:pPr algn="ctr"/>
+            <a:endParaRPr lang="en-US"/>
+          </a:p>
+        </p:txBody>
+      </p:sp>
+      <p:sp>
+        <p:nvSpPr>
+          <p:cNvPr id="18" name="Rectangle 17">
+            <a:extLst>
+              <a:ext uri="{FF2B5EF4-FFF2-40B4-BE49-F238E27FC236}">
+                <a16:creationId xmlns:a16="http://schemas.microsoft.com/office/drawing/2014/main" id="{B453545A-B2D3-41EE-A91C-DBF43402DD43}"/>
+              </a:ext>
+              <a:ext uri="{C183D7F6-B498-43B3-948B-1728B52AA6E4}">
+                <adec:decorative xmlns:adec="http://schemas.microsoft.com/office/drawing/2017/decorative" val="1"/>
+              </a:ext>
+            </a:extLst>
+          </p:cNvPr>
+          <p:cNvSpPr>
+            <a:spLocks noGrp="1" noRot="1" noChangeAspect="1" noMove="1" noResize="1" noEditPoints="1" noAdjustHandles="1" noChangeArrowheads="1" noChangeShapeType="1" noTextEdit="1"/>
+          </p:cNvSpPr>
+          <p:nvPr>
+            <p:extLst>
+              <p:ext uri="{386F3935-93C4-4BCD-93E2-E3B085C9AB24}">
+                <p16:designElem xmlns:p16="http://schemas.microsoft.com/office/powerpoint/2015/main" val="1"/>
+              </p:ext>
+            </p:extLst>
+          </p:nvPr>
+        </p:nvSpPr>
+        <p:spPr>
+          <a:xfrm>
+            <a:off x="684276" y="685800"/>
+            <a:ext cx="10820400" cy="5486400"/>
+          </a:xfrm>
+          <a:prstGeom prst="rect">
+            <a:avLst/>
+          </a:prstGeom>
+          <a:solidFill>
+            <a:schemeClr val="bg2">
+              <a:lumMod val="90000"/>
+              <a:alpha val="70000"/>
+            </a:schemeClr>
+          </a:solidFill>
+          <a:ln>
+            <a:noFill/>
+          </a:ln>
+        </p:spPr>
+        <p:style>
+          <a:lnRef idx="2">
+            <a:schemeClr val="accent1">
+              <a:shade val="50000"/>
+            </a:schemeClr>
+          </a:lnRef>
+          <a:fillRef idx="1">
+            <a:schemeClr val="accent1"/>
+          </a:fillRef>
+          <a:effectRef idx="0">
+            <a:schemeClr val="accent1"/>
+          </a:effectRef>
+          <a:fontRef idx="minor">
+            <a:schemeClr val="lt1"/>
+          </a:fontRef>
+        </p:style>
+        <p:txBody>
+          <a:bodyPr rtlCol="0" anchor="ctr"/>
+          <a:lstStyle/>
+          <a:p>
+            <a:pPr algn="ctr"/>
+            <a:endParaRPr lang="en-US"/>
+          </a:p>
+        </p:txBody>
+      </p:sp>
+      <p:sp>
+        <p:nvSpPr>
+          <p:cNvPr id="2" name="Title 1">
+            <a:extLst>
+              <a:ext uri="{FF2B5EF4-FFF2-40B4-BE49-F238E27FC236}">
+                <a16:creationId xmlns:a16="http://schemas.microsoft.com/office/drawing/2014/main" id="{6E7FAB23-3BBF-1A08-4ADC-40F67AE0A9F3}"/>
+              </a:ext>
+            </a:extLst>
+          </p:cNvPr>
+          <p:cNvSpPr>
+            <a:spLocks noGrp="1"/>
+          </p:cNvSpPr>
+          <p:nvPr>
+            <p:ph type="title"/>
+          </p:nvPr>
+        </p:nvSpPr>
+        <p:spPr>
+          <a:xfrm>
+            <a:off x="1143318" y="914400"/>
+            <a:ext cx="4952681" cy="5105400"/>
+          </a:xfrm>
+        </p:spPr>
+        <p:txBody>
+          <a:bodyPr anchor="ctr">
+            <a:normAutofit/>
+          </a:bodyPr>
+          <a:lstStyle/>
+          <a:p>
+            <a:r>
+              <a:rPr lang="en-US"/>
+              <a:t>Background of the survey</a:t>
+            </a:r>
+          </a:p>
+        </p:txBody>
+      </p:sp>
+      <p:sp>
+        <p:nvSpPr>
+          <p:cNvPr id="3" name="Content Placeholder 2">
+            <a:extLst>
+              <a:ext uri="{FF2B5EF4-FFF2-40B4-BE49-F238E27FC236}">
+                <a16:creationId xmlns:a16="http://schemas.microsoft.com/office/drawing/2014/main" id="{27880FD4-D46A-B9D5-23AC-6C0D8D9629D2}"/>
+              </a:ext>
+            </a:extLst>
+          </p:cNvPr>
+          <p:cNvSpPr>
+            <a:spLocks noGrp="1"/>
+          </p:cNvSpPr>
+          <p:nvPr>
+            <p:ph idx="1"/>
+          </p:nvPr>
+        </p:nvSpPr>
+        <p:spPr>
+          <a:xfrm>
+            <a:off x="6324601" y="914400"/>
+            <a:ext cx="4800600" cy="5105400"/>
+          </a:xfrm>
+        </p:spPr>
+        <p:txBody>
+          <a:bodyPr vert="horz" lIns="91440" tIns="45720" rIns="91440" bIns="45720" rtlCol="0" anchor="ctr">
+            <a:normAutofit/>
+          </a:bodyPr>
+          <a:lstStyle/>
+          <a:p>
+            <a:r>
+              <a:rPr lang="en-US" sz="1800"/>
+              <a:t>The survey was conducted by interviewing 82 customers of our company 0</a:t>
+            </a:r>
+          </a:p>
+          <a:p>
+            <a:r>
+              <a:rPr lang="en-US" sz="1800"/>
+              <a:t>The survey measures the satisfaction of employees at their workplace, showing inputs of personal information as well</a:t>
+            </a:r>
+          </a:p>
+          <a:p>
+            <a:r>
+              <a:rPr lang="en-US" sz="1800"/>
+              <a:t>All the participants got a single candy for their effort </a:t>
+            </a:r>
+          </a:p>
+        </p:txBody>
+      </p:sp>
+    </p:spTree>
+    <p:extLst>
+      <p:ext uri="{BB962C8B-B14F-4D97-AF65-F5344CB8AC3E}">
+        <p14:creationId xmlns:p14="http://schemas.microsoft.com/office/powerpoint/2010/main" val="1499829321"/>
+      </p:ext>
+    </p:extLst>
+  </p:cSld>
+  <p:clrMapOvr>
+    <a:masterClrMapping/>
+  </p:clrMapOvr>
+</p:sld>
+</file>
+
+<file path=ppt/slides/slide3.xml><?xml version="1.0" encoding="utf-8"?>
+<p:sld xmlns:a="http://schemas.openxmlformats.org/drawingml/2006/main" xmlns:r="http://schemas.openxmlformats.org/officeDocument/2006/relationships" xmlns:p="http://schemas.openxmlformats.org/presentationml/2006/main">
+  <p:cSld>
+    <p:bg>
+      <p:bgPr>
+        <a:solidFill>
+          <a:schemeClr val="bg1"/>
+        </a:solidFill>
+        <a:effectLst/>
+      </p:bgPr>
+    </p:bg>
+    <p:spTree>
+      <p:nvGrpSpPr>
+        <p:cNvPr id="1" name=""/>
+        <p:cNvGrpSpPr/>
+        <p:nvPr/>
+      </p:nvGrpSpPr>
+      <p:grpSpPr>
+        <a:xfrm>
+          <a:off x="0" y="0"/>
+          <a:ext cx="0" cy="0"/>
+          <a:chOff x="0" y="0"/>
+          <a:chExt cx="0" cy="0"/>
+        </a:xfrm>
+      </p:grpSpPr>
+      <p:sp useBgFill="1">
+        <p:nvSpPr>
+          <p:cNvPr id="27" name="Rectangle 26">
+            <a:extLst>
+              <a:ext uri="{FF2B5EF4-FFF2-40B4-BE49-F238E27FC236}">
+                <a16:creationId xmlns:a16="http://schemas.microsoft.com/office/drawing/2014/main" id="{A4FB2F27-3F7D-440E-A905-86607A926A29}"/>
+              </a:ext>
+              <a:ext uri="{C183D7F6-B498-43B3-948B-1728B52AA6E4}">
+                <adec:decorative xmlns:adec="http://schemas.microsoft.com/office/drawing/2017/decorative" val="1"/>
+              </a:ext>
+            </a:extLst>
+          </p:cNvPr>
+          <p:cNvSpPr>
+            <a:spLocks noGrp="1" noRot="1" noChangeAspect="1" noMove="1" noResize="1" noEditPoints="1" noAdjustHandles="1" noChangeArrowheads="1" noChangeShapeType="1" noTextEdit="1"/>
+          </p:cNvSpPr>
+          <p:nvPr>
+            <p:extLst>
+              <p:ext uri="{386F3935-93C4-4BCD-93E2-E3B085C9AB24}">
+                <p16:designElem xmlns:p16="http://schemas.microsoft.com/office/powerpoint/2015/main" val="1"/>
+              </p:ext>
+            </p:extLst>
+          </p:nvPr>
+        </p:nvSpPr>
+        <p:spPr>
+          <a:xfrm>
+            <a:off x="0" y="0"/>
+            <a:ext cx="12188952" cy="6858000"/>
+          </a:xfrm>
+          <a:prstGeom prst="rect">
+            <a:avLst/>
+          </a:prstGeom>
+          <a:ln>
+            <a:noFill/>
+          </a:ln>
+        </p:spPr>
+        <p:style>
+          <a:lnRef idx="2">
+            <a:schemeClr val="accent1">
+              <a:shade val="50000"/>
+            </a:schemeClr>
+          </a:lnRef>
+          <a:fillRef idx="1">
+            <a:schemeClr val="accent1"/>
+          </a:fillRef>
+          <a:effectRef idx="0">
+            <a:schemeClr val="accent1"/>
+          </a:effectRef>
+          <a:fontRef idx="minor">
+            <a:schemeClr val="lt1"/>
+          </a:fontRef>
+        </p:style>
+        <p:txBody>
+          <a:bodyPr rtlCol="0" anchor="ctr"/>
+          <a:lstStyle/>
+          <a:p>
+            <a:pPr algn="ctr"/>
+            <a:endParaRPr lang="en-US">
+              <a:solidFill>
+                <a:schemeClr val="tx1">
+                  <a:lumMod val="65000"/>
+                  <a:lumOff val="35000"/>
+                </a:schemeClr>
+              </a:solidFill>
+              <a:latin typeface="AvenirNext LT Pro Medium" panose="020B0504020202020204" pitchFamily="34" charset="0"/>
+            </a:endParaRPr>
+          </a:p>
+        </p:txBody>
+      </p:sp>
+      <p:sp>
+        <p:nvSpPr>
+          <p:cNvPr id="29" name="Rectangle 28">
+            <a:extLst>
+              <a:ext uri="{FF2B5EF4-FFF2-40B4-BE49-F238E27FC236}">
+                <a16:creationId xmlns:a16="http://schemas.microsoft.com/office/drawing/2014/main" id="{AF678C14-A033-4139-BCA9-8382B039648B}"/>
+              </a:ext>
+              <a:ext uri="{C183D7F6-B498-43B3-948B-1728B52AA6E4}">
+                <adec:decorative xmlns:adec="http://schemas.microsoft.com/office/drawing/2017/decorative" val="1"/>
+              </a:ext>
+            </a:extLst>
+          </p:cNvPr>
+          <p:cNvSpPr>
+            <a:spLocks noGrp="1" noRot="1" noChangeAspect="1" noMove="1" noResize="1" noEditPoints="1" noAdjustHandles="1" noChangeArrowheads="1" noChangeShapeType="1" noTextEdit="1"/>
+          </p:cNvSpPr>
+          <p:nvPr>
+            <p:extLst>
+              <p:ext uri="{386F3935-93C4-4BCD-93E2-E3B085C9AB24}">
+                <p16:designElem xmlns:p16="http://schemas.microsoft.com/office/powerpoint/2015/main" val="1"/>
+              </p:ext>
+            </p:extLst>
+          </p:nvPr>
+        </p:nvSpPr>
+        <p:spPr>
+          <a:xfrm>
+            <a:off x="3048" y="0"/>
+            <a:ext cx="12188952" cy="6858000"/>
+          </a:xfrm>
+          <a:prstGeom prst="rect">
+            <a:avLst/>
+          </a:prstGeom>
+          <a:solidFill>
+            <a:schemeClr val="bg2">
+              <a:lumMod val="90000"/>
+              <a:alpha val="70000"/>
+            </a:schemeClr>
+          </a:solidFill>
+          <a:ln>
+            <a:noFill/>
+          </a:ln>
+        </p:spPr>
+        <p:style>
+          <a:lnRef idx="2">
+            <a:schemeClr val="accent1">
+              <a:shade val="50000"/>
+            </a:schemeClr>
+          </a:lnRef>
+          <a:fillRef idx="1">
+            <a:schemeClr val="accent1"/>
+          </a:fillRef>
+          <a:effectRef idx="0">
+            <a:schemeClr val="accent1"/>
+          </a:effectRef>
+          <a:fontRef idx="minor">
+            <a:schemeClr val="lt1"/>
+          </a:fontRef>
+        </p:style>
+        <p:txBody>
+          <a:bodyPr rtlCol="0" anchor="ctr"/>
+          <a:lstStyle/>
+          <a:p>
+            <a:pPr algn="ctr"/>
+            <a:endParaRPr lang="en-US">
+              <a:solidFill>
+                <a:schemeClr val="tx1">
+                  <a:lumMod val="65000"/>
+                  <a:lumOff val="35000"/>
+                </a:schemeClr>
+              </a:solidFill>
+              <a:latin typeface="AvenirNext LT Pro Medium" panose="020B0504020202020204" pitchFamily="34" charset="0"/>
+            </a:endParaRPr>
+          </a:p>
+        </p:txBody>
+      </p:sp>
+      <p:grpSp>
+        <p:nvGrpSpPr>
+          <p:cNvPr id="31" name="Group 30">
+            <a:extLst>
+              <a:ext uri="{FF2B5EF4-FFF2-40B4-BE49-F238E27FC236}">
+                <a16:creationId xmlns:a16="http://schemas.microsoft.com/office/drawing/2014/main" id="{14763DA8-CE3A-4B30-B2F5-0D128777F742}"/>
+              </a:ext>
+              <a:ext uri="{C183D7F6-B498-43B3-948B-1728B52AA6E4}">
+                <adec:decorative xmlns:adec="http://schemas.microsoft.com/office/drawing/2017/decorative" val="1"/>
+              </a:ext>
+            </a:extLst>
+          </p:cNvPr>
+          <p:cNvGrpSpPr>
+            <a:grpSpLocks noGrp="1" noUngrp="1" noRot="1" noChangeAspect="1" noMove="1" noResize="1"/>
+          </p:cNvGrpSpPr>
+          <p:nvPr>
+            <p:extLst>
+              <p:ext uri="{386F3935-93C4-4BCD-93E2-E3B085C9AB24}">
+                <p16:designElem xmlns:p16="http://schemas.microsoft.com/office/powerpoint/2015/main" val="1"/>
+              </p:ext>
+            </p:extLst>
+          </p:nvPr>
+        </p:nvGrpSpPr>
+        <p:grpSpPr>
+          <a:xfrm>
+            <a:off x="4464881" y="0"/>
+            <a:ext cx="7724071" cy="6858000"/>
+            <a:chOff x="4464881" y="0"/>
+            <a:chExt cx="7724071" cy="6858000"/>
+          </a:xfrm>
+        </p:grpSpPr>
+        <p:pic>
+          <p:nvPicPr>
+            <p:cNvPr id="32" name="Picture 31">
+              <a:extLst>
+                <a:ext uri="{FF2B5EF4-FFF2-40B4-BE49-F238E27FC236}">
+                  <a16:creationId xmlns:a16="http://schemas.microsoft.com/office/drawing/2014/main" id="{F6B75A5A-FDA7-4C8E-BD65-8506C42AA865}"/>
+                </a:ext>
+                <a:ext uri="{C183D7F6-B498-43B3-948B-1728B52AA6E4}">
+                  <adec:decorative xmlns:adec="http://schemas.microsoft.com/office/drawing/2017/decorative" val="1"/>
+                </a:ext>
+              </a:extLst>
+            </p:cNvPr>
+            <p:cNvPicPr>
+              <a:picLocks noChangeAspect="1"/>
+            </p:cNvPicPr>
+            <p:nvPr>
+              <p:extLst>
+                <p:ext uri="{386F3935-93C4-4BCD-93E2-E3B085C9AB24}">
+                  <p16:designElem xmlns:p16="http://schemas.microsoft.com/office/powerpoint/2015/main" val="1"/>
+                </p:ext>
+              </p:extLst>
+            </p:nvPr>
+          </p:nvPicPr>
+          <p:blipFill>
+            <a:blip r:embed="rId2">
+              <a:duotone>
+                <a:schemeClr val="accent6">
+                  <a:shade val="45000"/>
+                  <a:satMod val="135000"/>
+                </a:schemeClr>
+                <a:prstClr val="white"/>
+              </a:duotone>
+              <a:alphaModFix amt="15000"/>
+              <a:extLst>
+                <a:ext uri="{28A0092B-C50C-407E-A947-70E740481C1C}">
+                  <a14:useLocalDpi xmlns:a14="http://schemas.microsoft.com/office/drawing/2010/main" val="0"/>
+                </a:ext>
+              </a:extLst>
+            </a:blip>
+            <a:stretch>
+              <a:fillRect/>
+            </a:stretch>
+          </p:blipFill>
+          <p:spPr>
+            <a:xfrm>
+              <a:off x="7073255" y="0"/>
+              <a:ext cx="5115697" cy="6858000"/>
+            </a:xfrm>
+            <a:prstGeom prst="rect">
+              <a:avLst/>
+            </a:prstGeom>
+          </p:spPr>
+        </p:pic>
+        <p:pic>
+          <p:nvPicPr>
+            <p:cNvPr id="33" name="Picture 32">
+              <a:extLst>
+                <a:ext uri="{FF2B5EF4-FFF2-40B4-BE49-F238E27FC236}">
+                  <a16:creationId xmlns:a16="http://schemas.microsoft.com/office/drawing/2014/main" id="{0E6AFCAB-12BF-4A0B-B089-A794259D2FC9}"/>
+                </a:ext>
+                <a:ext uri="{C183D7F6-B498-43B3-948B-1728B52AA6E4}">
+                  <adec:decorative xmlns:adec="http://schemas.microsoft.com/office/drawing/2017/decorative" val="1"/>
+                </a:ext>
+              </a:extLst>
+            </p:cNvPr>
+            <p:cNvPicPr>
+              <a:picLocks noChangeAspect="1"/>
+            </p:cNvPicPr>
+            <p:nvPr>
+              <p:extLst>
+                <p:ext uri="{386F3935-93C4-4BCD-93E2-E3B085C9AB24}">
+                  <p16:designElem xmlns:p16="http://schemas.microsoft.com/office/powerpoint/2015/main" val="1"/>
+                </p:ext>
+              </p:extLst>
+            </p:nvPr>
+          </p:nvPicPr>
+          <p:blipFill>
+            <a:blip r:embed="rId3">
+              <a:duotone>
+                <a:schemeClr val="accent6">
+                  <a:shade val="45000"/>
+                  <a:satMod val="135000"/>
+                </a:schemeClr>
+                <a:prstClr val="white"/>
+              </a:duotone>
+              <a:alphaModFix amt="7000"/>
+              <a:extLst>
+                <a:ext uri="{28A0092B-C50C-407E-A947-70E740481C1C}">
+                  <a14:useLocalDpi xmlns:a14="http://schemas.microsoft.com/office/drawing/2010/main" val="0"/>
+                </a:ext>
+              </a:extLst>
+            </a:blip>
+            <a:stretch>
+              <a:fillRect/>
+            </a:stretch>
+          </p:blipFill>
+          <p:spPr>
+            <a:xfrm rot="16200000">
+              <a:off x="5412135" y="-947254"/>
+              <a:ext cx="5562598" cy="7457106"/>
+            </a:xfrm>
+            <a:prstGeom prst="rect">
+              <a:avLst/>
+            </a:prstGeom>
+            <a:effectLst>
+              <a:softEdge rad="0"/>
+            </a:effectLst>
+          </p:spPr>
+        </p:pic>
+      </p:grpSp>
+      <p:sp>
+        <p:nvSpPr>
+          <p:cNvPr id="2" name="Otsikko 1">
+            <a:extLst>
+              <a:ext uri="{FF2B5EF4-FFF2-40B4-BE49-F238E27FC236}">
+                <a16:creationId xmlns:a16="http://schemas.microsoft.com/office/drawing/2014/main" id="{5A78A3DA-970E-9077-A1C4-CA9DCFC7D8B1}"/>
+              </a:ext>
+            </a:extLst>
+          </p:cNvPr>
+          <p:cNvSpPr>
+            <a:spLocks noGrp="1"/>
+          </p:cNvSpPr>
+          <p:nvPr>
+            <p:ph type="title"/>
+          </p:nvPr>
+        </p:nvSpPr>
+        <p:spPr>
+          <a:xfrm>
+            <a:off x="838200" y="319824"/>
+            <a:ext cx="6659450" cy="1169608"/>
+          </a:xfrm>
+        </p:spPr>
+        <p:txBody>
+          <a:bodyPr vert="horz" lIns="91440" tIns="45720" rIns="91440" bIns="45720" rtlCol="0" anchor="ctr">
+            <a:noAutofit/>
+          </a:bodyPr>
+          <a:lstStyle/>
+          <a:p>
+            <a:r>
+              <a:rPr lang="en-US"/>
+              <a:t>Variables of survey</a:t>
+            </a:r>
+            <a:endParaRPr lang="en-US">
+              <a:cs typeface="Sabon Next LT"/>
+            </a:endParaRPr>
+          </a:p>
+        </p:txBody>
+      </p:sp>
+      <p:sp>
+        <p:nvSpPr>
+          <p:cNvPr id="8" name="Tekstiruutu 7">
+            <a:extLst>
+              <a:ext uri="{FF2B5EF4-FFF2-40B4-BE49-F238E27FC236}">
+                <a16:creationId xmlns:a16="http://schemas.microsoft.com/office/drawing/2014/main" id="{8A5A1EB3-A69E-9C30-F146-0A35F818E211}"/>
+              </a:ext>
+            </a:extLst>
+          </p:cNvPr>
+          <p:cNvSpPr txBox="1"/>
+          <p:nvPr/>
+        </p:nvSpPr>
+        <p:spPr>
+          <a:xfrm>
+            <a:off x="516228" y="2033788"/>
+            <a:ext cx="4974194" cy="3772436"/>
+          </a:xfrm>
+          <a:prstGeom prst="rect">
+            <a:avLst/>
+          </a:prstGeom>
+        </p:spPr>
+        <p:txBody>
+          <a:bodyPr rot="0" spcFirstLastPara="0" vertOverflow="overflow" horzOverflow="overflow" vert="horz" lIns="91440" tIns="45720" rIns="91440" bIns="45720" numCol="1" spcCol="0" rtlCol="0" fromWordArt="0" anchorCtr="0" forceAA="0" compatLnSpc="1">
+            <a:prstTxWarp prst="textNoShape">
+              <a:avLst/>
+            </a:prstTxWarp>
+            <a:normAutofit/>
+          </a:bodyPr>
+          <a:lstStyle/>
+          <a:p>
+            <a:pPr marL="285750" indent="-228600" defTabSz="914400">
+              <a:lnSpc>
+                <a:spcPct val="110000"/>
+              </a:lnSpc>
+              <a:spcAft>
+                <a:spcPts val="600"/>
+              </a:spcAft>
+              <a:buClr>
+                <a:schemeClr val="accent1"/>
+              </a:buClr>
+              <a:buFont typeface="Arial" panose="020B0604020202020204" pitchFamily="34" charset="0"/>
+              <a:buChar char="•"/>
+            </a:pPr>
+            <a:r>
+              <a:rPr lang="en-US" sz="2400"/>
+              <a:t>Background variables: 1-9 </a:t>
+            </a:r>
+          </a:p>
+          <a:p>
+            <a:pPr marL="285750" indent="-228600" defTabSz="914400">
+              <a:lnSpc>
+                <a:spcPct val="110000"/>
+              </a:lnSpc>
+              <a:spcAft>
+                <a:spcPts val="600"/>
+              </a:spcAft>
+              <a:buClr>
+                <a:schemeClr val="accent1"/>
+              </a:buClr>
+              <a:buFont typeface="Arial" panose="020B0604020202020204" pitchFamily="34" charset="0"/>
+              <a:buChar char="•"/>
+            </a:pPr>
+            <a:r>
+              <a:rPr lang="en-US" sz="2400"/>
+              <a:t>Variables of main interest: 8-9 (Likert scale) </a:t>
+            </a:r>
+          </a:p>
+          <a:p>
+            <a:pPr marL="285750" indent="-228600" defTabSz="914400">
+              <a:lnSpc>
+                <a:spcPct val="110000"/>
+              </a:lnSpc>
+              <a:spcAft>
+                <a:spcPts val="600"/>
+              </a:spcAft>
+              <a:buClr>
+                <a:schemeClr val="accent1"/>
+              </a:buClr>
+              <a:buFont typeface="Arial" panose="020B0604020202020204" pitchFamily="34" charset="0"/>
+              <a:buChar char="•"/>
+            </a:pPr>
+            <a:r>
+              <a:rPr lang="en-US" sz="2400">
+                <a:ea typeface="+mn-lt"/>
+                <a:cs typeface="+mn-lt"/>
+              </a:rPr>
+              <a:t>Categorical variables: gender, family, education,  </a:t>
+            </a:r>
+          </a:p>
+          <a:p>
+            <a:pPr marL="285750" indent="-228600" defTabSz="914400">
+              <a:lnSpc>
+                <a:spcPct val="110000"/>
+              </a:lnSpc>
+              <a:spcAft>
+                <a:spcPts val="600"/>
+              </a:spcAft>
+              <a:buClr>
+                <a:schemeClr val="accent1"/>
+              </a:buClr>
+              <a:buFont typeface="Arial" panose="020B0604020202020204" pitchFamily="34" charset="0"/>
+              <a:buChar char="•"/>
+            </a:pPr>
+            <a:r>
+              <a:rPr lang="en-US" sz="2400">
+                <a:ea typeface="+mn-lt"/>
+                <a:cs typeface="+mn-lt"/>
+              </a:rPr>
+              <a:t>Numerical variables: age, years of service, salary </a:t>
+            </a:r>
+            <a:endParaRPr lang="en-US" sz="2400"/>
+          </a:p>
+        </p:txBody>
+      </p:sp>
+      <p:pic>
+        <p:nvPicPr>
+          <p:cNvPr id="14" name="Sisällön paikkamerkki 13" descr="Kuva, joka sisältää kohteen teksti, kuvakaappaus, numero, Fontti&#10;&#10;Kuvaus luotu automaattisesti">
+            <a:extLst>
+              <a:ext uri="{FF2B5EF4-FFF2-40B4-BE49-F238E27FC236}">
+                <a16:creationId xmlns:a16="http://schemas.microsoft.com/office/drawing/2014/main" id="{A1D47B57-A6BA-7DE0-5AB6-9C7DD840B542}"/>
+              </a:ext>
+            </a:extLst>
+          </p:cNvPr>
+          <p:cNvPicPr>
+            <a:picLocks noGrp="1" noChangeAspect="1"/>
+          </p:cNvPicPr>
+          <p:nvPr>
+            <p:ph idx="1"/>
+          </p:nvPr>
+        </p:nvPicPr>
+        <p:blipFill>
+          <a:blip r:embed="rId4"/>
+          <a:stretch>
+            <a:fillRect/>
+          </a:stretch>
+        </p:blipFill>
+        <p:spPr>
+          <a:xfrm>
+            <a:off x="5401614" y="2162337"/>
+            <a:ext cx="6632939" cy="2531180"/>
+          </a:xfrm>
+          <a:prstGeom prst="rect">
+            <a:avLst/>
+          </a:prstGeom>
+        </p:spPr>
+      </p:pic>
+    </p:spTree>
+    <p:extLst>
+      <p:ext uri="{BB962C8B-B14F-4D97-AF65-F5344CB8AC3E}">
+        <p14:creationId xmlns:p14="http://schemas.microsoft.com/office/powerpoint/2010/main" val="3124489379"/>
+      </p:ext>
+    </p:extLst>
+  </p:cSld>
+  <p:clrMapOvr>
+    <a:masterClrMapping/>
+  </p:clrMapOvr>
+</p:sld>
+</file>
+
+<file path=ppt/slides/slide4.xml><?xml version="1.0" encoding="utf-8"?>
+<p:sld xmlns:a="http://schemas.openxmlformats.org/drawingml/2006/main" xmlns:r="http://schemas.openxmlformats.org/officeDocument/2006/relationships" xmlns:p="http://schemas.openxmlformats.org/presentationml/2006/main">
+  <p:cSld>
+    <p:bg>
+      <p:bgPr>
+        <a:solidFill>
+          <a:schemeClr val="bg1"/>
+        </a:solidFill>
+        <a:effectLst/>
+      </p:bgPr>
+    </p:bg>
+    <p:spTree>
+      <p:nvGrpSpPr>
+        <p:cNvPr id="1" name=""/>
+        <p:cNvGrpSpPr/>
+        <p:nvPr/>
+      </p:nvGrpSpPr>
+      <p:grpSpPr>
+        <a:xfrm>
+          <a:off x="0" y="0"/>
+          <a:ext cx="0" cy="0"/>
+          <a:chOff x="0" y="0"/>
+          <a:chExt cx="0" cy="0"/>
+        </a:xfrm>
+      </p:grpSpPr>
+      <p:sp useBgFill="1">
+        <p:nvSpPr>
+          <p:cNvPr id="8" name="Rectangle 7">
+            <a:extLst>
+              <a:ext uri="{FF2B5EF4-FFF2-40B4-BE49-F238E27FC236}">
+                <a16:creationId xmlns:a16="http://schemas.microsoft.com/office/drawing/2014/main" id="{DE61FBD7-E37C-4B38-BE44-A6D4978D7486}"/>
+              </a:ext>
+              <a:ext uri="{C183D7F6-B498-43B3-948B-1728B52AA6E4}">
+                <adec:decorative xmlns:adec="http://schemas.microsoft.com/office/drawing/2017/decorative" val="1"/>
+              </a:ext>
+            </a:extLst>
+          </p:cNvPr>
+          <p:cNvSpPr>
+            <a:spLocks noGrp="1" noRot="1" noChangeAspect="1" noMove="1" noResize="1" noEditPoints="1" noAdjustHandles="1" noChangeArrowheads="1" noChangeShapeType="1" noTextEdit="1"/>
+          </p:cNvSpPr>
+          <p:nvPr>
+            <p:extLst>
+              <p:ext uri="{386F3935-93C4-4BCD-93E2-E3B085C9AB24}">
+                <p16:designElem xmlns:p16="http://schemas.microsoft.com/office/powerpoint/2015/main" val="1"/>
+              </p:ext>
+            </p:extLst>
+          </p:nvPr>
+        </p:nvSpPr>
+        <p:spPr>
+          <a:xfrm>
+            <a:off x="0" y="0"/>
+            <a:ext cx="12188952" cy="6858000"/>
+          </a:xfrm>
+          <a:prstGeom prst="rect">
+            <a:avLst/>
+          </a:prstGeom>
+          <a:ln>
+            <a:noFill/>
+          </a:ln>
+        </p:spPr>
+        <p:style>
+          <a:lnRef idx="2">
+            <a:schemeClr val="accent1">
+              <a:shade val="50000"/>
+            </a:schemeClr>
+          </a:lnRef>
+          <a:fillRef idx="1">
+            <a:schemeClr val="accent1"/>
+          </a:fillRef>
+          <a:effectRef idx="0">
+            <a:schemeClr val="accent1"/>
+          </a:effectRef>
+          <a:fontRef idx="minor">
+            <a:schemeClr val="lt1"/>
+          </a:fontRef>
+        </p:style>
+        <p:txBody>
+          <a:bodyPr rtlCol="0" anchor="ctr"/>
+          <a:lstStyle/>
+          <a:p>
+            <a:pPr algn="ctr"/>
+            <a:endParaRPr lang="en-US">
+              <a:solidFill>
+                <a:schemeClr val="tx1">
+                  <a:lumMod val="65000"/>
+                  <a:lumOff val="35000"/>
+                </a:schemeClr>
+              </a:solidFill>
+              <a:latin typeface="AvenirNext LT Pro Medium" panose="020B0504020202020204" pitchFamily="34" charset="0"/>
+            </a:endParaRPr>
+          </a:p>
+        </p:txBody>
+      </p:sp>
+      <p:sp>
+        <p:nvSpPr>
+          <p:cNvPr id="10" name="Rectangle 9">
+            <a:extLst>
+              <a:ext uri="{FF2B5EF4-FFF2-40B4-BE49-F238E27FC236}">
+                <a16:creationId xmlns:a16="http://schemas.microsoft.com/office/drawing/2014/main" id="{823772C2-0911-45A0-B7B6-D811380C75AC}"/>
+              </a:ext>
+              <a:ext uri="{C183D7F6-B498-43B3-948B-1728B52AA6E4}">
+                <adec:decorative xmlns:adec="http://schemas.microsoft.com/office/drawing/2017/decorative" val="1"/>
+              </a:ext>
+            </a:extLst>
+          </p:cNvPr>
+          <p:cNvSpPr>
+            <a:spLocks noGrp="1" noRot="1" noChangeAspect="1" noMove="1" noResize="1" noEditPoints="1" noAdjustHandles="1" noChangeArrowheads="1" noChangeShapeType="1" noTextEdit="1"/>
+          </p:cNvSpPr>
+          <p:nvPr>
+            <p:extLst>
+              <p:ext uri="{386F3935-93C4-4BCD-93E2-E3B085C9AB24}">
+                <p16:designElem xmlns:p16="http://schemas.microsoft.com/office/powerpoint/2015/main" val="1"/>
+              </p:ext>
+            </p:extLst>
+          </p:nvPr>
+        </p:nvSpPr>
+        <p:spPr>
+          <a:xfrm>
+            <a:off x="0" y="0"/>
+            <a:ext cx="12188952" cy="6858000"/>
+          </a:xfrm>
+          <a:prstGeom prst="rect">
+            <a:avLst/>
+          </a:prstGeom>
+          <a:solidFill>
+            <a:schemeClr val="accent1"/>
+          </a:solidFill>
+          <a:ln>
+            <a:noFill/>
+          </a:ln>
+        </p:spPr>
+        <p:style>
+          <a:lnRef idx="2">
+            <a:schemeClr val="accent1">
+              <a:shade val="50000"/>
+            </a:schemeClr>
+          </a:lnRef>
+          <a:fillRef idx="1">
+            <a:schemeClr val="accent1"/>
+          </a:fillRef>
+          <a:effectRef idx="0">
+            <a:schemeClr val="accent1"/>
+          </a:effectRef>
+          <a:fontRef idx="minor">
+            <a:schemeClr val="lt1"/>
+          </a:fontRef>
+        </p:style>
+        <p:txBody>
+          <a:bodyPr rtlCol="0" anchor="ctr"/>
+          <a:lstStyle/>
+          <a:p>
+            <a:pPr algn="ctr"/>
+            <a:endParaRPr lang="en-US">
+              <a:solidFill>
+                <a:schemeClr val="tx1">
+                  <a:lumMod val="65000"/>
+                  <a:lumOff val="35000"/>
+                </a:schemeClr>
+              </a:solidFill>
+              <a:latin typeface="AvenirNext LT Pro Medium" panose="020B0504020202020204" pitchFamily="34" charset="0"/>
+            </a:endParaRPr>
+          </a:p>
+        </p:txBody>
+      </p:sp>
+      <p:grpSp>
+        <p:nvGrpSpPr>
+          <p:cNvPr id="12" name="Group 11">
+            <a:extLst>
+              <a:ext uri="{FF2B5EF4-FFF2-40B4-BE49-F238E27FC236}">
+                <a16:creationId xmlns:a16="http://schemas.microsoft.com/office/drawing/2014/main" id="{53A6A32E-D196-4536-A9E8-56D5BB884FCA}"/>
+              </a:ext>
+              <a:ext uri="{C183D7F6-B498-43B3-948B-1728B52AA6E4}">
+                <adec:decorative xmlns:adec="http://schemas.microsoft.com/office/drawing/2017/decorative" val="1"/>
+              </a:ext>
+            </a:extLst>
+          </p:cNvPr>
+          <p:cNvGrpSpPr>
+            <a:grpSpLocks noGrp="1" noUngrp="1" noRot="1" noChangeAspect="1" noMove="1" noResize="1"/>
+          </p:cNvGrpSpPr>
+          <p:nvPr>
+            <p:extLst>
+              <p:ext uri="{386F3935-93C4-4BCD-93E2-E3B085C9AB24}">
+                <p16:designElem xmlns:p16="http://schemas.microsoft.com/office/powerpoint/2015/main" val="1"/>
+              </p:ext>
+            </p:extLst>
+          </p:nvPr>
+        </p:nvGrpSpPr>
+        <p:grpSpPr>
+          <a:xfrm>
+            <a:off x="7657587" y="5080"/>
+            <a:ext cx="4531366" cy="6014720"/>
+            <a:chOff x="7657587" y="5080"/>
+            <a:chExt cx="4531366" cy="6014720"/>
+          </a:xfrm>
+        </p:grpSpPr>
+        <p:pic>
+          <p:nvPicPr>
+            <p:cNvPr id="13" name="Picture 12">
+              <a:extLst>
+                <a:ext uri="{FF2B5EF4-FFF2-40B4-BE49-F238E27FC236}">
+                  <a16:creationId xmlns:a16="http://schemas.microsoft.com/office/drawing/2014/main" id="{B88E3398-5BD2-49D6-A547-80FBD0FECCE8}"/>
+                </a:ext>
+                <a:ext uri="{C183D7F6-B498-43B3-948B-1728B52AA6E4}">
+                  <adec:decorative xmlns:adec="http://schemas.microsoft.com/office/drawing/2017/decorative" val="1"/>
+                </a:ext>
+              </a:extLst>
+            </p:cNvPr>
+            <p:cNvPicPr>
+              <a:picLocks noChangeAspect="1"/>
+            </p:cNvPicPr>
+            <p:nvPr>
+              <p:extLst>
+                <p:ext uri="{386F3935-93C4-4BCD-93E2-E3B085C9AB24}">
+                  <p16:designElem xmlns:p16="http://schemas.microsoft.com/office/powerpoint/2015/main" val="1"/>
+                </p:ext>
+              </p:extLst>
+            </p:nvPr>
+          </p:nvPicPr>
+          <p:blipFill rotWithShape="1">
+            <a:blip r:embed="rId2">
+              <a:alphaModFix amt="10000"/>
+              <a:extLst>
+                <a:ext uri="{28A0092B-C50C-407E-A947-70E740481C1C}">
+                  <a14:useLocalDpi xmlns:a14="http://schemas.microsoft.com/office/drawing/2010/main" val="0"/>
+                </a:ext>
+              </a:extLst>
+            </a:blip>
+            <a:srcRect l="22818" b="17291"/>
+            <a:stretch/>
+          </p:blipFill>
+          <p:spPr>
+            <a:xfrm flipH="1" flipV="1">
+              <a:off x="7657587" y="5080"/>
+              <a:ext cx="4531366" cy="4864019"/>
+            </a:xfrm>
+            <a:prstGeom prst="rect">
+              <a:avLst/>
+            </a:prstGeom>
+          </p:spPr>
+        </p:pic>
+        <p:pic>
+          <p:nvPicPr>
+            <p:cNvPr id="14" name="Picture 13">
+              <a:extLst>
+                <a:ext uri="{FF2B5EF4-FFF2-40B4-BE49-F238E27FC236}">
+                  <a16:creationId xmlns:a16="http://schemas.microsoft.com/office/drawing/2014/main" id="{80E4B511-9D99-4EAC-908E-9B474A52331F}"/>
+                </a:ext>
+                <a:ext uri="{C183D7F6-B498-43B3-948B-1728B52AA6E4}">
+                  <adec:decorative xmlns:adec="http://schemas.microsoft.com/office/drawing/2017/decorative" val="1"/>
+                </a:ext>
+              </a:extLst>
+            </p:cNvPr>
+            <p:cNvPicPr>
+              <a:picLocks noChangeAspect="1"/>
+            </p:cNvPicPr>
+            <p:nvPr>
+              <p:extLst>
+                <p:ext uri="{386F3935-93C4-4BCD-93E2-E3B085C9AB24}">
+                  <p16:designElem xmlns:p16="http://schemas.microsoft.com/office/powerpoint/2015/main" val="1"/>
+                </p:ext>
+              </p:extLst>
+            </p:nvPr>
+          </p:nvPicPr>
+          <p:blipFill rotWithShape="1">
+            <a:blip r:embed="rId2">
+              <a:alphaModFix amt="16000"/>
+              <a:extLst>
+                <a:ext uri="{28A0092B-C50C-407E-A947-70E740481C1C}">
+                  <a14:useLocalDpi xmlns:a14="http://schemas.microsoft.com/office/drawing/2010/main" val="0"/>
+                </a:ext>
+              </a:extLst>
+            </a:blip>
+            <a:srcRect r="40690"/>
+            <a:stretch/>
+          </p:blipFill>
+          <p:spPr>
+            <a:xfrm flipV="1">
+              <a:off x="8627628" y="5080"/>
+              <a:ext cx="3561325" cy="6014720"/>
+            </a:xfrm>
+            <a:prstGeom prst="rect">
+              <a:avLst/>
+            </a:prstGeom>
+          </p:spPr>
+        </p:pic>
+      </p:grpSp>
+      <p:sp>
+        <p:nvSpPr>
+          <p:cNvPr id="2" name="Otsikko 1">
+            <a:extLst>
+              <a:ext uri="{FF2B5EF4-FFF2-40B4-BE49-F238E27FC236}">
+                <a16:creationId xmlns:a16="http://schemas.microsoft.com/office/drawing/2014/main" id="{A378FD55-E9A7-E9D0-7B36-80A46C94A82A}"/>
+              </a:ext>
+            </a:extLst>
+          </p:cNvPr>
+          <p:cNvSpPr>
+            <a:spLocks noGrp="1"/>
+          </p:cNvSpPr>
+          <p:nvPr>
+            <p:ph type="ctrTitle"/>
+          </p:nvPr>
+        </p:nvSpPr>
+        <p:spPr>
+          <a:xfrm>
+            <a:off x="798576" y="744909"/>
+            <a:ext cx="10591800" cy="3155419"/>
+          </a:xfrm>
+        </p:spPr>
+        <p:txBody>
+          <a:bodyPr anchor="b">
+            <a:normAutofit/>
+          </a:bodyPr>
+          <a:lstStyle/>
+          <a:p>
+            <a:r>
+              <a:rPr lang="fi-FI" sz="5200" b="1" err="1">
+                <a:solidFill>
+                  <a:srgbClr val="FFFFFF"/>
+                </a:solidFill>
+                <a:cs typeface="Sabon Next LT"/>
+              </a:rPr>
+              <a:t>Background</a:t>
+            </a:r>
+            <a:r>
+              <a:rPr lang="fi-FI" sz="5200" b="1">
+                <a:solidFill>
+                  <a:srgbClr val="FFFFFF"/>
+                </a:solidFill>
+                <a:cs typeface="Sabon Next LT"/>
+              </a:rPr>
+              <a:t> </a:t>
+            </a:r>
+            <a:r>
+              <a:rPr lang="fi-FI" sz="5200" b="1" err="1">
+                <a:solidFill>
+                  <a:srgbClr val="FFFFFF"/>
+                </a:solidFill>
+                <a:cs typeface="Sabon Next LT"/>
+              </a:rPr>
+              <a:t>analysis</a:t>
+            </a:r>
+            <a:endParaRPr lang="fi-FI" sz="5200" b="1">
+              <a:solidFill>
+                <a:srgbClr val="FFFFFF"/>
+              </a:solidFill>
+              <a:cs typeface="Sabon Next LT"/>
+            </a:endParaRPr>
+          </a:p>
+        </p:txBody>
+      </p:sp>
+      <p:sp>
+        <p:nvSpPr>
+          <p:cNvPr id="3" name="Sisällön paikkamerkki 2">
+            <a:extLst>
+              <a:ext uri="{FF2B5EF4-FFF2-40B4-BE49-F238E27FC236}">
+                <a16:creationId xmlns:a16="http://schemas.microsoft.com/office/drawing/2014/main" id="{C167499C-17E5-A7E0-2485-CF328CAC9FE9}"/>
+              </a:ext>
+            </a:extLst>
+          </p:cNvPr>
+          <p:cNvSpPr>
+            <a:spLocks noGrp="1"/>
+          </p:cNvSpPr>
+          <p:nvPr>
+            <p:ph type="subTitle" idx="1"/>
+          </p:nvPr>
+        </p:nvSpPr>
+        <p:spPr>
+          <a:xfrm>
+            <a:off x="798577" y="4074784"/>
+            <a:ext cx="10591798" cy="2054306"/>
+          </a:xfrm>
+        </p:spPr>
+        <p:txBody>
+          <a:bodyPr vert="horz" lIns="91440" tIns="45720" rIns="91440" bIns="45720" rtlCol="0" anchor="t">
+            <a:normAutofit/>
+          </a:bodyPr>
+          <a:lstStyle/>
+          <a:p>
+            <a:r>
+              <a:rPr lang="fi-FI" sz="2200">
+                <a:solidFill>
+                  <a:srgbClr val="FFFFFF"/>
+                </a:solidFill>
+              </a:rPr>
+              <a:t>Variable by variable</a:t>
+            </a:r>
+          </a:p>
+        </p:txBody>
+      </p:sp>
+    </p:spTree>
+    <p:extLst>
+      <p:ext uri="{BB962C8B-B14F-4D97-AF65-F5344CB8AC3E}">
+        <p14:creationId xmlns:p14="http://schemas.microsoft.com/office/powerpoint/2010/main" val="1072539886"/>
+      </p:ext>
+    </p:extLst>
+  </p:cSld>
+  <p:clrMapOvr>
+    <a:masterClrMapping/>
+  </p:clrMapOvr>
+</p:sld>
+</file>
+
+<file path=ppt/slides/slide5.xml><?xml version="1.0" encoding="utf-8"?>
+<p:sld xmlns:a="http://schemas.openxmlformats.org/drawingml/2006/main" xmlns:r="http://schemas.openxmlformats.org/officeDocument/2006/relationships" xmlns:p="http://schemas.openxmlformats.org/presentationml/2006/main">
+  <p:cSld>
+    <p:bg>
+      <p:bgPr>
+        <a:solidFill>
+          <a:schemeClr val="bg1"/>
+        </a:solidFill>
+        <a:effectLst/>
+      </p:bgPr>
+    </p:bg>
+    <p:spTree>
+      <p:nvGrpSpPr>
+        <p:cNvPr id="1" name=""/>
+        <p:cNvGrpSpPr/>
+        <p:nvPr/>
+      </p:nvGrpSpPr>
+      <p:grpSpPr>
+        <a:xfrm>
+          <a:off x="0" y="0"/>
+          <a:ext cx="0" cy="0"/>
+          <a:chOff x="0" y="0"/>
+          <a:chExt cx="0" cy="0"/>
+        </a:xfrm>
+      </p:grpSpPr>
+      <p:sp useBgFill="1">
+        <p:nvSpPr>
+          <p:cNvPr id="24" name="Rectangle 11">
+            <a:extLst>
+              <a:ext uri="{FF2B5EF4-FFF2-40B4-BE49-F238E27FC236}">
+                <a16:creationId xmlns:a16="http://schemas.microsoft.com/office/drawing/2014/main" id="{A4FB2F27-3F7D-440E-A905-86607A926A29}"/>
+              </a:ext>
+              <a:ext uri="{C183D7F6-B498-43B3-948B-1728B52AA6E4}">
+                <adec:decorative xmlns:adec="http://schemas.microsoft.com/office/drawing/2017/decorative" val="1"/>
+              </a:ext>
+            </a:extLst>
+          </p:cNvPr>
+          <p:cNvSpPr>
+            <a:spLocks noGrp="1" noRot="1" noChangeAspect="1" noMove="1" noResize="1" noEditPoints="1" noAdjustHandles="1" noChangeArrowheads="1" noChangeShapeType="1" noTextEdit="1"/>
+          </p:cNvSpPr>
+          <p:nvPr>
+            <p:extLst>
+              <p:ext uri="{386F3935-93C4-4BCD-93E2-E3B085C9AB24}">
+                <p16:designElem xmlns:p16="http://schemas.microsoft.com/office/powerpoint/2015/main" val="1"/>
+              </p:ext>
+            </p:extLst>
+          </p:nvPr>
+        </p:nvSpPr>
+        <p:spPr>
+          <a:xfrm>
+            <a:off x="0" y="0"/>
+            <a:ext cx="12188952" cy="6858000"/>
+          </a:xfrm>
+          <a:prstGeom prst="rect">
+            <a:avLst/>
+          </a:prstGeom>
+          <a:ln>
+            <a:noFill/>
+          </a:ln>
+        </p:spPr>
+        <p:style>
+          <a:lnRef idx="2">
+            <a:schemeClr val="accent1">
+              <a:shade val="50000"/>
+            </a:schemeClr>
+          </a:lnRef>
+          <a:fillRef idx="1">
+            <a:schemeClr val="accent1"/>
+          </a:fillRef>
+          <a:effectRef idx="0">
+            <a:schemeClr val="accent1"/>
+          </a:effectRef>
+          <a:fontRef idx="minor">
+            <a:schemeClr val="lt1"/>
+          </a:fontRef>
+        </p:style>
+        <p:txBody>
+          <a:bodyPr rtlCol="0" anchor="ctr"/>
+          <a:lstStyle/>
+          <a:p>
+            <a:pPr algn="ctr"/>
+            <a:endParaRPr lang="en-US">
+              <a:solidFill>
+                <a:schemeClr val="tx1">
+                  <a:lumMod val="65000"/>
+                  <a:lumOff val="35000"/>
+                </a:schemeClr>
+              </a:solidFill>
+              <a:latin typeface="AvenirNext LT Pro Medium" panose="020B0504020202020204" pitchFamily="34" charset="0"/>
+            </a:endParaRPr>
+          </a:p>
+        </p:txBody>
+      </p:sp>
+      <p:sp>
+        <p:nvSpPr>
+          <p:cNvPr id="25" name="Rectangle 13">
+            <a:extLst>
+              <a:ext uri="{FF2B5EF4-FFF2-40B4-BE49-F238E27FC236}">
+                <a16:creationId xmlns:a16="http://schemas.microsoft.com/office/drawing/2014/main" id="{AF678C14-A033-4139-BCA9-8382B039648B}"/>
+              </a:ext>
+              <a:ext uri="{C183D7F6-B498-43B3-948B-1728B52AA6E4}">
+                <adec:decorative xmlns:adec="http://schemas.microsoft.com/office/drawing/2017/decorative" val="1"/>
+              </a:ext>
+            </a:extLst>
+          </p:cNvPr>
+          <p:cNvSpPr>
+            <a:spLocks noGrp="1" noRot="1" noChangeAspect="1" noMove="1" noResize="1" noEditPoints="1" noAdjustHandles="1" noChangeArrowheads="1" noChangeShapeType="1" noTextEdit="1"/>
+          </p:cNvSpPr>
+          <p:nvPr>
+            <p:extLst>
+              <p:ext uri="{386F3935-93C4-4BCD-93E2-E3B085C9AB24}">
+                <p16:designElem xmlns:p16="http://schemas.microsoft.com/office/powerpoint/2015/main" val="1"/>
+              </p:ext>
+            </p:extLst>
+          </p:nvPr>
+        </p:nvSpPr>
+        <p:spPr>
+          <a:xfrm>
+            <a:off x="3048" y="0"/>
+            <a:ext cx="12188952" cy="6858000"/>
+          </a:xfrm>
+          <a:prstGeom prst="rect">
+            <a:avLst/>
+          </a:prstGeom>
+          <a:solidFill>
+            <a:schemeClr val="bg2">
+              <a:lumMod val="90000"/>
+              <a:alpha val="70000"/>
+            </a:schemeClr>
+          </a:solidFill>
+          <a:ln>
+            <a:noFill/>
+          </a:ln>
+        </p:spPr>
+        <p:style>
+          <a:lnRef idx="2">
+            <a:schemeClr val="accent1">
+              <a:shade val="50000"/>
+            </a:schemeClr>
+          </a:lnRef>
+          <a:fillRef idx="1">
+            <a:schemeClr val="accent1"/>
+          </a:fillRef>
+          <a:effectRef idx="0">
+            <a:schemeClr val="accent1"/>
+          </a:effectRef>
+          <a:fontRef idx="minor">
+            <a:schemeClr val="lt1"/>
+          </a:fontRef>
+        </p:style>
+        <p:txBody>
+          <a:bodyPr rtlCol="0" anchor="ctr"/>
+          <a:lstStyle/>
+          <a:p>
+            <a:pPr algn="ctr"/>
+            <a:endParaRPr lang="en-US">
+              <a:solidFill>
+                <a:schemeClr val="tx1">
+                  <a:lumMod val="65000"/>
+                  <a:lumOff val="35000"/>
+                </a:schemeClr>
+              </a:solidFill>
+              <a:latin typeface="AvenirNext LT Pro Medium" panose="020B0504020202020204" pitchFamily="34" charset="0"/>
+            </a:endParaRPr>
+          </a:p>
+        </p:txBody>
+      </p:sp>
+      <p:grpSp>
+        <p:nvGrpSpPr>
+          <p:cNvPr id="26" name="Group 15">
+            <a:extLst>
+              <a:ext uri="{FF2B5EF4-FFF2-40B4-BE49-F238E27FC236}">
+                <a16:creationId xmlns:a16="http://schemas.microsoft.com/office/drawing/2014/main" id="{14763DA8-CE3A-4B30-B2F5-0D128777F742}"/>
+              </a:ext>
+              <a:ext uri="{C183D7F6-B498-43B3-948B-1728B52AA6E4}">
+                <adec:decorative xmlns:adec="http://schemas.microsoft.com/office/drawing/2017/decorative" val="1"/>
+              </a:ext>
+            </a:extLst>
+          </p:cNvPr>
+          <p:cNvGrpSpPr>
+            <a:grpSpLocks noGrp="1" noUngrp="1" noRot="1" noChangeAspect="1" noMove="1" noResize="1"/>
+          </p:cNvGrpSpPr>
+          <p:nvPr>
+            <p:extLst>
+              <p:ext uri="{386F3935-93C4-4BCD-93E2-E3B085C9AB24}">
+                <p16:designElem xmlns:p16="http://schemas.microsoft.com/office/powerpoint/2015/main" val="1"/>
+              </p:ext>
+            </p:extLst>
+          </p:nvPr>
+        </p:nvGrpSpPr>
+        <p:grpSpPr>
+          <a:xfrm>
+            <a:off x="4464881" y="0"/>
+            <a:ext cx="7724071" cy="6858000"/>
+            <a:chOff x="4464881" y="0"/>
+            <a:chExt cx="7724071" cy="6858000"/>
+          </a:xfrm>
+        </p:grpSpPr>
+        <p:pic>
+          <p:nvPicPr>
+            <p:cNvPr id="17" name="Picture 16">
+              <a:extLst>
+                <a:ext uri="{FF2B5EF4-FFF2-40B4-BE49-F238E27FC236}">
+                  <a16:creationId xmlns:a16="http://schemas.microsoft.com/office/drawing/2014/main" id="{F6B75A5A-FDA7-4C8E-BD65-8506C42AA865}"/>
+                </a:ext>
+                <a:ext uri="{C183D7F6-B498-43B3-948B-1728B52AA6E4}">
+                  <adec:decorative xmlns:adec="http://schemas.microsoft.com/office/drawing/2017/decorative" val="1"/>
+                </a:ext>
+              </a:extLst>
+            </p:cNvPr>
+            <p:cNvPicPr>
+              <a:picLocks noChangeAspect="1"/>
+            </p:cNvPicPr>
+            <p:nvPr>
+              <p:extLst>
+                <p:ext uri="{386F3935-93C4-4BCD-93E2-E3B085C9AB24}">
+                  <p16:designElem xmlns:p16="http://schemas.microsoft.com/office/powerpoint/2015/main" val="1"/>
+                </p:ext>
+              </p:extLst>
+            </p:nvPr>
+          </p:nvPicPr>
+          <p:blipFill>
+            <a:blip r:embed="rId2">
+              <a:duotone>
+                <a:schemeClr val="accent6">
+                  <a:shade val="45000"/>
+                  <a:satMod val="135000"/>
+                </a:schemeClr>
+                <a:prstClr val="white"/>
+              </a:duotone>
+              <a:alphaModFix amt="15000"/>
+              <a:extLst>
+                <a:ext uri="{28A0092B-C50C-407E-A947-70E740481C1C}">
+                  <a14:useLocalDpi xmlns:a14="http://schemas.microsoft.com/office/drawing/2010/main" val="0"/>
+                </a:ext>
+              </a:extLst>
+            </a:blip>
+            <a:stretch>
+              <a:fillRect/>
+            </a:stretch>
+          </p:blipFill>
+          <p:spPr>
+            <a:xfrm>
+              <a:off x="7073255" y="0"/>
+              <a:ext cx="5115697" cy="6858000"/>
+            </a:xfrm>
+            <a:prstGeom prst="rect">
+              <a:avLst/>
+            </a:prstGeom>
+          </p:spPr>
+        </p:pic>
+        <p:pic>
+          <p:nvPicPr>
+            <p:cNvPr id="18" name="Picture 17">
+              <a:extLst>
+                <a:ext uri="{FF2B5EF4-FFF2-40B4-BE49-F238E27FC236}">
+                  <a16:creationId xmlns:a16="http://schemas.microsoft.com/office/drawing/2014/main" id="{0E6AFCAB-12BF-4A0B-B089-A794259D2FC9}"/>
+                </a:ext>
+                <a:ext uri="{C183D7F6-B498-43B3-948B-1728B52AA6E4}">
+                  <adec:decorative xmlns:adec="http://schemas.microsoft.com/office/drawing/2017/decorative" val="1"/>
+                </a:ext>
+              </a:extLst>
+            </p:cNvPr>
+            <p:cNvPicPr>
+              <a:picLocks noChangeAspect="1"/>
+            </p:cNvPicPr>
+            <p:nvPr>
+              <p:extLst>
+                <p:ext uri="{386F3935-93C4-4BCD-93E2-E3B085C9AB24}">
+                  <p16:designElem xmlns:p16="http://schemas.microsoft.com/office/powerpoint/2015/main" val="1"/>
+                </p:ext>
+              </p:extLst>
+            </p:nvPr>
+          </p:nvPicPr>
+          <p:blipFill>
+            <a:blip r:embed="rId3">
+              <a:duotone>
+                <a:schemeClr val="accent6">
+                  <a:shade val="45000"/>
+                  <a:satMod val="135000"/>
+                </a:schemeClr>
+                <a:prstClr val="white"/>
+              </a:duotone>
+              <a:alphaModFix amt="7000"/>
+              <a:extLst>
+                <a:ext uri="{28A0092B-C50C-407E-A947-70E740481C1C}">
+                  <a14:useLocalDpi xmlns:a14="http://schemas.microsoft.com/office/drawing/2010/main" val="0"/>
+                </a:ext>
+              </a:extLst>
+            </a:blip>
+            <a:stretch>
+              <a:fillRect/>
+            </a:stretch>
+          </p:blipFill>
+          <p:spPr>
+            <a:xfrm rot="16200000">
+              <a:off x="5412135" y="-947254"/>
+              <a:ext cx="5562598" cy="7457106"/>
+            </a:xfrm>
+            <a:prstGeom prst="rect">
+              <a:avLst/>
+            </a:prstGeom>
+            <a:effectLst>
+              <a:softEdge rad="0"/>
+            </a:effectLst>
+          </p:spPr>
+        </p:pic>
+      </p:grpSp>
+      <p:sp>
+        <p:nvSpPr>
+          <p:cNvPr id="2" name="Title 1">
+            <a:extLst>
+              <a:ext uri="{FF2B5EF4-FFF2-40B4-BE49-F238E27FC236}">
+                <a16:creationId xmlns:a16="http://schemas.microsoft.com/office/drawing/2014/main" id="{FC60A86F-C9EB-93AE-9163-0F2723C7C1CE}"/>
+              </a:ext>
+            </a:extLst>
+          </p:cNvPr>
+          <p:cNvSpPr>
+            <a:spLocks noGrp="1"/>
+          </p:cNvSpPr>
+          <p:nvPr>
+            <p:ph type="title"/>
+          </p:nvPr>
+        </p:nvSpPr>
+        <p:spPr>
+          <a:xfrm>
+            <a:off x="390528" y="98424"/>
+            <a:ext cx="7045969" cy="1590418"/>
+          </a:xfrm>
+        </p:spPr>
+        <p:txBody>
+          <a:bodyPr>
+            <a:normAutofit/>
+          </a:bodyPr>
+          <a:lstStyle/>
+          <a:p>
+            <a:r>
+              <a:rPr lang="fi-FI" sz="4000"/>
+              <a:t>Katie’s slide (Age)</a:t>
+            </a:r>
+            <a:endParaRPr lang="LID4096" sz="4000"/>
+          </a:p>
+        </p:txBody>
+      </p:sp>
+      <p:sp>
+        <p:nvSpPr>
+          <p:cNvPr id="27" name="Content Placeholder 8">
+            <a:extLst>
+              <a:ext uri="{FF2B5EF4-FFF2-40B4-BE49-F238E27FC236}">
+                <a16:creationId xmlns:a16="http://schemas.microsoft.com/office/drawing/2014/main" id="{5B753930-5F61-301E-1E88-C0E385601FD6}"/>
+              </a:ext>
+            </a:extLst>
+          </p:cNvPr>
+          <p:cNvSpPr>
+            <a:spLocks noGrp="1"/>
+          </p:cNvSpPr>
+          <p:nvPr>
+            <p:ph idx="1"/>
+          </p:nvPr>
+        </p:nvSpPr>
+        <p:spPr>
+          <a:xfrm>
+            <a:off x="737119" y="1492898"/>
+            <a:ext cx="6699378" cy="4603102"/>
+          </a:xfrm>
+        </p:spPr>
+        <p:txBody>
+          <a:bodyPr>
+            <a:normAutofit/>
+          </a:bodyPr>
+          <a:lstStyle/>
+          <a:p>
+            <a:r>
+              <a:rPr lang="en-US" sz="1800"/>
+              <a:t>82 participants took part in this survey. The following graph represents age distribution amongst the workers. </a:t>
+            </a:r>
+          </a:p>
+          <a:p>
+            <a:r>
+              <a:rPr lang="en-US" sz="1800"/>
+              <a:t>As it can be seen in Table1, the oldest participant was 61 years old and the youngest was 20 years old.</a:t>
+            </a:r>
+          </a:p>
+          <a:p>
+            <a:r>
+              <a:rPr lang="en-US" sz="1800"/>
+              <a:t>The mean age of all participants were shown to be ~38 years.</a:t>
+            </a:r>
+          </a:p>
+          <a:p>
+            <a:r>
+              <a:rPr lang="en-US" sz="1800"/>
+              <a:t>Out of 82 participants, 25% falls in the age group of 31 and younger, 50% falls below ~38 years, and 75% are 44 years old or younger.</a:t>
+            </a:r>
+          </a:p>
+          <a:p>
+            <a:r>
+              <a:rPr lang="en-US" sz="1800"/>
+              <a:t>Standard deviation (</a:t>
+            </a:r>
+            <a:r>
+              <a:rPr lang="en-US" sz="1800" i="1"/>
+              <a:t>SD) </a:t>
+            </a:r>
+            <a:r>
+              <a:rPr lang="en-US" sz="1800"/>
+              <a:t>suggests that the variability in the dataset is 9.8% . </a:t>
+            </a:r>
+          </a:p>
+        </p:txBody>
+      </p:sp>
+      <p:pic>
+        <p:nvPicPr>
+          <p:cNvPr id="5" name="Content Placeholder 4">
+            <a:extLst>
+              <a:ext uri="{FF2B5EF4-FFF2-40B4-BE49-F238E27FC236}">
+                <a16:creationId xmlns:a16="http://schemas.microsoft.com/office/drawing/2014/main" id="{51AE419B-CCF8-BFA8-E20F-AE47BE12D6D3}"/>
+              </a:ext>
+            </a:extLst>
+          </p:cNvPr>
+          <p:cNvPicPr>
+            <a:picLocks noChangeAspect="1"/>
+          </p:cNvPicPr>
+          <p:nvPr/>
+        </p:nvPicPr>
+        <p:blipFill>
+          <a:blip r:embed="rId4"/>
+          <a:stretch>
+            <a:fillRect/>
+          </a:stretch>
+        </p:blipFill>
+        <p:spPr>
+          <a:xfrm>
+            <a:off x="7865707" y="166077"/>
+            <a:ext cx="3886476" cy="3235491"/>
+          </a:xfrm>
+          <a:prstGeom prst="rect">
+            <a:avLst/>
+          </a:prstGeom>
+        </p:spPr>
+      </p:pic>
+      <p:pic>
+        <p:nvPicPr>
+          <p:cNvPr id="13" name="Picture 12">
+            <a:extLst>
+              <a:ext uri="{FF2B5EF4-FFF2-40B4-BE49-F238E27FC236}">
+                <a16:creationId xmlns:a16="http://schemas.microsoft.com/office/drawing/2014/main" id="{0C23A2E8-3107-7464-53B0-64AAAC4E8911}"/>
+              </a:ext>
+            </a:extLst>
+          </p:cNvPr>
+          <p:cNvPicPr>
+            <a:picLocks noChangeAspect="1"/>
+          </p:cNvPicPr>
+          <p:nvPr/>
+        </p:nvPicPr>
+        <p:blipFill>
+          <a:blip r:embed="rId5"/>
+          <a:stretch>
+            <a:fillRect/>
+          </a:stretch>
+        </p:blipFill>
+        <p:spPr>
+          <a:xfrm>
+            <a:off x="9135544" y="3622509"/>
+            <a:ext cx="1230765" cy="2285706"/>
+          </a:xfrm>
+          <a:prstGeom prst="rect">
+            <a:avLst/>
+          </a:prstGeom>
+        </p:spPr>
+      </p:pic>
+      <p:sp>
+        <p:nvSpPr>
+          <p:cNvPr id="15" name="TextBox 14">
+            <a:extLst>
+              <a:ext uri="{FF2B5EF4-FFF2-40B4-BE49-F238E27FC236}">
+                <a16:creationId xmlns:a16="http://schemas.microsoft.com/office/drawing/2014/main" id="{3E3DC17C-FB6D-3559-F50B-FDEF5BBE9AD1}"/>
+              </a:ext>
+            </a:extLst>
+          </p:cNvPr>
+          <p:cNvSpPr txBox="1"/>
+          <p:nvPr/>
+        </p:nvSpPr>
+        <p:spPr>
+          <a:xfrm>
+            <a:off x="7862659" y="256032"/>
+            <a:ext cx="866813" cy="307777"/>
+          </a:xfrm>
+          <a:prstGeom prst="rect">
+            <a:avLst/>
+          </a:prstGeom>
+          <a:noFill/>
+        </p:spPr>
+        <p:txBody>
+          <a:bodyPr wrap="square" rtlCol="0">
+            <a:spAutoFit/>
+          </a:bodyPr>
+          <a:lstStyle/>
+          <a:p>
+            <a:r>
+              <a:rPr lang="en-GB" sz="1400" i="1"/>
+              <a:t>Graph 1</a:t>
+            </a:r>
+          </a:p>
+        </p:txBody>
+      </p:sp>
+      <p:sp>
+        <p:nvSpPr>
+          <p:cNvPr id="19" name="TextBox 18">
+            <a:extLst>
+              <a:ext uri="{FF2B5EF4-FFF2-40B4-BE49-F238E27FC236}">
+                <a16:creationId xmlns:a16="http://schemas.microsoft.com/office/drawing/2014/main" id="{028F87B1-3A0C-1B88-0372-FE9FE772C3AA}"/>
+              </a:ext>
+            </a:extLst>
+          </p:cNvPr>
+          <p:cNvSpPr txBox="1"/>
+          <p:nvPr/>
+        </p:nvSpPr>
+        <p:spPr>
+          <a:xfrm>
+            <a:off x="8487235" y="3587603"/>
+            <a:ext cx="756592" cy="307777"/>
+          </a:xfrm>
+          <a:prstGeom prst="rect">
+            <a:avLst/>
+          </a:prstGeom>
+          <a:noFill/>
+        </p:spPr>
+        <p:txBody>
+          <a:bodyPr wrap="square" rtlCol="0">
+            <a:spAutoFit/>
+          </a:bodyPr>
+          <a:lstStyle/>
+          <a:p>
+            <a:r>
+              <a:rPr lang="en-GB" sz="1400" i="1"/>
+              <a:t>Table1</a:t>
+            </a:r>
+          </a:p>
+        </p:txBody>
+      </p:sp>
+    </p:spTree>
+    <p:extLst>
+      <p:ext uri="{BB962C8B-B14F-4D97-AF65-F5344CB8AC3E}">
+        <p14:creationId xmlns:p14="http://schemas.microsoft.com/office/powerpoint/2010/main" val="1627402840"/>
+      </p:ext>
+    </p:extLst>
+  </p:cSld>
+  <p:clrMapOvr>
+    <a:masterClrMapping/>
+  </p:clrMapOvr>
+</p:sld>
+</file>
+
+<file path=ppt/slides/slide6.xml><?xml version="1.0" encoding="utf-8"?>
+<p:sld xmlns:a="http://schemas.openxmlformats.org/drawingml/2006/main" xmlns:r="http://schemas.openxmlformats.org/officeDocument/2006/relationships" xmlns:p="http://schemas.openxmlformats.org/presentationml/2006/main">
+  <p:cSld>
+    <p:bg>
+      <p:bgPr>
+        <a:solidFill>
+          <a:schemeClr val="bg1"/>
+        </a:solidFill>
+        <a:effectLst/>
+      </p:bgPr>
+    </p:bg>
+    <p:spTree>
+      <p:nvGrpSpPr>
+        <p:cNvPr id="1" name=""/>
+        <p:cNvGrpSpPr/>
+        <p:nvPr/>
+      </p:nvGrpSpPr>
+      <p:grpSpPr>
+        <a:xfrm>
+          <a:off x="0" y="0"/>
+          <a:ext cx="0" cy="0"/>
+          <a:chOff x="0" y="0"/>
+          <a:chExt cx="0" cy="0"/>
+        </a:xfrm>
+      </p:grpSpPr>
+      <p:sp useBgFill="1">
+        <p:nvSpPr>
+          <p:cNvPr id="104" name="Rectangle 95">
+            <a:extLst>
+              <a:ext uri="{FF2B5EF4-FFF2-40B4-BE49-F238E27FC236}">
+                <a16:creationId xmlns:a16="http://schemas.microsoft.com/office/drawing/2014/main" id="{8651CFA9-6065-4243-AC48-858E359780B1}"/>
+              </a:ext>
+              <a:ext uri="{C183D7F6-B498-43B3-948B-1728B52AA6E4}">
+                <adec:decorative xmlns:adec="http://schemas.microsoft.com/office/drawing/2017/decorative" val="1"/>
+              </a:ext>
+            </a:extLst>
+          </p:cNvPr>
+          <p:cNvSpPr>
+            <a:spLocks noGrp="1" noRot="1" noChangeAspect="1" noMove="1" noResize="1" noEditPoints="1" noAdjustHandles="1" noChangeArrowheads="1" noChangeShapeType="1" noTextEdit="1"/>
+          </p:cNvSpPr>
+          <p:nvPr>
+            <p:extLst>
+              <p:ext uri="{386F3935-93C4-4BCD-93E2-E3B085C9AB24}">
+                <p16:designElem xmlns:p16="http://schemas.microsoft.com/office/powerpoint/2015/main" val="1"/>
+              </p:ext>
+            </p:extLst>
+          </p:nvPr>
+        </p:nvSpPr>
+        <p:spPr>
+          <a:xfrm>
+            <a:off x="0" y="0"/>
+            <a:ext cx="12188952" cy="6858000"/>
+          </a:xfrm>
+          <a:prstGeom prst="rect">
+            <a:avLst/>
+          </a:prstGeom>
+          <a:ln>
+            <a:noFill/>
+          </a:ln>
+        </p:spPr>
+        <p:style>
+          <a:lnRef idx="2">
+            <a:schemeClr val="accent1">
+              <a:shade val="50000"/>
+            </a:schemeClr>
+          </a:lnRef>
+          <a:fillRef idx="1">
+            <a:schemeClr val="accent1"/>
+          </a:fillRef>
+          <a:effectRef idx="0">
+            <a:schemeClr val="accent1"/>
+          </a:effectRef>
+          <a:fontRef idx="minor">
+            <a:schemeClr val="lt1"/>
+          </a:fontRef>
+        </p:style>
+        <p:txBody>
+          <a:bodyPr rtlCol="0" anchor="ctr"/>
+          <a:lstStyle/>
+          <a:p>
+            <a:pPr algn="ctr"/>
+            <a:endParaRPr lang="en-US">
+              <a:solidFill>
+                <a:schemeClr val="tx1">
+                  <a:lumMod val="65000"/>
+                  <a:lumOff val="35000"/>
+                </a:schemeClr>
+              </a:solidFill>
+              <a:latin typeface="AvenirNext LT Pro Medium" panose="020B0504020202020204" pitchFamily="34" charset="0"/>
+            </a:endParaRPr>
+          </a:p>
+        </p:txBody>
+      </p:sp>
+      <p:sp>
+        <p:nvSpPr>
+          <p:cNvPr id="105" name="Rectangle 97">
+            <a:extLst>
+              <a:ext uri="{FF2B5EF4-FFF2-40B4-BE49-F238E27FC236}">
+                <a16:creationId xmlns:a16="http://schemas.microsoft.com/office/drawing/2014/main" id="{FBC8BBE5-981E-4B0B-9654-32B5668BFF31}"/>
+              </a:ext>
+              <a:ext uri="{C183D7F6-B498-43B3-948B-1728B52AA6E4}">
+                <adec:decorative xmlns:adec="http://schemas.microsoft.com/office/drawing/2017/decorative" val="1"/>
+              </a:ext>
+            </a:extLst>
+          </p:cNvPr>
+          <p:cNvSpPr>
+            <a:spLocks noGrp="1" noRot="1" noChangeAspect="1" noMove="1" noResize="1" noEditPoints="1" noAdjustHandles="1" noChangeArrowheads="1" noChangeShapeType="1" noTextEdit="1"/>
+          </p:cNvSpPr>
+          <p:nvPr>
+            <p:extLst>
+              <p:ext uri="{386F3935-93C4-4BCD-93E2-E3B085C9AB24}">
+                <p16:designElem xmlns:p16="http://schemas.microsoft.com/office/powerpoint/2015/main" val="1"/>
+              </p:ext>
+            </p:extLst>
+          </p:nvPr>
+        </p:nvSpPr>
+        <p:spPr>
+          <a:xfrm>
+            <a:off x="3048" y="0"/>
+            <a:ext cx="12188952" cy="6858000"/>
+          </a:xfrm>
+          <a:prstGeom prst="rect">
+            <a:avLst/>
+          </a:prstGeom>
+          <a:solidFill>
+            <a:schemeClr val="bg2">
+              <a:lumMod val="90000"/>
+              <a:alpha val="70000"/>
+            </a:schemeClr>
+          </a:solidFill>
+          <a:ln>
+            <a:noFill/>
+          </a:ln>
+        </p:spPr>
+        <p:style>
+          <a:lnRef idx="2">
+            <a:schemeClr val="accent1">
+              <a:shade val="50000"/>
+            </a:schemeClr>
+          </a:lnRef>
+          <a:fillRef idx="1">
+            <a:schemeClr val="accent1"/>
+          </a:fillRef>
+          <a:effectRef idx="0">
+            <a:schemeClr val="accent1"/>
+          </a:effectRef>
+          <a:fontRef idx="minor">
+            <a:schemeClr val="lt1"/>
+          </a:fontRef>
+        </p:style>
+        <p:txBody>
+          <a:bodyPr rtlCol="0" anchor="ctr"/>
+          <a:lstStyle/>
+          <a:p>
+            <a:pPr algn="ctr"/>
+            <a:endParaRPr lang="en-US">
+              <a:solidFill>
+                <a:schemeClr val="tx1">
+                  <a:lumMod val="65000"/>
+                  <a:lumOff val="35000"/>
+                </a:schemeClr>
+              </a:solidFill>
+              <a:latin typeface="AvenirNext LT Pro Medium" panose="020B0504020202020204" pitchFamily="34" charset="0"/>
+            </a:endParaRPr>
+          </a:p>
+        </p:txBody>
+      </p:sp>
+      <p:grpSp>
+        <p:nvGrpSpPr>
+          <p:cNvPr id="106" name="Group 99">
+            <a:extLst>
+              <a:ext uri="{FF2B5EF4-FFF2-40B4-BE49-F238E27FC236}">
+                <a16:creationId xmlns:a16="http://schemas.microsoft.com/office/drawing/2014/main" id="{E54EDBA2-E203-497D-AB28-73A06B2DFDEE}"/>
+              </a:ext>
+              <a:ext uri="{C183D7F6-B498-43B3-948B-1728B52AA6E4}">
+                <adec:decorative xmlns:adec="http://schemas.microsoft.com/office/drawing/2017/decorative" val="1"/>
+              </a:ext>
+            </a:extLst>
+          </p:cNvPr>
+          <p:cNvGrpSpPr>
+            <a:grpSpLocks noGrp="1" noUngrp="1" noRot="1" noChangeAspect="1" noMove="1" noResize="1"/>
+          </p:cNvGrpSpPr>
+          <p:nvPr>
+            <p:extLst>
+              <p:ext uri="{386F3935-93C4-4BCD-93E2-E3B085C9AB24}">
+                <p16:designElem xmlns:p16="http://schemas.microsoft.com/office/powerpoint/2015/main" val="1"/>
+              </p:ext>
+            </p:extLst>
+          </p:nvPr>
+        </p:nvGrpSpPr>
+        <p:grpSpPr>
+          <a:xfrm>
+            <a:off x="4464881" y="0"/>
+            <a:ext cx="7724071" cy="6858000"/>
+            <a:chOff x="4464881" y="0"/>
+            <a:chExt cx="7724071" cy="6858000"/>
+          </a:xfrm>
+        </p:grpSpPr>
+        <p:pic>
+          <p:nvPicPr>
+            <p:cNvPr id="101" name="Picture 100">
+              <a:extLst>
+                <a:ext uri="{FF2B5EF4-FFF2-40B4-BE49-F238E27FC236}">
+                  <a16:creationId xmlns:a16="http://schemas.microsoft.com/office/drawing/2014/main" id="{B0803BB8-5406-470B-B62A-E9655DE0961A}"/>
+                </a:ext>
+                <a:ext uri="{C183D7F6-B498-43B3-948B-1728B52AA6E4}">
+                  <adec:decorative xmlns:adec="http://schemas.microsoft.com/office/drawing/2017/decorative" val="1"/>
+                </a:ext>
+              </a:extLst>
+            </p:cNvPr>
+            <p:cNvPicPr>
+              <a:picLocks noChangeAspect="1"/>
+            </p:cNvPicPr>
+            <p:nvPr>
+              <p:extLst>
+                <p:ext uri="{386F3935-93C4-4BCD-93E2-E3B085C9AB24}">
+                  <p16:designElem xmlns:p16="http://schemas.microsoft.com/office/powerpoint/2015/main" val="1"/>
+                </p:ext>
+              </p:extLst>
+            </p:nvPr>
+          </p:nvPicPr>
+          <p:blipFill>
+            <a:blip r:embed="rId2">
+              <a:duotone>
+                <a:schemeClr val="accent6">
+                  <a:shade val="45000"/>
+                  <a:satMod val="135000"/>
+                </a:schemeClr>
+                <a:prstClr val="white"/>
+              </a:duotone>
+              <a:alphaModFix amt="15000"/>
+              <a:extLst>
+                <a:ext uri="{28A0092B-C50C-407E-A947-70E740481C1C}">
+                  <a14:useLocalDpi xmlns:a14="http://schemas.microsoft.com/office/drawing/2010/main" val="0"/>
+                </a:ext>
+              </a:extLst>
+            </a:blip>
+            <a:stretch>
+              <a:fillRect/>
+            </a:stretch>
+          </p:blipFill>
+          <p:spPr>
+            <a:xfrm>
+              <a:off x="7073255" y="0"/>
+              <a:ext cx="5115697" cy="6858000"/>
+            </a:xfrm>
+            <a:prstGeom prst="rect">
+              <a:avLst/>
+            </a:prstGeom>
+          </p:spPr>
+        </p:pic>
+        <p:pic>
+          <p:nvPicPr>
+            <p:cNvPr id="102" name="Picture 101">
+              <a:extLst>
+                <a:ext uri="{FF2B5EF4-FFF2-40B4-BE49-F238E27FC236}">
+                  <a16:creationId xmlns:a16="http://schemas.microsoft.com/office/drawing/2014/main" id="{E12C3203-0987-4CF5-AA8C-5FBB11C7063E}"/>
+                </a:ext>
+                <a:ext uri="{C183D7F6-B498-43B3-948B-1728B52AA6E4}">
+                  <adec:decorative xmlns:adec="http://schemas.microsoft.com/office/drawing/2017/decorative" val="1"/>
+                </a:ext>
+              </a:extLst>
+            </p:cNvPr>
+            <p:cNvPicPr>
+              <a:picLocks noChangeAspect="1"/>
+            </p:cNvPicPr>
+            <p:nvPr>
+              <p:extLst>
+                <p:ext uri="{386F3935-93C4-4BCD-93E2-E3B085C9AB24}">
+                  <p16:designElem xmlns:p16="http://schemas.microsoft.com/office/powerpoint/2015/main" val="1"/>
+                </p:ext>
+              </p:extLst>
+            </p:nvPr>
+          </p:nvPicPr>
+          <p:blipFill>
+            <a:blip r:embed="rId3">
+              <a:duotone>
+                <a:schemeClr val="accent6">
+                  <a:shade val="45000"/>
+                  <a:satMod val="135000"/>
+                </a:schemeClr>
+                <a:prstClr val="white"/>
+              </a:duotone>
+              <a:alphaModFix amt="7000"/>
+              <a:extLst>
+                <a:ext uri="{28A0092B-C50C-407E-A947-70E740481C1C}">
+                  <a14:useLocalDpi xmlns:a14="http://schemas.microsoft.com/office/drawing/2010/main" val="0"/>
+                </a:ext>
+              </a:extLst>
+            </a:blip>
+            <a:stretch>
+              <a:fillRect/>
+            </a:stretch>
+          </p:blipFill>
+          <p:spPr>
+            <a:xfrm rot="16200000">
+              <a:off x="5412135" y="-947254"/>
+              <a:ext cx="5562598" cy="7457106"/>
+            </a:xfrm>
+            <a:prstGeom prst="rect">
+              <a:avLst/>
+            </a:prstGeom>
+            <a:effectLst>
+              <a:softEdge rad="0"/>
+            </a:effectLst>
+          </p:spPr>
+        </p:pic>
+      </p:grpSp>
+      <p:sp>
+        <p:nvSpPr>
+          <p:cNvPr id="2" name="Title 1">
+            <a:extLst>
+              <a:ext uri="{FF2B5EF4-FFF2-40B4-BE49-F238E27FC236}">
+                <a16:creationId xmlns:a16="http://schemas.microsoft.com/office/drawing/2014/main" id="{5FD84A74-3A6C-F4D8-BE30-E95E481604FC}"/>
+              </a:ext>
+            </a:extLst>
+          </p:cNvPr>
+          <p:cNvSpPr>
+            <a:spLocks noGrp="1"/>
+          </p:cNvSpPr>
+          <p:nvPr>
+            <p:ph type="title"/>
+          </p:nvPr>
+        </p:nvSpPr>
+        <p:spPr>
+          <a:xfrm>
+            <a:off x="838200" y="586992"/>
+            <a:ext cx="5413250" cy="1664573"/>
+          </a:xfrm>
+        </p:spPr>
+        <p:txBody>
+          <a:bodyPr>
+            <a:normAutofit/>
+          </a:bodyPr>
+          <a:lstStyle/>
+          <a:p>
+            <a:r>
+              <a:rPr lang="fi-FI" err="1"/>
+              <a:t>Salary</a:t>
+            </a:r>
+            <a:r>
+              <a:rPr lang="fi-FI"/>
+              <a:t> (Roy)</a:t>
+            </a:r>
+            <a:endParaRPr lang="LID4096"/>
+          </a:p>
+        </p:txBody>
+      </p:sp>
+      <p:sp>
+        <p:nvSpPr>
+          <p:cNvPr id="57" name="Content Placeholder 8">
+            <a:extLst>
+              <a:ext uri="{FF2B5EF4-FFF2-40B4-BE49-F238E27FC236}">
+                <a16:creationId xmlns:a16="http://schemas.microsoft.com/office/drawing/2014/main" id="{90AA31C0-A74F-2F69-15E2-23D8EE580828}"/>
+              </a:ext>
+            </a:extLst>
+          </p:cNvPr>
+          <p:cNvSpPr>
+            <a:spLocks noGrp="1"/>
+          </p:cNvSpPr>
+          <p:nvPr>
+            <p:ph idx="1"/>
+          </p:nvPr>
+        </p:nvSpPr>
+        <p:spPr>
+          <a:xfrm>
+            <a:off x="838200" y="2411653"/>
+            <a:ext cx="5412901" cy="3728613"/>
+          </a:xfrm>
+        </p:spPr>
+        <p:txBody>
+          <a:bodyPr>
+            <a:normAutofit/>
+          </a:bodyPr>
+          <a:lstStyle/>
+          <a:p>
+            <a:r>
+              <a:rPr lang="en-US" sz="1800"/>
+              <a:t>82 people’s salary information has been gathered </a:t>
+            </a:r>
+          </a:p>
+          <a:p>
+            <a:r>
+              <a:rPr lang="en-US" sz="1800"/>
+              <a:t>As we can see from the graph, the majority amount of the salary falls in between 2000 and ~2800 with a few outliers as high as ~6200</a:t>
+            </a:r>
+          </a:p>
+          <a:p>
+            <a:r>
+              <a:rPr lang="en-US" sz="1800"/>
+              <a:t> The average salary is ~2500</a:t>
+            </a:r>
+          </a:p>
+          <a:p>
+            <a:endParaRPr lang="en-US" sz="1800"/>
+          </a:p>
+        </p:txBody>
+      </p:sp>
+      <p:pic>
+        <p:nvPicPr>
+          <p:cNvPr id="7" name="Picture 6">
+            <a:extLst>
+              <a:ext uri="{FF2B5EF4-FFF2-40B4-BE49-F238E27FC236}">
+                <a16:creationId xmlns:a16="http://schemas.microsoft.com/office/drawing/2014/main" id="{EE3EA166-3E3C-09C5-0F51-348817C4A378}"/>
+              </a:ext>
+            </a:extLst>
+          </p:cNvPr>
+          <p:cNvPicPr>
+            <a:picLocks noChangeAspect="1"/>
+          </p:cNvPicPr>
+          <p:nvPr/>
+        </p:nvPicPr>
+        <p:blipFill>
+          <a:blip r:embed="rId4">
+            <a:extLst>
+              <a:ext uri="{28A0092B-C50C-407E-A947-70E740481C1C}">
+                <a14:useLocalDpi xmlns:a14="http://schemas.microsoft.com/office/drawing/2010/main" val="0"/>
+              </a:ext>
+            </a:extLst>
+          </a:blip>
+          <a:srcRect/>
+          <a:stretch/>
+        </p:blipFill>
+        <p:spPr>
+          <a:xfrm>
+            <a:off x="8365800" y="3679069"/>
+            <a:ext cx="1735004" cy="2708658"/>
+          </a:xfrm>
+          <a:prstGeom prst="rect">
+            <a:avLst/>
+          </a:prstGeom>
+        </p:spPr>
+      </p:pic>
+      <p:pic>
+        <p:nvPicPr>
+          <p:cNvPr id="5" name="Content Placeholder 4">
+            <a:extLst>
+              <a:ext uri="{FF2B5EF4-FFF2-40B4-BE49-F238E27FC236}">
+                <a16:creationId xmlns:a16="http://schemas.microsoft.com/office/drawing/2014/main" id="{FB218DE2-FC3D-8E76-7BFA-E86621CD02E0}"/>
+              </a:ext>
+            </a:extLst>
+          </p:cNvPr>
+          <p:cNvPicPr>
+            <a:picLocks noChangeAspect="1"/>
+          </p:cNvPicPr>
+          <p:nvPr/>
+        </p:nvPicPr>
+        <p:blipFill>
+          <a:blip r:embed="rId5">
+            <a:extLst>
+              <a:ext uri="{28A0092B-C50C-407E-A947-70E740481C1C}">
+                <a14:useLocalDpi xmlns:a14="http://schemas.microsoft.com/office/drawing/2010/main" val="0"/>
+              </a:ext>
+            </a:extLst>
+          </a:blip>
+          <a:stretch/>
+        </p:blipFill>
+        <p:spPr>
+          <a:xfrm>
+            <a:off x="7601580" y="720342"/>
+            <a:ext cx="3263443" cy="2708658"/>
+          </a:xfrm>
+          <a:prstGeom prst="rect">
+            <a:avLst/>
+          </a:prstGeom>
+        </p:spPr>
+      </p:pic>
+    </p:spTree>
+    <p:extLst>
+      <p:ext uri="{BB962C8B-B14F-4D97-AF65-F5344CB8AC3E}">
+        <p14:creationId xmlns:p14="http://schemas.microsoft.com/office/powerpoint/2010/main" val="833342778"/>
+      </p:ext>
+    </p:extLst>
+  </p:cSld>
+  <p:clrMapOvr>
+    <a:masterClrMapping/>
+  </p:clrMapOvr>
+</p:sld>
+</file>
+
+<file path=ppt/slides/slide7.xml><?xml version="1.0" encoding="utf-8"?>
+<p:sld xmlns:a="http://schemas.openxmlformats.org/drawingml/2006/main" xmlns:r="http://schemas.openxmlformats.org/officeDocument/2006/relationships" xmlns:p="http://schemas.openxmlformats.org/presentationml/2006/main">
+  <p:cSld>
+    <p:spTree>
+      <p:nvGrpSpPr>
+        <p:cNvPr id="1" name=""/>
+        <p:cNvGrpSpPr/>
+        <p:nvPr/>
+      </p:nvGrpSpPr>
+      <p:grpSpPr>
+        <a:xfrm>
+          <a:off x="0" y="0"/>
+          <a:ext cx="0" cy="0"/>
+          <a:chOff x="0" y="0"/>
+          <a:chExt cx="0" cy="0"/>
+        </a:xfrm>
+      </p:grpSpPr>
+      <p:sp>
+        <p:nvSpPr>
+          <p:cNvPr id="2" name="Title 1">
+            <a:extLst>
+              <a:ext uri="{FF2B5EF4-FFF2-40B4-BE49-F238E27FC236}">
+                <a16:creationId xmlns:a16="http://schemas.microsoft.com/office/drawing/2014/main" id="{E9FCD3FF-F45B-8D90-0C9A-8B9444056B35}"/>
               </a:ext>
             </a:extLst>
           </p:cNvPr>
@@ -4871,30 +10303,24 @@
           <a:lstStyle/>
           <a:p>
             <a:r>
-              <a:rPr lang="fi-FI" dirty="0" err="1"/>
-              <a:t>Background</a:t>
-            </a:r>
-            <a:r>
-              <a:rPr lang="fi-FI" dirty="0"/>
+              <a:rPr lang="fi-FI" err="1"/>
+              <a:t>Education</a:t>
+            </a:r>
+            <a:r>
+              <a:rPr lang="fi-FI"/>
               <a:t> </a:t>
             </a:r>
             <a:r>
-              <a:rPr lang="fi-FI" dirty="0" err="1"/>
-              <a:t>analysis</a:t>
-            </a:r>
-            <a:r>
-              <a:rPr lang="fi-FI" dirty="0"/>
-              <a:t> (</a:t>
-            </a:r>
-            <a:r>
-              <a:rPr lang="fi-FI" dirty="0" err="1"/>
-              <a:t>Education</a:t>
-            </a:r>
-            <a:r>
-              <a:rPr lang="fi-FI" dirty="0"/>
-              <a:t>) </a:t>
-            </a:r>
-            <a:endParaRPr lang="LID4096" dirty="0"/>
+              <a:rPr lang="fi-FI" err="1"/>
+              <a:t>level</a:t>
+            </a:r>
+            <a:r>
+              <a:rPr lang="fi-FI"/>
+              <a:t> (Viki) </a:t>
+            </a:r>
+            <a:endParaRPr lang="fi-FI" err="1">
+              <a:cs typeface="Sabon Next LT"/>
+            </a:endParaRPr>
           </a:p>
         </p:txBody>
       </p:sp>
@@ -4903,7 +10329,7 @@
           <p:cNvPr id="3" name="Content Placeholder 2">
             <a:extLst>
               <a:ext uri="{FF2B5EF4-FFF2-40B4-BE49-F238E27FC236}">
-                <a16:creationId xmlns:a16="http://schemas.microsoft.com/office/drawing/2014/main" id="{A7DC99B2-0AA5-82F2-5810-A5951B38BAB4}"/>
+                <a16:creationId xmlns:a16="http://schemas.microsoft.com/office/drawing/2014/main" id="{F7903209-7B69-F2CF-7AFD-F8DAB8DE1B72}"/>
               </a:ext>
             </a:extLst>
           </p:cNvPr>
@@ -4914,19 +10340,1255 @@
             <p:ph idx="1"/>
           </p:nvPr>
         </p:nvSpPr>
-        <p:spPr/>
+        <p:spPr>
+          <a:xfrm>
+            <a:off x="458694" y="1949450"/>
+            <a:ext cx="5994274" cy="4195763"/>
+          </a:xfrm>
+        </p:spPr>
         <p:txBody>
-          <a:bodyPr/>
+          <a:bodyPr vert="horz" lIns="91440" tIns="45720" rIns="91440" bIns="45720" rtlCol="0" anchor="t">
+            <a:normAutofit/>
+          </a:bodyPr>
           <a:lstStyle/>
           <a:p>
+            <a:r>
+              <a:rPr lang="en-US" sz="1700">
+                <a:ea typeface="+mn-lt"/>
+                <a:cs typeface="+mn-lt"/>
+              </a:rPr>
+              <a:t>Based on the survey the educational levels of our customers are distributed based on the percentage table shown here.</a:t>
+            </a:r>
             <a:endParaRPr lang="LID4096"/>
+          </a:p>
+          <a:p>
+            <a:r>
+              <a:rPr lang="en-US" sz="1700">
+                <a:ea typeface="+mn-lt"/>
+                <a:cs typeface="+mn-lt"/>
+              </a:rPr>
+              <a:t>81 people made input regarding their education level</a:t>
+            </a:r>
+            <a:endParaRPr lang="LID4096"/>
+          </a:p>
+          <a:p>
+            <a:r>
+              <a:rPr lang="en-US" sz="1700">
+                <a:solidFill>
+                  <a:srgbClr val="000000"/>
+                </a:solidFill>
+                <a:latin typeface="Avenir Next LT Pro"/>
+                <a:cs typeface="Arial"/>
+              </a:rPr>
+              <a:t>As</a:t>
+            </a:r>
+            <a:r>
+              <a:rPr lang="en-US" sz="1700">
+                <a:ea typeface="+mn-lt"/>
+                <a:cs typeface="+mn-lt"/>
+              </a:rPr>
+              <a:t> shown on the distribution, the vast majority is made up by secondary school graduates </a:t>
+            </a:r>
+            <a:br>
+              <a:rPr lang="en-US" sz="1700">
+                <a:ea typeface="+mn-lt"/>
+                <a:cs typeface="+mn-lt"/>
+              </a:rPr>
+            </a:br>
+            <a:r>
+              <a:rPr lang="en-US" sz="1700">
+                <a:ea typeface="+mn-lt"/>
+                <a:cs typeface="+mn-lt"/>
+              </a:rPr>
+              <a:t>(30 p / 37%)</a:t>
+            </a:r>
+            <a:endParaRPr lang="LID4096"/>
+          </a:p>
+          <a:p>
+            <a:r>
+              <a:rPr lang="en-US" sz="1700">
+                <a:ea typeface="+mn-lt"/>
+                <a:cs typeface="+mn-lt"/>
+              </a:rPr>
+              <a:t>The least percentage is made up by master’s level graduates. (2p / 2,5%) </a:t>
+            </a:r>
+            <a:endParaRPr lang="LID4096"/>
+          </a:p>
+          <a:p>
+            <a:r>
+              <a:rPr lang="en-US" sz="1700">
+                <a:ea typeface="+mn-lt"/>
+                <a:cs typeface="+mn-lt"/>
+              </a:rPr>
+              <a:t>University education together takes up less than either secondary or primary school graduates</a:t>
+            </a:r>
+            <a:br>
+              <a:rPr lang="en-US" sz="1700">
+                <a:ea typeface="+mn-lt"/>
+                <a:cs typeface="+mn-lt"/>
+              </a:rPr>
+            </a:br>
+            <a:r>
+              <a:rPr lang="en-US" sz="1700">
+                <a:ea typeface="+mn-lt"/>
+                <a:cs typeface="+mn-lt"/>
+              </a:rPr>
+              <a:t> (bachelor + masters &gt; primary + secondary) </a:t>
+            </a:r>
+            <a:endParaRPr lang="LID4096">
+              <a:solidFill>
+                <a:srgbClr val="000000"/>
+              </a:solidFill>
+              <a:latin typeface="Avenir Next LT Pro"/>
+              <a:cs typeface="Arial"/>
+            </a:endParaRPr>
+          </a:p>
+          <a:p>
+            <a:endParaRPr lang="LID4096"/>
+          </a:p>
+        </p:txBody>
+      </p:sp>
+      <p:pic>
+        <p:nvPicPr>
+          <p:cNvPr id="4" name="Kuva 3" descr="Kuva, joka sisältää kohteen teksti, kuvakaappaus, Fontti, numero&#10;&#10;Kuvaus luotu automaattisesti">
+            <a:extLst>
+              <a:ext uri="{FF2B5EF4-FFF2-40B4-BE49-F238E27FC236}">
+                <a16:creationId xmlns:a16="http://schemas.microsoft.com/office/drawing/2014/main" id="{93560767-ED00-007D-38F6-FA4111FC431C}"/>
+              </a:ext>
+            </a:extLst>
+          </p:cNvPr>
+          <p:cNvPicPr>
+            <a:picLocks noChangeAspect="1"/>
+          </p:cNvPicPr>
+          <p:nvPr/>
+        </p:nvPicPr>
+        <p:blipFill>
+          <a:blip r:embed="rId2"/>
+          <a:stretch>
+            <a:fillRect/>
+          </a:stretch>
+        </p:blipFill>
+        <p:spPr>
+          <a:xfrm>
+            <a:off x="7064062" y="1523956"/>
+            <a:ext cx="4031086" cy="1728002"/>
+          </a:xfrm>
+          <a:prstGeom prst="rect">
+            <a:avLst/>
+          </a:prstGeom>
+        </p:spPr>
+      </p:pic>
+      <p:pic>
+        <p:nvPicPr>
+          <p:cNvPr id="5" name="Kuva 4" descr="Kuva, joka sisältää kohteen teksti, kuvakaappaus, viiva, diagrammi&#10;&#10;Kuvaus luotu automaattisesti">
+            <a:extLst>
+              <a:ext uri="{FF2B5EF4-FFF2-40B4-BE49-F238E27FC236}">
+                <a16:creationId xmlns:a16="http://schemas.microsoft.com/office/drawing/2014/main" id="{6147C8E2-A9FF-BF4C-8D74-AB061E226477}"/>
+              </a:ext>
+            </a:extLst>
+          </p:cNvPr>
+          <p:cNvPicPr>
+            <a:picLocks noChangeAspect="1"/>
+          </p:cNvPicPr>
+          <p:nvPr/>
+        </p:nvPicPr>
+        <p:blipFill>
+          <a:blip r:embed="rId3"/>
+          <a:stretch>
+            <a:fillRect/>
+          </a:stretch>
+        </p:blipFill>
+        <p:spPr>
+          <a:xfrm>
+            <a:off x="6699161" y="3366836"/>
+            <a:ext cx="4750157" cy="3075735"/>
+          </a:xfrm>
+          <a:prstGeom prst="rect">
+            <a:avLst/>
+          </a:prstGeom>
+        </p:spPr>
+      </p:pic>
+    </p:spTree>
+    <p:extLst>
+      <p:ext uri="{BB962C8B-B14F-4D97-AF65-F5344CB8AC3E}">
+        <p14:creationId xmlns:p14="http://schemas.microsoft.com/office/powerpoint/2010/main" val="723807988"/>
+      </p:ext>
+    </p:extLst>
+  </p:cSld>
+  <p:clrMapOvr>
+    <a:masterClrMapping/>
+  </p:clrMapOvr>
+</p:sld>
+</file>
+
+<file path=ppt/slides/slide8.xml><?xml version="1.0" encoding="utf-8"?>
+<p:sld xmlns:a="http://schemas.openxmlformats.org/drawingml/2006/main" xmlns:r="http://schemas.openxmlformats.org/officeDocument/2006/relationships" xmlns:p="http://schemas.openxmlformats.org/presentationml/2006/main">
+  <p:cSld>
+    <p:bg>
+      <p:bgPr>
+        <a:solidFill>
+          <a:schemeClr val="bg1"/>
+        </a:solidFill>
+        <a:effectLst/>
+      </p:bgPr>
+    </p:bg>
+    <p:spTree>
+      <p:nvGrpSpPr>
+        <p:cNvPr id="1" name=""/>
+        <p:cNvGrpSpPr/>
+        <p:nvPr/>
+      </p:nvGrpSpPr>
+      <p:grpSpPr>
+        <a:xfrm>
+          <a:off x="0" y="0"/>
+          <a:ext cx="0" cy="0"/>
+          <a:chOff x="0" y="0"/>
+          <a:chExt cx="0" cy="0"/>
+        </a:xfrm>
+      </p:grpSpPr>
+      <p:sp useBgFill="1">
+        <p:nvSpPr>
+          <p:cNvPr id="8" name="Rectangle 7">
+            <a:extLst>
+              <a:ext uri="{FF2B5EF4-FFF2-40B4-BE49-F238E27FC236}">
+                <a16:creationId xmlns:a16="http://schemas.microsoft.com/office/drawing/2014/main" id="{DE61FBD7-E37C-4B38-BE44-A6D4978D7486}"/>
+              </a:ext>
+              <a:ext uri="{C183D7F6-B498-43B3-948B-1728B52AA6E4}">
+                <adec:decorative xmlns:adec="http://schemas.microsoft.com/office/drawing/2017/decorative" val="1"/>
+              </a:ext>
+            </a:extLst>
+          </p:cNvPr>
+          <p:cNvSpPr>
+            <a:spLocks noGrp="1" noRot="1" noChangeAspect="1" noMove="1" noResize="1" noEditPoints="1" noAdjustHandles="1" noChangeArrowheads="1" noChangeShapeType="1" noTextEdit="1"/>
+          </p:cNvSpPr>
+          <p:nvPr>
+            <p:extLst>
+              <p:ext uri="{386F3935-93C4-4BCD-93E2-E3B085C9AB24}">
+                <p16:designElem xmlns:p16="http://schemas.microsoft.com/office/powerpoint/2015/main" val="1"/>
+              </p:ext>
+            </p:extLst>
+          </p:nvPr>
+        </p:nvSpPr>
+        <p:spPr>
+          <a:xfrm>
+            <a:off x="0" y="0"/>
+            <a:ext cx="12188952" cy="6858000"/>
+          </a:xfrm>
+          <a:prstGeom prst="rect">
+            <a:avLst/>
+          </a:prstGeom>
+          <a:ln>
+            <a:noFill/>
+          </a:ln>
+        </p:spPr>
+        <p:style>
+          <a:lnRef idx="2">
+            <a:schemeClr val="accent1">
+              <a:shade val="50000"/>
+            </a:schemeClr>
+          </a:lnRef>
+          <a:fillRef idx="1">
+            <a:schemeClr val="accent1"/>
+          </a:fillRef>
+          <a:effectRef idx="0">
+            <a:schemeClr val="accent1"/>
+          </a:effectRef>
+          <a:fontRef idx="minor">
+            <a:schemeClr val="lt1"/>
+          </a:fontRef>
+        </p:style>
+        <p:txBody>
+          <a:bodyPr rtlCol="0" anchor="ctr"/>
+          <a:lstStyle/>
+          <a:p>
+            <a:pPr algn="ctr"/>
+            <a:endParaRPr lang="en-US">
+              <a:solidFill>
+                <a:schemeClr val="tx1">
+                  <a:lumMod val="65000"/>
+                  <a:lumOff val="35000"/>
+                </a:schemeClr>
+              </a:solidFill>
+              <a:latin typeface="AvenirNext LT Pro Medium" panose="020B0504020202020204" pitchFamily="34" charset="0"/>
+            </a:endParaRPr>
+          </a:p>
+        </p:txBody>
+      </p:sp>
+      <p:sp>
+        <p:nvSpPr>
+          <p:cNvPr id="10" name="Rectangle 9">
+            <a:extLst>
+              <a:ext uri="{FF2B5EF4-FFF2-40B4-BE49-F238E27FC236}">
+                <a16:creationId xmlns:a16="http://schemas.microsoft.com/office/drawing/2014/main" id="{823772C2-0911-45A0-B7B6-D811380C75AC}"/>
+              </a:ext>
+              <a:ext uri="{C183D7F6-B498-43B3-948B-1728B52AA6E4}">
+                <adec:decorative xmlns:adec="http://schemas.microsoft.com/office/drawing/2017/decorative" val="1"/>
+              </a:ext>
+            </a:extLst>
+          </p:cNvPr>
+          <p:cNvSpPr>
+            <a:spLocks noGrp="1" noRot="1" noChangeAspect="1" noMove="1" noResize="1" noEditPoints="1" noAdjustHandles="1" noChangeArrowheads="1" noChangeShapeType="1" noTextEdit="1"/>
+          </p:cNvSpPr>
+          <p:nvPr>
+            <p:extLst>
+              <p:ext uri="{386F3935-93C4-4BCD-93E2-E3B085C9AB24}">
+                <p16:designElem xmlns:p16="http://schemas.microsoft.com/office/powerpoint/2015/main" val="1"/>
+              </p:ext>
+            </p:extLst>
+          </p:nvPr>
+        </p:nvSpPr>
+        <p:spPr>
+          <a:xfrm>
+            <a:off x="0" y="0"/>
+            <a:ext cx="12188952" cy="6858000"/>
+          </a:xfrm>
+          <a:prstGeom prst="rect">
+            <a:avLst/>
+          </a:prstGeom>
+          <a:solidFill>
+            <a:schemeClr val="accent1"/>
+          </a:solidFill>
+          <a:ln>
+            <a:noFill/>
+          </a:ln>
+        </p:spPr>
+        <p:style>
+          <a:lnRef idx="2">
+            <a:schemeClr val="accent1">
+              <a:shade val="50000"/>
+            </a:schemeClr>
+          </a:lnRef>
+          <a:fillRef idx="1">
+            <a:schemeClr val="accent1"/>
+          </a:fillRef>
+          <a:effectRef idx="0">
+            <a:schemeClr val="accent1"/>
+          </a:effectRef>
+          <a:fontRef idx="minor">
+            <a:schemeClr val="lt1"/>
+          </a:fontRef>
+        </p:style>
+        <p:txBody>
+          <a:bodyPr rtlCol="0" anchor="ctr"/>
+          <a:lstStyle/>
+          <a:p>
+            <a:pPr algn="ctr"/>
+            <a:endParaRPr lang="en-US">
+              <a:solidFill>
+                <a:schemeClr val="tx1">
+                  <a:lumMod val="65000"/>
+                  <a:lumOff val="35000"/>
+                </a:schemeClr>
+              </a:solidFill>
+              <a:latin typeface="AvenirNext LT Pro Medium" panose="020B0504020202020204" pitchFamily="34" charset="0"/>
+            </a:endParaRPr>
+          </a:p>
+        </p:txBody>
+      </p:sp>
+      <p:grpSp>
+        <p:nvGrpSpPr>
+          <p:cNvPr id="12" name="Group 11">
+            <a:extLst>
+              <a:ext uri="{FF2B5EF4-FFF2-40B4-BE49-F238E27FC236}">
+                <a16:creationId xmlns:a16="http://schemas.microsoft.com/office/drawing/2014/main" id="{53A6A32E-D196-4536-A9E8-56D5BB884FCA}"/>
+              </a:ext>
+              <a:ext uri="{C183D7F6-B498-43B3-948B-1728B52AA6E4}">
+                <adec:decorative xmlns:adec="http://schemas.microsoft.com/office/drawing/2017/decorative" val="1"/>
+              </a:ext>
+            </a:extLst>
+          </p:cNvPr>
+          <p:cNvGrpSpPr>
+            <a:grpSpLocks noGrp="1" noUngrp="1" noRot="1" noChangeAspect="1" noMove="1" noResize="1"/>
+          </p:cNvGrpSpPr>
+          <p:nvPr>
+            <p:extLst>
+              <p:ext uri="{386F3935-93C4-4BCD-93E2-E3B085C9AB24}">
+                <p16:designElem xmlns:p16="http://schemas.microsoft.com/office/powerpoint/2015/main" val="1"/>
+              </p:ext>
+            </p:extLst>
+          </p:nvPr>
+        </p:nvGrpSpPr>
+        <p:grpSpPr>
+          <a:xfrm>
+            <a:off x="7657587" y="5080"/>
+            <a:ext cx="4531366" cy="6014720"/>
+            <a:chOff x="7657587" y="5080"/>
+            <a:chExt cx="4531366" cy="6014720"/>
+          </a:xfrm>
+        </p:grpSpPr>
+        <p:pic>
+          <p:nvPicPr>
+            <p:cNvPr id="13" name="Picture 12">
+              <a:extLst>
+                <a:ext uri="{FF2B5EF4-FFF2-40B4-BE49-F238E27FC236}">
+                  <a16:creationId xmlns:a16="http://schemas.microsoft.com/office/drawing/2014/main" id="{B88E3398-5BD2-49D6-A547-80FBD0FECCE8}"/>
+                </a:ext>
+                <a:ext uri="{C183D7F6-B498-43B3-948B-1728B52AA6E4}">
+                  <adec:decorative xmlns:adec="http://schemas.microsoft.com/office/drawing/2017/decorative" val="1"/>
+                </a:ext>
+              </a:extLst>
+            </p:cNvPr>
+            <p:cNvPicPr>
+              <a:picLocks noChangeAspect="1"/>
+            </p:cNvPicPr>
+            <p:nvPr>
+              <p:extLst>
+                <p:ext uri="{386F3935-93C4-4BCD-93E2-E3B085C9AB24}">
+                  <p16:designElem xmlns:p16="http://schemas.microsoft.com/office/powerpoint/2015/main" val="1"/>
+                </p:ext>
+              </p:extLst>
+            </p:nvPr>
+          </p:nvPicPr>
+          <p:blipFill rotWithShape="1">
+            <a:blip r:embed="rId2">
+              <a:alphaModFix amt="10000"/>
+              <a:extLst>
+                <a:ext uri="{28A0092B-C50C-407E-A947-70E740481C1C}">
+                  <a14:useLocalDpi xmlns:a14="http://schemas.microsoft.com/office/drawing/2010/main" val="0"/>
+                </a:ext>
+              </a:extLst>
+            </a:blip>
+            <a:srcRect l="22818" b="17291"/>
+            <a:stretch/>
+          </p:blipFill>
+          <p:spPr>
+            <a:xfrm flipH="1" flipV="1">
+              <a:off x="7657587" y="5080"/>
+              <a:ext cx="4531366" cy="4864019"/>
+            </a:xfrm>
+            <a:prstGeom prst="rect">
+              <a:avLst/>
+            </a:prstGeom>
+          </p:spPr>
+        </p:pic>
+        <p:pic>
+          <p:nvPicPr>
+            <p:cNvPr id="14" name="Picture 13">
+              <a:extLst>
+                <a:ext uri="{FF2B5EF4-FFF2-40B4-BE49-F238E27FC236}">
+                  <a16:creationId xmlns:a16="http://schemas.microsoft.com/office/drawing/2014/main" id="{80E4B511-9D99-4EAC-908E-9B474A52331F}"/>
+                </a:ext>
+                <a:ext uri="{C183D7F6-B498-43B3-948B-1728B52AA6E4}">
+                  <adec:decorative xmlns:adec="http://schemas.microsoft.com/office/drawing/2017/decorative" val="1"/>
+                </a:ext>
+              </a:extLst>
+            </p:cNvPr>
+            <p:cNvPicPr>
+              <a:picLocks noChangeAspect="1"/>
+            </p:cNvPicPr>
+            <p:nvPr>
+              <p:extLst>
+                <p:ext uri="{386F3935-93C4-4BCD-93E2-E3B085C9AB24}">
+                  <p16:designElem xmlns:p16="http://schemas.microsoft.com/office/powerpoint/2015/main" val="1"/>
+                </p:ext>
+              </p:extLst>
+            </p:nvPr>
+          </p:nvPicPr>
+          <p:blipFill rotWithShape="1">
+            <a:blip r:embed="rId2">
+              <a:alphaModFix amt="16000"/>
+              <a:extLst>
+                <a:ext uri="{28A0092B-C50C-407E-A947-70E740481C1C}">
+                  <a14:useLocalDpi xmlns:a14="http://schemas.microsoft.com/office/drawing/2010/main" val="0"/>
+                </a:ext>
+              </a:extLst>
+            </a:blip>
+            <a:srcRect r="40690"/>
+            <a:stretch/>
+          </p:blipFill>
+          <p:spPr>
+            <a:xfrm flipV="1">
+              <a:off x="8627628" y="5080"/>
+              <a:ext cx="3561325" cy="6014720"/>
+            </a:xfrm>
+            <a:prstGeom prst="rect">
+              <a:avLst/>
+            </a:prstGeom>
+          </p:spPr>
+        </p:pic>
+      </p:grpSp>
+      <p:sp>
+        <p:nvSpPr>
+          <p:cNvPr id="2" name="Title 1">
+            <a:extLst>
+              <a:ext uri="{FF2B5EF4-FFF2-40B4-BE49-F238E27FC236}">
+                <a16:creationId xmlns:a16="http://schemas.microsoft.com/office/drawing/2014/main" id="{D35C279A-F607-F2FC-CE91-DEE49601EC63}"/>
+              </a:ext>
+            </a:extLst>
+          </p:cNvPr>
+          <p:cNvSpPr>
+            <a:spLocks noGrp="1"/>
+          </p:cNvSpPr>
+          <p:nvPr>
+            <p:ph type="ctrTitle"/>
+          </p:nvPr>
+        </p:nvSpPr>
+        <p:spPr>
+          <a:xfrm>
+            <a:off x="798576" y="744909"/>
+            <a:ext cx="10591800" cy="3155419"/>
+          </a:xfrm>
+        </p:spPr>
+        <p:txBody>
+          <a:bodyPr anchor="b">
+            <a:normAutofit/>
+          </a:bodyPr>
+          <a:lstStyle/>
+          <a:p>
+            <a:r>
+              <a:rPr lang="LID4096" sz="5200" b="1">
+                <a:solidFill>
+                  <a:srgbClr val="FFFFFF"/>
+                </a:solidFill>
+                <a:cs typeface="Sabon Next LT"/>
+              </a:rPr>
+              <a:t>Background analysis</a:t>
+            </a:r>
+            <a:endParaRPr lang="fi-FI" sz="5200" b="1">
+              <a:solidFill>
+                <a:srgbClr val="FFFFFF"/>
+              </a:solidFill>
+              <a:cs typeface="Sabon Next LT"/>
+            </a:endParaRPr>
+          </a:p>
+        </p:txBody>
+      </p:sp>
+      <p:sp>
+        <p:nvSpPr>
+          <p:cNvPr id="3" name="Content Placeholder 2">
+            <a:extLst>
+              <a:ext uri="{FF2B5EF4-FFF2-40B4-BE49-F238E27FC236}">
+                <a16:creationId xmlns:a16="http://schemas.microsoft.com/office/drawing/2014/main" id="{1FBB4542-7416-E7B0-5988-8C7D2AFB8EA8}"/>
+              </a:ext>
+            </a:extLst>
+          </p:cNvPr>
+          <p:cNvSpPr>
+            <a:spLocks noGrp="1"/>
+          </p:cNvSpPr>
+          <p:nvPr>
+            <p:ph type="subTitle" idx="1"/>
+          </p:nvPr>
+        </p:nvSpPr>
+        <p:spPr>
+          <a:xfrm>
+            <a:off x="798577" y="4074784"/>
+            <a:ext cx="10591798" cy="2054306"/>
+          </a:xfrm>
+        </p:spPr>
+        <p:txBody>
+          <a:bodyPr vert="horz" lIns="91440" tIns="45720" rIns="91440" bIns="45720" rtlCol="0" anchor="t">
+            <a:normAutofit/>
+          </a:bodyPr>
+          <a:lstStyle/>
+          <a:p>
+            <a:r>
+              <a:rPr lang="LID4096" sz="2200">
+                <a:solidFill>
+                  <a:srgbClr val="FFFFFF"/>
+                </a:solidFill>
+              </a:rPr>
+              <a:t>Variable comparisons, reporting other relevant findings</a:t>
+            </a:r>
           </a:p>
         </p:txBody>
       </p:sp>
     </p:spTree>
     <p:extLst>
       <p:ext uri="{BB962C8B-B14F-4D97-AF65-F5344CB8AC3E}">
-        <p14:creationId xmlns:p14="http://schemas.microsoft.com/office/powerpoint/2010/main" val="2063800821"/>
+        <p14:creationId xmlns:p14="http://schemas.microsoft.com/office/powerpoint/2010/main" val="2129731390"/>
+      </p:ext>
+    </p:extLst>
+  </p:cSld>
+  <p:clrMapOvr>
+    <a:masterClrMapping/>
+  </p:clrMapOvr>
+  <p:timing>
+    <p:tnLst>
+      <p:par>
+        <p:cTn id="1" dur="indefinite" restart="never" nodeType="tmRoot">
+          <p:childTnLst>
+            <p:seq concurrent="1" nextAc="seek">
+              <p:cTn id="2" dur="indefinite" nodeType="mainSeq">
+                <p:childTnLst>
+                  <p:par>
+                    <p:cTn id="3" fill="hold">
+                      <p:stCondLst>
+                        <p:cond delay="indefinite"/>
+                        <p:cond evt="onBegin" delay="0">
+                          <p:tn val="2"/>
+                        </p:cond>
+                      </p:stCondLst>
+                      <p:childTnLst>
+                        <p:par>
+                          <p:cTn id="4" fill="hold">
+                            <p:stCondLst>
+                              <p:cond delay="0"/>
+                            </p:stCondLst>
+                            <p:childTnLst>
+                              <p:par>
+                                <p:cTn id="5" presetID="10" presetClass="entr" presetSubtype="0" fill="hold" grpId="0" nodeType="withEffect">
+                                  <p:stCondLst>
+                                    <p:cond delay="1000"/>
+                                  </p:stCondLst>
+                                  <p:iterate type="wd">
+                                    <p:tmPct val="15000"/>
+                                  </p:iterate>
+                                  <p:childTnLst>
+                                    <p:set>
+                                      <p:cBhvr>
+                                        <p:cTn id="6" dur="1" fill="hold">
+                                          <p:stCondLst>
+                                            <p:cond delay="0"/>
+                                          </p:stCondLst>
+                                        </p:cTn>
+                                        <p:tgtEl>
+                                          <p:spTgt spid="3">
+                                            <p:txEl>
+                                              <p:pRg st="0" end="0"/>
+                                            </p:txEl>
+                                          </p:spTgt>
+                                        </p:tgtEl>
+                                        <p:attrNameLst>
+                                          <p:attrName>style.visibility</p:attrName>
+                                        </p:attrNameLst>
+                                      </p:cBhvr>
+                                      <p:to>
+                                        <p:strVal val="visible"/>
+                                      </p:to>
+                                    </p:set>
+                                    <p:animEffect transition="in" filter="fade">
+                                      <p:cBhvr>
+                                        <p:cTn id="7" dur="1000"/>
+                                        <p:tgtEl>
+                                          <p:spTgt spid="3">
+                                            <p:txEl>
+                                              <p:pRg st="0" end="0"/>
+                                            </p:txEl>
+                                          </p:spTgt>
+                                        </p:tgtEl>
+                                      </p:cBhvr>
+                                    </p:animEffect>
+                                  </p:childTnLst>
+                                </p:cTn>
+                              </p:par>
+                              <p:par>
+                                <p:cTn id="8" presetID="10" presetClass="entr" presetSubtype="0" fill="hold" grpId="0" nodeType="withEffect">
+                                  <p:stCondLst>
+                                    <p:cond delay="500"/>
+                                  </p:stCondLst>
+                                  <p:iterate type="wd">
+                                    <p:tmPct val="15000"/>
+                                  </p:iterate>
+                                  <p:childTnLst>
+                                    <p:set>
+                                      <p:cBhvr>
+                                        <p:cTn id="9" dur="1" fill="hold">
+                                          <p:stCondLst>
+                                            <p:cond delay="0"/>
+                                          </p:stCondLst>
+                                        </p:cTn>
+                                        <p:tgtEl>
+                                          <p:spTgt spid="2"/>
+                                        </p:tgtEl>
+                                        <p:attrNameLst>
+                                          <p:attrName>style.visibility</p:attrName>
+                                        </p:attrNameLst>
+                                      </p:cBhvr>
+                                      <p:to>
+                                        <p:strVal val="visible"/>
+                                      </p:to>
+                                    </p:set>
+                                    <p:animEffect transition="in" filter="fade">
+                                      <p:cBhvr>
+                                        <p:cTn id="10" dur="1000"/>
+                                        <p:tgtEl>
+                                          <p:spTgt spid="2"/>
+                                        </p:tgtEl>
+                                      </p:cBhvr>
+                                    </p:animEffect>
+                                  </p:childTnLst>
+                                </p:cTn>
+                              </p:par>
+                            </p:childTnLst>
+                          </p:cTn>
+                        </p:par>
+                      </p:childTnLst>
+                    </p:cTn>
+                  </p:par>
+                </p:childTnLst>
+              </p:cTn>
+              <p:prevCondLst>
+                <p:cond evt="onPrev" delay="0">
+                  <p:tgtEl>
+                    <p:sldTgt/>
+                  </p:tgtEl>
+                </p:cond>
+              </p:prevCondLst>
+              <p:nextCondLst>
+                <p:cond evt="onNext" delay="0">
+                  <p:tgtEl>
+                    <p:sldTgt/>
+                  </p:tgtEl>
+                </p:cond>
+              </p:nextCondLst>
+            </p:seq>
+          </p:childTnLst>
+        </p:cTn>
+      </p:par>
+    </p:tnLst>
+    <p:bldLst>
+      <p:bldP spid="2" grpId="0"/>
+      <p:bldP spid="3" grpId="0" build="p"/>
+    </p:bldLst>
+  </p:timing>
+</p:sld>
+</file>
+
+<file path=ppt/slides/slide9.xml><?xml version="1.0" encoding="utf-8"?>
+<p:sld xmlns:a="http://schemas.openxmlformats.org/drawingml/2006/main" xmlns:r="http://schemas.openxmlformats.org/officeDocument/2006/relationships" xmlns:p="http://schemas.openxmlformats.org/presentationml/2006/main">
+  <p:cSld>
+    <p:bg>
+      <p:bgPr>
+        <a:solidFill>
+          <a:schemeClr val="bg1"/>
+        </a:solidFill>
+        <a:effectLst/>
+      </p:bgPr>
+    </p:bg>
+    <p:spTree>
+      <p:nvGrpSpPr>
+        <p:cNvPr id="1" name=""/>
+        <p:cNvGrpSpPr/>
+        <p:nvPr/>
+      </p:nvGrpSpPr>
+      <p:grpSpPr>
+        <a:xfrm>
+          <a:off x="0" y="0"/>
+          <a:ext cx="0" cy="0"/>
+          <a:chOff x="0" y="0"/>
+          <a:chExt cx="0" cy="0"/>
+        </a:xfrm>
+      </p:grpSpPr>
+      <p:sp useBgFill="1">
+        <p:nvSpPr>
+          <p:cNvPr id="8" name="Rectangle 7">
+            <a:extLst>
+              <a:ext uri="{FF2B5EF4-FFF2-40B4-BE49-F238E27FC236}">
+                <a16:creationId xmlns:a16="http://schemas.microsoft.com/office/drawing/2014/main" id="{8651CFA9-6065-4243-AC48-858E359780B1}"/>
+              </a:ext>
+              <a:ext uri="{C183D7F6-B498-43B3-948B-1728B52AA6E4}">
+                <adec:decorative xmlns:adec="http://schemas.microsoft.com/office/drawing/2017/decorative" val="1"/>
+              </a:ext>
+            </a:extLst>
+          </p:cNvPr>
+          <p:cNvSpPr>
+            <a:spLocks noGrp="1" noRot="1" noChangeAspect="1" noMove="1" noResize="1" noEditPoints="1" noAdjustHandles="1" noChangeArrowheads="1" noChangeShapeType="1" noTextEdit="1"/>
+          </p:cNvSpPr>
+          <p:nvPr>
+            <p:extLst>
+              <p:ext uri="{386F3935-93C4-4BCD-93E2-E3B085C9AB24}">
+                <p16:designElem xmlns:p16="http://schemas.microsoft.com/office/powerpoint/2015/main" val="1"/>
+              </p:ext>
+            </p:extLst>
+          </p:nvPr>
+        </p:nvSpPr>
+        <p:spPr>
+          <a:xfrm>
+            <a:off x="0" y="0"/>
+            <a:ext cx="12188952" cy="6858000"/>
+          </a:xfrm>
+          <a:prstGeom prst="rect">
+            <a:avLst/>
+          </a:prstGeom>
+          <a:ln>
+            <a:noFill/>
+          </a:ln>
+        </p:spPr>
+        <p:style>
+          <a:lnRef idx="2">
+            <a:schemeClr val="accent1">
+              <a:shade val="50000"/>
+            </a:schemeClr>
+          </a:lnRef>
+          <a:fillRef idx="1">
+            <a:schemeClr val="accent1"/>
+          </a:fillRef>
+          <a:effectRef idx="0">
+            <a:schemeClr val="accent1"/>
+          </a:effectRef>
+          <a:fontRef idx="minor">
+            <a:schemeClr val="lt1"/>
+          </a:fontRef>
+        </p:style>
+        <p:txBody>
+          <a:bodyPr rtlCol="0" anchor="ctr"/>
+          <a:lstStyle/>
+          <a:p>
+            <a:pPr algn="ctr"/>
+            <a:endParaRPr lang="en-US">
+              <a:solidFill>
+                <a:schemeClr val="tx1">
+                  <a:lumMod val="65000"/>
+                  <a:lumOff val="35000"/>
+                </a:schemeClr>
+              </a:solidFill>
+              <a:latin typeface="AvenirNext LT Pro Medium" panose="020B0504020202020204" pitchFamily="34" charset="0"/>
+            </a:endParaRPr>
+          </a:p>
+        </p:txBody>
+      </p:sp>
+      <p:sp>
+        <p:nvSpPr>
+          <p:cNvPr id="10" name="Rectangle 9">
+            <a:extLst>
+              <a:ext uri="{FF2B5EF4-FFF2-40B4-BE49-F238E27FC236}">
+                <a16:creationId xmlns:a16="http://schemas.microsoft.com/office/drawing/2014/main" id="{7462BFBC-0E19-4E6F-B0C7-CD5C519BC311}"/>
+              </a:ext>
+              <a:ext uri="{C183D7F6-B498-43B3-948B-1728B52AA6E4}">
+                <adec:decorative xmlns:adec="http://schemas.microsoft.com/office/drawing/2017/decorative" val="1"/>
+              </a:ext>
+            </a:extLst>
+          </p:cNvPr>
+          <p:cNvSpPr>
+            <a:spLocks noGrp="1" noRot="1" noChangeAspect="1" noMove="1" noResize="1" noEditPoints="1" noAdjustHandles="1" noChangeArrowheads="1" noChangeShapeType="1" noTextEdit="1"/>
+          </p:cNvSpPr>
+          <p:nvPr>
+            <p:extLst>
+              <p:ext uri="{386F3935-93C4-4BCD-93E2-E3B085C9AB24}">
+                <p16:designElem xmlns:p16="http://schemas.microsoft.com/office/powerpoint/2015/main" val="1"/>
+              </p:ext>
+            </p:extLst>
+          </p:nvPr>
+        </p:nvSpPr>
+        <p:spPr>
+          <a:xfrm>
+            <a:off x="0" y="0"/>
+            <a:ext cx="12188952" cy="6858000"/>
+          </a:xfrm>
+          <a:prstGeom prst="rect">
+            <a:avLst/>
+          </a:prstGeom>
+          <a:solidFill>
+            <a:schemeClr val="accent1"/>
+          </a:solidFill>
+          <a:ln>
+            <a:noFill/>
+          </a:ln>
+        </p:spPr>
+        <p:style>
+          <a:lnRef idx="2">
+            <a:schemeClr val="accent1">
+              <a:shade val="50000"/>
+            </a:schemeClr>
+          </a:lnRef>
+          <a:fillRef idx="1">
+            <a:schemeClr val="accent1"/>
+          </a:fillRef>
+          <a:effectRef idx="0">
+            <a:schemeClr val="accent1"/>
+          </a:effectRef>
+          <a:fontRef idx="minor">
+            <a:schemeClr val="lt1"/>
+          </a:fontRef>
+        </p:style>
+        <p:txBody>
+          <a:bodyPr rtlCol="0" anchor="ctr"/>
+          <a:lstStyle/>
+          <a:p>
+            <a:pPr algn="ctr"/>
+            <a:endParaRPr lang="en-US">
+              <a:solidFill>
+                <a:schemeClr val="tx1">
+                  <a:lumMod val="65000"/>
+                  <a:lumOff val="35000"/>
+                </a:schemeClr>
+              </a:solidFill>
+              <a:latin typeface="AvenirNext LT Pro Medium" panose="020B0504020202020204" pitchFamily="34" charset="0"/>
+            </a:endParaRPr>
+          </a:p>
+        </p:txBody>
+      </p:sp>
+      <p:grpSp>
+        <p:nvGrpSpPr>
+          <p:cNvPr id="12" name="Group 11">
+            <a:extLst>
+              <a:ext uri="{FF2B5EF4-FFF2-40B4-BE49-F238E27FC236}">
+                <a16:creationId xmlns:a16="http://schemas.microsoft.com/office/drawing/2014/main" id="{F2C2A007-4AE9-49C4-B364-5FDF34596224}"/>
+              </a:ext>
+              <a:ext uri="{C183D7F6-B498-43B3-948B-1728B52AA6E4}">
+                <adec:decorative xmlns:adec="http://schemas.microsoft.com/office/drawing/2017/decorative" val="1"/>
+              </a:ext>
+            </a:extLst>
+          </p:cNvPr>
+          <p:cNvGrpSpPr>
+            <a:grpSpLocks noGrp="1" noUngrp="1" noRot="1" noChangeAspect="1" noMove="1" noResize="1"/>
+          </p:cNvGrpSpPr>
+          <p:nvPr>
+            <p:extLst>
+              <p:ext uri="{386F3935-93C4-4BCD-93E2-E3B085C9AB24}">
+                <p16:designElem xmlns:p16="http://schemas.microsoft.com/office/powerpoint/2015/main" val="1"/>
+              </p:ext>
+            </p:extLst>
+          </p:nvPr>
+        </p:nvGrpSpPr>
+        <p:grpSpPr>
+          <a:xfrm flipV="1">
+            <a:off x="0" y="1"/>
+            <a:ext cx="5236971" cy="6858000"/>
+            <a:chOff x="20829" y="1"/>
+            <a:chExt cx="5236971" cy="6857999"/>
+          </a:xfrm>
+        </p:grpSpPr>
+        <p:pic>
+          <p:nvPicPr>
+            <p:cNvPr id="13" name="Picture 12">
+              <a:extLst>
+                <a:ext uri="{FF2B5EF4-FFF2-40B4-BE49-F238E27FC236}">
+                  <a16:creationId xmlns:a16="http://schemas.microsoft.com/office/drawing/2014/main" id="{7078F960-6916-4F42-8EF7-539F7BCF6E18}"/>
+                </a:ext>
+                <a:ext uri="{C183D7F6-B498-43B3-948B-1728B52AA6E4}">
+                  <adec:decorative xmlns:adec="http://schemas.microsoft.com/office/drawing/2017/decorative" val="1"/>
+                </a:ext>
+              </a:extLst>
+            </p:cNvPr>
+            <p:cNvPicPr>
+              <a:picLocks noChangeAspect="1"/>
+            </p:cNvPicPr>
+            <p:nvPr>
+              <p:extLst>
+                <p:ext uri="{386F3935-93C4-4BCD-93E2-E3B085C9AB24}">
+                  <p16:designElem xmlns:p16="http://schemas.microsoft.com/office/powerpoint/2015/main" val="1"/>
+                </p:ext>
+              </p:extLst>
+            </p:nvPr>
+          </p:nvPicPr>
+          <p:blipFill>
+            <a:blip r:embed="rId2">
+              <a:alphaModFix amt="15000"/>
+              <a:extLst>
+                <a:ext uri="{28A0092B-C50C-407E-A947-70E740481C1C}">
+                  <a14:useLocalDpi xmlns:a14="http://schemas.microsoft.com/office/drawing/2010/main" val="0"/>
+                </a:ext>
+              </a:extLst>
+            </a:blip>
+            <a:stretch>
+              <a:fillRect/>
+            </a:stretch>
+          </p:blipFill>
+          <p:spPr>
+            <a:xfrm>
+              <a:off x="20829" y="692703"/>
+              <a:ext cx="5236971" cy="6165297"/>
+            </a:xfrm>
+            <a:prstGeom prst="rect">
+              <a:avLst/>
+            </a:prstGeom>
+          </p:spPr>
+        </p:pic>
+        <p:pic>
+          <p:nvPicPr>
+            <p:cNvPr id="14" name="Picture 13">
+              <a:extLst>
+                <a:ext uri="{FF2B5EF4-FFF2-40B4-BE49-F238E27FC236}">
+                  <a16:creationId xmlns:a16="http://schemas.microsoft.com/office/drawing/2014/main" id="{5DDD393C-0974-429B-BE40-48457E19E488}"/>
+                </a:ext>
+                <a:ext uri="{C183D7F6-B498-43B3-948B-1728B52AA6E4}">
+                  <adec:decorative xmlns:adec="http://schemas.microsoft.com/office/drawing/2017/decorative" val="1"/>
+                </a:ext>
+              </a:extLst>
+            </p:cNvPr>
+            <p:cNvPicPr>
+              <a:picLocks noChangeAspect="1"/>
+            </p:cNvPicPr>
+            <p:nvPr>
+              <p:extLst>
+                <p:ext uri="{386F3935-93C4-4BCD-93E2-E3B085C9AB24}">
+                  <p16:designElem xmlns:p16="http://schemas.microsoft.com/office/powerpoint/2015/main" val="1"/>
+                </p:ext>
+              </p:extLst>
+            </p:nvPr>
+          </p:nvPicPr>
+          <p:blipFill rotWithShape="1">
+            <a:blip r:embed="rId2">
+              <a:alphaModFix amt="8000"/>
+              <a:extLst>
+                <a:ext uri="{28A0092B-C50C-407E-A947-70E740481C1C}">
+                  <a14:useLocalDpi xmlns:a14="http://schemas.microsoft.com/office/drawing/2010/main" val="0"/>
+                </a:ext>
+              </a:extLst>
+            </a:blip>
+            <a:srcRect l="19154" b="19117"/>
+            <a:stretch/>
+          </p:blipFill>
+          <p:spPr>
+            <a:xfrm rot="5400000">
+              <a:off x="393956" y="-373126"/>
+              <a:ext cx="4197222" cy="4943475"/>
+            </a:xfrm>
+            <a:prstGeom prst="rect">
+              <a:avLst/>
+            </a:prstGeom>
+          </p:spPr>
+        </p:pic>
+      </p:grpSp>
+      <p:sp>
+        <p:nvSpPr>
+          <p:cNvPr id="16" name="Rectangle 15">
+            <a:extLst>
+              <a:ext uri="{FF2B5EF4-FFF2-40B4-BE49-F238E27FC236}">
+                <a16:creationId xmlns:a16="http://schemas.microsoft.com/office/drawing/2014/main" id="{D813CD98-5EBE-426D-A4AC-FA5518B099DE}"/>
+              </a:ext>
+              <a:ext uri="{C183D7F6-B498-43B3-948B-1728B52AA6E4}">
+                <adec:decorative xmlns:adec="http://schemas.microsoft.com/office/drawing/2017/decorative" val="1"/>
+              </a:ext>
+            </a:extLst>
+          </p:cNvPr>
+          <p:cNvSpPr>
+            <a:spLocks noGrp="1" noRot="1" noChangeAspect="1" noMove="1" noResize="1" noEditPoints="1" noAdjustHandles="1" noChangeArrowheads="1" noChangeShapeType="1" noTextEdit="1"/>
+          </p:cNvSpPr>
+          <p:nvPr>
+            <p:extLst>
+              <p:ext uri="{386F3935-93C4-4BCD-93E2-E3B085C9AB24}">
+                <p16:designElem xmlns:p16="http://schemas.microsoft.com/office/powerpoint/2015/main" val="1"/>
+              </p:ext>
+            </p:extLst>
+          </p:nvPr>
+        </p:nvSpPr>
+        <p:spPr>
+          <a:xfrm>
+            <a:off x="684276" y="685800"/>
+            <a:ext cx="10820400" cy="5486400"/>
+          </a:xfrm>
+          <a:prstGeom prst="rect">
+            <a:avLst/>
+          </a:prstGeom>
+          <a:solidFill>
+            <a:schemeClr val="bg1"/>
+          </a:solidFill>
+          <a:ln>
+            <a:noFill/>
+          </a:ln>
+        </p:spPr>
+        <p:style>
+          <a:lnRef idx="2">
+            <a:schemeClr val="accent1">
+              <a:shade val="50000"/>
+            </a:schemeClr>
+          </a:lnRef>
+          <a:fillRef idx="1">
+            <a:schemeClr val="accent1"/>
+          </a:fillRef>
+          <a:effectRef idx="0">
+            <a:schemeClr val="accent1"/>
+          </a:effectRef>
+          <a:fontRef idx="minor">
+            <a:schemeClr val="lt1"/>
+          </a:fontRef>
+        </p:style>
+        <p:txBody>
+          <a:bodyPr rtlCol="0" anchor="ctr"/>
+          <a:lstStyle/>
+          <a:p>
+            <a:pPr algn="ctr"/>
+            <a:endParaRPr lang="en-US"/>
+          </a:p>
+        </p:txBody>
+      </p:sp>
+      <p:sp>
+        <p:nvSpPr>
+          <p:cNvPr id="18" name="Rectangle 17">
+            <a:extLst>
+              <a:ext uri="{FF2B5EF4-FFF2-40B4-BE49-F238E27FC236}">
+                <a16:creationId xmlns:a16="http://schemas.microsoft.com/office/drawing/2014/main" id="{B453545A-B2D3-41EE-A91C-DBF43402DD43}"/>
+              </a:ext>
+              <a:ext uri="{C183D7F6-B498-43B3-948B-1728B52AA6E4}">
+                <adec:decorative xmlns:adec="http://schemas.microsoft.com/office/drawing/2017/decorative" val="1"/>
+              </a:ext>
+            </a:extLst>
+          </p:cNvPr>
+          <p:cNvSpPr>
+            <a:spLocks noGrp="1" noRot="1" noChangeAspect="1" noMove="1" noResize="1" noEditPoints="1" noAdjustHandles="1" noChangeArrowheads="1" noChangeShapeType="1" noTextEdit="1"/>
+          </p:cNvSpPr>
+          <p:nvPr>
+            <p:extLst>
+              <p:ext uri="{386F3935-93C4-4BCD-93E2-E3B085C9AB24}">
+                <p16:designElem xmlns:p16="http://schemas.microsoft.com/office/powerpoint/2015/main" val="1"/>
+              </p:ext>
+            </p:extLst>
+          </p:nvPr>
+        </p:nvSpPr>
+        <p:spPr>
+          <a:xfrm>
+            <a:off x="684276" y="685800"/>
+            <a:ext cx="10820400" cy="5486400"/>
+          </a:xfrm>
+          <a:prstGeom prst="rect">
+            <a:avLst/>
+          </a:prstGeom>
+          <a:solidFill>
+            <a:schemeClr val="bg2">
+              <a:lumMod val="90000"/>
+              <a:alpha val="70000"/>
+            </a:schemeClr>
+          </a:solidFill>
+          <a:ln>
+            <a:noFill/>
+          </a:ln>
+        </p:spPr>
+        <p:style>
+          <a:lnRef idx="2">
+            <a:schemeClr val="accent1">
+              <a:shade val="50000"/>
+            </a:schemeClr>
+          </a:lnRef>
+          <a:fillRef idx="1">
+            <a:schemeClr val="accent1"/>
+          </a:fillRef>
+          <a:effectRef idx="0">
+            <a:schemeClr val="accent1"/>
+          </a:effectRef>
+          <a:fontRef idx="minor">
+            <a:schemeClr val="lt1"/>
+          </a:fontRef>
+        </p:style>
+        <p:txBody>
+          <a:bodyPr rtlCol="0" anchor="ctr"/>
+          <a:lstStyle/>
+          <a:p>
+            <a:pPr algn="ctr"/>
+            <a:endParaRPr lang="en-US"/>
+          </a:p>
+        </p:txBody>
+      </p:sp>
+      <p:sp>
+        <p:nvSpPr>
+          <p:cNvPr id="2" name="Otsikko 1">
+            <a:extLst>
+              <a:ext uri="{FF2B5EF4-FFF2-40B4-BE49-F238E27FC236}">
+                <a16:creationId xmlns:a16="http://schemas.microsoft.com/office/drawing/2014/main" id="{280DD61B-22A7-3D58-A0ED-2C2AFB5E9234}"/>
+              </a:ext>
+            </a:extLst>
+          </p:cNvPr>
+          <p:cNvSpPr>
+            <a:spLocks noGrp="1"/>
+          </p:cNvSpPr>
+          <p:nvPr>
+            <p:ph type="title"/>
+          </p:nvPr>
+        </p:nvSpPr>
+        <p:spPr>
+          <a:xfrm>
+            <a:off x="1143318" y="914400"/>
+            <a:ext cx="4952681" cy="5105400"/>
+          </a:xfrm>
+        </p:spPr>
+        <p:txBody>
+          <a:bodyPr anchor="ctr">
+            <a:normAutofit/>
+          </a:bodyPr>
+          <a:lstStyle/>
+          <a:p>
+            <a:r>
+              <a:rPr lang="fi-FI">
+                <a:cs typeface="Sabon Next LT"/>
+              </a:rPr>
+              <a:t>Analysis of </a:t>
+            </a:r>
+            <a:r>
+              <a:rPr lang="fi-FI" err="1">
+                <a:cs typeface="Sabon Next LT"/>
+              </a:rPr>
+              <a:t>two</a:t>
+            </a:r>
+            <a:r>
+              <a:rPr lang="fi-FI">
+                <a:cs typeface="Sabon Next LT"/>
+              </a:rPr>
+              <a:t> </a:t>
+            </a:r>
+            <a:r>
+              <a:rPr lang="fi-FI" err="1">
+                <a:cs typeface="Sabon Next LT"/>
+              </a:rPr>
+              <a:t>variables</a:t>
+            </a:r>
+            <a:r>
+              <a:rPr lang="fi-FI">
+                <a:cs typeface="Sabon Next LT"/>
+              </a:rPr>
+              <a:t> </a:t>
+            </a:r>
+            <a:endParaRPr lang="fi-FI"/>
+          </a:p>
+        </p:txBody>
+      </p:sp>
+      <p:sp>
+        <p:nvSpPr>
+          <p:cNvPr id="3" name="Sisällön paikkamerkki 2">
+            <a:extLst>
+              <a:ext uri="{FF2B5EF4-FFF2-40B4-BE49-F238E27FC236}">
+                <a16:creationId xmlns:a16="http://schemas.microsoft.com/office/drawing/2014/main" id="{40D137FA-18A4-4E72-3B1A-E45AE21D012B}"/>
+              </a:ext>
+            </a:extLst>
+          </p:cNvPr>
+          <p:cNvSpPr>
+            <a:spLocks noGrp="1"/>
+          </p:cNvSpPr>
+          <p:nvPr>
+            <p:ph idx="1"/>
+          </p:nvPr>
+        </p:nvSpPr>
+        <p:spPr>
+          <a:xfrm>
+            <a:off x="6324601" y="914400"/>
+            <a:ext cx="4800600" cy="5105400"/>
+          </a:xfrm>
+        </p:spPr>
+        <p:txBody>
+          <a:bodyPr vert="horz" lIns="91440" tIns="45720" rIns="91440" bIns="45720" rtlCol="0" anchor="ctr">
+            <a:normAutofit/>
+          </a:bodyPr>
+          <a:lstStyle/>
+          <a:p>
+            <a:r>
+              <a:rPr lang="en-US" sz="1800"/>
+              <a:t>Here we will report analysis between variables of: </a:t>
+            </a:r>
+          </a:p>
+          <a:p>
+            <a:pPr lvl="1"/>
+            <a:r>
+              <a:rPr lang="en-US" sz="1800"/>
+              <a:t>Age and gender</a:t>
+            </a:r>
+          </a:p>
+          <a:p>
+            <a:pPr lvl="1"/>
+            <a:r>
+              <a:rPr lang="en-US" sz="1800"/>
+              <a:t>Family and salary</a:t>
+            </a:r>
+          </a:p>
+          <a:p>
+            <a:pPr lvl="1"/>
+            <a:r>
+              <a:rPr lang="en-US" sz="1800"/>
+              <a:t>Education and years of service </a:t>
+            </a:r>
+          </a:p>
+          <a:p>
+            <a:pPr lvl="1"/>
+            <a:r>
+              <a:rPr lang="en-US" sz="1800"/>
+              <a:t>At first glance, one might think it does not carry much significance, although we have come to some interesting findings here</a:t>
+            </a:r>
+          </a:p>
+        </p:txBody>
+      </p:sp>
+    </p:spTree>
+    <p:extLst>
+      <p:ext uri="{BB962C8B-B14F-4D97-AF65-F5344CB8AC3E}">
+        <p14:creationId xmlns:p14="http://schemas.microsoft.com/office/powerpoint/2010/main" val="3257955536"/>
       </p:ext>
     </p:extLst>
   </p:cSld>

--- a/BigDataProject presentation.pptx
+++ b/BigDataProject presentation.pptx
@@ -128,13 +128,7 @@
 <file path=ppt/revisionInfo.xml><?xml version="1.0" encoding="utf-8"?>
 <p1510:revInfo xmlns:a="http://schemas.openxmlformats.org/drawingml/2006/main" xmlns:r="http://schemas.openxmlformats.org/officeDocument/2006/relationships" xmlns:p1510="http://schemas.microsoft.com/office/powerpoint/2015/10/main">
   <p1510:revLst>
-    <p1510:client id="{26A4DA2E-3B26-4A19-981B-FA4B6FD33F58}" v="1605" dt="2023-09-27T10:06:48.402"/>
-    <p1510:client id="{2FDE26DA-918B-C5FD-BEDC-B05DF466947D}" v="235" dt="2023-09-27T10:08:34.225"/>
-    <p1510:client id="{6E52E18D-70C0-C0CD-E9D5-B6670395D0A7}" v="31" dt="2023-09-27T10:30:17.758"/>
-    <p1510:client id="{8FE56CCC-2F3F-47D6-8213-205A330088DA}" v="1845" dt="2023-09-27T09:58:19.167"/>
-    <p1510:client id="{99DD3772-D7DA-ACAF-C41D-2125D048CA4C}" v="732" dt="2023-09-26T10:46:13.237"/>
-    <p1510:client id="{C4D42948-8866-3437-1BA9-3871038CE292}" v="55" dt="2023-09-27T10:25:38.896"/>
-    <p1510:client id="{F5E7641A-2F92-30B9-302F-3094BD75C4AE}" v="1" dt="2023-09-26T10:06:33.241"/>
+    <p1510:client id="{26A4DA2E-3B26-4A19-981B-FA4B6FD33F58}" v="1606" dt="2023-10-01T17:04:07.263"/>
   </p1510:revLst>
 </p1510:revInfo>
 </file>
@@ -142,80 +136,2035 @@
 <file path=ppt/changesInfos/changesInfo1.xml><?xml version="1.0" encoding="utf-8"?>
 <pc:chgInfo xmlns:a="http://schemas.openxmlformats.org/drawingml/2006/main" xmlns:r="http://schemas.openxmlformats.org/officeDocument/2006/relationships" xmlns:ac="http://schemas.microsoft.com/office/drawing/2013/main/command" xmlns:pc="http://schemas.microsoft.com/office/powerpoint/2013/main/command">
   <pc:docChgLst>
-    <pc:chgData name="Viktória Szabó" userId="S::viktoria22000@student.hamk.fi::55ff7ae3-70d3-4f82-942e-28ce8109f0e2" providerId="AD" clId="Web-{2FDE26DA-918B-C5FD-BEDC-B05DF466947D}"/>
-    <pc:docChg chg="modSld">
-      <pc:chgData name="Viktória Szabó" userId="S::viktoria22000@student.hamk.fi::55ff7ae3-70d3-4f82-942e-28ce8109f0e2" providerId="AD" clId="Web-{2FDE26DA-918B-C5FD-BEDC-B05DF466947D}" dt="2023-09-27T10:08:32.022" v="232" actId="20577"/>
+    <pc:chgData name="Roy Liu" userId="755465ea-a681-4840-afaf-3106d4ded39d" providerId="ADAL" clId="{26A4DA2E-3B26-4A19-981B-FA4B6FD33F58}"/>
+    <pc:docChg chg="undo custSel addSld delSld modSld sldOrd addMainMaster delMainMaster">
+      <pc:chgData name="Roy Liu" userId="755465ea-a681-4840-afaf-3106d4ded39d" providerId="ADAL" clId="{26A4DA2E-3B26-4A19-981B-FA4B6FD33F58}" dt="2023-10-01T17:13:08.855" v="2130" actId="20577"/>
       <pc:docMkLst>
         <pc:docMk/>
       </pc:docMkLst>
-      <pc:sldChg chg="modSp">
-        <pc:chgData name="Viktória Szabó" userId="S::viktoria22000@student.hamk.fi::55ff7ae3-70d3-4f82-942e-28ce8109f0e2" providerId="AD" clId="Web-{2FDE26DA-918B-C5FD-BEDC-B05DF466947D}" dt="2023-09-27T10:08:32.022" v="232" actId="20577"/>
+      <pc:sldChg chg="addSp delSp modSp new mod modTransition modMedia setBg modClrScheme addAnim delAnim modAnim chgLayout">
+        <pc:chgData name="Roy Liu" userId="755465ea-a681-4840-afaf-3106d4ded39d" providerId="ADAL" clId="{26A4DA2E-3B26-4A19-981B-FA4B6FD33F58}" dt="2023-09-26T09:44:02.538" v="257" actId="20577"/>
+        <pc:sldMkLst>
+          <pc:docMk/>
+          <pc:sldMk cId="4059361716" sldId="256"/>
+        </pc:sldMkLst>
+        <pc:spChg chg="mod">
+          <ac:chgData name="Roy Liu" userId="755465ea-a681-4840-afaf-3106d4ded39d" providerId="ADAL" clId="{26A4DA2E-3B26-4A19-981B-FA4B6FD33F58}" dt="2023-09-20T11:44:14.964" v="163"/>
+          <ac:spMkLst>
+            <pc:docMk/>
+            <pc:sldMk cId="4059361716" sldId="256"/>
+            <ac:spMk id="2" creationId="{FB1621ED-E470-38C9-3C00-E64A512B7968}"/>
+          </ac:spMkLst>
+        </pc:spChg>
+        <pc:spChg chg="mod">
+          <ac:chgData name="Roy Liu" userId="755465ea-a681-4840-afaf-3106d4ded39d" providerId="ADAL" clId="{26A4DA2E-3B26-4A19-981B-FA4B6FD33F58}" dt="2023-09-26T09:44:02.538" v="257" actId="20577"/>
+          <ac:spMkLst>
+            <pc:docMk/>
+            <pc:sldMk cId="4059361716" sldId="256"/>
+            <ac:spMk id="3" creationId="{A1373B98-8ED3-37B9-5EB5-687324157D0A}"/>
+          </ac:spMkLst>
+        </pc:spChg>
+        <pc:spChg chg="add del">
+          <ac:chgData name="Roy Liu" userId="755465ea-a681-4840-afaf-3106d4ded39d" providerId="ADAL" clId="{26A4DA2E-3B26-4A19-981B-FA4B6FD33F58}" dt="2023-09-20T11:39:00.334" v="135" actId="26606"/>
+          <ac:spMkLst>
+            <pc:docMk/>
+            <pc:sldMk cId="4059361716" sldId="256"/>
+            <ac:spMk id="9" creationId="{1E644DE9-8D09-43E2-BA69-F57482CFC93A}"/>
+          </ac:spMkLst>
+        </pc:spChg>
+        <pc:spChg chg="add del">
+          <ac:chgData name="Roy Liu" userId="755465ea-a681-4840-afaf-3106d4ded39d" providerId="ADAL" clId="{26A4DA2E-3B26-4A19-981B-FA4B6FD33F58}" dt="2023-09-20T11:39:00.334" v="135" actId="26606"/>
+          <ac:spMkLst>
+            <pc:docMk/>
+            <pc:sldMk cId="4059361716" sldId="256"/>
+            <ac:spMk id="11" creationId="{6C23C919-B32E-40FF-B3D8-631316E84E3E}"/>
+          </ac:spMkLst>
+        </pc:spChg>
+        <pc:spChg chg="add del">
+          <ac:chgData name="Roy Liu" userId="755465ea-a681-4840-afaf-3106d4ded39d" providerId="ADAL" clId="{26A4DA2E-3B26-4A19-981B-FA4B6FD33F58}" dt="2023-09-20T11:39:10.769" v="139" actId="26606"/>
+          <ac:spMkLst>
+            <pc:docMk/>
+            <pc:sldMk cId="4059361716" sldId="256"/>
+            <ac:spMk id="13" creationId="{3768F94E-2BF1-56A5-87AC-0C427079334B}"/>
+          </ac:spMkLst>
+        </pc:spChg>
+        <pc:spChg chg="add del">
+          <ac:chgData name="Roy Liu" userId="755465ea-a681-4840-afaf-3106d4ded39d" providerId="ADAL" clId="{26A4DA2E-3B26-4A19-981B-FA4B6FD33F58}" dt="2023-09-20T11:39:10.769" v="139" actId="26606"/>
+          <ac:spMkLst>
+            <pc:docMk/>
+            <pc:sldMk cId="4059361716" sldId="256"/>
+            <ac:spMk id="15" creationId="{393D8CD4-7FBE-9118-0CEB-9C1A2FA6AE5A}"/>
+          </ac:spMkLst>
+        </pc:spChg>
+        <pc:spChg chg="add del">
+          <ac:chgData name="Roy Liu" userId="755465ea-a681-4840-afaf-3106d4ded39d" providerId="ADAL" clId="{26A4DA2E-3B26-4A19-981B-FA4B6FD33F58}" dt="2023-09-20T11:39:47.178" v="143" actId="26606"/>
+          <ac:spMkLst>
+            <pc:docMk/>
+            <pc:sldMk cId="4059361716" sldId="256"/>
+            <ac:spMk id="17" creationId="{1E644DE9-8D09-43E2-BA69-F57482CFC93A}"/>
+          </ac:spMkLst>
+        </pc:spChg>
+        <pc:spChg chg="add del">
+          <ac:chgData name="Roy Liu" userId="755465ea-a681-4840-afaf-3106d4ded39d" providerId="ADAL" clId="{26A4DA2E-3B26-4A19-981B-FA4B6FD33F58}" dt="2023-09-20T11:39:47.178" v="143" actId="26606"/>
+          <ac:spMkLst>
+            <pc:docMk/>
+            <pc:sldMk cId="4059361716" sldId="256"/>
+            <ac:spMk id="18" creationId="{6C23C919-B32E-40FF-B3D8-631316E84E3E}"/>
+          </ac:spMkLst>
+        </pc:spChg>
+        <pc:spChg chg="add del">
+          <ac:chgData name="Roy Liu" userId="755465ea-a681-4840-afaf-3106d4ded39d" providerId="ADAL" clId="{26A4DA2E-3B26-4A19-981B-FA4B6FD33F58}" dt="2023-09-20T11:39:49.982" v="145" actId="26606"/>
+          <ac:spMkLst>
+            <pc:docMk/>
+            <pc:sldMk cId="4059361716" sldId="256"/>
+            <ac:spMk id="21" creationId="{0623FB3B-24E7-5304-70D8-3CA402902220}"/>
+          </ac:spMkLst>
+        </pc:spChg>
+        <pc:spChg chg="add del">
+          <ac:chgData name="Roy Liu" userId="755465ea-a681-4840-afaf-3106d4ded39d" providerId="ADAL" clId="{26A4DA2E-3B26-4A19-981B-FA4B6FD33F58}" dt="2023-09-20T11:39:49.982" v="145" actId="26606"/>
+          <ac:spMkLst>
+            <pc:docMk/>
+            <pc:sldMk cId="4059361716" sldId="256"/>
+            <ac:spMk id="22" creationId="{97081EE3-B6BE-9584-F5AF-E5F6484DA7A1}"/>
+          </ac:spMkLst>
+        </pc:spChg>
+        <pc:spChg chg="add del">
+          <ac:chgData name="Roy Liu" userId="755465ea-a681-4840-afaf-3106d4ded39d" providerId="ADAL" clId="{26A4DA2E-3B26-4A19-981B-FA4B6FD33F58}" dt="2023-09-20T11:39:49.982" v="145" actId="26606"/>
+          <ac:spMkLst>
+            <pc:docMk/>
+            <pc:sldMk cId="4059361716" sldId="256"/>
+            <ac:spMk id="24" creationId="{4711BF64-C99B-2F90-ADA1-0C08F9BE8392}"/>
+          </ac:spMkLst>
+        </pc:spChg>
+        <pc:spChg chg="add del">
+          <ac:chgData name="Roy Liu" userId="755465ea-a681-4840-afaf-3106d4ded39d" providerId="ADAL" clId="{26A4DA2E-3B26-4A19-981B-FA4B6FD33F58}" dt="2023-09-20T11:39:52.314" v="147" actId="26606"/>
+          <ac:spMkLst>
+            <pc:docMk/>
+            <pc:sldMk cId="4059361716" sldId="256"/>
+            <ac:spMk id="26" creationId="{733E0473-C315-42D8-A82A-A2FE49DC67DA}"/>
+          </ac:spMkLst>
+        </pc:spChg>
+        <pc:spChg chg="add del">
+          <ac:chgData name="Roy Liu" userId="755465ea-a681-4840-afaf-3106d4ded39d" providerId="ADAL" clId="{26A4DA2E-3B26-4A19-981B-FA4B6FD33F58}" dt="2023-09-20T11:39:52.314" v="147" actId="26606"/>
+          <ac:spMkLst>
+            <pc:docMk/>
+            <pc:sldMk cId="4059361716" sldId="256"/>
+            <ac:spMk id="27" creationId="{AD23A251-68F2-43E5-812B-4BBAE1AF535E}"/>
+          </ac:spMkLst>
+        </pc:spChg>
+        <pc:spChg chg="add">
+          <ac:chgData name="Roy Liu" userId="755465ea-a681-4840-afaf-3106d4ded39d" providerId="ADAL" clId="{26A4DA2E-3B26-4A19-981B-FA4B6FD33F58}" dt="2023-09-20T11:39:52.354" v="148" actId="26606"/>
+          <ac:spMkLst>
+            <pc:docMk/>
+            <pc:sldMk cId="4059361716" sldId="256"/>
+            <ac:spMk id="37" creationId="{1E644DE9-8D09-43E2-BA69-F57482CFC93A}"/>
+          </ac:spMkLst>
+        </pc:spChg>
+        <pc:spChg chg="add">
+          <ac:chgData name="Roy Liu" userId="755465ea-a681-4840-afaf-3106d4ded39d" providerId="ADAL" clId="{26A4DA2E-3B26-4A19-981B-FA4B6FD33F58}" dt="2023-09-20T11:39:52.354" v="148" actId="26606"/>
+          <ac:spMkLst>
+            <pc:docMk/>
+            <pc:sldMk cId="4059361716" sldId="256"/>
+            <ac:spMk id="38" creationId="{6C23C919-B32E-40FF-B3D8-631316E84E3E}"/>
+          </ac:spMkLst>
+        </pc:spChg>
+        <pc:grpChg chg="add del">
+          <ac:chgData name="Roy Liu" userId="755465ea-a681-4840-afaf-3106d4ded39d" providerId="ADAL" clId="{26A4DA2E-3B26-4A19-981B-FA4B6FD33F58}" dt="2023-09-20T11:39:52.314" v="147" actId="26606"/>
+          <ac:grpSpMkLst>
+            <pc:docMk/>
+            <pc:sldMk cId="4059361716" sldId="256"/>
+            <ac:grpSpMk id="29" creationId="{0350AF23-2606-421F-AB7B-23D9B48F3E9B}"/>
+          </ac:grpSpMkLst>
+        </pc:grpChg>
+        <pc:picChg chg="add del">
+          <ac:chgData name="Roy Liu" userId="755465ea-a681-4840-afaf-3106d4ded39d" providerId="ADAL" clId="{26A4DA2E-3B26-4A19-981B-FA4B6FD33F58}" dt="2023-09-20T11:39:00.334" v="135" actId="26606"/>
+          <ac:picMkLst>
+            <pc:docMk/>
+            <pc:sldMk cId="4059361716" sldId="256"/>
+            <ac:picMk id="4" creationId="{B80152C7-DADA-79AF-671F-ED9DFFAEEDA7}"/>
+          </ac:picMkLst>
+        </pc:picChg>
+        <pc:picChg chg="add del mod">
+          <ac:chgData name="Roy Liu" userId="755465ea-a681-4840-afaf-3106d4ded39d" providerId="ADAL" clId="{26A4DA2E-3B26-4A19-981B-FA4B6FD33F58}" dt="2023-09-20T11:39:10.769" v="139" actId="26606"/>
+          <ac:picMkLst>
+            <pc:docMk/>
+            <pc:sldMk cId="4059361716" sldId="256"/>
+            <ac:picMk id="14" creationId="{896F5DF2-BCFC-2FB4-5329-B94F5C89D821}"/>
+          </ac:picMkLst>
+        </pc:picChg>
+        <pc:picChg chg="add del">
+          <ac:chgData name="Roy Liu" userId="755465ea-a681-4840-afaf-3106d4ded39d" providerId="ADAL" clId="{26A4DA2E-3B26-4A19-981B-FA4B6FD33F58}" dt="2023-09-20T11:39:47.178" v="143" actId="26606"/>
+          <ac:picMkLst>
+            <pc:docMk/>
+            <pc:sldMk cId="4059361716" sldId="256"/>
+            <ac:picMk id="19" creationId="{B80152C7-DADA-79AF-671F-ED9DFFAEEDA7}"/>
+          </ac:picMkLst>
+        </pc:picChg>
+        <pc:picChg chg="add del">
+          <ac:chgData name="Roy Liu" userId="755465ea-a681-4840-afaf-3106d4ded39d" providerId="ADAL" clId="{26A4DA2E-3B26-4A19-981B-FA4B6FD33F58}" dt="2023-09-20T11:39:49.982" v="145" actId="26606"/>
+          <ac:picMkLst>
+            <pc:docMk/>
+            <pc:sldMk cId="4059361716" sldId="256"/>
+            <ac:picMk id="23" creationId="{063B0685-32E7-D1F1-01AE-972466F1B3F9}"/>
+          </ac:picMkLst>
+        </pc:picChg>
+        <pc:picChg chg="add del">
+          <ac:chgData name="Roy Liu" userId="755465ea-a681-4840-afaf-3106d4ded39d" providerId="ADAL" clId="{26A4DA2E-3B26-4A19-981B-FA4B6FD33F58}" dt="2023-09-20T11:39:52.314" v="147" actId="26606"/>
+          <ac:picMkLst>
+            <pc:docMk/>
+            <pc:sldMk cId="4059361716" sldId="256"/>
+            <ac:picMk id="28" creationId="{B3EE9219-1F6E-EC8E-1308-4E7893ED0E74}"/>
+          </ac:picMkLst>
+        </pc:picChg>
+        <pc:picChg chg="add">
+          <ac:chgData name="Roy Liu" userId="755465ea-a681-4840-afaf-3106d4ded39d" providerId="ADAL" clId="{26A4DA2E-3B26-4A19-981B-FA4B6FD33F58}" dt="2023-09-20T11:39:52.354" v="148" actId="26606"/>
+          <ac:picMkLst>
+            <pc:docMk/>
+            <pc:sldMk cId="4059361716" sldId="256"/>
+            <ac:picMk id="39" creationId="{B80152C7-DADA-79AF-671F-ED9DFFAEEDA7}"/>
+          </ac:picMkLst>
+        </pc:picChg>
+      </pc:sldChg>
+      <pc:sldChg chg="modSp new mod">
+        <pc:chgData name="Roy Liu" userId="755465ea-a681-4840-afaf-3106d4ded39d" providerId="ADAL" clId="{26A4DA2E-3B26-4A19-981B-FA4B6FD33F58}" dt="2023-09-26T10:08:46.662" v="652" actId="20577"/>
+        <pc:sldMkLst>
+          <pc:docMk/>
+          <pc:sldMk cId="1499829321" sldId="257"/>
+        </pc:sldMkLst>
+        <pc:spChg chg="mod">
+          <ac:chgData name="Roy Liu" userId="755465ea-a681-4840-afaf-3106d4ded39d" providerId="ADAL" clId="{26A4DA2E-3B26-4A19-981B-FA4B6FD33F58}" dt="2023-09-26T09:49:19.300" v="258" actId="790"/>
+          <ac:spMkLst>
+            <pc:docMk/>
+            <pc:sldMk cId="1499829321" sldId="257"/>
+            <ac:spMk id="2" creationId="{6E7FAB23-3BBF-1A08-4ADC-40F67AE0A9F3}"/>
+          </ac:spMkLst>
+        </pc:spChg>
+        <pc:spChg chg="mod">
+          <ac:chgData name="Roy Liu" userId="755465ea-a681-4840-afaf-3106d4ded39d" providerId="ADAL" clId="{26A4DA2E-3B26-4A19-981B-FA4B6FD33F58}" dt="2023-09-26T10:08:46.662" v="652" actId="20577"/>
+          <ac:spMkLst>
+            <pc:docMk/>
+            <pc:sldMk cId="1499829321" sldId="257"/>
+            <ac:spMk id="3" creationId="{27880FD4-D46A-B9D5-23AC-6C0D8D9629D2}"/>
+          </ac:spMkLst>
+        </pc:spChg>
+      </pc:sldChg>
+      <pc:sldChg chg="modSp new mod">
+        <pc:chgData name="Roy Liu" userId="755465ea-a681-4840-afaf-3106d4ded39d" providerId="ADAL" clId="{26A4DA2E-3B26-4A19-981B-FA4B6FD33F58}" dt="2023-09-27T09:57:53.830" v="1536" actId="20577"/>
+        <pc:sldMkLst>
+          <pc:docMk/>
+          <pc:sldMk cId="3596416156" sldId="258"/>
+        </pc:sldMkLst>
+        <pc:spChg chg="mod">
+          <ac:chgData name="Roy Liu" userId="755465ea-a681-4840-afaf-3106d4ded39d" providerId="ADAL" clId="{26A4DA2E-3B26-4A19-981B-FA4B6FD33F58}" dt="2023-09-26T09:58:33.208" v="368" actId="20577"/>
+          <ac:spMkLst>
+            <pc:docMk/>
+            <pc:sldMk cId="3596416156" sldId="258"/>
+            <ac:spMk id="2" creationId="{027F2EE5-1AEC-892A-0F33-1DAF05804E15}"/>
+          </ac:spMkLst>
+        </pc:spChg>
+        <pc:spChg chg="mod">
+          <ac:chgData name="Roy Liu" userId="755465ea-a681-4840-afaf-3106d4ded39d" providerId="ADAL" clId="{26A4DA2E-3B26-4A19-981B-FA4B6FD33F58}" dt="2023-09-27T09:57:53.830" v="1536" actId="20577"/>
+          <ac:spMkLst>
+            <pc:docMk/>
+            <pc:sldMk cId="3596416156" sldId="258"/>
+            <ac:spMk id="3" creationId="{C5FBD0D9-1F3E-B448-0B80-6863AE3ECA96}"/>
+          </ac:spMkLst>
+        </pc:spChg>
+      </pc:sldChg>
+      <pc:sldChg chg="modSp new del mod">
+        <pc:chgData name="Roy Liu" userId="755465ea-a681-4840-afaf-3106d4ded39d" providerId="ADAL" clId="{26A4DA2E-3B26-4A19-981B-FA4B6FD33F58}" dt="2023-09-26T09:59:07.693" v="466" actId="2696"/>
+        <pc:sldMkLst>
+          <pc:docMk/>
+          <pc:sldMk cId="2063800821" sldId="259"/>
+        </pc:sldMkLst>
+        <pc:spChg chg="mod">
+          <ac:chgData name="Roy Liu" userId="755465ea-a681-4840-afaf-3106d4ded39d" providerId="ADAL" clId="{26A4DA2E-3B26-4A19-981B-FA4B6FD33F58}" dt="2023-09-26T09:50:11.128" v="264" actId="20577"/>
+          <ac:spMkLst>
+            <pc:docMk/>
+            <pc:sldMk cId="2063800821" sldId="259"/>
+            <ac:spMk id="2" creationId="{9DA16EE9-A1C6-5746-186A-A83C444481EE}"/>
+          </ac:spMkLst>
+        </pc:spChg>
+      </pc:sldChg>
+      <pc:sldChg chg="modSp new mod ord">
+        <pc:chgData name="Roy Liu" userId="755465ea-a681-4840-afaf-3106d4ded39d" providerId="ADAL" clId="{26A4DA2E-3B26-4A19-981B-FA4B6FD33F58}" dt="2023-09-26T09:57:06.572" v="289" actId="20577"/>
+        <pc:sldMkLst>
+          <pc:docMk/>
+          <pc:sldMk cId="1627402840" sldId="260"/>
+        </pc:sldMkLst>
+        <pc:spChg chg="mod">
+          <ac:chgData name="Roy Liu" userId="755465ea-a681-4840-afaf-3106d4ded39d" providerId="ADAL" clId="{26A4DA2E-3B26-4A19-981B-FA4B6FD33F58}" dt="2023-09-26T09:57:06.572" v="289" actId="20577"/>
+          <ac:spMkLst>
+            <pc:docMk/>
+            <pc:sldMk cId="1627402840" sldId="260"/>
+            <ac:spMk id="2" creationId="{FC60A86F-C9EB-93AE-9163-0F2723C7C1CE}"/>
+          </ac:spMkLst>
+        </pc:spChg>
+      </pc:sldChg>
+      <pc:sldChg chg="addSp delSp modSp new mod setBg">
+        <pc:chgData name="Roy Liu" userId="755465ea-a681-4840-afaf-3106d4ded39d" providerId="ADAL" clId="{26A4DA2E-3B26-4A19-981B-FA4B6FD33F58}" dt="2023-09-27T09:56:06.861" v="1454" actId="20577"/>
+        <pc:sldMkLst>
+          <pc:docMk/>
+          <pc:sldMk cId="833342778" sldId="261"/>
+        </pc:sldMkLst>
+        <pc:spChg chg="mod">
+          <ac:chgData name="Roy Liu" userId="755465ea-a681-4840-afaf-3106d4ded39d" providerId="ADAL" clId="{26A4DA2E-3B26-4A19-981B-FA4B6FD33F58}" dt="2023-09-27T09:56:06.861" v="1454" actId="20577"/>
+          <ac:spMkLst>
+            <pc:docMk/>
+            <pc:sldMk cId="833342778" sldId="261"/>
+            <ac:spMk id="2" creationId="{5FD84A74-3A6C-F4D8-BE30-E95E481604FC}"/>
+          </ac:spMkLst>
+        </pc:spChg>
+        <pc:spChg chg="del">
+          <ac:chgData name="Roy Liu" userId="755465ea-a681-4840-afaf-3106d4ded39d" providerId="ADAL" clId="{26A4DA2E-3B26-4A19-981B-FA4B6FD33F58}" dt="2023-09-26T10:13:52.571" v="653"/>
+          <ac:spMkLst>
+            <pc:docMk/>
+            <pc:sldMk cId="833342778" sldId="261"/>
+            <ac:spMk id="3" creationId="{9033DF0E-4884-3629-37B2-76BF7229470C}"/>
+          </ac:spMkLst>
+        </pc:spChg>
+        <pc:spChg chg="add del">
+          <ac:chgData name="Roy Liu" userId="755465ea-a681-4840-afaf-3106d4ded39d" providerId="ADAL" clId="{26A4DA2E-3B26-4A19-981B-FA4B6FD33F58}" dt="2023-09-26T10:14:13.489" v="656" actId="26606"/>
+          <ac:spMkLst>
+            <pc:docMk/>
+            <pc:sldMk cId="833342778" sldId="261"/>
+            <ac:spMk id="9" creationId="{52814DCF-62D4-3000-30DB-D3CAC0CB7C66}"/>
+          </ac:spMkLst>
+        </pc:spChg>
+        <pc:spChg chg="add del">
+          <ac:chgData name="Roy Liu" userId="755465ea-a681-4840-afaf-3106d4ded39d" providerId="ADAL" clId="{26A4DA2E-3B26-4A19-981B-FA4B6FD33F58}" dt="2023-09-26T10:14:13.489" v="656" actId="26606"/>
+          <ac:spMkLst>
+            <pc:docMk/>
+            <pc:sldMk cId="833342778" sldId="261"/>
+            <ac:spMk id="12" creationId="{8651CFA9-6065-4243-AC48-858E359780B1}"/>
+          </ac:spMkLst>
+        </pc:spChg>
+        <pc:spChg chg="add del">
+          <ac:chgData name="Roy Liu" userId="755465ea-a681-4840-afaf-3106d4ded39d" providerId="ADAL" clId="{26A4DA2E-3B26-4A19-981B-FA4B6FD33F58}" dt="2023-09-26T10:14:13.489" v="656" actId="26606"/>
+          <ac:spMkLst>
+            <pc:docMk/>
+            <pc:sldMk cId="833342778" sldId="261"/>
+            <ac:spMk id="14" creationId="{FBC8BBE5-981E-4B0B-9654-32B5668BFF31}"/>
+          </ac:spMkLst>
+        </pc:spChg>
+        <pc:spChg chg="add del">
+          <ac:chgData name="Roy Liu" userId="755465ea-a681-4840-afaf-3106d4ded39d" providerId="ADAL" clId="{26A4DA2E-3B26-4A19-981B-FA4B6FD33F58}" dt="2023-09-26T10:14:14.595" v="658" actId="26606"/>
+          <ac:spMkLst>
+            <pc:docMk/>
+            <pc:sldMk cId="833342778" sldId="261"/>
+            <ac:spMk id="20" creationId="{A3EF0E40-AEB8-4DF7-A67A-7317B3BF94CA}"/>
+          </ac:spMkLst>
+        </pc:spChg>
+        <pc:spChg chg="add del">
+          <ac:chgData name="Roy Liu" userId="755465ea-a681-4840-afaf-3106d4ded39d" providerId="ADAL" clId="{26A4DA2E-3B26-4A19-981B-FA4B6FD33F58}" dt="2023-09-26T10:14:14.595" v="658" actId="26606"/>
+          <ac:spMkLst>
+            <pc:docMk/>
+            <pc:sldMk cId="833342778" sldId="261"/>
+            <ac:spMk id="21" creationId="{8651CFA9-6065-4243-AC48-858E359780B1}"/>
+          </ac:spMkLst>
+        </pc:spChg>
+        <pc:spChg chg="add del">
+          <ac:chgData name="Roy Liu" userId="755465ea-a681-4840-afaf-3106d4ded39d" providerId="ADAL" clId="{26A4DA2E-3B26-4A19-981B-FA4B6FD33F58}" dt="2023-09-26T10:14:14.595" v="658" actId="26606"/>
+          <ac:spMkLst>
+            <pc:docMk/>
+            <pc:sldMk cId="833342778" sldId="261"/>
+            <ac:spMk id="22" creationId="{06B1FD15-9CBB-4259-931E-1EB6A87199E9}"/>
+          </ac:spMkLst>
+        </pc:spChg>
+        <pc:spChg chg="add del">
+          <ac:chgData name="Roy Liu" userId="755465ea-a681-4840-afaf-3106d4ded39d" providerId="ADAL" clId="{26A4DA2E-3B26-4A19-981B-FA4B6FD33F58}" dt="2023-09-26T10:14:14.595" v="658" actId="26606"/>
+          <ac:spMkLst>
+            <pc:docMk/>
+            <pc:sldMk cId="833342778" sldId="261"/>
+            <ac:spMk id="24" creationId="{F8C57F8C-07BA-E657-0190-A22217C53599}"/>
+          </ac:spMkLst>
+        </pc:spChg>
+        <pc:spChg chg="add del">
+          <ac:chgData name="Roy Liu" userId="755465ea-a681-4840-afaf-3106d4ded39d" providerId="ADAL" clId="{26A4DA2E-3B26-4A19-981B-FA4B6FD33F58}" dt="2023-09-26T10:14:19.660" v="660" actId="26606"/>
+          <ac:spMkLst>
+            <pc:docMk/>
+            <pc:sldMk cId="833342778" sldId="261"/>
+            <ac:spMk id="26" creationId="{A4FB2F27-3F7D-440E-A905-86607A926A29}"/>
+          </ac:spMkLst>
+        </pc:spChg>
+        <pc:spChg chg="add del">
+          <ac:chgData name="Roy Liu" userId="755465ea-a681-4840-afaf-3106d4ded39d" providerId="ADAL" clId="{26A4DA2E-3B26-4A19-981B-FA4B6FD33F58}" dt="2023-09-26T10:14:19.660" v="660" actId="26606"/>
+          <ac:spMkLst>
+            <pc:docMk/>
+            <pc:sldMk cId="833342778" sldId="261"/>
+            <ac:spMk id="27" creationId="{AF678C14-A033-4139-BCA9-8382B039648B}"/>
+          </ac:spMkLst>
+        </pc:spChg>
+        <pc:spChg chg="add del">
+          <ac:chgData name="Roy Liu" userId="755465ea-a681-4840-afaf-3106d4ded39d" providerId="ADAL" clId="{26A4DA2E-3B26-4A19-981B-FA4B6FD33F58}" dt="2023-09-26T10:14:19.660" v="660" actId="26606"/>
+          <ac:spMkLst>
+            <pc:docMk/>
+            <pc:sldMk cId="833342778" sldId="261"/>
+            <ac:spMk id="29" creationId="{90AA31C0-A74F-2F69-15E2-23D8EE580828}"/>
+          </ac:spMkLst>
+        </pc:spChg>
+        <pc:spChg chg="add del">
+          <ac:chgData name="Roy Liu" userId="755465ea-a681-4840-afaf-3106d4ded39d" providerId="ADAL" clId="{26A4DA2E-3B26-4A19-981B-FA4B6FD33F58}" dt="2023-09-26T10:14:22.504" v="662" actId="26606"/>
+          <ac:spMkLst>
+            <pc:docMk/>
+            <pc:sldMk cId="833342778" sldId="261"/>
+            <ac:spMk id="31" creationId="{A4FB2F27-3F7D-440E-A905-86607A926A29}"/>
+          </ac:spMkLst>
+        </pc:spChg>
+        <pc:spChg chg="add del">
+          <ac:chgData name="Roy Liu" userId="755465ea-a681-4840-afaf-3106d4ded39d" providerId="ADAL" clId="{26A4DA2E-3B26-4A19-981B-FA4B6FD33F58}" dt="2023-09-26T10:14:22.504" v="662" actId="26606"/>
+          <ac:spMkLst>
+            <pc:docMk/>
+            <pc:sldMk cId="833342778" sldId="261"/>
+            <ac:spMk id="32" creationId="{AF678C14-A033-4139-BCA9-8382B039648B}"/>
+          </ac:spMkLst>
+        </pc:spChg>
+        <pc:spChg chg="add del">
+          <ac:chgData name="Roy Liu" userId="755465ea-a681-4840-afaf-3106d4ded39d" providerId="ADAL" clId="{26A4DA2E-3B26-4A19-981B-FA4B6FD33F58}" dt="2023-09-26T10:14:22.504" v="662" actId="26606"/>
+          <ac:spMkLst>
+            <pc:docMk/>
+            <pc:sldMk cId="833342778" sldId="261"/>
+            <ac:spMk id="34" creationId="{9944F14A-33B5-02AA-5755-C19A9531AD01}"/>
+          </ac:spMkLst>
+        </pc:spChg>
+        <pc:spChg chg="add del">
+          <ac:chgData name="Roy Liu" userId="755465ea-a681-4840-afaf-3106d4ded39d" providerId="ADAL" clId="{26A4DA2E-3B26-4A19-981B-FA4B6FD33F58}" dt="2023-09-26T10:14:39.973" v="664" actId="26606"/>
+          <ac:spMkLst>
+            <pc:docMk/>
+            <pc:sldMk cId="833342778" sldId="261"/>
+            <ac:spMk id="36" creationId="{8651CFA9-6065-4243-AC48-858E359780B1}"/>
+          </ac:spMkLst>
+        </pc:spChg>
+        <pc:spChg chg="add del">
+          <ac:chgData name="Roy Liu" userId="755465ea-a681-4840-afaf-3106d4ded39d" providerId="ADAL" clId="{26A4DA2E-3B26-4A19-981B-FA4B6FD33F58}" dt="2023-09-26T10:14:39.973" v="664" actId="26606"/>
+          <ac:spMkLst>
+            <pc:docMk/>
+            <pc:sldMk cId="833342778" sldId="261"/>
+            <ac:spMk id="37" creationId="{FBC8BBE5-981E-4B0B-9654-32B5668BFF31}"/>
+          </ac:spMkLst>
+        </pc:spChg>
+        <pc:spChg chg="add del">
+          <ac:chgData name="Roy Liu" userId="755465ea-a681-4840-afaf-3106d4ded39d" providerId="ADAL" clId="{26A4DA2E-3B26-4A19-981B-FA4B6FD33F58}" dt="2023-09-26T10:14:39.973" v="664" actId="26606"/>
+          <ac:spMkLst>
+            <pc:docMk/>
+            <pc:sldMk cId="833342778" sldId="261"/>
+            <ac:spMk id="39" creationId="{52814DCF-62D4-3000-30DB-D3CAC0CB7C66}"/>
+          </ac:spMkLst>
+        </pc:spChg>
+        <pc:spChg chg="add del">
+          <ac:chgData name="Roy Liu" userId="755465ea-a681-4840-afaf-3106d4ded39d" providerId="ADAL" clId="{26A4DA2E-3B26-4A19-981B-FA4B6FD33F58}" dt="2023-09-26T10:14:41.077" v="666" actId="26606"/>
+          <ac:spMkLst>
+            <pc:docMk/>
+            <pc:sldMk cId="833342778" sldId="261"/>
+            <ac:spMk id="41" creationId="{8651CFA9-6065-4243-AC48-858E359780B1}"/>
+          </ac:spMkLst>
+        </pc:spChg>
+        <pc:spChg chg="add del">
+          <ac:chgData name="Roy Liu" userId="755465ea-a681-4840-afaf-3106d4ded39d" providerId="ADAL" clId="{26A4DA2E-3B26-4A19-981B-FA4B6FD33F58}" dt="2023-09-26T10:14:41.077" v="666" actId="26606"/>
+          <ac:spMkLst>
+            <pc:docMk/>
+            <pc:sldMk cId="833342778" sldId="261"/>
+            <ac:spMk id="42" creationId="{FBC8BBE5-981E-4B0B-9654-32B5668BFF31}"/>
+          </ac:spMkLst>
+        </pc:spChg>
+        <pc:spChg chg="add del">
+          <ac:chgData name="Roy Liu" userId="755465ea-a681-4840-afaf-3106d4ded39d" providerId="ADAL" clId="{26A4DA2E-3B26-4A19-981B-FA4B6FD33F58}" dt="2023-09-26T10:14:41.077" v="666" actId="26606"/>
+          <ac:spMkLst>
+            <pc:docMk/>
+            <pc:sldMk cId="833342778" sldId="261"/>
+            <ac:spMk id="44" creationId="{0DADC141-2CF4-4D22-BFEF-05FB358E4DFD}"/>
+          </ac:spMkLst>
+        </pc:spChg>
+        <pc:spChg chg="add del">
+          <ac:chgData name="Roy Liu" userId="755465ea-a681-4840-afaf-3106d4ded39d" providerId="ADAL" clId="{26A4DA2E-3B26-4A19-981B-FA4B6FD33F58}" dt="2023-09-26T10:14:41.077" v="666" actId="26606"/>
+          <ac:spMkLst>
+            <pc:docMk/>
+            <pc:sldMk cId="833342778" sldId="261"/>
+            <ac:spMk id="45" creationId="{F43A66C0-8F79-4D55-8A61-9E980D5FEE26}"/>
+          </ac:spMkLst>
+        </pc:spChg>
+        <pc:spChg chg="add del">
+          <ac:chgData name="Roy Liu" userId="755465ea-a681-4840-afaf-3106d4ded39d" providerId="ADAL" clId="{26A4DA2E-3B26-4A19-981B-FA4B6FD33F58}" dt="2023-09-26T10:14:41.077" v="666" actId="26606"/>
+          <ac:spMkLst>
+            <pc:docMk/>
+            <pc:sldMk cId="833342778" sldId="261"/>
+            <ac:spMk id="46" creationId="{05DEB5AD-912E-FADE-0E08-E5E5BAF3B460}"/>
+          </ac:spMkLst>
+        </pc:spChg>
+        <pc:spChg chg="add del">
+          <ac:chgData name="Roy Liu" userId="755465ea-a681-4840-afaf-3106d4ded39d" providerId="ADAL" clId="{26A4DA2E-3B26-4A19-981B-FA4B6FD33F58}" dt="2023-09-26T10:15:50.081" v="668" actId="26606"/>
+          <ac:spMkLst>
+            <pc:docMk/>
+            <pc:sldMk cId="833342778" sldId="261"/>
+            <ac:spMk id="48" creationId="{8651CFA9-6065-4243-AC48-858E359780B1}"/>
+          </ac:spMkLst>
+        </pc:spChg>
+        <pc:spChg chg="add del">
+          <ac:chgData name="Roy Liu" userId="755465ea-a681-4840-afaf-3106d4ded39d" providerId="ADAL" clId="{26A4DA2E-3B26-4A19-981B-FA4B6FD33F58}" dt="2023-09-26T10:15:50.081" v="668" actId="26606"/>
+          <ac:spMkLst>
+            <pc:docMk/>
+            <pc:sldMk cId="833342778" sldId="261"/>
+            <ac:spMk id="49" creationId="{FBC8BBE5-981E-4B0B-9654-32B5668BFF31}"/>
+          </ac:spMkLst>
+        </pc:spChg>
+        <pc:spChg chg="add del">
+          <ac:chgData name="Roy Liu" userId="755465ea-a681-4840-afaf-3106d4ded39d" providerId="ADAL" clId="{26A4DA2E-3B26-4A19-981B-FA4B6FD33F58}" dt="2023-09-26T10:15:50.081" v="668" actId="26606"/>
+          <ac:spMkLst>
+            <pc:docMk/>
+            <pc:sldMk cId="833342778" sldId="261"/>
+            <ac:spMk id="51" creationId="{0DADC141-2CF4-4D22-BFEF-05FB358E4DFD}"/>
+          </ac:spMkLst>
+        </pc:spChg>
+        <pc:spChg chg="add del">
+          <ac:chgData name="Roy Liu" userId="755465ea-a681-4840-afaf-3106d4ded39d" providerId="ADAL" clId="{26A4DA2E-3B26-4A19-981B-FA4B6FD33F58}" dt="2023-09-26T10:15:50.081" v="668" actId="26606"/>
+          <ac:spMkLst>
+            <pc:docMk/>
+            <pc:sldMk cId="833342778" sldId="261"/>
+            <ac:spMk id="52" creationId="{BFA7080D-E80E-D14C-12D8-498F7C6288E0}"/>
+          </ac:spMkLst>
+        </pc:spChg>
+        <pc:spChg chg="add del">
+          <ac:chgData name="Roy Liu" userId="755465ea-a681-4840-afaf-3106d4ded39d" providerId="ADAL" clId="{26A4DA2E-3B26-4A19-981B-FA4B6FD33F58}" dt="2023-09-26T11:21:44.938" v="747" actId="26606"/>
+          <ac:spMkLst>
+            <pc:docMk/>
+            <pc:sldMk cId="833342778" sldId="261"/>
+            <ac:spMk id="54" creationId="{A4FB2F27-3F7D-440E-A905-86607A926A29}"/>
+          </ac:spMkLst>
+        </pc:spChg>
+        <pc:spChg chg="add del">
+          <ac:chgData name="Roy Liu" userId="755465ea-a681-4840-afaf-3106d4ded39d" providerId="ADAL" clId="{26A4DA2E-3B26-4A19-981B-FA4B6FD33F58}" dt="2023-09-26T11:21:44.938" v="747" actId="26606"/>
+          <ac:spMkLst>
+            <pc:docMk/>
+            <pc:sldMk cId="833342778" sldId="261"/>
+            <ac:spMk id="55" creationId="{AF678C14-A033-4139-BCA9-8382B039648B}"/>
+          </ac:spMkLst>
+        </pc:spChg>
+        <pc:spChg chg="add mod">
+          <ac:chgData name="Roy Liu" userId="755465ea-a681-4840-afaf-3106d4ded39d" providerId="ADAL" clId="{26A4DA2E-3B26-4A19-981B-FA4B6FD33F58}" dt="2023-09-26T11:57:45.145" v="1110" actId="20577"/>
+          <ac:spMkLst>
+            <pc:docMk/>
+            <pc:sldMk cId="833342778" sldId="261"/>
+            <ac:spMk id="57" creationId="{90AA31C0-A74F-2F69-15E2-23D8EE580828}"/>
+          </ac:spMkLst>
+        </pc:spChg>
+        <pc:spChg chg="add del">
+          <ac:chgData name="Roy Liu" userId="755465ea-a681-4840-afaf-3106d4ded39d" providerId="ADAL" clId="{26A4DA2E-3B26-4A19-981B-FA4B6FD33F58}" dt="2023-09-26T11:21:41.812" v="742" actId="26606"/>
+          <ac:spMkLst>
+            <pc:docMk/>
+            <pc:sldMk cId="833342778" sldId="261"/>
+            <ac:spMk id="62" creationId="{8651CFA9-6065-4243-AC48-858E359780B1}"/>
+          </ac:spMkLst>
+        </pc:spChg>
+        <pc:spChg chg="add del">
+          <ac:chgData name="Roy Liu" userId="755465ea-a681-4840-afaf-3106d4ded39d" providerId="ADAL" clId="{26A4DA2E-3B26-4A19-981B-FA4B6FD33F58}" dt="2023-09-26T11:21:41.812" v="742" actId="26606"/>
+          <ac:spMkLst>
+            <pc:docMk/>
+            <pc:sldMk cId="833342778" sldId="261"/>
+            <ac:spMk id="64" creationId="{FBC8BBE5-981E-4B0B-9654-32B5668BFF31}"/>
+          </ac:spMkLst>
+        </pc:spChg>
+        <pc:spChg chg="add del">
+          <ac:chgData name="Roy Liu" userId="755465ea-a681-4840-afaf-3106d4ded39d" providerId="ADAL" clId="{26A4DA2E-3B26-4A19-981B-FA4B6FD33F58}" dt="2023-09-26T11:21:43.627" v="744" actId="26606"/>
+          <ac:spMkLst>
+            <pc:docMk/>
+            <pc:sldMk cId="833342778" sldId="261"/>
+            <ac:spMk id="70" creationId="{8651CFA9-6065-4243-AC48-858E359780B1}"/>
+          </ac:spMkLst>
+        </pc:spChg>
+        <pc:spChg chg="add del">
+          <ac:chgData name="Roy Liu" userId="755465ea-a681-4840-afaf-3106d4ded39d" providerId="ADAL" clId="{26A4DA2E-3B26-4A19-981B-FA4B6FD33F58}" dt="2023-09-26T11:21:43.627" v="744" actId="26606"/>
+          <ac:spMkLst>
+            <pc:docMk/>
+            <pc:sldMk cId="833342778" sldId="261"/>
+            <ac:spMk id="71" creationId="{5A8C81AE-8F0D-49F3-9FB4-334B0DCDF195}"/>
+          </ac:spMkLst>
+        </pc:spChg>
+        <pc:spChg chg="add del">
+          <ac:chgData name="Roy Liu" userId="755465ea-a681-4840-afaf-3106d4ded39d" providerId="ADAL" clId="{26A4DA2E-3B26-4A19-981B-FA4B6FD33F58}" dt="2023-09-26T11:21:44.923" v="746" actId="26606"/>
+          <ac:spMkLst>
+            <pc:docMk/>
+            <pc:sldMk cId="833342778" sldId="261"/>
+            <ac:spMk id="73" creationId="{4AB8125F-0FD8-48CD-9F43-73E5494EA774}"/>
+          </ac:spMkLst>
+        </pc:spChg>
+        <pc:spChg chg="add del">
+          <ac:chgData name="Roy Liu" userId="755465ea-a681-4840-afaf-3106d4ded39d" providerId="ADAL" clId="{26A4DA2E-3B26-4A19-981B-FA4B6FD33F58}" dt="2023-09-26T11:21:44.923" v="746" actId="26606"/>
+          <ac:spMkLst>
+            <pc:docMk/>
+            <pc:sldMk cId="833342778" sldId="261"/>
+            <ac:spMk id="74" creationId="{0019DD6C-5899-4C07-864B-EB0A7D104ACF}"/>
+          </ac:spMkLst>
+        </pc:spChg>
+        <pc:spChg chg="add del">
+          <ac:chgData name="Roy Liu" userId="755465ea-a681-4840-afaf-3106d4ded39d" providerId="ADAL" clId="{26A4DA2E-3B26-4A19-981B-FA4B6FD33F58}" dt="2023-09-26T11:36:42.340" v="831" actId="26606"/>
+          <ac:spMkLst>
+            <pc:docMk/>
+            <pc:sldMk cId="833342778" sldId="261"/>
+            <ac:spMk id="77" creationId="{8651CFA9-6065-4243-AC48-858E359780B1}"/>
+          </ac:spMkLst>
+        </pc:spChg>
+        <pc:spChg chg="add del">
+          <ac:chgData name="Roy Liu" userId="755465ea-a681-4840-afaf-3106d4ded39d" providerId="ADAL" clId="{26A4DA2E-3B26-4A19-981B-FA4B6FD33F58}" dt="2023-09-26T11:36:42.340" v="831" actId="26606"/>
+          <ac:spMkLst>
+            <pc:docMk/>
+            <pc:sldMk cId="833342778" sldId="261"/>
+            <ac:spMk id="78" creationId="{1B6E9D4E-1863-458E-8166-A6E64C865F07}"/>
+          </ac:spMkLst>
+        </pc:spChg>
+        <pc:spChg chg="add del">
+          <ac:chgData name="Roy Liu" userId="755465ea-a681-4840-afaf-3106d4ded39d" providerId="ADAL" clId="{26A4DA2E-3B26-4A19-981B-FA4B6FD33F58}" dt="2023-09-26T11:36:42.340" v="831" actId="26606"/>
+          <ac:spMkLst>
+            <pc:docMk/>
+            <pc:sldMk cId="833342778" sldId="261"/>
+            <ac:spMk id="80" creationId="{F6B9E73A-7DA5-4C84-B395-757FF1941041}"/>
+          </ac:spMkLst>
+        </pc:spChg>
+        <pc:spChg chg="add del">
+          <ac:chgData name="Roy Liu" userId="755465ea-a681-4840-afaf-3106d4ded39d" providerId="ADAL" clId="{26A4DA2E-3B26-4A19-981B-FA4B6FD33F58}" dt="2023-09-26T11:36:54.709" v="834" actId="26606"/>
+          <ac:spMkLst>
+            <pc:docMk/>
+            <pc:sldMk cId="833342778" sldId="261"/>
+            <ac:spMk id="85" creationId="{8651CFA9-6065-4243-AC48-858E359780B1}"/>
+          </ac:spMkLst>
+        </pc:spChg>
+        <pc:spChg chg="add del">
+          <ac:chgData name="Roy Liu" userId="755465ea-a681-4840-afaf-3106d4ded39d" providerId="ADAL" clId="{26A4DA2E-3B26-4A19-981B-FA4B6FD33F58}" dt="2023-09-26T11:36:54.709" v="834" actId="26606"/>
+          <ac:spMkLst>
+            <pc:docMk/>
+            <pc:sldMk cId="833342778" sldId="261"/>
+            <ac:spMk id="87" creationId="{5A8C81AE-8F0D-49F3-9FB4-334B0DCDF195}"/>
+          </ac:spMkLst>
+        </pc:spChg>
+        <pc:spChg chg="add del">
+          <ac:chgData name="Roy Liu" userId="755465ea-a681-4840-afaf-3106d4ded39d" providerId="ADAL" clId="{26A4DA2E-3B26-4A19-981B-FA4B6FD33F58}" dt="2023-09-26T11:36:54.691" v="833" actId="26606"/>
+          <ac:spMkLst>
+            <pc:docMk/>
+            <pc:sldMk cId="833342778" sldId="261"/>
+            <ac:spMk id="96" creationId="{4AB8125F-0FD8-48CD-9F43-73E5494EA774}"/>
+          </ac:spMkLst>
+        </pc:spChg>
+        <pc:spChg chg="add del">
+          <ac:chgData name="Roy Liu" userId="755465ea-a681-4840-afaf-3106d4ded39d" providerId="ADAL" clId="{26A4DA2E-3B26-4A19-981B-FA4B6FD33F58}" dt="2023-09-26T11:36:54.691" v="833" actId="26606"/>
+          <ac:spMkLst>
+            <pc:docMk/>
+            <pc:sldMk cId="833342778" sldId="261"/>
+            <ac:spMk id="98" creationId="{0019DD6C-5899-4C07-864B-EB0A7D104ACF}"/>
+          </ac:spMkLst>
+        </pc:spChg>
+        <pc:spChg chg="add">
+          <ac:chgData name="Roy Liu" userId="755465ea-a681-4840-afaf-3106d4ded39d" providerId="ADAL" clId="{26A4DA2E-3B26-4A19-981B-FA4B6FD33F58}" dt="2023-09-26T11:36:54.709" v="834" actId="26606"/>
+          <ac:spMkLst>
+            <pc:docMk/>
+            <pc:sldMk cId="833342778" sldId="261"/>
+            <ac:spMk id="104" creationId="{8651CFA9-6065-4243-AC48-858E359780B1}"/>
+          </ac:spMkLst>
+        </pc:spChg>
+        <pc:spChg chg="add">
+          <ac:chgData name="Roy Liu" userId="755465ea-a681-4840-afaf-3106d4ded39d" providerId="ADAL" clId="{26A4DA2E-3B26-4A19-981B-FA4B6FD33F58}" dt="2023-09-26T11:36:54.709" v="834" actId="26606"/>
+          <ac:spMkLst>
+            <pc:docMk/>
+            <pc:sldMk cId="833342778" sldId="261"/>
+            <ac:spMk id="105" creationId="{FBC8BBE5-981E-4B0B-9654-32B5668BFF31}"/>
+          </ac:spMkLst>
+        </pc:spChg>
+        <pc:grpChg chg="add del">
+          <ac:chgData name="Roy Liu" userId="755465ea-a681-4840-afaf-3106d4ded39d" providerId="ADAL" clId="{26A4DA2E-3B26-4A19-981B-FA4B6FD33F58}" dt="2023-09-26T10:14:13.489" v="656" actId="26606"/>
+          <ac:grpSpMkLst>
+            <pc:docMk/>
+            <pc:sldMk cId="833342778" sldId="261"/>
+            <ac:grpSpMk id="16" creationId="{8D6FD602-3113-4FC4-982F-15099614D2A6}"/>
+          </ac:grpSpMkLst>
+        </pc:grpChg>
+        <pc:grpChg chg="add del">
+          <ac:chgData name="Roy Liu" userId="755465ea-a681-4840-afaf-3106d4ded39d" providerId="ADAL" clId="{26A4DA2E-3B26-4A19-981B-FA4B6FD33F58}" dt="2023-09-26T10:14:14.595" v="658" actId="26606"/>
+          <ac:grpSpMkLst>
+            <pc:docMk/>
+            <pc:sldMk cId="833342778" sldId="261"/>
+            <ac:grpSpMk id="23" creationId="{9D739765-2266-4358-BC9F-0DC2A6B7CD17}"/>
+          </ac:grpSpMkLst>
+        </pc:grpChg>
+        <pc:grpChg chg="add del">
+          <ac:chgData name="Roy Liu" userId="755465ea-a681-4840-afaf-3106d4ded39d" providerId="ADAL" clId="{26A4DA2E-3B26-4A19-981B-FA4B6FD33F58}" dt="2023-09-26T10:14:19.660" v="660" actId="26606"/>
+          <ac:grpSpMkLst>
+            <pc:docMk/>
+            <pc:sldMk cId="833342778" sldId="261"/>
+            <ac:grpSpMk id="28" creationId="{14763DA8-CE3A-4B30-B2F5-0D128777F742}"/>
+          </ac:grpSpMkLst>
+        </pc:grpChg>
+        <pc:grpChg chg="add del">
+          <ac:chgData name="Roy Liu" userId="755465ea-a681-4840-afaf-3106d4ded39d" providerId="ADAL" clId="{26A4DA2E-3B26-4A19-981B-FA4B6FD33F58}" dt="2023-09-26T10:14:22.504" v="662" actId="26606"/>
+          <ac:grpSpMkLst>
+            <pc:docMk/>
+            <pc:sldMk cId="833342778" sldId="261"/>
+            <ac:grpSpMk id="33" creationId="{3489A2D2-B3AA-488C-B20E-15DBB97548C6}"/>
+          </ac:grpSpMkLst>
+        </pc:grpChg>
+        <pc:grpChg chg="add del">
+          <ac:chgData name="Roy Liu" userId="755465ea-a681-4840-afaf-3106d4ded39d" providerId="ADAL" clId="{26A4DA2E-3B26-4A19-981B-FA4B6FD33F58}" dt="2023-09-26T10:14:39.973" v="664" actId="26606"/>
+          <ac:grpSpMkLst>
+            <pc:docMk/>
+            <pc:sldMk cId="833342778" sldId="261"/>
+            <ac:grpSpMk id="38" creationId="{8D6FD602-3113-4FC4-982F-15099614D2A6}"/>
+          </ac:grpSpMkLst>
+        </pc:grpChg>
+        <pc:grpChg chg="add del">
+          <ac:chgData name="Roy Liu" userId="755465ea-a681-4840-afaf-3106d4ded39d" providerId="ADAL" clId="{26A4DA2E-3B26-4A19-981B-FA4B6FD33F58}" dt="2023-09-26T10:14:41.077" v="666" actId="26606"/>
+          <ac:grpSpMkLst>
+            <pc:docMk/>
+            <pc:sldMk cId="833342778" sldId="261"/>
+            <ac:grpSpMk id="43" creationId="{545001F7-3F8F-4035-8348-1B9798C77D29}"/>
+          </ac:grpSpMkLst>
+        </pc:grpChg>
+        <pc:grpChg chg="add del">
+          <ac:chgData name="Roy Liu" userId="755465ea-a681-4840-afaf-3106d4ded39d" providerId="ADAL" clId="{26A4DA2E-3B26-4A19-981B-FA4B6FD33F58}" dt="2023-09-26T10:15:50.081" v="668" actId="26606"/>
+          <ac:grpSpMkLst>
+            <pc:docMk/>
+            <pc:sldMk cId="833342778" sldId="261"/>
+            <ac:grpSpMk id="50" creationId="{8B308828-4749-4D6D-9CEA-433D2BD27EC0}"/>
+          </ac:grpSpMkLst>
+        </pc:grpChg>
+        <pc:grpChg chg="add del">
+          <ac:chgData name="Roy Liu" userId="755465ea-a681-4840-afaf-3106d4ded39d" providerId="ADAL" clId="{26A4DA2E-3B26-4A19-981B-FA4B6FD33F58}" dt="2023-09-26T11:21:44.938" v="747" actId="26606"/>
+          <ac:grpSpMkLst>
+            <pc:docMk/>
+            <pc:sldMk cId="833342778" sldId="261"/>
+            <ac:grpSpMk id="56" creationId="{14763DA8-CE3A-4B30-B2F5-0D128777F742}"/>
+          </ac:grpSpMkLst>
+        </pc:grpChg>
+        <pc:grpChg chg="add del">
+          <ac:chgData name="Roy Liu" userId="755465ea-a681-4840-afaf-3106d4ded39d" providerId="ADAL" clId="{26A4DA2E-3B26-4A19-981B-FA4B6FD33F58}" dt="2023-09-26T11:21:41.812" v="742" actId="26606"/>
+          <ac:grpSpMkLst>
+            <pc:docMk/>
+            <pc:sldMk cId="833342778" sldId="261"/>
+            <ac:grpSpMk id="66" creationId="{E54EDBA2-E203-497D-AB28-73A06B2DFDEE}"/>
+          </ac:grpSpMkLst>
+        </pc:grpChg>
+        <pc:grpChg chg="add del">
+          <ac:chgData name="Roy Liu" userId="755465ea-a681-4840-afaf-3106d4ded39d" providerId="ADAL" clId="{26A4DA2E-3B26-4A19-981B-FA4B6FD33F58}" dt="2023-09-26T11:21:44.923" v="746" actId="26606"/>
+          <ac:grpSpMkLst>
+            <pc:docMk/>
+            <pc:sldMk cId="833342778" sldId="261"/>
+            <ac:grpSpMk id="75" creationId="{EB40C5D5-6C8D-4E52-A87F-94BF781A0814}"/>
+          </ac:grpSpMkLst>
+        </pc:grpChg>
+        <pc:grpChg chg="add del">
+          <ac:chgData name="Roy Liu" userId="755465ea-a681-4840-afaf-3106d4ded39d" providerId="ADAL" clId="{26A4DA2E-3B26-4A19-981B-FA4B6FD33F58}" dt="2023-09-26T11:36:42.340" v="831" actId="26606"/>
+          <ac:grpSpMkLst>
+            <pc:docMk/>
+            <pc:sldMk cId="833342778" sldId="261"/>
+            <ac:grpSpMk id="79" creationId="{DDC08824-D5AF-47B4-A084-327F6A050FE5}"/>
+          </ac:grpSpMkLst>
+        </pc:grpChg>
+        <pc:grpChg chg="add del">
+          <ac:chgData name="Roy Liu" userId="755465ea-a681-4840-afaf-3106d4ded39d" providerId="ADAL" clId="{26A4DA2E-3B26-4A19-981B-FA4B6FD33F58}" dt="2023-09-26T11:36:54.709" v="834" actId="26606"/>
+          <ac:grpSpMkLst>
+            <pc:docMk/>
+            <pc:sldMk cId="833342778" sldId="261"/>
+            <ac:grpSpMk id="89" creationId="{A9EF8060-0D63-402B-8B09-4993D1FE8EFD}"/>
+          </ac:grpSpMkLst>
+        </pc:grpChg>
+        <pc:grpChg chg="add del">
+          <ac:chgData name="Roy Liu" userId="755465ea-a681-4840-afaf-3106d4ded39d" providerId="ADAL" clId="{26A4DA2E-3B26-4A19-981B-FA4B6FD33F58}" dt="2023-09-26T11:36:54.691" v="833" actId="26606"/>
+          <ac:grpSpMkLst>
+            <pc:docMk/>
+            <pc:sldMk cId="833342778" sldId="261"/>
+            <ac:grpSpMk id="100" creationId="{EB40C5D5-6C8D-4E52-A87F-94BF781A0814}"/>
+          </ac:grpSpMkLst>
+        </pc:grpChg>
+        <pc:grpChg chg="add">
+          <ac:chgData name="Roy Liu" userId="755465ea-a681-4840-afaf-3106d4ded39d" providerId="ADAL" clId="{26A4DA2E-3B26-4A19-981B-FA4B6FD33F58}" dt="2023-09-26T11:36:54.709" v="834" actId="26606"/>
+          <ac:grpSpMkLst>
+            <pc:docMk/>
+            <pc:sldMk cId="833342778" sldId="261"/>
+            <ac:grpSpMk id="106" creationId="{E54EDBA2-E203-497D-AB28-73A06B2DFDEE}"/>
+          </ac:grpSpMkLst>
+        </pc:grpChg>
+        <pc:picChg chg="add mod ord">
+          <ac:chgData name="Roy Liu" userId="755465ea-a681-4840-afaf-3106d4ded39d" providerId="ADAL" clId="{26A4DA2E-3B26-4A19-981B-FA4B6FD33F58}" dt="2023-09-26T11:37:16.616" v="839" actId="1076"/>
+          <ac:picMkLst>
+            <pc:docMk/>
+            <pc:sldMk cId="833342778" sldId="261"/>
+            <ac:picMk id="5" creationId="{FB218DE2-FC3D-8E76-7BFA-E86621CD02E0}"/>
+          </ac:picMkLst>
+        </pc:picChg>
+        <pc:picChg chg="add mod">
+          <ac:chgData name="Roy Liu" userId="755465ea-a681-4840-afaf-3106d4ded39d" providerId="ADAL" clId="{26A4DA2E-3B26-4A19-981B-FA4B6FD33F58}" dt="2023-09-26T11:38:54.265" v="841" actId="14826"/>
+          <ac:picMkLst>
+            <pc:docMk/>
+            <pc:sldMk cId="833342778" sldId="261"/>
+            <ac:picMk id="7" creationId="{EE3EA166-3E3C-09C5-0F51-348817C4A378}"/>
+          </ac:picMkLst>
+        </pc:picChg>
+      </pc:sldChg>
+      <pc:sldChg chg="modSp new mod">
+        <pc:chgData name="Roy Liu" userId="755465ea-a681-4840-afaf-3106d4ded39d" providerId="ADAL" clId="{26A4DA2E-3B26-4A19-981B-FA4B6FD33F58}" dt="2023-09-26T09:58:03.596" v="327" actId="20577"/>
+        <pc:sldMkLst>
+          <pc:docMk/>
+          <pc:sldMk cId="723807988" sldId="262"/>
+        </pc:sldMkLst>
+        <pc:spChg chg="mod">
+          <ac:chgData name="Roy Liu" userId="755465ea-a681-4840-afaf-3106d4ded39d" providerId="ADAL" clId="{26A4DA2E-3B26-4A19-981B-FA4B6FD33F58}" dt="2023-09-26T09:58:03.596" v="327" actId="20577"/>
+          <ac:spMkLst>
+            <pc:docMk/>
+            <pc:sldMk cId="723807988" sldId="262"/>
+            <ac:spMk id="2" creationId="{E9FCD3FF-F45B-8D90-0C9A-8B9444056B35}"/>
+          </ac:spMkLst>
+        </pc:spChg>
+      </pc:sldChg>
+      <pc:sldChg chg="new">
+        <pc:chgData name="Roy Liu" userId="755465ea-a681-4840-afaf-3106d4ded39d" providerId="ADAL" clId="{26A4DA2E-3B26-4A19-981B-FA4B6FD33F58}" dt="2023-09-26T09:58:07.628" v="328" actId="680"/>
+        <pc:sldMkLst>
+          <pc:docMk/>
+          <pc:sldMk cId="2129731390" sldId="263"/>
+        </pc:sldMkLst>
+      </pc:sldChg>
+      <pc:sldChg chg="addSp delSp modSp new mod setBg">
+        <pc:chgData name="Roy Liu" userId="755465ea-a681-4840-afaf-3106d4ded39d" providerId="ADAL" clId="{26A4DA2E-3B26-4A19-981B-FA4B6FD33F58}" dt="2023-09-27T10:06:48.402" v="1860" actId="20577"/>
+        <pc:sldMkLst>
+          <pc:docMk/>
+          <pc:sldMk cId="3854421792" sldId="264"/>
+        </pc:sldMkLst>
+        <pc:spChg chg="mod">
+          <ac:chgData name="Roy Liu" userId="755465ea-a681-4840-afaf-3106d4ded39d" providerId="ADAL" clId="{26A4DA2E-3B26-4A19-981B-FA4B6FD33F58}" dt="2023-09-27T09:56:02.713" v="1448" actId="20577"/>
+          <ac:spMkLst>
+            <pc:docMk/>
+            <pc:sldMk cId="3854421792" sldId="264"/>
+            <ac:spMk id="2" creationId="{30D33BD3-68A6-1A97-FA68-72D48555FE31}"/>
+          </ac:spMkLst>
+        </pc:spChg>
+        <pc:spChg chg="del">
+          <ac:chgData name="Roy Liu" userId="755465ea-a681-4840-afaf-3106d4ded39d" providerId="ADAL" clId="{26A4DA2E-3B26-4A19-981B-FA4B6FD33F58}" dt="2023-09-26T11:22:59.352" v="755" actId="26606"/>
+          <ac:spMkLst>
+            <pc:docMk/>
+            <pc:sldMk cId="3854421792" sldId="264"/>
+            <ac:spMk id="3" creationId="{9158AA1D-1B39-5503-1C8B-D93C5231A925}"/>
+          </ac:spMkLst>
+        </pc:spChg>
+        <pc:spChg chg="add del">
+          <ac:chgData name="Roy Liu" userId="755465ea-a681-4840-afaf-3106d4ded39d" providerId="ADAL" clId="{26A4DA2E-3B26-4A19-981B-FA4B6FD33F58}" dt="2023-09-26T11:23:20.471" v="757" actId="26606"/>
+          <ac:spMkLst>
+            <pc:docMk/>
+            <pc:sldMk cId="3854421792" sldId="264"/>
+            <ac:spMk id="10" creationId="{0BABF38A-8A0D-492E-BD20-6CF4D46B50BD}"/>
+          </ac:spMkLst>
+        </pc:spChg>
+        <pc:spChg chg="add del">
+          <ac:chgData name="Roy Liu" userId="755465ea-a681-4840-afaf-3106d4ded39d" providerId="ADAL" clId="{26A4DA2E-3B26-4A19-981B-FA4B6FD33F58}" dt="2023-09-26T11:23:20.471" v="757" actId="26606"/>
+          <ac:spMkLst>
+            <pc:docMk/>
+            <pc:sldMk cId="3854421792" sldId="264"/>
+            <ac:spMk id="14" creationId="{F1174801-1395-44C5-9B00-CCAC45C056E7}"/>
+          </ac:spMkLst>
+        </pc:spChg>
+        <pc:spChg chg="add del mod">
+          <ac:chgData name="Roy Liu" userId="755465ea-a681-4840-afaf-3106d4ded39d" providerId="ADAL" clId="{26A4DA2E-3B26-4A19-981B-FA4B6FD33F58}" dt="2023-09-26T11:33:38.416" v="807" actId="767"/>
+          <ac:spMkLst>
+            <pc:docMk/>
+            <pc:sldMk cId="3854421792" sldId="264"/>
+            <ac:spMk id="15" creationId="{612FC7FC-603D-33F5-0070-7BB01D7EC5D4}"/>
+          </ac:spMkLst>
+        </pc:spChg>
+        <pc:spChg chg="add del">
+          <ac:chgData name="Roy Liu" userId="755465ea-a681-4840-afaf-3106d4ded39d" providerId="ADAL" clId="{26A4DA2E-3B26-4A19-981B-FA4B6FD33F58}" dt="2023-09-26T11:23:20.471" v="757" actId="26606"/>
+          <ac:spMkLst>
+            <pc:docMk/>
+            <pc:sldMk cId="3854421792" sldId="264"/>
+            <ac:spMk id="16" creationId="{8BADB362-9771-4A3C-B9E5-6777F34C5041}"/>
+          </ac:spMkLst>
+        </pc:spChg>
+        <pc:spChg chg="add del mod">
+          <ac:chgData name="Roy Liu" userId="755465ea-a681-4840-afaf-3106d4ded39d" providerId="ADAL" clId="{26A4DA2E-3B26-4A19-981B-FA4B6FD33F58}" dt="2023-09-26T11:33:37.952" v="804" actId="767"/>
+          <ac:spMkLst>
+            <pc:docMk/>
+            <pc:sldMk cId="3854421792" sldId="264"/>
+            <ac:spMk id="17" creationId="{93479DC7-4C8A-F89F-3E4B-5881C91FD939}"/>
+          </ac:spMkLst>
+        </pc:spChg>
+        <pc:spChg chg="add del mod">
+          <ac:chgData name="Roy Liu" userId="755465ea-a681-4840-afaf-3106d4ded39d" providerId="ADAL" clId="{26A4DA2E-3B26-4A19-981B-FA4B6FD33F58}" dt="2023-09-27T10:06:48.402" v="1860" actId="20577"/>
+          <ac:spMkLst>
+            <pc:docMk/>
+            <pc:sldMk cId="3854421792" sldId="264"/>
+            <ac:spMk id="24" creationId="{FB105505-04CA-DC86-994C-17415E16A816}"/>
+          </ac:spMkLst>
+        </pc:spChg>
+        <pc:spChg chg="add">
+          <ac:chgData name="Roy Liu" userId="755465ea-a681-4840-afaf-3106d4ded39d" providerId="ADAL" clId="{26A4DA2E-3B26-4A19-981B-FA4B6FD33F58}" dt="2023-09-26T11:23:20.471" v="757" actId="26606"/>
+          <ac:spMkLst>
+            <pc:docMk/>
+            <pc:sldMk cId="3854421792" sldId="264"/>
+            <ac:spMk id="27" creationId="{8651CFA9-6065-4243-AC48-858E359780B1}"/>
+          </ac:spMkLst>
+        </pc:spChg>
+        <pc:spChg chg="add">
+          <ac:chgData name="Roy Liu" userId="755465ea-a681-4840-afaf-3106d4ded39d" providerId="ADAL" clId="{26A4DA2E-3B26-4A19-981B-FA4B6FD33F58}" dt="2023-09-26T11:23:20.471" v="757" actId="26606"/>
+          <ac:spMkLst>
+            <pc:docMk/>
+            <pc:sldMk cId="3854421792" sldId="264"/>
+            <ac:spMk id="29" creationId="{FBC8BBE5-981E-4B0B-9654-32B5668BFF31}"/>
+          </ac:spMkLst>
+        </pc:spChg>
+        <pc:grpChg chg="add del">
+          <ac:chgData name="Roy Liu" userId="755465ea-a681-4840-afaf-3106d4ded39d" providerId="ADAL" clId="{26A4DA2E-3B26-4A19-981B-FA4B6FD33F58}" dt="2023-09-26T11:23:20.471" v="757" actId="26606"/>
+          <ac:grpSpMkLst>
+            <pc:docMk/>
+            <pc:sldMk cId="3854421792" sldId="264"/>
+            <ac:grpSpMk id="18" creationId="{6C5D976F-50BF-4FEC-B797-AACEB2C35144}"/>
+          </ac:grpSpMkLst>
+        </pc:grpChg>
+        <pc:grpChg chg="add">
+          <ac:chgData name="Roy Liu" userId="755465ea-a681-4840-afaf-3106d4ded39d" providerId="ADAL" clId="{26A4DA2E-3B26-4A19-981B-FA4B6FD33F58}" dt="2023-09-26T11:23:20.471" v="757" actId="26606"/>
+          <ac:grpSpMkLst>
+            <pc:docMk/>
+            <pc:sldMk cId="3854421792" sldId="264"/>
+            <ac:grpSpMk id="31" creationId="{E54EDBA2-E203-497D-AB28-73A06B2DFDEE}"/>
+          </ac:grpSpMkLst>
+        </pc:grpChg>
+        <pc:picChg chg="add mod ord">
+          <ac:chgData name="Roy Liu" userId="755465ea-a681-4840-afaf-3106d4ded39d" providerId="ADAL" clId="{26A4DA2E-3B26-4A19-981B-FA4B6FD33F58}" dt="2023-09-26T11:29:05.643" v="773" actId="14100"/>
+          <ac:picMkLst>
+            <pc:docMk/>
+            <pc:sldMk cId="3854421792" sldId="264"/>
+            <ac:picMk id="5" creationId="{96936FE3-5CFA-7757-F1DE-FF4B00A109A8}"/>
+          </ac:picMkLst>
+        </pc:picChg>
+        <pc:picChg chg="add mod">
+          <ac:chgData name="Roy Liu" userId="755465ea-a681-4840-afaf-3106d4ded39d" providerId="ADAL" clId="{26A4DA2E-3B26-4A19-981B-FA4B6FD33F58}" dt="2023-09-26T11:28:28.063" v="770" actId="14826"/>
+          <ac:picMkLst>
+            <pc:docMk/>
+            <pc:sldMk cId="3854421792" sldId="264"/>
+            <ac:picMk id="7" creationId="{0FC2301A-6357-11A5-E913-C23B70C642F4}"/>
+          </ac:picMkLst>
+        </pc:picChg>
+        <pc:picChg chg="add del mod">
+          <ac:chgData name="Roy Liu" userId="755465ea-a681-4840-afaf-3106d4ded39d" providerId="ADAL" clId="{26A4DA2E-3B26-4A19-981B-FA4B6FD33F58}" dt="2023-09-26T11:32:24.825" v="783"/>
+          <ac:picMkLst>
+            <pc:docMk/>
+            <pc:sldMk cId="3854421792" sldId="264"/>
+            <ac:picMk id="9" creationId="{D50240B4-13E5-3BCA-F31F-13DA3D67DC41}"/>
+          </ac:picMkLst>
+        </pc:picChg>
+        <pc:picChg chg="add del">
+          <ac:chgData name="Roy Liu" userId="755465ea-a681-4840-afaf-3106d4ded39d" providerId="ADAL" clId="{26A4DA2E-3B26-4A19-981B-FA4B6FD33F58}" dt="2023-09-26T11:23:20.471" v="757" actId="26606"/>
+          <ac:picMkLst>
+            <pc:docMk/>
+            <pc:sldMk cId="3854421792" sldId="264"/>
+            <ac:picMk id="12" creationId="{BC526B7A-4801-4FD1-95C8-03AF22629E87}"/>
+          </ac:picMkLst>
+        </pc:picChg>
+        <pc:picChg chg="add del mod">
+          <ac:chgData name="Roy Liu" userId="755465ea-a681-4840-afaf-3106d4ded39d" providerId="ADAL" clId="{26A4DA2E-3B26-4A19-981B-FA4B6FD33F58}" dt="2023-09-26T11:33:39.635" v="809"/>
+          <ac:picMkLst>
+            <pc:docMk/>
+            <pc:sldMk cId="3854421792" sldId="264"/>
+            <ac:picMk id="13" creationId="{491E01A8-1008-15E9-3262-5AC90B860C51}"/>
+          </ac:picMkLst>
+        </pc:picChg>
+        <pc:picChg chg="add mod">
+          <ac:chgData name="Roy Liu" userId="755465ea-a681-4840-afaf-3106d4ded39d" providerId="ADAL" clId="{26A4DA2E-3B26-4A19-981B-FA4B6FD33F58}" dt="2023-09-26T11:33:54.593" v="821" actId="1076"/>
+          <ac:picMkLst>
+            <pc:docMk/>
+            <pc:sldMk cId="3854421792" sldId="264"/>
+            <ac:picMk id="22" creationId="{CF92AAA3-742D-F5AA-75F3-56814F81F59A}"/>
+          </ac:picMkLst>
+        </pc:picChg>
+      </pc:sldChg>
+      <pc:sldChg chg="modSp new mod">
+        <pc:chgData name="Roy Liu" userId="755465ea-a681-4840-afaf-3106d4ded39d" providerId="ADAL" clId="{26A4DA2E-3B26-4A19-981B-FA4B6FD33F58}" dt="2023-09-26T10:47:06.837" v="674" actId="20577"/>
+        <pc:sldMkLst>
+          <pc:docMk/>
+          <pc:sldMk cId="435654270" sldId="265"/>
+        </pc:sldMkLst>
+        <pc:spChg chg="mod">
+          <ac:chgData name="Roy Liu" userId="755465ea-a681-4840-afaf-3106d4ded39d" providerId="ADAL" clId="{26A4DA2E-3B26-4A19-981B-FA4B6FD33F58}" dt="2023-09-26T09:59:01.724" v="465" actId="20577"/>
+          <ac:spMkLst>
+            <pc:docMk/>
+            <pc:sldMk cId="435654270" sldId="265"/>
+            <ac:spMk id="2" creationId="{C467D37A-286A-5967-A2D3-A3CB3B01E5C0}"/>
+          </ac:spMkLst>
+        </pc:spChg>
+        <pc:spChg chg="mod">
+          <ac:chgData name="Roy Liu" userId="755465ea-a681-4840-afaf-3106d4ded39d" providerId="ADAL" clId="{26A4DA2E-3B26-4A19-981B-FA4B6FD33F58}" dt="2023-09-26T10:47:06.837" v="674" actId="20577"/>
+          <ac:spMkLst>
+            <pc:docMk/>
+            <pc:sldMk cId="435654270" sldId="265"/>
+            <ac:spMk id="3" creationId="{7F2E4967-6631-E036-3C10-AB476F921C5F}"/>
+          </ac:spMkLst>
+        </pc:spChg>
+      </pc:sldChg>
+      <pc:sldChg chg="modSp mod">
+        <pc:chgData name="Roy Liu" userId="755465ea-a681-4840-afaf-3106d4ded39d" providerId="ADAL" clId="{26A4DA2E-3B26-4A19-981B-FA4B6FD33F58}" dt="2023-09-26T11:30:56.916" v="775" actId="313"/>
+        <pc:sldMkLst>
+          <pc:docMk/>
+          <pc:sldMk cId="3257955536" sldId="268"/>
+        </pc:sldMkLst>
+        <pc:spChg chg="mod">
+          <ac:chgData name="Roy Liu" userId="755465ea-a681-4840-afaf-3106d4ded39d" providerId="ADAL" clId="{26A4DA2E-3B26-4A19-981B-FA4B6FD33F58}" dt="2023-09-26T11:30:56.916" v="775" actId="313"/>
+          <ac:spMkLst>
+            <pc:docMk/>
+            <pc:sldMk cId="3257955536" sldId="268"/>
+            <ac:spMk id="3" creationId="{40D137FA-18A4-4E72-3B1A-E45AE21D012B}"/>
+          </ac:spMkLst>
+        </pc:spChg>
+      </pc:sldChg>
+      <pc:sldChg chg="addSp delSp modSp new mod setBg">
+        <pc:chgData name="Roy Liu" userId="755465ea-a681-4840-afaf-3106d4ded39d" providerId="ADAL" clId="{26A4DA2E-3B26-4A19-981B-FA4B6FD33F58}" dt="2023-10-01T17:13:08.855" v="2130" actId="20577"/>
         <pc:sldMkLst>
           <pc:docMk/>
           <pc:sldMk cId="3751505815" sldId="269"/>
         </pc:sldMkLst>
         <pc:spChg chg="mod">
-          <ac:chgData name="Viktória Szabó" userId="S::viktoria22000@student.hamk.fi::55ff7ae3-70d3-4f82-942e-28ce8109f0e2" providerId="AD" clId="Web-{2FDE26DA-918B-C5FD-BEDC-B05DF466947D}" dt="2023-09-27T10:08:32.022" v="232" actId="20577"/>
+          <ac:chgData name="Roy Liu" userId="755465ea-a681-4840-afaf-3106d4ded39d" providerId="ADAL" clId="{26A4DA2E-3B26-4A19-981B-FA4B6FD33F58}" dt="2023-10-01T17:12:21.860" v="2129" actId="20577"/>
+          <ac:spMkLst>
+            <pc:docMk/>
+            <pc:sldMk cId="3751505815" sldId="269"/>
+            <ac:spMk id="2" creationId="{88013891-86EF-454E-0A39-BC7185B11C4F}"/>
+          </ac:spMkLst>
+        </pc:spChg>
+        <pc:spChg chg="del mod">
+          <ac:chgData name="Roy Liu" userId="755465ea-a681-4840-afaf-3106d4ded39d" providerId="ADAL" clId="{26A4DA2E-3B26-4A19-981B-FA4B6FD33F58}" dt="2023-10-01T17:04:07.263" v="1862"/>
           <ac:spMkLst>
             <pc:docMk/>
             <pc:sldMk cId="3751505815" sldId="269"/>
             <ac:spMk id="3" creationId="{284301AF-09D3-6BEB-2BC6-2BDF6F9CBC62}"/>
           </ac:spMkLst>
         </pc:spChg>
+        <pc:spChg chg="add mod ord">
+          <ac:chgData name="Roy Liu" userId="755465ea-a681-4840-afaf-3106d4ded39d" providerId="ADAL" clId="{26A4DA2E-3B26-4A19-981B-FA4B6FD33F58}" dt="2023-10-01T17:13:08.855" v="2130" actId="20577"/>
+          <ac:spMkLst>
+            <pc:docMk/>
+            <pc:sldMk cId="3751505815" sldId="269"/>
+            <ac:spMk id="9" creationId="{A751F638-9411-D00F-1726-CFD6AAA8845B}"/>
+          </ac:spMkLst>
+        </pc:spChg>
+        <pc:spChg chg="add del">
+          <ac:chgData name="Roy Liu" userId="755465ea-a681-4840-afaf-3106d4ded39d" providerId="ADAL" clId="{26A4DA2E-3B26-4A19-981B-FA4B6FD33F58}" dt="2023-10-01T17:05:11.649" v="1866" actId="26606"/>
+          <ac:spMkLst>
+            <pc:docMk/>
+            <pc:sldMk cId="3751505815" sldId="269"/>
+            <ac:spMk id="12" creationId="{A4FB2F27-3F7D-440E-A905-86607A926A29}"/>
+          </ac:spMkLst>
+        </pc:spChg>
+        <pc:spChg chg="add del">
+          <ac:chgData name="Roy Liu" userId="755465ea-a681-4840-afaf-3106d4ded39d" providerId="ADAL" clId="{26A4DA2E-3B26-4A19-981B-FA4B6FD33F58}" dt="2023-10-01T17:05:11.649" v="1866" actId="26606"/>
+          <ac:spMkLst>
+            <pc:docMk/>
+            <pc:sldMk cId="3751505815" sldId="269"/>
+            <ac:spMk id="14" creationId="{AF678C14-A033-4139-BCA9-8382B039648B}"/>
+          </ac:spMkLst>
+        </pc:spChg>
+        <pc:spChg chg="add">
+          <ac:chgData name="Roy Liu" userId="755465ea-a681-4840-afaf-3106d4ded39d" providerId="ADAL" clId="{26A4DA2E-3B26-4A19-981B-FA4B6FD33F58}" dt="2023-10-01T17:05:11.649" v="1866" actId="26606"/>
+          <ac:spMkLst>
+            <pc:docMk/>
+            <pc:sldMk cId="3751505815" sldId="269"/>
+            <ac:spMk id="23" creationId="{A4FB2F27-3F7D-440E-A905-86607A926A29}"/>
+          </ac:spMkLst>
+        </pc:spChg>
+        <pc:spChg chg="add">
+          <ac:chgData name="Roy Liu" userId="755465ea-a681-4840-afaf-3106d4ded39d" providerId="ADAL" clId="{26A4DA2E-3B26-4A19-981B-FA4B6FD33F58}" dt="2023-10-01T17:05:11.649" v="1866" actId="26606"/>
+          <ac:spMkLst>
+            <pc:docMk/>
+            <pc:sldMk cId="3751505815" sldId="269"/>
+            <ac:spMk id="25" creationId="{AF678C14-A033-4139-BCA9-8382B039648B}"/>
+          </ac:spMkLst>
+        </pc:spChg>
+        <pc:grpChg chg="add del">
+          <ac:chgData name="Roy Liu" userId="755465ea-a681-4840-afaf-3106d4ded39d" providerId="ADAL" clId="{26A4DA2E-3B26-4A19-981B-FA4B6FD33F58}" dt="2023-10-01T17:05:11.649" v="1866" actId="26606"/>
+          <ac:grpSpMkLst>
+            <pc:docMk/>
+            <pc:sldMk cId="3751505815" sldId="269"/>
+            <ac:grpSpMk id="16" creationId="{3489A2D2-B3AA-488C-B20E-15DBB97548C6}"/>
+          </ac:grpSpMkLst>
+        </pc:grpChg>
+        <pc:grpChg chg="add">
+          <ac:chgData name="Roy Liu" userId="755465ea-a681-4840-afaf-3106d4ded39d" providerId="ADAL" clId="{26A4DA2E-3B26-4A19-981B-FA4B6FD33F58}" dt="2023-10-01T17:05:11.649" v="1866" actId="26606"/>
+          <ac:grpSpMkLst>
+            <pc:docMk/>
+            <pc:sldMk cId="3751505815" sldId="269"/>
+            <ac:grpSpMk id="27" creationId="{F54E156B-C3CF-4290-AAE3-FA3BD6BE8456}"/>
+          </ac:grpSpMkLst>
+        </pc:grpChg>
+        <pc:picChg chg="add mod">
+          <ac:chgData name="Roy Liu" userId="755465ea-a681-4840-afaf-3106d4ded39d" providerId="ADAL" clId="{26A4DA2E-3B26-4A19-981B-FA4B6FD33F58}" dt="2023-10-01T17:05:56.550" v="1874" actId="14100"/>
+          <ac:picMkLst>
+            <pc:docMk/>
+            <pc:sldMk cId="3751505815" sldId="269"/>
+            <ac:picMk id="5" creationId="{4F149E62-64F5-8A18-7178-7C0266DA5581}"/>
+          </ac:picMkLst>
+        </pc:picChg>
+        <pc:picChg chg="add mod">
+          <ac:chgData name="Roy Liu" userId="755465ea-a681-4840-afaf-3106d4ded39d" providerId="ADAL" clId="{26A4DA2E-3B26-4A19-981B-FA4B6FD33F58}" dt="2023-10-01T17:07:15.262" v="1880" actId="1076"/>
+          <ac:picMkLst>
+            <pc:docMk/>
+            <pc:sldMk cId="3751505815" sldId="269"/>
+            <ac:picMk id="7" creationId="{C800F6F5-EBD3-B533-78F5-EAE29261AAE8}"/>
+          </ac:picMkLst>
+        </pc:picChg>
+        <pc:picChg chg="add mod">
+          <ac:chgData name="Roy Liu" userId="755465ea-a681-4840-afaf-3106d4ded39d" providerId="ADAL" clId="{26A4DA2E-3B26-4A19-981B-FA4B6FD33F58}" dt="2023-10-01T17:05:41.479" v="1868" actId="1076"/>
+          <ac:picMkLst>
+            <pc:docMk/>
+            <pc:sldMk cId="3751505815" sldId="269"/>
+            <ac:picMk id="10" creationId="{0BFC9D82-9049-A6E7-BFFC-45D0C0449163}"/>
+          </ac:picMkLst>
+        </pc:picChg>
+        <pc:picChg chg="add mod">
+          <ac:chgData name="Roy Liu" userId="755465ea-a681-4840-afaf-3106d4ded39d" providerId="ADAL" clId="{26A4DA2E-3B26-4A19-981B-FA4B6FD33F58}" dt="2023-10-01T17:07:12.364" v="1879" actId="1076"/>
+          <ac:picMkLst>
+            <pc:docMk/>
+            <pc:sldMk cId="3751505815" sldId="269"/>
+            <ac:picMk id="13" creationId="{DA80BC7E-9CCE-6BDE-B33F-3B42045F189C}"/>
+          </ac:picMkLst>
+        </pc:picChg>
       </pc:sldChg>
+      <pc:sldMasterChg chg="add del addSldLayout delSldLayout">
+        <pc:chgData name="Roy Liu" userId="755465ea-a681-4840-afaf-3106d4ded39d" providerId="ADAL" clId="{26A4DA2E-3B26-4A19-981B-FA4B6FD33F58}" dt="2023-09-20T11:39:52.354" v="148" actId="26606"/>
+        <pc:sldMasterMkLst>
+          <pc:docMk/>
+          <pc:sldMasterMk cId="789219319" sldId="2147483660"/>
+        </pc:sldMasterMkLst>
+        <pc:sldLayoutChg chg="add del">
+          <pc:chgData name="Roy Liu" userId="755465ea-a681-4840-afaf-3106d4ded39d" providerId="ADAL" clId="{26A4DA2E-3B26-4A19-981B-FA4B6FD33F58}" dt="2023-09-20T11:39:52.354" v="148" actId="26606"/>
+          <pc:sldLayoutMkLst>
+            <pc:docMk/>
+            <pc:sldMasterMk cId="789219319" sldId="2147483660"/>
+            <pc:sldLayoutMk cId="1809636922" sldId="2147483661"/>
+          </pc:sldLayoutMkLst>
+        </pc:sldLayoutChg>
+        <pc:sldLayoutChg chg="add del">
+          <pc:chgData name="Roy Liu" userId="755465ea-a681-4840-afaf-3106d4ded39d" providerId="ADAL" clId="{26A4DA2E-3B26-4A19-981B-FA4B6FD33F58}" dt="2023-09-20T11:39:52.354" v="148" actId="26606"/>
+          <pc:sldLayoutMkLst>
+            <pc:docMk/>
+            <pc:sldMasterMk cId="789219319" sldId="2147483660"/>
+            <pc:sldLayoutMk cId="2101453903" sldId="2147483662"/>
+          </pc:sldLayoutMkLst>
+        </pc:sldLayoutChg>
+        <pc:sldLayoutChg chg="add del">
+          <pc:chgData name="Roy Liu" userId="755465ea-a681-4840-afaf-3106d4ded39d" providerId="ADAL" clId="{26A4DA2E-3B26-4A19-981B-FA4B6FD33F58}" dt="2023-09-20T11:39:52.354" v="148" actId="26606"/>
+          <pc:sldLayoutMkLst>
+            <pc:docMk/>
+            <pc:sldMasterMk cId="789219319" sldId="2147483660"/>
+            <pc:sldLayoutMk cId="1251068635" sldId="2147483663"/>
+          </pc:sldLayoutMkLst>
+        </pc:sldLayoutChg>
+        <pc:sldLayoutChg chg="add del">
+          <pc:chgData name="Roy Liu" userId="755465ea-a681-4840-afaf-3106d4ded39d" providerId="ADAL" clId="{26A4DA2E-3B26-4A19-981B-FA4B6FD33F58}" dt="2023-09-20T11:39:52.354" v="148" actId="26606"/>
+          <pc:sldLayoutMkLst>
+            <pc:docMk/>
+            <pc:sldMasterMk cId="789219319" sldId="2147483660"/>
+            <pc:sldLayoutMk cId="2552483535" sldId="2147483664"/>
+          </pc:sldLayoutMkLst>
+        </pc:sldLayoutChg>
+        <pc:sldLayoutChg chg="add del">
+          <pc:chgData name="Roy Liu" userId="755465ea-a681-4840-afaf-3106d4ded39d" providerId="ADAL" clId="{26A4DA2E-3B26-4A19-981B-FA4B6FD33F58}" dt="2023-09-20T11:39:52.354" v="148" actId="26606"/>
+          <pc:sldLayoutMkLst>
+            <pc:docMk/>
+            <pc:sldMasterMk cId="789219319" sldId="2147483660"/>
+            <pc:sldLayoutMk cId="2033678604" sldId="2147483665"/>
+          </pc:sldLayoutMkLst>
+        </pc:sldLayoutChg>
+        <pc:sldLayoutChg chg="add del">
+          <pc:chgData name="Roy Liu" userId="755465ea-a681-4840-afaf-3106d4ded39d" providerId="ADAL" clId="{26A4DA2E-3B26-4A19-981B-FA4B6FD33F58}" dt="2023-09-20T11:39:52.354" v="148" actId="26606"/>
+          <pc:sldLayoutMkLst>
+            <pc:docMk/>
+            <pc:sldMasterMk cId="789219319" sldId="2147483660"/>
+            <pc:sldLayoutMk cId="1859807123" sldId="2147483666"/>
+          </pc:sldLayoutMkLst>
+        </pc:sldLayoutChg>
+        <pc:sldLayoutChg chg="add del">
+          <pc:chgData name="Roy Liu" userId="755465ea-a681-4840-afaf-3106d4ded39d" providerId="ADAL" clId="{26A4DA2E-3B26-4A19-981B-FA4B6FD33F58}" dt="2023-09-20T11:39:52.354" v="148" actId="26606"/>
+          <pc:sldLayoutMkLst>
+            <pc:docMk/>
+            <pc:sldMasterMk cId="789219319" sldId="2147483660"/>
+            <pc:sldLayoutMk cId="883036279" sldId="2147483667"/>
+          </pc:sldLayoutMkLst>
+        </pc:sldLayoutChg>
+        <pc:sldLayoutChg chg="add del">
+          <pc:chgData name="Roy Liu" userId="755465ea-a681-4840-afaf-3106d4ded39d" providerId="ADAL" clId="{26A4DA2E-3B26-4A19-981B-FA4B6FD33F58}" dt="2023-09-20T11:39:52.354" v="148" actId="26606"/>
+          <pc:sldLayoutMkLst>
+            <pc:docMk/>
+            <pc:sldMasterMk cId="789219319" sldId="2147483660"/>
+            <pc:sldLayoutMk cId="728350495" sldId="2147483668"/>
+          </pc:sldLayoutMkLst>
+        </pc:sldLayoutChg>
+        <pc:sldLayoutChg chg="add del">
+          <pc:chgData name="Roy Liu" userId="755465ea-a681-4840-afaf-3106d4ded39d" providerId="ADAL" clId="{26A4DA2E-3B26-4A19-981B-FA4B6FD33F58}" dt="2023-09-20T11:39:52.354" v="148" actId="26606"/>
+          <pc:sldLayoutMkLst>
+            <pc:docMk/>
+            <pc:sldMasterMk cId="789219319" sldId="2147483660"/>
+            <pc:sldLayoutMk cId="2132223704" sldId="2147483669"/>
+          </pc:sldLayoutMkLst>
+        </pc:sldLayoutChg>
+        <pc:sldLayoutChg chg="add del">
+          <pc:chgData name="Roy Liu" userId="755465ea-a681-4840-afaf-3106d4ded39d" providerId="ADAL" clId="{26A4DA2E-3B26-4A19-981B-FA4B6FD33F58}" dt="2023-09-20T11:39:52.354" v="148" actId="26606"/>
+          <pc:sldLayoutMkLst>
+            <pc:docMk/>
+            <pc:sldMasterMk cId="789219319" sldId="2147483660"/>
+            <pc:sldLayoutMk cId="173961049" sldId="2147483670"/>
+          </pc:sldLayoutMkLst>
+        </pc:sldLayoutChg>
+        <pc:sldLayoutChg chg="add del">
+          <pc:chgData name="Roy Liu" userId="755465ea-a681-4840-afaf-3106d4ded39d" providerId="ADAL" clId="{26A4DA2E-3B26-4A19-981B-FA4B6FD33F58}" dt="2023-09-20T11:39:52.354" v="148" actId="26606"/>
+          <pc:sldLayoutMkLst>
+            <pc:docMk/>
+            <pc:sldMasterMk cId="789219319" sldId="2147483660"/>
+            <pc:sldLayoutMk cId="2950409454" sldId="2147483671"/>
+          </pc:sldLayoutMkLst>
+        </pc:sldLayoutChg>
+      </pc:sldMasterChg>
+      <pc:sldMasterChg chg="add del replId addSldLayout delSldLayout">
+        <pc:chgData name="Roy Liu" userId="755465ea-a681-4840-afaf-3106d4ded39d" providerId="ADAL" clId="{26A4DA2E-3B26-4A19-981B-FA4B6FD33F58}" dt="2023-09-20T11:39:10.769" v="139" actId="26606"/>
+        <pc:sldMasterMkLst>
+          <pc:docMk/>
+          <pc:sldMasterMk cId="4127245905" sldId="2147483672"/>
+        </pc:sldMasterMkLst>
+        <pc:sldLayoutChg chg="add del">
+          <pc:chgData name="Roy Liu" userId="755465ea-a681-4840-afaf-3106d4ded39d" providerId="ADAL" clId="{26A4DA2E-3B26-4A19-981B-FA4B6FD33F58}" dt="2023-09-20T11:39:10.769" v="139" actId="26606"/>
+          <pc:sldLayoutMkLst>
+            <pc:docMk/>
+            <pc:sldMasterMk cId="4127245905" sldId="2147483672"/>
+            <pc:sldLayoutMk cId="1429118868" sldId="2147483673"/>
+          </pc:sldLayoutMkLst>
+        </pc:sldLayoutChg>
+        <pc:sldLayoutChg chg="add del replId">
+          <pc:chgData name="Roy Liu" userId="755465ea-a681-4840-afaf-3106d4ded39d" providerId="ADAL" clId="{26A4DA2E-3B26-4A19-981B-FA4B6FD33F58}" dt="2023-09-20T11:39:10.769" v="139" actId="26606"/>
+          <pc:sldLayoutMkLst>
+            <pc:docMk/>
+            <pc:sldMasterMk cId="4127245905" sldId="2147483672"/>
+            <pc:sldLayoutMk cId="1612413609" sldId="2147483674"/>
+          </pc:sldLayoutMkLst>
+        </pc:sldLayoutChg>
+        <pc:sldLayoutChg chg="add del replId">
+          <pc:chgData name="Roy Liu" userId="755465ea-a681-4840-afaf-3106d4ded39d" providerId="ADAL" clId="{26A4DA2E-3B26-4A19-981B-FA4B6FD33F58}" dt="2023-09-20T11:39:10.769" v="139" actId="26606"/>
+          <pc:sldLayoutMkLst>
+            <pc:docMk/>
+            <pc:sldMasterMk cId="4127245905" sldId="2147483672"/>
+            <pc:sldLayoutMk cId="838334733" sldId="2147483675"/>
+          </pc:sldLayoutMkLst>
+        </pc:sldLayoutChg>
+        <pc:sldLayoutChg chg="add del replId">
+          <pc:chgData name="Roy Liu" userId="755465ea-a681-4840-afaf-3106d4ded39d" providerId="ADAL" clId="{26A4DA2E-3B26-4A19-981B-FA4B6FD33F58}" dt="2023-09-20T11:39:10.769" v="139" actId="26606"/>
+          <pc:sldLayoutMkLst>
+            <pc:docMk/>
+            <pc:sldMasterMk cId="4127245905" sldId="2147483672"/>
+            <pc:sldLayoutMk cId="3846711166" sldId="2147483676"/>
+          </pc:sldLayoutMkLst>
+        </pc:sldLayoutChg>
+        <pc:sldLayoutChg chg="add del replId">
+          <pc:chgData name="Roy Liu" userId="755465ea-a681-4840-afaf-3106d4ded39d" providerId="ADAL" clId="{26A4DA2E-3B26-4A19-981B-FA4B6FD33F58}" dt="2023-09-20T11:39:10.769" v="139" actId="26606"/>
+          <pc:sldLayoutMkLst>
+            <pc:docMk/>
+            <pc:sldMasterMk cId="4127245905" sldId="2147483672"/>
+            <pc:sldLayoutMk cId="2652795275" sldId="2147483677"/>
+          </pc:sldLayoutMkLst>
+        </pc:sldLayoutChg>
+        <pc:sldLayoutChg chg="add del replId">
+          <pc:chgData name="Roy Liu" userId="755465ea-a681-4840-afaf-3106d4ded39d" providerId="ADAL" clId="{26A4DA2E-3B26-4A19-981B-FA4B6FD33F58}" dt="2023-09-20T11:39:10.769" v="139" actId="26606"/>
+          <pc:sldLayoutMkLst>
+            <pc:docMk/>
+            <pc:sldMasterMk cId="4127245905" sldId="2147483672"/>
+            <pc:sldLayoutMk cId="4201483436" sldId="2147483678"/>
+          </pc:sldLayoutMkLst>
+        </pc:sldLayoutChg>
+        <pc:sldLayoutChg chg="add del replId">
+          <pc:chgData name="Roy Liu" userId="755465ea-a681-4840-afaf-3106d4ded39d" providerId="ADAL" clId="{26A4DA2E-3B26-4A19-981B-FA4B6FD33F58}" dt="2023-09-20T11:39:10.769" v="139" actId="26606"/>
+          <pc:sldLayoutMkLst>
+            <pc:docMk/>
+            <pc:sldMasterMk cId="4127245905" sldId="2147483672"/>
+            <pc:sldLayoutMk cId="3069532564" sldId="2147483679"/>
+          </pc:sldLayoutMkLst>
+        </pc:sldLayoutChg>
+        <pc:sldLayoutChg chg="add del replId">
+          <pc:chgData name="Roy Liu" userId="755465ea-a681-4840-afaf-3106d4ded39d" providerId="ADAL" clId="{26A4DA2E-3B26-4A19-981B-FA4B6FD33F58}" dt="2023-09-20T11:39:10.769" v="139" actId="26606"/>
+          <pc:sldLayoutMkLst>
+            <pc:docMk/>
+            <pc:sldMasterMk cId="4127245905" sldId="2147483672"/>
+            <pc:sldLayoutMk cId="1984730009" sldId="2147483680"/>
+          </pc:sldLayoutMkLst>
+        </pc:sldLayoutChg>
+        <pc:sldLayoutChg chg="add del replId">
+          <pc:chgData name="Roy Liu" userId="755465ea-a681-4840-afaf-3106d4ded39d" providerId="ADAL" clId="{26A4DA2E-3B26-4A19-981B-FA4B6FD33F58}" dt="2023-09-20T11:39:10.769" v="139" actId="26606"/>
+          <pc:sldLayoutMkLst>
+            <pc:docMk/>
+            <pc:sldMasterMk cId="4127245905" sldId="2147483672"/>
+            <pc:sldLayoutMk cId="1973024183" sldId="2147483681"/>
+          </pc:sldLayoutMkLst>
+        </pc:sldLayoutChg>
+        <pc:sldLayoutChg chg="add del replId">
+          <pc:chgData name="Roy Liu" userId="755465ea-a681-4840-afaf-3106d4ded39d" providerId="ADAL" clId="{26A4DA2E-3B26-4A19-981B-FA4B6FD33F58}" dt="2023-09-20T11:39:10.769" v="139" actId="26606"/>
+          <pc:sldLayoutMkLst>
+            <pc:docMk/>
+            <pc:sldMasterMk cId="4127245905" sldId="2147483672"/>
+            <pc:sldLayoutMk cId="3356146414" sldId="2147483682"/>
+          </pc:sldLayoutMkLst>
+        </pc:sldLayoutChg>
+        <pc:sldLayoutChg chg="add del replId">
+          <pc:chgData name="Roy Liu" userId="755465ea-a681-4840-afaf-3106d4ded39d" providerId="ADAL" clId="{26A4DA2E-3B26-4A19-981B-FA4B6FD33F58}" dt="2023-09-20T11:39:10.769" v="139" actId="26606"/>
+          <pc:sldLayoutMkLst>
+            <pc:docMk/>
+            <pc:sldMasterMk cId="4127245905" sldId="2147483672"/>
+            <pc:sldLayoutMk cId="4135450878" sldId="2147483683"/>
+          </pc:sldLayoutMkLst>
+        </pc:sldLayoutChg>
+      </pc:sldMasterChg>
+      <pc:sldMasterChg chg="add del addSldLayout delSldLayout">
+        <pc:chgData name="Roy Liu" userId="755465ea-a681-4840-afaf-3106d4ded39d" providerId="ADAL" clId="{26A4DA2E-3B26-4A19-981B-FA4B6FD33F58}" dt="2023-09-20T11:39:52.354" v="148" actId="26606"/>
+        <pc:sldMasterMkLst>
+          <pc:docMk/>
+          <pc:sldMasterMk cId="3139187229" sldId="2147483698"/>
+        </pc:sldMasterMkLst>
+        <pc:sldLayoutChg chg="add del">
+          <pc:chgData name="Roy Liu" userId="755465ea-a681-4840-afaf-3106d4ded39d" providerId="ADAL" clId="{26A4DA2E-3B26-4A19-981B-FA4B6FD33F58}" dt="2023-09-20T11:39:52.354" v="148" actId="26606"/>
+          <pc:sldLayoutMkLst>
+            <pc:docMk/>
+            <pc:sldMasterMk cId="3139187229" sldId="2147483698"/>
+            <pc:sldLayoutMk cId="356345958" sldId="2147483687"/>
+          </pc:sldLayoutMkLst>
+        </pc:sldLayoutChg>
+        <pc:sldLayoutChg chg="add del">
+          <pc:chgData name="Roy Liu" userId="755465ea-a681-4840-afaf-3106d4ded39d" providerId="ADAL" clId="{26A4DA2E-3B26-4A19-981B-FA4B6FD33F58}" dt="2023-09-20T11:39:52.354" v="148" actId="26606"/>
+          <pc:sldLayoutMkLst>
+            <pc:docMk/>
+            <pc:sldMasterMk cId="3139187229" sldId="2147483698"/>
+            <pc:sldLayoutMk cId="2704023781" sldId="2147483688"/>
+          </pc:sldLayoutMkLst>
+        </pc:sldLayoutChg>
+        <pc:sldLayoutChg chg="add del">
+          <pc:chgData name="Roy Liu" userId="755465ea-a681-4840-afaf-3106d4ded39d" providerId="ADAL" clId="{26A4DA2E-3B26-4A19-981B-FA4B6FD33F58}" dt="2023-09-20T11:39:52.354" v="148" actId="26606"/>
+          <pc:sldLayoutMkLst>
+            <pc:docMk/>
+            <pc:sldMasterMk cId="3139187229" sldId="2147483698"/>
+            <pc:sldLayoutMk cId="395939718" sldId="2147483689"/>
+          </pc:sldLayoutMkLst>
+        </pc:sldLayoutChg>
+        <pc:sldLayoutChg chg="add del">
+          <pc:chgData name="Roy Liu" userId="755465ea-a681-4840-afaf-3106d4ded39d" providerId="ADAL" clId="{26A4DA2E-3B26-4A19-981B-FA4B6FD33F58}" dt="2023-09-20T11:39:52.354" v="148" actId="26606"/>
+          <pc:sldLayoutMkLst>
+            <pc:docMk/>
+            <pc:sldMasterMk cId="3139187229" sldId="2147483698"/>
+            <pc:sldLayoutMk cId="2278752544" sldId="2147483690"/>
+          </pc:sldLayoutMkLst>
+        </pc:sldLayoutChg>
+        <pc:sldLayoutChg chg="add del">
+          <pc:chgData name="Roy Liu" userId="755465ea-a681-4840-afaf-3106d4ded39d" providerId="ADAL" clId="{26A4DA2E-3B26-4A19-981B-FA4B6FD33F58}" dt="2023-09-20T11:39:52.354" v="148" actId="26606"/>
+          <pc:sldLayoutMkLst>
+            <pc:docMk/>
+            <pc:sldMasterMk cId="3139187229" sldId="2147483698"/>
+            <pc:sldLayoutMk cId="1225069123" sldId="2147483691"/>
+          </pc:sldLayoutMkLst>
+        </pc:sldLayoutChg>
+        <pc:sldLayoutChg chg="add del">
+          <pc:chgData name="Roy Liu" userId="755465ea-a681-4840-afaf-3106d4ded39d" providerId="ADAL" clId="{26A4DA2E-3B26-4A19-981B-FA4B6FD33F58}" dt="2023-09-20T11:39:52.354" v="148" actId="26606"/>
+          <pc:sldLayoutMkLst>
+            <pc:docMk/>
+            <pc:sldMasterMk cId="3139187229" sldId="2147483698"/>
+            <pc:sldLayoutMk cId="1946154289" sldId="2147483692"/>
+          </pc:sldLayoutMkLst>
+        </pc:sldLayoutChg>
+        <pc:sldLayoutChg chg="add del">
+          <pc:chgData name="Roy Liu" userId="755465ea-a681-4840-afaf-3106d4ded39d" providerId="ADAL" clId="{26A4DA2E-3B26-4A19-981B-FA4B6FD33F58}" dt="2023-09-20T11:39:52.354" v="148" actId="26606"/>
+          <pc:sldLayoutMkLst>
+            <pc:docMk/>
+            <pc:sldMasterMk cId="3139187229" sldId="2147483698"/>
+            <pc:sldLayoutMk cId="84961155" sldId="2147483693"/>
+          </pc:sldLayoutMkLst>
+        </pc:sldLayoutChg>
+        <pc:sldLayoutChg chg="add del">
+          <pc:chgData name="Roy Liu" userId="755465ea-a681-4840-afaf-3106d4ded39d" providerId="ADAL" clId="{26A4DA2E-3B26-4A19-981B-FA4B6FD33F58}" dt="2023-09-20T11:39:52.354" v="148" actId="26606"/>
+          <pc:sldLayoutMkLst>
+            <pc:docMk/>
+            <pc:sldMasterMk cId="3139187229" sldId="2147483698"/>
+            <pc:sldLayoutMk cId="2385091365" sldId="2147483694"/>
+          </pc:sldLayoutMkLst>
+        </pc:sldLayoutChg>
+        <pc:sldLayoutChg chg="add del">
+          <pc:chgData name="Roy Liu" userId="755465ea-a681-4840-afaf-3106d4ded39d" providerId="ADAL" clId="{26A4DA2E-3B26-4A19-981B-FA4B6FD33F58}" dt="2023-09-20T11:39:52.354" v="148" actId="26606"/>
+          <pc:sldLayoutMkLst>
+            <pc:docMk/>
+            <pc:sldMasterMk cId="3139187229" sldId="2147483698"/>
+            <pc:sldLayoutMk cId="1982246214" sldId="2147483695"/>
+          </pc:sldLayoutMkLst>
+        </pc:sldLayoutChg>
+        <pc:sldLayoutChg chg="add del">
+          <pc:chgData name="Roy Liu" userId="755465ea-a681-4840-afaf-3106d4ded39d" providerId="ADAL" clId="{26A4DA2E-3B26-4A19-981B-FA4B6FD33F58}" dt="2023-09-20T11:39:52.354" v="148" actId="26606"/>
+          <pc:sldLayoutMkLst>
+            <pc:docMk/>
+            <pc:sldMasterMk cId="3139187229" sldId="2147483698"/>
+            <pc:sldLayoutMk cId="2416492150" sldId="2147483696"/>
+          </pc:sldLayoutMkLst>
+        </pc:sldLayoutChg>
+        <pc:sldLayoutChg chg="add del">
+          <pc:chgData name="Roy Liu" userId="755465ea-a681-4840-afaf-3106d4ded39d" providerId="ADAL" clId="{26A4DA2E-3B26-4A19-981B-FA4B6FD33F58}" dt="2023-09-20T11:39:52.354" v="148" actId="26606"/>
+          <pc:sldLayoutMkLst>
+            <pc:docMk/>
+            <pc:sldMasterMk cId="3139187229" sldId="2147483698"/>
+            <pc:sldLayoutMk cId="378628906" sldId="2147483697"/>
+          </pc:sldLayoutMkLst>
+        </pc:sldLayoutChg>
+      </pc:sldMasterChg>
+      <pc:sldMasterChg chg="add del addSldLayout delSldLayout">
+        <pc:chgData name="Roy Liu" userId="755465ea-a681-4840-afaf-3106d4ded39d" providerId="ADAL" clId="{26A4DA2E-3B26-4A19-981B-FA4B6FD33F58}" dt="2023-09-20T11:39:49.982" v="145" actId="26606"/>
+        <pc:sldMasterMkLst>
+          <pc:docMk/>
+          <pc:sldMasterMk cId="4137531801" sldId="2147483750"/>
+        </pc:sldMasterMkLst>
+        <pc:sldLayoutChg chg="add del">
+          <pc:chgData name="Roy Liu" userId="755465ea-a681-4840-afaf-3106d4ded39d" providerId="ADAL" clId="{26A4DA2E-3B26-4A19-981B-FA4B6FD33F58}" dt="2023-09-20T11:39:49.982" v="145" actId="26606"/>
+          <pc:sldLayoutMkLst>
+            <pc:docMk/>
+            <pc:sldMasterMk cId="4137531801" sldId="2147483750"/>
+            <pc:sldLayoutMk cId="132888358" sldId="2147483739"/>
+          </pc:sldLayoutMkLst>
+        </pc:sldLayoutChg>
+        <pc:sldLayoutChg chg="add del">
+          <pc:chgData name="Roy Liu" userId="755465ea-a681-4840-afaf-3106d4ded39d" providerId="ADAL" clId="{26A4DA2E-3B26-4A19-981B-FA4B6FD33F58}" dt="2023-09-20T11:39:49.982" v="145" actId="26606"/>
+          <pc:sldLayoutMkLst>
+            <pc:docMk/>
+            <pc:sldMasterMk cId="4137531801" sldId="2147483750"/>
+            <pc:sldLayoutMk cId="3453804309" sldId="2147483740"/>
+          </pc:sldLayoutMkLst>
+        </pc:sldLayoutChg>
+        <pc:sldLayoutChg chg="add del">
+          <pc:chgData name="Roy Liu" userId="755465ea-a681-4840-afaf-3106d4ded39d" providerId="ADAL" clId="{26A4DA2E-3B26-4A19-981B-FA4B6FD33F58}" dt="2023-09-20T11:39:49.982" v="145" actId="26606"/>
+          <pc:sldLayoutMkLst>
+            <pc:docMk/>
+            <pc:sldMasterMk cId="4137531801" sldId="2147483750"/>
+            <pc:sldLayoutMk cId="76274929" sldId="2147483741"/>
+          </pc:sldLayoutMkLst>
+        </pc:sldLayoutChg>
+        <pc:sldLayoutChg chg="add del">
+          <pc:chgData name="Roy Liu" userId="755465ea-a681-4840-afaf-3106d4ded39d" providerId="ADAL" clId="{26A4DA2E-3B26-4A19-981B-FA4B6FD33F58}" dt="2023-09-20T11:39:49.982" v="145" actId="26606"/>
+          <pc:sldLayoutMkLst>
+            <pc:docMk/>
+            <pc:sldMasterMk cId="4137531801" sldId="2147483750"/>
+            <pc:sldLayoutMk cId="3044339433" sldId="2147483742"/>
+          </pc:sldLayoutMkLst>
+        </pc:sldLayoutChg>
+        <pc:sldLayoutChg chg="add del">
+          <pc:chgData name="Roy Liu" userId="755465ea-a681-4840-afaf-3106d4ded39d" providerId="ADAL" clId="{26A4DA2E-3B26-4A19-981B-FA4B6FD33F58}" dt="2023-09-20T11:39:49.982" v="145" actId="26606"/>
+          <pc:sldLayoutMkLst>
+            <pc:docMk/>
+            <pc:sldMasterMk cId="4137531801" sldId="2147483750"/>
+            <pc:sldLayoutMk cId="1908676235" sldId="2147483743"/>
+          </pc:sldLayoutMkLst>
+        </pc:sldLayoutChg>
+        <pc:sldLayoutChg chg="add del">
+          <pc:chgData name="Roy Liu" userId="755465ea-a681-4840-afaf-3106d4ded39d" providerId="ADAL" clId="{26A4DA2E-3B26-4A19-981B-FA4B6FD33F58}" dt="2023-09-20T11:39:49.982" v="145" actId="26606"/>
+          <pc:sldLayoutMkLst>
+            <pc:docMk/>
+            <pc:sldMasterMk cId="4137531801" sldId="2147483750"/>
+            <pc:sldLayoutMk cId="314010309" sldId="2147483744"/>
+          </pc:sldLayoutMkLst>
+        </pc:sldLayoutChg>
+        <pc:sldLayoutChg chg="add del">
+          <pc:chgData name="Roy Liu" userId="755465ea-a681-4840-afaf-3106d4ded39d" providerId="ADAL" clId="{26A4DA2E-3B26-4A19-981B-FA4B6FD33F58}" dt="2023-09-20T11:39:49.982" v="145" actId="26606"/>
+          <pc:sldLayoutMkLst>
+            <pc:docMk/>
+            <pc:sldMasterMk cId="4137531801" sldId="2147483750"/>
+            <pc:sldLayoutMk cId="4185690392" sldId="2147483745"/>
+          </pc:sldLayoutMkLst>
+        </pc:sldLayoutChg>
+        <pc:sldLayoutChg chg="add del">
+          <pc:chgData name="Roy Liu" userId="755465ea-a681-4840-afaf-3106d4ded39d" providerId="ADAL" clId="{26A4DA2E-3B26-4A19-981B-FA4B6FD33F58}" dt="2023-09-20T11:39:49.982" v="145" actId="26606"/>
+          <pc:sldLayoutMkLst>
+            <pc:docMk/>
+            <pc:sldMasterMk cId="4137531801" sldId="2147483750"/>
+            <pc:sldLayoutMk cId="280367108" sldId="2147483746"/>
+          </pc:sldLayoutMkLst>
+        </pc:sldLayoutChg>
+        <pc:sldLayoutChg chg="add del">
+          <pc:chgData name="Roy Liu" userId="755465ea-a681-4840-afaf-3106d4ded39d" providerId="ADAL" clId="{26A4DA2E-3B26-4A19-981B-FA4B6FD33F58}" dt="2023-09-20T11:39:49.982" v="145" actId="26606"/>
+          <pc:sldLayoutMkLst>
+            <pc:docMk/>
+            <pc:sldMasterMk cId="4137531801" sldId="2147483750"/>
+            <pc:sldLayoutMk cId="4260407630" sldId="2147483747"/>
+          </pc:sldLayoutMkLst>
+        </pc:sldLayoutChg>
+        <pc:sldLayoutChg chg="add del">
+          <pc:chgData name="Roy Liu" userId="755465ea-a681-4840-afaf-3106d4ded39d" providerId="ADAL" clId="{26A4DA2E-3B26-4A19-981B-FA4B6FD33F58}" dt="2023-09-20T11:39:49.982" v="145" actId="26606"/>
+          <pc:sldLayoutMkLst>
+            <pc:docMk/>
+            <pc:sldMasterMk cId="4137531801" sldId="2147483750"/>
+            <pc:sldLayoutMk cId="3749109380" sldId="2147483748"/>
+          </pc:sldLayoutMkLst>
+        </pc:sldLayoutChg>
+        <pc:sldLayoutChg chg="add del">
+          <pc:chgData name="Roy Liu" userId="755465ea-a681-4840-afaf-3106d4ded39d" providerId="ADAL" clId="{26A4DA2E-3B26-4A19-981B-FA4B6FD33F58}" dt="2023-09-20T11:39:49.982" v="145" actId="26606"/>
+          <pc:sldLayoutMkLst>
+            <pc:docMk/>
+            <pc:sldMasterMk cId="4137531801" sldId="2147483750"/>
+            <pc:sldLayoutMk cId="3923863840" sldId="2147483749"/>
+          </pc:sldLayoutMkLst>
+        </pc:sldLayoutChg>
+      </pc:sldMasterChg>
+      <pc:sldMasterChg chg="add del addSldLayout delSldLayout">
+        <pc:chgData name="Roy Liu" userId="755465ea-a681-4840-afaf-3106d4ded39d" providerId="ADAL" clId="{26A4DA2E-3B26-4A19-981B-FA4B6FD33F58}" dt="2023-09-20T11:39:52.314" v="147" actId="26606"/>
+        <pc:sldMasterMkLst>
+          <pc:docMk/>
+          <pc:sldMasterMk cId="2396023725" sldId="2147483763"/>
+        </pc:sldMasterMkLst>
+        <pc:sldLayoutChg chg="add del">
+          <pc:chgData name="Roy Liu" userId="755465ea-a681-4840-afaf-3106d4ded39d" providerId="ADAL" clId="{26A4DA2E-3B26-4A19-981B-FA4B6FD33F58}" dt="2023-09-20T11:39:52.314" v="147" actId="26606"/>
+          <pc:sldLayoutMkLst>
+            <pc:docMk/>
+            <pc:sldMasterMk cId="2396023725" sldId="2147483763"/>
+            <pc:sldLayoutMk cId="958344890" sldId="2147483752"/>
+          </pc:sldLayoutMkLst>
+        </pc:sldLayoutChg>
+        <pc:sldLayoutChg chg="add del">
+          <pc:chgData name="Roy Liu" userId="755465ea-a681-4840-afaf-3106d4ded39d" providerId="ADAL" clId="{26A4DA2E-3B26-4A19-981B-FA4B6FD33F58}" dt="2023-09-20T11:39:52.314" v="147" actId="26606"/>
+          <pc:sldLayoutMkLst>
+            <pc:docMk/>
+            <pc:sldMasterMk cId="2396023725" sldId="2147483763"/>
+            <pc:sldLayoutMk cId="4270449318" sldId="2147483753"/>
+          </pc:sldLayoutMkLst>
+        </pc:sldLayoutChg>
+        <pc:sldLayoutChg chg="add del">
+          <pc:chgData name="Roy Liu" userId="755465ea-a681-4840-afaf-3106d4ded39d" providerId="ADAL" clId="{26A4DA2E-3B26-4A19-981B-FA4B6FD33F58}" dt="2023-09-20T11:39:52.314" v="147" actId="26606"/>
+          <pc:sldLayoutMkLst>
+            <pc:docMk/>
+            <pc:sldMasterMk cId="2396023725" sldId="2147483763"/>
+            <pc:sldLayoutMk cId="2399139964" sldId="2147483754"/>
+          </pc:sldLayoutMkLst>
+        </pc:sldLayoutChg>
+        <pc:sldLayoutChg chg="add del">
+          <pc:chgData name="Roy Liu" userId="755465ea-a681-4840-afaf-3106d4ded39d" providerId="ADAL" clId="{26A4DA2E-3B26-4A19-981B-FA4B6FD33F58}" dt="2023-09-20T11:39:52.314" v="147" actId="26606"/>
+          <pc:sldLayoutMkLst>
+            <pc:docMk/>
+            <pc:sldMasterMk cId="2396023725" sldId="2147483763"/>
+            <pc:sldLayoutMk cId="1693984252" sldId="2147483755"/>
+          </pc:sldLayoutMkLst>
+        </pc:sldLayoutChg>
+        <pc:sldLayoutChg chg="add del">
+          <pc:chgData name="Roy Liu" userId="755465ea-a681-4840-afaf-3106d4ded39d" providerId="ADAL" clId="{26A4DA2E-3B26-4A19-981B-FA4B6FD33F58}" dt="2023-09-20T11:39:52.314" v="147" actId="26606"/>
+          <pc:sldLayoutMkLst>
+            <pc:docMk/>
+            <pc:sldMasterMk cId="2396023725" sldId="2147483763"/>
+            <pc:sldLayoutMk cId="4543520" sldId="2147483756"/>
+          </pc:sldLayoutMkLst>
+        </pc:sldLayoutChg>
+        <pc:sldLayoutChg chg="add del">
+          <pc:chgData name="Roy Liu" userId="755465ea-a681-4840-afaf-3106d4ded39d" providerId="ADAL" clId="{26A4DA2E-3B26-4A19-981B-FA4B6FD33F58}" dt="2023-09-20T11:39:52.314" v="147" actId="26606"/>
+          <pc:sldLayoutMkLst>
+            <pc:docMk/>
+            <pc:sldMasterMk cId="2396023725" sldId="2147483763"/>
+            <pc:sldLayoutMk cId="3396188322" sldId="2147483757"/>
+          </pc:sldLayoutMkLst>
+        </pc:sldLayoutChg>
+        <pc:sldLayoutChg chg="add del">
+          <pc:chgData name="Roy Liu" userId="755465ea-a681-4840-afaf-3106d4ded39d" providerId="ADAL" clId="{26A4DA2E-3B26-4A19-981B-FA4B6FD33F58}" dt="2023-09-20T11:39:52.314" v="147" actId="26606"/>
+          <pc:sldLayoutMkLst>
+            <pc:docMk/>
+            <pc:sldMasterMk cId="2396023725" sldId="2147483763"/>
+            <pc:sldLayoutMk cId="2637560780" sldId="2147483758"/>
+          </pc:sldLayoutMkLst>
+        </pc:sldLayoutChg>
+        <pc:sldLayoutChg chg="add del">
+          <pc:chgData name="Roy Liu" userId="755465ea-a681-4840-afaf-3106d4ded39d" providerId="ADAL" clId="{26A4DA2E-3B26-4A19-981B-FA4B6FD33F58}" dt="2023-09-20T11:39:52.314" v="147" actId="26606"/>
+          <pc:sldLayoutMkLst>
+            <pc:docMk/>
+            <pc:sldMasterMk cId="2396023725" sldId="2147483763"/>
+            <pc:sldLayoutMk cId="2863320743" sldId="2147483759"/>
+          </pc:sldLayoutMkLst>
+        </pc:sldLayoutChg>
+        <pc:sldLayoutChg chg="add del">
+          <pc:chgData name="Roy Liu" userId="755465ea-a681-4840-afaf-3106d4ded39d" providerId="ADAL" clId="{26A4DA2E-3B26-4A19-981B-FA4B6FD33F58}" dt="2023-09-20T11:39:52.314" v="147" actId="26606"/>
+          <pc:sldLayoutMkLst>
+            <pc:docMk/>
+            <pc:sldMasterMk cId="2396023725" sldId="2147483763"/>
+            <pc:sldLayoutMk cId="2427292896" sldId="2147483760"/>
+          </pc:sldLayoutMkLst>
+        </pc:sldLayoutChg>
+        <pc:sldLayoutChg chg="add del">
+          <pc:chgData name="Roy Liu" userId="755465ea-a681-4840-afaf-3106d4ded39d" providerId="ADAL" clId="{26A4DA2E-3B26-4A19-981B-FA4B6FD33F58}" dt="2023-09-20T11:39:52.314" v="147" actId="26606"/>
+          <pc:sldLayoutMkLst>
+            <pc:docMk/>
+            <pc:sldMasterMk cId="2396023725" sldId="2147483763"/>
+            <pc:sldLayoutMk cId="1431543505" sldId="2147483761"/>
+          </pc:sldLayoutMkLst>
+        </pc:sldLayoutChg>
+        <pc:sldLayoutChg chg="add del">
+          <pc:chgData name="Roy Liu" userId="755465ea-a681-4840-afaf-3106d4ded39d" providerId="ADAL" clId="{26A4DA2E-3B26-4A19-981B-FA4B6FD33F58}" dt="2023-09-20T11:39:52.314" v="147" actId="26606"/>
+          <pc:sldLayoutMkLst>
+            <pc:docMk/>
+            <pc:sldMasterMk cId="2396023725" sldId="2147483763"/>
+            <pc:sldLayoutMk cId="2371968821" sldId="2147483762"/>
+          </pc:sldLayoutMkLst>
+        </pc:sldLayoutChg>
+      </pc:sldMasterChg>
     </pc:docChg>
   </pc:docChgLst>
   <pc:docChgLst>
-    <pc:chgData name="Viktória Szabó" userId="S::viktoria22000@student.hamk.fi::55ff7ae3-70d3-4f82-942e-28ce8109f0e2" providerId="AD" clId="Web-{C4D42948-8866-3437-1BA9-3871038CE292}"/>
+    <pc:chgData name="Viktória Szabó" userId="S::viktoria22000@student.hamk.fi::55ff7ae3-70d3-4f82-942e-28ce8109f0e2" providerId="AD" clId="Web-{99DD3772-D7DA-ACAF-C41D-2125D048CA4C}"/>
     <pc:docChg chg="addSld modSld">
-      <pc:chgData name="Viktória Szabó" userId="S::viktoria22000@student.hamk.fi::55ff7ae3-70d3-4f82-942e-28ce8109f0e2" providerId="AD" clId="Web-{C4D42948-8866-3437-1BA9-3871038CE292}" dt="2023-09-27T10:25:38.896" v="53" actId="20577"/>
+      <pc:chgData name="Viktória Szabó" userId="S::viktoria22000@student.hamk.fi::55ff7ae3-70d3-4f82-942e-28ce8109f0e2" providerId="AD" clId="Web-{99DD3772-D7DA-ACAF-C41D-2125D048CA4C}" dt="2023-09-26T10:46:12.597" v="684" actId="20577"/>
       <pc:docMkLst>
         <pc:docMk/>
       </pc:docMkLst>
       <pc:sldChg chg="modSp">
-        <pc:chgData name="Viktória Szabó" userId="S::viktoria22000@student.hamk.fi::55ff7ae3-70d3-4f82-942e-28ce8109f0e2" providerId="AD" clId="Web-{C4D42948-8866-3437-1BA9-3871038CE292}" dt="2023-09-27T10:25:04.770" v="5" actId="20577"/>
+        <pc:chgData name="Viktória Szabó" userId="S::viktoria22000@student.hamk.fi::55ff7ae3-70d3-4f82-942e-28ce8109f0e2" providerId="AD" clId="Web-{99DD3772-D7DA-ACAF-C41D-2125D048CA4C}" dt="2023-09-26T10:41:09.971" v="450" actId="1076"/>
+        <pc:sldMkLst>
+          <pc:docMk/>
+          <pc:sldMk cId="4059361716" sldId="256"/>
+        </pc:sldMkLst>
+        <pc:spChg chg="mod">
+          <ac:chgData name="Viktória Szabó" userId="S::viktoria22000@student.hamk.fi::55ff7ae3-70d3-4f82-942e-28ce8109f0e2" providerId="AD" clId="Web-{99DD3772-D7DA-ACAF-C41D-2125D048CA4C}" dt="2023-09-26T10:40:47.721" v="446" actId="20577"/>
+          <ac:spMkLst>
+            <pc:docMk/>
+            <pc:sldMk cId="4059361716" sldId="256"/>
+            <ac:spMk id="2" creationId="{FB1621ED-E470-38C9-3C00-E64A512B7968}"/>
+          </ac:spMkLst>
+        </pc:spChg>
+        <pc:spChg chg="mod">
+          <ac:chgData name="Viktória Szabó" userId="S::viktoria22000@student.hamk.fi::55ff7ae3-70d3-4f82-942e-28ce8109f0e2" providerId="AD" clId="Web-{99DD3772-D7DA-ACAF-C41D-2125D048CA4C}" dt="2023-09-26T10:41:09.971" v="450" actId="1076"/>
+          <ac:spMkLst>
+            <pc:docMk/>
+            <pc:sldMk cId="4059361716" sldId="256"/>
+            <ac:spMk id="3" creationId="{A1373B98-8ED3-37B9-5EB5-687324157D0A}"/>
+          </ac:spMkLst>
+        </pc:spChg>
+      </pc:sldChg>
+      <pc:sldChg chg="addSp modSp mod setBg">
+        <pc:chgData name="Viktória Szabó" userId="S::viktoria22000@student.hamk.fi::55ff7ae3-70d3-4f82-942e-28ce8109f0e2" providerId="AD" clId="Web-{99DD3772-D7DA-ACAF-C41D-2125D048CA4C}" dt="2023-09-26T10:46:12.597" v="684" actId="20577"/>
+        <pc:sldMkLst>
+          <pc:docMk/>
+          <pc:sldMk cId="1499829321" sldId="257"/>
+        </pc:sldMkLst>
+        <pc:spChg chg="mod">
+          <ac:chgData name="Viktória Szabó" userId="S::viktoria22000@student.hamk.fi::55ff7ae3-70d3-4f82-942e-28ce8109f0e2" providerId="AD" clId="Web-{99DD3772-D7DA-ACAF-C41D-2125D048CA4C}" dt="2023-09-26T10:44:18.987" v="658"/>
+          <ac:spMkLst>
+            <pc:docMk/>
+            <pc:sldMk cId="1499829321" sldId="257"/>
+            <ac:spMk id="2" creationId="{6E7FAB23-3BBF-1A08-4ADC-40F67AE0A9F3}"/>
+          </ac:spMkLst>
+        </pc:spChg>
+        <pc:spChg chg="mod">
+          <ac:chgData name="Viktória Szabó" userId="S::viktoria22000@student.hamk.fi::55ff7ae3-70d3-4f82-942e-28ce8109f0e2" providerId="AD" clId="Web-{99DD3772-D7DA-ACAF-C41D-2125D048CA4C}" dt="2023-09-26T10:46:12.597" v="684" actId="20577"/>
+          <ac:spMkLst>
+            <pc:docMk/>
+            <pc:sldMk cId="1499829321" sldId="257"/>
+            <ac:spMk id="3" creationId="{27880FD4-D46A-B9D5-23AC-6C0D8D9629D2}"/>
+          </ac:spMkLst>
+        </pc:spChg>
+        <pc:spChg chg="add">
+          <ac:chgData name="Viktória Szabó" userId="S::viktoria22000@student.hamk.fi::55ff7ae3-70d3-4f82-942e-28ce8109f0e2" providerId="AD" clId="Web-{99DD3772-D7DA-ACAF-C41D-2125D048CA4C}" dt="2023-09-26T10:44:18.987" v="658"/>
+          <ac:spMkLst>
+            <pc:docMk/>
+            <pc:sldMk cId="1499829321" sldId="257"/>
+            <ac:spMk id="8" creationId="{8651CFA9-6065-4243-AC48-858E359780B1}"/>
+          </ac:spMkLst>
+        </pc:spChg>
+        <pc:spChg chg="add">
+          <ac:chgData name="Viktória Szabó" userId="S::viktoria22000@student.hamk.fi::55ff7ae3-70d3-4f82-942e-28ce8109f0e2" providerId="AD" clId="Web-{99DD3772-D7DA-ACAF-C41D-2125D048CA4C}" dt="2023-09-26T10:44:18.987" v="658"/>
+          <ac:spMkLst>
+            <pc:docMk/>
+            <pc:sldMk cId="1499829321" sldId="257"/>
+            <ac:spMk id="10" creationId="{7462BFBC-0E19-4E6F-B0C7-CD5C519BC311}"/>
+          </ac:spMkLst>
+        </pc:spChg>
+        <pc:spChg chg="add">
+          <ac:chgData name="Viktória Szabó" userId="S::viktoria22000@student.hamk.fi::55ff7ae3-70d3-4f82-942e-28ce8109f0e2" providerId="AD" clId="Web-{99DD3772-D7DA-ACAF-C41D-2125D048CA4C}" dt="2023-09-26T10:44:18.987" v="658"/>
+          <ac:spMkLst>
+            <pc:docMk/>
+            <pc:sldMk cId="1499829321" sldId="257"/>
+            <ac:spMk id="16" creationId="{D813CD98-5EBE-426D-A4AC-FA5518B099DE}"/>
+          </ac:spMkLst>
+        </pc:spChg>
+        <pc:spChg chg="add">
+          <ac:chgData name="Viktória Szabó" userId="S::viktoria22000@student.hamk.fi::55ff7ae3-70d3-4f82-942e-28ce8109f0e2" providerId="AD" clId="Web-{99DD3772-D7DA-ACAF-C41D-2125D048CA4C}" dt="2023-09-26T10:44:18.987" v="658"/>
+          <ac:spMkLst>
+            <pc:docMk/>
+            <pc:sldMk cId="1499829321" sldId="257"/>
+            <ac:spMk id="18" creationId="{B453545A-B2D3-41EE-A91C-DBF43402DD43}"/>
+          </ac:spMkLst>
+        </pc:spChg>
+        <pc:grpChg chg="add">
+          <ac:chgData name="Viktória Szabó" userId="S::viktoria22000@student.hamk.fi::55ff7ae3-70d3-4f82-942e-28ce8109f0e2" providerId="AD" clId="Web-{99DD3772-D7DA-ACAF-C41D-2125D048CA4C}" dt="2023-09-26T10:44:18.987" v="658"/>
+          <ac:grpSpMkLst>
+            <pc:docMk/>
+            <pc:sldMk cId="1499829321" sldId="257"/>
+            <ac:grpSpMk id="12" creationId="{F2C2A007-4AE9-49C4-B364-5FDF34596224}"/>
+          </ac:grpSpMkLst>
+        </pc:grpChg>
+      </pc:sldChg>
+      <pc:sldChg chg="addSp modSp">
+        <pc:chgData name="Viktória Szabó" userId="S::viktoria22000@student.hamk.fi::55ff7ae3-70d3-4f82-942e-28ce8109f0e2" providerId="AD" clId="Web-{99DD3772-D7DA-ACAF-C41D-2125D048CA4C}" dt="2023-09-26T10:46:04.019" v="682" actId="20577"/>
         <pc:sldMkLst>
           <pc:docMk/>
           <pc:sldMk cId="723807988" sldId="262"/>
         </pc:sldMkLst>
         <pc:spChg chg="mod">
-          <ac:chgData name="Viktória Szabó" userId="S::viktoria22000@student.hamk.fi::55ff7ae3-70d3-4f82-942e-28ce8109f0e2" providerId="AD" clId="Web-{C4D42948-8866-3437-1BA9-3871038CE292}" dt="2023-09-27T10:25:04.770" v="5" actId="20577"/>
+          <ac:chgData name="Viktória Szabó" userId="S::viktoria22000@student.hamk.fi::55ff7ae3-70d3-4f82-942e-28ce8109f0e2" providerId="AD" clId="Web-{99DD3772-D7DA-ACAF-C41D-2125D048CA4C}" dt="2023-09-26T10:46:04.019" v="682" actId="20577"/>
           <ac:spMkLst>
             <pc:docMk/>
             <pc:sldMk cId="723807988" sldId="262"/>
             <ac:spMk id="2" creationId="{E9FCD3FF-F45B-8D90-0C9A-8B9444056B35}"/>
           </ac:spMkLst>
         </pc:spChg>
+        <pc:spChg chg="mod">
+          <ac:chgData name="Viktória Szabó" userId="S::viktoria22000@student.hamk.fi::55ff7ae3-70d3-4f82-942e-28ce8109f0e2" providerId="AD" clId="Web-{99DD3772-D7DA-ACAF-C41D-2125D048CA4C}" dt="2023-09-26T10:45:39.847" v="675" actId="20577"/>
+          <ac:spMkLst>
+            <pc:docMk/>
+            <pc:sldMk cId="723807988" sldId="262"/>
+            <ac:spMk id="3" creationId="{F7903209-7B69-F2CF-7AFD-F8DAB8DE1B72}"/>
+          </ac:spMkLst>
+        </pc:spChg>
+        <pc:picChg chg="add mod">
+          <ac:chgData name="Viktória Szabó" userId="S::viktoria22000@student.hamk.fi::55ff7ae3-70d3-4f82-942e-28ce8109f0e2" providerId="AD" clId="Web-{99DD3772-D7DA-ACAF-C41D-2125D048CA4C}" dt="2023-09-26T10:30:49.923" v="42" actId="1076"/>
+          <ac:picMkLst>
+            <pc:docMk/>
+            <pc:sldMk cId="723807988" sldId="262"/>
+            <ac:picMk id="4" creationId="{93560767-ED00-007D-38F6-FA4111FC431C}"/>
+          </ac:picMkLst>
+        </pc:picChg>
+        <pc:picChg chg="add mod">
+          <ac:chgData name="Viktória Szabó" userId="S::viktoria22000@student.hamk.fi::55ff7ae3-70d3-4f82-942e-28ce8109f0e2" providerId="AD" clId="Web-{99DD3772-D7DA-ACAF-C41D-2125D048CA4C}" dt="2023-09-26T10:30:47.330" v="39" actId="1076"/>
+          <ac:picMkLst>
+            <pc:docMk/>
+            <pc:sldMk cId="723807988" sldId="262"/>
+            <ac:picMk id="5" creationId="{6147C8E2-A9FF-BF4C-8D74-AB061E226477}"/>
+          </ac:picMkLst>
+        </pc:picChg>
       </pc:sldChg>
-      <pc:sldChg chg="modSp">
-        <pc:chgData name="Viktória Szabó" userId="S::viktoria22000@student.hamk.fi::55ff7ae3-70d3-4f82-942e-28ce8109f0e2" providerId="AD" clId="Web-{C4D42948-8866-3437-1BA9-3871038CE292}" dt="2023-09-27T10:25:11.723" v="8" actId="20577"/>
+      <pc:sldChg chg="addSp delSp modSp mod setBg modClrScheme addAnim delAnim chgLayout">
+        <pc:chgData name="Viktória Szabó" userId="S::viktoria22000@student.hamk.fi::55ff7ae3-70d3-4f82-942e-28ce8109f0e2" providerId="AD" clId="Web-{99DD3772-D7DA-ACAF-C41D-2125D048CA4C}" dt="2023-09-26T10:40:38.549" v="440" actId="20577"/>
+        <pc:sldMkLst>
+          <pc:docMk/>
+          <pc:sldMk cId="2129731390" sldId="263"/>
+        </pc:sldMkLst>
+        <pc:spChg chg="mod ord">
+          <ac:chgData name="Viktória Szabó" userId="S::viktoria22000@student.hamk.fi::55ff7ae3-70d3-4f82-942e-28ce8109f0e2" providerId="AD" clId="Web-{99DD3772-D7DA-ACAF-C41D-2125D048CA4C}" dt="2023-09-26T10:40:38.549" v="440" actId="20577"/>
+          <ac:spMkLst>
+            <pc:docMk/>
+            <pc:sldMk cId="2129731390" sldId="263"/>
+            <ac:spMk id="2" creationId="{D35C279A-F607-F2FC-CE91-DEE49601EC63}"/>
+          </ac:spMkLst>
+        </pc:spChg>
+        <pc:spChg chg="mod ord">
+          <ac:chgData name="Viktória Szabó" userId="S::viktoria22000@student.hamk.fi::55ff7ae3-70d3-4f82-942e-28ce8109f0e2" providerId="AD" clId="Web-{99DD3772-D7DA-ACAF-C41D-2125D048CA4C}" dt="2023-09-26T10:40:35.331" v="437"/>
+          <ac:spMkLst>
+            <pc:docMk/>
+            <pc:sldMk cId="2129731390" sldId="263"/>
+            <ac:spMk id="3" creationId="{1FBB4542-7416-E7B0-5988-8C7D2AFB8EA8}"/>
+          </ac:spMkLst>
+        </pc:spChg>
+        <pc:spChg chg="add del">
+          <ac:chgData name="Viktória Szabó" userId="S::viktoria22000@student.hamk.fi::55ff7ae3-70d3-4f82-942e-28ce8109f0e2" providerId="AD" clId="Web-{99DD3772-D7DA-ACAF-C41D-2125D048CA4C}" dt="2023-09-26T10:40:35.331" v="437"/>
+          <ac:spMkLst>
+            <pc:docMk/>
+            <pc:sldMk cId="2129731390" sldId="263"/>
+            <ac:spMk id="8" creationId="{DE61FBD7-E37C-4B38-BE44-A6D4978D7486}"/>
+          </ac:spMkLst>
+        </pc:spChg>
+        <pc:spChg chg="add del">
+          <ac:chgData name="Viktória Szabó" userId="S::viktoria22000@student.hamk.fi::55ff7ae3-70d3-4f82-942e-28ce8109f0e2" providerId="AD" clId="Web-{99DD3772-D7DA-ACAF-C41D-2125D048CA4C}" dt="2023-09-26T10:40:35.331" v="437"/>
+          <ac:spMkLst>
+            <pc:docMk/>
+            <pc:sldMk cId="2129731390" sldId="263"/>
+            <ac:spMk id="10" creationId="{823772C2-0911-45A0-B7B6-D811380C75AC}"/>
+          </ac:spMkLst>
+        </pc:spChg>
+        <pc:grpChg chg="add del">
+          <ac:chgData name="Viktória Szabó" userId="S::viktoria22000@student.hamk.fi::55ff7ae3-70d3-4f82-942e-28ce8109f0e2" providerId="AD" clId="Web-{99DD3772-D7DA-ACAF-C41D-2125D048CA4C}" dt="2023-09-26T10:40:35.331" v="437"/>
+          <ac:grpSpMkLst>
+            <pc:docMk/>
+            <pc:sldMk cId="2129731390" sldId="263"/>
+            <ac:grpSpMk id="12" creationId="{53A6A32E-D196-4536-A9E8-56D5BB884FCA}"/>
+          </ac:grpSpMkLst>
+        </pc:grpChg>
+      </pc:sldChg>
+      <pc:sldChg chg="addSp delSp modSp">
+        <pc:chgData name="Viktória Szabó" userId="S::viktoria22000@student.hamk.fi::55ff7ae3-70d3-4f82-942e-28ce8109f0e2" providerId="AD" clId="Web-{99DD3772-D7DA-ACAF-C41D-2125D048CA4C}" dt="2023-09-26T10:45:55.987" v="679" actId="20577"/>
         <pc:sldMkLst>
           <pc:docMk/>
           <pc:sldMk cId="435654270" sldId="265"/>
         </pc:sldMkLst>
         <pc:spChg chg="mod">
-          <ac:chgData name="Viktória Szabó" userId="S::viktoria22000@student.hamk.fi::55ff7ae3-70d3-4f82-942e-28ce8109f0e2" providerId="AD" clId="Web-{C4D42948-8866-3437-1BA9-3871038CE292}" dt="2023-09-27T10:25:11.723" v="8" actId="20577"/>
+          <ac:chgData name="Viktória Szabó" userId="S::viktoria22000@student.hamk.fi::55ff7ae3-70d3-4f82-942e-28ce8109f0e2" providerId="AD" clId="Web-{99DD3772-D7DA-ACAF-C41D-2125D048CA4C}" dt="2023-09-26T10:45:55.987" v="679" actId="20577"/>
           <ac:spMkLst>
             <pc:docMk/>
             <pc:sldMk cId="435654270" sldId="265"/>
             <ac:spMk id="2" creationId="{C467D37A-286A-5967-A2D3-A3CB3B01E5C0}"/>
           </ac:spMkLst>
         </pc:spChg>
+        <pc:spChg chg="mod">
+          <ac:chgData name="Viktória Szabó" userId="S::viktoria22000@student.hamk.fi::55ff7ae3-70d3-4f82-942e-28ce8109f0e2" providerId="AD" clId="Web-{99DD3772-D7DA-ACAF-C41D-2125D048CA4C}" dt="2023-09-26T10:45:44.784" v="677" actId="20577"/>
+          <ac:spMkLst>
+            <pc:docMk/>
+            <pc:sldMk cId="435654270" sldId="265"/>
+            <ac:spMk id="3" creationId="{7F2E4967-6631-E036-3C10-AB476F921C5F}"/>
+          </ac:spMkLst>
+        </pc:spChg>
+        <pc:picChg chg="add del mod">
+          <ac:chgData name="Viktória Szabó" userId="S::viktoria22000@student.hamk.fi::55ff7ae3-70d3-4f82-942e-28ce8109f0e2" providerId="AD" clId="Web-{99DD3772-D7DA-ACAF-C41D-2125D048CA4C}" dt="2023-09-26T10:29:48.470" v="14"/>
+          <ac:picMkLst>
+            <pc:docMk/>
+            <pc:sldMk cId="435654270" sldId="265"/>
+            <ac:picMk id="4" creationId="{8BE72F5C-83A2-3231-A9E6-18AE4085838E}"/>
+          </ac:picMkLst>
+        </pc:picChg>
+        <pc:picChg chg="add mod">
+          <ac:chgData name="Viktória Szabó" userId="S::viktoria22000@student.hamk.fi::55ff7ae3-70d3-4f82-942e-28ce8109f0e2" providerId="AD" clId="Web-{99DD3772-D7DA-ACAF-C41D-2125D048CA4C}" dt="2023-09-26T10:30:08.236" v="24" actId="1076"/>
+          <ac:picMkLst>
+            <pc:docMk/>
+            <pc:sldMk cId="435654270" sldId="265"/>
+            <ac:picMk id="5" creationId="{3746FFB8-CB00-DA0E-CC83-3F8B80704B55}"/>
+          </ac:picMkLst>
+        </pc:picChg>
+        <pc:picChg chg="add mod">
+          <ac:chgData name="Viktória Szabó" userId="S::viktoria22000@student.hamk.fi::55ff7ae3-70d3-4f82-942e-28ce8109f0e2" providerId="AD" clId="Web-{99DD3772-D7DA-ACAF-C41D-2125D048CA4C}" dt="2023-09-26T10:30:08.986" v="25" actId="1076"/>
+          <ac:picMkLst>
+            <pc:docMk/>
+            <pc:sldMk cId="435654270" sldId="265"/>
+            <ac:picMk id="6" creationId="{F2B7F44B-D5B4-17C7-5D2E-B87E3E17631B}"/>
+          </ac:picMkLst>
+        </pc:picChg>
       </pc:sldChg>
-      <pc:sldChg chg="modSp new">
-        <pc:chgData name="Viktória Szabó" userId="S::viktoria22000@student.hamk.fi::55ff7ae3-70d3-4f82-942e-28ce8109f0e2" providerId="AD" clId="Web-{C4D42948-8866-3437-1BA9-3871038CE292}" dt="2023-09-27T10:25:38.896" v="53" actId="20577"/>
+      <pc:sldChg chg="addSp delSp modSp new mod setBg">
+        <pc:chgData name="Viktória Szabó" userId="S::viktoria22000@student.hamk.fi::55ff7ae3-70d3-4f82-942e-28ce8109f0e2" providerId="AD" clId="Web-{99DD3772-D7DA-ACAF-C41D-2125D048CA4C}" dt="2023-09-26T10:38:53.596" v="342" actId="20577"/>
         <pc:sldMkLst>
           <pc:docMk/>
-          <pc:sldMk cId="2351471326" sldId="270"/>
+          <pc:sldMk cId="3124489379" sldId="266"/>
         </pc:sldMkLst>
         <pc:spChg chg="mod">
-          <ac:chgData name="Viktória Szabó" userId="S::viktoria22000@student.hamk.fi::55ff7ae3-70d3-4f82-942e-28ce8109f0e2" providerId="AD" clId="Web-{C4D42948-8866-3437-1BA9-3871038CE292}" dt="2023-09-27T10:25:38.896" v="53" actId="20577"/>
-          <ac:spMkLst>
-            <pc:docMk/>
-            <pc:sldMk cId="2351471326" sldId="270"/>
-            <ac:spMk id="2" creationId="{25EBB419-52F1-F773-5B78-04CD3918F1CA}"/>
-          </ac:spMkLst>
-        </pc:spChg>
+          <ac:chgData name="Viktória Szabó" userId="S::viktoria22000@student.hamk.fi::55ff7ae3-70d3-4f82-942e-28ce8109f0e2" providerId="AD" clId="Web-{99DD3772-D7DA-ACAF-C41D-2125D048CA4C}" dt="2023-09-26T10:38:27.143" v="331" actId="14100"/>
+          <ac:spMkLst>
+            <pc:docMk/>
+            <pc:sldMk cId="3124489379" sldId="266"/>
+            <ac:spMk id="2" creationId="{5A78A3DA-970E-9077-A1C4-CA9DCFC7D8B1}"/>
+          </ac:spMkLst>
+        </pc:spChg>
+        <pc:spChg chg="del mod">
+          <ac:chgData name="Viktória Szabó" userId="S::viktoria22000@student.hamk.fi::55ff7ae3-70d3-4f82-942e-28ce8109f0e2" providerId="AD" clId="Web-{99DD3772-D7DA-ACAF-C41D-2125D048CA4C}" dt="2023-09-26T10:33:59.189" v="157"/>
+          <ac:spMkLst>
+            <pc:docMk/>
+            <pc:sldMk cId="3124489379" sldId="266"/>
+            <ac:spMk id="3" creationId="{4281A879-1BFE-2B9D-DCF9-C30DD0B20DA9}"/>
+          </ac:spMkLst>
+        </pc:spChg>
+        <pc:spChg chg="add del mod">
+          <ac:chgData name="Viktória Szabó" userId="S::viktoria22000@student.hamk.fi::55ff7ae3-70d3-4f82-942e-28ce8109f0e2" providerId="AD" clId="Web-{99DD3772-D7DA-ACAF-C41D-2125D048CA4C}" dt="2023-09-26T10:34:25.580" v="164"/>
+          <ac:spMkLst>
+            <pc:docMk/>
+            <pc:sldMk cId="3124489379" sldId="266"/>
+            <ac:spMk id="6" creationId="{D1BA41D9-85B3-2BCE-7BAD-563E9B67B612}"/>
+          </ac:spMkLst>
+        </pc:spChg>
+        <pc:spChg chg="add mod">
+          <ac:chgData name="Viktória Szabó" userId="S::viktoria22000@student.hamk.fi::55ff7ae3-70d3-4f82-942e-28ce8109f0e2" providerId="AD" clId="Web-{99DD3772-D7DA-ACAF-C41D-2125D048CA4C}" dt="2023-09-26T10:38:53.596" v="342" actId="20577"/>
+          <ac:spMkLst>
+            <pc:docMk/>
+            <pc:sldMk cId="3124489379" sldId="266"/>
+            <ac:spMk id="8" creationId="{8A5A1EB3-A69E-9C30-F146-0A35F818E211}"/>
+          </ac:spMkLst>
+        </pc:spChg>
+        <pc:spChg chg="add del mod">
+          <ac:chgData name="Viktória Szabó" userId="S::viktoria22000@student.hamk.fi::55ff7ae3-70d3-4f82-942e-28ce8109f0e2" providerId="AD" clId="Web-{99DD3772-D7DA-ACAF-C41D-2125D048CA4C}" dt="2023-09-26T10:36:06.049" v="197"/>
+          <ac:spMkLst>
+            <pc:docMk/>
+            <pc:sldMk cId="3124489379" sldId="266"/>
+            <ac:spMk id="10" creationId="{4B3DFF6C-0CD4-14E2-1AF2-08FBD165385D}"/>
+          </ac:spMkLst>
+        </pc:spChg>
+        <pc:spChg chg="add del mod">
+          <ac:chgData name="Viktória Szabó" userId="S::viktoria22000@student.hamk.fi::55ff7ae3-70d3-4f82-942e-28ce8109f0e2" providerId="AD" clId="Web-{99DD3772-D7DA-ACAF-C41D-2125D048CA4C}" dt="2023-09-26T10:37:03.987" v="251"/>
+          <ac:spMkLst>
+            <pc:docMk/>
+            <pc:sldMk cId="3124489379" sldId="266"/>
+            <ac:spMk id="13" creationId="{1612404F-C7EC-5F64-DBD7-1B4C037A66D6}"/>
+          </ac:spMkLst>
+        </pc:spChg>
+        <pc:spChg chg="add del">
+          <ac:chgData name="Viktória Szabó" userId="S::viktoria22000@student.hamk.fi::55ff7ae3-70d3-4f82-942e-28ce8109f0e2" providerId="AD" clId="Web-{99DD3772-D7DA-ACAF-C41D-2125D048CA4C}" dt="2023-09-26T10:37:07.955" v="252"/>
+          <ac:spMkLst>
+            <pc:docMk/>
+            <pc:sldMk cId="3124489379" sldId="266"/>
+            <ac:spMk id="16" creationId="{A4FB2F27-3F7D-440E-A905-86607A926A29}"/>
+          </ac:spMkLst>
+        </pc:spChg>
+        <pc:spChg chg="add del">
+          <ac:chgData name="Viktória Szabó" userId="S::viktoria22000@student.hamk.fi::55ff7ae3-70d3-4f82-942e-28ce8109f0e2" providerId="AD" clId="Web-{99DD3772-D7DA-ACAF-C41D-2125D048CA4C}" dt="2023-09-26T10:37:07.955" v="252"/>
+          <ac:spMkLst>
+            <pc:docMk/>
+            <pc:sldMk cId="3124489379" sldId="266"/>
+            <ac:spMk id="18" creationId="{AF678C14-A033-4139-BCA9-8382B039648B}"/>
+          </ac:spMkLst>
+        </pc:spChg>
+        <pc:spChg chg="add">
+          <ac:chgData name="Viktória Szabó" userId="S::viktoria22000@student.hamk.fi::55ff7ae3-70d3-4f82-942e-28ce8109f0e2" providerId="AD" clId="Web-{99DD3772-D7DA-ACAF-C41D-2125D048CA4C}" dt="2023-09-26T10:37:07.955" v="252"/>
+          <ac:spMkLst>
+            <pc:docMk/>
+            <pc:sldMk cId="3124489379" sldId="266"/>
+            <ac:spMk id="27" creationId="{A4FB2F27-3F7D-440E-A905-86607A926A29}"/>
+          </ac:spMkLst>
+        </pc:spChg>
+        <pc:spChg chg="add">
+          <ac:chgData name="Viktória Szabó" userId="S::viktoria22000@student.hamk.fi::55ff7ae3-70d3-4f82-942e-28ce8109f0e2" providerId="AD" clId="Web-{99DD3772-D7DA-ACAF-C41D-2125D048CA4C}" dt="2023-09-26T10:37:07.955" v="252"/>
+          <ac:spMkLst>
+            <pc:docMk/>
+            <pc:sldMk cId="3124489379" sldId="266"/>
+            <ac:spMk id="29" creationId="{AF678C14-A033-4139-BCA9-8382B039648B}"/>
+          </ac:spMkLst>
+        </pc:spChg>
+        <pc:grpChg chg="add del">
+          <ac:chgData name="Viktória Szabó" userId="S::viktoria22000@student.hamk.fi::55ff7ae3-70d3-4f82-942e-28ce8109f0e2" providerId="AD" clId="Web-{99DD3772-D7DA-ACAF-C41D-2125D048CA4C}" dt="2023-09-26T10:37:07.955" v="252"/>
+          <ac:grpSpMkLst>
+            <pc:docMk/>
+            <pc:sldMk cId="3124489379" sldId="266"/>
+            <ac:grpSpMk id="20" creationId="{14763DA8-CE3A-4B30-B2F5-0D128777F742}"/>
+          </ac:grpSpMkLst>
+        </pc:grpChg>
+        <pc:grpChg chg="add">
+          <ac:chgData name="Viktória Szabó" userId="S::viktoria22000@student.hamk.fi::55ff7ae3-70d3-4f82-942e-28ce8109f0e2" providerId="AD" clId="Web-{99DD3772-D7DA-ACAF-C41D-2125D048CA4C}" dt="2023-09-26T10:37:07.955" v="252"/>
+          <ac:grpSpMkLst>
+            <pc:docMk/>
+            <pc:sldMk cId="3124489379" sldId="266"/>
+            <ac:grpSpMk id="31" creationId="{14763DA8-CE3A-4B30-B2F5-0D128777F742}"/>
+          </ac:grpSpMkLst>
+        </pc:grpChg>
+        <pc:picChg chg="add del mod ord">
+          <ac:chgData name="Viktória Szabó" userId="S::viktoria22000@student.hamk.fi::55ff7ae3-70d3-4f82-942e-28ce8109f0e2" providerId="AD" clId="Web-{99DD3772-D7DA-ACAF-C41D-2125D048CA4C}" dt="2023-09-26T10:34:08.814" v="163"/>
+          <ac:picMkLst>
+            <pc:docMk/>
+            <pc:sldMk cId="3124489379" sldId="266"/>
+            <ac:picMk id="4" creationId="{B593B090-7674-1DB8-1F95-BAD21059DCD5}"/>
+          </ac:picMkLst>
+        </pc:picChg>
+        <pc:picChg chg="add del mod ord">
+          <ac:chgData name="Viktória Szabó" userId="S::viktoria22000@student.hamk.fi::55ff7ae3-70d3-4f82-942e-28ce8109f0e2" providerId="AD" clId="Web-{99DD3772-D7DA-ACAF-C41D-2125D048CA4C}" dt="2023-09-26T10:35:57.752" v="196"/>
+          <ac:picMkLst>
+            <pc:docMk/>
+            <pc:sldMk cId="3124489379" sldId="266"/>
+            <ac:picMk id="7" creationId="{8433EB4E-D398-DB6F-DA21-84FBD156D770}"/>
+          </ac:picMkLst>
+        </pc:picChg>
+        <pc:picChg chg="add del mod ord">
+          <ac:chgData name="Viktória Szabó" userId="S::viktoria22000@student.hamk.fi::55ff7ae3-70d3-4f82-942e-28ce8109f0e2" providerId="AD" clId="Web-{99DD3772-D7DA-ACAF-C41D-2125D048CA4C}" dt="2023-09-26T10:36:58.737" v="250"/>
+          <ac:picMkLst>
+            <pc:docMk/>
+            <pc:sldMk cId="3124489379" sldId="266"/>
+            <ac:picMk id="11" creationId="{AFDD4BE1-2151-DB20-AAD9-711A905EE7CF}"/>
+          </ac:picMkLst>
+        </pc:picChg>
+        <pc:picChg chg="add mod ord">
+          <ac:chgData name="Viktória Szabó" userId="S::viktoria22000@student.hamk.fi::55ff7ae3-70d3-4f82-942e-28ce8109f0e2" providerId="AD" clId="Web-{99DD3772-D7DA-ACAF-C41D-2125D048CA4C}" dt="2023-09-26T10:38:34.143" v="335" actId="1076"/>
+          <ac:picMkLst>
+            <pc:docMk/>
+            <pc:sldMk cId="3124489379" sldId="266"/>
+            <ac:picMk id="14" creationId="{A1D47B57-A6BA-7DE0-5AB6-9C7DD840B542}"/>
+          </ac:picMkLst>
+        </pc:picChg>
+      </pc:sldChg>
+      <pc:sldChg chg="addSp modSp new mod setBg modClrScheme chgLayout">
+        <pc:chgData name="Viktória Szabó" userId="S::viktoria22000@student.hamk.fi::55ff7ae3-70d3-4f82-942e-28ce8109f0e2" providerId="AD" clId="Web-{99DD3772-D7DA-ACAF-C41D-2125D048CA4C}" dt="2023-09-26T10:40:43.440" v="442" actId="20577"/>
+        <pc:sldMkLst>
+          <pc:docMk/>
+          <pc:sldMk cId="1072539886" sldId="267"/>
+        </pc:sldMkLst>
+        <pc:spChg chg="mod ord">
+          <ac:chgData name="Viktória Szabó" userId="S::viktoria22000@student.hamk.fi::55ff7ae3-70d3-4f82-942e-28ce8109f0e2" providerId="AD" clId="Web-{99DD3772-D7DA-ACAF-C41D-2125D048CA4C}" dt="2023-09-26T10:40:43.440" v="442" actId="20577"/>
+          <ac:spMkLst>
+            <pc:docMk/>
+            <pc:sldMk cId="1072539886" sldId="267"/>
+            <ac:spMk id="2" creationId="{A378FD55-E9A7-E9D0-7B36-80A46C94A82A}"/>
+          </ac:spMkLst>
+        </pc:spChg>
+        <pc:spChg chg="mod ord">
+          <ac:chgData name="Viktória Szabó" userId="S::viktoria22000@student.hamk.fi::55ff7ae3-70d3-4f82-942e-28ce8109f0e2" providerId="AD" clId="Web-{99DD3772-D7DA-ACAF-C41D-2125D048CA4C}" dt="2023-09-26T10:39:26.221" v="376"/>
+          <ac:spMkLst>
+            <pc:docMk/>
+            <pc:sldMk cId="1072539886" sldId="267"/>
+            <ac:spMk id="3" creationId="{C167499C-17E5-A7E0-2485-CF328CAC9FE9}"/>
+          </ac:spMkLst>
+        </pc:spChg>
+        <pc:spChg chg="add">
+          <ac:chgData name="Viktória Szabó" userId="S::viktoria22000@student.hamk.fi::55ff7ae3-70d3-4f82-942e-28ce8109f0e2" providerId="AD" clId="Web-{99DD3772-D7DA-ACAF-C41D-2125D048CA4C}" dt="2023-09-26T10:39:26.221" v="376"/>
+          <ac:spMkLst>
+            <pc:docMk/>
+            <pc:sldMk cId="1072539886" sldId="267"/>
+            <ac:spMk id="8" creationId="{DE61FBD7-E37C-4B38-BE44-A6D4978D7486}"/>
+          </ac:spMkLst>
+        </pc:spChg>
+        <pc:spChg chg="add">
+          <ac:chgData name="Viktória Szabó" userId="S::viktoria22000@student.hamk.fi::55ff7ae3-70d3-4f82-942e-28ce8109f0e2" providerId="AD" clId="Web-{99DD3772-D7DA-ACAF-C41D-2125D048CA4C}" dt="2023-09-26T10:39:26.221" v="376"/>
+          <ac:spMkLst>
+            <pc:docMk/>
+            <pc:sldMk cId="1072539886" sldId="267"/>
+            <ac:spMk id="10" creationId="{823772C2-0911-45A0-B7B6-D811380C75AC}"/>
+          </ac:spMkLst>
+        </pc:spChg>
+        <pc:grpChg chg="add">
+          <ac:chgData name="Viktória Szabó" userId="S::viktoria22000@student.hamk.fi::55ff7ae3-70d3-4f82-942e-28ce8109f0e2" providerId="AD" clId="Web-{99DD3772-D7DA-ACAF-C41D-2125D048CA4C}" dt="2023-09-26T10:39:26.221" v="376"/>
+          <ac:grpSpMkLst>
+            <pc:docMk/>
+            <pc:sldMk cId="1072539886" sldId="267"/>
+            <ac:grpSpMk id="12" creationId="{53A6A32E-D196-4536-A9E8-56D5BB884FCA}"/>
+          </ac:grpSpMkLst>
+        </pc:grpChg>
+      </pc:sldChg>
+      <pc:sldChg chg="addSp modSp new mod setBg">
+        <pc:chgData name="Viktória Szabó" userId="S::viktoria22000@student.hamk.fi::55ff7ae3-70d3-4f82-942e-28ce8109f0e2" providerId="AD" clId="Web-{99DD3772-D7DA-ACAF-C41D-2125D048CA4C}" dt="2023-09-26T10:44:11.831" v="657"/>
+        <pc:sldMkLst>
+          <pc:docMk/>
+          <pc:sldMk cId="3257955536" sldId="268"/>
+        </pc:sldMkLst>
+        <pc:spChg chg="mod">
+          <ac:chgData name="Viktória Szabó" userId="S::viktoria22000@student.hamk.fi::55ff7ae3-70d3-4f82-942e-28ce8109f0e2" providerId="AD" clId="Web-{99DD3772-D7DA-ACAF-C41D-2125D048CA4C}" dt="2023-09-26T10:44:11.831" v="657"/>
+          <ac:spMkLst>
+            <pc:docMk/>
+            <pc:sldMk cId="3257955536" sldId="268"/>
+            <ac:spMk id="2" creationId="{280DD61B-22A7-3D58-A0ED-2C2AFB5E9234}"/>
+          </ac:spMkLst>
+        </pc:spChg>
+        <pc:spChg chg="mod">
+          <ac:chgData name="Viktória Szabó" userId="S::viktoria22000@student.hamk.fi::55ff7ae3-70d3-4f82-942e-28ce8109f0e2" providerId="AD" clId="Web-{99DD3772-D7DA-ACAF-C41D-2125D048CA4C}" dt="2023-09-26T10:44:11.831" v="657"/>
+          <ac:spMkLst>
+            <pc:docMk/>
+            <pc:sldMk cId="3257955536" sldId="268"/>
+            <ac:spMk id="3" creationId="{40D137FA-18A4-4E72-3B1A-E45AE21D012B}"/>
+          </ac:spMkLst>
+        </pc:spChg>
+        <pc:spChg chg="add">
+          <ac:chgData name="Viktória Szabó" userId="S::viktoria22000@student.hamk.fi::55ff7ae3-70d3-4f82-942e-28ce8109f0e2" providerId="AD" clId="Web-{99DD3772-D7DA-ACAF-C41D-2125D048CA4C}" dt="2023-09-26T10:44:11.831" v="657"/>
+          <ac:spMkLst>
+            <pc:docMk/>
+            <pc:sldMk cId="3257955536" sldId="268"/>
+            <ac:spMk id="8" creationId="{8651CFA9-6065-4243-AC48-858E359780B1}"/>
+          </ac:spMkLst>
+        </pc:spChg>
+        <pc:spChg chg="add">
+          <ac:chgData name="Viktória Szabó" userId="S::viktoria22000@student.hamk.fi::55ff7ae3-70d3-4f82-942e-28ce8109f0e2" providerId="AD" clId="Web-{99DD3772-D7DA-ACAF-C41D-2125D048CA4C}" dt="2023-09-26T10:44:11.831" v="657"/>
+          <ac:spMkLst>
+            <pc:docMk/>
+            <pc:sldMk cId="3257955536" sldId="268"/>
+            <ac:spMk id="10" creationId="{7462BFBC-0E19-4E6F-B0C7-CD5C519BC311}"/>
+          </ac:spMkLst>
+        </pc:spChg>
+        <pc:spChg chg="add">
+          <ac:chgData name="Viktória Szabó" userId="S::viktoria22000@student.hamk.fi::55ff7ae3-70d3-4f82-942e-28ce8109f0e2" providerId="AD" clId="Web-{99DD3772-D7DA-ACAF-C41D-2125D048CA4C}" dt="2023-09-26T10:44:11.831" v="657"/>
+          <ac:spMkLst>
+            <pc:docMk/>
+            <pc:sldMk cId="3257955536" sldId="268"/>
+            <ac:spMk id="16" creationId="{D813CD98-5EBE-426D-A4AC-FA5518B099DE}"/>
+          </ac:spMkLst>
+        </pc:spChg>
+        <pc:spChg chg="add">
+          <ac:chgData name="Viktória Szabó" userId="S::viktoria22000@student.hamk.fi::55ff7ae3-70d3-4f82-942e-28ce8109f0e2" providerId="AD" clId="Web-{99DD3772-D7DA-ACAF-C41D-2125D048CA4C}" dt="2023-09-26T10:44:11.831" v="657"/>
+          <ac:spMkLst>
+            <pc:docMk/>
+            <pc:sldMk cId="3257955536" sldId="268"/>
+            <ac:spMk id="18" creationId="{B453545A-B2D3-41EE-A91C-DBF43402DD43}"/>
+          </ac:spMkLst>
+        </pc:spChg>
+        <pc:grpChg chg="add">
+          <ac:chgData name="Viktória Szabó" userId="S::viktoria22000@student.hamk.fi::55ff7ae3-70d3-4f82-942e-28ce8109f0e2" providerId="AD" clId="Web-{99DD3772-D7DA-ACAF-C41D-2125D048CA4C}" dt="2023-09-26T10:44:11.831" v="657"/>
+          <ac:grpSpMkLst>
+            <pc:docMk/>
+            <pc:sldMk cId="3257955536" sldId="268"/>
+            <ac:grpSpMk id="12" creationId="{F2C2A007-4AE9-49C4-B364-5FDF34596224}"/>
+          </ac:grpSpMkLst>
+        </pc:grpChg>
       </pc:sldChg>
     </pc:docChg>
   </pc:docChgLst>
@@ -244,1470 +2193,6 @@
     </pc:docChg>
   </pc:docChgLst>
   <pc:docChgLst>
-    <pc:chgData name="Roy Liu" userId="755465ea-a681-4840-afaf-3106d4ded39d" providerId="ADAL" clId="{26A4DA2E-3B26-4A19-981B-FA4B6FD33F58}"/>
-    <pc:docChg chg="undo custSel addSld delSld modSld sldOrd addMainMaster delMainMaster">
-      <pc:chgData name="Roy Liu" userId="755465ea-a681-4840-afaf-3106d4ded39d" providerId="ADAL" clId="{26A4DA2E-3B26-4A19-981B-FA4B6FD33F58}" dt="2023-09-27T10:06:48.402" v="1860" actId="20577"/>
-      <pc:docMkLst>
-        <pc:docMk/>
-      </pc:docMkLst>
-      <pc:sldChg chg="addSp delSp modSp new mod modTransition modMedia setBg modClrScheme addAnim delAnim modAnim chgLayout">
-        <pc:chgData name="Roy Liu" userId="755465ea-a681-4840-afaf-3106d4ded39d" providerId="ADAL" clId="{26A4DA2E-3B26-4A19-981B-FA4B6FD33F58}" dt="2023-09-26T09:44:02.538" v="257" actId="20577"/>
-        <pc:sldMkLst>
-          <pc:docMk/>
-          <pc:sldMk cId="4059361716" sldId="256"/>
-        </pc:sldMkLst>
-        <pc:spChg chg="mod">
-          <ac:chgData name="Roy Liu" userId="755465ea-a681-4840-afaf-3106d4ded39d" providerId="ADAL" clId="{26A4DA2E-3B26-4A19-981B-FA4B6FD33F58}" dt="2023-09-20T11:44:14.964" v="163"/>
-          <ac:spMkLst>
-            <pc:docMk/>
-            <pc:sldMk cId="4059361716" sldId="256"/>
-            <ac:spMk id="2" creationId="{FB1621ED-E470-38C9-3C00-E64A512B7968}"/>
-          </ac:spMkLst>
-        </pc:spChg>
-        <pc:spChg chg="mod">
-          <ac:chgData name="Roy Liu" userId="755465ea-a681-4840-afaf-3106d4ded39d" providerId="ADAL" clId="{26A4DA2E-3B26-4A19-981B-FA4B6FD33F58}" dt="2023-09-26T09:44:02.538" v="257" actId="20577"/>
-          <ac:spMkLst>
-            <pc:docMk/>
-            <pc:sldMk cId="4059361716" sldId="256"/>
-            <ac:spMk id="3" creationId="{A1373B98-8ED3-37B9-5EB5-687324157D0A}"/>
-          </ac:spMkLst>
-        </pc:spChg>
-        <pc:spChg chg="add del">
-          <ac:chgData name="Roy Liu" userId="755465ea-a681-4840-afaf-3106d4ded39d" providerId="ADAL" clId="{26A4DA2E-3B26-4A19-981B-FA4B6FD33F58}" dt="2023-09-20T11:39:00.334" v="135" actId="26606"/>
-          <ac:spMkLst>
-            <pc:docMk/>
-            <pc:sldMk cId="4059361716" sldId="256"/>
-            <ac:spMk id="9" creationId="{1E644DE9-8D09-43E2-BA69-F57482CFC93A}"/>
-          </ac:spMkLst>
-        </pc:spChg>
-        <pc:spChg chg="add del">
-          <ac:chgData name="Roy Liu" userId="755465ea-a681-4840-afaf-3106d4ded39d" providerId="ADAL" clId="{26A4DA2E-3B26-4A19-981B-FA4B6FD33F58}" dt="2023-09-20T11:39:00.334" v="135" actId="26606"/>
-          <ac:spMkLst>
-            <pc:docMk/>
-            <pc:sldMk cId="4059361716" sldId="256"/>
-            <ac:spMk id="11" creationId="{6C23C919-B32E-40FF-B3D8-631316E84E3E}"/>
-          </ac:spMkLst>
-        </pc:spChg>
-        <pc:spChg chg="add del">
-          <ac:chgData name="Roy Liu" userId="755465ea-a681-4840-afaf-3106d4ded39d" providerId="ADAL" clId="{26A4DA2E-3B26-4A19-981B-FA4B6FD33F58}" dt="2023-09-20T11:39:10.769" v="139" actId="26606"/>
-          <ac:spMkLst>
-            <pc:docMk/>
-            <pc:sldMk cId="4059361716" sldId="256"/>
-            <ac:spMk id="13" creationId="{3768F94E-2BF1-56A5-87AC-0C427079334B}"/>
-          </ac:spMkLst>
-        </pc:spChg>
-        <pc:spChg chg="add del">
-          <ac:chgData name="Roy Liu" userId="755465ea-a681-4840-afaf-3106d4ded39d" providerId="ADAL" clId="{26A4DA2E-3B26-4A19-981B-FA4B6FD33F58}" dt="2023-09-20T11:39:10.769" v="139" actId="26606"/>
-          <ac:spMkLst>
-            <pc:docMk/>
-            <pc:sldMk cId="4059361716" sldId="256"/>
-            <ac:spMk id="15" creationId="{393D8CD4-7FBE-9118-0CEB-9C1A2FA6AE5A}"/>
-          </ac:spMkLst>
-        </pc:spChg>
-        <pc:spChg chg="add del">
-          <ac:chgData name="Roy Liu" userId="755465ea-a681-4840-afaf-3106d4ded39d" providerId="ADAL" clId="{26A4DA2E-3B26-4A19-981B-FA4B6FD33F58}" dt="2023-09-20T11:39:47.178" v="143" actId="26606"/>
-          <ac:spMkLst>
-            <pc:docMk/>
-            <pc:sldMk cId="4059361716" sldId="256"/>
-            <ac:spMk id="17" creationId="{1E644DE9-8D09-43E2-BA69-F57482CFC93A}"/>
-          </ac:spMkLst>
-        </pc:spChg>
-        <pc:spChg chg="add del">
-          <ac:chgData name="Roy Liu" userId="755465ea-a681-4840-afaf-3106d4ded39d" providerId="ADAL" clId="{26A4DA2E-3B26-4A19-981B-FA4B6FD33F58}" dt="2023-09-20T11:39:47.178" v="143" actId="26606"/>
-          <ac:spMkLst>
-            <pc:docMk/>
-            <pc:sldMk cId="4059361716" sldId="256"/>
-            <ac:spMk id="18" creationId="{6C23C919-B32E-40FF-B3D8-631316E84E3E}"/>
-          </ac:spMkLst>
-        </pc:spChg>
-        <pc:spChg chg="add del">
-          <ac:chgData name="Roy Liu" userId="755465ea-a681-4840-afaf-3106d4ded39d" providerId="ADAL" clId="{26A4DA2E-3B26-4A19-981B-FA4B6FD33F58}" dt="2023-09-20T11:39:49.982" v="145" actId="26606"/>
-          <ac:spMkLst>
-            <pc:docMk/>
-            <pc:sldMk cId="4059361716" sldId="256"/>
-            <ac:spMk id="21" creationId="{0623FB3B-24E7-5304-70D8-3CA402902220}"/>
-          </ac:spMkLst>
-        </pc:spChg>
-        <pc:spChg chg="add del">
-          <ac:chgData name="Roy Liu" userId="755465ea-a681-4840-afaf-3106d4ded39d" providerId="ADAL" clId="{26A4DA2E-3B26-4A19-981B-FA4B6FD33F58}" dt="2023-09-20T11:39:49.982" v="145" actId="26606"/>
-          <ac:spMkLst>
-            <pc:docMk/>
-            <pc:sldMk cId="4059361716" sldId="256"/>
-            <ac:spMk id="22" creationId="{97081EE3-B6BE-9584-F5AF-E5F6484DA7A1}"/>
-          </ac:spMkLst>
-        </pc:spChg>
-        <pc:spChg chg="add del">
-          <ac:chgData name="Roy Liu" userId="755465ea-a681-4840-afaf-3106d4ded39d" providerId="ADAL" clId="{26A4DA2E-3B26-4A19-981B-FA4B6FD33F58}" dt="2023-09-20T11:39:49.982" v="145" actId="26606"/>
-          <ac:spMkLst>
-            <pc:docMk/>
-            <pc:sldMk cId="4059361716" sldId="256"/>
-            <ac:spMk id="24" creationId="{4711BF64-C99B-2F90-ADA1-0C08F9BE8392}"/>
-          </ac:spMkLst>
-        </pc:spChg>
-        <pc:spChg chg="add del">
-          <ac:chgData name="Roy Liu" userId="755465ea-a681-4840-afaf-3106d4ded39d" providerId="ADAL" clId="{26A4DA2E-3B26-4A19-981B-FA4B6FD33F58}" dt="2023-09-20T11:39:52.314" v="147" actId="26606"/>
-          <ac:spMkLst>
-            <pc:docMk/>
-            <pc:sldMk cId="4059361716" sldId="256"/>
-            <ac:spMk id="26" creationId="{733E0473-C315-42D8-A82A-A2FE49DC67DA}"/>
-          </ac:spMkLst>
-        </pc:spChg>
-        <pc:spChg chg="add del">
-          <ac:chgData name="Roy Liu" userId="755465ea-a681-4840-afaf-3106d4ded39d" providerId="ADAL" clId="{26A4DA2E-3B26-4A19-981B-FA4B6FD33F58}" dt="2023-09-20T11:39:52.314" v="147" actId="26606"/>
-          <ac:spMkLst>
-            <pc:docMk/>
-            <pc:sldMk cId="4059361716" sldId="256"/>
-            <ac:spMk id="27" creationId="{AD23A251-68F2-43E5-812B-4BBAE1AF535E}"/>
-          </ac:spMkLst>
-        </pc:spChg>
-        <pc:spChg chg="add">
-          <ac:chgData name="Roy Liu" userId="755465ea-a681-4840-afaf-3106d4ded39d" providerId="ADAL" clId="{26A4DA2E-3B26-4A19-981B-FA4B6FD33F58}" dt="2023-09-20T11:39:52.354" v="148" actId="26606"/>
-          <ac:spMkLst>
-            <pc:docMk/>
-            <pc:sldMk cId="4059361716" sldId="256"/>
-            <ac:spMk id="37" creationId="{1E644DE9-8D09-43E2-BA69-F57482CFC93A}"/>
-          </ac:spMkLst>
-        </pc:spChg>
-        <pc:spChg chg="add">
-          <ac:chgData name="Roy Liu" userId="755465ea-a681-4840-afaf-3106d4ded39d" providerId="ADAL" clId="{26A4DA2E-3B26-4A19-981B-FA4B6FD33F58}" dt="2023-09-20T11:39:52.354" v="148" actId="26606"/>
-          <ac:spMkLst>
-            <pc:docMk/>
-            <pc:sldMk cId="4059361716" sldId="256"/>
-            <ac:spMk id="38" creationId="{6C23C919-B32E-40FF-B3D8-631316E84E3E}"/>
-          </ac:spMkLst>
-        </pc:spChg>
-        <pc:grpChg chg="add del">
-          <ac:chgData name="Roy Liu" userId="755465ea-a681-4840-afaf-3106d4ded39d" providerId="ADAL" clId="{26A4DA2E-3B26-4A19-981B-FA4B6FD33F58}" dt="2023-09-20T11:39:52.314" v="147" actId="26606"/>
-          <ac:grpSpMkLst>
-            <pc:docMk/>
-            <pc:sldMk cId="4059361716" sldId="256"/>
-            <ac:grpSpMk id="29" creationId="{0350AF23-2606-421F-AB7B-23D9B48F3E9B}"/>
-          </ac:grpSpMkLst>
-        </pc:grpChg>
-        <pc:picChg chg="add del">
-          <ac:chgData name="Roy Liu" userId="755465ea-a681-4840-afaf-3106d4ded39d" providerId="ADAL" clId="{26A4DA2E-3B26-4A19-981B-FA4B6FD33F58}" dt="2023-09-20T11:39:00.334" v="135" actId="26606"/>
-          <ac:picMkLst>
-            <pc:docMk/>
-            <pc:sldMk cId="4059361716" sldId="256"/>
-            <ac:picMk id="4" creationId="{B80152C7-DADA-79AF-671F-ED9DFFAEEDA7}"/>
-          </ac:picMkLst>
-        </pc:picChg>
-        <pc:picChg chg="add del mod">
-          <ac:chgData name="Roy Liu" userId="755465ea-a681-4840-afaf-3106d4ded39d" providerId="ADAL" clId="{26A4DA2E-3B26-4A19-981B-FA4B6FD33F58}" dt="2023-09-20T11:39:10.769" v="139" actId="26606"/>
-          <ac:picMkLst>
-            <pc:docMk/>
-            <pc:sldMk cId="4059361716" sldId="256"/>
-            <ac:picMk id="14" creationId="{896F5DF2-BCFC-2FB4-5329-B94F5C89D821}"/>
-          </ac:picMkLst>
-        </pc:picChg>
-        <pc:picChg chg="add del">
-          <ac:chgData name="Roy Liu" userId="755465ea-a681-4840-afaf-3106d4ded39d" providerId="ADAL" clId="{26A4DA2E-3B26-4A19-981B-FA4B6FD33F58}" dt="2023-09-20T11:39:47.178" v="143" actId="26606"/>
-          <ac:picMkLst>
-            <pc:docMk/>
-            <pc:sldMk cId="4059361716" sldId="256"/>
-            <ac:picMk id="19" creationId="{B80152C7-DADA-79AF-671F-ED9DFFAEEDA7}"/>
-          </ac:picMkLst>
-        </pc:picChg>
-        <pc:picChg chg="add del">
-          <ac:chgData name="Roy Liu" userId="755465ea-a681-4840-afaf-3106d4ded39d" providerId="ADAL" clId="{26A4DA2E-3B26-4A19-981B-FA4B6FD33F58}" dt="2023-09-20T11:39:49.982" v="145" actId="26606"/>
-          <ac:picMkLst>
-            <pc:docMk/>
-            <pc:sldMk cId="4059361716" sldId="256"/>
-            <ac:picMk id="23" creationId="{063B0685-32E7-D1F1-01AE-972466F1B3F9}"/>
-          </ac:picMkLst>
-        </pc:picChg>
-        <pc:picChg chg="add del">
-          <ac:chgData name="Roy Liu" userId="755465ea-a681-4840-afaf-3106d4ded39d" providerId="ADAL" clId="{26A4DA2E-3B26-4A19-981B-FA4B6FD33F58}" dt="2023-09-20T11:39:52.314" v="147" actId="26606"/>
-          <ac:picMkLst>
-            <pc:docMk/>
-            <pc:sldMk cId="4059361716" sldId="256"/>
-            <ac:picMk id="28" creationId="{B3EE9219-1F6E-EC8E-1308-4E7893ED0E74}"/>
-          </ac:picMkLst>
-        </pc:picChg>
-        <pc:picChg chg="add">
-          <ac:chgData name="Roy Liu" userId="755465ea-a681-4840-afaf-3106d4ded39d" providerId="ADAL" clId="{26A4DA2E-3B26-4A19-981B-FA4B6FD33F58}" dt="2023-09-20T11:39:52.354" v="148" actId="26606"/>
-          <ac:picMkLst>
-            <pc:docMk/>
-            <pc:sldMk cId="4059361716" sldId="256"/>
-            <ac:picMk id="39" creationId="{B80152C7-DADA-79AF-671F-ED9DFFAEEDA7}"/>
-          </ac:picMkLst>
-        </pc:picChg>
-      </pc:sldChg>
-      <pc:sldChg chg="modSp new mod">
-        <pc:chgData name="Roy Liu" userId="755465ea-a681-4840-afaf-3106d4ded39d" providerId="ADAL" clId="{26A4DA2E-3B26-4A19-981B-FA4B6FD33F58}" dt="2023-09-26T10:08:46.662" v="652" actId="20577"/>
-        <pc:sldMkLst>
-          <pc:docMk/>
-          <pc:sldMk cId="1499829321" sldId="257"/>
-        </pc:sldMkLst>
-        <pc:spChg chg="mod">
-          <ac:chgData name="Roy Liu" userId="755465ea-a681-4840-afaf-3106d4ded39d" providerId="ADAL" clId="{26A4DA2E-3B26-4A19-981B-FA4B6FD33F58}" dt="2023-09-26T09:49:19.300" v="258" actId="790"/>
-          <ac:spMkLst>
-            <pc:docMk/>
-            <pc:sldMk cId="1499829321" sldId="257"/>
-            <ac:spMk id="2" creationId="{6E7FAB23-3BBF-1A08-4ADC-40F67AE0A9F3}"/>
-          </ac:spMkLst>
-        </pc:spChg>
-        <pc:spChg chg="mod">
-          <ac:chgData name="Roy Liu" userId="755465ea-a681-4840-afaf-3106d4ded39d" providerId="ADAL" clId="{26A4DA2E-3B26-4A19-981B-FA4B6FD33F58}" dt="2023-09-26T10:08:46.662" v="652" actId="20577"/>
-          <ac:spMkLst>
-            <pc:docMk/>
-            <pc:sldMk cId="1499829321" sldId="257"/>
-            <ac:spMk id="3" creationId="{27880FD4-D46A-B9D5-23AC-6C0D8D9629D2}"/>
-          </ac:spMkLst>
-        </pc:spChg>
-      </pc:sldChg>
-      <pc:sldChg chg="modSp new mod">
-        <pc:chgData name="Roy Liu" userId="755465ea-a681-4840-afaf-3106d4ded39d" providerId="ADAL" clId="{26A4DA2E-3B26-4A19-981B-FA4B6FD33F58}" dt="2023-09-27T09:57:53.830" v="1536" actId="20577"/>
-        <pc:sldMkLst>
-          <pc:docMk/>
-          <pc:sldMk cId="3596416156" sldId="258"/>
-        </pc:sldMkLst>
-        <pc:spChg chg="mod">
-          <ac:chgData name="Roy Liu" userId="755465ea-a681-4840-afaf-3106d4ded39d" providerId="ADAL" clId="{26A4DA2E-3B26-4A19-981B-FA4B6FD33F58}" dt="2023-09-26T09:58:33.208" v="368" actId="20577"/>
-          <ac:spMkLst>
-            <pc:docMk/>
-            <pc:sldMk cId="3596416156" sldId="258"/>
-            <ac:spMk id="2" creationId="{027F2EE5-1AEC-892A-0F33-1DAF05804E15}"/>
-          </ac:spMkLst>
-        </pc:spChg>
-        <pc:spChg chg="mod">
-          <ac:chgData name="Roy Liu" userId="755465ea-a681-4840-afaf-3106d4ded39d" providerId="ADAL" clId="{26A4DA2E-3B26-4A19-981B-FA4B6FD33F58}" dt="2023-09-27T09:57:53.830" v="1536" actId="20577"/>
-          <ac:spMkLst>
-            <pc:docMk/>
-            <pc:sldMk cId="3596416156" sldId="258"/>
-            <ac:spMk id="3" creationId="{C5FBD0D9-1F3E-B448-0B80-6863AE3ECA96}"/>
-          </ac:spMkLst>
-        </pc:spChg>
-      </pc:sldChg>
-      <pc:sldChg chg="modSp new del mod">
-        <pc:chgData name="Roy Liu" userId="755465ea-a681-4840-afaf-3106d4ded39d" providerId="ADAL" clId="{26A4DA2E-3B26-4A19-981B-FA4B6FD33F58}" dt="2023-09-26T09:59:07.693" v="466" actId="2696"/>
-        <pc:sldMkLst>
-          <pc:docMk/>
-          <pc:sldMk cId="2063800821" sldId="259"/>
-        </pc:sldMkLst>
-        <pc:spChg chg="mod">
-          <ac:chgData name="Roy Liu" userId="755465ea-a681-4840-afaf-3106d4ded39d" providerId="ADAL" clId="{26A4DA2E-3B26-4A19-981B-FA4B6FD33F58}" dt="2023-09-26T09:50:11.128" v="264" actId="20577"/>
-          <ac:spMkLst>
-            <pc:docMk/>
-            <pc:sldMk cId="2063800821" sldId="259"/>
-            <ac:spMk id="2" creationId="{9DA16EE9-A1C6-5746-186A-A83C444481EE}"/>
-          </ac:spMkLst>
-        </pc:spChg>
-      </pc:sldChg>
-      <pc:sldChg chg="modSp new mod ord">
-        <pc:chgData name="Roy Liu" userId="755465ea-a681-4840-afaf-3106d4ded39d" providerId="ADAL" clId="{26A4DA2E-3B26-4A19-981B-FA4B6FD33F58}" dt="2023-09-26T09:57:06.572" v="289" actId="20577"/>
-        <pc:sldMkLst>
-          <pc:docMk/>
-          <pc:sldMk cId="1627402840" sldId="260"/>
-        </pc:sldMkLst>
-        <pc:spChg chg="mod">
-          <ac:chgData name="Roy Liu" userId="755465ea-a681-4840-afaf-3106d4ded39d" providerId="ADAL" clId="{26A4DA2E-3B26-4A19-981B-FA4B6FD33F58}" dt="2023-09-26T09:57:06.572" v="289" actId="20577"/>
-          <ac:spMkLst>
-            <pc:docMk/>
-            <pc:sldMk cId="1627402840" sldId="260"/>
-            <ac:spMk id="2" creationId="{FC60A86F-C9EB-93AE-9163-0F2723C7C1CE}"/>
-          </ac:spMkLst>
-        </pc:spChg>
-      </pc:sldChg>
-      <pc:sldChg chg="addSp delSp modSp new mod setBg">
-        <pc:chgData name="Roy Liu" userId="755465ea-a681-4840-afaf-3106d4ded39d" providerId="ADAL" clId="{26A4DA2E-3B26-4A19-981B-FA4B6FD33F58}" dt="2023-09-27T09:56:06.861" v="1454" actId="20577"/>
-        <pc:sldMkLst>
-          <pc:docMk/>
-          <pc:sldMk cId="833342778" sldId="261"/>
-        </pc:sldMkLst>
-        <pc:spChg chg="mod">
-          <ac:chgData name="Roy Liu" userId="755465ea-a681-4840-afaf-3106d4ded39d" providerId="ADAL" clId="{26A4DA2E-3B26-4A19-981B-FA4B6FD33F58}" dt="2023-09-27T09:56:06.861" v="1454" actId="20577"/>
-          <ac:spMkLst>
-            <pc:docMk/>
-            <pc:sldMk cId="833342778" sldId="261"/>
-            <ac:spMk id="2" creationId="{5FD84A74-3A6C-F4D8-BE30-E95E481604FC}"/>
-          </ac:spMkLst>
-        </pc:spChg>
-        <pc:spChg chg="del">
-          <ac:chgData name="Roy Liu" userId="755465ea-a681-4840-afaf-3106d4ded39d" providerId="ADAL" clId="{26A4DA2E-3B26-4A19-981B-FA4B6FD33F58}" dt="2023-09-26T10:13:52.571" v="653"/>
-          <ac:spMkLst>
-            <pc:docMk/>
-            <pc:sldMk cId="833342778" sldId="261"/>
-            <ac:spMk id="3" creationId="{9033DF0E-4884-3629-37B2-76BF7229470C}"/>
-          </ac:spMkLst>
-        </pc:spChg>
-        <pc:spChg chg="add del">
-          <ac:chgData name="Roy Liu" userId="755465ea-a681-4840-afaf-3106d4ded39d" providerId="ADAL" clId="{26A4DA2E-3B26-4A19-981B-FA4B6FD33F58}" dt="2023-09-26T10:14:13.489" v="656" actId="26606"/>
-          <ac:spMkLst>
-            <pc:docMk/>
-            <pc:sldMk cId="833342778" sldId="261"/>
-            <ac:spMk id="9" creationId="{52814DCF-62D4-3000-30DB-D3CAC0CB7C66}"/>
-          </ac:spMkLst>
-        </pc:spChg>
-        <pc:spChg chg="add del">
-          <ac:chgData name="Roy Liu" userId="755465ea-a681-4840-afaf-3106d4ded39d" providerId="ADAL" clId="{26A4DA2E-3B26-4A19-981B-FA4B6FD33F58}" dt="2023-09-26T10:14:13.489" v="656" actId="26606"/>
-          <ac:spMkLst>
-            <pc:docMk/>
-            <pc:sldMk cId="833342778" sldId="261"/>
-            <ac:spMk id="12" creationId="{8651CFA9-6065-4243-AC48-858E359780B1}"/>
-          </ac:spMkLst>
-        </pc:spChg>
-        <pc:spChg chg="add del">
-          <ac:chgData name="Roy Liu" userId="755465ea-a681-4840-afaf-3106d4ded39d" providerId="ADAL" clId="{26A4DA2E-3B26-4A19-981B-FA4B6FD33F58}" dt="2023-09-26T10:14:13.489" v="656" actId="26606"/>
-          <ac:spMkLst>
-            <pc:docMk/>
-            <pc:sldMk cId="833342778" sldId="261"/>
-            <ac:spMk id="14" creationId="{FBC8BBE5-981E-4B0B-9654-32B5668BFF31}"/>
-          </ac:spMkLst>
-        </pc:spChg>
-        <pc:spChg chg="add del">
-          <ac:chgData name="Roy Liu" userId="755465ea-a681-4840-afaf-3106d4ded39d" providerId="ADAL" clId="{26A4DA2E-3B26-4A19-981B-FA4B6FD33F58}" dt="2023-09-26T10:14:14.595" v="658" actId="26606"/>
-          <ac:spMkLst>
-            <pc:docMk/>
-            <pc:sldMk cId="833342778" sldId="261"/>
-            <ac:spMk id="20" creationId="{A3EF0E40-AEB8-4DF7-A67A-7317B3BF94CA}"/>
-          </ac:spMkLst>
-        </pc:spChg>
-        <pc:spChg chg="add del">
-          <ac:chgData name="Roy Liu" userId="755465ea-a681-4840-afaf-3106d4ded39d" providerId="ADAL" clId="{26A4DA2E-3B26-4A19-981B-FA4B6FD33F58}" dt="2023-09-26T10:14:14.595" v="658" actId="26606"/>
-          <ac:spMkLst>
-            <pc:docMk/>
-            <pc:sldMk cId="833342778" sldId="261"/>
-            <ac:spMk id="21" creationId="{8651CFA9-6065-4243-AC48-858E359780B1}"/>
-          </ac:spMkLst>
-        </pc:spChg>
-        <pc:spChg chg="add del">
-          <ac:chgData name="Roy Liu" userId="755465ea-a681-4840-afaf-3106d4ded39d" providerId="ADAL" clId="{26A4DA2E-3B26-4A19-981B-FA4B6FD33F58}" dt="2023-09-26T10:14:14.595" v="658" actId="26606"/>
-          <ac:spMkLst>
-            <pc:docMk/>
-            <pc:sldMk cId="833342778" sldId="261"/>
-            <ac:spMk id="22" creationId="{06B1FD15-9CBB-4259-931E-1EB6A87199E9}"/>
-          </ac:spMkLst>
-        </pc:spChg>
-        <pc:spChg chg="add del">
-          <ac:chgData name="Roy Liu" userId="755465ea-a681-4840-afaf-3106d4ded39d" providerId="ADAL" clId="{26A4DA2E-3B26-4A19-981B-FA4B6FD33F58}" dt="2023-09-26T10:14:14.595" v="658" actId="26606"/>
-          <ac:spMkLst>
-            <pc:docMk/>
-            <pc:sldMk cId="833342778" sldId="261"/>
-            <ac:spMk id="24" creationId="{F8C57F8C-07BA-E657-0190-A22217C53599}"/>
-          </ac:spMkLst>
-        </pc:spChg>
-        <pc:spChg chg="add del">
-          <ac:chgData name="Roy Liu" userId="755465ea-a681-4840-afaf-3106d4ded39d" providerId="ADAL" clId="{26A4DA2E-3B26-4A19-981B-FA4B6FD33F58}" dt="2023-09-26T10:14:19.660" v="660" actId="26606"/>
-          <ac:spMkLst>
-            <pc:docMk/>
-            <pc:sldMk cId="833342778" sldId="261"/>
-            <ac:spMk id="26" creationId="{A4FB2F27-3F7D-440E-A905-86607A926A29}"/>
-          </ac:spMkLst>
-        </pc:spChg>
-        <pc:spChg chg="add del">
-          <ac:chgData name="Roy Liu" userId="755465ea-a681-4840-afaf-3106d4ded39d" providerId="ADAL" clId="{26A4DA2E-3B26-4A19-981B-FA4B6FD33F58}" dt="2023-09-26T10:14:19.660" v="660" actId="26606"/>
-          <ac:spMkLst>
-            <pc:docMk/>
-            <pc:sldMk cId="833342778" sldId="261"/>
-            <ac:spMk id="27" creationId="{AF678C14-A033-4139-BCA9-8382B039648B}"/>
-          </ac:spMkLst>
-        </pc:spChg>
-        <pc:spChg chg="add del">
-          <ac:chgData name="Roy Liu" userId="755465ea-a681-4840-afaf-3106d4ded39d" providerId="ADAL" clId="{26A4DA2E-3B26-4A19-981B-FA4B6FD33F58}" dt="2023-09-26T10:14:19.660" v="660" actId="26606"/>
-          <ac:spMkLst>
-            <pc:docMk/>
-            <pc:sldMk cId="833342778" sldId="261"/>
-            <ac:spMk id="29" creationId="{90AA31C0-A74F-2F69-15E2-23D8EE580828}"/>
-          </ac:spMkLst>
-        </pc:spChg>
-        <pc:spChg chg="add del">
-          <ac:chgData name="Roy Liu" userId="755465ea-a681-4840-afaf-3106d4ded39d" providerId="ADAL" clId="{26A4DA2E-3B26-4A19-981B-FA4B6FD33F58}" dt="2023-09-26T10:14:22.504" v="662" actId="26606"/>
-          <ac:spMkLst>
-            <pc:docMk/>
-            <pc:sldMk cId="833342778" sldId="261"/>
-            <ac:spMk id="31" creationId="{A4FB2F27-3F7D-440E-A905-86607A926A29}"/>
-          </ac:spMkLst>
-        </pc:spChg>
-        <pc:spChg chg="add del">
-          <ac:chgData name="Roy Liu" userId="755465ea-a681-4840-afaf-3106d4ded39d" providerId="ADAL" clId="{26A4DA2E-3B26-4A19-981B-FA4B6FD33F58}" dt="2023-09-26T10:14:22.504" v="662" actId="26606"/>
-          <ac:spMkLst>
-            <pc:docMk/>
-            <pc:sldMk cId="833342778" sldId="261"/>
-            <ac:spMk id="32" creationId="{AF678C14-A033-4139-BCA9-8382B039648B}"/>
-          </ac:spMkLst>
-        </pc:spChg>
-        <pc:spChg chg="add del">
-          <ac:chgData name="Roy Liu" userId="755465ea-a681-4840-afaf-3106d4ded39d" providerId="ADAL" clId="{26A4DA2E-3B26-4A19-981B-FA4B6FD33F58}" dt="2023-09-26T10:14:22.504" v="662" actId="26606"/>
-          <ac:spMkLst>
-            <pc:docMk/>
-            <pc:sldMk cId="833342778" sldId="261"/>
-            <ac:spMk id="34" creationId="{9944F14A-33B5-02AA-5755-C19A9531AD01}"/>
-          </ac:spMkLst>
-        </pc:spChg>
-        <pc:spChg chg="add del">
-          <ac:chgData name="Roy Liu" userId="755465ea-a681-4840-afaf-3106d4ded39d" providerId="ADAL" clId="{26A4DA2E-3B26-4A19-981B-FA4B6FD33F58}" dt="2023-09-26T10:14:39.973" v="664" actId="26606"/>
-          <ac:spMkLst>
-            <pc:docMk/>
-            <pc:sldMk cId="833342778" sldId="261"/>
-            <ac:spMk id="36" creationId="{8651CFA9-6065-4243-AC48-858E359780B1}"/>
-          </ac:spMkLst>
-        </pc:spChg>
-        <pc:spChg chg="add del">
-          <ac:chgData name="Roy Liu" userId="755465ea-a681-4840-afaf-3106d4ded39d" providerId="ADAL" clId="{26A4DA2E-3B26-4A19-981B-FA4B6FD33F58}" dt="2023-09-26T10:14:39.973" v="664" actId="26606"/>
-          <ac:spMkLst>
-            <pc:docMk/>
-            <pc:sldMk cId="833342778" sldId="261"/>
-            <ac:spMk id="37" creationId="{FBC8BBE5-981E-4B0B-9654-32B5668BFF31}"/>
-          </ac:spMkLst>
-        </pc:spChg>
-        <pc:spChg chg="add del">
-          <ac:chgData name="Roy Liu" userId="755465ea-a681-4840-afaf-3106d4ded39d" providerId="ADAL" clId="{26A4DA2E-3B26-4A19-981B-FA4B6FD33F58}" dt="2023-09-26T10:14:39.973" v="664" actId="26606"/>
-          <ac:spMkLst>
-            <pc:docMk/>
-            <pc:sldMk cId="833342778" sldId="261"/>
-            <ac:spMk id="39" creationId="{52814DCF-62D4-3000-30DB-D3CAC0CB7C66}"/>
-          </ac:spMkLst>
-        </pc:spChg>
-        <pc:spChg chg="add del">
-          <ac:chgData name="Roy Liu" userId="755465ea-a681-4840-afaf-3106d4ded39d" providerId="ADAL" clId="{26A4DA2E-3B26-4A19-981B-FA4B6FD33F58}" dt="2023-09-26T10:14:41.077" v="666" actId="26606"/>
-          <ac:spMkLst>
-            <pc:docMk/>
-            <pc:sldMk cId="833342778" sldId="261"/>
-            <ac:spMk id="41" creationId="{8651CFA9-6065-4243-AC48-858E359780B1}"/>
-          </ac:spMkLst>
-        </pc:spChg>
-        <pc:spChg chg="add del">
-          <ac:chgData name="Roy Liu" userId="755465ea-a681-4840-afaf-3106d4ded39d" providerId="ADAL" clId="{26A4DA2E-3B26-4A19-981B-FA4B6FD33F58}" dt="2023-09-26T10:14:41.077" v="666" actId="26606"/>
-          <ac:spMkLst>
-            <pc:docMk/>
-            <pc:sldMk cId="833342778" sldId="261"/>
-            <ac:spMk id="42" creationId="{FBC8BBE5-981E-4B0B-9654-32B5668BFF31}"/>
-          </ac:spMkLst>
-        </pc:spChg>
-        <pc:spChg chg="add del">
-          <ac:chgData name="Roy Liu" userId="755465ea-a681-4840-afaf-3106d4ded39d" providerId="ADAL" clId="{26A4DA2E-3B26-4A19-981B-FA4B6FD33F58}" dt="2023-09-26T10:14:41.077" v="666" actId="26606"/>
-          <ac:spMkLst>
-            <pc:docMk/>
-            <pc:sldMk cId="833342778" sldId="261"/>
-            <ac:spMk id="44" creationId="{0DADC141-2CF4-4D22-BFEF-05FB358E4DFD}"/>
-          </ac:spMkLst>
-        </pc:spChg>
-        <pc:spChg chg="add del">
-          <ac:chgData name="Roy Liu" userId="755465ea-a681-4840-afaf-3106d4ded39d" providerId="ADAL" clId="{26A4DA2E-3B26-4A19-981B-FA4B6FD33F58}" dt="2023-09-26T10:14:41.077" v="666" actId="26606"/>
-          <ac:spMkLst>
-            <pc:docMk/>
-            <pc:sldMk cId="833342778" sldId="261"/>
-            <ac:spMk id="45" creationId="{F43A66C0-8F79-4D55-8A61-9E980D5FEE26}"/>
-          </ac:spMkLst>
-        </pc:spChg>
-        <pc:spChg chg="add del">
-          <ac:chgData name="Roy Liu" userId="755465ea-a681-4840-afaf-3106d4ded39d" providerId="ADAL" clId="{26A4DA2E-3B26-4A19-981B-FA4B6FD33F58}" dt="2023-09-26T10:14:41.077" v="666" actId="26606"/>
-          <ac:spMkLst>
-            <pc:docMk/>
-            <pc:sldMk cId="833342778" sldId="261"/>
-            <ac:spMk id="46" creationId="{05DEB5AD-912E-FADE-0E08-E5E5BAF3B460}"/>
-          </ac:spMkLst>
-        </pc:spChg>
-        <pc:spChg chg="add del">
-          <ac:chgData name="Roy Liu" userId="755465ea-a681-4840-afaf-3106d4ded39d" providerId="ADAL" clId="{26A4DA2E-3B26-4A19-981B-FA4B6FD33F58}" dt="2023-09-26T10:15:50.081" v="668" actId="26606"/>
-          <ac:spMkLst>
-            <pc:docMk/>
-            <pc:sldMk cId="833342778" sldId="261"/>
-            <ac:spMk id="48" creationId="{8651CFA9-6065-4243-AC48-858E359780B1}"/>
-          </ac:spMkLst>
-        </pc:spChg>
-        <pc:spChg chg="add del">
-          <ac:chgData name="Roy Liu" userId="755465ea-a681-4840-afaf-3106d4ded39d" providerId="ADAL" clId="{26A4DA2E-3B26-4A19-981B-FA4B6FD33F58}" dt="2023-09-26T10:15:50.081" v="668" actId="26606"/>
-          <ac:spMkLst>
-            <pc:docMk/>
-            <pc:sldMk cId="833342778" sldId="261"/>
-            <ac:spMk id="49" creationId="{FBC8BBE5-981E-4B0B-9654-32B5668BFF31}"/>
-          </ac:spMkLst>
-        </pc:spChg>
-        <pc:spChg chg="add del">
-          <ac:chgData name="Roy Liu" userId="755465ea-a681-4840-afaf-3106d4ded39d" providerId="ADAL" clId="{26A4DA2E-3B26-4A19-981B-FA4B6FD33F58}" dt="2023-09-26T10:15:50.081" v="668" actId="26606"/>
-          <ac:spMkLst>
-            <pc:docMk/>
-            <pc:sldMk cId="833342778" sldId="261"/>
-            <ac:spMk id="51" creationId="{0DADC141-2CF4-4D22-BFEF-05FB358E4DFD}"/>
-          </ac:spMkLst>
-        </pc:spChg>
-        <pc:spChg chg="add del">
-          <ac:chgData name="Roy Liu" userId="755465ea-a681-4840-afaf-3106d4ded39d" providerId="ADAL" clId="{26A4DA2E-3B26-4A19-981B-FA4B6FD33F58}" dt="2023-09-26T10:15:50.081" v="668" actId="26606"/>
-          <ac:spMkLst>
-            <pc:docMk/>
-            <pc:sldMk cId="833342778" sldId="261"/>
-            <ac:spMk id="52" creationId="{BFA7080D-E80E-D14C-12D8-498F7C6288E0}"/>
-          </ac:spMkLst>
-        </pc:spChg>
-        <pc:spChg chg="add del">
-          <ac:chgData name="Roy Liu" userId="755465ea-a681-4840-afaf-3106d4ded39d" providerId="ADAL" clId="{26A4DA2E-3B26-4A19-981B-FA4B6FD33F58}" dt="2023-09-26T11:21:44.938" v="747" actId="26606"/>
-          <ac:spMkLst>
-            <pc:docMk/>
-            <pc:sldMk cId="833342778" sldId="261"/>
-            <ac:spMk id="54" creationId="{A4FB2F27-3F7D-440E-A905-86607A926A29}"/>
-          </ac:spMkLst>
-        </pc:spChg>
-        <pc:spChg chg="add del">
-          <ac:chgData name="Roy Liu" userId="755465ea-a681-4840-afaf-3106d4ded39d" providerId="ADAL" clId="{26A4DA2E-3B26-4A19-981B-FA4B6FD33F58}" dt="2023-09-26T11:21:44.938" v="747" actId="26606"/>
-          <ac:spMkLst>
-            <pc:docMk/>
-            <pc:sldMk cId="833342778" sldId="261"/>
-            <ac:spMk id="55" creationId="{AF678C14-A033-4139-BCA9-8382B039648B}"/>
-          </ac:spMkLst>
-        </pc:spChg>
-        <pc:spChg chg="add mod">
-          <ac:chgData name="Roy Liu" userId="755465ea-a681-4840-afaf-3106d4ded39d" providerId="ADAL" clId="{26A4DA2E-3B26-4A19-981B-FA4B6FD33F58}" dt="2023-09-26T11:57:45.145" v="1110" actId="20577"/>
-          <ac:spMkLst>
-            <pc:docMk/>
-            <pc:sldMk cId="833342778" sldId="261"/>
-            <ac:spMk id="57" creationId="{90AA31C0-A74F-2F69-15E2-23D8EE580828}"/>
-          </ac:spMkLst>
-        </pc:spChg>
-        <pc:spChg chg="add del">
-          <ac:chgData name="Roy Liu" userId="755465ea-a681-4840-afaf-3106d4ded39d" providerId="ADAL" clId="{26A4DA2E-3B26-4A19-981B-FA4B6FD33F58}" dt="2023-09-26T11:21:41.812" v="742" actId="26606"/>
-          <ac:spMkLst>
-            <pc:docMk/>
-            <pc:sldMk cId="833342778" sldId="261"/>
-            <ac:spMk id="62" creationId="{8651CFA9-6065-4243-AC48-858E359780B1}"/>
-          </ac:spMkLst>
-        </pc:spChg>
-        <pc:spChg chg="add del">
-          <ac:chgData name="Roy Liu" userId="755465ea-a681-4840-afaf-3106d4ded39d" providerId="ADAL" clId="{26A4DA2E-3B26-4A19-981B-FA4B6FD33F58}" dt="2023-09-26T11:21:41.812" v="742" actId="26606"/>
-          <ac:spMkLst>
-            <pc:docMk/>
-            <pc:sldMk cId="833342778" sldId="261"/>
-            <ac:spMk id="64" creationId="{FBC8BBE5-981E-4B0B-9654-32B5668BFF31}"/>
-          </ac:spMkLst>
-        </pc:spChg>
-        <pc:spChg chg="add del">
-          <ac:chgData name="Roy Liu" userId="755465ea-a681-4840-afaf-3106d4ded39d" providerId="ADAL" clId="{26A4DA2E-3B26-4A19-981B-FA4B6FD33F58}" dt="2023-09-26T11:21:43.627" v="744" actId="26606"/>
-          <ac:spMkLst>
-            <pc:docMk/>
-            <pc:sldMk cId="833342778" sldId="261"/>
-            <ac:spMk id="70" creationId="{8651CFA9-6065-4243-AC48-858E359780B1}"/>
-          </ac:spMkLst>
-        </pc:spChg>
-        <pc:spChg chg="add del">
-          <ac:chgData name="Roy Liu" userId="755465ea-a681-4840-afaf-3106d4ded39d" providerId="ADAL" clId="{26A4DA2E-3B26-4A19-981B-FA4B6FD33F58}" dt="2023-09-26T11:21:43.627" v="744" actId="26606"/>
-          <ac:spMkLst>
-            <pc:docMk/>
-            <pc:sldMk cId="833342778" sldId="261"/>
-            <ac:spMk id="71" creationId="{5A8C81AE-8F0D-49F3-9FB4-334B0DCDF195}"/>
-          </ac:spMkLst>
-        </pc:spChg>
-        <pc:spChg chg="add del">
-          <ac:chgData name="Roy Liu" userId="755465ea-a681-4840-afaf-3106d4ded39d" providerId="ADAL" clId="{26A4DA2E-3B26-4A19-981B-FA4B6FD33F58}" dt="2023-09-26T11:21:44.923" v="746" actId="26606"/>
-          <ac:spMkLst>
-            <pc:docMk/>
-            <pc:sldMk cId="833342778" sldId="261"/>
-            <ac:spMk id="73" creationId="{4AB8125F-0FD8-48CD-9F43-73E5494EA774}"/>
-          </ac:spMkLst>
-        </pc:spChg>
-        <pc:spChg chg="add del">
-          <ac:chgData name="Roy Liu" userId="755465ea-a681-4840-afaf-3106d4ded39d" providerId="ADAL" clId="{26A4DA2E-3B26-4A19-981B-FA4B6FD33F58}" dt="2023-09-26T11:21:44.923" v="746" actId="26606"/>
-          <ac:spMkLst>
-            <pc:docMk/>
-            <pc:sldMk cId="833342778" sldId="261"/>
-            <ac:spMk id="74" creationId="{0019DD6C-5899-4C07-864B-EB0A7D104ACF}"/>
-          </ac:spMkLst>
-        </pc:spChg>
-        <pc:spChg chg="add del">
-          <ac:chgData name="Roy Liu" userId="755465ea-a681-4840-afaf-3106d4ded39d" providerId="ADAL" clId="{26A4DA2E-3B26-4A19-981B-FA4B6FD33F58}" dt="2023-09-26T11:36:42.340" v="831" actId="26606"/>
-          <ac:spMkLst>
-            <pc:docMk/>
-            <pc:sldMk cId="833342778" sldId="261"/>
-            <ac:spMk id="77" creationId="{8651CFA9-6065-4243-AC48-858E359780B1}"/>
-          </ac:spMkLst>
-        </pc:spChg>
-        <pc:spChg chg="add del">
-          <ac:chgData name="Roy Liu" userId="755465ea-a681-4840-afaf-3106d4ded39d" providerId="ADAL" clId="{26A4DA2E-3B26-4A19-981B-FA4B6FD33F58}" dt="2023-09-26T11:36:42.340" v="831" actId="26606"/>
-          <ac:spMkLst>
-            <pc:docMk/>
-            <pc:sldMk cId="833342778" sldId="261"/>
-            <ac:spMk id="78" creationId="{1B6E9D4E-1863-458E-8166-A6E64C865F07}"/>
-          </ac:spMkLst>
-        </pc:spChg>
-        <pc:spChg chg="add del">
-          <ac:chgData name="Roy Liu" userId="755465ea-a681-4840-afaf-3106d4ded39d" providerId="ADAL" clId="{26A4DA2E-3B26-4A19-981B-FA4B6FD33F58}" dt="2023-09-26T11:36:42.340" v="831" actId="26606"/>
-          <ac:spMkLst>
-            <pc:docMk/>
-            <pc:sldMk cId="833342778" sldId="261"/>
-            <ac:spMk id="80" creationId="{F6B9E73A-7DA5-4C84-B395-757FF1941041}"/>
-          </ac:spMkLst>
-        </pc:spChg>
-        <pc:spChg chg="add del">
-          <ac:chgData name="Roy Liu" userId="755465ea-a681-4840-afaf-3106d4ded39d" providerId="ADAL" clId="{26A4DA2E-3B26-4A19-981B-FA4B6FD33F58}" dt="2023-09-26T11:36:54.709" v="834" actId="26606"/>
-          <ac:spMkLst>
-            <pc:docMk/>
-            <pc:sldMk cId="833342778" sldId="261"/>
-            <ac:spMk id="85" creationId="{8651CFA9-6065-4243-AC48-858E359780B1}"/>
-          </ac:spMkLst>
-        </pc:spChg>
-        <pc:spChg chg="add del">
-          <ac:chgData name="Roy Liu" userId="755465ea-a681-4840-afaf-3106d4ded39d" providerId="ADAL" clId="{26A4DA2E-3B26-4A19-981B-FA4B6FD33F58}" dt="2023-09-26T11:36:54.709" v="834" actId="26606"/>
-          <ac:spMkLst>
-            <pc:docMk/>
-            <pc:sldMk cId="833342778" sldId="261"/>
-            <ac:spMk id="87" creationId="{5A8C81AE-8F0D-49F3-9FB4-334B0DCDF195}"/>
-          </ac:spMkLst>
-        </pc:spChg>
-        <pc:spChg chg="add del">
-          <ac:chgData name="Roy Liu" userId="755465ea-a681-4840-afaf-3106d4ded39d" providerId="ADAL" clId="{26A4DA2E-3B26-4A19-981B-FA4B6FD33F58}" dt="2023-09-26T11:36:54.691" v="833" actId="26606"/>
-          <ac:spMkLst>
-            <pc:docMk/>
-            <pc:sldMk cId="833342778" sldId="261"/>
-            <ac:spMk id="96" creationId="{4AB8125F-0FD8-48CD-9F43-73E5494EA774}"/>
-          </ac:spMkLst>
-        </pc:spChg>
-        <pc:spChg chg="add del">
-          <ac:chgData name="Roy Liu" userId="755465ea-a681-4840-afaf-3106d4ded39d" providerId="ADAL" clId="{26A4DA2E-3B26-4A19-981B-FA4B6FD33F58}" dt="2023-09-26T11:36:54.691" v="833" actId="26606"/>
-          <ac:spMkLst>
-            <pc:docMk/>
-            <pc:sldMk cId="833342778" sldId="261"/>
-            <ac:spMk id="98" creationId="{0019DD6C-5899-4C07-864B-EB0A7D104ACF}"/>
-          </ac:spMkLst>
-        </pc:spChg>
-        <pc:spChg chg="add">
-          <ac:chgData name="Roy Liu" userId="755465ea-a681-4840-afaf-3106d4ded39d" providerId="ADAL" clId="{26A4DA2E-3B26-4A19-981B-FA4B6FD33F58}" dt="2023-09-26T11:36:54.709" v="834" actId="26606"/>
-          <ac:spMkLst>
-            <pc:docMk/>
-            <pc:sldMk cId="833342778" sldId="261"/>
-            <ac:spMk id="104" creationId="{8651CFA9-6065-4243-AC48-858E359780B1}"/>
-          </ac:spMkLst>
-        </pc:spChg>
-        <pc:spChg chg="add">
-          <ac:chgData name="Roy Liu" userId="755465ea-a681-4840-afaf-3106d4ded39d" providerId="ADAL" clId="{26A4DA2E-3B26-4A19-981B-FA4B6FD33F58}" dt="2023-09-26T11:36:54.709" v="834" actId="26606"/>
-          <ac:spMkLst>
-            <pc:docMk/>
-            <pc:sldMk cId="833342778" sldId="261"/>
-            <ac:spMk id="105" creationId="{FBC8BBE5-981E-4B0B-9654-32B5668BFF31}"/>
-          </ac:spMkLst>
-        </pc:spChg>
-        <pc:grpChg chg="add del">
-          <ac:chgData name="Roy Liu" userId="755465ea-a681-4840-afaf-3106d4ded39d" providerId="ADAL" clId="{26A4DA2E-3B26-4A19-981B-FA4B6FD33F58}" dt="2023-09-26T10:14:13.489" v="656" actId="26606"/>
-          <ac:grpSpMkLst>
-            <pc:docMk/>
-            <pc:sldMk cId="833342778" sldId="261"/>
-            <ac:grpSpMk id="16" creationId="{8D6FD602-3113-4FC4-982F-15099614D2A6}"/>
-          </ac:grpSpMkLst>
-        </pc:grpChg>
-        <pc:grpChg chg="add del">
-          <ac:chgData name="Roy Liu" userId="755465ea-a681-4840-afaf-3106d4ded39d" providerId="ADAL" clId="{26A4DA2E-3B26-4A19-981B-FA4B6FD33F58}" dt="2023-09-26T10:14:14.595" v="658" actId="26606"/>
-          <ac:grpSpMkLst>
-            <pc:docMk/>
-            <pc:sldMk cId="833342778" sldId="261"/>
-            <ac:grpSpMk id="23" creationId="{9D739765-2266-4358-BC9F-0DC2A6B7CD17}"/>
-          </ac:grpSpMkLst>
-        </pc:grpChg>
-        <pc:grpChg chg="add del">
-          <ac:chgData name="Roy Liu" userId="755465ea-a681-4840-afaf-3106d4ded39d" providerId="ADAL" clId="{26A4DA2E-3B26-4A19-981B-FA4B6FD33F58}" dt="2023-09-26T10:14:19.660" v="660" actId="26606"/>
-          <ac:grpSpMkLst>
-            <pc:docMk/>
-            <pc:sldMk cId="833342778" sldId="261"/>
-            <ac:grpSpMk id="28" creationId="{14763DA8-CE3A-4B30-B2F5-0D128777F742}"/>
-          </ac:grpSpMkLst>
-        </pc:grpChg>
-        <pc:grpChg chg="add del">
-          <ac:chgData name="Roy Liu" userId="755465ea-a681-4840-afaf-3106d4ded39d" providerId="ADAL" clId="{26A4DA2E-3B26-4A19-981B-FA4B6FD33F58}" dt="2023-09-26T10:14:22.504" v="662" actId="26606"/>
-          <ac:grpSpMkLst>
-            <pc:docMk/>
-            <pc:sldMk cId="833342778" sldId="261"/>
-            <ac:grpSpMk id="33" creationId="{3489A2D2-B3AA-488C-B20E-15DBB97548C6}"/>
-          </ac:grpSpMkLst>
-        </pc:grpChg>
-        <pc:grpChg chg="add del">
-          <ac:chgData name="Roy Liu" userId="755465ea-a681-4840-afaf-3106d4ded39d" providerId="ADAL" clId="{26A4DA2E-3B26-4A19-981B-FA4B6FD33F58}" dt="2023-09-26T10:14:39.973" v="664" actId="26606"/>
-          <ac:grpSpMkLst>
-            <pc:docMk/>
-            <pc:sldMk cId="833342778" sldId="261"/>
-            <ac:grpSpMk id="38" creationId="{8D6FD602-3113-4FC4-982F-15099614D2A6}"/>
-          </ac:grpSpMkLst>
-        </pc:grpChg>
-        <pc:grpChg chg="add del">
-          <ac:chgData name="Roy Liu" userId="755465ea-a681-4840-afaf-3106d4ded39d" providerId="ADAL" clId="{26A4DA2E-3B26-4A19-981B-FA4B6FD33F58}" dt="2023-09-26T10:14:41.077" v="666" actId="26606"/>
-          <ac:grpSpMkLst>
-            <pc:docMk/>
-            <pc:sldMk cId="833342778" sldId="261"/>
-            <ac:grpSpMk id="43" creationId="{545001F7-3F8F-4035-8348-1B9798C77D29}"/>
-          </ac:grpSpMkLst>
-        </pc:grpChg>
-        <pc:grpChg chg="add del">
-          <ac:chgData name="Roy Liu" userId="755465ea-a681-4840-afaf-3106d4ded39d" providerId="ADAL" clId="{26A4DA2E-3B26-4A19-981B-FA4B6FD33F58}" dt="2023-09-26T10:15:50.081" v="668" actId="26606"/>
-          <ac:grpSpMkLst>
-            <pc:docMk/>
-            <pc:sldMk cId="833342778" sldId="261"/>
-            <ac:grpSpMk id="50" creationId="{8B308828-4749-4D6D-9CEA-433D2BD27EC0}"/>
-          </ac:grpSpMkLst>
-        </pc:grpChg>
-        <pc:grpChg chg="add del">
-          <ac:chgData name="Roy Liu" userId="755465ea-a681-4840-afaf-3106d4ded39d" providerId="ADAL" clId="{26A4DA2E-3B26-4A19-981B-FA4B6FD33F58}" dt="2023-09-26T11:21:44.938" v="747" actId="26606"/>
-          <ac:grpSpMkLst>
-            <pc:docMk/>
-            <pc:sldMk cId="833342778" sldId="261"/>
-            <ac:grpSpMk id="56" creationId="{14763DA8-CE3A-4B30-B2F5-0D128777F742}"/>
-          </ac:grpSpMkLst>
-        </pc:grpChg>
-        <pc:grpChg chg="add del">
-          <ac:chgData name="Roy Liu" userId="755465ea-a681-4840-afaf-3106d4ded39d" providerId="ADAL" clId="{26A4DA2E-3B26-4A19-981B-FA4B6FD33F58}" dt="2023-09-26T11:21:41.812" v="742" actId="26606"/>
-          <ac:grpSpMkLst>
-            <pc:docMk/>
-            <pc:sldMk cId="833342778" sldId="261"/>
-            <ac:grpSpMk id="66" creationId="{E54EDBA2-E203-497D-AB28-73A06B2DFDEE}"/>
-          </ac:grpSpMkLst>
-        </pc:grpChg>
-        <pc:grpChg chg="add del">
-          <ac:chgData name="Roy Liu" userId="755465ea-a681-4840-afaf-3106d4ded39d" providerId="ADAL" clId="{26A4DA2E-3B26-4A19-981B-FA4B6FD33F58}" dt="2023-09-26T11:21:44.923" v="746" actId="26606"/>
-          <ac:grpSpMkLst>
-            <pc:docMk/>
-            <pc:sldMk cId="833342778" sldId="261"/>
-            <ac:grpSpMk id="75" creationId="{EB40C5D5-6C8D-4E52-A87F-94BF781A0814}"/>
-          </ac:grpSpMkLst>
-        </pc:grpChg>
-        <pc:grpChg chg="add del">
-          <ac:chgData name="Roy Liu" userId="755465ea-a681-4840-afaf-3106d4ded39d" providerId="ADAL" clId="{26A4DA2E-3B26-4A19-981B-FA4B6FD33F58}" dt="2023-09-26T11:36:42.340" v="831" actId="26606"/>
-          <ac:grpSpMkLst>
-            <pc:docMk/>
-            <pc:sldMk cId="833342778" sldId="261"/>
-            <ac:grpSpMk id="79" creationId="{DDC08824-D5AF-47B4-A084-327F6A050FE5}"/>
-          </ac:grpSpMkLst>
-        </pc:grpChg>
-        <pc:grpChg chg="add del">
-          <ac:chgData name="Roy Liu" userId="755465ea-a681-4840-afaf-3106d4ded39d" providerId="ADAL" clId="{26A4DA2E-3B26-4A19-981B-FA4B6FD33F58}" dt="2023-09-26T11:36:54.709" v="834" actId="26606"/>
-          <ac:grpSpMkLst>
-            <pc:docMk/>
-            <pc:sldMk cId="833342778" sldId="261"/>
-            <ac:grpSpMk id="89" creationId="{A9EF8060-0D63-402B-8B09-4993D1FE8EFD}"/>
-          </ac:grpSpMkLst>
-        </pc:grpChg>
-        <pc:grpChg chg="add del">
-          <ac:chgData name="Roy Liu" userId="755465ea-a681-4840-afaf-3106d4ded39d" providerId="ADAL" clId="{26A4DA2E-3B26-4A19-981B-FA4B6FD33F58}" dt="2023-09-26T11:36:54.691" v="833" actId="26606"/>
-          <ac:grpSpMkLst>
-            <pc:docMk/>
-            <pc:sldMk cId="833342778" sldId="261"/>
-            <ac:grpSpMk id="100" creationId="{EB40C5D5-6C8D-4E52-A87F-94BF781A0814}"/>
-          </ac:grpSpMkLst>
-        </pc:grpChg>
-        <pc:grpChg chg="add">
-          <ac:chgData name="Roy Liu" userId="755465ea-a681-4840-afaf-3106d4ded39d" providerId="ADAL" clId="{26A4DA2E-3B26-4A19-981B-FA4B6FD33F58}" dt="2023-09-26T11:36:54.709" v="834" actId="26606"/>
-          <ac:grpSpMkLst>
-            <pc:docMk/>
-            <pc:sldMk cId="833342778" sldId="261"/>
-            <ac:grpSpMk id="106" creationId="{E54EDBA2-E203-497D-AB28-73A06B2DFDEE}"/>
-          </ac:grpSpMkLst>
-        </pc:grpChg>
-        <pc:picChg chg="add mod ord">
-          <ac:chgData name="Roy Liu" userId="755465ea-a681-4840-afaf-3106d4ded39d" providerId="ADAL" clId="{26A4DA2E-3B26-4A19-981B-FA4B6FD33F58}" dt="2023-09-26T11:37:16.616" v="839" actId="1076"/>
-          <ac:picMkLst>
-            <pc:docMk/>
-            <pc:sldMk cId="833342778" sldId="261"/>
-            <ac:picMk id="5" creationId="{FB218DE2-FC3D-8E76-7BFA-E86621CD02E0}"/>
-          </ac:picMkLst>
-        </pc:picChg>
-        <pc:picChg chg="add mod">
-          <ac:chgData name="Roy Liu" userId="755465ea-a681-4840-afaf-3106d4ded39d" providerId="ADAL" clId="{26A4DA2E-3B26-4A19-981B-FA4B6FD33F58}" dt="2023-09-26T11:38:54.265" v="841" actId="14826"/>
-          <ac:picMkLst>
-            <pc:docMk/>
-            <pc:sldMk cId="833342778" sldId="261"/>
-            <ac:picMk id="7" creationId="{EE3EA166-3E3C-09C5-0F51-348817C4A378}"/>
-          </ac:picMkLst>
-        </pc:picChg>
-      </pc:sldChg>
-      <pc:sldChg chg="modSp new mod">
-        <pc:chgData name="Roy Liu" userId="755465ea-a681-4840-afaf-3106d4ded39d" providerId="ADAL" clId="{26A4DA2E-3B26-4A19-981B-FA4B6FD33F58}" dt="2023-09-26T09:58:03.596" v="327" actId="20577"/>
-        <pc:sldMkLst>
-          <pc:docMk/>
-          <pc:sldMk cId="723807988" sldId="262"/>
-        </pc:sldMkLst>
-        <pc:spChg chg="mod">
-          <ac:chgData name="Roy Liu" userId="755465ea-a681-4840-afaf-3106d4ded39d" providerId="ADAL" clId="{26A4DA2E-3B26-4A19-981B-FA4B6FD33F58}" dt="2023-09-26T09:58:03.596" v="327" actId="20577"/>
-          <ac:spMkLst>
-            <pc:docMk/>
-            <pc:sldMk cId="723807988" sldId="262"/>
-            <ac:spMk id="2" creationId="{E9FCD3FF-F45B-8D90-0C9A-8B9444056B35}"/>
-          </ac:spMkLst>
-        </pc:spChg>
-      </pc:sldChg>
-      <pc:sldChg chg="new">
-        <pc:chgData name="Roy Liu" userId="755465ea-a681-4840-afaf-3106d4ded39d" providerId="ADAL" clId="{26A4DA2E-3B26-4A19-981B-FA4B6FD33F58}" dt="2023-09-26T09:58:07.628" v="328" actId="680"/>
-        <pc:sldMkLst>
-          <pc:docMk/>
-          <pc:sldMk cId="2129731390" sldId="263"/>
-        </pc:sldMkLst>
-      </pc:sldChg>
-      <pc:sldChg chg="addSp delSp modSp new mod setBg">
-        <pc:chgData name="Roy Liu" userId="755465ea-a681-4840-afaf-3106d4ded39d" providerId="ADAL" clId="{26A4DA2E-3B26-4A19-981B-FA4B6FD33F58}" dt="2023-09-27T10:06:48.402" v="1860" actId="20577"/>
-        <pc:sldMkLst>
-          <pc:docMk/>
-          <pc:sldMk cId="3854421792" sldId="264"/>
-        </pc:sldMkLst>
-        <pc:spChg chg="mod">
-          <ac:chgData name="Roy Liu" userId="755465ea-a681-4840-afaf-3106d4ded39d" providerId="ADAL" clId="{26A4DA2E-3B26-4A19-981B-FA4B6FD33F58}" dt="2023-09-27T09:56:02.713" v="1448" actId="20577"/>
-          <ac:spMkLst>
-            <pc:docMk/>
-            <pc:sldMk cId="3854421792" sldId="264"/>
-            <ac:spMk id="2" creationId="{30D33BD3-68A6-1A97-FA68-72D48555FE31}"/>
-          </ac:spMkLst>
-        </pc:spChg>
-        <pc:spChg chg="del">
-          <ac:chgData name="Roy Liu" userId="755465ea-a681-4840-afaf-3106d4ded39d" providerId="ADAL" clId="{26A4DA2E-3B26-4A19-981B-FA4B6FD33F58}" dt="2023-09-26T11:22:59.352" v="755" actId="26606"/>
-          <ac:spMkLst>
-            <pc:docMk/>
-            <pc:sldMk cId="3854421792" sldId="264"/>
-            <ac:spMk id="3" creationId="{9158AA1D-1B39-5503-1C8B-D93C5231A925}"/>
-          </ac:spMkLst>
-        </pc:spChg>
-        <pc:spChg chg="add del">
-          <ac:chgData name="Roy Liu" userId="755465ea-a681-4840-afaf-3106d4ded39d" providerId="ADAL" clId="{26A4DA2E-3B26-4A19-981B-FA4B6FD33F58}" dt="2023-09-26T11:23:20.471" v="757" actId="26606"/>
-          <ac:spMkLst>
-            <pc:docMk/>
-            <pc:sldMk cId="3854421792" sldId="264"/>
-            <ac:spMk id="10" creationId="{0BABF38A-8A0D-492E-BD20-6CF4D46B50BD}"/>
-          </ac:spMkLst>
-        </pc:spChg>
-        <pc:spChg chg="add del">
-          <ac:chgData name="Roy Liu" userId="755465ea-a681-4840-afaf-3106d4ded39d" providerId="ADAL" clId="{26A4DA2E-3B26-4A19-981B-FA4B6FD33F58}" dt="2023-09-26T11:23:20.471" v="757" actId="26606"/>
-          <ac:spMkLst>
-            <pc:docMk/>
-            <pc:sldMk cId="3854421792" sldId="264"/>
-            <ac:spMk id="14" creationId="{F1174801-1395-44C5-9B00-CCAC45C056E7}"/>
-          </ac:spMkLst>
-        </pc:spChg>
-        <pc:spChg chg="add del mod">
-          <ac:chgData name="Roy Liu" userId="755465ea-a681-4840-afaf-3106d4ded39d" providerId="ADAL" clId="{26A4DA2E-3B26-4A19-981B-FA4B6FD33F58}" dt="2023-09-26T11:33:38.416" v="807" actId="767"/>
-          <ac:spMkLst>
-            <pc:docMk/>
-            <pc:sldMk cId="3854421792" sldId="264"/>
-            <ac:spMk id="15" creationId="{612FC7FC-603D-33F5-0070-7BB01D7EC5D4}"/>
-          </ac:spMkLst>
-        </pc:spChg>
-        <pc:spChg chg="add del">
-          <ac:chgData name="Roy Liu" userId="755465ea-a681-4840-afaf-3106d4ded39d" providerId="ADAL" clId="{26A4DA2E-3B26-4A19-981B-FA4B6FD33F58}" dt="2023-09-26T11:23:20.471" v="757" actId="26606"/>
-          <ac:spMkLst>
-            <pc:docMk/>
-            <pc:sldMk cId="3854421792" sldId="264"/>
-            <ac:spMk id="16" creationId="{8BADB362-9771-4A3C-B9E5-6777F34C5041}"/>
-          </ac:spMkLst>
-        </pc:spChg>
-        <pc:spChg chg="add del mod">
-          <ac:chgData name="Roy Liu" userId="755465ea-a681-4840-afaf-3106d4ded39d" providerId="ADAL" clId="{26A4DA2E-3B26-4A19-981B-FA4B6FD33F58}" dt="2023-09-26T11:33:37.952" v="804" actId="767"/>
-          <ac:spMkLst>
-            <pc:docMk/>
-            <pc:sldMk cId="3854421792" sldId="264"/>
-            <ac:spMk id="17" creationId="{93479DC7-4C8A-F89F-3E4B-5881C91FD939}"/>
-          </ac:spMkLst>
-        </pc:spChg>
-        <pc:spChg chg="add del mod">
-          <ac:chgData name="Roy Liu" userId="755465ea-a681-4840-afaf-3106d4ded39d" providerId="ADAL" clId="{26A4DA2E-3B26-4A19-981B-FA4B6FD33F58}" dt="2023-09-27T10:06:48.402" v="1860" actId="20577"/>
-          <ac:spMkLst>
-            <pc:docMk/>
-            <pc:sldMk cId="3854421792" sldId="264"/>
-            <ac:spMk id="24" creationId="{FB105505-04CA-DC86-994C-17415E16A816}"/>
-          </ac:spMkLst>
-        </pc:spChg>
-        <pc:spChg chg="add">
-          <ac:chgData name="Roy Liu" userId="755465ea-a681-4840-afaf-3106d4ded39d" providerId="ADAL" clId="{26A4DA2E-3B26-4A19-981B-FA4B6FD33F58}" dt="2023-09-26T11:23:20.471" v="757" actId="26606"/>
-          <ac:spMkLst>
-            <pc:docMk/>
-            <pc:sldMk cId="3854421792" sldId="264"/>
-            <ac:spMk id="27" creationId="{8651CFA9-6065-4243-AC48-858E359780B1}"/>
-          </ac:spMkLst>
-        </pc:spChg>
-        <pc:spChg chg="add">
-          <ac:chgData name="Roy Liu" userId="755465ea-a681-4840-afaf-3106d4ded39d" providerId="ADAL" clId="{26A4DA2E-3B26-4A19-981B-FA4B6FD33F58}" dt="2023-09-26T11:23:20.471" v="757" actId="26606"/>
-          <ac:spMkLst>
-            <pc:docMk/>
-            <pc:sldMk cId="3854421792" sldId="264"/>
-            <ac:spMk id="29" creationId="{FBC8BBE5-981E-4B0B-9654-32B5668BFF31}"/>
-          </ac:spMkLst>
-        </pc:spChg>
-        <pc:grpChg chg="add del">
-          <ac:chgData name="Roy Liu" userId="755465ea-a681-4840-afaf-3106d4ded39d" providerId="ADAL" clId="{26A4DA2E-3B26-4A19-981B-FA4B6FD33F58}" dt="2023-09-26T11:23:20.471" v="757" actId="26606"/>
-          <ac:grpSpMkLst>
-            <pc:docMk/>
-            <pc:sldMk cId="3854421792" sldId="264"/>
-            <ac:grpSpMk id="18" creationId="{6C5D976F-50BF-4FEC-B797-AACEB2C35144}"/>
-          </ac:grpSpMkLst>
-        </pc:grpChg>
-        <pc:grpChg chg="add">
-          <ac:chgData name="Roy Liu" userId="755465ea-a681-4840-afaf-3106d4ded39d" providerId="ADAL" clId="{26A4DA2E-3B26-4A19-981B-FA4B6FD33F58}" dt="2023-09-26T11:23:20.471" v="757" actId="26606"/>
-          <ac:grpSpMkLst>
-            <pc:docMk/>
-            <pc:sldMk cId="3854421792" sldId="264"/>
-            <ac:grpSpMk id="31" creationId="{E54EDBA2-E203-497D-AB28-73A06B2DFDEE}"/>
-          </ac:grpSpMkLst>
-        </pc:grpChg>
-        <pc:picChg chg="add mod ord">
-          <ac:chgData name="Roy Liu" userId="755465ea-a681-4840-afaf-3106d4ded39d" providerId="ADAL" clId="{26A4DA2E-3B26-4A19-981B-FA4B6FD33F58}" dt="2023-09-26T11:29:05.643" v="773" actId="14100"/>
-          <ac:picMkLst>
-            <pc:docMk/>
-            <pc:sldMk cId="3854421792" sldId="264"/>
-            <ac:picMk id="5" creationId="{96936FE3-5CFA-7757-F1DE-FF4B00A109A8}"/>
-          </ac:picMkLst>
-        </pc:picChg>
-        <pc:picChg chg="add mod">
-          <ac:chgData name="Roy Liu" userId="755465ea-a681-4840-afaf-3106d4ded39d" providerId="ADAL" clId="{26A4DA2E-3B26-4A19-981B-FA4B6FD33F58}" dt="2023-09-26T11:28:28.063" v="770" actId="14826"/>
-          <ac:picMkLst>
-            <pc:docMk/>
-            <pc:sldMk cId="3854421792" sldId="264"/>
-            <ac:picMk id="7" creationId="{0FC2301A-6357-11A5-E913-C23B70C642F4}"/>
-          </ac:picMkLst>
-        </pc:picChg>
-        <pc:picChg chg="add del mod">
-          <ac:chgData name="Roy Liu" userId="755465ea-a681-4840-afaf-3106d4ded39d" providerId="ADAL" clId="{26A4DA2E-3B26-4A19-981B-FA4B6FD33F58}" dt="2023-09-26T11:32:24.825" v="783"/>
-          <ac:picMkLst>
-            <pc:docMk/>
-            <pc:sldMk cId="3854421792" sldId="264"/>
-            <ac:picMk id="9" creationId="{D50240B4-13E5-3BCA-F31F-13DA3D67DC41}"/>
-          </ac:picMkLst>
-        </pc:picChg>
-        <pc:picChg chg="add del">
-          <ac:chgData name="Roy Liu" userId="755465ea-a681-4840-afaf-3106d4ded39d" providerId="ADAL" clId="{26A4DA2E-3B26-4A19-981B-FA4B6FD33F58}" dt="2023-09-26T11:23:20.471" v="757" actId="26606"/>
-          <ac:picMkLst>
-            <pc:docMk/>
-            <pc:sldMk cId="3854421792" sldId="264"/>
-            <ac:picMk id="12" creationId="{BC526B7A-4801-4FD1-95C8-03AF22629E87}"/>
-          </ac:picMkLst>
-        </pc:picChg>
-        <pc:picChg chg="add del mod">
-          <ac:chgData name="Roy Liu" userId="755465ea-a681-4840-afaf-3106d4ded39d" providerId="ADAL" clId="{26A4DA2E-3B26-4A19-981B-FA4B6FD33F58}" dt="2023-09-26T11:33:39.635" v="809"/>
-          <ac:picMkLst>
-            <pc:docMk/>
-            <pc:sldMk cId="3854421792" sldId="264"/>
-            <ac:picMk id="13" creationId="{491E01A8-1008-15E9-3262-5AC90B860C51}"/>
-          </ac:picMkLst>
-        </pc:picChg>
-        <pc:picChg chg="add mod">
-          <ac:chgData name="Roy Liu" userId="755465ea-a681-4840-afaf-3106d4ded39d" providerId="ADAL" clId="{26A4DA2E-3B26-4A19-981B-FA4B6FD33F58}" dt="2023-09-26T11:33:54.593" v="821" actId="1076"/>
-          <ac:picMkLst>
-            <pc:docMk/>
-            <pc:sldMk cId="3854421792" sldId="264"/>
-            <ac:picMk id="22" creationId="{CF92AAA3-742D-F5AA-75F3-56814F81F59A}"/>
-          </ac:picMkLst>
-        </pc:picChg>
-      </pc:sldChg>
-      <pc:sldChg chg="modSp new mod">
-        <pc:chgData name="Roy Liu" userId="755465ea-a681-4840-afaf-3106d4ded39d" providerId="ADAL" clId="{26A4DA2E-3B26-4A19-981B-FA4B6FD33F58}" dt="2023-09-26T10:47:06.837" v="674" actId="20577"/>
-        <pc:sldMkLst>
-          <pc:docMk/>
-          <pc:sldMk cId="435654270" sldId="265"/>
-        </pc:sldMkLst>
-        <pc:spChg chg="mod">
-          <ac:chgData name="Roy Liu" userId="755465ea-a681-4840-afaf-3106d4ded39d" providerId="ADAL" clId="{26A4DA2E-3B26-4A19-981B-FA4B6FD33F58}" dt="2023-09-26T09:59:01.724" v="465" actId="20577"/>
-          <ac:spMkLst>
-            <pc:docMk/>
-            <pc:sldMk cId="435654270" sldId="265"/>
-            <ac:spMk id="2" creationId="{C467D37A-286A-5967-A2D3-A3CB3B01E5C0}"/>
-          </ac:spMkLst>
-        </pc:spChg>
-        <pc:spChg chg="mod">
-          <ac:chgData name="Roy Liu" userId="755465ea-a681-4840-afaf-3106d4ded39d" providerId="ADAL" clId="{26A4DA2E-3B26-4A19-981B-FA4B6FD33F58}" dt="2023-09-26T10:47:06.837" v="674" actId="20577"/>
-          <ac:spMkLst>
-            <pc:docMk/>
-            <pc:sldMk cId="435654270" sldId="265"/>
-            <ac:spMk id="3" creationId="{7F2E4967-6631-E036-3C10-AB476F921C5F}"/>
-          </ac:spMkLst>
-        </pc:spChg>
-      </pc:sldChg>
-      <pc:sldChg chg="modSp mod">
-        <pc:chgData name="Roy Liu" userId="755465ea-a681-4840-afaf-3106d4ded39d" providerId="ADAL" clId="{26A4DA2E-3B26-4A19-981B-FA4B6FD33F58}" dt="2023-09-26T11:30:56.916" v="775" actId="313"/>
-        <pc:sldMkLst>
-          <pc:docMk/>
-          <pc:sldMk cId="3257955536" sldId="268"/>
-        </pc:sldMkLst>
-        <pc:spChg chg="mod">
-          <ac:chgData name="Roy Liu" userId="755465ea-a681-4840-afaf-3106d4ded39d" providerId="ADAL" clId="{26A4DA2E-3B26-4A19-981B-FA4B6FD33F58}" dt="2023-09-26T11:30:56.916" v="775" actId="313"/>
-          <ac:spMkLst>
-            <pc:docMk/>
-            <pc:sldMk cId="3257955536" sldId="268"/>
-            <ac:spMk id="3" creationId="{40D137FA-18A4-4E72-3B1A-E45AE21D012B}"/>
-          </ac:spMkLst>
-        </pc:spChg>
-      </pc:sldChg>
-      <pc:sldChg chg="modSp new mod">
-        <pc:chgData name="Roy Liu" userId="755465ea-a681-4840-afaf-3106d4ded39d" providerId="ADAL" clId="{26A4DA2E-3B26-4A19-981B-FA4B6FD33F58}" dt="2023-09-27T09:56:54.619" v="1491" actId="20577"/>
-        <pc:sldMkLst>
-          <pc:docMk/>
-          <pc:sldMk cId="3751505815" sldId="269"/>
-        </pc:sldMkLst>
-        <pc:spChg chg="mod">
-          <ac:chgData name="Roy Liu" userId="755465ea-a681-4840-afaf-3106d4ded39d" providerId="ADAL" clId="{26A4DA2E-3B26-4A19-981B-FA4B6FD33F58}" dt="2023-09-27T09:56:54.619" v="1491" actId="20577"/>
-          <ac:spMkLst>
-            <pc:docMk/>
-            <pc:sldMk cId="3751505815" sldId="269"/>
-            <ac:spMk id="2" creationId="{88013891-86EF-454E-0A39-BC7185B11C4F}"/>
-          </ac:spMkLst>
-        </pc:spChg>
-      </pc:sldChg>
-      <pc:sldMasterChg chg="add del addSldLayout delSldLayout">
-        <pc:chgData name="Roy Liu" userId="755465ea-a681-4840-afaf-3106d4ded39d" providerId="ADAL" clId="{26A4DA2E-3B26-4A19-981B-FA4B6FD33F58}" dt="2023-09-20T11:39:52.354" v="148" actId="26606"/>
-        <pc:sldMasterMkLst>
-          <pc:docMk/>
-          <pc:sldMasterMk cId="789219319" sldId="2147483660"/>
-        </pc:sldMasterMkLst>
-        <pc:sldLayoutChg chg="add del">
-          <pc:chgData name="Roy Liu" userId="755465ea-a681-4840-afaf-3106d4ded39d" providerId="ADAL" clId="{26A4DA2E-3B26-4A19-981B-FA4B6FD33F58}" dt="2023-09-20T11:39:52.354" v="148" actId="26606"/>
-          <pc:sldLayoutMkLst>
-            <pc:docMk/>
-            <pc:sldMasterMk cId="789219319" sldId="2147483660"/>
-            <pc:sldLayoutMk cId="1809636922" sldId="2147483661"/>
-          </pc:sldLayoutMkLst>
-        </pc:sldLayoutChg>
-        <pc:sldLayoutChg chg="add del">
-          <pc:chgData name="Roy Liu" userId="755465ea-a681-4840-afaf-3106d4ded39d" providerId="ADAL" clId="{26A4DA2E-3B26-4A19-981B-FA4B6FD33F58}" dt="2023-09-20T11:39:52.354" v="148" actId="26606"/>
-          <pc:sldLayoutMkLst>
-            <pc:docMk/>
-            <pc:sldMasterMk cId="789219319" sldId="2147483660"/>
-            <pc:sldLayoutMk cId="2101453903" sldId="2147483662"/>
-          </pc:sldLayoutMkLst>
-        </pc:sldLayoutChg>
-        <pc:sldLayoutChg chg="add del">
-          <pc:chgData name="Roy Liu" userId="755465ea-a681-4840-afaf-3106d4ded39d" providerId="ADAL" clId="{26A4DA2E-3B26-4A19-981B-FA4B6FD33F58}" dt="2023-09-20T11:39:52.354" v="148" actId="26606"/>
-          <pc:sldLayoutMkLst>
-            <pc:docMk/>
-            <pc:sldMasterMk cId="789219319" sldId="2147483660"/>
-            <pc:sldLayoutMk cId="1251068635" sldId="2147483663"/>
-          </pc:sldLayoutMkLst>
-        </pc:sldLayoutChg>
-        <pc:sldLayoutChg chg="add del">
-          <pc:chgData name="Roy Liu" userId="755465ea-a681-4840-afaf-3106d4ded39d" providerId="ADAL" clId="{26A4DA2E-3B26-4A19-981B-FA4B6FD33F58}" dt="2023-09-20T11:39:52.354" v="148" actId="26606"/>
-          <pc:sldLayoutMkLst>
-            <pc:docMk/>
-            <pc:sldMasterMk cId="789219319" sldId="2147483660"/>
-            <pc:sldLayoutMk cId="2552483535" sldId="2147483664"/>
-          </pc:sldLayoutMkLst>
-        </pc:sldLayoutChg>
-        <pc:sldLayoutChg chg="add del">
-          <pc:chgData name="Roy Liu" userId="755465ea-a681-4840-afaf-3106d4ded39d" providerId="ADAL" clId="{26A4DA2E-3B26-4A19-981B-FA4B6FD33F58}" dt="2023-09-20T11:39:52.354" v="148" actId="26606"/>
-          <pc:sldLayoutMkLst>
-            <pc:docMk/>
-            <pc:sldMasterMk cId="789219319" sldId="2147483660"/>
-            <pc:sldLayoutMk cId="2033678604" sldId="2147483665"/>
-          </pc:sldLayoutMkLst>
-        </pc:sldLayoutChg>
-        <pc:sldLayoutChg chg="add del">
-          <pc:chgData name="Roy Liu" userId="755465ea-a681-4840-afaf-3106d4ded39d" providerId="ADAL" clId="{26A4DA2E-3B26-4A19-981B-FA4B6FD33F58}" dt="2023-09-20T11:39:52.354" v="148" actId="26606"/>
-          <pc:sldLayoutMkLst>
-            <pc:docMk/>
-            <pc:sldMasterMk cId="789219319" sldId="2147483660"/>
-            <pc:sldLayoutMk cId="1859807123" sldId="2147483666"/>
-          </pc:sldLayoutMkLst>
-        </pc:sldLayoutChg>
-        <pc:sldLayoutChg chg="add del">
-          <pc:chgData name="Roy Liu" userId="755465ea-a681-4840-afaf-3106d4ded39d" providerId="ADAL" clId="{26A4DA2E-3B26-4A19-981B-FA4B6FD33F58}" dt="2023-09-20T11:39:52.354" v="148" actId="26606"/>
-          <pc:sldLayoutMkLst>
-            <pc:docMk/>
-            <pc:sldMasterMk cId="789219319" sldId="2147483660"/>
-            <pc:sldLayoutMk cId="883036279" sldId="2147483667"/>
-          </pc:sldLayoutMkLst>
-        </pc:sldLayoutChg>
-        <pc:sldLayoutChg chg="add del">
-          <pc:chgData name="Roy Liu" userId="755465ea-a681-4840-afaf-3106d4ded39d" providerId="ADAL" clId="{26A4DA2E-3B26-4A19-981B-FA4B6FD33F58}" dt="2023-09-20T11:39:52.354" v="148" actId="26606"/>
-          <pc:sldLayoutMkLst>
-            <pc:docMk/>
-            <pc:sldMasterMk cId="789219319" sldId="2147483660"/>
-            <pc:sldLayoutMk cId="728350495" sldId="2147483668"/>
-          </pc:sldLayoutMkLst>
-        </pc:sldLayoutChg>
-        <pc:sldLayoutChg chg="add del">
-          <pc:chgData name="Roy Liu" userId="755465ea-a681-4840-afaf-3106d4ded39d" providerId="ADAL" clId="{26A4DA2E-3B26-4A19-981B-FA4B6FD33F58}" dt="2023-09-20T11:39:52.354" v="148" actId="26606"/>
-          <pc:sldLayoutMkLst>
-            <pc:docMk/>
-            <pc:sldMasterMk cId="789219319" sldId="2147483660"/>
-            <pc:sldLayoutMk cId="2132223704" sldId="2147483669"/>
-          </pc:sldLayoutMkLst>
-        </pc:sldLayoutChg>
-        <pc:sldLayoutChg chg="add del">
-          <pc:chgData name="Roy Liu" userId="755465ea-a681-4840-afaf-3106d4ded39d" providerId="ADAL" clId="{26A4DA2E-3B26-4A19-981B-FA4B6FD33F58}" dt="2023-09-20T11:39:52.354" v="148" actId="26606"/>
-          <pc:sldLayoutMkLst>
-            <pc:docMk/>
-            <pc:sldMasterMk cId="789219319" sldId="2147483660"/>
-            <pc:sldLayoutMk cId="173961049" sldId="2147483670"/>
-          </pc:sldLayoutMkLst>
-        </pc:sldLayoutChg>
-        <pc:sldLayoutChg chg="add del">
-          <pc:chgData name="Roy Liu" userId="755465ea-a681-4840-afaf-3106d4ded39d" providerId="ADAL" clId="{26A4DA2E-3B26-4A19-981B-FA4B6FD33F58}" dt="2023-09-20T11:39:52.354" v="148" actId="26606"/>
-          <pc:sldLayoutMkLst>
-            <pc:docMk/>
-            <pc:sldMasterMk cId="789219319" sldId="2147483660"/>
-            <pc:sldLayoutMk cId="2950409454" sldId="2147483671"/>
-          </pc:sldLayoutMkLst>
-        </pc:sldLayoutChg>
-      </pc:sldMasterChg>
-      <pc:sldMasterChg chg="add del replId addSldLayout delSldLayout">
-        <pc:chgData name="Roy Liu" userId="755465ea-a681-4840-afaf-3106d4ded39d" providerId="ADAL" clId="{26A4DA2E-3B26-4A19-981B-FA4B6FD33F58}" dt="2023-09-20T11:39:10.769" v="139" actId="26606"/>
-        <pc:sldMasterMkLst>
-          <pc:docMk/>
-          <pc:sldMasterMk cId="4127245905" sldId="2147483672"/>
-        </pc:sldMasterMkLst>
-        <pc:sldLayoutChg chg="add del">
-          <pc:chgData name="Roy Liu" userId="755465ea-a681-4840-afaf-3106d4ded39d" providerId="ADAL" clId="{26A4DA2E-3B26-4A19-981B-FA4B6FD33F58}" dt="2023-09-20T11:39:10.769" v="139" actId="26606"/>
-          <pc:sldLayoutMkLst>
-            <pc:docMk/>
-            <pc:sldMasterMk cId="4127245905" sldId="2147483672"/>
-            <pc:sldLayoutMk cId="1429118868" sldId="2147483673"/>
-          </pc:sldLayoutMkLst>
-        </pc:sldLayoutChg>
-        <pc:sldLayoutChg chg="add del replId">
-          <pc:chgData name="Roy Liu" userId="755465ea-a681-4840-afaf-3106d4ded39d" providerId="ADAL" clId="{26A4DA2E-3B26-4A19-981B-FA4B6FD33F58}" dt="2023-09-20T11:39:10.769" v="139" actId="26606"/>
-          <pc:sldLayoutMkLst>
-            <pc:docMk/>
-            <pc:sldMasterMk cId="4127245905" sldId="2147483672"/>
-            <pc:sldLayoutMk cId="1612413609" sldId="2147483674"/>
-          </pc:sldLayoutMkLst>
-        </pc:sldLayoutChg>
-        <pc:sldLayoutChg chg="add del replId">
-          <pc:chgData name="Roy Liu" userId="755465ea-a681-4840-afaf-3106d4ded39d" providerId="ADAL" clId="{26A4DA2E-3B26-4A19-981B-FA4B6FD33F58}" dt="2023-09-20T11:39:10.769" v="139" actId="26606"/>
-          <pc:sldLayoutMkLst>
-            <pc:docMk/>
-            <pc:sldMasterMk cId="4127245905" sldId="2147483672"/>
-            <pc:sldLayoutMk cId="838334733" sldId="2147483675"/>
-          </pc:sldLayoutMkLst>
-        </pc:sldLayoutChg>
-        <pc:sldLayoutChg chg="add del replId">
-          <pc:chgData name="Roy Liu" userId="755465ea-a681-4840-afaf-3106d4ded39d" providerId="ADAL" clId="{26A4DA2E-3B26-4A19-981B-FA4B6FD33F58}" dt="2023-09-20T11:39:10.769" v="139" actId="26606"/>
-          <pc:sldLayoutMkLst>
-            <pc:docMk/>
-            <pc:sldMasterMk cId="4127245905" sldId="2147483672"/>
-            <pc:sldLayoutMk cId="3846711166" sldId="2147483676"/>
-          </pc:sldLayoutMkLst>
-        </pc:sldLayoutChg>
-        <pc:sldLayoutChg chg="add del replId">
-          <pc:chgData name="Roy Liu" userId="755465ea-a681-4840-afaf-3106d4ded39d" providerId="ADAL" clId="{26A4DA2E-3B26-4A19-981B-FA4B6FD33F58}" dt="2023-09-20T11:39:10.769" v="139" actId="26606"/>
-          <pc:sldLayoutMkLst>
-            <pc:docMk/>
-            <pc:sldMasterMk cId="4127245905" sldId="2147483672"/>
-            <pc:sldLayoutMk cId="2652795275" sldId="2147483677"/>
-          </pc:sldLayoutMkLst>
-        </pc:sldLayoutChg>
-        <pc:sldLayoutChg chg="add del replId">
-          <pc:chgData name="Roy Liu" userId="755465ea-a681-4840-afaf-3106d4ded39d" providerId="ADAL" clId="{26A4DA2E-3B26-4A19-981B-FA4B6FD33F58}" dt="2023-09-20T11:39:10.769" v="139" actId="26606"/>
-          <pc:sldLayoutMkLst>
-            <pc:docMk/>
-            <pc:sldMasterMk cId="4127245905" sldId="2147483672"/>
-            <pc:sldLayoutMk cId="4201483436" sldId="2147483678"/>
-          </pc:sldLayoutMkLst>
-        </pc:sldLayoutChg>
-        <pc:sldLayoutChg chg="add del replId">
-          <pc:chgData name="Roy Liu" userId="755465ea-a681-4840-afaf-3106d4ded39d" providerId="ADAL" clId="{26A4DA2E-3B26-4A19-981B-FA4B6FD33F58}" dt="2023-09-20T11:39:10.769" v="139" actId="26606"/>
-          <pc:sldLayoutMkLst>
-            <pc:docMk/>
-            <pc:sldMasterMk cId="4127245905" sldId="2147483672"/>
-            <pc:sldLayoutMk cId="3069532564" sldId="2147483679"/>
-          </pc:sldLayoutMkLst>
-        </pc:sldLayoutChg>
-        <pc:sldLayoutChg chg="add del replId">
-          <pc:chgData name="Roy Liu" userId="755465ea-a681-4840-afaf-3106d4ded39d" providerId="ADAL" clId="{26A4DA2E-3B26-4A19-981B-FA4B6FD33F58}" dt="2023-09-20T11:39:10.769" v="139" actId="26606"/>
-          <pc:sldLayoutMkLst>
-            <pc:docMk/>
-            <pc:sldMasterMk cId="4127245905" sldId="2147483672"/>
-            <pc:sldLayoutMk cId="1984730009" sldId="2147483680"/>
-          </pc:sldLayoutMkLst>
-        </pc:sldLayoutChg>
-        <pc:sldLayoutChg chg="add del replId">
-          <pc:chgData name="Roy Liu" userId="755465ea-a681-4840-afaf-3106d4ded39d" providerId="ADAL" clId="{26A4DA2E-3B26-4A19-981B-FA4B6FD33F58}" dt="2023-09-20T11:39:10.769" v="139" actId="26606"/>
-          <pc:sldLayoutMkLst>
-            <pc:docMk/>
-            <pc:sldMasterMk cId="4127245905" sldId="2147483672"/>
-            <pc:sldLayoutMk cId="1973024183" sldId="2147483681"/>
-          </pc:sldLayoutMkLst>
-        </pc:sldLayoutChg>
-        <pc:sldLayoutChg chg="add del replId">
-          <pc:chgData name="Roy Liu" userId="755465ea-a681-4840-afaf-3106d4ded39d" providerId="ADAL" clId="{26A4DA2E-3B26-4A19-981B-FA4B6FD33F58}" dt="2023-09-20T11:39:10.769" v="139" actId="26606"/>
-          <pc:sldLayoutMkLst>
-            <pc:docMk/>
-            <pc:sldMasterMk cId="4127245905" sldId="2147483672"/>
-            <pc:sldLayoutMk cId="3356146414" sldId="2147483682"/>
-          </pc:sldLayoutMkLst>
-        </pc:sldLayoutChg>
-        <pc:sldLayoutChg chg="add del replId">
-          <pc:chgData name="Roy Liu" userId="755465ea-a681-4840-afaf-3106d4ded39d" providerId="ADAL" clId="{26A4DA2E-3B26-4A19-981B-FA4B6FD33F58}" dt="2023-09-20T11:39:10.769" v="139" actId="26606"/>
-          <pc:sldLayoutMkLst>
-            <pc:docMk/>
-            <pc:sldMasterMk cId="4127245905" sldId="2147483672"/>
-            <pc:sldLayoutMk cId="4135450878" sldId="2147483683"/>
-          </pc:sldLayoutMkLst>
-        </pc:sldLayoutChg>
-      </pc:sldMasterChg>
-      <pc:sldMasterChg chg="add del addSldLayout delSldLayout">
-        <pc:chgData name="Roy Liu" userId="755465ea-a681-4840-afaf-3106d4ded39d" providerId="ADAL" clId="{26A4DA2E-3B26-4A19-981B-FA4B6FD33F58}" dt="2023-09-20T11:39:52.354" v="148" actId="26606"/>
-        <pc:sldMasterMkLst>
-          <pc:docMk/>
-          <pc:sldMasterMk cId="3139187229" sldId="2147483698"/>
-        </pc:sldMasterMkLst>
-        <pc:sldLayoutChg chg="add del">
-          <pc:chgData name="Roy Liu" userId="755465ea-a681-4840-afaf-3106d4ded39d" providerId="ADAL" clId="{26A4DA2E-3B26-4A19-981B-FA4B6FD33F58}" dt="2023-09-20T11:39:52.354" v="148" actId="26606"/>
-          <pc:sldLayoutMkLst>
-            <pc:docMk/>
-            <pc:sldMasterMk cId="3139187229" sldId="2147483698"/>
-            <pc:sldLayoutMk cId="356345958" sldId="2147483687"/>
-          </pc:sldLayoutMkLst>
-        </pc:sldLayoutChg>
-        <pc:sldLayoutChg chg="add del">
-          <pc:chgData name="Roy Liu" userId="755465ea-a681-4840-afaf-3106d4ded39d" providerId="ADAL" clId="{26A4DA2E-3B26-4A19-981B-FA4B6FD33F58}" dt="2023-09-20T11:39:52.354" v="148" actId="26606"/>
-          <pc:sldLayoutMkLst>
-            <pc:docMk/>
-            <pc:sldMasterMk cId="3139187229" sldId="2147483698"/>
-            <pc:sldLayoutMk cId="2704023781" sldId="2147483688"/>
-          </pc:sldLayoutMkLst>
-        </pc:sldLayoutChg>
-        <pc:sldLayoutChg chg="add del">
-          <pc:chgData name="Roy Liu" userId="755465ea-a681-4840-afaf-3106d4ded39d" providerId="ADAL" clId="{26A4DA2E-3B26-4A19-981B-FA4B6FD33F58}" dt="2023-09-20T11:39:52.354" v="148" actId="26606"/>
-          <pc:sldLayoutMkLst>
-            <pc:docMk/>
-            <pc:sldMasterMk cId="3139187229" sldId="2147483698"/>
-            <pc:sldLayoutMk cId="395939718" sldId="2147483689"/>
-          </pc:sldLayoutMkLst>
-        </pc:sldLayoutChg>
-        <pc:sldLayoutChg chg="add del">
-          <pc:chgData name="Roy Liu" userId="755465ea-a681-4840-afaf-3106d4ded39d" providerId="ADAL" clId="{26A4DA2E-3B26-4A19-981B-FA4B6FD33F58}" dt="2023-09-20T11:39:52.354" v="148" actId="26606"/>
-          <pc:sldLayoutMkLst>
-            <pc:docMk/>
-            <pc:sldMasterMk cId="3139187229" sldId="2147483698"/>
-            <pc:sldLayoutMk cId="2278752544" sldId="2147483690"/>
-          </pc:sldLayoutMkLst>
-        </pc:sldLayoutChg>
-        <pc:sldLayoutChg chg="add del">
-          <pc:chgData name="Roy Liu" userId="755465ea-a681-4840-afaf-3106d4ded39d" providerId="ADAL" clId="{26A4DA2E-3B26-4A19-981B-FA4B6FD33F58}" dt="2023-09-20T11:39:52.354" v="148" actId="26606"/>
-          <pc:sldLayoutMkLst>
-            <pc:docMk/>
-            <pc:sldMasterMk cId="3139187229" sldId="2147483698"/>
-            <pc:sldLayoutMk cId="1225069123" sldId="2147483691"/>
-          </pc:sldLayoutMkLst>
-        </pc:sldLayoutChg>
-        <pc:sldLayoutChg chg="add del">
-          <pc:chgData name="Roy Liu" userId="755465ea-a681-4840-afaf-3106d4ded39d" providerId="ADAL" clId="{26A4DA2E-3B26-4A19-981B-FA4B6FD33F58}" dt="2023-09-20T11:39:52.354" v="148" actId="26606"/>
-          <pc:sldLayoutMkLst>
-            <pc:docMk/>
-            <pc:sldMasterMk cId="3139187229" sldId="2147483698"/>
-            <pc:sldLayoutMk cId="1946154289" sldId="2147483692"/>
-          </pc:sldLayoutMkLst>
-        </pc:sldLayoutChg>
-        <pc:sldLayoutChg chg="add del">
-          <pc:chgData name="Roy Liu" userId="755465ea-a681-4840-afaf-3106d4ded39d" providerId="ADAL" clId="{26A4DA2E-3B26-4A19-981B-FA4B6FD33F58}" dt="2023-09-20T11:39:52.354" v="148" actId="26606"/>
-          <pc:sldLayoutMkLst>
-            <pc:docMk/>
-            <pc:sldMasterMk cId="3139187229" sldId="2147483698"/>
-            <pc:sldLayoutMk cId="84961155" sldId="2147483693"/>
-          </pc:sldLayoutMkLst>
-        </pc:sldLayoutChg>
-        <pc:sldLayoutChg chg="add del">
-          <pc:chgData name="Roy Liu" userId="755465ea-a681-4840-afaf-3106d4ded39d" providerId="ADAL" clId="{26A4DA2E-3B26-4A19-981B-FA4B6FD33F58}" dt="2023-09-20T11:39:52.354" v="148" actId="26606"/>
-          <pc:sldLayoutMkLst>
-            <pc:docMk/>
-            <pc:sldMasterMk cId="3139187229" sldId="2147483698"/>
-            <pc:sldLayoutMk cId="2385091365" sldId="2147483694"/>
-          </pc:sldLayoutMkLst>
-        </pc:sldLayoutChg>
-        <pc:sldLayoutChg chg="add del">
-          <pc:chgData name="Roy Liu" userId="755465ea-a681-4840-afaf-3106d4ded39d" providerId="ADAL" clId="{26A4DA2E-3B26-4A19-981B-FA4B6FD33F58}" dt="2023-09-20T11:39:52.354" v="148" actId="26606"/>
-          <pc:sldLayoutMkLst>
-            <pc:docMk/>
-            <pc:sldMasterMk cId="3139187229" sldId="2147483698"/>
-            <pc:sldLayoutMk cId="1982246214" sldId="2147483695"/>
-          </pc:sldLayoutMkLst>
-        </pc:sldLayoutChg>
-        <pc:sldLayoutChg chg="add del">
-          <pc:chgData name="Roy Liu" userId="755465ea-a681-4840-afaf-3106d4ded39d" providerId="ADAL" clId="{26A4DA2E-3B26-4A19-981B-FA4B6FD33F58}" dt="2023-09-20T11:39:52.354" v="148" actId="26606"/>
-          <pc:sldLayoutMkLst>
-            <pc:docMk/>
-            <pc:sldMasterMk cId="3139187229" sldId="2147483698"/>
-            <pc:sldLayoutMk cId="2416492150" sldId="2147483696"/>
-          </pc:sldLayoutMkLst>
-        </pc:sldLayoutChg>
-        <pc:sldLayoutChg chg="add del">
-          <pc:chgData name="Roy Liu" userId="755465ea-a681-4840-afaf-3106d4ded39d" providerId="ADAL" clId="{26A4DA2E-3B26-4A19-981B-FA4B6FD33F58}" dt="2023-09-20T11:39:52.354" v="148" actId="26606"/>
-          <pc:sldLayoutMkLst>
-            <pc:docMk/>
-            <pc:sldMasterMk cId="3139187229" sldId="2147483698"/>
-            <pc:sldLayoutMk cId="378628906" sldId="2147483697"/>
-          </pc:sldLayoutMkLst>
-        </pc:sldLayoutChg>
-      </pc:sldMasterChg>
-      <pc:sldMasterChg chg="add del addSldLayout delSldLayout">
-        <pc:chgData name="Roy Liu" userId="755465ea-a681-4840-afaf-3106d4ded39d" providerId="ADAL" clId="{26A4DA2E-3B26-4A19-981B-FA4B6FD33F58}" dt="2023-09-20T11:39:49.982" v="145" actId="26606"/>
-        <pc:sldMasterMkLst>
-          <pc:docMk/>
-          <pc:sldMasterMk cId="4137531801" sldId="2147483750"/>
-        </pc:sldMasterMkLst>
-        <pc:sldLayoutChg chg="add del">
-          <pc:chgData name="Roy Liu" userId="755465ea-a681-4840-afaf-3106d4ded39d" providerId="ADAL" clId="{26A4DA2E-3B26-4A19-981B-FA4B6FD33F58}" dt="2023-09-20T11:39:49.982" v="145" actId="26606"/>
-          <pc:sldLayoutMkLst>
-            <pc:docMk/>
-            <pc:sldMasterMk cId="4137531801" sldId="2147483750"/>
-            <pc:sldLayoutMk cId="132888358" sldId="2147483739"/>
-          </pc:sldLayoutMkLst>
-        </pc:sldLayoutChg>
-        <pc:sldLayoutChg chg="add del">
-          <pc:chgData name="Roy Liu" userId="755465ea-a681-4840-afaf-3106d4ded39d" providerId="ADAL" clId="{26A4DA2E-3B26-4A19-981B-FA4B6FD33F58}" dt="2023-09-20T11:39:49.982" v="145" actId="26606"/>
-          <pc:sldLayoutMkLst>
-            <pc:docMk/>
-            <pc:sldMasterMk cId="4137531801" sldId="2147483750"/>
-            <pc:sldLayoutMk cId="3453804309" sldId="2147483740"/>
-          </pc:sldLayoutMkLst>
-        </pc:sldLayoutChg>
-        <pc:sldLayoutChg chg="add del">
-          <pc:chgData name="Roy Liu" userId="755465ea-a681-4840-afaf-3106d4ded39d" providerId="ADAL" clId="{26A4DA2E-3B26-4A19-981B-FA4B6FD33F58}" dt="2023-09-20T11:39:49.982" v="145" actId="26606"/>
-          <pc:sldLayoutMkLst>
-            <pc:docMk/>
-            <pc:sldMasterMk cId="4137531801" sldId="2147483750"/>
-            <pc:sldLayoutMk cId="76274929" sldId="2147483741"/>
-          </pc:sldLayoutMkLst>
-        </pc:sldLayoutChg>
-        <pc:sldLayoutChg chg="add del">
-          <pc:chgData name="Roy Liu" userId="755465ea-a681-4840-afaf-3106d4ded39d" providerId="ADAL" clId="{26A4DA2E-3B26-4A19-981B-FA4B6FD33F58}" dt="2023-09-20T11:39:49.982" v="145" actId="26606"/>
-          <pc:sldLayoutMkLst>
-            <pc:docMk/>
-            <pc:sldMasterMk cId="4137531801" sldId="2147483750"/>
-            <pc:sldLayoutMk cId="3044339433" sldId="2147483742"/>
-          </pc:sldLayoutMkLst>
-        </pc:sldLayoutChg>
-        <pc:sldLayoutChg chg="add del">
-          <pc:chgData name="Roy Liu" userId="755465ea-a681-4840-afaf-3106d4ded39d" providerId="ADAL" clId="{26A4DA2E-3B26-4A19-981B-FA4B6FD33F58}" dt="2023-09-20T11:39:49.982" v="145" actId="26606"/>
-          <pc:sldLayoutMkLst>
-            <pc:docMk/>
-            <pc:sldMasterMk cId="4137531801" sldId="2147483750"/>
-            <pc:sldLayoutMk cId="1908676235" sldId="2147483743"/>
-          </pc:sldLayoutMkLst>
-        </pc:sldLayoutChg>
-        <pc:sldLayoutChg chg="add del">
-          <pc:chgData name="Roy Liu" userId="755465ea-a681-4840-afaf-3106d4ded39d" providerId="ADAL" clId="{26A4DA2E-3B26-4A19-981B-FA4B6FD33F58}" dt="2023-09-20T11:39:49.982" v="145" actId="26606"/>
-          <pc:sldLayoutMkLst>
-            <pc:docMk/>
-            <pc:sldMasterMk cId="4137531801" sldId="2147483750"/>
-            <pc:sldLayoutMk cId="314010309" sldId="2147483744"/>
-          </pc:sldLayoutMkLst>
-        </pc:sldLayoutChg>
-        <pc:sldLayoutChg chg="add del">
-          <pc:chgData name="Roy Liu" userId="755465ea-a681-4840-afaf-3106d4ded39d" providerId="ADAL" clId="{26A4DA2E-3B26-4A19-981B-FA4B6FD33F58}" dt="2023-09-20T11:39:49.982" v="145" actId="26606"/>
-          <pc:sldLayoutMkLst>
-            <pc:docMk/>
-            <pc:sldMasterMk cId="4137531801" sldId="2147483750"/>
-            <pc:sldLayoutMk cId="4185690392" sldId="2147483745"/>
-          </pc:sldLayoutMkLst>
-        </pc:sldLayoutChg>
-        <pc:sldLayoutChg chg="add del">
-          <pc:chgData name="Roy Liu" userId="755465ea-a681-4840-afaf-3106d4ded39d" providerId="ADAL" clId="{26A4DA2E-3B26-4A19-981B-FA4B6FD33F58}" dt="2023-09-20T11:39:49.982" v="145" actId="26606"/>
-          <pc:sldLayoutMkLst>
-            <pc:docMk/>
-            <pc:sldMasterMk cId="4137531801" sldId="2147483750"/>
-            <pc:sldLayoutMk cId="280367108" sldId="2147483746"/>
-          </pc:sldLayoutMkLst>
-        </pc:sldLayoutChg>
-        <pc:sldLayoutChg chg="add del">
-          <pc:chgData name="Roy Liu" userId="755465ea-a681-4840-afaf-3106d4ded39d" providerId="ADAL" clId="{26A4DA2E-3B26-4A19-981B-FA4B6FD33F58}" dt="2023-09-20T11:39:49.982" v="145" actId="26606"/>
-          <pc:sldLayoutMkLst>
-            <pc:docMk/>
-            <pc:sldMasterMk cId="4137531801" sldId="2147483750"/>
-            <pc:sldLayoutMk cId="4260407630" sldId="2147483747"/>
-          </pc:sldLayoutMkLst>
-        </pc:sldLayoutChg>
-        <pc:sldLayoutChg chg="add del">
-          <pc:chgData name="Roy Liu" userId="755465ea-a681-4840-afaf-3106d4ded39d" providerId="ADAL" clId="{26A4DA2E-3B26-4A19-981B-FA4B6FD33F58}" dt="2023-09-20T11:39:49.982" v="145" actId="26606"/>
-          <pc:sldLayoutMkLst>
-            <pc:docMk/>
-            <pc:sldMasterMk cId="4137531801" sldId="2147483750"/>
-            <pc:sldLayoutMk cId="3749109380" sldId="2147483748"/>
-          </pc:sldLayoutMkLst>
-        </pc:sldLayoutChg>
-        <pc:sldLayoutChg chg="add del">
-          <pc:chgData name="Roy Liu" userId="755465ea-a681-4840-afaf-3106d4ded39d" providerId="ADAL" clId="{26A4DA2E-3B26-4A19-981B-FA4B6FD33F58}" dt="2023-09-20T11:39:49.982" v="145" actId="26606"/>
-          <pc:sldLayoutMkLst>
-            <pc:docMk/>
-            <pc:sldMasterMk cId="4137531801" sldId="2147483750"/>
-            <pc:sldLayoutMk cId="3923863840" sldId="2147483749"/>
-          </pc:sldLayoutMkLst>
-        </pc:sldLayoutChg>
-      </pc:sldMasterChg>
-      <pc:sldMasterChg chg="add del addSldLayout delSldLayout">
-        <pc:chgData name="Roy Liu" userId="755465ea-a681-4840-afaf-3106d4ded39d" providerId="ADAL" clId="{26A4DA2E-3B26-4A19-981B-FA4B6FD33F58}" dt="2023-09-20T11:39:52.314" v="147" actId="26606"/>
-        <pc:sldMasterMkLst>
-          <pc:docMk/>
-          <pc:sldMasterMk cId="2396023725" sldId="2147483763"/>
-        </pc:sldMasterMkLst>
-        <pc:sldLayoutChg chg="add del">
-          <pc:chgData name="Roy Liu" userId="755465ea-a681-4840-afaf-3106d4ded39d" providerId="ADAL" clId="{26A4DA2E-3B26-4A19-981B-FA4B6FD33F58}" dt="2023-09-20T11:39:52.314" v="147" actId="26606"/>
-          <pc:sldLayoutMkLst>
-            <pc:docMk/>
-            <pc:sldMasterMk cId="2396023725" sldId="2147483763"/>
-            <pc:sldLayoutMk cId="958344890" sldId="2147483752"/>
-          </pc:sldLayoutMkLst>
-        </pc:sldLayoutChg>
-        <pc:sldLayoutChg chg="add del">
-          <pc:chgData name="Roy Liu" userId="755465ea-a681-4840-afaf-3106d4ded39d" providerId="ADAL" clId="{26A4DA2E-3B26-4A19-981B-FA4B6FD33F58}" dt="2023-09-20T11:39:52.314" v="147" actId="26606"/>
-          <pc:sldLayoutMkLst>
-            <pc:docMk/>
-            <pc:sldMasterMk cId="2396023725" sldId="2147483763"/>
-            <pc:sldLayoutMk cId="4270449318" sldId="2147483753"/>
-          </pc:sldLayoutMkLst>
-        </pc:sldLayoutChg>
-        <pc:sldLayoutChg chg="add del">
-          <pc:chgData name="Roy Liu" userId="755465ea-a681-4840-afaf-3106d4ded39d" providerId="ADAL" clId="{26A4DA2E-3B26-4A19-981B-FA4B6FD33F58}" dt="2023-09-20T11:39:52.314" v="147" actId="26606"/>
-          <pc:sldLayoutMkLst>
-            <pc:docMk/>
-            <pc:sldMasterMk cId="2396023725" sldId="2147483763"/>
-            <pc:sldLayoutMk cId="2399139964" sldId="2147483754"/>
-          </pc:sldLayoutMkLst>
-        </pc:sldLayoutChg>
-        <pc:sldLayoutChg chg="add del">
-          <pc:chgData name="Roy Liu" userId="755465ea-a681-4840-afaf-3106d4ded39d" providerId="ADAL" clId="{26A4DA2E-3B26-4A19-981B-FA4B6FD33F58}" dt="2023-09-20T11:39:52.314" v="147" actId="26606"/>
-          <pc:sldLayoutMkLst>
-            <pc:docMk/>
-            <pc:sldMasterMk cId="2396023725" sldId="2147483763"/>
-            <pc:sldLayoutMk cId="1693984252" sldId="2147483755"/>
-          </pc:sldLayoutMkLst>
-        </pc:sldLayoutChg>
-        <pc:sldLayoutChg chg="add del">
-          <pc:chgData name="Roy Liu" userId="755465ea-a681-4840-afaf-3106d4ded39d" providerId="ADAL" clId="{26A4DA2E-3B26-4A19-981B-FA4B6FD33F58}" dt="2023-09-20T11:39:52.314" v="147" actId="26606"/>
-          <pc:sldLayoutMkLst>
-            <pc:docMk/>
-            <pc:sldMasterMk cId="2396023725" sldId="2147483763"/>
-            <pc:sldLayoutMk cId="4543520" sldId="2147483756"/>
-          </pc:sldLayoutMkLst>
-        </pc:sldLayoutChg>
-        <pc:sldLayoutChg chg="add del">
-          <pc:chgData name="Roy Liu" userId="755465ea-a681-4840-afaf-3106d4ded39d" providerId="ADAL" clId="{26A4DA2E-3B26-4A19-981B-FA4B6FD33F58}" dt="2023-09-20T11:39:52.314" v="147" actId="26606"/>
-          <pc:sldLayoutMkLst>
-            <pc:docMk/>
-            <pc:sldMasterMk cId="2396023725" sldId="2147483763"/>
-            <pc:sldLayoutMk cId="3396188322" sldId="2147483757"/>
-          </pc:sldLayoutMkLst>
-        </pc:sldLayoutChg>
-        <pc:sldLayoutChg chg="add del">
-          <pc:chgData name="Roy Liu" userId="755465ea-a681-4840-afaf-3106d4ded39d" providerId="ADAL" clId="{26A4DA2E-3B26-4A19-981B-FA4B6FD33F58}" dt="2023-09-20T11:39:52.314" v="147" actId="26606"/>
-          <pc:sldLayoutMkLst>
-            <pc:docMk/>
-            <pc:sldMasterMk cId="2396023725" sldId="2147483763"/>
-            <pc:sldLayoutMk cId="2637560780" sldId="2147483758"/>
-          </pc:sldLayoutMkLst>
-        </pc:sldLayoutChg>
-        <pc:sldLayoutChg chg="add del">
-          <pc:chgData name="Roy Liu" userId="755465ea-a681-4840-afaf-3106d4ded39d" providerId="ADAL" clId="{26A4DA2E-3B26-4A19-981B-FA4B6FD33F58}" dt="2023-09-20T11:39:52.314" v="147" actId="26606"/>
-          <pc:sldLayoutMkLst>
-            <pc:docMk/>
-            <pc:sldMasterMk cId="2396023725" sldId="2147483763"/>
-            <pc:sldLayoutMk cId="2863320743" sldId="2147483759"/>
-          </pc:sldLayoutMkLst>
-        </pc:sldLayoutChg>
-        <pc:sldLayoutChg chg="add del">
-          <pc:chgData name="Roy Liu" userId="755465ea-a681-4840-afaf-3106d4ded39d" providerId="ADAL" clId="{26A4DA2E-3B26-4A19-981B-FA4B6FD33F58}" dt="2023-09-20T11:39:52.314" v="147" actId="26606"/>
-          <pc:sldLayoutMkLst>
-            <pc:docMk/>
-            <pc:sldMasterMk cId="2396023725" sldId="2147483763"/>
-            <pc:sldLayoutMk cId="2427292896" sldId="2147483760"/>
-          </pc:sldLayoutMkLst>
-        </pc:sldLayoutChg>
-        <pc:sldLayoutChg chg="add del">
-          <pc:chgData name="Roy Liu" userId="755465ea-a681-4840-afaf-3106d4ded39d" providerId="ADAL" clId="{26A4DA2E-3B26-4A19-981B-FA4B6FD33F58}" dt="2023-09-20T11:39:52.314" v="147" actId="26606"/>
-          <pc:sldLayoutMkLst>
-            <pc:docMk/>
-            <pc:sldMasterMk cId="2396023725" sldId="2147483763"/>
-            <pc:sldLayoutMk cId="1431543505" sldId="2147483761"/>
-          </pc:sldLayoutMkLst>
-        </pc:sldLayoutChg>
-        <pc:sldLayoutChg chg="add del">
-          <pc:chgData name="Roy Liu" userId="755465ea-a681-4840-afaf-3106d4ded39d" providerId="ADAL" clId="{26A4DA2E-3B26-4A19-981B-FA4B6FD33F58}" dt="2023-09-20T11:39:52.314" v="147" actId="26606"/>
-          <pc:sldLayoutMkLst>
-            <pc:docMk/>
-            <pc:sldMasterMk cId="2396023725" sldId="2147483763"/>
-            <pc:sldLayoutMk cId="2371968821" sldId="2147483762"/>
-          </pc:sldLayoutMkLst>
-        </pc:sldLayoutChg>
-      </pc:sldMasterChg>
-    </pc:docChg>
-  </pc:docChgLst>
-  <pc:docChgLst>
     <pc:chgData name="Viktória Szabó" userId="S::viktoria22000@student.hamk.fi::55ff7ae3-70d3-4f82-942e-28ce8109f0e2" providerId="AD" clId="Web-{6E52E18D-70C0-C0CD-E9D5-B6670395D0A7}"/>
     <pc:docChg chg="modSld">
       <pc:chgData name="Viktória Szabó" userId="S::viktoria22000@student.hamk.fi::55ff7ae3-70d3-4f82-942e-28ce8109f0e2" providerId="AD" clId="Web-{6E52E18D-70C0-C0CD-E9D5-B6670395D0A7}" dt="2023-09-27T10:30:17.758" v="30" actId="20577"/>
@@ -1732,475 +2217,26 @@
     </pc:docChg>
   </pc:docChgLst>
   <pc:docChgLst>
-    <pc:chgData name="Viktória Szabó" userId="S::viktoria22000@student.hamk.fi::55ff7ae3-70d3-4f82-942e-28ce8109f0e2" providerId="AD" clId="Web-{99DD3772-D7DA-ACAF-C41D-2125D048CA4C}"/>
-    <pc:docChg chg="addSld modSld">
-      <pc:chgData name="Viktória Szabó" userId="S::viktoria22000@student.hamk.fi::55ff7ae3-70d3-4f82-942e-28ce8109f0e2" providerId="AD" clId="Web-{99DD3772-D7DA-ACAF-C41D-2125D048CA4C}" dt="2023-09-26T10:46:12.597" v="684" actId="20577"/>
+    <pc:chgData name="Viktória Szabó" userId="S::viktoria22000@student.hamk.fi::55ff7ae3-70d3-4f82-942e-28ce8109f0e2" providerId="AD" clId="Web-{2FDE26DA-918B-C5FD-BEDC-B05DF466947D}"/>
+    <pc:docChg chg="modSld">
+      <pc:chgData name="Viktória Szabó" userId="S::viktoria22000@student.hamk.fi::55ff7ae3-70d3-4f82-942e-28ce8109f0e2" providerId="AD" clId="Web-{2FDE26DA-918B-C5FD-BEDC-B05DF466947D}" dt="2023-09-27T10:08:32.022" v="232" actId="20577"/>
       <pc:docMkLst>
         <pc:docMk/>
       </pc:docMkLst>
       <pc:sldChg chg="modSp">
-        <pc:chgData name="Viktória Szabó" userId="S::viktoria22000@student.hamk.fi::55ff7ae3-70d3-4f82-942e-28ce8109f0e2" providerId="AD" clId="Web-{99DD3772-D7DA-ACAF-C41D-2125D048CA4C}" dt="2023-09-26T10:41:09.971" v="450" actId="1076"/>
+        <pc:chgData name="Viktória Szabó" userId="S::viktoria22000@student.hamk.fi::55ff7ae3-70d3-4f82-942e-28ce8109f0e2" providerId="AD" clId="Web-{2FDE26DA-918B-C5FD-BEDC-B05DF466947D}" dt="2023-09-27T10:08:32.022" v="232" actId="20577"/>
         <pc:sldMkLst>
           <pc:docMk/>
-          <pc:sldMk cId="4059361716" sldId="256"/>
+          <pc:sldMk cId="3751505815" sldId="269"/>
         </pc:sldMkLst>
         <pc:spChg chg="mod">
-          <ac:chgData name="Viktória Szabó" userId="S::viktoria22000@student.hamk.fi::55ff7ae3-70d3-4f82-942e-28ce8109f0e2" providerId="AD" clId="Web-{99DD3772-D7DA-ACAF-C41D-2125D048CA4C}" dt="2023-09-26T10:40:47.721" v="446" actId="20577"/>
-          <ac:spMkLst>
-            <pc:docMk/>
-            <pc:sldMk cId="4059361716" sldId="256"/>
-            <ac:spMk id="2" creationId="{FB1621ED-E470-38C9-3C00-E64A512B7968}"/>
-          </ac:spMkLst>
-        </pc:spChg>
-        <pc:spChg chg="mod">
-          <ac:chgData name="Viktória Szabó" userId="S::viktoria22000@student.hamk.fi::55ff7ae3-70d3-4f82-942e-28ce8109f0e2" providerId="AD" clId="Web-{99DD3772-D7DA-ACAF-C41D-2125D048CA4C}" dt="2023-09-26T10:41:09.971" v="450" actId="1076"/>
-          <ac:spMkLst>
-            <pc:docMk/>
-            <pc:sldMk cId="4059361716" sldId="256"/>
-            <ac:spMk id="3" creationId="{A1373B98-8ED3-37B9-5EB5-687324157D0A}"/>
-          </ac:spMkLst>
-        </pc:spChg>
-      </pc:sldChg>
-      <pc:sldChg chg="addSp modSp mod setBg">
-        <pc:chgData name="Viktória Szabó" userId="S::viktoria22000@student.hamk.fi::55ff7ae3-70d3-4f82-942e-28ce8109f0e2" providerId="AD" clId="Web-{99DD3772-D7DA-ACAF-C41D-2125D048CA4C}" dt="2023-09-26T10:46:12.597" v="684" actId="20577"/>
-        <pc:sldMkLst>
-          <pc:docMk/>
-          <pc:sldMk cId="1499829321" sldId="257"/>
-        </pc:sldMkLst>
-        <pc:spChg chg="mod">
-          <ac:chgData name="Viktória Szabó" userId="S::viktoria22000@student.hamk.fi::55ff7ae3-70d3-4f82-942e-28ce8109f0e2" providerId="AD" clId="Web-{99DD3772-D7DA-ACAF-C41D-2125D048CA4C}" dt="2023-09-26T10:44:18.987" v="658"/>
-          <ac:spMkLst>
-            <pc:docMk/>
-            <pc:sldMk cId="1499829321" sldId="257"/>
-            <ac:spMk id="2" creationId="{6E7FAB23-3BBF-1A08-4ADC-40F67AE0A9F3}"/>
-          </ac:spMkLst>
-        </pc:spChg>
-        <pc:spChg chg="mod">
-          <ac:chgData name="Viktória Szabó" userId="S::viktoria22000@student.hamk.fi::55ff7ae3-70d3-4f82-942e-28ce8109f0e2" providerId="AD" clId="Web-{99DD3772-D7DA-ACAF-C41D-2125D048CA4C}" dt="2023-09-26T10:46:12.597" v="684" actId="20577"/>
-          <ac:spMkLst>
-            <pc:docMk/>
-            <pc:sldMk cId="1499829321" sldId="257"/>
-            <ac:spMk id="3" creationId="{27880FD4-D46A-B9D5-23AC-6C0D8D9629D2}"/>
-          </ac:spMkLst>
-        </pc:spChg>
-        <pc:spChg chg="add">
-          <ac:chgData name="Viktória Szabó" userId="S::viktoria22000@student.hamk.fi::55ff7ae3-70d3-4f82-942e-28ce8109f0e2" providerId="AD" clId="Web-{99DD3772-D7DA-ACAF-C41D-2125D048CA4C}" dt="2023-09-26T10:44:18.987" v="658"/>
-          <ac:spMkLst>
-            <pc:docMk/>
-            <pc:sldMk cId="1499829321" sldId="257"/>
-            <ac:spMk id="8" creationId="{8651CFA9-6065-4243-AC48-858E359780B1}"/>
-          </ac:spMkLst>
-        </pc:spChg>
-        <pc:spChg chg="add">
-          <ac:chgData name="Viktória Szabó" userId="S::viktoria22000@student.hamk.fi::55ff7ae3-70d3-4f82-942e-28ce8109f0e2" providerId="AD" clId="Web-{99DD3772-D7DA-ACAF-C41D-2125D048CA4C}" dt="2023-09-26T10:44:18.987" v="658"/>
-          <ac:spMkLst>
-            <pc:docMk/>
-            <pc:sldMk cId="1499829321" sldId="257"/>
-            <ac:spMk id="10" creationId="{7462BFBC-0E19-4E6F-B0C7-CD5C519BC311}"/>
-          </ac:spMkLst>
-        </pc:spChg>
-        <pc:spChg chg="add">
-          <ac:chgData name="Viktória Szabó" userId="S::viktoria22000@student.hamk.fi::55ff7ae3-70d3-4f82-942e-28ce8109f0e2" providerId="AD" clId="Web-{99DD3772-D7DA-ACAF-C41D-2125D048CA4C}" dt="2023-09-26T10:44:18.987" v="658"/>
-          <ac:spMkLst>
-            <pc:docMk/>
-            <pc:sldMk cId="1499829321" sldId="257"/>
-            <ac:spMk id="16" creationId="{D813CD98-5EBE-426D-A4AC-FA5518B099DE}"/>
-          </ac:spMkLst>
-        </pc:spChg>
-        <pc:spChg chg="add">
-          <ac:chgData name="Viktória Szabó" userId="S::viktoria22000@student.hamk.fi::55ff7ae3-70d3-4f82-942e-28ce8109f0e2" providerId="AD" clId="Web-{99DD3772-D7DA-ACAF-C41D-2125D048CA4C}" dt="2023-09-26T10:44:18.987" v="658"/>
-          <ac:spMkLst>
-            <pc:docMk/>
-            <pc:sldMk cId="1499829321" sldId="257"/>
-            <ac:spMk id="18" creationId="{B453545A-B2D3-41EE-A91C-DBF43402DD43}"/>
-          </ac:spMkLst>
-        </pc:spChg>
-        <pc:grpChg chg="add">
-          <ac:chgData name="Viktória Szabó" userId="S::viktoria22000@student.hamk.fi::55ff7ae3-70d3-4f82-942e-28ce8109f0e2" providerId="AD" clId="Web-{99DD3772-D7DA-ACAF-C41D-2125D048CA4C}" dt="2023-09-26T10:44:18.987" v="658"/>
-          <ac:grpSpMkLst>
-            <pc:docMk/>
-            <pc:sldMk cId="1499829321" sldId="257"/>
-            <ac:grpSpMk id="12" creationId="{F2C2A007-4AE9-49C4-B364-5FDF34596224}"/>
-          </ac:grpSpMkLst>
-        </pc:grpChg>
-      </pc:sldChg>
-      <pc:sldChg chg="addSp modSp">
-        <pc:chgData name="Viktória Szabó" userId="S::viktoria22000@student.hamk.fi::55ff7ae3-70d3-4f82-942e-28ce8109f0e2" providerId="AD" clId="Web-{99DD3772-D7DA-ACAF-C41D-2125D048CA4C}" dt="2023-09-26T10:46:04.019" v="682" actId="20577"/>
-        <pc:sldMkLst>
-          <pc:docMk/>
-          <pc:sldMk cId="723807988" sldId="262"/>
-        </pc:sldMkLst>
-        <pc:spChg chg="mod">
-          <ac:chgData name="Viktória Szabó" userId="S::viktoria22000@student.hamk.fi::55ff7ae3-70d3-4f82-942e-28ce8109f0e2" providerId="AD" clId="Web-{99DD3772-D7DA-ACAF-C41D-2125D048CA4C}" dt="2023-09-26T10:46:04.019" v="682" actId="20577"/>
-          <ac:spMkLst>
-            <pc:docMk/>
-            <pc:sldMk cId="723807988" sldId="262"/>
-            <ac:spMk id="2" creationId="{E9FCD3FF-F45B-8D90-0C9A-8B9444056B35}"/>
-          </ac:spMkLst>
-        </pc:spChg>
-        <pc:spChg chg="mod">
-          <ac:chgData name="Viktória Szabó" userId="S::viktoria22000@student.hamk.fi::55ff7ae3-70d3-4f82-942e-28ce8109f0e2" providerId="AD" clId="Web-{99DD3772-D7DA-ACAF-C41D-2125D048CA4C}" dt="2023-09-26T10:45:39.847" v="675" actId="20577"/>
-          <ac:spMkLst>
-            <pc:docMk/>
-            <pc:sldMk cId="723807988" sldId="262"/>
-            <ac:spMk id="3" creationId="{F7903209-7B69-F2CF-7AFD-F8DAB8DE1B72}"/>
-          </ac:spMkLst>
-        </pc:spChg>
-        <pc:picChg chg="add mod">
-          <ac:chgData name="Viktória Szabó" userId="S::viktoria22000@student.hamk.fi::55ff7ae3-70d3-4f82-942e-28ce8109f0e2" providerId="AD" clId="Web-{99DD3772-D7DA-ACAF-C41D-2125D048CA4C}" dt="2023-09-26T10:30:49.923" v="42" actId="1076"/>
-          <ac:picMkLst>
-            <pc:docMk/>
-            <pc:sldMk cId="723807988" sldId="262"/>
-            <ac:picMk id="4" creationId="{93560767-ED00-007D-38F6-FA4111FC431C}"/>
-          </ac:picMkLst>
-        </pc:picChg>
-        <pc:picChg chg="add mod">
-          <ac:chgData name="Viktória Szabó" userId="S::viktoria22000@student.hamk.fi::55ff7ae3-70d3-4f82-942e-28ce8109f0e2" providerId="AD" clId="Web-{99DD3772-D7DA-ACAF-C41D-2125D048CA4C}" dt="2023-09-26T10:30:47.330" v="39" actId="1076"/>
-          <ac:picMkLst>
-            <pc:docMk/>
-            <pc:sldMk cId="723807988" sldId="262"/>
-            <ac:picMk id="5" creationId="{6147C8E2-A9FF-BF4C-8D74-AB061E226477}"/>
-          </ac:picMkLst>
-        </pc:picChg>
-      </pc:sldChg>
-      <pc:sldChg chg="addSp delSp modSp mod setBg modClrScheme addAnim delAnim chgLayout">
-        <pc:chgData name="Viktória Szabó" userId="S::viktoria22000@student.hamk.fi::55ff7ae3-70d3-4f82-942e-28ce8109f0e2" providerId="AD" clId="Web-{99DD3772-D7DA-ACAF-C41D-2125D048CA4C}" dt="2023-09-26T10:40:38.549" v="440" actId="20577"/>
-        <pc:sldMkLst>
-          <pc:docMk/>
-          <pc:sldMk cId="2129731390" sldId="263"/>
-        </pc:sldMkLst>
-        <pc:spChg chg="mod ord">
-          <ac:chgData name="Viktória Szabó" userId="S::viktoria22000@student.hamk.fi::55ff7ae3-70d3-4f82-942e-28ce8109f0e2" providerId="AD" clId="Web-{99DD3772-D7DA-ACAF-C41D-2125D048CA4C}" dt="2023-09-26T10:40:38.549" v="440" actId="20577"/>
-          <ac:spMkLst>
-            <pc:docMk/>
-            <pc:sldMk cId="2129731390" sldId="263"/>
-            <ac:spMk id="2" creationId="{D35C279A-F607-F2FC-CE91-DEE49601EC63}"/>
-          </ac:spMkLst>
-        </pc:spChg>
-        <pc:spChg chg="mod ord">
-          <ac:chgData name="Viktória Szabó" userId="S::viktoria22000@student.hamk.fi::55ff7ae3-70d3-4f82-942e-28ce8109f0e2" providerId="AD" clId="Web-{99DD3772-D7DA-ACAF-C41D-2125D048CA4C}" dt="2023-09-26T10:40:35.331" v="437"/>
-          <ac:spMkLst>
-            <pc:docMk/>
-            <pc:sldMk cId="2129731390" sldId="263"/>
-            <ac:spMk id="3" creationId="{1FBB4542-7416-E7B0-5988-8C7D2AFB8EA8}"/>
-          </ac:spMkLst>
-        </pc:spChg>
-        <pc:spChg chg="add del">
-          <ac:chgData name="Viktória Szabó" userId="S::viktoria22000@student.hamk.fi::55ff7ae3-70d3-4f82-942e-28ce8109f0e2" providerId="AD" clId="Web-{99DD3772-D7DA-ACAF-C41D-2125D048CA4C}" dt="2023-09-26T10:40:35.331" v="437"/>
-          <ac:spMkLst>
-            <pc:docMk/>
-            <pc:sldMk cId="2129731390" sldId="263"/>
-            <ac:spMk id="8" creationId="{DE61FBD7-E37C-4B38-BE44-A6D4978D7486}"/>
-          </ac:spMkLst>
-        </pc:spChg>
-        <pc:spChg chg="add del">
-          <ac:chgData name="Viktória Szabó" userId="S::viktoria22000@student.hamk.fi::55ff7ae3-70d3-4f82-942e-28ce8109f0e2" providerId="AD" clId="Web-{99DD3772-D7DA-ACAF-C41D-2125D048CA4C}" dt="2023-09-26T10:40:35.331" v="437"/>
-          <ac:spMkLst>
-            <pc:docMk/>
-            <pc:sldMk cId="2129731390" sldId="263"/>
-            <ac:spMk id="10" creationId="{823772C2-0911-45A0-B7B6-D811380C75AC}"/>
-          </ac:spMkLst>
-        </pc:spChg>
-        <pc:grpChg chg="add del">
-          <ac:chgData name="Viktória Szabó" userId="S::viktoria22000@student.hamk.fi::55ff7ae3-70d3-4f82-942e-28ce8109f0e2" providerId="AD" clId="Web-{99DD3772-D7DA-ACAF-C41D-2125D048CA4C}" dt="2023-09-26T10:40:35.331" v="437"/>
-          <ac:grpSpMkLst>
-            <pc:docMk/>
-            <pc:sldMk cId="2129731390" sldId="263"/>
-            <ac:grpSpMk id="12" creationId="{53A6A32E-D196-4536-A9E8-56D5BB884FCA}"/>
-          </ac:grpSpMkLst>
-        </pc:grpChg>
-      </pc:sldChg>
-      <pc:sldChg chg="addSp delSp modSp">
-        <pc:chgData name="Viktória Szabó" userId="S::viktoria22000@student.hamk.fi::55ff7ae3-70d3-4f82-942e-28ce8109f0e2" providerId="AD" clId="Web-{99DD3772-D7DA-ACAF-C41D-2125D048CA4C}" dt="2023-09-26T10:45:55.987" v="679" actId="20577"/>
-        <pc:sldMkLst>
-          <pc:docMk/>
-          <pc:sldMk cId="435654270" sldId="265"/>
-        </pc:sldMkLst>
-        <pc:spChg chg="mod">
-          <ac:chgData name="Viktória Szabó" userId="S::viktoria22000@student.hamk.fi::55ff7ae3-70d3-4f82-942e-28ce8109f0e2" providerId="AD" clId="Web-{99DD3772-D7DA-ACAF-C41D-2125D048CA4C}" dt="2023-09-26T10:45:55.987" v="679" actId="20577"/>
-          <ac:spMkLst>
-            <pc:docMk/>
-            <pc:sldMk cId="435654270" sldId="265"/>
-            <ac:spMk id="2" creationId="{C467D37A-286A-5967-A2D3-A3CB3B01E5C0}"/>
-          </ac:spMkLst>
-        </pc:spChg>
-        <pc:spChg chg="mod">
-          <ac:chgData name="Viktória Szabó" userId="S::viktoria22000@student.hamk.fi::55ff7ae3-70d3-4f82-942e-28ce8109f0e2" providerId="AD" clId="Web-{99DD3772-D7DA-ACAF-C41D-2125D048CA4C}" dt="2023-09-26T10:45:44.784" v="677" actId="20577"/>
-          <ac:spMkLst>
-            <pc:docMk/>
-            <pc:sldMk cId="435654270" sldId="265"/>
-            <ac:spMk id="3" creationId="{7F2E4967-6631-E036-3C10-AB476F921C5F}"/>
-          </ac:spMkLst>
-        </pc:spChg>
-        <pc:picChg chg="add del mod">
-          <ac:chgData name="Viktória Szabó" userId="S::viktoria22000@student.hamk.fi::55ff7ae3-70d3-4f82-942e-28ce8109f0e2" providerId="AD" clId="Web-{99DD3772-D7DA-ACAF-C41D-2125D048CA4C}" dt="2023-09-26T10:29:48.470" v="14"/>
-          <ac:picMkLst>
-            <pc:docMk/>
-            <pc:sldMk cId="435654270" sldId="265"/>
-            <ac:picMk id="4" creationId="{8BE72F5C-83A2-3231-A9E6-18AE4085838E}"/>
-          </ac:picMkLst>
-        </pc:picChg>
-        <pc:picChg chg="add mod">
-          <ac:chgData name="Viktória Szabó" userId="S::viktoria22000@student.hamk.fi::55ff7ae3-70d3-4f82-942e-28ce8109f0e2" providerId="AD" clId="Web-{99DD3772-D7DA-ACAF-C41D-2125D048CA4C}" dt="2023-09-26T10:30:08.236" v="24" actId="1076"/>
-          <ac:picMkLst>
-            <pc:docMk/>
-            <pc:sldMk cId="435654270" sldId="265"/>
-            <ac:picMk id="5" creationId="{3746FFB8-CB00-DA0E-CC83-3F8B80704B55}"/>
-          </ac:picMkLst>
-        </pc:picChg>
-        <pc:picChg chg="add mod">
-          <ac:chgData name="Viktória Szabó" userId="S::viktoria22000@student.hamk.fi::55ff7ae3-70d3-4f82-942e-28ce8109f0e2" providerId="AD" clId="Web-{99DD3772-D7DA-ACAF-C41D-2125D048CA4C}" dt="2023-09-26T10:30:08.986" v="25" actId="1076"/>
-          <ac:picMkLst>
-            <pc:docMk/>
-            <pc:sldMk cId="435654270" sldId="265"/>
-            <ac:picMk id="6" creationId="{F2B7F44B-D5B4-17C7-5D2E-B87E3E17631B}"/>
-          </ac:picMkLst>
-        </pc:picChg>
-      </pc:sldChg>
-      <pc:sldChg chg="addSp delSp modSp new mod setBg">
-        <pc:chgData name="Viktória Szabó" userId="S::viktoria22000@student.hamk.fi::55ff7ae3-70d3-4f82-942e-28ce8109f0e2" providerId="AD" clId="Web-{99DD3772-D7DA-ACAF-C41D-2125D048CA4C}" dt="2023-09-26T10:38:53.596" v="342" actId="20577"/>
-        <pc:sldMkLst>
-          <pc:docMk/>
-          <pc:sldMk cId="3124489379" sldId="266"/>
-        </pc:sldMkLst>
-        <pc:spChg chg="mod">
-          <ac:chgData name="Viktória Szabó" userId="S::viktoria22000@student.hamk.fi::55ff7ae3-70d3-4f82-942e-28ce8109f0e2" providerId="AD" clId="Web-{99DD3772-D7DA-ACAF-C41D-2125D048CA4C}" dt="2023-09-26T10:38:27.143" v="331" actId="14100"/>
-          <ac:spMkLst>
-            <pc:docMk/>
-            <pc:sldMk cId="3124489379" sldId="266"/>
-            <ac:spMk id="2" creationId="{5A78A3DA-970E-9077-A1C4-CA9DCFC7D8B1}"/>
-          </ac:spMkLst>
-        </pc:spChg>
-        <pc:spChg chg="del mod">
-          <ac:chgData name="Viktória Szabó" userId="S::viktoria22000@student.hamk.fi::55ff7ae3-70d3-4f82-942e-28ce8109f0e2" providerId="AD" clId="Web-{99DD3772-D7DA-ACAF-C41D-2125D048CA4C}" dt="2023-09-26T10:33:59.189" v="157"/>
-          <ac:spMkLst>
-            <pc:docMk/>
-            <pc:sldMk cId="3124489379" sldId="266"/>
-            <ac:spMk id="3" creationId="{4281A879-1BFE-2B9D-DCF9-C30DD0B20DA9}"/>
-          </ac:spMkLst>
-        </pc:spChg>
-        <pc:spChg chg="add del mod">
-          <ac:chgData name="Viktória Szabó" userId="S::viktoria22000@student.hamk.fi::55ff7ae3-70d3-4f82-942e-28ce8109f0e2" providerId="AD" clId="Web-{99DD3772-D7DA-ACAF-C41D-2125D048CA4C}" dt="2023-09-26T10:34:25.580" v="164"/>
-          <ac:spMkLst>
-            <pc:docMk/>
-            <pc:sldMk cId="3124489379" sldId="266"/>
-            <ac:spMk id="6" creationId="{D1BA41D9-85B3-2BCE-7BAD-563E9B67B612}"/>
-          </ac:spMkLst>
-        </pc:spChg>
-        <pc:spChg chg="add mod">
-          <ac:chgData name="Viktória Szabó" userId="S::viktoria22000@student.hamk.fi::55ff7ae3-70d3-4f82-942e-28ce8109f0e2" providerId="AD" clId="Web-{99DD3772-D7DA-ACAF-C41D-2125D048CA4C}" dt="2023-09-26T10:38:53.596" v="342" actId="20577"/>
-          <ac:spMkLst>
-            <pc:docMk/>
-            <pc:sldMk cId="3124489379" sldId="266"/>
-            <ac:spMk id="8" creationId="{8A5A1EB3-A69E-9C30-F146-0A35F818E211}"/>
-          </ac:spMkLst>
-        </pc:spChg>
-        <pc:spChg chg="add del mod">
-          <ac:chgData name="Viktória Szabó" userId="S::viktoria22000@student.hamk.fi::55ff7ae3-70d3-4f82-942e-28ce8109f0e2" providerId="AD" clId="Web-{99DD3772-D7DA-ACAF-C41D-2125D048CA4C}" dt="2023-09-26T10:36:06.049" v="197"/>
-          <ac:spMkLst>
-            <pc:docMk/>
-            <pc:sldMk cId="3124489379" sldId="266"/>
-            <ac:spMk id="10" creationId="{4B3DFF6C-0CD4-14E2-1AF2-08FBD165385D}"/>
-          </ac:spMkLst>
-        </pc:spChg>
-        <pc:spChg chg="add del mod">
-          <ac:chgData name="Viktória Szabó" userId="S::viktoria22000@student.hamk.fi::55ff7ae3-70d3-4f82-942e-28ce8109f0e2" providerId="AD" clId="Web-{99DD3772-D7DA-ACAF-C41D-2125D048CA4C}" dt="2023-09-26T10:37:03.987" v="251"/>
-          <ac:spMkLst>
-            <pc:docMk/>
-            <pc:sldMk cId="3124489379" sldId="266"/>
-            <ac:spMk id="13" creationId="{1612404F-C7EC-5F64-DBD7-1B4C037A66D6}"/>
-          </ac:spMkLst>
-        </pc:spChg>
-        <pc:spChg chg="add del">
-          <ac:chgData name="Viktória Szabó" userId="S::viktoria22000@student.hamk.fi::55ff7ae3-70d3-4f82-942e-28ce8109f0e2" providerId="AD" clId="Web-{99DD3772-D7DA-ACAF-C41D-2125D048CA4C}" dt="2023-09-26T10:37:07.955" v="252"/>
-          <ac:spMkLst>
-            <pc:docMk/>
-            <pc:sldMk cId="3124489379" sldId="266"/>
-            <ac:spMk id="16" creationId="{A4FB2F27-3F7D-440E-A905-86607A926A29}"/>
-          </ac:spMkLst>
-        </pc:spChg>
-        <pc:spChg chg="add del">
-          <ac:chgData name="Viktória Szabó" userId="S::viktoria22000@student.hamk.fi::55ff7ae3-70d3-4f82-942e-28ce8109f0e2" providerId="AD" clId="Web-{99DD3772-D7DA-ACAF-C41D-2125D048CA4C}" dt="2023-09-26T10:37:07.955" v="252"/>
-          <ac:spMkLst>
-            <pc:docMk/>
-            <pc:sldMk cId="3124489379" sldId="266"/>
-            <ac:spMk id="18" creationId="{AF678C14-A033-4139-BCA9-8382B039648B}"/>
-          </ac:spMkLst>
-        </pc:spChg>
-        <pc:spChg chg="add">
-          <ac:chgData name="Viktória Szabó" userId="S::viktoria22000@student.hamk.fi::55ff7ae3-70d3-4f82-942e-28ce8109f0e2" providerId="AD" clId="Web-{99DD3772-D7DA-ACAF-C41D-2125D048CA4C}" dt="2023-09-26T10:37:07.955" v="252"/>
-          <ac:spMkLst>
-            <pc:docMk/>
-            <pc:sldMk cId="3124489379" sldId="266"/>
-            <ac:spMk id="27" creationId="{A4FB2F27-3F7D-440E-A905-86607A926A29}"/>
-          </ac:spMkLst>
-        </pc:spChg>
-        <pc:spChg chg="add">
-          <ac:chgData name="Viktória Szabó" userId="S::viktoria22000@student.hamk.fi::55ff7ae3-70d3-4f82-942e-28ce8109f0e2" providerId="AD" clId="Web-{99DD3772-D7DA-ACAF-C41D-2125D048CA4C}" dt="2023-09-26T10:37:07.955" v="252"/>
-          <ac:spMkLst>
-            <pc:docMk/>
-            <pc:sldMk cId="3124489379" sldId="266"/>
-            <ac:spMk id="29" creationId="{AF678C14-A033-4139-BCA9-8382B039648B}"/>
-          </ac:spMkLst>
-        </pc:spChg>
-        <pc:grpChg chg="add del">
-          <ac:chgData name="Viktória Szabó" userId="S::viktoria22000@student.hamk.fi::55ff7ae3-70d3-4f82-942e-28ce8109f0e2" providerId="AD" clId="Web-{99DD3772-D7DA-ACAF-C41D-2125D048CA4C}" dt="2023-09-26T10:37:07.955" v="252"/>
-          <ac:grpSpMkLst>
-            <pc:docMk/>
-            <pc:sldMk cId="3124489379" sldId="266"/>
-            <ac:grpSpMk id="20" creationId="{14763DA8-CE3A-4B30-B2F5-0D128777F742}"/>
-          </ac:grpSpMkLst>
-        </pc:grpChg>
-        <pc:grpChg chg="add">
-          <ac:chgData name="Viktória Szabó" userId="S::viktoria22000@student.hamk.fi::55ff7ae3-70d3-4f82-942e-28ce8109f0e2" providerId="AD" clId="Web-{99DD3772-D7DA-ACAF-C41D-2125D048CA4C}" dt="2023-09-26T10:37:07.955" v="252"/>
-          <ac:grpSpMkLst>
-            <pc:docMk/>
-            <pc:sldMk cId="3124489379" sldId="266"/>
-            <ac:grpSpMk id="31" creationId="{14763DA8-CE3A-4B30-B2F5-0D128777F742}"/>
-          </ac:grpSpMkLst>
-        </pc:grpChg>
-        <pc:picChg chg="add del mod ord">
-          <ac:chgData name="Viktória Szabó" userId="S::viktoria22000@student.hamk.fi::55ff7ae3-70d3-4f82-942e-28ce8109f0e2" providerId="AD" clId="Web-{99DD3772-D7DA-ACAF-C41D-2125D048CA4C}" dt="2023-09-26T10:34:08.814" v="163"/>
-          <ac:picMkLst>
-            <pc:docMk/>
-            <pc:sldMk cId="3124489379" sldId="266"/>
-            <ac:picMk id="4" creationId="{B593B090-7674-1DB8-1F95-BAD21059DCD5}"/>
-          </ac:picMkLst>
-        </pc:picChg>
-        <pc:picChg chg="add del mod ord">
-          <ac:chgData name="Viktória Szabó" userId="S::viktoria22000@student.hamk.fi::55ff7ae3-70d3-4f82-942e-28ce8109f0e2" providerId="AD" clId="Web-{99DD3772-D7DA-ACAF-C41D-2125D048CA4C}" dt="2023-09-26T10:35:57.752" v="196"/>
-          <ac:picMkLst>
-            <pc:docMk/>
-            <pc:sldMk cId="3124489379" sldId="266"/>
-            <ac:picMk id="7" creationId="{8433EB4E-D398-DB6F-DA21-84FBD156D770}"/>
-          </ac:picMkLst>
-        </pc:picChg>
-        <pc:picChg chg="add del mod ord">
-          <ac:chgData name="Viktória Szabó" userId="S::viktoria22000@student.hamk.fi::55ff7ae3-70d3-4f82-942e-28ce8109f0e2" providerId="AD" clId="Web-{99DD3772-D7DA-ACAF-C41D-2125D048CA4C}" dt="2023-09-26T10:36:58.737" v="250"/>
-          <ac:picMkLst>
-            <pc:docMk/>
-            <pc:sldMk cId="3124489379" sldId="266"/>
-            <ac:picMk id="11" creationId="{AFDD4BE1-2151-DB20-AAD9-711A905EE7CF}"/>
-          </ac:picMkLst>
-        </pc:picChg>
-        <pc:picChg chg="add mod ord">
-          <ac:chgData name="Viktória Szabó" userId="S::viktoria22000@student.hamk.fi::55ff7ae3-70d3-4f82-942e-28ce8109f0e2" providerId="AD" clId="Web-{99DD3772-D7DA-ACAF-C41D-2125D048CA4C}" dt="2023-09-26T10:38:34.143" v="335" actId="1076"/>
-          <ac:picMkLst>
-            <pc:docMk/>
-            <pc:sldMk cId="3124489379" sldId="266"/>
-            <ac:picMk id="14" creationId="{A1D47B57-A6BA-7DE0-5AB6-9C7DD840B542}"/>
-          </ac:picMkLst>
-        </pc:picChg>
-      </pc:sldChg>
-      <pc:sldChg chg="addSp modSp new mod setBg modClrScheme chgLayout">
-        <pc:chgData name="Viktória Szabó" userId="S::viktoria22000@student.hamk.fi::55ff7ae3-70d3-4f82-942e-28ce8109f0e2" providerId="AD" clId="Web-{99DD3772-D7DA-ACAF-C41D-2125D048CA4C}" dt="2023-09-26T10:40:43.440" v="442" actId="20577"/>
-        <pc:sldMkLst>
-          <pc:docMk/>
-          <pc:sldMk cId="1072539886" sldId="267"/>
-        </pc:sldMkLst>
-        <pc:spChg chg="mod ord">
-          <ac:chgData name="Viktória Szabó" userId="S::viktoria22000@student.hamk.fi::55ff7ae3-70d3-4f82-942e-28ce8109f0e2" providerId="AD" clId="Web-{99DD3772-D7DA-ACAF-C41D-2125D048CA4C}" dt="2023-09-26T10:40:43.440" v="442" actId="20577"/>
-          <ac:spMkLst>
-            <pc:docMk/>
-            <pc:sldMk cId="1072539886" sldId="267"/>
-            <ac:spMk id="2" creationId="{A378FD55-E9A7-E9D0-7B36-80A46C94A82A}"/>
-          </ac:spMkLst>
-        </pc:spChg>
-        <pc:spChg chg="mod ord">
-          <ac:chgData name="Viktória Szabó" userId="S::viktoria22000@student.hamk.fi::55ff7ae3-70d3-4f82-942e-28ce8109f0e2" providerId="AD" clId="Web-{99DD3772-D7DA-ACAF-C41D-2125D048CA4C}" dt="2023-09-26T10:39:26.221" v="376"/>
-          <ac:spMkLst>
-            <pc:docMk/>
-            <pc:sldMk cId="1072539886" sldId="267"/>
-            <ac:spMk id="3" creationId="{C167499C-17E5-A7E0-2485-CF328CAC9FE9}"/>
-          </ac:spMkLst>
-        </pc:spChg>
-        <pc:spChg chg="add">
-          <ac:chgData name="Viktória Szabó" userId="S::viktoria22000@student.hamk.fi::55ff7ae3-70d3-4f82-942e-28ce8109f0e2" providerId="AD" clId="Web-{99DD3772-D7DA-ACAF-C41D-2125D048CA4C}" dt="2023-09-26T10:39:26.221" v="376"/>
-          <ac:spMkLst>
-            <pc:docMk/>
-            <pc:sldMk cId="1072539886" sldId="267"/>
-            <ac:spMk id="8" creationId="{DE61FBD7-E37C-4B38-BE44-A6D4978D7486}"/>
-          </ac:spMkLst>
-        </pc:spChg>
-        <pc:spChg chg="add">
-          <ac:chgData name="Viktória Szabó" userId="S::viktoria22000@student.hamk.fi::55ff7ae3-70d3-4f82-942e-28ce8109f0e2" providerId="AD" clId="Web-{99DD3772-D7DA-ACAF-C41D-2125D048CA4C}" dt="2023-09-26T10:39:26.221" v="376"/>
-          <ac:spMkLst>
-            <pc:docMk/>
-            <pc:sldMk cId="1072539886" sldId="267"/>
-            <ac:spMk id="10" creationId="{823772C2-0911-45A0-B7B6-D811380C75AC}"/>
-          </ac:spMkLst>
-        </pc:spChg>
-        <pc:grpChg chg="add">
-          <ac:chgData name="Viktória Szabó" userId="S::viktoria22000@student.hamk.fi::55ff7ae3-70d3-4f82-942e-28ce8109f0e2" providerId="AD" clId="Web-{99DD3772-D7DA-ACAF-C41D-2125D048CA4C}" dt="2023-09-26T10:39:26.221" v="376"/>
-          <ac:grpSpMkLst>
-            <pc:docMk/>
-            <pc:sldMk cId="1072539886" sldId="267"/>
-            <ac:grpSpMk id="12" creationId="{53A6A32E-D196-4536-A9E8-56D5BB884FCA}"/>
-          </ac:grpSpMkLst>
-        </pc:grpChg>
-      </pc:sldChg>
-      <pc:sldChg chg="addSp modSp new mod setBg">
-        <pc:chgData name="Viktória Szabó" userId="S::viktoria22000@student.hamk.fi::55ff7ae3-70d3-4f82-942e-28ce8109f0e2" providerId="AD" clId="Web-{99DD3772-D7DA-ACAF-C41D-2125D048CA4C}" dt="2023-09-26T10:44:11.831" v="657"/>
-        <pc:sldMkLst>
-          <pc:docMk/>
-          <pc:sldMk cId="3257955536" sldId="268"/>
-        </pc:sldMkLst>
-        <pc:spChg chg="mod">
-          <ac:chgData name="Viktória Szabó" userId="S::viktoria22000@student.hamk.fi::55ff7ae3-70d3-4f82-942e-28ce8109f0e2" providerId="AD" clId="Web-{99DD3772-D7DA-ACAF-C41D-2125D048CA4C}" dt="2023-09-26T10:44:11.831" v="657"/>
-          <ac:spMkLst>
-            <pc:docMk/>
-            <pc:sldMk cId="3257955536" sldId="268"/>
-            <ac:spMk id="2" creationId="{280DD61B-22A7-3D58-A0ED-2C2AFB5E9234}"/>
-          </ac:spMkLst>
-        </pc:spChg>
-        <pc:spChg chg="mod">
-          <ac:chgData name="Viktória Szabó" userId="S::viktoria22000@student.hamk.fi::55ff7ae3-70d3-4f82-942e-28ce8109f0e2" providerId="AD" clId="Web-{99DD3772-D7DA-ACAF-C41D-2125D048CA4C}" dt="2023-09-26T10:44:11.831" v="657"/>
-          <ac:spMkLst>
-            <pc:docMk/>
-            <pc:sldMk cId="3257955536" sldId="268"/>
-            <ac:spMk id="3" creationId="{40D137FA-18A4-4E72-3B1A-E45AE21D012B}"/>
-          </ac:spMkLst>
-        </pc:spChg>
-        <pc:spChg chg="add">
-          <ac:chgData name="Viktória Szabó" userId="S::viktoria22000@student.hamk.fi::55ff7ae3-70d3-4f82-942e-28ce8109f0e2" providerId="AD" clId="Web-{99DD3772-D7DA-ACAF-C41D-2125D048CA4C}" dt="2023-09-26T10:44:11.831" v="657"/>
-          <ac:spMkLst>
-            <pc:docMk/>
-            <pc:sldMk cId="3257955536" sldId="268"/>
-            <ac:spMk id="8" creationId="{8651CFA9-6065-4243-AC48-858E359780B1}"/>
-          </ac:spMkLst>
-        </pc:spChg>
-        <pc:spChg chg="add">
-          <ac:chgData name="Viktória Szabó" userId="S::viktoria22000@student.hamk.fi::55ff7ae3-70d3-4f82-942e-28ce8109f0e2" providerId="AD" clId="Web-{99DD3772-D7DA-ACAF-C41D-2125D048CA4C}" dt="2023-09-26T10:44:11.831" v="657"/>
-          <ac:spMkLst>
-            <pc:docMk/>
-            <pc:sldMk cId="3257955536" sldId="268"/>
-            <ac:spMk id="10" creationId="{7462BFBC-0E19-4E6F-B0C7-CD5C519BC311}"/>
-          </ac:spMkLst>
-        </pc:spChg>
-        <pc:spChg chg="add">
-          <ac:chgData name="Viktória Szabó" userId="S::viktoria22000@student.hamk.fi::55ff7ae3-70d3-4f82-942e-28ce8109f0e2" providerId="AD" clId="Web-{99DD3772-D7DA-ACAF-C41D-2125D048CA4C}" dt="2023-09-26T10:44:11.831" v="657"/>
-          <ac:spMkLst>
-            <pc:docMk/>
-            <pc:sldMk cId="3257955536" sldId="268"/>
-            <ac:spMk id="16" creationId="{D813CD98-5EBE-426D-A4AC-FA5518B099DE}"/>
-          </ac:spMkLst>
-        </pc:spChg>
-        <pc:spChg chg="add">
-          <ac:chgData name="Viktória Szabó" userId="S::viktoria22000@student.hamk.fi::55ff7ae3-70d3-4f82-942e-28ce8109f0e2" providerId="AD" clId="Web-{99DD3772-D7DA-ACAF-C41D-2125D048CA4C}" dt="2023-09-26T10:44:11.831" v="657"/>
-          <ac:spMkLst>
-            <pc:docMk/>
-            <pc:sldMk cId="3257955536" sldId="268"/>
-            <ac:spMk id="18" creationId="{B453545A-B2D3-41EE-A91C-DBF43402DD43}"/>
-          </ac:spMkLst>
-        </pc:spChg>
-        <pc:grpChg chg="add">
-          <ac:chgData name="Viktória Szabó" userId="S::viktoria22000@student.hamk.fi::55ff7ae3-70d3-4f82-942e-28ce8109f0e2" providerId="AD" clId="Web-{99DD3772-D7DA-ACAF-C41D-2125D048CA4C}" dt="2023-09-26T10:44:11.831" v="657"/>
-          <ac:grpSpMkLst>
-            <pc:docMk/>
-            <pc:sldMk cId="3257955536" sldId="268"/>
-            <ac:grpSpMk id="12" creationId="{F2C2A007-4AE9-49C4-B364-5FDF34596224}"/>
-          </ac:grpSpMkLst>
-        </pc:grpChg>
+          <ac:chgData name="Viktória Szabó" userId="S::viktoria22000@student.hamk.fi::55ff7ae3-70d3-4f82-942e-28ce8109f0e2" providerId="AD" clId="Web-{2FDE26DA-918B-C5FD-BEDC-B05DF466947D}" dt="2023-09-27T10:08:32.022" v="232" actId="20577"/>
+          <ac:spMkLst>
+            <pc:docMk/>
+            <pc:sldMk cId="3751505815" sldId="269"/>
+            <ac:spMk id="3" creationId="{284301AF-09D3-6BEB-2BC6-2BDF6F9CBC62}"/>
+          </ac:spMkLst>
+        </pc:spChg>
       </pc:sldChg>
     </pc:docChg>
   </pc:docChgLst>
@@ -2485,6 +2521,60 @@
             <pc:docMk/>
             <pc:sldMk cId="3751505815" sldId="269"/>
             <ac:spMk id="3" creationId="{284301AF-09D3-6BEB-2BC6-2BDF6F9CBC62}"/>
+          </ac:spMkLst>
+        </pc:spChg>
+      </pc:sldChg>
+    </pc:docChg>
+  </pc:docChgLst>
+  <pc:docChgLst>
+    <pc:chgData name="Viktória Szabó" userId="S::viktoria22000@student.hamk.fi::55ff7ae3-70d3-4f82-942e-28ce8109f0e2" providerId="AD" clId="Web-{C4D42948-8866-3437-1BA9-3871038CE292}"/>
+    <pc:docChg chg="addSld modSld">
+      <pc:chgData name="Viktória Szabó" userId="S::viktoria22000@student.hamk.fi::55ff7ae3-70d3-4f82-942e-28ce8109f0e2" providerId="AD" clId="Web-{C4D42948-8866-3437-1BA9-3871038CE292}" dt="2023-09-27T10:25:38.896" v="53" actId="20577"/>
+      <pc:docMkLst>
+        <pc:docMk/>
+      </pc:docMkLst>
+      <pc:sldChg chg="modSp">
+        <pc:chgData name="Viktória Szabó" userId="S::viktoria22000@student.hamk.fi::55ff7ae3-70d3-4f82-942e-28ce8109f0e2" providerId="AD" clId="Web-{C4D42948-8866-3437-1BA9-3871038CE292}" dt="2023-09-27T10:25:04.770" v="5" actId="20577"/>
+        <pc:sldMkLst>
+          <pc:docMk/>
+          <pc:sldMk cId="723807988" sldId="262"/>
+        </pc:sldMkLst>
+        <pc:spChg chg="mod">
+          <ac:chgData name="Viktória Szabó" userId="S::viktoria22000@student.hamk.fi::55ff7ae3-70d3-4f82-942e-28ce8109f0e2" providerId="AD" clId="Web-{C4D42948-8866-3437-1BA9-3871038CE292}" dt="2023-09-27T10:25:04.770" v="5" actId="20577"/>
+          <ac:spMkLst>
+            <pc:docMk/>
+            <pc:sldMk cId="723807988" sldId="262"/>
+            <ac:spMk id="2" creationId="{E9FCD3FF-F45B-8D90-0C9A-8B9444056B35}"/>
+          </ac:spMkLst>
+        </pc:spChg>
+      </pc:sldChg>
+      <pc:sldChg chg="modSp">
+        <pc:chgData name="Viktória Szabó" userId="S::viktoria22000@student.hamk.fi::55ff7ae3-70d3-4f82-942e-28ce8109f0e2" providerId="AD" clId="Web-{C4D42948-8866-3437-1BA9-3871038CE292}" dt="2023-09-27T10:25:11.723" v="8" actId="20577"/>
+        <pc:sldMkLst>
+          <pc:docMk/>
+          <pc:sldMk cId="435654270" sldId="265"/>
+        </pc:sldMkLst>
+        <pc:spChg chg="mod">
+          <ac:chgData name="Viktória Szabó" userId="S::viktoria22000@student.hamk.fi::55ff7ae3-70d3-4f82-942e-28ce8109f0e2" providerId="AD" clId="Web-{C4D42948-8866-3437-1BA9-3871038CE292}" dt="2023-09-27T10:25:11.723" v="8" actId="20577"/>
+          <ac:spMkLst>
+            <pc:docMk/>
+            <pc:sldMk cId="435654270" sldId="265"/>
+            <ac:spMk id="2" creationId="{C467D37A-286A-5967-A2D3-A3CB3B01E5C0}"/>
+          </ac:spMkLst>
+        </pc:spChg>
+      </pc:sldChg>
+      <pc:sldChg chg="modSp new">
+        <pc:chgData name="Viktória Szabó" userId="S::viktoria22000@student.hamk.fi::55ff7ae3-70d3-4f82-942e-28ce8109f0e2" providerId="AD" clId="Web-{C4D42948-8866-3437-1BA9-3871038CE292}" dt="2023-09-27T10:25:38.896" v="53" actId="20577"/>
+        <pc:sldMkLst>
+          <pc:docMk/>
+          <pc:sldMk cId="2351471326" sldId="270"/>
+        </pc:sldMkLst>
+        <pc:spChg chg="mod">
+          <ac:chgData name="Viktória Szabó" userId="S::viktoria22000@student.hamk.fi::55ff7ae3-70d3-4f82-942e-28ce8109f0e2" providerId="AD" clId="Web-{C4D42948-8866-3437-1BA9-3871038CE292}" dt="2023-09-27T10:25:38.896" v="53" actId="20577"/>
+          <ac:spMkLst>
+            <pc:docMk/>
+            <pc:sldMk cId="2351471326" sldId="270"/>
+            <ac:spMk id="2" creationId="{25EBB419-52F1-F773-5B78-04CD3918F1CA}"/>
           </ac:spMkLst>
         </pc:spChg>
       </pc:sldChg>
@@ -2654,7 +2744,7 @@
             <a:fld id="{11A6662E-FAF4-44BC-88B5-85A7CBFB6D30}" type="datetime1">
               <a:rPr lang="en-US" smtClean="0"/>
               <a:pPr/>
-              <a:t>9/27/2023</a:t>
+              <a:t>10/1/2023</a:t>
             </a:fld>
             <a:endParaRPr lang="en-US"/>
           </a:p>
@@ -2881,7 +2971,7 @@
           <a:p>
             <a:fld id="{4C559632-1575-4E14-B53B-3DC3D5ED3947}" type="datetime1">
               <a:rPr lang="en-US" smtClean="0"/>
-              <a:t>9/27/2023</a:t>
+              <a:t>10/1/2023</a:t>
             </a:fld>
             <a:endParaRPr lang="en-US"/>
           </a:p>
@@ -3089,7 +3179,7 @@
           <a:p>
             <a:fld id="{CC4A6868-2568-4CC9-B302-F37117B01A6E}" type="datetime1">
               <a:rPr lang="en-US" smtClean="0"/>
-              <a:t>9/27/2023</a:t>
+              <a:t>10/1/2023</a:t>
             </a:fld>
             <a:endParaRPr lang="en-US"/>
           </a:p>
@@ -3292,7 +3382,7 @@
           <a:p>
             <a:fld id="{0055F08A-1E71-4B2B-BB49-E743F2903911}" type="datetime1">
               <a:rPr lang="en-US" smtClean="0"/>
-              <a:t>9/27/2023</a:t>
+              <a:t>10/1/2023</a:t>
             </a:fld>
             <a:endParaRPr lang="en-US"/>
           </a:p>
@@ -3565,7 +3655,7 @@
           <a:p>
             <a:fld id="{15417D9E-721A-44BB-8863-9873FE64DA75}" type="datetime1">
               <a:rPr lang="en-US" smtClean="0"/>
-              <a:t>9/27/2023</a:t>
+              <a:t>10/1/2023</a:t>
             </a:fld>
             <a:endParaRPr lang="en-US"/>
           </a:p>
@@ -3835,7 +3925,7 @@
           <a:p>
             <a:fld id="{5F31DA2F-80B8-49CF-99FB-5ABCA53A607A}" type="datetime1">
               <a:rPr lang="en-US" smtClean="0"/>
-              <a:t>9/27/2023</a:t>
+              <a:t>10/1/2023</a:t>
             </a:fld>
             <a:endParaRPr lang="en-US"/>
           </a:p>
@@ -4247,7 +4337,7 @@
           <a:p>
             <a:fld id="{28852172-E6C9-4B6C-929A-A9DE3837BBF1}" type="datetime1">
               <a:rPr lang="en-US" smtClean="0"/>
-              <a:t>9/27/2023</a:t>
+              <a:t>10/1/2023</a:t>
             </a:fld>
             <a:endParaRPr lang="en-US"/>
           </a:p>
@@ -4398,7 +4488,7 @@
           <a:p>
             <a:fld id="{3AB41CFF-90C9-47B3-9DA1-F2BF8D839F7E}" type="datetime1">
               <a:rPr lang="en-US" smtClean="0"/>
-              <a:t>9/27/2023</a:t>
+              <a:t>10/1/2023</a:t>
             </a:fld>
             <a:endParaRPr lang="en-US"/>
           </a:p>
@@ -4511,7 +4601,7 @@
           <a:p>
             <a:fld id="{F06048FA-06AB-4884-A69B-986B96E68A24}" type="datetime1">
               <a:rPr lang="en-US" smtClean="0"/>
-              <a:t>9/27/2023</a:t>
+              <a:t>10/1/2023</a:t>
             </a:fld>
             <a:endParaRPr lang="en-US"/>
           </a:p>
@@ -4822,7 +4912,7 @@
           <a:p>
             <a:fld id="{50DB7ABA-0172-4F9C-889D-567164F66BCD}" type="datetime1">
               <a:rPr lang="en-US" smtClean="0"/>
-              <a:t>9/27/2023</a:t>
+              <a:t>10/1/2023</a:t>
             </a:fld>
             <a:endParaRPr lang="en-US"/>
           </a:p>
@@ -5113,7 +5203,7 @@
           <a:p>
             <a:fld id="{78AC6A5B-8AE7-4A41-B5A7-9ADC6686DC18}" type="datetime1">
               <a:rPr lang="en-US" smtClean="0"/>
-              <a:t>9/27/2023</a:t>
+              <a:t>10/1/2023</a:t>
             </a:fld>
             <a:endParaRPr lang="en-US"/>
           </a:p>
@@ -5422,7 +5512,7 @@
             <a:fld id="{57E0CF6C-748E-4B7A-BC8B-3011EF78ED13}" type="datetime1">
               <a:rPr lang="en-US" smtClean="0"/>
               <a:pPr/>
-              <a:t>9/27/2023</a:t>
+              <a:t>10/1/2023</a:t>
             </a:fld>
             <a:endParaRPr lang="en-US"/>
           </a:p>
@@ -6958,7 +7048,7 @@
           <a:lstStyle/>
           <a:p>
             <a:r>
-              <a:rPr lang="en-US" sz="4100"/>
+              <a:rPr lang="en-US" sz="4100" dirty="0"/>
               <a:t>Analysis between family status and salary (Roy) </a:t>
             </a:r>
           </a:p>
@@ -7127,6 +7217,14 @@
 <file path=ppt/slides/slide12.xml><?xml version="1.0" encoding="utf-8"?>
 <p:sld xmlns:a="http://schemas.openxmlformats.org/drawingml/2006/main" xmlns:r="http://schemas.openxmlformats.org/officeDocument/2006/relationships" xmlns:p="http://schemas.openxmlformats.org/presentationml/2006/main">
   <p:cSld>
+    <p:bg>
+      <p:bgPr>
+        <a:solidFill>
+          <a:schemeClr val="bg1"/>
+        </a:solidFill>
+        <a:effectLst/>
+      </p:bgPr>
+    </p:bg>
     <p:spTree>
       <p:nvGrpSpPr>
         <p:cNvPr id="1" name=""/>
@@ -7141,61 +7239,299 @@
           <a:chExt cx="0" cy="0"/>
         </a:xfrm>
       </p:grpSpPr>
-      <p:sp>
+      <p:sp useBgFill="1">
         <p:nvSpPr>
-          <p:cNvPr id="2" name="Title 1">
-            <a:extLst>
-              <a:ext uri="{FF2B5EF4-FFF2-40B4-BE49-F238E27FC236}">
-                <a16:creationId xmlns:a16="http://schemas.microsoft.com/office/drawing/2014/main" id="{88013891-86EF-454E-0A39-BC7185B11C4F}"/>
+          <p:cNvPr id="23" name="Rectangle 22">
+            <a:extLst>
+              <a:ext uri="{FF2B5EF4-FFF2-40B4-BE49-F238E27FC236}">
+                <a16:creationId xmlns:a16="http://schemas.microsoft.com/office/drawing/2014/main" id="{A4FB2F27-3F7D-440E-A905-86607A926A29}"/>
+              </a:ext>
+              <a:ext uri="{C183D7F6-B498-43B3-948B-1728B52AA6E4}">
+                <adec:decorative xmlns:adec="http://schemas.microsoft.com/office/drawing/2017/decorative" val="1"/>
               </a:ext>
             </a:extLst>
           </p:cNvPr>
           <p:cNvSpPr>
-            <a:spLocks noGrp="1"/>
+            <a:spLocks noGrp="1" noRot="1" noChangeAspect="1" noMove="1" noResize="1" noEditPoints="1" noAdjustHandles="1" noChangeArrowheads="1" noChangeShapeType="1" noTextEdit="1"/>
           </p:cNvSpPr>
           <p:nvPr>
-            <p:ph type="title"/>
+            <p:extLst>
+              <p:ext uri="{386F3935-93C4-4BCD-93E2-E3B085C9AB24}">
+                <p16:designElem xmlns:p16="http://schemas.microsoft.com/office/powerpoint/2015/main" val="1"/>
+              </p:ext>
+            </p:extLst>
           </p:nvPr>
         </p:nvSpPr>
-        <p:spPr/>
+        <p:spPr>
+          <a:xfrm>
+            <a:off x="0" y="0"/>
+            <a:ext cx="12188952" cy="6858000"/>
+          </a:xfrm>
+          <a:prstGeom prst="rect">
+            <a:avLst/>
+          </a:prstGeom>
+          <a:ln>
+            <a:solidFill>
+              <a:schemeClr val="bg1">
+                <a:lumMod val="95000"/>
+              </a:schemeClr>
+            </a:solidFill>
+          </a:ln>
+        </p:spPr>
+        <p:style>
+          <a:lnRef idx="2">
+            <a:schemeClr val="accent1">
+              <a:shade val="50000"/>
+            </a:schemeClr>
+          </a:lnRef>
+          <a:fillRef idx="1">
+            <a:schemeClr val="accent1"/>
+          </a:fillRef>
+          <a:effectRef idx="0">
+            <a:schemeClr val="accent1"/>
+          </a:effectRef>
+          <a:fontRef idx="minor">
+            <a:schemeClr val="lt1"/>
+          </a:fontRef>
+        </p:style>
         <p:txBody>
-          <a:bodyPr/>
+          <a:bodyPr rtlCol="0" anchor="ctr"/>
           <a:lstStyle/>
           <a:p>
-            <a:r>
-              <a:rPr lang="fi-FI" err="1"/>
-              <a:t>Family</a:t>
-            </a:r>
-            <a:r>
-              <a:rPr lang="fi-FI"/>
-              <a:t> / </a:t>
-            </a:r>
-            <a:r>
-              <a:rPr lang="fi-FI" err="1"/>
-              <a:t>Salary</a:t>
-            </a:r>
-            <a:r>
-              <a:rPr lang="fi-FI"/>
-              <a:t> </a:t>
-            </a:r>
-            <a:r>
-              <a:rPr lang="fi-FI" err="1"/>
-              <a:t>Satisfaction</a:t>
-            </a:r>
-            <a:r>
-              <a:rPr lang="fi-FI"/>
-              <a:t> (Roy)</a:t>
-            </a:r>
-            <a:endParaRPr lang="LID4096"/>
+            <a:pPr algn="ctr"/>
+            <a:endParaRPr lang="en-US" dirty="0">
+              <a:solidFill>
+                <a:schemeClr val="tx1">
+                  <a:lumMod val="65000"/>
+                  <a:lumOff val="35000"/>
+                </a:schemeClr>
+              </a:solidFill>
+              <a:latin typeface="AvenirNext LT Pro Medium" panose="020B0504020202020204" pitchFamily="34" charset="0"/>
+            </a:endParaRPr>
           </a:p>
         </p:txBody>
       </p:sp>
       <p:sp>
         <p:nvSpPr>
-          <p:cNvPr id="3" name="Content Placeholder 2">
-            <a:extLst>
-              <a:ext uri="{FF2B5EF4-FFF2-40B4-BE49-F238E27FC236}">
-                <a16:creationId xmlns:a16="http://schemas.microsoft.com/office/drawing/2014/main" id="{284301AF-09D3-6BEB-2BC6-2BDF6F9CBC62}"/>
+          <p:cNvPr id="25" name="Rectangle 24">
+            <a:extLst>
+              <a:ext uri="{FF2B5EF4-FFF2-40B4-BE49-F238E27FC236}">
+                <a16:creationId xmlns:a16="http://schemas.microsoft.com/office/drawing/2014/main" id="{AF678C14-A033-4139-BCA9-8382B039648B}"/>
+              </a:ext>
+              <a:ext uri="{C183D7F6-B498-43B3-948B-1728B52AA6E4}">
+                <adec:decorative xmlns:adec="http://schemas.microsoft.com/office/drawing/2017/decorative" val="1"/>
+              </a:ext>
+            </a:extLst>
+          </p:cNvPr>
+          <p:cNvSpPr>
+            <a:spLocks noGrp="1" noRot="1" noChangeAspect="1" noMove="1" noResize="1" noEditPoints="1" noAdjustHandles="1" noChangeArrowheads="1" noChangeShapeType="1" noTextEdit="1"/>
+          </p:cNvSpPr>
+          <p:nvPr>
+            <p:extLst>
+              <p:ext uri="{386F3935-93C4-4BCD-93E2-E3B085C9AB24}">
+                <p16:designElem xmlns:p16="http://schemas.microsoft.com/office/powerpoint/2015/main" val="1"/>
+              </p:ext>
+            </p:extLst>
+          </p:nvPr>
+        </p:nvSpPr>
+        <p:spPr>
+          <a:xfrm>
+            <a:off x="3048" y="0"/>
+            <a:ext cx="12188952" cy="6858000"/>
+          </a:xfrm>
+          <a:prstGeom prst="rect">
+            <a:avLst/>
+          </a:prstGeom>
+          <a:solidFill>
+            <a:schemeClr val="bg2">
+              <a:lumMod val="90000"/>
+              <a:alpha val="70000"/>
+            </a:schemeClr>
+          </a:solidFill>
+          <a:ln>
+            <a:noFill/>
+          </a:ln>
+        </p:spPr>
+        <p:style>
+          <a:lnRef idx="2">
+            <a:schemeClr val="accent1">
+              <a:shade val="50000"/>
+            </a:schemeClr>
+          </a:lnRef>
+          <a:fillRef idx="1">
+            <a:schemeClr val="accent1"/>
+          </a:fillRef>
+          <a:effectRef idx="0">
+            <a:schemeClr val="accent1"/>
+          </a:effectRef>
+          <a:fontRef idx="minor">
+            <a:schemeClr val="lt1"/>
+          </a:fontRef>
+        </p:style>
+        <p:txBody>
+          <a:bodyPr rtlCol="0" anchor="ctr"/>
+          <a:lstStyle/>
+          <a:p>
+            <a:pPr algn="ctr"/>
+            <a:endParaRPr lang="en-US">
+              <a:solidFill>
+                <a:schemeClr val="tx1">
+                  <a:lumMod val="65000"/>
+                  <a:lumOff val="35000"/>
+                </a:schemeClr>
+              </a:solidFill>
+              <a:latin typeface="AvenirNext LT Pro Medium" panose="020B0504020202020204" pitchFamily="34" charset="0"/>
+            </a:endParaRPr>
+          </a:p>
+        </p:txBody>
+      </p:sp>
+      <p:grpSp>
+        <p:nvGrpSpPr>
+          <p:cNvPr id="27" name="Group 26">
+            <a:extLst>
+              <a:ext uri="{FF2B5EF4-FFF2-40B4-BE49-F238E27FC236}">
+                <a16:creationId xmlns:a16="http://schemas.microsoft.com/office/drawing/2014/main" id="{F54E156B-C3CF-4290-AAE3-FA3BD6BE8456}"/>
+              </a:ext>
+              <a:ext uri="{C183D7F6-B498-43B3-948B-1728B52AA6E4}">
+                <adec:decorative xmlns:adec="http://schemas.microsoft.com/office/drawing/2017/decorative" val="1"/>
+              </a:ext>
+            </a:extLst>
+          </p:cNvPr>
+          <p:cNvGrpSpPr>
+            <a:grpSpLocks noGrp="1" noUngrp="1" noRot="1" noChangeAspect="1" noMove="1" noResize="1"/>
+          </p:cNvGrpSpPr>
+          <p:nvPr>
+            <p:extLst>
+              <p:ext uri="{386F3935-93C4-4BCD-93E2-E3B085C9AB24}">
+                <p16:designElem xmlns:p16="http://schemas.microsoft.com/office/powerpoint/2015/main" val="1"/>
+              </p:ext>
+            </p:extLst>
+          </p:nvPr>
+        </p:nvGrpSpPr>
+        <p:grpSpPr>
+          <a:xfrm>
+            <a:off x="4464881" y="0"/>
+            <a:ext cx="7724071" cy="6858000"/>
+            <a:chOff x="4464881" y="0"/>
+            <a:chExt cx="7724071" cy="6858000"/>
+          </a:xfrm>
+        </p:grpSpPr>
+        <p:pic>
+          <p:nvPicPr>
+            <p:cNvPr id="28" name="Picture 27">
+              <a:extLst>
+                <a:ext uri="{FF2B5EF4-FFF2-40B4-BE49-F238E27FC236}">
+                  <a16:creationId xmlns:a16="http://schemas.microsoft.com/office/drawing/2014/main" id="{886638AD-AE91-49BD-AE6F-DA6DD5FCBA88}"/>
+                </a:ext>
+                <a:ext uri="{C183D7F6-B498-43B3-948B-1728B52AA6E4}">
+                  <adec:decorative xmlns:adec="http://schemas.microsoft.com/office/drawing/2017/decorative" val="1"/>
+                </a:ext>
+              </a:extLst>
+            </p:cNvPr>
+            <p:cNvPicPr>
+              <a:picLocks noChangeAspect="1"/>
+            </p:cNvPicPr>
+            <p:nvPr>
+              <p:extLst>
+                <p:ext uri="{386F3935-93C4-4BCD-93E2-E3B085C9AB24}">
+                  <p16:designElem xmlns:p16="http://schemas.microsoft.com/office/powerpoint/2015/main" val="1"/>
+                </p:ext>
+              </p:extLst>
+            </p:nvPr>
+          </p:nvPicPr>
+          <p:blipFill>
+            <a:blip r:embed="rId2">
+              <a:duotone>
+                <a:schemeClr val="accent6">
+                  <a:shade val="45000"/>
+                  <a:satMod val="135000"/>
+                </a:schemeClr>
+                <a:prstClr val="white"/>
+              </a:duotone>
+              <a:alphaModFix amt="15000"/>
+              <a:extLst>
+                <a:ext uri="{28A0092B-C50C-407E-A947-70E740481C1C}">
+                  <a14:useLocalDpi xmlns:a14="http://schemas.microsoft.com/office/drawing/2010/main" val="0"/>
+                </a:ext>
+              </a:extLst>
+            </a:blip>
+            <a:stretch>
+              <a:fillRect/>
+            </a:stretch>
+          </p:blipFill>
+          <p:spPr>
+            <a:xfrm>
+              <a:off x="7073255" y="0"/>
+              <a:ext cx="5115697" cy="6858000"/>
+            </a:xfrm>
+            <a:prstGeom prst="rect">
+              <a:avLst/>
+            </a:prstGeom>
+          </p:spPr>
+        </p:pic>
+        <p:pic>
+          <p:nvPicPr>
+            <p:cNvPr id="29" name="Picture 28">
+              <a:extLst>
+                <a:ext uri="{FF2B5EF4-FFF2-40B4-BE49-F238E27FC236}">
+                  <a16:creationId xmlns:a16="http://schemas.microsoft.com/office/drawing/2014/main" id="{367238FA-4030-4D69-9A1A-42918D7BB8D3}"/>
+                </a:ext>
+                <a:ext uri="{C183D7F6-B498-43B3-948B-1728B52AA6E4}">
+                  <adec:decorative xmlns:adec="http://schemas.microsoft.com/office/drawing/2017/decorative" val="1"/>
+                </a:ext>
+              </a:extLst>
+            </p:cNvPr>
+            <p:cNvPicPr>
+              <a:picLocks noChangeAspect="1"/>
+            </p:cNvPicPr>
+            <p:nvPr>
+              <p:extLst>
+                <p:ext uri="{386F3935-93C4-4BCD-93E2-E3B085C9AB24}">
+                  <p16:designElem xmlns:p16="http://schemas.microsoft.com/office/powerpoint/2015/main" val="1"/>
+                </p:ext>
+              </p:extLst>
+            </p:nvPr>
+          </p:nvPicPr>
+          <p:blipFill>
+            <a:blip r:embed="rId3">
+              <a:duotone>
+                <a:schemeClr val="accent6">
+                  <a:shade val="45000"/>
+                  <a:satMod val="135000"/>
+                </a:schemeClr>
+                <a:prstClr val="white"/>
+              </a:duotone>
+              <a:alphaModFix amt="7000"/>
+              <a:extLst>
+                <a:ext uri="{28A0092B-C50C-407E-A947-70E740481C1C}">
+                  <a14:useLocalDpi xmlns:a14="http://schemas.microsoft.com/office/drawing/2010/main" val="0"/>
+                </a:ext>
+              </a:extLst>
+            </a:blip>
+            <a:stretch>
+              <a:fillRect/>
+            </a:stretch>
+          </p:blipFill>
+          <p:spPr>
+            <a:xfrm rot="16200000">
+              <a:off x="5412135" y="-947254"/>
+              <a:ext cx="5562598" cy="7457106"/>
+            </a:xfrm>
+            <a:prstGeom prst="rect">
+              <a:avLst/>
+            </a:prstGeom>
+            <a:effectLst>
+              <a:softEdge rad="0"/>
+            </a:effectLst>
+          </p:spPr>
+        </p:pic>
+      </p:grpSp>
+      <p:sp>
+        <p:nvSpPr>
+          <p:cNvPr id="2" name="Title 1">
+            <a:extLst>
+              <a:ext uri="{FF2B5EF4-FFF2-40B4-BE49-F238E27FC236}">
+                <a16:creationId xmlns:a16="http://schemas.microsoft.com/office/drawing/2014/main" id="{88013891-86EF-454E-0A39-BC7185B11C4F}"/>
               </a:ext>
             </a:extLst>
           </p:cNvPr>
@@ -7203,107 +7539,222 @@
             <a:spLocks noGrp="1"/>
           </p:cNvSpPr>
           <p:nvPr>
-            <p:ph idx="1"/>
+            <p:ph type="title"/>
           </p:nvPr>
         </p:nvSpPr>
-        <p:spPr/>
+        <p:spPr>
+          <a:xfrm>
+            <a:off x="838200" y="461339"/>
+            <a:ext cx="5257800" cy="2831136"/>
+          </a:xfrm>
+        </p:spPr>
         <p:txBody>
-          <a:bodyPr vert="horz" lIns="91440" tIns="45720" rIns="91440" bIns="45720" rtlCol="0" anchor="t">
+          <a:bodyPr>
             <a:normAutofit/>
           </a:bodyPr>
           <a:lstStyle/>
           <a:p>
-            <a:pPr marL="0" indent="0">
-              <a:buNone/>
-            </a:pPr>
-            <a:r>
-              <a:rPr lang="en-GB"/>
-              <a:t>Rory is an idiot </a:t>
-            </a:r>
-            <a:r>
-              <a:rPr lang="en-GB">
-                <a:sym typeface="Wingdings" panose="05000000000000000000" pitchFamily="2" charset="2"/>
-              </a:rPr>
-              <a:t></a:t>
-            </a:r>
-          </a:p>
-          <a:p>
-            <a:pPr marL="0" indent="0">
-              <a:buNone/>
-            </a:pPr>
-            <a:r>
-              <a:rPr lang="en-GB">
-                <a:sym typeface="Wingdings" panose="05000000000000000000" pitchFamily="2" charset="2"/>
-              </a:rPr>
-              <a:t>All of you are idiots :) </a:t>
-            </a:r>
-            <a:endParaRPr lang="en-GB"/>
-          </a:p>
-          <a:p>
-            <a:pPr marL="0" indent="0">
-              <a:buNone/>
-            </a:pPr>
-            <a:r>
-              <a:rPr lang="en-GB"/>
-              <a:t>TRASHING BILLBOARD: place your bullshit thoughts here so we can pull it down the drain (especially you, </a:t>
-            </a:r>
-            <a:r>
-              <a:rPr lang="en-GB" err="1"/>
-              <a:t>roy</a:t>
-            </a:r>
-            <a:r>
-              <a:rPr lang="en-GB"/>
-              <a:t>) </a:t>
-            </a:r>
-          </a:p>
-          <a:p>
-            <a:pPr marL="457200" indent="-457200">
-              <a:buFont typeface="Calibri" panose="020B0604020202020204" pitchFamily="34" charset="0"/>
-              <a:buChar char="-"/>
-            </a:pPr>
-            <a:r>
-              <a:rPr lang="en-GB" i="1" err="1"/>
-              <a:t>Im</a:t>
-            </a:r>
-            <a:r>
-              <a:rPr lang="en-GB" i="1"/>
+            <a:r>
+              <a:rPr lang="fi-FI" dirty="0" err="1"/>
+              <a:t>Family</a:t>
+            </a:r>
+            <a:r>
+              <a:rPr lang="fi-FI" dirty="0"/>
+              <a:t> status and </a:t>
+            </a:r>
+            <a:r>
+              <a:rPr lang="fi-FI" dirty="0" err="1"/>
+              <a:t>Salary</a:t>
+            </a:r>
+            <a:r>
+              <a:rPr lang="fi-FI" dirty="0"/>
               <a:t> </a:t>
             </a:r>
             <a:r>
-              <a:rPr lang="en-GB" i="1" err="1"/>
-              <a:t>gonna</a:t>
-            </a:r>
-            <a:r>
-              <a:rPr lang="en-GB" i="1"/>
-              <a:t> push you around, well I will, well I will / </a:t>
-            </a:r>
-            <a:r>
-              <a:rPr lang="en-GB" i="1" err="1"/>
-              <a:t>Im</a:t>
-            </a:r>
-            <a:r>
-              <a:rPr lang="en-GB" i="1"/>
-              <a:t> </a:t>
-            </a:r>
-            <a:r>
-              <a:rPr lang="en-GB" i="1" err="1"/>
-              <a:t>gonna</a:t>
-            </a:r>
-            <a:r>
-              <a:rPr lang="en-GB" i="1"/>
-              <a:t> take you for </a:t>
-            </a:r>
-            <a:r>
-              <a:rPr lang="en-GB" i="1" err="1"/>
-              <a:t>grantererererererererered</a:t>
-            </a:r>
-            <a:r>
-              <a:rPr lang="en-GB" i="1"/>
-              <a:t> (Gregorian catholic music, cc 1504, Vatican City) </a:t>
-            </a:r>
+              <a:rPr lang="fi-FI" dirty="0" err="1"/>
+              <a:t>Satisfaction</a:t>
+            </a:r>
+            <a:r>
+              <a:rPr lang="fi-FI" dirty="0"/>
+              <a:t> (Roy)</a:t>
+            </a:r>
+            <a:endParaRPr lang="LID4096" dirty="0"/>
           </a:p>
         </p:txBody>
       </p:sp>
+      <p:pic>
+        <p:nvPicPr>
+          <p:cNvPr id="5" name="Content Placeholder 4" descr="A graph of a bar graph&#10;&#10;Description automatically generated with medium confidence">
+            <a:extLst>
+              <a:ext uri="{FF2B5EF4-FFF2-40B4-BE49-F238E27FC236}">
+                <a16:creationId xmlns:a16="http://schemas.microsoft.com/office/drawing/2014/main" id="{4F149E62-64F5-8A18-7178-7C0266DA5581}"/>
+              </a:ext>
+            </a:extLst>
+          </p:cNvPr>
+          <p:cNvPicPr>
+            <a:picLocks noChangeAspect="1"/>
+          </p:cNvPicPr>
+          <p:nvPr/>
+        </p:nvPicPr>
+        <p:blipFill rotWithShape="1">
+          <a:blip r:embed="rId4">
+            <a:extLst>
+              <a:ext uri="{28A0092B-C50C-407E-A947-70E740481C1C}">
+                <a14:useLocalDpi xmlns:a14="http://schemas.microsoft.com/office/drawing/2010/main" val="0"/>
+              </a:ext>
+            </a:extLst>
+          </a:blip>
+          <a:srcRect r="3" b="3308"/>
+          <a:stretch/>
+        </p:blipFill>
+        <p:spPr>
+          <a:xfrm>
+            <a:off x="6415635" y="477959"/>
+            <a:ext cx="5296838" cy="3764502"/>
+          </a:xfrm>
+          <a:prstGeom prst="rect">
+            <a:avLst/>
+          </a:prstGeom>
+        </p:spPr>
+      </p:pic>
+      <p:sp>
+        <p:nvSpPr>
+          <p:cNvPr id="9" name="Content Placeholder 8">
+            <a:extLst>
+              <a:ext uri="{FF2B5EF4-FFF2-40B4-BE49-F238E27FC236}">
+                <a16:creationId xmlns:a16="http://schemas.microsoft.com/office/drawing/2014/main" id="{A751F638-9411-D00F-1726-CFD6AAA8845B}"/>
+              </a:ext>
+            </a:extLst>
+          </p:cNvPr>
+          <p:cNvSpPr>
+            <a:spLocks noGrp="1"/>
+          </p:cNvSpPr>
+          <p:nvPr>
+            <p:ph idx="1"/>
+          </p:nvPr>
+        </p:nvSpPr>
+        <p:spPr>
+          <a:xfrm>
+            <a:off x="838201" y="3429000"/>
+            <a:ext cx="5257462" cy="2585613"/>
+          </a:xfrm>
+        </p:spPr>
+        <p:txBody>
+          <a:bodyPr>
+            <a:normAutofit/>
+          </a:bodyPr>
+          <a:lstStyle/>
+          <a:p>
+            <a:r>
+              <a:rPr lang="en-US" sz="1800" dirty="0"/>
+              <a:t>Generally, people are not satisfied with their salary, majority being “very unsatisfied”</a:t>
+            </a:r>
+          </a:p>
+          <a:p>
+            <a:r>
+              <a:rPr lang="en-US" sz="1800"/>
+              <a:t>P </a:t>
+            </a:r>
+            <a:r>
+              <a:rPr lang="en-US" sz="1800" dirty="0"/>
+              <a:t>value is ~0.29 and it makes this comparison insignificant</a:t>
+            </a:r>
+          </a:p>
+          <a:p>
+            <a:endParaRPr lang="en-US" sz="1800" dirty="0"/>
+          </a:p>
+        </p:txBody>
+      </p:sp>
+      <p:pic>
+        <p:nvPicPr>
+          <p:cNvPr id="7" name="Picture 6">
+            <a:extLst>
+              <a:ext uri="{FF2B5EF4-FFF2-40B4-BE49-F238E27FC236}">
+                <a16:creationId xmlns:a16="http://schemas.microsoft.com/office/drawing/2014/main" id="{C800F6F5-EBD3-B533-78F5-EAE29261AAE8}"/>
+              </a:ext>
+            </a:extLst>
+          </p:cNvPr>
+          <p:cNvPicPr>
+            <a:picLocks noChangeAspect="1"/>
+          </p:cNvPicPr>
+          <p:nvPr/>
+        </p:nvPicPr>
+        <p:blipFill>
+          <a:blip r:embed="rId5"/>
+          <a:stretch>
+            <a:fillRect/>
+          </a:stretch>
+        </p:blipFill>
+        <p:spPr>
+          <a:xfrm>
+            <a:off x="8519837" y="4536290"/>
+            <a:ext cx="3026745" cy="1116006"/>
+          </a:xfrm>
+          <a:prstGeom prst="rect">
+            <a:avLst/>
+          </a:prstGeom>
+        </p:spPr>
+      </p:pic>
+      <p:pic>
+        <p:nvPicPr>
+          <p:cNvPr id="10" name="Picture 9">
+            <a:extLst>
+              <a:ext uri="{FF2B5EF4-FFF2-40B4-BE49-F238E27FC236}">
+                <a16:creationId xmlns:a16="http://schemas.microsoft.com/office/drawing/2014/main" id="{0BFC9D82-9049-A6E7-BFFC-45D0C0449163}"/>
+              </a:ext>
+            </a:extLst>
+          </p:cNvPr>
+          <p:cNvPicPr>
+            <a:picLocks noChangeAspect="1"/>
+          </p:cNvPicPr>
+          <p:nvPr/>
+        </p:nvPicPr>
+        <p:blipFill>
+          <a:blip r:embed="rId6"/>
+          <a:stretch>
+            <a:fillRect/>
+          </a:stretch>
+        </p:blipFill>
+        <p:spPr>
+          <a:xfrm>
+            <a:off x="6415634" y="5844455"/>
+            <a:ext cx="5600988" cy="184159"/>
+          </a:xfrm>
+          <a:prstGeom prst="rect">
+            <a:avLst/>
+          </a:prstGeom>
+        </p:spPr>
+      </p:pic>
+      <p:pic>
+        <p:nvPicPr>
+          <p:cNvPr id="13" name="Picture 12">
+            <a:extLst>
+              <a:ext uri="{FF2B5EF4-FFF2-40B4-BE49-F238E27FC236}">
+                <a16:creationId xmlns:a16="http://schemas.microsoft.com/office/drawing/2014/main" id="{DA80BC7E-9CCE-6BDE-B33F-3B42045F189C}"/>
+              </a:ext>
+            </a:extLst>
+          </p:cNvPr>
+          <p:cNvPicPr>
+            <a:picLocks noChangeAspect="1"/>
+          </p:cNvPicPr>
+          <p:nvPr/>
+        </p:nvPicPr>
+        <p:blipFill>
+          <a:blip r:embed="rId7"/>
+          <a:stretch>
+            <a:fillRect/>
+          </a:stretch>
+        </p:blipFill>
+        <p:spPr>
+          <a:xfrm>
+            <a:off x="6415634" y="4383389"/>
+            <a:ext cx="1595849" cy="1367870"/>
+          </a:xfrm>
+          <a:prstGeom prst="rect">
+            <a:avLst/>
+          </a:prstGeom>
+        </p:spPr>
+      </p:pic>
     </p:spTree>
     <p:extLst>
       <p:ext uri="{BB962C8B-B14F-4D97-AF65-F5344CB8AC3E}">

--- a/BigDataProject presentation.pptx
+++ b/BigDataProject presentation.pptx
@@ -15,10 +15,12 @@
     <p:sldId id="263" r:id="rId9"/>
     <p:sldId id="268" r:id="rId10"/>
     <p:sldId id="258" r:id="rId11"/>
-    <p:sldId id="264" r:id="rId12"/>
-    <p:sldId id="269" r:id="rId13"/>
-    <p:sldId id="265" r:id="rId14"/>
-    <p:sldId id="270" r:id="rId15"/>
+    <p:sldId id="271" r:id="rId12"/>
+    <p:sldId id="264" r:id="rId13"/>
+    <p:sldId id="269" r:id="rId14"/>
+    <p:sldId id="265" r:id="rId15"/>
+    <p:sldId id="270" r:id="rId16"/>
+    <p:sldId id="272" r:id="rId17"/>
   </p:sldIdLst>
   <p:sldSz cx="12192000" cy="6858000"/>
   <p:notesSz cx="6858000" cy="9144000"/>
@@ -128,7 +130,8 @@
 <file path=ppt/revisionInfo.xml><?xml version="1.0" encoding="utf-8"?>
 <p1510:revInfo xmlns:a="http://schemas.openxmlformats.org/drawingml/2006/main" xmlns:r="http://schemas.openxmlformats.org/officeDocument/2006/relationships" xmlns:p1510="http://schemas.microsoft.com/office/powerpoint/2015/10/main">
   <p1510:revLst>
-    <p1510:client id="{26A4DA2E-3B26-4A19-981B-FA4B6FD33F58}" v="1606" dt="2023-10-01T17:04:07.263"/>
+    <p1510:client id="{8FE56CCC-2F3F-47D6-8213-205A330088DA}" v="65" dt="2023-10-08T14:04:48.410"/>
+    <p1510:client id="{AD2B69B3-45E9-0F7C-0131-4471AF4854C0}" v="436" dt="2023-10-08T14:32:06.005"/>
   </p1510:revLst>
 </p1510:revInfo>
 </file>
@@ -136,9 +139,197 @@
 <file path=ppt/changesInfos/changesInfo1.xml><?xml version="1.0" encoding="utf-8"?>
 <pc:chgInfo xmlns:a="http://schemas.openxmlformats.org/drawingml/2006/main" xmlns:r="http://schemas.openxmlformats.org/officeDocument/2006/relationships" xmlns:ac="http://schemas.microsoft.com/office/drawing/2013/main/command" xmlns:pc="http://schemas.microsoft.com/office/powerpoint/2013/main/command">
   <pc:docChgLst>
+    <pc:chgData name="Viktória Szabó" userId="S::viktoria22000@student.hamk.fi::55ff7ae3-70d3-4f82-942e-28ce8109f0e2" providerId="AD" clId="Web-{1FDE725A-75F8-4451-0B66-DD84C6B8954A}"/>
+    <pc:docChg chg="addSld modSld">
+      <pc:chgData name="Viktória Szabó" userId="S::viktoria22000@student.hamk.fi::55ff7ae3-70d3-4f82-942e-28ce8109f0e2" providerId="AD" clId="Web-{1FDE725A-75F8-4451-0B66-DD84C6B8954A}" dt="2023-10-04T10:00:01.784" v="424" actId="1076"/>
+      <pc:docMkLst>
+        <pc:docMk/>
+      </pc:docMkLst>
+      <pc:sldChg chg="modSp">
+        <pc:chgData name="Viktória Szabó" userId="S::viktoria22000@student.hamk.fi::55ff7ae3-70d3-4f82-942e-28ce8109f0e2" providerId="AD" clId="Web-{1FDE725A-75F8-4451-0B66-DD84C6B8954A}" dt="2023-10-04T09:59:00.423" v="404" actId="20577"/>
+        <pc:sldMkLst>
+          <pc:docMk/>
+          <pc:sldMk cId="3257955536" sldId="268"/>
+        </pc:sldMkLst>
+        <pc:spChg chg="mod">
+          <ac:chgData name="Viktória Szabó" userId="S::viktoria22000@student.hamk.fi::55ff7ae3-70d3-4f82-942e-28ce8109f0e2" providerId="AD" clId="Web-{1FDE725A-75F8-4451-0B66-DD84C6B8954A}" dt="2023-10-04T09:59:00.423" v="404" actId="20577"/>
+          <ac:spMkLst>
+            <pc:docMk/>
+            <pc:sldMk cId="3257955536" sldId="268"/>
+            <ac:spMk id="3" creationId="{40D137FA-18A4-4E72-3B1A-E45AE21D012B}"/>
+          </ac:spMkLst>
+        </pc:spChg>
+      </pc:sldChg>
+      <pc:sldChg chg="addSp delSp modSp">
+        <pc:chgData name="Viktória Szabó" userId="S::viktoria22000@student.hamk.fi::55ff7ae3-70d3-4f82-942e-28ce8109f0e2" providerId="AD" clId="Web-{1FDE725A-75F8-4451-0B66-DD84C6B8954A}" dt="2023-10-04T10:00:01.784" v="424" actId="1076"/>
+        <pc:sldMkLst>
+          <pc:docMk/>
+          <pc:sldMk cId="2351471326" sldId="270"/>
+        </pc:sldMkLst>
+        <pc:spChg chg="mod">
+          <ac:chgData name="Viktória Szabó" userId="S::viktoria22000@student.hamk.fi::55ff7ae3-70d3-4f82-942e-28ce8109f0e2" providerId="AD" clId="Web-{1FDE725A-75F8-4451-0B66-DD84C6B8954A}" dt="2023-10-04T09:57:44.186" v="343" actId="20577"/>
+          <ac:spMkLst>
+            <pc:docMk/>
+            <pc:sldMk cId="2351471326" sldId="270"/>
+            <ac:spMk id="3" creationId="{9A2FD7DE-30B6-CD30-B786-0E97D6FCF335}"/>
+          </ac:spMkLst>
+        </pc:spChg>
+        <pc:spChg chg="add del mod">
+          <ac:chgData name="Viktória Szabó" userId="S::viktoria22000@student.hamk.fi::55ff7ae3-70d3-4f82-942e-28ce8109f0e2" providerId="AD" clId="Web-{1FDE725A-75F8-4451-0B66-DD84C6B8954A}" dt="2023-10-04T09:52:41.928" v="2"/>
+          <ac:spMkLst>
+            <pc:docMk/>
+            <pc:sldMk cId="2351471326" sldId="270"/>
+            <ac:spMk id="4" creationId="{BCFE2B82-37CF-E59D-B65E-8332C4BA5B88}"/>
+          </ac:spMkLst>
+        </pc:spChg>
+        <pc:picChg chg="add mod">
+          <ac:chgData name="Viktória Szabó" userId="S::viktoria22000@student.hamk.fi::55ff7ae3-70d3-4f82-942e-28ce8109f0e2" providerId="AD" clId="Web-{1FDE725A-75F8-4451-0B66-DD84C6B8954A}" dt="2023-10-04T09:57:09.482" v="283" actId="1076"/>
+          <ac:picMkLst>
+            <pc:docMk/>
+            <pc:sldMk cId="2351471326" sldId="270"/>
+            <ac:picMk id="5" creationId="{A704C4EE-8BBA-AD1F-DAA3-674E7937E944}"/>
+          </ac:picMkLst>
+        </pc:picChg>
+        <pc:picChg chg="add mod">
+          <ac:chgData name="Viktória Szabó" userId="S::viktoria22000@student.hamk.fi::55ff7ae3-70d3-4f82-942e-28ce8109f0e2" providerId="AD" clId="Web-{1FDE725A-75F8-4451-0B66-DD84C6B8954A}" dt="2023-10-04T09:57:10.498" v="284" actId="1076"/>
+          <ac:picMkLst>
+            <pc:docMk/>
+            <pc:sldMk cId="2351471326" sldId="270"/>
+            <ac:picMk id="6" creationId="{90914565-B047-6FA0-0D38-AB95630577A9}"/>
+          </ac:picMkLst>
+        </pc:picChg>
+        <pc:picChg chg="add mod">
+          <ac:chgData name="Viktória Szabó" userId="S::viktoria22000@student.hamk.fi::55ff7ae3-70d3-4f82-942e-28ce8109f0e2" providerId="AD" clId="Web-{1FDE725A-75F8-4451-0B66-DD84C6B8954A}" dt="2023-10-04T10:00:01.784" v="424" actId="1076"/>
+          <ac:picMkLst>
+            <pc:docMk/>
+            <pc:sldMk cId="2351471326" sldId="270"/>
+            <ac:picMk id="7" creationId="{816AD146-7F96-D78A-DA73-EABFCF805B45}"/>
+          </ac:picMkLst>
+        </pc:picChg>
+      </pc:sldChg>
+      <pc:sldChg chg="modSp new">
+        <pc:chgData name="Viktória Szabó" userId="S::viktoria22000@student.hamk.fi::55ff7ae3-70d3-4f82-942e-28ce8109f0e2" providerId="AD" clId="Web-{1FDE725A-75F8-4451-0B66-DD84C6B8954A}" dt="2023-10-04T09:59:26.314" v="422" actId="20577"/>
+        <pc:sldMkLst>
+          <pc:docMk/>
+          <pc:sldMk cId="2377677268" sldId="271"/>
+        </pc:sldMkLst>
+        <pc:spChg chg="mod">
+          <ac:chgData name="Viktória Szabó" userId="S::viktoria22000@student.hamk.fi::55ff7ae3-70d3-4f82-942e-28ce8109f0e2" providerId="AD" clId="Web-{1FDE725A-75F8-4451-0B66-DD84C6B8954A}" dt="2023-10-04T09:59:26.314" v="422" actId="20577"/>
+          <ac:spMkLst>
+            <pc:docMk/>
+            <pc:sldMk cId="2377677268" sldId="271"/>
+            <ac:spMk id="2" creationId="{344321CD-95AC-7657-30AE-6DA7E8521045}"/>
+          </ac:spMkLst>
+        </pc:spChg>
+      </pc:sldChg>
+    </pc:docChg>
+  </pc:docChgLst>
+  <pc:docChgLst>
+    <pc:chgData name="Viktória Szabó" userId="S::viktoria22000@student.hamk.fi::55ff7ae3-70d3-4f82-942e-28ce8109f0e2" providerId="AD" clId="Web-{2FDE26DA-918B-C5FD-BEDC-B05DF466947D}"/>
+    <pc:docChg chg="modSld">
+      <pc:chgData name="Viktória Szabó" userId="S::viktoria22000@student.hamk.fi::55ff7ae3-70d3-4f82-942e-28ce8109f0e2" providerId="AD" clId="Web-{2FDE26DA-918B-C5FD-BEDC-B05DF466947D}" dt="2023-09-27T10:08:32.022" v="232" actId="20577"/>
+      <pc:docMkLst>
+        <pc:docMk/>
+      </pc:docMkLst>
+      <pc:sldChg chg="modSp">
+        <pc:chgData name="Viktória Szabó" userId="S::viktoria22000@student.hamk.fi::55ff7ae3-70d3-4f82-942e-28ce8109f0e2" providerId="AD" clId="Web-{2FDE26DA-918B-C5FD-BEDC-B05DF466947D}" dt="2023-09-27T10:08:32.022" v="232" actId="20577"/>
+        <pc:sldMkLst>
+          <pc:docMk/>
+          <pc:sldMk cId="3751505815" sldId="269"/>
+        </pc:sldMkLst>
+        <pc:spChg chg="mod">
+          <ac:chgData name="Viktória Szabó" userId="S::viktoria22000@student.hamk.fi::55ff7ae3-70d3-4f82-942e-28ce8109f0e2" providerId="AD" clId="Web-{2FDE26DA-918B-C5FD-BEDC-B05DF466947D}" dt="2023-09-27T10:08:32.022" v="232" actId="20577"/>
+          <ac:spMkLst>
+            <pc:docMk/>
+            <pc:sldMk cId="3751505815" sldId="269"/>
+            <ac:spMk id="3" creationId="{284301AF-09D3-6BEB-2BC6-2BDF6F9CBC62}"/>
+          </ac:spMkLst>
+        </pc:spChg>
+      </pc:sldChg>
+    </pc:docChg>
+  </pc:docChgLst>
+  <pc:docChgLst>
+    <pc:chgData name="Viktória Szabó" userId="S::viktoria22000@student.hamk.fi::55ff7ae3-70d3-4f82-942e-28ce8109f0e2" providerId="AD" clId="Web-{C4D42948-8866-3437-1BA9-3871038CE292}"/>
+    <pc:docChg chg="addSld modSld">
+      <pc:chgData name="Viktória Szabó" userId="S::viktoria22000@student.hamk.fi::55ff7ae3-70d3-4f82-942e-28ce8109f0e2" providerId="AD" clId="Web-{C4D42948-8866-3437-1BA9-3871038CE292}" dt="2023-09-27T10:25:38.896" v="53" actId="20577"/>
+      <pc:docMkLst>
+        <pc:docMk/>
+      </pc:docMkLst>
+      <pc:sldChg chg="modSp">
+        <pc:chgData name="Viktória Szabó" userId="S::viktoria22000@student.hamk.fi::55ff7ae3-70d3-4f82-942e-28ce8109f0e2" providerId="AD" clId="Web-{C4D42948-8866-3437-1BA9-3871038CE292}" dt="2023-09-27T10:25:04.770" v="5" actId="20577"/>
+        <pc:sldMkLst>
+          <pc:docMk/>
+          <pc:sldMk cId="723807988" sldId="262"/>
+        </pc:sldMkLst>
+        <pc:spChg chg="mod">
+          <ac:chgData name="Viktória Szabó" userId="S::viktoria22000@student.hamk.fi::55ff7ae3-70d3-4f82-942e-28ce8109f0e2" providerId="AD" clId="Web-{C4D42948-8866-3437-1BA9-3871038CE292}" dt="2023-09-27T10:25:04.770" v="5" actId="20577"/>
+          <ac:spMkLst>
+            <pc:docMk/>
+            <pc:sldMk cId="723807988" sldId="262"/>
+            <ac:spMk id="2" creationId="{E9FCD3FF-F45B-8D90-0C9A-8B9444056B35}"/>
+          </ac:spMkLst>
+        </pc:spChg>
+      </pc:sldChg>
+      <pc:sldChg chg="modSp">
+        <pc:chgData name="Viktória Szabó" userId="S::viktoria22000@student.hamk.fi::55ff7ae3-70d3-4f82-942e-28ce8109f0e2" providerId="AD" clId="Web-{C4D42948-8866-3437-1BA9-3871038CE292}" dt="2023-09-27T10:25:11.723" v="8" actId="20577"/>
+        <pc:sldMkLst>
+          <pc:docMk/>
+          <pc:sldMk cId="435654270" sldId="265"/>
+        </pc:sldMkLst>
+        <pc:spChg chg="mod">
+          <ac:chgData name="Viktória Szabó" userId="S::viktoria22000@student.hamk.fi::55ff7ae3-70d3-4f82-942e-28ce8109f0e2" providerId="AD" clId="Web-{C4D42948-8866-3437-1BA9-3871038CE292}" dt="2023-09-27T10:25:11.723" v="8" actId="20577"/>
+          <ac:spMkLst>
+            <pc:docMk/>
+            <pc:sldMk cId="435654270" sldId="265"/>
+            <ac:spMk id="2" creationId="{C467D37A-286A-5967-A2D3-A3CB3B01E5C0}"/>
+          </ac:spMkLst>
+        </pc:spChg>
+      </pc:sldChg>
+      <pc:sldChg chg="modSp new">
+        <pc:chgData name="Viktória Szabó" userId="S::viktoria22000@student.hamk.fi::55ff7ae3-70d3-4f82-942e-28ce8109f0e2" providerId="AD" clId="Web-{C4D42948-8866-3437-1BA9-3871038CE292}" dt="2023-09-27T10:25:38.896" v="53" actId="20577"/>
+        <pc:sldMkLst>
+          <pc:docMk/>
+          <pc:sldMk cId="2351471326" sldId="270"/>
+        </pc:sldMkLst>
+        <pc:spChg chg="mod">
+          <ac:chgData name="Viktória Szabó" userId="S::viktoria22000@student.hamk.fi::55ff7ae3-70d3-4f82-942e-28ce8109f0e2" providerId="AD" clId="Web-{C4D42948-8866-3437-1BA9-3871038CE292}" dt="2023-09-27T10:25:38.896" v="53" actId="20577"/>
+          <ac:spMkLst>
+            <pc:docMk/>
+            <pc:sldMk cId="2351471326" sldId="270"/>
+            <ac:spMk id="2" creationId="{25EBB419-52F1-F773-5B78-04CD3918F1CA}"/>
+          </ac:spMkLst>
+        </pc:spChg>
+      </pc:sldChg>
+    </pc:docChg>
+  </pc:docChgLst>
+  <pc:docChgLst>
+    <pc:chgData clId="Web-{99DD3772-D7DA-ACAF-C41D-2125D048CA4C}"/>
+    <pc:docChg chg="modSld">
+      <pc:chgData name="" userId="" providerId="" clId="Web-{99DD3772-D7DA-ACAF-C41D-2125D048CA4C}" dt="2023-09-26T10:29:14.955" v="0" actId="20577"/>
+      <pc:docMkLst>
+        <pc:docMk/>
+      </pc:docMkLst>
+      <pc:sldChg chg="modSp">
+        <pc:chgData name="" userId="" providerId="" clId="Web-{99DD3772-D7DA-ACAF-C41D-2125D048CA4C}" dt="2023-09-26T10:29:14.955" v="0" actId="20577"/>
+        <pc:sldMkLst>
+          <pc:docMk/>
+          <pc:sldMk cId="435654270" sldId="265"/>
+        </pc:sldMkLst>
+        <pc:spChg chg="mod">
+          <ac:chgData name="" userId="" providerId="" clId="Web-{99DD3772-D7DA-ACAF-C41D-2125D048CA4C}" dt="2023-09-26T10:29:14.955" v="0" actId="20577"/>
+          <ac:spMkLst>
+            <pc:docMk/>
+            <pc:sldMk cId="435654270" sldId="265"/>
+            <ac:spMk id="2" creationId="{C467D37A-286A-5967-A2D3-A3CB3B01E5C0}"/>
+          </ac:spMkLst>
+        </pc:spChg>
+      </pc:sldChg>
+    </pc:docChg>
+  </pc:docChgLst>
+  <pc:docChgLst>
     <pc:chgData name="Roy Liu" userId="755465ea-a681-4840-afaf-3106d4ded39d" providerId="ADAL" clId="{26A4DA2E-3B26-4A19-981B-FA4B6FD33F58}"/>
     <pc:docChg chg="undo custSel addSld delSld modSld sldOrd addMainMaster delMainMaster">
-      <pc:chgData name="Roy Liu" userId="755465ea-a681-4840-afaf-3106d4ded39d" providerId="ADAL" clId="{26A4DA2E-3B26-4A19-981B-FA4B6FD33F58}" dt="2023-10-01T17:13:08.855" v="2130" actId="20577"/>
+      <pc:chgData name="Roy Liu" userId="755465ea-a681-4840-afaf-3106d4ded39d" providerId="ADAL" clId="{26A4DA2E-3B26-4A19-981B-FA4B6FD33F58}" dt="2023-10-08T13:05:58.147" v="2147" actId="20577"/>
       <pc:docMkLst>
         <pc:docMk/>
       </pc:docMkLst>
@@ -1217,6 +1408,21 @@
             <ac:picMk id="13" creationId="{DA80BC7E-9CCE-6BDE-B33F-3B42045F189C}"/>
           </ac:picMkLst>
         </pc:picChg>
+      </pc:sldChg>
+      <pc:sldChg chg="modSp new mod">
+        <pc:chgData name="Roy Liu" userId="755465ea-a681-4840-afaf-3106d4ded39d" providerId="ADAL" clId="{26A4DA2E-3B26-4A19-981B-FA4B6FD33F58}" dt="2023-10-08T13:05:58.147" v="2147" actId="20577"/>
+        <pc:sldMkLst>
+          <pc:docMk/>
+          <pc:sldMk cId="1380231780" sldId="272"/>
+        </pc:sldMkLst>
+        <pc:spChg chg="mod">
+          <ac:chgData name="Roy Liu" userId="755465ea-a681-4840-afaf-3106d4ded39d" providerId="ADAL" clId="{26A4DA2E-3B26-4A19-981B-FA4B6FD33F58}" dt="2023-10-08T13:05:58.147" v="2147" actId="20577"/>
+          <ac:spMkLst>
+            <pc:docMk/>
+            <pc:sldMk cId="1380231780" sldId="272"/>
+            <ac:spMk id="2" creationId="{7397F07B-B6D1-6A1D-D609-66018A2AFEAC}"/>
+          </ac:spMkLst>
+        </pc:spChg>
       </pc:sldChg>
       <pc:sldMasterChg chg="add del addSldLayout delSldLayout">
         <pc:chgData name="Roy Liu" userId="755465ea-a681-4840-afaf-3106d4ded39d" providerId="ADAL" clId="{26A4DA2E-3B26-4A19-981B-FA4B6FD33F58}" dt="2023-09-20T11:39:52.354" v="148" actId="26606"/>
@@ -2169,26 +2375,175 @@
     </pc:docChg>
   </pc:docChgLst>
   <pc:docChgLst>
-    <pc:chgData clId="Web-{99DD3772-D7DA-ACAF-C41D-2125D048CA4C}"/>
+    <pc:chgData name="Viktória Szabó" userId="S::viktoria22000@student.hamk.fi::55ff7ae3-70d3-4f82-942e-28ce8109f0e2" providerId="AD" clId="Web-{AD2B69B3-45E9-0F7C-0131-4471AF4854C0}"/>
     <pc:docChg chg="modSld">
-      <pc:chgData name="" userId="" providerId="" clId="Web-{99DD3772-D7DA-ACAF-C41D-2125D048CA4C}" dt="2023-09-26T10:29:14.955" v="0" actId="20577"/>
+      <pc:chgData name="Viktória Szabó" userId="S::viktoria22000@student.hamk.fi::55ff7ae3-70d3-4f82-942e-28ce8109f0e2" providerId="AD" clId="Web-{AD2B69B3-45E9-0F7C-0131-4471AF4854C0}" dt="2023-10-08T14:32:05.458" v="228" actId="20577"/>
       <pc:docMkLst>
         <pc:docMk/>
       </pc:docMkLst>
       <pc:sldChg chg="modSp">
-        <pc:chgData name="" userId="" providerId="" clId="Web-{99DD3772-D7DA-ACAF-C41D-2125D048CA4C}" dt="2023-09-26T10:29:14.955" v="0" actId="20577"/>
+        <pc:chgData name="Viktória Szabó" userId="S::viktoria22000@student.hamk.fi::55ff7ae3-70d3-4f82-942e-28ce8109f0e2" providerId="AD" clId="Web-{AD2B69B3-45E9-0F7C-0131-4471AF4854C0}" dt="2023-10-08T14:05:26.227" v="13" actId="20577"/>
+        <pc:sldMkLst>
+          <pc:docMk/>
+          <pc:sldMk cId="1499829321" sldId="257"/>
+        </pc:sldMkLst>
+        <pc:spChg chg="mod">
+          <ac:chgData name="Viktória Szabó" userId="S::viktoria22000@student.hamk.fi::55ff7ae3-70d3-4f82-942e-28ce8109f0e2" providerId="AD" clId="Web-{AD2B69B3-45E9-0F7C-0131-4471AF4854C0}" dt="2023-10-08T14:05:26.227" v="13" actId="20577"/>
+          <ac:spMkLst>
+            <pc:docMk/>
+            <pc:sldMk cId="1499829321" sldId="257"/>
+            <ac:spMk id="3" creationId="{27880FD4-D46A-B9D5-23AC-6C0D8D9629D2}"/>
+          </ac:spMkLst>
+        </pc:spChg>
+      </pc:sldChg>
+      <pc:sldChg chg="addSp delSp modSp">
+        <pc:chgData name="Viktória Szabó" userId="S::viktoria22000@student.hamk.fi::55ff7ae3-70d3-4f82-942e-28ce8109f0e2" providerId="AD" clId="Web-{AD2B69B3-45E9-0F7C-0131-4471AF4854C0}" dt="2023-10-08T14:13:17.345" v="17" actId="20577"/>
         <pc:sldMkLst>
           <pc:docMk/>
           <pc:sldMk cId="435654270" sldId="265"/>
         </pc:sldMkLst>
         <pc:spChg chg="mod">
-          <ac:chgData name="" userId="" providerId="" clId="Web-{99DD3772-D7DA-ACAF-C41D-2125D048CA4C}" dt="2023-09-26T10:29:14.955" v="0" actId="20577"/>
+          <ac:chgData name="Viktória Szabó" userId="S::viktoria22000@student.hamk.fi::55ff7ae3-70d3-4f82-942e-28ce8109f0e2" providerId="AD" clId="Web-{AD2B69B3-45E9-0F7C-0131-4471AF4854C0}" dt="2023-10-08T14:13:17.345" v="17" actId="20577"/>
           <ac:spMkLst>
             <pc:docMk/>
             <pc:sldMk cId="435654270" sldId="265"/>
-            <ac:spMk id="2" creationId="{C467D37A-286A-5967-A2D3-A3CB3B01E5C0}"/>
-          </ac:spMkLst>
-        </pc:spChg>
+            <ac:spMk id="3" creationId="{7F2E4967-6631-E036-3C10-AB476F921C5F}"/>
+          </ac:spMkLst>
+        </pc:spChg>
+        <pc:picChg chg="add del mod">
+          <ac:chgData name="Viktória Szabó" userId="S::viktoria22000@student.hamk.fi::55ff7ae3-70d3-4f82-942e-28ce8109f0e2" providerId="AD" clId="Web-{AD2B69B3-45E9-0F7C-0131-4471AF4854C0}" dt="2023-10-08T13:21:06.071" v="4"/>
+          <ac:picMkLst>
+            <pc:docMk/>
+            <pc:sldMk cId="435654270" sldId="265"/>
+            <ac:picMk id="4" creationId="{30CFEA8A-710C-D2B2-A1C8-0E52DFA0E532}"/>
+          </ac:picMkLst>
+        </pc:picChg>
+        <pc:picChg chg="mod">
+          <ac:chgData name="Viktória Szabó" userId="S::viktoria22000@student.hamk.fi::55ff7ae3-70d3-4f82-942e-28ce8109f0e2" providerId="AD" clId="Web-{AD2B69B3-45E9-0F7C-0131-4471AF4854C0}" dt="2023-10-08T13:20:47.523" v="3" actId="1076"/>
+          <ac:picMkLst>
+            <pc:docMk/>
+            <pc:sldMk cId="435654270" sldId="265"/>
+            <ac:picMk id="5" creationId="{3746FFB8-CB00-DA0E-CC83-3F8B80704B55}"/>
+          </ac:picMkLst>
+        </pc:picChg>
+        <pc:picChg chg="mod">
+          <ac:chgData name="Viktória Szabó" userId="S::viktoria22000@student.hamk.fi::55ff7ae3-70d3-4f82-942e-28ce8109f0e2" providerId="AD" clId="Web-{AD2B69B3-45E9-0F7C-0131-4471AF4854C0}" dt="2023-10-08T13:20:27.382" v="0" actId="1076"/>
+          <ac:picMkLst>
+            <pc:docMk/>
+            <pc:sldMk cId="435654270" sldId="265"/>
+            <ac:picMk id="6" creationId="{F2B7F44B-D5B4-17C7-5D2E-B87E3E17631B}"/>
+          </ac:picMkLst>
+        </pc:picChg>
+        <pc:picChg chg="add mod">
+          <ac:chgData name="Viktória Szabó" userId="S::viktoria22000@student.hamk.fi::55ff7ae3-70d3-4f82-942e-28ce8109f0e2" providerId="AD" clId="Web-{AD2B69B3-45E9-0F7C-0131-4471AF4854C0}" dt="2023-10-08T13:21:18.556" v="6" actId="1076"/>
+          <ac:picMkLst>
+            <pc:docMk/>
+            <pc:sldMk cId="435654270" sldId="265"/>
+            <ac:picMk id="7" creationId="{23730873-1F75-6462-AA5F-2FDFA6D6D0FC}"/>
+          </ac:picMkLst>
+        </pc:picChg>
+      </pc:sldChg>
+      <pc:sldChg chg="modSp">
+        <pc:chgData name="Viktória Szabó" userId="S::viktoria22000@student.hamk.fi::55ff7ae3-70d3-4f82-942e-28ce8109f0e2" providerId="AD" clId="Web-{AD2B69B3-45E9-0F7C-0131-4471AF4854C0}" dt="2023-10-08T14:04:04.069" v="11" actId="20577"/>
+        <pc:sldMkLst>
+          <pc:docMk/>
+          <pc:sldMk cId="3124489379" sldId="266"/>
+        </pc:sldMkLst>
+        <pc:spChg chg="mod">
+          <ac:chgData name="Viktória Szabó" userId="S::viktoria22000@student.hamk.fi::55ff7ae3-70d3-4f82-942e-28ce8109f0e2" providerId="AD" clId="Web-{AD2B69B3-45E9-0F7C-0131-4471AF4854C0}" dt="2023-10-08T14:04:04.069" v="11" actId="20577"/>
+          <ac:spMkLst>
+            <pc:docMk/>
+            <pc:sldMk cId="3124489379" sldId="266"/>
+            <ac:spMk id="8" creationId="{8A5A1EB3-A69E-9C30-F146-0A35F818E211}"/>
+          </ac:spMkLst>
+        </pc:spChg>
+      </pc:sldChg>
+      <pc:sldChg chg="addSp delSp modSp">
+        <pc:chgData name="Viktória Szabó" userId="S::viktoria22000@student.hamk.fi::55ff7ae3-70d3-4f82-942e-28ce8109f0e2" providerId="AD" clId="Web-{AD2B69B3-45E9-0F7C-0131-4471AF4854C0}" dt="2023-10-08T14:32:05.458" v="228" actId="20577"/>
+        <pc:sldMkLst>
+          <pc:docMk/>
+          <pc:sldMk cId="1380231780" sldId="272"/>
+        </pc:sldMkLst>
+        <pc:spChg chg="del">
+          <ac:chgData name="Viktória Szabó" userId="S::viktoria22000@student.hamk.fi::55ff7ae3-70d3-4f82-942e-28ce8109f0e2" providerId="AD" clId="Web-{AD2B69B3-45E9-0F7C-0131-4471AF4854C0}" dt="2023-10-08T14:31:09.863" v="157"/>
+          <ac:spMkLst>
+            <pc:docMk/>
+            <pc:sldMk cId="1380231780" sldId="272"/>
+            <ac:spMk id="2" creationId="{7397F07B-B6D1-6A1D-D609-66018A2AFEAC}"/>
+          </ac:spMkLst>
+        </pc:spChg>
+        <pc:spChg chg="del">
+          <ac:chgData name="Viktória Szabó" userId="S::viktoria22000@student.hamk.fi::55ff7ae3-70d3-4f82-942e-28ce8109f0e2" providerId="AD" clId="Web-{AD2B69B3-45E9-0F7C-0131-4471AF4854C0}" dt="2023-10-08T14:23:31.085" v="18"/>
+          <ac:spMkLst>
+            <pc:docMk/>
+            <pc:sldMk cId="1380231780" sldId="272"/>
+            <ac:spMk id="3" creationId="{6EA55C6E-25F1-6651-1C19-83D9CB6B289F}"/>
+          </ac:spMkLst>
+        </pc:spChg>
+        <pc:spChg chg="add mod">
+          <ac:chgData name="Viktória Szabó" userId="S::viktoria22000@student.hamk.fi::55ff7ae3-70d3-4f82-942e-28ce8109f0e2" providerId="AD" clId="Web-{AD2B69B3-45E9-0F7C-0131-4471AF4854C0}" dt="2023-10-08T14:31:25.316" v="176" actId="20577"/>
+          <ac:spMkLst>
+            <pc:docMk/>
+            <pc:sldMk cId="1380231780" sldId="272"/>
+            <ac:spMk id="5" creationId="{000811E6-BFE4-E79A-36E5-D5104E811E4D}"/>
+          </ac:spMkLst>
+        </pc:spChg>
+        <pc:spChg chg="add mod">
+          <ac:chgData name="Viktória Szabó" userId="S::viktoria22000@student.hamk.fi::55ff7ae3-70d3-4f82-942e-28ce8109f0e2" providerId="AD" clId="Web-{AD2B69B3-45E9-0F7C-0131-4471AF4854C0}" dt="2023-10-08T14:31:50.489" v="213" actId="1076"/>
+          <ac:spMkLst>
+            <pc:docMk/>
+            <pc:sldMk cId="1380231780" sldId="272"/>
+            <ac:spMk id="7" creationId="{4B9CAC41-F6BD-C973-8225-9C67383DE1A4}"/>
+          </ac:spMkLst>
+        </pc:spChg>
+        <pc:spChg chg="add del mod">
+          <ac:chgData name="Viktória Szabó" userId="S::viktoria22000@student.hamk.fi::55ff7ae3-70d3-4f82-942e-28ce8109f0e2" providerId="AD" clId="Web-{AD2B69B3-45E9-0F7C-0131-4471AF4854C0}" dt="2023-10-08T14:31:15.207" v="159"/>
+          <ac:spMkLst>
+            <pc:docMk/>
+            <pc:sldMk cId="1380231780" sldId="272"/>
+            <ac:spMk id="11" creationId="{CE337734-8626-2369-C48F-7A0825A85F86}"/>
+          </ac:spMkLst>
+        </pc:spChg>
+        <pc:spChg chg="add mod">
+          <ac:chgData name="Viktória Szabó" userId="S::viktoria22000@student.hamk.fi::55ff7ae3-70d3-4f82-942e-28ce8109f0e2" providerId="AD" clId="Web-{AD2B69B3-45E9-0F7C-0131-4471AF4854C0}" dt="2023-10-08T14:32:05.458" v="228" actId="20577"/>
+          <ac:spMkLst>
+            <pc:docMk/>
+            <pc:sldMk cId="1380231780" sldId="272"/>
+            <ac:spMk id="12" creationId="{9C2D0F0F-552E-43F2-6343-270D5A20C05E}"/>
+          </ac:spMkLst>
+        </pc:spChg>
+        <pc:picChg chg="add mod ord">
+          <ac:chgData name="Viktória Szabó" userId="S::viktoria22000@student.hamk.fi::55ff7ae3-70d3-4f82-942e-28ce8109f0e2" providerId="AD" clId="Web-{AD2B69B3-45E9-0F7C-0131-4471AF4854C0}" dt="2023-10-08T14:31:11.910" v="158" actId="1076"/>
+          <ac:picMkLst>
+            <pc:docMk/>
+            <pc:sldMk cId="1380231780" sldId="272"/>
+            <ac:picMk id="4" creationId="{0F5EF7BF-1686-AAF2-1FFF-B4AB8D1026BC}"/>
+          </ac:picMkLst>
+        </pc:picChg>
+        <pc:picChg chg="add mod">
+          <ac:chgData name="Viktória Szabó" userId="S::viktoria22000@student.hamk.fi::55ff7ae3-70d3-4f82-942e-28ce8109f0e2" providerId="AD" clId="Web-{AD2B69B3-45E9-0F7C-0131-4471AF4854C0}" dt="2023-10-08T14:31:26.972" v="177" actId="1076"/>
+          <ac:picMkLst>
+            <pc:docMk/>
+            <pc:sldMk cId="1380231780" sldId="272"/>
+            <ac:picMk id="6" creationId="{62ACD2E7-C906-E23E-0142-BAA6F25F6664}"/>
+          </ac:picMkLst>
+        </pc:picChg>
+        <pc:picChg chg="add del mod">
+          <ac:chgData name="Viktória Szabó" userId="S::viktoria22000@student.hamk.fi::55ff7ae3-70d3-4f82-942e-28ce8109f0e2" providerId="AD" clId="Web-{AD2B69B3-45E9-0F7C-0131-4471AF4854C0}" dt="2023-10-08T14:30:53.112" v="154"/>
+          <ac:picMkLst>
+            <pc:docMk/>
+            <pc:sldMk cId="1380231780" sldId="272"/>
+            <ac:picMk id="8" creationId="{4AF65B32-77D8-D3CB-BD50-6FD7612EFB77}"/>
+          </ac:picMkLst>
+        </pc:picChg>
+        <pc:picChg chg="add mod">
+          <ac:chgData name="Viktória Szabó" userId="S::viktoria22000@student.hamk.fi::55ff7ae3-70d3-4f82-942e-28ce8109f0e2" providerId="AD" clId="Web-{AD2B69B3-45E9-0F7C-0131-4471AF4854C0}" dt="2023-10-08T14:31:53.239" v="214" actId="1076"/>
+          <ac:picMkLst>
+            <pc:docMk/>
+            <pc:sldMk cId="1380231780" sldId="272"/>
+            <ac:picMk id="9" creationId="{BF03FCBE-710F-7FF7-16C3-36BE8955EB84}"/>
+          </ac:picMkLst>
+        </pc:picChg>
       </pc:sldChg>
     </pc:docChg>
   </pc:docChgLst>
@@ -2211,30 +2566,6 @@
             <pc:docMk/>
             <pc:sldMk cId="2351471326" sldId="270"/>
             <ac:spMk id="3" creationId="{9A2FD7DE-30B6-CD30-B786-0E97D6FCF335}"/>
-          </ac:spMkLst>
-        </pc:spChg>
-      </pc:sldChg>
-    </pc:docChg>
-  </pc:docChgLst>
-  <pc:docChgLst>
-    <pc:chgData name="Viktória Szabó" userId="S::viktoria22000@student.hamk.fi::55ff7ae3-70d3-4f82-942e-28ce8109f0e2" providerId="AD" clId="Web-{2FDE26DA-918B-C5FD-BEDC-B05DF466947D}"/>
-    <pc:docChg chg="modSld">
-      <pc:chgData name="Viktória Szabó" userId="S::viktoria22000@student.hamk.fi::55ff7ae3-70d3-4f82-942e-28ce8109f0e2" providerId="AD" clId="Web-{2FDE26DA-918B-C5FD-BEDC-B05DF466947D}" dt="2023-09-27T10:08:32.022" v="232" actId="20577"/>
-      <pc:docMkLst>
-        <pc:docMk/>
-      </pc:docMkLst>
-      <pc:sldChg chg="modSp">
-        <pc:chgData name="Viktória Szabó" userId="S::viktoria22000@student.hamk.fi::55ff7ae3-70d3-4f82-942e-28ce8109f0e2" providerId="AD" clId="Web-{2FDE26DA-918B-C5FD-BEDC-B05DF466947D}" dt="2023-09-27T10:08:32.022" v="232" actId="20577"/>
-        <pc:sldMkLst>
-          <pc:docMk/>
-          <pc:sldMk cId="3751505815" sldId="269"/>
-        </pc:sldMkLst>
-        <pc:spChg chg="mod">
-          <ac:chgData name="Viktória Szabó" userId="S::viktoria22000@student.hamk.fi::55ff7ae3-70d3-4f82-942e-28ce8109f0e2" providerId="AD" clId="Web-{2FDE26DA-918B-C5FD-BEDC-B05DF466947D}" dt="2023-09-27T10:08:32.022" v="232" actId="20577"/>
-          <ac:spMkLst>
-            <pc:docMk/>
-            <pc:sldMk cId="3751505815" sldId="269"/>
-            <ac:spMk id="3" creationId="{284301AF-09D3-6BEB-2BC6-2BDF6F9CBC62}"/>
           </ac:spMkLst>
         </pc:spChg>
       </pc:sldChg>
@@ -2267,16 +2598,39 @@
   <pc:docChgLst>
     <pc:chgData name="Keita Brudere" userId="77ea4fdc-1125-4032-83f0-fd8ca83279e3" providerId="ADAL" clId="{8FE56CCC-2F3F-47D6-8213-205A330088DA}"/>
     <pc:docChg chg="undo custSel modSld">
-      <pc:chgData name="Keita Brudere" userId="77ea4fdc-1125-4032-83f0-fd8ca83279e3" providerId="ADAL" clId="{8FE56CCC-2F3F-47D6-8213-205A330088DA}" dt="2023-09-27T09:58:19.167" v="1844" actId="20577"/>
+      <pc:chgData name="Keita Brudere" userId="77ea4fdc-1125-4032-83f0-fd8ca83279e3" providerId="ADAL" clId="{8FE56CCC-2F3F-47D6-8213-205A330088DA}" dt="2023-10-08T14:04:48.410" v="2746" actId="20577"/>
       <pc:docMkLst>
         <pc:docMk/>
       </pc:docMkLst>
+      <pc:sldChg chg="modSp mod">
+        <pc:chgData name="Keita Brudere" userId="77ea4fdc-1125-4032-83f0-fd8ca83279e3" providerId="ADAL" clId="{8FE56CCC-2F3F-47D6-8213-205A330088DA}" dt="2023-10-08T14:02:04.440" v="2722" actId="20577"/>
+        <pc:sldMkLst>
+          <pc:docMk/>
+          <pc:sldMk cId="4059361716" sldId="256"/>
+        </pc:sldMkLst>
+        <pc:spChg chg="mod">
+          <ac:chgData name="Keita Brudere" userId="77ea4fdc-1125-4032-83f0-fd8ca83279e3" providerId="ADAL" clId="{8FE56CCC-2F3F-47D6-8213-205A330088DA}" dt="2023-10-08T14:02:04.440" v="2722" actId="20577"/>
+          <ac:spMkLst>
+            <pc:docMk/>
+            <pc:sldMk cId="4059361716" sldId="256"/>
+            <ac:spMk id="2" creationId="{FB1621ED-E470-38C9-3C00-E64A512B7968}"/>
+          </ac:spMkLst>
+        </pc:spChg>
+      </pc:sldChg>
       <pc:sldChg chg="addSp delSp modSp mod">
-        <pc:chgData name="Keita Brudere" userId="77ea4fdc-1125-4032-83f0-fd8ca83279e3" providerId="ADAL" clId="{8FE56CCC-2F3F-47D6-8213-205A330088DA}" dt="2023-09-26T12:00:21.678" v="1809" actId="20577"/>
+        <pc:chgData name="Keita Brudere" userId="77ea4fdc-1125-4032-83f0-fd8ca83279e3" providerId="ADAL" clId="{8FE56CCC-2F3F-47D6-8213-205A330088DA}" dt="2023-10-08T14:04:43.339" v="2738" actId="20577"/>
         <pc:sldMkLst>
           <pc:docMk/>
           <pc:sldMk cId="3596416156" sldId="258"/>
         </pc:sldMkLst>
+        <pc:spChg chg="mod">
+          <ac:chgData name="Keita Brudere" userId="77ea4fdc-1125-4032-83f0-fd8ca83279e3" providerId="ADAL" clId="{8FE56CCC-2F3F-47D6-8213-205A330088DA}" dt="2023-10-08T14:04:43.339" v="2738" actId="20577"/>
+          <ac:spMkLst>
+            <pc:docMk/>
+            <pc:sldMk cId="3596416156" sldId="258"/>
+            <ac:spMk id="2" creationId="{027F2EE5-1AEC-892A-0F33-1DAF05804E15}"/>
+          </ac:spMkLst>
+        </pc:spChg>
         <pc:spChg chg="mod">
           <ac:chgData name="Keita Brudere" userId="77ea4fdc-1125-4032-83f0-fd8ca83279e3" providerId="ADAL" clId="{8FE56CCC-2F3F-47D6-8213-205A330088DA}" dt="2023-09-26T12:00:21.678" v="1809" actId="20577"/>
           <ac:spMkLst>
@@ -2359,13 +2713,13 @@
         </pc:picChg>
       </pc:sldChg>
       <pc:sldChg chg="addSp delSp modSp mod setBg">
-        <pc:chgData name="Keita Brudere" userId="77ea4fdc-1125-4032-83f0-fd8ca83279e3" providerId="ADAL" clId="{8FE56CCC-2F3F-47D6-8213-205A330088DA}" dt="2023-09-26T10:47:40.611" v="1101" actId="1076"/>
+        <pc:chgData name="Keita Brudere" userId="77ea4fdc-1125-4032-83f0-fd8ca83279e3" providerId="ADAL" clId="{8FE56CCC-2F3F-47D6-8213-205A330088DA}" dt="2023-10-08T14:04:33.368" v="2730" actId="20577"/>
         <pc:sldMkLst>
           <pc:docMk/>
           <pc:sldMk cId="1627402840" sldId="260"/>
         </pc:sldMkLst>
         <pc:spChg chg="mod">
-          <ac:chgData name="Keita Brudere" userId="77ea4fdc-1125-4032-83f0-fd8ca83279e3" providerId="ADAL" clId="{8FE56CCC-2F3F-47D6-8213-205A330088DA}" dt="2023-09-26T10:25:19.291" v="9" actId="14100"/>
+          <ac:chgData name="Keita Brudere" userId="77ea4fdc-1125-4032-83f0-fd8ca83279e3" providerId="ADAL" clId="{8FE56CCC-2F3F-47D6-8213-205A330088DA}" dt="2023-10-08T14:04:33.368" v="2730" actId="20577"/>
           <ac:spMkLst>
             <pc:docMk/>
             <pc:sldMk cId="1627402840" sldId="260"/>
@@ -2413,7 +2767,7 @@
           </ac:spMkLst>
         </pc:spChg>
         <pc:spChg chg="add mod">
-          <ac:chgData name="Keita Brudere" userId="77ea4fdc-1125-4032-83f0-fd8ca83279e3" providerId="ADAL" clId="{8FE56CCC-2F3F-47D6-8213-205A330088DA}" dt="2023-09-26T10:47:40.611" v="1101" actId="1076"/>
+          <ac:chgData name="Keita Brudere" userId="77ea4fdc-1125-4032-83f0-fd8ca83279e3" providerId="ADAL" clId="{8FE56CCC-2F3F-47D6-8213-205A330088DA}" dt="2023-10-08T14:00:06.792" v="2687" actId="1076"/>
           <ac:spMkLst>
             <pc:docMk/>
             <pc:sldMk cId="1627402840" sldId="260"/>
@@ -2453,7 +2807,7 @@
           </ac:spMkLst>
         </pc:spChg>
         <pc:spChg chg="add mod">
-          <ac:chgData name="Keita Brudere" userId="77ea4fdc-1125-4032-83f0-fd8ca83279e3" providerId="ADAL" clId="{8FE56CCC-2F3F-47D6-8213-205A330088DA}" dt="2023-09-26T10:45:46.400" v="1069" actId="20577"/>
+          <ac:chgData name="Keita Brudere" userId="77ea4fdc-1125-4032-83f0-fd8ca83279e3" providerId="ADAL" clId="{8FE56CCC-2F3F-47D6-8213-205A330088DA}" dt="2023-10-08T14:00:19.700" v="2688" actId="20577"/>
           <ac:spMkLst>
             <pc:docMk/>
             <pc:sldMk cId="1627402840" sldId="260"/>
@@ -2508,6 +2862,21 @@
             <ac:picMk id="13" creationId="{0C23A2E8-3107-7464-53B0-64AAAC4E8911}"/>
           </ac:picMkLst>
         </pc:picChg>
+      </pc:sldChg>
+      <pc:sldChg chg="modSp mod">
+        <pc:chgData name="Keita Brudere" userId="77ea4fdc-1125-4032-83f0-fd8ca83279e3" providerId="ADAL" clId="{8FE56CCC-2F3F-47D6-8213-205A330088DA}" dt="2023-10-08T14:01:01.923" v="2721" actId="20577"/>
+        <pc:sldMkLst>
+          <pc:docMk/>
+          <pc:sldMk cId="3257955536" sldId="268"/>
+        </pc:sldMkLst>
+        <pc:spChg chg="mod">
+          <ac:chgData name="Keita Brudere" userId="77ea4fdc-1125-4032-83f0-fd8ca83279e3" providerId="ADAL" clId="{8FE56CCC-2F3F-47D6-8213-205A330088DA}" dt="2023-10-08T14:01:01.923" v="2721" actId="20577"/>
+          <ac:spMkLst>
+            <pc:docMk/>
+            <pc:sldMk cId="3257955536" sldId="268"/>
+            <ac:spMk id="3" creationId="{40D137FA-18A4-4E72-3B1A-E45AE21D012B}"/>
+          </ac:spMkLst>
+        </pc:spChg>
       </pc:sldChg>
       <pc:sldChg chg="modSp mod">
         <pc:chgData name="Keita Brudere" userId="77ea4fdc-1125-4032-83f0-fd8ca83279e3" providerId="ADAL" clId="{8FE56CCC-2F3F-47D6-8213-205A330088DA}" dt="2023-09-27T09:58:19.167" v="1844" actId="20577"/>
@@ -2524,59 +2893,84 @@
           </ac:spMkLst>
         </pc:spChg>
       </pc:sldChg>
-    </pc:docChg>
-  </pc:docChgLst>
-  <pc:docChgLst>
-    <pc:chgData name="Viktória Szabó" userId="S::viktoria22000@student.hamk.fi::55ff7ae3-70d3-4f82-942e-28ce8109f0e2" providerId="AD" clId="Web-{C4D42948-8866-3437-1BA9-3871038CE292}"/>
-    <pc:docChg chg="addSld modSld">
-      <pc:chgData name="Viktória Szabó" userId="S::viktoria22000@student.hamk.fi::55ff7ae3-70d3-4f82-942e-28ce8109f0e2" providerId="AD" clId="Web-{C4D42948-8866-3437-1BA9-3871038CE292}" dt="2023-09-27T10:25:38.896" v="53" actId="20577"/>
-      <pc:docMkLst>
-        <pc:docMk/>
-      </pc:docMkLst>
-      <pc:sldChg chg="modSp">
-        <pc:chgData name="Viktória Szabó" userId="S::viktoria22000@student.hamk.fi::55ff7ae3-70d3-4f82-942e-28ce8109f0e2" providerId="AD" clId="Web-{C4D42948-8866-3437-1BA9-3871038CE292}" dt="2023-09-27T10:25:04.770" v="5" actId="20577"/>
+      <pc:sldChg chg="addSp delSp modSp mod">
+        <pc:chgData name="Keita Brudere" userId="77ea4fdc-1125-4032-83f0-fd8ca83279e3" providerId="ADAL" clId="{8FE56CCC-2F3F-47D6-8213-205A330088DA}" dt="2023-10-08T14:04:48.410" v="2746" actId="20577"/>
         <pc:sldMkLst>
           <pc:docMk/>
-          <pc:sldMk cId="723807988" sldId="262"/>
+          <pc:sldMk cId="2377677268" sldId="271"/>
         </pc:sldMkLst>
         <pc:spChg chg="mod">
-          <ac:chgData name="Viktória Szabó" userId="S::viktoria22000@student.hamk.fi::55ff7ae3-70d3-4f82-942e-28ce8109f0e2" providerId="AD" clId="Web-{C4D42948-8866-3437-1BA9-3871038CE292}" dt="2023-09-27T10:25:04.770" v="5" actId="20577"/>
-          <ac:spMkLst>
-            <pc:docMk/>
-            <pc:sldMk cId="723807988" sldId="262"/>
-            <ac:spMk id="2" creationId="{E9FCD3FF-F45B-8D90-0C9A-8B9444056B35}"/>
-          </ac:spMkLst>
-        </pc:spChg>
-      </pc:sldChg>
-      <pc:sldChg chg="modSp">
-        <pc:chgData name="Viktória Szabó" userId="S::viktoria22000@student.hamk.fi::55ff7ae3-70d3-4f82-942e-28ce8109f0e2" providerId="AD" clId="Web-{C4D42948-8866-3437-1BA9-3871038CE292}" dt="2023-09-27T10:25:11.723" v="8" actId="20577"/>
-        <pc:sldMkLst>
-          <pc:docMk/>
-          <pc:sldMk cId="435654270" sldId="265"/>
-        </pc:sldMkLst>
-        <pc:spChg chg="mod">
-          <ac:chgData name="Viktória Szabó" userId="S::viktoria22000@student.hamk.fi::55ff7ae3-70d3-4f82-942e-28ce8109f0e2" providerId="AD" clId="Web-{C4D42948-8866-3437-1BA9-3871038CE292}" dt="2023-09-27T10:25:11.723" v="8" actId="20577"/>
-          <ac:spMkLst>
-            <pc:docMk/>
-            <pc:sldMk cId="435654270" sldId="265"/>
-            <ac:spMk id="2" creationId="{C467D37A-286A-5967-A2D3-A3CB3B01E5C0}"/>
-          </ac:spMkLst>
-        </pc:spChg>
-      </pc:sldChg>
-      <pc:sldChg chg="modSp new">
-        <pc:chgData name="Viktória Szabó" userId="S::viktoria22000@student.hamk.fi::55ff7ae3-70d3-4f82-942e-28ce8109f0e2" providerId="AD" clId="Web-{C4D42948-8866-3437-1BA9-3871038CE292}" dt="2023-09-27T10:25:38.896" v="53" actId="20577"/>
-        <pc:sldMkLst>
-          <pc:docMk/>
-          <pc:sldMk cId="2351471326" sldId="270"/>
-        </pc:sldMkLst>
-        <pc:spChg chg="mod">
-          <ac:chgData name="Viktória Szabó" userId="S::viktoria22000@student.hamk.fi::55ff7ae3-70d3-4f82-942e-28ce8109f0e2" providerId="AD" clId="Web-{C4D42948-8866-3437-1BA9-3871038CE292}" dt="2023-09-27T10:25:38.896" v="53" actId="20577"/>
-          <ac:spMkLst>
-            <pc:docMk/>
-            <pc:sldMk cId="2351471326" sldId="270"/>
-            <ac:spMk id="2" creationId="{25EBB419-52F1-F773-5B78-04CD3918F1CA}"/>
-          </ac:spMkLst>
-        </pc:spChg>
+          <ac:chgData name="Keita Brudere" userId="77ea4fdc-1125-4032-83f0-fd8ca83279e3" providerId="ADAL" clId="{8FE56CCC-2F3F-47D6-8213-205A330088DA}" dt="2023-10-08T14:04:48.410" v="2746" actId="20577"/>
+          <ac:spMkLst>
+            <pc:docMk/>
+            <pc:sldMk cId="2377677268" sldId="271"/>
+            <ac:spMk id="2" creationId="{344321CD-95AC-7657-30AE-6DA7E8521045}"/>
+          </ac:spMkLst>
+        </pc:spChg>
+        <pc:spChg chg="del mod">
+          <ac:chgData name="Keita Brudere" userId="77ea4fdc-1125-4032-83f0-fd8ca83279e3" providerId="ADAL" clId="{8FE56CCC-2F3F-47D6-8213-205A330088DA}" dt="2023-10-08T11:25:52.209" v="1904" actId="22"/>
+          <ac:spMkLst>
+            <pc:docMk/>
+            <pc:sldMk cId="2377677268" sldId="271"/>
+            <ac:spMk id="3" creationId="{80DF70D9-78B1-0582-D26C-87FA348245E5}"/>
+          </ac:spMkLst>
+        </pc:spChg>
+        <pc:spChg chg="add mod">
+          <ac:chgData name="Keita Brudere" userId="77ea4fdc-1125-4032-83f0-fd8ca83279e3" providerId="ADAL" clId="{8FE56CCC-2F3F-47D6-8213-205A330088DA}" dt="2023-10-08T11:37:07.540" v="2599" actId="20577"/>
+          <ac:spMkLst>
+            <pc:docMk/>
+            <pc:sldMk cId="2377677268" sldId="271"/>
+            <ac:spMk id="10" creationId="{E3ECE452-BCBF-1DB8-8F4A-2148C1D56F14}"/>
+          </ac:spMkLst>
+        </pc:spChg>
+        <pc:spChg chg="add mod">
+          <ac:chgData name="Keita Brudere" userId="77ea4fdc-1125-4032-83f0-fd8ca83279e3" providerId="ADAL" clId="{8FE56CCC-2F3F-47D6-8213-205A330088DA}" dt="2023-10-08T11:38:19.089" v="2620" actId="20577"/>
+          <ac:spMkLst>
+            <pc:docMk/>
+            <pc:sldMk cId="2377677268" sldId="271"/>
+            <ac:spMk id="11" creationId="{57BAEA2F-A680-D650-850B-B0D3DF2E8BF7}"/>
+          </ac:spMkLst>
+        </pc:spChg>
+        <pc:spChg chg="add mod">
+          <ac:chgData name="Keita Brudere" userId="77ea4fdc-1125-4032-83f0-fd8ca83279e3" providerId="ADAL" clId="{8FE56CCC-2F3F-47D6-8213-205A330088DA}" dt="2023-10-08T13:17:03.044" v="2686" actId="1076"/>
+          <ac:spMkLst>
+            <pc:docMk/>
+            <pc:sldMk cId="2377677268" sldId="271"/>
+            <ac:spMk id="12" creationId="{F9F9F56D-3DBB-86A0-B417-2B44431DB325}"/>
+          </ac:spMkLst>
+        </pc:spChg>
+        <pc:spChg chg="add mod">
+          <ac:chgData name="Keita Brudere" userId="77ea4fdc-1125-4032-83f0-fd8ca83279e3" providerId="ADAL" clId="{8FE56CCC-2F3F-47D6-8213-205A330088DA}" dt="2023-10-08T11:38:26.429" v="2633" actId="20577"/>
+          <ac:spMkLst>
+            <pc:docMk/>
+            <pc:sldMk cId="2377677268" sldId="271"/>
+            <ac:spMk id="13" creationId="{AB78FCAF-F61B-76DB-0805-427DD762475E}"/>
+          </ac:spMkLst>
+        </pc:spChg>
+        <pc:picChg chg="add mod ord">
+          <ac:chgData name="Keita Brudere" userId="77ea4fdc-1125-4032-83f0-fd8ca83279e3" providerId="ADAL" clId="{8FE56CCC-2F3F-47D6-8213-205A330088DA}" dt="2023-10-08T11:28:13.993" v="1923" actId="1076"/>
+          <ac:picMkLst>
+            <pc:docMk/>
+            <pc:sldMk cId="2377677268" sldId="271"/>
+            <ac:picMk id="5" creationId="{C22D1FE3-E396-6CCA-3975-368701CE8DBF}"/>
+          </ac:picMkLst>
+        </pc:picChg>
+        <pc:picChg chg="add mod">
+          <ac:chgData name="Keita Brudere" userId="77ea4fdc-1125-4032-83f0-fd8ca83279e3" providerId="ADAL" clId="{8FE56CCC-2F3F-47D6-8213-205A330088DA}" dt="2023-10-08T11:28:10.829" v="1922" actId="1076"/>
+          <ac:picMkLst>
+            <pc:docMk/>
+            <pc:sldMk cId="2377677268" sldId="271"/>
+            <ac:picMk id="7" creationId="{BF89A50B-72AC-D480-19B3-6F3C7E55E7F2}"/>
+          </ac:picMkLst>
+        </pc:picChg>
+        <pc:picChg chg="add mod">
+          <ac:chgData name="Keita Brudere" userId="77ea4fdc-1125-4032-83f0-fd8ca83279e3" providerId="ADAL" clId="{8FE56CCC-2F3F-47D6-8213-205A330088DA}" dt="2023-10-08T11:28:35.823" v="1929" actId="1076"/>
+          <ac:picMkLst>
+            <pc:docMk/>
+            <pc:sldMk cId="2377677268" sldId="271"/>
+            <ac:picMk id="9" creationId="{1D181D90-63CB-DF86-2F58-75F942E23AE9}"/>
+          </ac:picMkLst>
+        </pc:picChg>
       </pc:sldChg>
     </pc:docChg>
   </pc:docChgLst>
@@ -2744,7 +3138,7 @@
             <a:fld id="{11A6662E-FAF4-44BC-88B5-85A7CBFB6D30}" type="datetime1">
               <a:rPr lang="en-US" smtClean="0"/>
               <a:pPr/>
-              <a:t>10/1/2023</a:t>
+              <a:t>10/8/2023</a:t>
             </a:fld>
             <a:endParaRPr lang="en-US"/>
           </a:p>
@@ -2971,7 +3365,7 @@
           <a:p>
             <a:fld id="{4C559632-1575-4E14-B53B-3DC3D5ED3947}" type="datetime1">
               <a:rPr lang="en-US" smtClean="0"/>
-              <a:t>10/1/2023</a:t>
+              <a:t>10/8/2023</a:t>
             </a:fld>
             <a:endParaRPr lang="en-US"/>
           </a:p>
@@ -3179,7 +3573,7 @@
           <a:p>
             <a:fld id="{CC4A6868-2568-4CC9-B302-F37117B01A6E}" type="datetime1">
               <a:rPr lang="en-US" smtClean="0"/>
-              <a:t>10/1/2023</a:t>
+              <a:t>10/8/2023</a:t>
             </a:fld>
             <a:endParaRPr lang="en-US"/>
           </a:p>
@@ -3382,7 +3776,7 @@
           <a:p>
             <a:fld id="{0055F08A-1E71-4B2B-BB49-E743F2903911}" type="datetime1">
               <a:rPr lang="en-US" smtClean="0"/>
-              <a:t>10/1/2023</a:t>
+              <a:t>10/8/2023</a:t>
             </a:fld>
             <a:endParaRPr lang="en-US"/>
           </a:p>
@@ -3655,7 +4049,7 @@
           <a:p>
             <a:fld id="{15417D9E-721A-44BB-8863-9873FE64DA75}" type="datetime1">
               <a:rPr lang="en-US" smtClean="0"/>
-              <a:t>10/1/2023</a:t>
+              <a:t>10/8/2023</a:t>
             </a:fld>
             <a:endParaRPr lang="en-US"/>
           </a:p>
@@ -3925,7 +4319,7 @@
           <a:p>
             <a:fld id="{5F31DA2F-80B8-49CF-99FB-5ABCA53A607A}" type="datetime1">
               <a:rPr lang="en-US" smtClean="0"/>
-              <a:t>10/1/2023</a:t>
+              <a:t>10/8/2023</a:t>
             </a:fld>
             <a:endParaRPr lang="en-US"/>
           </a:p>
@@ -4337,7 +4731,7 @@
           <a:p>
             <a:fld id="{28852172-E6C9-4B6C-929A-A9DE3837BBF1}" type="datetime1">
               <a:rPr lang="en-US" smtClean="0"/>
-              <a:t>10/1/2023</a:t>
+              <a:t>10/8/2023</a:t>
             </a:fld>
             <a:endParaRPr lang="en-US"/>
           </a:p>
@@ -4488,7 +4882,7 @@
           <a:p>
             <a:fld id="{3AB41CFF-90C9-47B3-9DA1-F2BF8D839F7E}" type="datetime1">
               <a:rPr lang="en-US" smtClean="0"/>
-              <a:t>10/1/2023</a:t>
+              <a:t>10/8/2023</a:t>
             </a:fld>
             <a:endParaRPr lang="en-US"/>
           </a:p>
@@ -4601,7 +4995,7 @@
           <a:p>
             <a:fld id="{F06048FA-06AB-4884-A69B-986B96E68A24}" type="datetime1">
               <a:rPr lang="en-US" smtClean="0"/>
-              <a:t>10/1/2023</a:t>
+              <a:t>10/8/2023</a:t>
             </a:fld>
             <a:endParaRPr lang="en-US"/>
           </a:p>
@@ -4912,7 +5306,7 @@
           <a:p>
             <a:fld id="{50DB7ABA-0172-4F9C-889D-567164F66BCD}" type="datetime1">
               <a:rPr lang="en-US" smtClean="0"/>
-              <a:t>10/1/2023</a:t>
+              <a:t>10/8/2023</a:t>
             </a:fld>
             <a:endParaRPr lang="en-US"/>
           </a:p>
@@ -5203,7 +5597,7 @@
           <a:p>
             <a:fld id="{78AC6A5B-8AE7-4A41-B5A7-9ADC6686DC18}" type="datetime1">
               <a:rPr lang="en-US" smtClean="0"/>
-              <a:t>10/1/2023</a:t>
+              <a:t>10/8/2023</a:t>
             </a:fld>
             <a:endParaRPr lang="en-US"/>
           </a:p>
@@ -5512,7 +5906,7 @@
             <a:fld id="{57E0CF6C-748E-4B7A-BC8B-3011EF78ED13}" type="datetime1">
               <a:rPr lang="en-US" smtClean="0"/>
               <a:pPr/>
-              <a:t>10/1/2023</a:t>
+              <a:t>10/8/2023</a:t>
             </a:fld>
             <a:endParaRPr lang="en-US"/>
           </a:p>
@@ -6226,7 +6620,7 @@
                   </a:outerShdw>
                 </a:effectLst>
               </a:rPr>
-              <a:t>reports</a:t>
+              <a:t>report</a:t>
             </a:r>
             <a:r>
               <a:rPr lang="fi-FI" sz="5200" b="1">
@@ -6434,7 +6828,7 @@
           <a:p>
             <a:r>
               <a:rPr lang="en-US"/>
-              <a:t>Comparisons Katie (Age / Gender)</a:t>
+              <a:t>Comparisons Keita (Age / Gender)</a:t>
             </a:r>
           </a:p>
         </p:txBody>
@@ -6712,6 +7106,355 @@
 </file>
 
 <file path=ppt/slides/slide11.xml><?xml version="1.0" encoding="utf-8"?>
+<p:sld xmlns:a="http://schemas.openxmlformats.org/drawingml/2006/main" xmlns:r="http://schemas.openxmlformats.org/officeDocument/2006/relationships" xmlns:p="http://schemas.openxmlformats.org/presentationml/2006/main">
+  <p:cSld>
+    <p:spTree>
+      <p:nvGrpSpPr>
+        <p:cNvPr id="1" name=""/>
+        <p:cNvGrpSpPr/>
+        <p:nvPr/>
+      </p:nvGrpSpPr>
+      <p:grpSpPr>
+        <a:xfrm>
+          <a:off x="0" y="0"/>
+          <a:ext cx="0" cy="0"/>
+          <a:chOff x="0" y="0"/>
+          <a:chExt cx="0" cy="0"/>
+        </a:xfrm>
+      </p:grpSpPr>
+      <p:sp>
+        <p:nvSpPr>
+          <p:cNvPr id="2" name="Otsikko 1">
+            <a:extLst>
+              <a:ext uri="{FF2B5EF4-FFF2-40B4-BE49-F238E27FC236}">
+                <a16:creationId xmlns:a16="http://schemas.microsoft.com/office/drawing/2014/main" id="{344321CD-95AC-7657-30AE-6DA7E8521045}"/>
+              </a:ext>
+            </a:extLst>
+          </p:cNvPr>
+          <p:cNvSpPr>
+            <a:spLocks noGrp="1"/>
+          </p:cNvSpPr>
+          <p:nvPr>
+            <p:ph type="title"/>
+          </p:nvPr>
+        </p:nvSpPr>
+        <p:spPr/>
+        <p:txBody>
+          <a:bodyPr>
+            <a:normAutofit fontScale="90000"/>
+          </a:bodyPr>
+          <a:lstStyle/>
+          <a:p>
+            <a:r>
+              <a:rPr lang="fi-FI">
+                <a:cs typeface="Sabon Next LT"/>
+              </a:rPr>
+              <a:t>Keita's two variables (Salary satisfaction and gender) </a:t>
+            </a:r>
+          </a:p>
+        </p:txBody>
+      </p:sp>
+      <p:pic>
+        <p:nvPicPr>
+          <p:cNvPr id="5" name="Content Placeholder 4">
+            <a:extLst>
+              <a:ext uri="{FF2B5EF4-FFF2-40B4-BE49-F238E27FC236}">
+                <a16:creationId xmlns:a16="http://schemas.microsoft.com/office/drawing/2014/main" id="{C22D1FE3-E396-6CCA-3975-368701CE8DBF}"/>
+              </a:ext>
+            </a:extLst>
+          </p:cNvPr>
+          <p:cNvPicPr>
+            <a:picLocks noGrp="1" noChangeAspect="1"/>
+          </p:cNvPicPr>
+          <p:nvPr>
+            <p:ph idx="1"/>
+          </p:nvPr>
+        </p:nvPicPr>
+        <p:blipFill>
+          <a:blip r:embed="rId2"/>
+          <a:stretch>
+            <a:fillRect/>
+          </a:stretch>
+        </p:blipFill>
+        <p:spPr>
+          <a:xfrm>
+            <a:off x="5689468" y="2359978"/>
+            <a:ext cx="2110923" cy="1463167"/>
+          </a:xfrm>
+        </p:spPr>
+      </p:pic>
+      <p:pic>
+        <p:nvPicPr>
+          <p:cNvPr id="7" name="Picture 6">
+            <a:extLst>
+              <a:ext uri="{FF2B5EF4-FFF2-40B4-BE49-F238E27FC236}">
+                <a16:creationId xmlns:a16="http://schemas.microsoft.com/office/drawing/2014/main" id="{BF89A50B-72AC-D480-19B3-6F3C7E55E7F2}"/>
+              </a:ext>
+            </a:extLst>
+          </p:cNvPr>
+          <p:cNvPicPr>
+            <a:picLocks noChangeAspect="1"/>
+          </p:cNvPicPr>
+          <p:nvPr/>
+        </p:nvPicPr>
+        <p:blipFill>
+          <a:blip r:embed="rId3"/>
+          <a:stretch>
+            <a:fillRect/>
+          </a:stretch>
+        </p:blipFill>
+        <p:spPr>
+          <a:xfrm>
+            <a:off x="7960720" y="1367762"/>
+            <a:ext cx="3811691" cy="2455383"/>
+          </a:xfrm>
+          <a:prstGeom prst="rect">
+            <a:avLst/>
+          </a:prstGeom>
+        </p:spPr>
+      </p:pic>
+      <p:pic>
+        <p:nvPicPr>
+          <p:cNvPr id="9" name="Picture 8">
+            <a:extLst>
+              <a:ext uri="{FF2B5EF4-FFF2-40B4-BE49-F238E27FC236}">
+                <a16:creationId xmlns:a16="http://schemas.microsoft.com/office/drawing/2014/main" id="{1D181D90-63CB-DF86-2F58-75F942E23AE9}"/>
+              </a:ext>
+            </a:extLst>
+          </p:cNvPr>
+          <p:cNvPicPr>
+            <a:picLocks noChangeAspect="1"/>
+          </p:cNvPicPr>
+          <p:nvPr/>
+        </p:nvPicPr>
+        <p:blipFill>
+          <a:blip r:embed="rId4"/>
+          <a:stretch>
+            <a:fillRect/>
+          </a:stretch>
+        </p:blipFill>
+        <p:spPr>
+          <a:xfrm>
+            <a:off x="5689468" y="4292663"/>
+            <a:ext cx="6237061" cy="196645"/>
+          </a:xfrm>
+          <a:prstGeom prst="rect">
+            <a:avLst/>
+          </a:prstGeom>
+        </p:spPr>
+      </p:pic>
+      <p:sp>
+        <p:nvSpPr>
+          <p:cNvPr id="10" name="TextBox 9">
+            <a:extLst>
+              <a:ext uri="{FF2B5EF4-FFF2-40B4-BE49-F238E27FC236}">
+                <a16:creationId xmlns:a16="http://schemas.microsoft.com/office/drawing/2014/main" id="{E3ECE452-BCBF-1DB8-8F4A-2148C1D56F14}"/>
+              </a:ext>
+            </a:extLst>
+          </p:cNvPr>
+          <p:cNvSpPr txBox="1"/>
+          <p:nvPr/>
+        </p:nvSpPr>
+        <p:spPr>
+          <a:xfrm>
+            <a:off x="147485" y="1907458"/>
+            <a:ext cx="5381654" cy="3970318"/>
+          </a:xfrm>
+          <a:prstGeom prst="rect">
+            <a:avLst/>
+          </a:prstGeom>
+          <a:noFill/>
+        </p:spPr>
+        <p:txBody>
+          <a:bodyPr wrap="square" rtlCol="0">
+            <a:spAutoFit/>
+          </a:bodyPr>
+          <a:lstStyle/>
+          <a:p>
+            <a:pPr marL="285750" indent="-285750">
+              <a:buFont typeface="Arial" panose="020B0604020202020204" pitchFamily="34" charset="0"/>
+              <a:buChar char="•"/>
+            </a:pPr>
+            <a:r>
+              <a:rPr lang="en-GB"/>
+              <a:t>After running analysis to determine whether there is a dependency between variables Gender and Salary satisfaction, the </a:t>
+            </a:r>
+            <a:r>
+              <a:rPr lang="en-GB" i="1"/>
+              <a:t>p </a:t>
+            </a:r>
+            <a:r>
+              <a:rPr lang="en-GB"/>
+              <a:t>value was found to be significant (</a:t>
+            </a:r>
+            <a:r>
+              <a:rPr lang="en-GB" i="1"/>
+              <a:t>p</a:t>
+            </a:r>
+            <a:r>
+              <a:rPr lang="en-GB"/>
+              <a:t> = .004). Suggesting that there is a significant difference between genders and satisfaction of the salary.</a:t>
+            </a:r>
+          </a:p>
+          <a:p>
+            <a:pPr marL="285750" indent="-285750">
+              <a:buFont typeface="Arial" panose="020B0604020202020204" pitchFamily="34" charset="0"/>
+              <a:buChar char="•"/>
+            </a:pPr>
+            <a:endParaRPr lang="en-GB"/>
+          </a:p>
+          <a:p>
+            <a:pPr marL="285750" indent="-285750">
+              <a:buFont typeface="Arial" panose="020B0604020202020204" pitchFamily="34" charset="0"/>
+              <a:buChar char="•"/>
+            </a:pPr>
+            <a:r>
+              <a:rPr lang="en-GB"/>
+              <a:t>Table 1 and Graph 1 suggests that one female finds her salary very unsatisfying compared to 32 males. Whilst there is only one female who finds her salary satisfying compared to 0 men.</a:t>
+            </a:r>
+          </a:p>
+          <a:p>
+            <a:pPr marL="285750" indent="-285750">
+              <a:buFont typeface="Arial" panose="020B0604020202020204" pitchFamily="34" charset="0"/>
+              <a:buChar char="•"/>
+            </a:pPr>
+            <a:endParaRPr lang="en-GB"/>
+          </a:p>
+          <a:p>
+            <a:pPr marL="285750" indent="-285750">
+              <a:buFont typeface="Arial" panose="020B0604020202020204" pitchFamily="34" charset="0"/>
+              <a:buChar char="•"/>
+            </a:pPr>
+            <a:endParaRPr lang="en-GB"/>
+          </a:p>
+          <a:p>
+            <a:pPr marL="285750" indent="-285750">
+              <a:buFont typeface="Arial" panose="020B0604020202020204" pitchFamily="34" charset="0"/>
+              <a:buChar char="•"/>
+            </a:pPr>
+            <a:endParaRPr lang="en-GB"/>
+          </a:p>
+        </p:txBody>
+      </p:sp>
+      <p:sp>
+        <p:nvSpPr>
+          <p:cNvPr id="11" name="TextBox 10">
+            <a:extLst>
+              <a:ext uri="{FF2B5EF4-FFF2-40B4-BE49-F238E27FC236}">
+                <a16:creationId xmlns:a16="http://schemas.microsoft.com/office/drawing/2014/main" id="{57BAEA2F-A680-D650-850B-B0D3DF2E8BF7}"/>
+              </a:ext>
+            </a:extLst>
+          </p:cNvPr>
+          <p:cNvSpPr txBox="1"/>
+          <p:nvPr/>
+        </p:nvSpPr>
+        <p:spPr>
+          <a:xfrm>
+            <a:off x="5609302" y="3837790"/>
+            <a:ext cx="973395" cy="261610"/>
+          </a:xfrm>
+          <a:prstGeom prst="rect">
+            <a:avLst/>
+          </a:prstGeom>
+          <a:noFill/>
+        </p:spPr>
+        <p:txBody>
+          <a:bodyPr wrap="square" rtlCol="0">
+            <a:spAutoFit/>
+          </a:bodyPr>
+          <a:lstStyle/>
+          <a:p>
+            <a:r>
+              <a:rPr lang="en-GB" sz="1100" i="1"/>
+              <a:t>Table 1</a:t>
+            </a:r>
+          </a:p>
+        </p:txBody>
+      </p:sp>
+      <p:sp>
+        <p:nvSpPr>
+          <p:cNvPr id="12" name="TextBox 11">
+            <a:extLst>
+              <a:ext uri="{FF2B5EF4-FFF2-40B4-BE49-F238E27FC236}">
+                <a16:creationId xmlns:a16="http://schemas.microsoft.com/office/drawing/2014/main" id="{F9F9F56D-3DBB-86A0-B417-2B44431DB325}"/>
+              </a:ext>
+            </a:extLst>
+          </p:cNvPr>
+          <p:cNvSpPr txBox="1"/>
+          <p:nvPr/>
+        </p:nvSpPr>
+        <p:spPr>
+          <a:xfrm>
+            <a:off x="5597964" y="4489308"/>
+            <a:ext cx="973395" cy="261610"/>
+          </a:xfrm>
+          <a:prstGeom prst="rect">
+            <a:avLst/>
+          </a:prstGeom>
+          <a:noFill/>
+        </p:spPr>
+        <p:txBody>
+          <a:bodyPr wrap="square" rtlCol="0">
+            <a:spAutoFit/>
+          </a:bodyPr>
+          <a:lstStyle/>
+          <a:p>
+            <a:r>
+              <a:rPr lang="en-GB" sz="1100" i="1"/>
+              <a:t>Table 2</a:t>
+            </a:r>
+          </a:p>
+        </p:txBody>
+      </p:sp>
+      <p:sp>
+        <p:nvSpPr>
+          <p:cNvPr id="13" name="TextBox 12">
+            <a:extLst>
+              <a:ext uri="{FF2B5EF4-FFF2-40B4-BE49-F238E27FC236}">
+                <a16:creationId xmlns:a16="http://schemas.microsoft.com/office/drawing/2014/main" id="{AB78FCAF-F61B-76DB-0805-427DD762475E}"/>
+              </a:ext>
+            </a:extLst>
+          </p:cNvPr>
+          <p:cNvSpPr txBox="1"/>
+          <p:nvPr/>
+        </p:nvSpPr>
+        <p:spPr>
+          <a:xfrm>
+            <a:off x="7945971" y="3823145"/>
+            <a:ext cx="973395" cy="261610"/>
+          </a:xfrm>
+          <a:prstGeom prst="rect">
+            <a:avLst/>
+          </a:prstGeom>
+          <a:noFill/>
+        </p:spPr>
+        <p:txBody>
+          <a:bodyPr wrap="square" rtlCol="0">
+            <a:spAutoFit/>
+          </a:bodyPr>
+          <a:lstStyle/>
+          <a:p>
+            <a:r>
+              <a:rPr lang="en-GB" sz="1100" i="1"/>
+              <a:t>Graph 1</a:t>
+            </a:r>
+          </a:p>
+        </p:txBody>
+      </p:sp>
+    </p:spTree>
+    <p:extLst>
+      <p:ext uri="{BB962C8B-B14F-4D97-AF65-F5344CB8AC3E}">
+        <p14:creationId xmlns:p14="http://schemas.microsoft.com/office/powerpoint/2010/main" val="2377677268"/>
+      </p:ext>
+    </p:extLst>
+  </p:cSld>
+  <p:clrMapOvr>
+    <a:masterClrMapping/>
+  </p:clrMapOvr>
+</p:sld>
+</file>
+
+<file path=ppt/slides/slide12.xml><?xml version="1.0" encoding="utf-8"?>
 <p:sld xmlns:a="http://schemas.openxmlformats.org/drawingml/2006/main" xmlns:r="http://schemas.openxmlformats.org/officeDocument/2006/relationships" xmlns:p="http://schemas.openxmlformats.org/presentationml/2006/main">
   <p:cSld>
     <p:bg>
@@ -7048,7 +7791,7 @@
           <a:lstStyle/>
           <a:p>
             <a:r>
-              <a:rPr lang="en-US" sz="4100" dirty="0"/>
+              <a:rPr lang="en-US" sz="4100"/>
               <a:t>Analysis between family status and salary (Roy) </a:t>
             </a:r>
           </a:p>
@@ -7214,7 +7957,7 @@
 </p:sld>
 </file>
 
-<file path=ppt/slides/slide12.xml><?xml version="1.0" encoding="utf-8"?>
+<file path=ppt/slides/slide13.xml><?xml version="1.0" encoding="utf-8"?>
 <p:sld xmlns:a="http://schemas.openxmlformats.org/drawingml/2006/main" xmlns:r="http://schemas.openxmlformats.org/officeDocument/2006/relationships" xmlns:p="http://schemas.openxmlformats.org/presentationml/2006/main">
   <p:cSld>
     <p:bg>
@@ -7299,7 +8042,7 @@
           <a:lstStyle/>
           <a:p>
             <a:pPr algn="ctr"/>
-            <a:endParaRPr lang="en-US" dirty="0">
+            <a:endParaRPr lang="en-US">
               <a:solidFill>
                 <a:schemeClr val="tx1">
                   <a:lumMod val="65000"/>
@@ -7555,30 +8298,30 @@
           <a:lstStyle/>
           <a:p>
             <a:r>
-              <a:rPr lang="fi-FI" dirty="0" err="1"/>
+              <a:rPr lang="fi-FI" err="1"/>
               <a:t>Family</a:t>
             </a:r>
             <a:r>
-              <a:rPr lang="fi-FI" dirty="0"/>
+              <a:rPr lang="fi-FI"/>
               <a:t> status and </a:t>
             </a:r>
             <a:r>
-              <a:rPr lang="fi-FI" dirty="0" err="1"/>
+              <a:rPr lang="fi-FI" err="1"/>
               <a:t>Salary</a:t>
             </a:r>
             <a:r>
-              <a:rPr lang="fi-FI" dirty="0"/>
+              <a:rPr lang="fi-FI"/>
               <a:t> </a:t>
             </a:r>
             <a:r>
-              <a:rPr lang="fi-FI" dirty="0" err="1"/>
+              <a:rPr lang="fi-FI" err="1"/>
               <a:t>Satisfaction</a:t>
             </a:r>
             <a:r>
-              <a:rPr lang="fi-FI" dirty="0"/>
+              <a:rPr lang="fi-FI"/>
               <a:t> (Roy)</a:t>
             </a:r>
-            <a:endParaRPr lang="LID4096" dirty="0"/>
+            <a:endParaRPr lang="LID4096"/>
           </a:p>
         </p:txBody>
       </p:sp>
@@ -7646,22 +8389,18 @@
           <a:lstStyle/>
           <a:p>
             <a:r>
-              <a:rPr lang="en-US" sz="1800" dirty="0"/>
+              <a:rPr lang="en-US" sz="1800"/>
               <a:t>Generally, people are not satisfied with their salary, majority being “very unsatisfied”</a:t>
             </a:r>
           </a:p>
           <a:p>
             <a:r>
               <a:rPr lang="en-US" sz="1800"/>
-              <a:t>P </a:t>
-            </a:r>
-            <a:r>
-              <a:rPr lang="en-US" sz="1800" dirty="0"/>
-              <a:t>value is ~0.29 and it makes this comparison insignificant</a:t>
-            </a:r>
-          </a:p>
-          <a:p>
-            <a:endParaRPr lang="en-US" sz="1800" dirty="0"/>
+              <a:t>P value is ~0.29 and it makes this comparison insignificant</a:t>
+            </a:r>
+          </a:p>
+          <a:p>
+            <a:endParaRPr lang="en-US" sz="1800"/>
           </a:p>
         </p:txBody>
       </p:sp>
@@ -7768,7 +8507,7 @@
 </p:sld>
 </file>
 
-<file path=ppt/slides/slide13.xml><?xml version="1.0" encoding="utf-8"?>
+<file path=ppt/slides/slide14.xml><?xml version="1.0" encoding="utf-8"?>
 <p:sld xmlns:a="http://schemas.openxmlformats.org/drawingml/2006/main" xmlns:r="http://schemas.openxmlformats.org/officeDocument/2006/relationships" xmlns:p="http://schemas.openxmlformats.org/presentationml/2006/main">
   <p:cSld>
     <p:spTree>
@@ -7943,7 +8682,7 @@
                 <a:ea typeface="+mn-lt"/>
                 <a:cs typeface="+mn-lt"/>
               </a:rPr>
-              <a:t>Here we analyze, whether there is dependency between variables education and years of service</a:t>
+              <a:t>Here analyzed, whether there is dependency between variables education and years of service</a:t>
             </a:r>
             <a:endParaRPr lang="LID4096"/>
           </a:p>
@@ -7953,7 +8692,7 @@
                 <a:ea typeface="+mn-lt"/>
                 <a:cs typeface="+mn-lt"/>
               </a:rPr>
-              <a:t>As it is shown, the higher the education level, the lower the years of service is, which indicates that those participants, who quit education obtain more years of work experience </a:t>
+              <a:t>As it is shown, the higher the education level, the lower the years of service is, which indicates that those participants, who quit education obtain more years of work experience </a:t>
             </a:r>
             <a:endParaRPr lang="LID4096"/>
           </a:p>
@@ -7994,7 +8733,7 @@
         </p:blipFill>
         <p:spPr>
           <a:xfrm>
-            <a:off x="6699161" y="3424096"/>
+            <a:off x="7042597" y="3155786"/>
             <a:ext cx="4707227" cy="2971950"/>
           </a:xfrm>
           <a:prstGeom prst="rect">
@@ -8024,8 +8763,38 @@
         </p:blipFill>
         <p:spPr>
           <a:xfrm>
-            <a:off x="7021132" y="2042097"/>
+            <a:off x="6473780" y="1827449"/>
             <a:ext cx="4331594" cy="1324933"/>
+          </a:xfrm>
+          <a:prstGeom prst="rect">
+            <a:avLst/>
+          </a:prstGeom>
+        </p:spPr>
+      </p:pic>
+      <p:pic>
+        <p:nvPicPr>
+          <p:cNvPr id="7" name="Kuva 6">
+            <a:extLst>
+              <a:ext uri="{FF2B5EF4-FFF2-40B4-BE49-F238E27FC236}">
+                <a16:creationId xmlns:a16="http://schemas.microsoft.com/office/drawing/2014/main" id="{23730873-1F75-6462-AA5F-2FDFA6D6D0FC}"/>
+              </a:ext>
+            </a:extLst>
+          </p:cNvPr>
+          <p:cNvPicPr>
+            <a:picLocks noChangeAspect="1"/>
+          </p:cNvPicPr>
+          <p:nvPr/>
+        </p:nvPicPr>
+        <p:blipFill>
+          <a:blip r:embed="rId4"/>
+          <a:stretch>
+            <a:fillRect/>
+          </a:stretch>
+        </p:blipFill>
+        <p:spPr>
+          <a:xfrm>
+            <a:off x="5827690" y="6091757"/>
+            <a:ext cx="6096000" cy="255330"/>
           </a:xfrm>
           <a:prstGeom prst="rect">
             <a:avLst/>
@@ -8045,7 +8814,7 @@
 </p:sld>
 </file>
 
-<file path=ppt/slides/slide14.xml><?xml version="1.0" encoding="utf-8"?>
+<file path=ppt/slides/slide15.xml><?xml version="1.0" encoding="utf-8"?>
 <p:sld xmlns:a="http://schemas.openxmlformats.org/drawingml/2006/main" xmlns:r="http://schemas.openxmlformats.org/officeDocument/2006/relationships" xmlns:p="http://schemas.openxmlformats.org/presentationml/2006/main">
   <p:cSld>
     <p:spTree>
@@ -8216,16 +8985,746 @@
             <p:ph idx="1"/>
           </p:nvPr>
         </p:nvSpPr>
-        <p:spPr/>
+        <p:spPr>
+          <a:xfrm>
+            <a:off x="458694" y="1949450"/>
+            <a:ext cx="6654987" cy="4195763"/>
+          </a:xfrm>
+        </p:spPr>
         <p:txBody>
           <a:bodyPr vert="horz" lIns="91440" tIns="45720" rIns="91440" bIns="45720" rtlCol="0" anchor="t">
-            <a:normAutofit/>
+            <a:noAutofit/>
           </a:bodyPr>
           <a:lstStyle/>
           <a:p>
             <a:r>
+              <a:rPr lang="fi-FI" sz="1800" err="1"/>
+              <a:t>Measures</a:t>
+            </a:r>
+            <a:r>
+              <a:rPr lang="fi-FI" sz="1800"/>
+              <a:t> </a:t>
+            </a:r>
+            <a:r>
+              <a:rPr lang="fi-FI" sz="1800" err="1"/>
+              <a:t>the</a:t>
+            </a:r>
+            <a:r>
+              <a:rPr lang="fi-FI" sz="1800"/>
+              <a:t> </a:t>
+            </a:r>
+            <a:r>
+              <a:rPr lang="fi-FI" sz="1800" err="1"/>
+              <a:t>satisfaction</a:t>
+            </a:r>
+            <a:r>
+              <a:rPr lang="fi-FI" sz="1800"/>
+              <a:t> of </a:t>
+            </a:r>
+            <a:r>
+              <a:rPr lang="fi-FI" sz="1800" err="1"/>
+              <a:t>working</a:t>
+            </a:r>
+            <a:r>
+              <a:rPr lang="fi-FI" sz="1800"/>
+              <a:t> </a:t>
+            </a:r>
+            <a:r>
+              <a:rPr lang="fi-FI" sz="1800" err="1"/>
+              <a:t>environment</a:t>
+            </a:r>
+            <a:r>
+              <a:rPr lang="fi-FI" sz="1800"/>
+              <a:t> on a </a:t>
+            </a:r>
+            <a:r>
+              <a:rPr lang="fi-FI" sz="1800" err="1"/>
+              <a:t>scale</a:t>
+            </a:r>
+            <a:r>
+              <a:rPr lang="fi-FI" sz="1800"/>
+              <a:t> 1-5 </a:t>
+            </a:r>
+            <a:r>
+              <a:rPr lang="fi-FI" sz="1800" err="1"/>
+              <a:t>amongst</a:t>
+            </a:r>
+            <a:r>
+              <a:rPr lang="fi-FI" sz="1800"/>
+              <a:t> </a:t>
+            </a:r>
+            <a:r>
+              <a:rPr lang="fi-FI" sz="1800" err="1"/>
+              <a:t>years</a:t>
+            </a:r>
+            <a:r>
+              <a:rPr lang="fi-FI" sz="1800"/>
+              <a:t> of </a:t>
+            </a:r>
+            <a:r>
+              <a:rPr lang="fi-FI" sz="1800" err="1"/>
+              <a:t>service</a:t>
+            </a:r>
+            <a:r>
+              <a:rPr lang="fi-FI" sz="1800"/>
+              <a:t> </a:t>
+            </a:r>
+            <a:r>
+              <a:rPr lang="fi-FI" sz="1800" err="1"/>
+              <a:t>categories</a:t>
+            </a:r>
+            <a:r>
+              <a:rPr lang="fi-FI" sz="1800"/>
+              <a:t> </a:t>
+            </a:r>
+          </a:p>
+          <a:p>
+            <a:r>
+              <a:rPr lang="fi-FI" sz="1800"/>
+              <a:t>As </a:t>
+            </a:r>
+            <a:r>
+              <a:rPr lang="fi-FI" sz="1800" err="1"/>
+              <a:t>presented</a:t>
+            </a:r>
+            <a:r>
+              <a:rPr lang="fi-FI" sz="1800"/>
+              <a:t>, </a:t>
+            </a:r>
+            <a:r>
+              <a:rPr lang="fi-FI" sz="1800" err="1"/>
+              <a:t>the</a:t>
+            </a:r>
+            <a:r>
+              <a:rPr lang="fi-FI" sz="1800"/>
+              <a:t> </a:t>
+            </a:r>
+            <a:r>
+              <a:rPr lang="fi-FI" sz="1800" err="1"/>
+              <a:t>vast</a:t>
+            </a:r>
+            <a:r>
+              <a:rPr lang="fi-FI" sz="1800"/>
+              <a:t> </a:t>
+            </a:r>
+            <a:r>
+              <a:rPr lang="fi-FI" sz="1800" err="1"/>
+              <a:t>majority</a:t>
+            </a:r>
+            <a:r>
+              <a:rPr lang="fi-FI" sz="1800"/>
+              <a:t> of </a:t>
+            </a:r>
+            <a:r>
+              <a:rPr lang="fi-FI" sz="1800" err="1"/>
+              <a:t>voters</a:t>
+            </a:r>
+            <a:r>
+              <a:rPr lang="fi-FI" sz="1800"/>
+              <a:t> </a:t>
+            </a:r>
+            <a:r>
+              <a:rPr lang="fi-FI" sz="1800" err="1"/>
+              <a:t>were</a:t>
+            </a:r>
+            <a:r>
+              <a:rPr lang="fi-FI" sz="1800"/>
+              <a:t> </a:t>
+            </a:r>
+            <a:r>
+              <a:rPr lang="fi-FI" sz="1800" err="1"/>
+              <a:t>among</a:t>
+            </a:r>
+            <a:r>
+              <a:rPr lang="fi-FI" sz="1800"/>
+              <a:t> </a:t>
+            </a:r>
+            <a:r>
+              <a:rPr lang="fi-FI" sz="1800" err="1"/>
+              <a:t>the</a:t>
+            </a:r>
+            <a:r>
+              <a:rPr lang="fi-FI" sz="1800"/>
+              <a:t> </a:t>
+            </a:r>
+            <a:r>
+              <a:rPr lang="fi-FI" sz="1800" err="1"/>
+              <a:t>less</a:t>
+            </a:r>
+            <a:r>
+              <a:rPr lang="fi-FI" sz="1800"/>
+              <a:t> </a:t>
+            </a:r>
+            <a:r>
+              <a:rPr lang="fi-FI" sz="1800" err="1"/>
+              <a:t>experienced</a:t>
+            </a:r>
+            <a:r>
+              <a:rPr lang="fi-FI" sz="1800"/>
+              <a:t> </a:t>
+            </a:r>
+            <a:r>
+              <a:rPr lang="fi-FI" sz="1800" err="1"/>
+              <a:t>peers</a:t>
+            </a:r>
+            <a:r>
+              <a:rPr lang="fi-FI" sz="1800"/>
+              <a:t> </a:t>
+            </a:r>
+          </a:p>
+          <a:p>
+            <a:r>
+              <a:rPr lang="fi-FI" sz="1800" err="1"/>
+              <a:t>The</a:t>
+            </a:r>
+            <a:r>
+              <a:rPr lang="fi-FI" sz="1800"/>
+              <a:t> </a:t>
+            </a:r>
+            <a:r>
+              <a:rPr lang="fi-FI" sz="1800" err="1"/>
+              <a:t>more</a:t>
+            </a:r>
+            <a:r>
+              <a:rPr lang="fi-FI" sz="1800"/>
+              <a:t> </a:t>
+            </a:r>
+            <a:r>
+              <a:rPr lang="fi-FI" sz="1800" err="1"/>
+              <a:t>experienced</a:t>
+            </a:r>
+            <a:r>
+              <a:rPr lang="fi-FI" sz="1800"/>
+              <a:t> </a:t>
+            </a:r>
+            <a:r>
+              <a:rPr lang="fi-FI" sz="1800" err="1"/>
+              <a:t>attendees</a:t>
+            </a:r>
+            <a:r>
+              <a:rPr lang="fi-FI" sz="1800"/>
+              <a:t> </a:t>
+            </a:r>
+            <a:r>
+              <a:rPr lang="fi-FI" sz="1800" err="1"/>
+              <a:t>voted</a:t>
+            </a:r>
+            <a:r>
+              <a:rPr lang="fi-FI" sz="1800"/>
+              <a:t> </a:t>
+            </a:r>
+            <a:r>
+              <a:rPr lang="fi-FI" sz="1800" err="1"/>
+              <a:t>less</a:t>
+            </a:r>
+            <a:r>
+              <a:rPr lang="fi-FI" sz="1800"/>
+              <a:t>, </a:t>
+            </a:r>
+            <a:r>
+              <a:rPr lang="fi-FI" sz="1800" err="1"/>
+              <a:t>even</a:t>
+            </a:r>
+            <a:r>
+              <a:rPr lang="fi-FI" sz="1800"/>
+              <a:t> </a:t>
+            </a:r>
+            <a:r>
+              <a:rPr lang="fi-FI" sz="1800" err="1"/>
+              <a:t>then</a:t>
+            </a:r>
+            <a:r>
+              <a:rPr lang="fi-FI" sz="1800"/>
+              <a:t> </a:t>
+            </a:r>
+            <a:r>
+              <a:rPr lang="fi-FI" sz="1800" err="1"/>
+              <a:t>they</a:t>
+            </a:r>
+            <a:r>
+              <a:rPr lang="fi-FI" sz="1800"/>
+              <a:t> </a:t>
+            </a:r>
+            <a:r>
+              <a:rPr lang="fi-FI" sz="1800" err="1"/>
+              <a:t>give</a:t>
+            </a:r>
+            <a:r>
+              <a:rPr lang="fi-FI" sz="1800"/>
+              <a:t> general </a:t>
+            </a:r>
+            <a:r>
+              <a:rPr lang="fi-FI" sz="1800" err="1"/>
+              <a:t>answers</a:t>
+            </a:r>
+            <a:endParaRPr lang="fi-FI" sz="1800"/>
+          </a:p>
+          <a:p>
+            <a:r>
+              <a:rPr lang="fi-FI" sz="1800" err="1"/>
+              <a:t>This</a:t>
+            </a:r>
+            <a:r>
+              <a:rPr lang="fi-FI" sz="1800"/>
+              <a:t> </a:t>
+            </a:r>
+            <a:r>
+              <a:rPr lang="fi-FI" sz="1800" err="1"/>
+              <a:t>indicates</a:t>
+            </a:r>
+            <a:r>
+              <a:rPr lang="fi-FI" sz="1800"/>
+              <a:t> </a:t>
+            </a:r>
+            <a:r>
+              <a:rPr lang="fi-FI" sz="1800" err="1"/>
+              <a:t>that</a:t>
+            </a:r>
+            <a:r>
+              <a:rPr lang="fi-FI" sz="1800"/>
+              <a:t> </a:t>
+            </a:r>
+            <a:r>
+              <a:rPr lang="fi-FI" sz="1800" err="1"/>
+              <a:t>newcomers</a:t>
+            </a:r>
+            <a:r>
+              <a:rPr lang="fi-FI" sz="1800"/>
+              <a:t> to </a:t>
+            </a:r>
+            <a:r>
+              <a:rPr lang="fi-FI" sz="1800" err="1"/>
+              <a:t>the</a:t>
+            </a:r>
+            <a:r>
+              <a:rPr lang="fi-FI" sz="1800"/>
+              <a:t> </a:t>
+            </a:r>
+            <a:r>
+              <a:rPr lang="fi-FI" sz="1800" err="1"/>
+              <a:t>job</a:t>
+            </a:r>
+            <a:r>
+              <a:rPr lang="fi-FI" sz="1800"/>
+              <a:t> market </a:t>
+            </a:r>
+            <a:r>
+              <a:rPr lang="fi-FI" sz="1800" err="1"/>
+              <a:t>would</a:t>
+            </a:r>
+            <a:r>
+              <a:rPr lang="fi-FI" sz="1800"/>
+              <a:t> </a:t>
+            </a:r>
+            <a:r>
+              <a:rPr lang="fi-FI" sz="1800" err="1"/>
+              <a:t>like</a:t>
+            </a:r>
+            <a:r>
+              <a:rPr lang="fi-FI" sz="1800"/>
+              <a:t> to </a:t>
+            </a:r>
+            <a:r>
+              <a:rPr lang="fi-FI" sz="1800" err="1"/>
+              <a:t>be</a:t>
+            </a:r>
+            <a:r>
+              <a:rPr lang="fi-FI" sz="1800"/>
+              <a:t> </a:t>
+            </a:r>
+            <a:r>
+              <a:rPr lang="fi-FI" sz="1800" err="1"/>
+              <a:t>seen</a:t>
+            </a:r>
+            <a:r>
+              <a:rPr lang="fi-FI" sz="1800"/>
+              <a:t> and </a:t>
+            </a:r>
+            <a:r>
+              <a:rPr lang="fi-FI" sz="1800" err="1"/>
+              <a:t>heard</a:t>
+            </a:r>
+            <a:r>
+              <a:rPr lang="fi-FI" sz="1800"/>
+              <a:t> </a:t>
+            </a:r>
+            <a:r>
+              <a:rPr lang="fi-FI" sz="1800" err="1"/>
+              <a:t>about</a:t>
+            </a:r>
+            <a:r>
+              <a:rPr lang="fi-FI" sz="1800"/>
+              <a:t> </a:t>
+            </a:r>
+            <a:r>
+              <a:rPr lang="fi-FI" sz="1800" err="1"/>
+              <a:t>their</a:t>
+            </a:r>
+            <a:r>
+              <a:rPr lang="fi-FI" sz="1800"/>
+              <a:t> </a:t>
+            </a:r>
+            <a:r>
+              <a:rPr lang="fi-FI" sz="1800" err="1"/>
+              <a:t>opinion</a:t>
+            </a:r>
+            <a:r>
+              <a:rPr lang="fi-FI" sz="1800"/>
+              <a:t>, </a:t>
+            </a:r>
+            <a:r>
+              <a:rPr lang="fi-FI" sz="1800" err="1"/>
+              <a:t>while</a:t>
+            </a:r>
+            <a:r>
+              <a:rPr lang="fi-FI" sz="1800"/>
+              <a:t> </a:t>
+            </a:r>
+            <a:r>
+              <a:rPr lang="fi-FI" sz="1800" err="1"/>
+              <a:t>older</a:t>
+            </a:r>
+            <a:r>
+              <a:rPr lang="fi-FI" sz="1800"/>
+              <a:t> </a:t>
+            </a:r>
+            <a:r>
+              <a:rPr lang="fi-FI" sz="1800" err="1"/>
+              <a:t>generations</a:t>
+            </a:r>
+            <a:r>
+              <a:rPr lang="fi-FI" sz="1800"/>
+              <a:t> </a:t>
+            </a:r>
+            <a:r>
+              <a:rPr lang="fi-FI" sz="1800" err="1"/>
+              <a:t>thend</a:t>
+            </a:r>
+            <a:r>
+              <a:rPr lang="fi-FI" sz="1800"/>
+              <a:t> to </a:t>
+            </a:r>
+            <a:r>
+              <a:rPr lang="fi-FI" sz="1800" err="1"/>
+              <a:t>be</a:t>
+            </a:r>
+            <a:r>
+              <a:rPr lang="fi-FI" sz="1800"/>
+              <a:t> </a:t>
+            </a:r>
+            <a:r>
+              <a:rPr lang="fi-FI" sz="1800" err="1"/>
+              <a:t>accepting</a:t>
+            </a:r>
+            <a:r>
+              <a:rPr lang="fi-FI" sz="1800"/>
+              <a:t> </a:t>
+            </a:r>
+            <a:r>
+              <a:rPr lang="fi-FI" sz="1800" err="1"/>
+              <a:t>towards</a:t>
+            </a:r>
+            <a:r>
+              <a:rPr lang="fi-FI" sz="1800"/>
+              <a:t> </a:t>
+            </a:r>
+            <a:r>
+              <a:rPr lang="fi-FI" sz="1800" err="1"/>
+              <a:t>working</a:t>
+            </a:r>
+            <a:r>
+              <a:rPr lang="fi-FI" sz="1800"/>
+              <a:t> </a:t>
+            </a:r>
+            <a:r>
+              <a:rPr lang="fi-FI" sz="1800" err="1"/>
+              <a:t>conditions</a:t>
+            </a:r>
+            <a:r>
+              <a:rPr lang="fi-FI" sz="1800"/>
+              <a:t> and </a:t>
+            </a:r>
+            <a:r>
+              <a:rPr lang="fi-FI" sz="1800" err="1"/>
+              <a:t>environment</a:t>
+            </a:r>
+            <a:endParaRPr lang="fi-FI" sz="1800"/>
+          </a:p>
+          <a:p>
+            <a:r>
+              <a:rPr lang="fi-FI" sz="1800" err="1"/>
+              <a:t>The</a:t>
+            </a:r>
+            <a:r>
+              <a:rPr lang="fi-FI" sz="1800"/>
+              <a:t> </a:t>
+            </a:r>
+            <a:r>
+              <a:rPr lang="fi-FI" sz="1800" err="1"/>
+              <a:t>measure</a:t>
+            </a:r>
+            <a:r>
+              <a:rPr lang="fi-FI" sz="1800"/>
+              <a:t> of p </a:t>
+            </a:r>
+            <a:r>
+              <a:rPr lang="fi-FI" sz="1800" err="1"/>
+              <a:t>value</a:t>
+            </a:r>
+            <a:r>
+              <a:rPr lang="fi-FI" sz="1800"/>
+              <a:t> is ~ 0.029, </a:t>
+            </a:r>
+            <a:r>
+              <a:rPr lang="fi-FI" sz="1800" err="1"/>
+              <a:t>which</a:t>
+            </a:r>
+            <a:r>
+              <a:rPr lang="fi-FI" sz="1800"/>
+              <a:t> </a:t>
+            </a:r>
+            <a:r>
+              <a:rPr lang="fi-FI" sz="1800" err="1"/>
+              <a:t>proves</a:t>
+            </a:r>
+            <a:r>
+              <a:rPr lang="fi-FI" sz="1800"/>
+              <a:t> </a:t>
+            </a:r>
+            <a:r>
+              <a:rPr lang="fi-FI" sz="1800" err="1"/>
+              <a:t>the</a:t>
+            </a:r>
+            <a:r>
+              <a:rPr lang="fi-FI" sz="1800"/>
+              <a:t> </a:t>
+            </a:r>
+            <a:r>
+              <a:rPr lang="fi-FI" sz="1800" err="1"/>
+              <a:t>significancy</a:t>
+            </a:r>
+            <a:r>
+              <a:rPr lang="fi-FI" sz="1800"/>
+              <a:t> of </a:t>
+            </a:r>
+            <a:r>
+              <a:rPr lang="fi-FI" sz="1800" err="1"/>
+              <a:t>the</a:t>
+            </a:r>
+            <a:r>
+              <a:rPr lang="fi-FI" sz="1800"/>
+              <a:t> </a:t>
+            </a:r>
+            <a:r>
+              <a:rPr lang="fi-FI" sz="1800" err="1"/>
+              <a:t>analysis</a:t>
+            </a:r>
+            <a:r>
+              <a:rPr lang="fi-FI" sz="1800"/>
+              <a:t> of </a:t>
+            </a:r>
+            <a:r>
+              <a:rPr lang="fi-FI" sz="1800" err="1"/>
+              <a:t>these</a:t>
+            </a:r>
+            <a:r>
+              <a:rPr lang="fi-FI" sz="1800"/>
+              <a:t> </a:t>
+            </a:r>
+            <a:r>
+              <a:rPr lang="fi-FI" sz="1800" err="1"/>
+              <a:t>variables</a:t>
+            </a:r>
+            <a:r>
+              <a:rPr lang="fi-FI" sz="1800"/>
+              <a:t> </a:t>
+            </a:r>
+          </a:p>
+        </p:txBody>
+      </p:sp>
+      <p:pic>
+        <p:nvPicPr>
+          <p:cNvPr id="5" name="Kuva 4" descr="Kuva, joka sisältää kohteen teksti, kuvakaappaus, Fontti, numero&#10;&#10;Kuvaus luotu automaattisesti">
+            <a:extLst>
+              <a:ext uri="{FF2B5EF4-FFF2-40B4-BE49-F238E27FC236}">
+                <a16:creationId xmlns:a16="http://schemas.microsoft.com/office/drawing/2014/main" id="{A704C4EE-8BBA-AD1F-DAA3-674E7937E944}"/>
+              </a:ext>
+            </a:extLst>
+          </p:cNvPr>
+          <p:cNvPicPr>
+            <a:picLocks noChangeAspect="1"/>
+          </p:cNvPicPr>
+          <p:nvPr/>
+        </p:nvPicPr>
+        <p:blipFill>
+          <a:blip r:embed="rId2"/>
+          <a:stretch>
+            <a:fillRect/>
+          </a:stretch>
+        </p:blipFill>
+        <p:spPr>
+          <a:xfrm>
+            <a:off x="7391400" y="1753766"/>
+            <a:ext cx="3171825" cy="1331167"/>
+          </a:xfrm>
+          <a:prstGeom prst="rect">
+            <a:avLst/>
+          </a:prstGeom>
+        </p:spPr>
+      </p:pic>
+      <p:pic>
+        <p:nvPicPr>
+          <p:cNvPr id="6" name="Kuva 5" descr="Kuva, joka sisältää kohteen teksti, kuvakaappaus, diagrammi, viiva&#10;&#10;Kuvaus luotu automaattisesti">
+            <a:extLst>
+              <a:ext uri="{FF2B5EF4-FFF2-40B4-BE49-F238E27FC236}">
+                <a16:creationId xmlns:a16="http://schemas.microsoft.com/office/drawing/2014/main" id="{90914565-B047-6FA0-0D38-AB95630577A9}"/>
+              </a:ext>
+            </a:extLst>
+          </p:cNvPr>
+          <p:cNvPicPr>
+            <a:picLocks noChangeAspect="1"/>
+          </p:cNvPicPr>
+          <p:nvPr/>
+        </p:nvPicPr>
+        <p:blipFill>
+          <a:blip r:embed="rId3"/>
+          <a:stretch>
+            <a:fillRect/>
+          </a:stretch>
+        </p:blipFill>
+        <p:spPr>
+          <a:xfrm>
+            <a:off x="7362825" y="3050873"/>
+            <a:ext cx="4371975" cy="3299430"/>
+          </a:xfrm>
+          <a:prstGeom prst="rect">
+            <a:avLst/>
+          </a:prstGeom>
+        </p:spPr>
+      </p:pic>
+      <p:pic>
+        <p:nvPicPr>
+          <p:cNvPr id="7" name="Kuva 6">
+            <a:extLst>
+              <a:ext uri="{FF2B5EF4-FFF2-40B4-BE49-F238E27FC236}">
+                <a16:creationId xmlns:a16="http://schemas.microsoft.com/office/drawing/2014/main" id="{816AD146-7F96-D78A-DA73-EABFCF805B45}"/>
+              </a:ext>
+            </a:extLst>
+          </p:cNvPr>
+          <p:cNvPicPr>
+            <a:picLocks noChangeAspect="1"/>
+          </p:cNvPicPr>
+          <p:nvPr/>
+        </p:nvPicPr>
+        <p:blipFill>
+          <a:blip r:embed="rId4"/>
+          <a:stretch>
+            <a:fillRect/>
+          </a:stretch>
+        </p:blipFill>
+        <p:spPr>
+          <a:xfrm>
+            <a:off x="6800850" y="6351626"/>
+            <a:ext cx="6372225" cy="222173"/>
+          </a:xfrm>
+          <a:prstGeom prst="rect">
+            <a:avLst/>
+          </a:prstGeom>
+        </p:spPr>
+      </p:pic>
+    </p:spTree>
+    <p:extLst>
+      <p:ext uri="{BB962C8B-B14F-4D97-AF65-F5344CB8AC3E}">
+        <p14:creationId xmlns:p14="http://schemas.microsoft.com/office/powerpoint/2010/main" val="2351471326"/>
+      </p:ext>
+    </p:extLst>
+  </p:cSld>
+  <p:clrMapOvr>
+    <a:masterClrMapping/>
+  </p:clrMapOvr>
+</p:sld>
+</file>
+
+<file path=ppt/slides/slide16.xml><?xml version="1.0" encoding="utf-8"?>
+<p:sld xmlns:a="http://schemas.openxmlformats.org/drawingml/2006/main" xmlns:r="http://schemas.openxmlformats.org/officeDocument/2006/relationships" xmlns:p="http://schemas.openxmlformats.org/presentationml/2006/main">
+  <p:cSld>
+    <p:spTree>
+      <p:nvGrpSpPr>
+        <p:cNvPr id="1" name=""/>
+        <p:cNvGrpSpPr/>
+        <p:nvPr/>
+      </p:nvGrpSpPr>
+      <p:grpSpPr>
+        <a:xfrm>
+          <a:off x="0" y="0"/>
+          <a:ext cx="0" cy="0"/>
+          <a:chOff x="0" y="0"/>
+          <a:chExt cx="0" cy="0"/>
+        </a:xfrm>
+      </p:grpSpPr>
+      <p:pic>
+        <p:nvPicPr>
+          <p:cNvPr id="4" name="Sisällön paikkamerkki 3" descr="Kuva, joka sisältää kohteen elektroniikka, teksti, kuvakaappaus, tietokone&#10;&#10;Kuvaus luotu automaattisesti">
+            <a:extLst>
+              <a:ext uri="{FF2B5EF4-FFF2-40B4-BE49-F238E27FC236}">
+                <a16:creationId xmlns:a16="http://schemas.microsoft.com/office/drawing/2014/main" id="{0F5EF7BF-1686-AAF2-1FFF-B4AB8D1026BC}"/>
+              </a:ext>
+            </a:extLst>
+          </p:cNvPr>
+          <p:cNvPicPr>
+            <a:picLocks noGrp="1" noChangeAspect="1"/>
+          </p:cNvPicPr>
+          <p:nvPr>
+            <p:ph idx="1"/>
+          </p:nvPr>
+        </p:nvPicPr>
+        <p:blipFill>
+          <a:blip r:embed="rId2"/>
+          <a:stretch>
+            <a:fillRect/>
+          </a:stretch>
+        </p:blipFill>
+        <p:spPr>
+          <a:xfrm>
+            <a:off x="397099" y="279516"/>
+            <a:ext cx="6096000" cy="1504025"/>
+          </a:xfrm>
+        </p:spPr>
+      </p:pic>
+      <p:sp>
+        <p:nvSpPr>
+          <p:cNvPr id="5" name="Tekstiruutu 4">
+            <a:extLst>
+              <a:ext uri="{FF2B5EF4-FFF2-40B4-BE49-F238E27FC236}">
+                <a16:creationId xmlns:a16="http://schemas.microsoft.com/office/drawing/2014/main" id="{000811E6-BFE4-E79A-36E5-D5104E811E4D}"/>
+              </a:ext>
+            </a:extLst>
+          </p:cNvPr>
+          <p:cNvSpPr txBox="1"/>
+          <p:nvPr/>
+        </p:nvSpPr>
+        <p:spPr>
+          <a:xfrm>
+            <a:off x="6632620" y="399781"/>
+            <a:ext cx="4547852" cy="369332"/>
+          </a:xfrm>
+          <a:prstGeom prst="rect">
+            <a:avLst/>
+          </a:prstGeom>
+          <a:noFill/>
+        </p:spPr>
+        <p:txBody>
+          <a:bodyPr rot="0" spcFirstLastPara="0" vertOverflow="overflow" horzOverflow="overflow" vert="horz" wrap="square" lIns="91440" tIns="45720" rIns="91440" bIns="45720" numCol="1" spcCol="0" rtlCol="0" fromWordArt="0" anchor="t" anchorCtr="0" forceAA="0" compatLnSpc="1">
+            <a:prstTxWarp prst="textNoShape">
+              <a:avLst/>
+            </a:prstTxWarp>
+            <a:spAutoFit/>
+          </a:bodyPr>
+          <a:lstStyle/>
+          <a:p>
+            <a:r>
               <a:rPr lang="fi-FI" err="1"/>
-              <a:t>Working</a:t>
+              <a:t>List</a:t>
             </a:r>
             <a:r>
               <a:rPr lang="fi-FI"/>
@@ -8233,19 +9732,155 @@
             </a:r>
             <a:r>
               <a:rPr lang="fi-FI" err="1"/>
-              <a:t>experience</a:t>
+              <a:t>comprehension</a:t>
+            </a:r>
+          </a:p>
+        </p:txBody>
+      </p:sp>
+      <p:pic>
+        <p:nvPicPr>
+          <p:cNvPr id="6" name="Kuva 5" descr="Kuva, joka sisältää kohteen teksti, kuvakaappaus, Fontti, ohjelmisto&#10;&#10;Kuvaus luotu automaattisesti">
+            <a:extLst>
+              <a:ext uri="{FF2B5EF4-FFF2-40B4-BE49-F238E27FC236}">
+                <a16:creationId xmlns:a16="http://schemas.microsoft.com/office/drawing/2014/main" id="{62ACD2E7-C906-E23E-0142-BAA6F25F6664}"/>
+              </a:ext>
+            </a:extLst>
+          </p:cNvPr>
+          <p:cNvPicPr>
+            <a:picLocks noChangeAspect="1"/>
+          </p:cNvPicPr>
+          <p:nvPr/>
+        </p:nvPicPr>
+        <p:blipFill>
+          <a:blip r:embed="rId3"/>
+          <a:stretch>
+            <a:fillRect/>
+          </a:stretch>
+        </p:blipFill>
+        <p:spPr>
+          <a:xfrm>
+            <a:off x="6802930" y="1954101"/>
+            <a:ext cx="4810930" cy="2745884"/>
+          </a:xfrm>
+          <a:prstGeom prst="rect">
+            <a:avLst/>
+          </a:prstGeom>
+        </p:spPr>
+      </p:pic>
+      <p:sp>
+        <p:nvSpPr>
+          <p:cNvPr id="7" name="Tekstiruutu 6">
+            <a:extLst>
+              <a:ext uri="{FF2B5EF4-FFF2-40B4-BE49-F238E27FC236}">
+                <a16:creationId xmlns:a16="http://schemas.microsoft.com/office/drawing/2014/main" id="{4B9CAC41-F6BD-C973-8225-9C67383DE1A4}"/>
+              </a:ext>
+            </a:extLst>
+          </p:cNvPr>
+          <p:cNvSpPr txBox="1"/>
+          <p:nvPr/>
+        </p:nvSpPr>
+        <p:spPr>
+          <a:xfrm>
+            <a:off x="2645536" y="2683099"/>
+            <a:ext cx="3367287" cy="646331"/>
+          </a:xfrm>
+          <a:prstGeom prst="rect">
+            <a:avLst/>
+          </a:prstGeom>
+          <a:noFill/>
+        </p:spPr>
+        <p:txBody>
+          <a:bodyPr rot="0" spcFirstLastPara="0" vertOverflow="overflow" horzOverflow="overflow" vert="horz" wrap="square" lIns="91440" tIns="45720" rIns="91440" bIns="45720" numCol="1" spcCol="0" rtlCol="0" fromWordArt="0" anchor="t" anchorCtr="0" forceAA="0" compatLnSpc="1">
+            <a:prstTxWarp prst="textNoShape">
+              <a:avLst/>
+            </a:prstTxWarp>
+            <a:spAutoFit/>
+          </a:bodyPr>
+          <a:lstStyle/>
+          <a:p>
+            <a:r>
+              <a:rPr lang="fi-FI" err="1"/>
+              <a:t>Slicing</a:t>
             </a:r>
             <a:r>
               <a:rPr lang="fi-FI"/>
-              <a:t> </a:t>
+              <a:t> in </a:t>
             </a:r>
             <a:r>
               <a:rPr lang="fi-FI" err="1"/>
-              <a:t>bins</a:t>
+              <a:t>WorkplaceSatisfactionSurvey</a:t>
+            </a:r>
+          </a:p>
+        </p:txBody>
+      </p:sp>
+      <p:pic>
+        <p:nvPicPr>
+          <p:cNvPr id="9" name="Kuva 8" descr="Kuva, joka sisältää kohteen teksti, kuvakaappaus, Fontti&#10;&#10;Kuvaus luotu automaattisesti">
+            <a:extLst>
+              <a:ext uri="{FF2B5EF4-FFF2-40B4-BE49-F238E27FC236}">
+                <a16:creationId xmlns:a16="http://schemas.microsoft.com/office/drawing/2014/main" id="{BF03FCBE-710F-7FF7-16C3-36BE8955EB84}"/>
+              </a:ext>
+            </a:extLst>
+          </p:cNvPr>
+          <p:cNvPicPr>
+            <a:picLocks noChangeAspect="1"/>
+          </p:cNvPicPr>
+          <p:nvPr/>
+        </p:nvPicPr>
+        <p:blipFill>
+          <a:blip r:embed="rId4"/>
+          <a:stretch>
+            <a:fillRect/>
+          </a:stretch>
+        </p:blipFill>
+        <p:spPr>
+          <a:xfrm>
+            <a:off x="1020516" y="3951198"/>
+            <a:ext cx="4248150" cy="2905125"/>
+          </a:xfrm>
+          <a:prstGeom prst="rect">
+            <a:avLst/>
+          </a:prstGeom>
+        </p:spPr>
+      </p:pic>
+      <p:sp>
+        <p:nvSpPr>
+          <p:cNvPr id="12" name="Tekstiruutu 11">
+            <a:extLst>
+              <a:ext uri="{FF2B5EF4-FFF2-40B4-BE49-F238E27FC236}">
+                <a16:creationId xmlns:a16="http://schemas.microsoft.com/office/drawing/2014/main" id="{9C2D0F0F-552E-43F2-6343-270D5A20C05E}"/>
+              </a:ext>
+            </a:extLst>
+          </p:cNvPr>
+          <p:cNvSpPr txBox="1"/>
+          <p:nvPr/>
+        </p:nvSpPr>
+        <p:spPr>
+          <a:xfrm>
+            <a:off x="5693536" y="5087155"/>
+            <a:ext cx="3367287" cy="369332"/>
+          </a:xfrm>
+          <a:prstGeom prst="rect">
+            <a:avLst/>
+          </a:prstGeom>
+          <a:noFill/>
+        </p:spPr>
+        <p:txBody>
+          <a:bodyPr rot="0" spcFirstLastPara="0" vertOverflow="overflow" horzOverflow="overflow" vert="horz" wrap="square" lIns="91440" tIns="45720" rIns="91440" bIns="45720" numCol="1" spcCol="0" rtlCol="0" fromWordArt="0" anchor="t" anchorCtr="0" forceAA="0" compatLnSpc="1">
+            <a:prstTxWarp prst="textNoShape">
+              <a:avLst/>
+            </a:prstTxWarp>
+            <a:spAutoFit/>
+          </a:bodyPr>
+          <a:lstStyle/>
+          <a:p>
+            <a:r>
+              <a:rPr lang="fi-FI" err="1"/>
+              <a:t>Keyword</a:t>
             </a:r>
             <a:r>
               <a:rPr lang="fi-FI"/>
-              <a:t> – values between 1-5</a:t>
+              <a:t> arguments</a:t>
             </a:r>
           </a:p>
         </p:txBody>
@@ -8253,7 +9888,7 @@
     </p:spTree>
     <p:extLst>
       <p:ext uri="{BB962C8B-B14F-4D97-AF65-F5344CB8AC3E}">
-        <p14:creationId xmlns:p14="http://schemas.microsoft.com/office/powerpoint/2010/main" val="2351471326"/>
+        <p14:creationId xmlns:p14="http://schemas.microsoft.com/office/powerpoint/2010/main" val="1380231780"/>
       </p:ext>
     </p:extLst>
   </p:cSld>
@@ -8744,7 +10379,7 @@
           <a:p>
             <a:r>
               <a:rPr lang="en-US" sz="1800"/>
-              <a:t>The survey was conducted by interviewing 82 customers of our company 0</a:t>
+              <a:t>The survey was conducted by interviewing 82 customers of our company </a:t>
             </a:r>
           </a:p>
           <a:p>
@@ -9142,7 +10777,7 @@
           </a:prstGeom>
         </p:spPr>
         <p:txBody>
-          <a:bodyPr rot="0" spcFirstLastPara="0" vertOverflow="overflow" horzOverflow="overflow" vert="horz" lIns="91440" tIns="45720" rIns="91440" bIns="45720" numCol="1" spcCol="0" rtlCol="0" fromWordArt="0" anchorCtr="0" forceAA="0" compatLnSpc="1">
+          <a:bodyPr rot="0" spcFirstLastPara="0" vertOverflow="overflow" horzOverflow="overflow" vert="horz" lIns="91440" tIns="45720" rIns="91440" bIns="45720" numCol="1" spcCol="0" rtlCol="0" fromWordArt="0" anchor="t" anchorCtr="0" forceAA="0" compatLnSpc="1">
             <a:prstTxWarp prst="textNoShape">
               <a:avLst/>
             </a:prstTxWarp>
@@ -9184,7 +10819,7 @@
             </a:pPr>
             <a:r>
               <a:rPr lang="en-US" sz="2400"/>
-              <a:t>Variables of main interest: 8-9 (Likert scale) </a:t>
+              <a:t>Variables of main interest: 9-13 (Likert scale) </a:t>
             </a:r>
           </a:p>
           <a:p>
@@ -10019,7 +11654,7 @@
           <a:p>
             <a:r>
               <a:rPr lang="fi-FI" sz="4000"/>
-              <a:t>Katie’s slide (Age)</a:t>
+              <a:t>Keita’s slide (Age)</a:t>
             </a:r>
             <a:endParaRPr lang="LID4096" sz="4000"/>
           </a:p>
@@ -10067,7 +11702,7 @@
           <a:p>
             <a:r>
               <a:rPr lang="en-US" sz="1800"/>
-              <a:t>The mean age of all participants were shown to be ~38 years.</a:t>
+              <a:t>The mean age of all participants were shown to be 38 years.</a:t>
             </a:r>
           </a:p>
           <a:p>
@@ -10201,7 +11836,7 @@
         </p:nvSpPr>
         <p:spPr>
           <a:xfrm>
-            <a:off x="8487235" y="3587603"/>
+            <a:off x="9056132" y="5883602"/>
             <a:ext cx="756592" cy="307777"/>
           </a:xfrm>
           <a:prstGeom prst="rect">
@@ -12031,7 +13666,21 @@
             <a:pPr lvl="1"/>
             <a:r>
               <a:rPr lang="en-US" sz="1800"/>
-              <a:t>At first glance, one might think it does not carry much significance, although we have come to some interesting findings here</a:t>
+              <a:t>Gender and salary satisfaction</a:t>
+            </a:r>
+          </a:p>
+          <a:p>
+            <a:pPr lvl="1"/>
+            <a:r>
+              <a:rPr lang="en-US" sz="1800"/>
+              <a:t>Family status and salary satisfaction</a:t>
+            </a:r>
+          </a:p>
+          <a:p>
+            <a:pPr lvl="1"/>
+            <a:r>
+              <a:rPr lang="en-US" sz="1800"/>
+              <a:t>Years of service and work environment satisfaction</a:t>
             </a:r>
           </a:p>
         </p:txBody>
